--- a/docs/RL_Sutton_and_Barto_Figures.pptx
+++ b/docs/RL_Sutton_and_Barto_Figures.pptx
@@ -4629,1312 +4629,2920 @@
           </a:graphicData>
         </a:graphic>
       </p:graphicFrame>
-      <p:graphicFrame>
-        <p:nvGraphicFramePr>
-          <p:cNvPr id="12" name="Table 4">
-            <a:extLst>
-              <a:ext uri="{FF2B5EF4-FFF2-40B4-BE49-F238E27FC236}">
-                <a16:creationId xmlns:a16="http://schemas.microsoft.com/office/drawing/2014/main" id="{79AE4819-01A5-665B-AAB7-C91D2F5B05FB}"/>
-              </a:ext>
-            </a:extLst>
-          </p:cNvPr>
-          <p:cNvGraphicFramePr>
-            <a:graphicFrameLocks noGrp="1"/>
-          </p:cNvGraphicFramePr>
-          <p:nvPr>
-            <p:extLst>
-              <p:ext uri="{D42A27DB-BD31-4B8C-83A1-F6EECF244321}">
-                <p14:modId xmlns:p14="http://schemas.microsoft.com/office/powerpoint/2010/main" val="2689158853"/>
-              </p:ext>
-            </p:extLst>
-          </p:nvPr>
-        </p:nvGraphicFramePr>
-        <p:xfrm>
-          <a:off x="6893690" y="679448"/>
-          <a:ext cx="2150240" cy="2062875"/>
-        </p:xfrm>
-        <a:graphic>
-          <a:graphicData uri="http://schemas.openxmlformats.org/drawingml/2006/table">
-            <a:tbl>
-              <a:tblPr firstRow="1" bandRow="1">
-                <a:tableStyleId>{5C22544A-7EE6-4342-B048-85BDC9FD1C3A}</a:tableStyleId>
-              </a:tblPr>
-              <a:tblGrid>
-                <a:gridCol w="430048">
-                  <a:extLst>
-                    <a:ext uri="{9D8B030D-6E8A-4147-A177-3AD203B41FA5}">
-                      <a16:colId xmlns:a16="http://schemas.microsoft.com/office/drawing/2014/main" val="3313694271"/>
-                    </a:ext>
-                  </a:extLst>
-                </a:gridCol>
-                <a:gridCol w="430048">
-                  <a:extLst>
-                    <a:ext uri="{9D8B030D-6E8A-4147-A177-3AD203B41FA5}">
-                      <a16:colId xmlns:a16="http://schemas.microsoft.com/office/drawing/2014/main" val="572745086"/>
-                    </a:ext>
-                  </a:extLst>
-                </a:gridCol>
-                <a:gridCol w="430048">
-                  <a:extLst>
-                    <a:ext uri="{9D8B030D-6E8A-4147-A177-3AD203B41FA5}">
-                      <a16:colId xmlns:a16="http://schemas.microsoft.com/office/drawing/2014/main" val="2723029343"/>
-                    </a:ext>
-                  </a:extLst>
-                </a:gridCol>
-                <a:gridCol w="430048">
-                  <a:extLst>
-                    <a:ext uri="{9D8B030D-6E8A-4147-A177-3AD203B41FA5}">
-                      <a16:colId xmlns:a16="http://schemas.microsoft.com/office/drawing/2014/main" val="1978458107"/>
-                    </a:ext>
-                  </a:extLst>
-                </a:gridCol>
-                <a:gridCol w="430048">
-                  <a:extLst>
-                    <a:ext uri="{9D8B030D-6E8A-4147-A177-3AD203B41FA5}">
-                      <a16:colId xmlns:a16="http://schemas.microsoft.com/office/drawing/2014/main" val="2319721335"/>
-                    </a:ext>
-                  </a:extLst>
-                </a:gridCol>
-              </a:tblGrid>
-              <a:tr h="412575">
-                <a:tc>
-                  <a:txBody>
-                    <a:bodyPr/>
-                    <a:lstStyle/>
-                    <a:p>
-                      <a:endParaRPr lang="en-US" dirty="0"/>
-                    </a:p>
-                  </a:txBody>
-                  <a:tcPr>
-                    <a:lnL w="12700" cap="flat" cmpd="sng" algn="ctr">
-                      <a:solidFill>
-                        <a:schemeClr val="tx1"/>
-                      </a:solidFill>
-                      <a:prstDash val="solid"/>
-                      <a:round/>
-                      <a:headEnd type="none" w="med" len="med"/>
-                      <a:tailEnd type="none" w="med" len="med"/>
-                    </a:lnL>
-                    <a:lnR w="12700" cap="flat" cmpd="sng" algn="ctr">
-                      <a:solidFill>
-                        <a:schemeClr val="tx1"/>
-                      </a:solidFill>
-                      <a:prstDash val="solid"/>
-                      <a:round/>
-                      <a:headEnd type="none" w="med" len="med"/>
-                      <a:tailEnd type="none" w="med" len="med"/>
-                    </a:lnR>
-                    <a:lnT w="12700" cap="flat" cmpd="sng" algn="ctr">
-                      <a:solidFill>
-                        <a:schemeClr val="tx1"/>
-                      </a:solidFill>
-                      <a:prstDash val="solid"/>
-                      <a:round/>
-                      <a:headEnd type="none" w="med" len="med"/>
-                      <a:tailEnd type="none" w="med" len="med"/>
-                    </a:lnT>
-                    <a:lnB w="12700" cap="flat" cmpd="sng" algn="ctr">
-                      <a:solidFill>
-                        <a:schemeClr val="tx1"/>
-                      </a:solidFill>
-                      <a:prstDash val="solid"/>
-                      <a:round/>
-                      <a:headEnd type="none" w="med" len="med"/>
-                      <a:tailEnd type="none" w="med" len="med"/>
-                    </a:lnB>
-                    <a:noFill/>
-                  </a:tcPr>
-                </a:tc>
-                <a:tc>
-                  <a:txBody>
-                    <a:bodyPr/>
-                    <a:lstStyle/>
-                    <a:p>
-                      <a:endParaRPr lang="en-US"/>
-                    </a:p>
-                  </a:txBody>
-                  <a:tcPr>
-                    <a:lnL w="12700" cap="flat" cmpd="sng" algn="ctr">
-                      <a:solidFill>
-                        <a:schemeClr val="tx1"/>
-                      </a:solidFill>
-                      <a:prstDash val="solid"/>
-                      <a:round/>
-                      <a:headEnd type="none" w="med" len="med"/>
-                      <a:tailEnd type="none" w="med" len="med"/>
-                    </a:lnL>
-                    <a:lnR w="12700" cap="flat" cmpd="sng" algn="ctr">
-                      <a:solidFill>
-                        <a:schemeClr val="tx1"/>
-                      </a:solidFill>
-                      <a:prstDash val="solid"/>
-                      <a:round/>
-                      <a:headEnd type="none" w="med" len="med"/>
-                      <a:tailEnd type="none" w="med" len="med"/>
-                    </a:lnR>
-                    <a:lnT w="12700" cap="flat" cmpd="sng" algn="ctr">
-                      <a:solidFill>
-                        <a:schemeClr val="tx1"/>
-                      </a:solidFill>
-                      <a:prstDash val="solid"/>
-                      <a:round/>
-                      <a:headEnd type="none" w="med" len="med"/>
-                      <a:tailEnd type="none" w="med" len="med"/>
-                    </a:lnT>
-                    <a:lnB w="12700" cap="flat" cmpd="sng" algn="ctr">
-                      <a:solidFill>
-                        <a:schemeClr val="tx1"/>
-                      </a:solidFill>
-                      <a:prstDash val="solid"/>
-                      <a:round/>
-                      <a:headEnd type="none" w="med" len="med"/>
-                      <a:tailEnd type="none" w="med" len="med"/>
-                    </a:lnB>
-                    <a:noFill/>
-                  </a:tcPr>
-                </a:tc>
-                <a:tc>
-                  <a:txBody>
-                    <a:bodyPr/>
-                    <a:lstStyle/>
-                    <a:p>
-                      <a:endParaRPr lang="en-US" dirty="0"/>
-                    </a:p>
-                  </a:txBody>
-                  <a:tcPr>
-                    <a:lnL w="12700" cap="flat" cmpd="sng" algn="ctr">
-                      <a:solidFill>
-                        <a:schemeClr val="tx1"/>
-                      </a:solidFill>
-                      <a:prstDash val="solid"/>
-                      <a:round/>
-                      <a:headEnd type="none" w="med" len="med"/>
-                      <a:tailEnd type="none" w="med" len="med"/>
-                    </a:lnL>
-                    <a:lnR w="12700" cap="flat" cmpd="sng" algn="ctr">
-                      <a:solidFill>
-                        <a:schemeClr val="tx1"/>
-                      </a:solidFill>
-                      <a:prstDash val="solid"/>
-                      <a:round/>
-                      <a:headEnd type="none" w="med" len="med"/>
-                      <a:tailEnd type="none" w="med" len="med"/>
-                    </a:lnR>
-                    <a:lnT w="12700" cap="flat" cmpd="sng" algn="ctr">
-                      <a:solidFill>
-                        <a:schemeClr val="tx1"/>
-                      </a:solidFill>
-                      <a:prstDash val="solid"/>
-                      <a:round/>
-                      <a:headEnd type="none" w="med" len="med"/>
-                      <a:tailEnd type="none" w="med" len="med"/>
-                    </a:lnT>
-                    <a:lnB w="12700" cap="flat" cmpd="sng" algn="ctr">
-                      <a:solidFill>
-                        <a:schemeClr val="tx1"/>
-                      </a:solidFill>
-                      <a:prstDash val="solid"/>
-                      <a:round/>
-                      <a:headEnd type="none" w="med" len="med"/>
-                      <a:tailEnd type="none" w="med" len="med"/>
-                    </a:lnB>
-                    <a:noFill/>
-                  </a:tcPr>
-                </a:tc>
-                <a:tc>
-                  <a:txBody>
-                    <a:bodyPr/>
-                    <a:lstStyle/>
-                    <a:p>
-                      <a:endParaRPr lang="en-US"/>
-                    </a:p>
-                  </a:txBody>
-                  <a:tcPr>
-                    <a:lnL w="12700" cap="flat" cmpd="sng" algn="ctr">
-                      <a:solidFill>
-                        <a:schemeClr val="tx1"/>
-                      </a:solidFill>
-                      <a:prstDash val="solid"/>
-                      <a:round/>
-                      <a:headEnd type="none" w="med" len="med"/>
-                      <a:tailEnd type="none" w="med" len="med"/>
-                    </a:lnL>
-                    <a:lnR w="12700" cap="flat" cmpd="sng" algn="ctr">
-                      <a:solidFill>
-                        <a:schemeClr val="tx1"/>
-                      </a:solidFill>
-                      <a:prstDash val="solid"/>
-                      <a:round/>
-                      <a:headEnd type="none" w="med" len="med"/>
-                      <a:tailEnd type="none" w="med" len="med"/>
-                    </a:lnR>
-                    <a:lnT w="12700" cap="flat" cmpd="sng" algn="ctr">
-                      <a:solidFill>
-                        <a:schemeClr val="tx1"/>
-                      </a:solidFill>
-                      <a:prstDash val="solid"/>
-                      <a:round/>
-                      <a:headEnd type="none" w="med" len="med"/>
-                      <a:tailEnd type="none" w="med" len="med"/>
-                    </a:lnT>
-                    <a:lnB w="12700" cap="flat" cmpd="sng" algn="ctr">
-                      <a:solidFill>
-                        <a:schemeClr val="tx1"/>
-                      </a:solidFill>
-                      <a:prstDash val="solid"/>
-                      <a:round/>
-                      <a:headEnd type="none" w="med" len="med"/>
-                      <a:tailEnd type="none" w="med" len="med"/>
-                    </a:lnB>
-                    <a:noFill/>
-                  </a:tcPr>
-                </a:tc>
-                <a:tc>
-                  <a:txBody>
-                    <a:bodyPr/>
-                    <a:lstStyle/>
-                    <a:p>
-                      <a:endParaRPr lang="en-US" dirty="0"/>
-                    </a:p>
-                  </a:txBody>
-                  <a:tcPr>
-                    <a:lnL w="12700" cap="flat" cmpd="sng" algn="ctr">
-                      <a:solidFill>
-                        <a:schemeClr val="tx1"/>
-                      </a:solidFill>
-                      <a:prstDash val="solid"/>
-                      <a:round/>
-                      <a:headEnd type="none" w="med" len="med"/>
-                      <a:tailEnd type="none" w="med" len="med"/>
-                    </a:lnL>
-                    <a:lnR w="12700" cap="flat" cmpd="sng" algn="ctr">
-                      <a:solidFill>
-                        <a:schemeClr val="tx1"/>
-                      </a:solidFill>
-                      <a:prstDash val="solid"/>
-                      <a:round/>
-                      <a:headEnd type="none" w="med" len="med"/>
-                      <a:tailEnd type="none" w="med" len="med"/>
-                    </a:lnR>
-                    <a:lnT w="12700" cap="flat" cmpd="sng" algn="ctr">
-                      <a:solidFill>
-                        <a:schemeClr val="tx1"/>
-                      </a:solidFill>
-                      <a:prstDash val="solid"/>
-                      <a:round/>
-                      <a:headEnd type="none" w="med" len="med"/>
-                      <a:tailEnd type="none" w="med" len="med"/>
-                    </a:lnT>
-                    <a:lnB w="12700" cap="flat" cmpd="sng" algn="ctr">
-                      <a:solidFill>
-                        <a:schemeClr val="tx1"/>
-                      </a:solidFill>
-                      <a:prstDash val="solid"/>
-                      <a:round/>
-                      <a:headEnd type="none" w="med" len="med"/>
-                      <a:tailEnd type="none" w="med" len="med"/>
-                    </a:lnB>
-                    <a:noFill/>
-                  </a:tcPr>
-                </a:tc>
+      <mc:AlternateContent xmlns:mc="http://schemas.openxmlformats.org/markup-compatibility/2006">
+        <mc:Choice xmlns:a14="http://schemas.microsoft.com/office/drawing/2010/main" Requires="a14">
+          <p:graphicFrame>
+            <p:nvGraphicFramePr>
+              <p:cNvPr id="12" name="Table 4">
                 <a:extLst>
-                  <a:ext uri="{0D108BD9-81ED-4DB2-BD59-A6C34878D82A}">
-                    <a16:rowId xmlns:a16="http://schemas.microsoft.com/office/drawing/2014/main" val="2719720269"/>
+                  <a:ext uri="{FF2B5EF4-FFF2-40B4-BE49-F238E27FC236}">
+                    <a16:creationId xmlns:a16="http://schemas.microsoft.com/office/drawing/2014/main" id="{79AE4819-01A5-665B-AAB7-C91D2F5B05FB}"/>
                   </a:ext>
                 </a:extLst>
-              </a:tr>
-              <a:tr h="412575">
-                <a:tc>
-                  <a:txBody>
-                    <a:bodyPr/>
-                    <a:lstStyle/>
-                    <a:p>
-                      <a:endParaRPr lang="en-US"/>
-                    </a:p>
-                  </a:txBody>
-                  <a:tcPr>
-                    <a:lnL w="12700" cap="flat" cmpd="sng" algn="ctr">
-                      <a:solidFill>
-                        <a:schemeClr val="tx1"/>
-                      </a:solidFill>
-                      <a:prstDash val="solid"/>
-                      <a:round/>
-                      <a:headEnd type="none" w="med" len="med"/>
-                      <a:tailEnd type="none" w="med" len="med"/>
-                    </a:lnL>
-                    <a:lnR w="12700" cap="flat" cmpd="sng" algn="ctr">
-                      <a:solidFill>
-                        <a:schemeClr val="tx1"/>
-                      </a:solidFill>
-                      <a:prstDash val="solid"/>
-                      <a:round/>
-                      <a:headEnd type="none" w="med" len="med"/>
-                      <a:tailEnd type="none" w="med" len="med"/>
-                    </a:lnR>
-                    <a:lnT w="12700" cap="flat" cmpd="sng" algn="ctr">
-                      <a:solidFill>
-                        <a:schemeClr val="tx1"/>
-                      </a:solidFill>
-                      <a:prstDash val="solid"/>
-                      <a:round/>
-                      <a:headEnd type="none" w="med" len="med"/>
-                      <a:tailEnd type="none" w="med" len="med"/>
-                    </a:lnT>
-                    <a:lnB w="12700" cap="flat" cmpd="sng" algn="ctr">
-                      <a:solidFill>
-                        <a:schemeClr val="tx1"/>
-                      </a:solidFill>
-                      <a:prstDash val="solid"/>
-                      <a:round/>
-                      <a:headEnd type="none" w="med" len="med"/>
-                      <a:tailEnd type="none" w="med" len="med"/>
-                    </a:lnB>
-                    <a:noFill/>
-                  </a:tcPr>
-                </a:tc>
-                <a:tc>
-                  <a:txBody>
-                    <a:bodyPr/>
-                    <a:lstStyle/>
-                    <a:p>
-                      <a:endParaRPr lang="en-US"/>
-                    </a:p>
-                  </a:txBody>
-                  <a:tcPr>
-                    <a:lnL w="12700" cap="flat" cmpd="sng" algn="ctr">
-                      <a:solidFill>
-                        <a:schemeClr val="tx1"/>
-                      </a:solidFill>
-                      <a:prstDash val="solid"/>
-                      <a:round/>
-                      <a:headEnd type="none" w="med" len="med"/>
-                      <a:tailEnd type="none" w="med" len="med"/>
-                    </a:lnL>
-                    <a:lnR w="12700" cap="flat" cmpd="sng" algn="ctr">
-                      <a:solidFill>
-                        <a:schemeClr val="tx1"/>
-                      </a:solidFill>
-                      <a:prstDash val="solid"/>
-                      <a:round/>
-                      <a:headEnd type="none" w="med" len="med"/>
-                      <a:tailEnd type="none" w="med" len="med"/>
-                    </a:lnR>
-                    <a:lnT w="12700" cap="flat" cmpd="sng" algn="ctr">
-                      <a:solidFill>
-                        <a:schemeClr val="tx1"/>
-                      </a:solidFill>
-                      <a:prstDash val="solid"/>
-                      <a:round/>
-                      <a:headEnd type="none" w="med" len="med"/>
-                      <a:tailEnd type="none" w="med" len="med"/>
-                    </a:lnT>
-                    <a:lnB w="12700" cap="flat" cmpd="sng" algn="ctr">
-                      <a:solidFill>
-                        <a:schemeClr val="tx1"/>
-                      </a:solidFill>
-                      <a:prstDash val="solid"/>
-                      <a:round/>
-                      <a:headEnd type="none" w="med" len="med"/>
-                      <a:tailEnd type="none" w="med" len="med"/>
-                    </a:lnB>
-                    <a:noFill/>
-                  </a:tcPr>
-                </a:tc>
-                <a:tc>
-                  <a:txBody>
-                    <a:bodyPr/>
-                    <a:lstStyle/>
-                    <a:p>
-                      <a:endParaRPr lang="en-US"/>
-                    </a:p>
-                  </a:txBody>
-                  <a:tcPr>
-                    <a:lnL w="12700" cap="flat" cmpd="sng" algn="ctr">
-                      <a:solidFill>
-                        <a:schemeClr val="tx1"/>
-                      </a:solidFill>
-                      <a:prstDash val="solid"/>
-                      <a:round/>
-                      <a:headEnd type="none" w="med" len="med"/>
-                      <a:tailEnd type="none" w="med" len="med"/>
-                    </a:lnL>
-                    <a:lnR w="12700" cap="flat" cmpd="sng" algn="ctr">
-                      <a:solidFill>
-                        <a:schemeClr val="tx1"/>
-                      </a:solidFill>
-                      <a:prstDash val="solid"/>
-                      <a:round/>
-                      <a:headEnd type="none" w="med" len="med"/>
-                      <a:tailEnd type="none" w="med" len="med"/>
-                    </a:lnR>
-                    <a:lnT w="12700" cap="flat" cmpd="sng" algn="ctr">
-                      <a:solidFill>
-                        <a:schemeClr val="tx1"/>
-                      </a:solidFill>
-                      <a:prstDash val="solid"/>
-                      <a:round/>
-                      <a:headEnd type="none" w="med" len="med"/>
-                      <a:tailEnd type="none" w="med" len="med"/>
-                    </a:lnT>
-                    <a:lnB w="12700" cap="flat" cmpd="sng" algn="ctr">
-                      <a:solidFill>
-                        <a:schemeClr val="tx1"/>
-                      </a:solidFill>
-                      <a:prstDash val="solid"/>
-                      <a:round/>
-                      <a:headEnd type="none" w="med" len="med"/>
-                      <a:tailEnd type="none" w="med" len="med"/>
-                    </a:lnB>
-                    <a:noFill/>
-                  </a:tcPr>
-                </a:tc>
-                <a:tc>
-                  <a:txBody>
-                    <a:bodyPr/>
-                    <a:lstStyle/>
-                    <a:p>
-                      <a:endParaRPr lang="en-US"/>
-                    </a:p>
-                  </a:txBody>
-                  <a:tcPr>
-                    <a:lnL w="12700" cap="flat" cmpd="sng" algn="ctr">
-                      <a:solidFill>
-                        <a:schemeClr val="tx1"/>
-                      </a:solidFill>
-                      <a:prstDash val="solid"/>
-                      <a:round/>
-                      <a:headEnd type="none" w="med" len="med"/>
-                      <a:tailEnd type="none" w="med" len="med"/>
-                    </a:lnL>
-                    <a:lnR w="12700" cap="flat" cmpd="sng" algn="ctr">
-                      <a:solidFill>
-                        <a:schemeClr val="tx1"/>
-                      </a:solidFill>
-                      <a:prstDash val="solid"/>
-                      <a:round/>
-                      <a:headEnd type="none" w="med" len="med"/>
-                      <a:tailEnd type="none" w="med" len="med"/>
-                    </a:lnR>
-                    <a:lnT w="12700" cap="flat" cmpd="sng" algn="ctr">
-                      <a:solidFill>
-                        <a:schemeClr val="tx1"/>
-                      </a:solidFill>
-                      <a:prstDash val="solid"/>
-                      <a:round/>
-                      <a:headEnd type="none" w="med" len="med"/>
-                      <a:tailEnd type="none" w="med" len="med"/>
-                    </a:lnT>
-                    <a:lnB w="12700" cap="flat" cmpd="sng" algn="ctr">
-                      <a:solidFill>
-                        <a:schemeClr val="tx1"/>
-                      </a:solidFill>
-                      <a:prstDash val="solid"/>
-                      <a:round/>
-                      <a:headEnd type="none" w="med" len="med"/>
-                      <a:tailEnd type="none" w="med" len="med"/>
-                    </a:lnB>
-                    <a:noFill/>
-                  </a:tcPr>
-                </a:tc>
-                <a:tc>
-                  <a:txBody>
-                    <a:bodyPr/>
-                    <a:lstStyle/>
-                    <a:p>
-                      <a:endParaRPr lang="en-US"/>
-                    </a:p>
-                  </a:txBody>
-                  <a:tcPr>
-                    <a:lnL w="12700" cap="flat" cmpd="sng" algn="ctr">
-                      <a:solidFill>
-                        <a:schemeClr val="tx1"/>
-                      </a:solidFill>
-                      <a:prstDash val="solid"/>
-                      <a:round/>
-                      <a:headEnd type="none" w="med" len="med"/>
-                      <a:tailEnd type="none" w="med" len="med"/>
-                    </a:lnL>
-                    <a:lnR w="12700" cap="flat" cmpd="sng" algn="ctr">
-                      <a:solidFill>
-                        <a:schemeClr val="tx1"/>
-                      </a:solidFill>
-                      <a:prstDash val="solid"/>
-                      <a:round/>
-                      <a:headEnd type="none" w="med" len="med"/>
-                      <a:tailEnd type="none" w="med" len="med"/>
-                    </a:lnR>
-                    <a:lnT w="12700" cap="flat" cmpd="sng" algn="ctr">
-                      <a:solidFill>
-                        <a:schemeClr val="tx1"/>
-                      </a:solidFill>
-                      <a:prstDash val="solid"/>
-                      <a:round/>
-                      <a:headEnd type="none" w="med" len="med"/>
-                      <a:tailEnd type="none" w="med" len="med"/>
-                    </a:lnT>
-                    <a:lnB w="12700" cap="flat" cmpd="sng" algn="ctr">
-                      <a:solidFill>
-                        <a:schemeClr val="tx1"/>
-                      </a:solidFill>
-                      <a:prstDash val="solid"/>
-                      <a:round/>
-                      <a:headEnd type="none" w="med" len="med"/>
-                      <a:tailEnd type="none" w="med" len="med"/>
-                    </a:lnB>
-                    <a:noFill/>
-                  </a:tcPr>
-                </a:tc>
+              </p:cNvPr>
+              <p:cNvGraphicFramePr>
+                <a:graphicFrameLocks noGrp="1"/>
+              </p:cNvGraphicFramePr>
+              <p:nvPr>
+                <p:extLst>
+                  <p:ext uri="{D42A27DB-BD31-4B8C-83A1-F6EECF244321}">
+                    <p14:modId xmlns:p14="http://schemas.microsoft.com/office/powerpoint/2010/main" val="1450657978"/>
+                  </p:ext>
+                </p:extLst>
+              </p:nvPr>
+            </p:nvGraphicFramePr>
+            <p:xfrm>
+              <a:off x="6893690" y="679448"/>
+              <a:ext cx="2150240" cy="2062875"/>
+            </p:xfrm>
+            <a:graphic>
+              <a:graphicData uri="http://schemas.openxmlformats.org/drawingml/2006/table">
+                <a:tbl>
+                  <a:tblPr firstRow="1" bandRow="1">
+                    <a:tableStyleId>{5C22544A-7EE6-4342-B048-85BDC9FD1C3A}</a:tableStyleId>
+                  </a:tblPr>
+                  <a:tblGrid>
+                    <a:gridCol w="430048">
+                      <a:extLst>
+                        <a:ext uri="{9D8B030D-6E8A-4147-A177-3AD203B41FA5}">
+                          <a16:colId xmlns:a16="http://schemas.microsoft.com/office/drawing/2014/main" val="3313694271"/>
+                        </a:ext>
+                      </a:extLst>
+                    </a:gridCol>
+                    <a:gridCol w="430048">
+                      <a:extLst>
+                        <a:ext uri="{9D8B030D-6E8A-4147-A177-3AD203B41FA5}">
+                          <a16:colId xmlns:a16="http://schemas.microsoft.com/office/drawing/2014/main" val="572745086"/>
+                        </a:ext>
+                      </a:extLst>
+                    </a:gridCol>
+                    <a:gridCol w="430048">
+                      <a:extLst>
+                        <a:ext uri="{9D8B030D-6E8A-4147-A177-3AD203B41FA5}">
+                          <a16:colId xmlns:a16="http://schemas.microsoft.com/office/drawing/2014/main" val="2723029343"/>
+                        </a:ext>
+                      </a:extLst>
+                    </a:gridCol>
+                    <a:gridCol w="430048">
+                      <a:extLst>
+                        <a:ext uri="{9D8B030D-6E8A-4147-A177-3AD203B41FA5}">
+                          <a16:colId xmlns:a16="http://schemas.microsoft.com/office/drawing/2014/main" val="1978458107"/>
+                        </a:ext>
+                      </a:extLst>
+                    </a:gridCol>
+                    <a:gridCol w="430048">
+                      <a:extLst>
+                        <a:ext uri="{9D8B030D-6E8A-4147-A177-3AD203B41FA5}">
+                          <a16:colId xmlns:a16="http://schemas.microsoft.com/office/drawing/2014/main" val="2319721335"/>
+                        </a:ext>
+                      </a:extLst>
+                    </a:gridCol>
+                  </a:tblGrid>
+                  <a:tr h="412575">
+                    <a:tc>
+                      <a:txBody>
+                        <a:bodyPr/>
+                        <a:lstStyle/>
+                        <a:p>
+                          <a:pPr/>
+                          <a14:m>
+                            <m:oMathPara xmlns:m="http://schemas.openxmlformats.org/officeDocument/2006/math">
+                              <m:oMathParaPr>
+                                <m:jc m:val="centerGroup"/>
+                              </m:oMathParaPr>
+                              <m:oMath xmlns:m="http://schemas.openxmlformats.org/officeDocument/2006/math">
+                                <m:r>
+                                  <a:rPr lang="en-US" sz="1000" i="1" dirty="0" smtClean="0">
+                                    <a:solidFill>
+                                      <a:schemeClr val="tx1"/>
+                                    </a:solidFill>
+                                    <a:latin typeface="Cambria Math" panose="02040503050406030204" pitchFamily="18" charset="0"/>
+                                  </a:rPr>
+                                  <m:t>3.3</m:t>
+                                </m:r>
+                              </m:oMath>
+                            </m:oMathPara>
+                          </a14:m>
+                          <a:endParaRPr lang="en-US" sz="1000" dirty="0">
+                            <a:solidFill>
+                              <a:schemeClr val="tx1"/>
+                            </a:solidFill>
+                          </a:endParaRPr>
+                        </a:p>
+                      </a:txBody>
+                      <a:tcPr>
+                        <a:lnL w="12700" cap="flat" cmpd="sng" algn="ctr">
+                          <a:solidFill>
+                            <a:schemeClr val="tx1"/>
+                          </a:solidFill>
+                          <a:prstDash val="solid"/>
+                          <a:round/>
+                          <a:headEnd type="none" w="med" len="med"/>
+                          <a:tailEnd type="none" w="med" len="med"/>
+                        </a:lnL>
+                        <a:lnR w="12700" cap="flat" cmpd="sng" algn="ctr">
+                          <a:solidFill>
+                            <a:schemeClr val="tx1"/>
+                          </a:solidFill>
+                          <a:prstDash val="solid"/>
+                          <a:round/>
+                          <a:headEnd type="none" w="med" len="med"/>
+                          <a:tailEnd type="none" w="med" len="med"/>
+                        </a:lnR>
+                        <a:lnT w="12700" cap="flat" cmpd="sng" algn="ctr">
+                          <a:solidFill>
+                            <a:schemeClr val="tx1"/>
+                          </a:solidFill>
+                          <a:prstDash val="solid"/>
+                          <a:round/>
+                          <a:headEnd type="none" w="med" len="med"/>
+                          <a:tailEnd type="none" w="med" len="med"/>
+                        </a:lnT>
+                        <a:lnB w="12700" cap="flat" cmpd="sng" algn="ctr">
+                          <a:solidFill>
+                            <a:schemeClr val="tx1"/>
+                          </a:solidFill>
+                          <a:prstDash val="solid"/>
+                          <a:round/>
+                          <a:headEnd type="none" w="med" len="med"/>
+                          <a:tailEnd type="none" w="med" len="med"/>
+                        </a:lnB>
+                        <a:noFill/>
+                      </a:tcPr>
+                    </a:tc>
+                    <a:tc>
+                      <a:txBody>
+                        <a:bodyPr/>
+                        <a:lstStyle/>
+                        <a:p>
+                          <a14:m>
+                            <m:oMathPara xmlns:m="http://schemas.openxmlformats.org/officeDocument/2006/math">
+                              <m:oMathParaPr>
+                                <m:jc m:val="centerGroup"/>
+                              </m:oMathParaPr>
+                              <m:oMath xmlns:m="http://schemas.openxmlformats.org/officeDocument/2006/math">
+                                <m:r>
+                                  <a:rPr lang="en-US" sz="1000" i="1" dirty="0" smtClean="0">
+                                    <a:solidFill>
+                                      <a:schemeClr val="tx1"/>
+                                    </a:solidFill>
+                                    <a:latin typeface="Cambria Math" panose="02040503050406030204" pitchFamily="18" charset="0"/>
+                                  </a:rPr>
+                                  <m:t>8.8</m:t>
+                                </m:r>
+                              </m:oMath>
+                            </m:oMathPara>
+                          </a14:m>
+                          <a:endParaRPr lang="en-US" sz="1000" dirty="0">
+                            <a:solidFill>
+                              <a:schemeClr val="tx1"/>
+                            </a:solidFill>
+                          </a:endParaRPr>
+                        </a:p>
+                      </a:txBody>
+                      <a:tcPr>
+                        <a:lnL w="12700" cap="flat" cmpd="sng" algn="ctr">
+                          <a:solidFill>
+                            <a:schemeClr val="tx1"/>
+                          </a:solidFill>
+                          <a:prstDash val="solid"/>
+                          <a:round/>
+                          <a:headEnd type="none" w="med" len="med"/>
+                          <a:tailEnd type="none" w="med" len="med"/>
+                        </a:lnL>
+                        <a:lnR w="12700" cap="flat" cmpd="sng" algn="ctr">
+                          <a:solidFill>
+                            <a:schemeClr val="tx1"/>
+                          </a:solidFill>
+                          <a:prstDash val="solid"/>
+                          <a:round/>
+                          <a:headEnd type="none" w="med" len="med"/>
+                          <a:tailEnd type="none" w="med" len="med"/>
+                        </a:lnR>
+                        <a:lnT w="12700" cap="flat" cmpd="sng" algn="ctr">
+                          <a:solidFill>
+                            <a:schemeClr val="tx1"/>
+                          </a:solidFill>
+                          <a:prstDash val="solid"/>
+                          <a:round/>
+                          <a:headEnd type="none" w="med" len="med"/>
+                          <a:tailEnd type="none" w="med" len="med"/>
+                        </a:lnT>
+                        <a:lnB w="12700" cap="flat" cmpd="sng" algn="ctr">
+                          <a:solidFill>
+                            <a:schemeClr val="tx1"/>
+                          </a:solidFill>
+                          <a:prstDash val="solid"/>
+                          <a:round/>
+                          <a:headEnd type="none" w="med" len="med"/>
+                          <a:tailEnd type="none" w="med" len="med"/>
+                        </a:lnB>
+                        <a:noFill/>
+                      </a:tcPr>
+                    </a:tc>
+                    <a:tc>
+                      <a:txBody>
+                        <a:bodyPr/>
+                        <a:lstStyle/>
+                        <a:p>
+                          <a14:m>
+                            <m:oMathPara xmlns:m="http://schemas.openxmlformats.org/officeDocument/2006/math">
+                              <m:oMathParaPr>
+                                <m:jc m:val="centerGroup"/>
+                              </m:oMathParaPr>
+                              <m:oMath xmlns:m="http://schemas.openxmlformats.org/officeDocument/2006/math">
+                                <m:r>
+                                  <a:rPr lang="en-US" sz="1000" i="1" dirty="0" smtClean="0">
+                                    <a:solidFill>
+                                      <a:schemeClr val="tx1"/>
+                                    </a:solidFill>
+                                    <a:latin typeface="Cambria Math" panose="02040503050406030204" pitchFamily="18" charset="0"/>
+                                  </a:rPr>
+                                  <m:t>4.4</m:t>
+                                </m:r>
+                              </m:oMath>
+                            </m:oMathPara>
+                          </a14:m>
+                          <a:endParaRPr lang="en-US" sz="1000" dirty="0">
+                            <a:solidFill>
+                              <a:schemeClr val="tx1"/>
+                            </a:solidFill>
+                          </a:endParaRPr>
+                        </a:p>
+                      </a:txBody>
+                      <a:tcPr>
+                        <a:lnL w="12700" cap="flat" cmpd="sng" algn="ctr">
+                          <a:solidFill>
+                            <a:schemeClr val="tx1"/>
+                          </a:solidFill>
+                          <a:prstDash val="solid"/>
+                          <a:round/>
+                          <a:headEnd type="none" w="med" len="med"/>
+                          <a:tailEnd type="none" w="med" len="med"/>
+                        </a:lnL>
+                        <a:lnR w="12700" cap="flat" cmpd="sng" algn="ctr">
+                          <a:solidFill>
+                            <a:schemeClr val="tx1"/>
+                          </a:solidFill>
+                          <a:prstDash val="solid"/>
+                          <a:round/>
+                          <a:headEnd type="none" w="med" len="med"/>
+                          <a:tailEnd type="none" w="med" len="med"/>
+                        </a:lnR>
+                        <a:lnT w="12700" cap="flat" cmpd="sng" algn="ctr">
+                          <a:solidFill>
+                            <a:schemeClr val="tx1"/>
+                          </a:solidFill>
+                          <a:prstDash val="solid"/>
+                          <a:round/>
+                          <a:headEnd type="none" w="med" len="med"/>
+                          <a:tailEnd type="none" w="med" len="med"/>
+                        </a:lnT>
+                        <a:lnB w="12700" cap="flat" cmpd="sng" algn="ctr">
+                          <a:solidFill>
+                            <a:schemeClr val="tx1"/>
+                          </a:solidFill>
+                          <a:prstDash val="solid"/>
+                          <a:round/>
+                          <a:headEnd type="none" w="med" len="med"/>
+                          <a:tailEnd type="none" w="med" len="med"/>
+                        </a:lnB>
+                        <a:noFill/>
+                      </a:tcPr>
+                    </a:tc>
+                    <a:tc>
+                      <a:txBody>
+                        <a:bodyPr/>
+                        <a:lstStyle/>
+                        <a:p>
+                          <a14:m>
+                            <m:oMathPara xmlns:m="http://schemas.openxmlformats.org/officeDocument/2006/math">
+                              <m:oMathParaPr>
+                                <m:jc m:val="centerGroup"/>
+                              </m:oMathParaPr>
+                              <m:oMath xmlns:m="http://schemas.openxmlformats.org/officeDocument/2006/math">
+                                <m:r>
+                                  <a:rPr lang="en-US" sz="1000" i="1" dirty="0" smtClean="0">
+                                    <a:solidFill>
+                                      <a:schemeClr val="tx1"/>
+                                    </a:solidFill>
+                                    <a:latin typeface="Cambria Math" panose="02040503050406030204" pitchFamily="18" charset="0"/>
+                                  </a:rPr>
+                                  <m:t>5.3</m:t>
+                                </m:r>
+                              </m:oMath>
+                            </m:oMathPara>
+                          </a14:m>
+                          <a:endParaRPr lang="en-US" sz="1000" dirty="0">
+                            <a:solidFill>
+                              <a:schemeClr val="tx1"/>
+                            </a:solidFill>
+                          </a:endParaRPr>
+                        </a:p>
+                      </a:txBody>
+                      <a:tcPr>
+                        <a:lnL w="12700" cap="flat" cmpd="sng" algn="ctr">
+                          <a:solidFill>
+                            <a:schemeClr val="tx1"/>
+                          </a:solidFill>
+                          <a:prstDash val="solid"/>
+                          <a:round/>
+                          <a:headEnd type="none" w="med" len="med"/>
+                          <a:tailEnd type="none" w="med" len="med"/>
+                        </a:lnL>
+                        <a:lnR w="12700" cap="flat" cmpd="sng" algn="ctr">
+                          <a:solidFill>
+                            <a:schemeClr val="tx1"/>
+                          </a:solidFill>
+                          <a:prstDash val="solid"/>
+                          <a:round/>
+                          <a:headEnd type="none" w="med" len="med"/>
+                          <a:tailEnd type="none" w="med" len="med"/>
+                        </a:lnR>
+                        <a:lnT w="12700" cap="flat" cmpd="sng" algn="ctr">
+                          <a:solidFill>
+                            <a:schemeClr val="tx1"/>
+                          </a:solidFill>
+                          <a:prstDash val="solid"/>
+                          <a:round/>
+                          <a:headEnd type="none" w="med" len="med"/>
+                          <a:tailEnd type="none" w="med" len="med"/>
+                        </a:lnT>
+                        <a:lnB w="12700" cap="flat" cmpd="sng" algn="ctr">
+                          <a:solidFill>
+                            <a:schemeClr val="tx1"/>
+                          </a:solidFill>
+                          <a:prstDash val="solid"/>
+                          <a:round/>
+                          <a:headEnd type="none" w="med" len="med"/>
+                          <a:tailEnd type="none" w="med" len="med"/>
+                        </a:lnB>
+                        <a:noFill/>
+                      </a:tcPr>
+                    </a:tc>
+                    <a:tc>
+                      <a:txBody>
+                        <a:bodyPr/>
+                        <a:lstStyle/>
+                        <a:p>
+                          <a14:m>
+                            <m:oMathPara xmlns:m="http://schemas.openxmlformats.org/officeDocument/2006/math">
+                              <m:oMathParaPr>
+                                <m:jc m:val="centerGroup"/>
+                              </m:oMathParaPr>
+                              <m:oMath xmlns:m="http://schemas.openxmlformats.org/officeDocument/2006/math">
+                                <m:r>
+                                  <a:rPr lang="en-US" sz="1000" i="1" dirty="0" smtClean="0">
+                                    <a:solidFill>
+                                      <a:schemeClr val="tx1"/>
+                                    </a:solidFill>
+                                    <a:latin typeface="Cambria Math" panose="02040503050406030204" pitchFamily="18" charset="0"/>
+                                  </a:rPr>
+                                  <m:t>1.5</m:t>
+                                </m:r>
+                              </m:oMath>
+                            </m:oMathPara>
+                          </a14:m>
+                          <a:endParaRPr lang="en-US" sz="1000" dirty="0">
+                            <a:solidFill>
+                              <a:schemeClr val="tx1"/>
+                            </a:solidFill>
+                          </a:endParaRPr>
+                        </a:p>
+                      </a:txBody>
+                      <a:tcPr>
+                        <a:lnL w="12700" cap="flat" cmpd="sng" algn="ctr">
+                          <a:solidFill>
+                            <a:schemeClr val="tx1"/>
+                          </a:solidFill>
+                          <a:prstDash val="solid"/>
+                          <a:round/>
+                          <a:headEnd type="none" w="med" len="med"/>
+                          <a:tailEnd type="none" w="med" len="med"/>
+                        </a:lnL>
+                        <a:lnR w="12700" cap="flat" cmpd="sng" algn="ctr">
+                          <a:solidFill>
+                            <a:schemeClr val="tx1"/>
+                          </a:solidFill>
+                          <a:prstDash val="solid"/>
+                          <a:round/>
+                          <a:headEnd type="none" w="med" len="med"/>
+                          <a:tailEnd type="none" w="med" len="med"/>
+                        </a:lnR>
+                        <a:lnT w="12700" cap="flat" cmpd="sng" algn="ctr">
+                          <a:solidFill>
+                            <a:schemeClr val="tx1"/>
+                          </a:solidFill>
+                          <a:prstDash val="solid"/>
+                          <a:round/>
+                          <a:headEnd type="none" w="med" len="med"/>
+                          <a:tailEnd type="none" w="med" len="med"/>
+                        </a:lnT>
+                        <a:lnB w="12700" cap="flat" cmpd="sng" algn="ctr">
+                          <a:solidFill>
+                            <a:schemeClr val="tx1"/>
+                          </a:solidFill>
+                          <a:prstDash val="solid"/>
+                          <a:round/>
+                          <a:headEnd type="none" w="med" len="med"/>
+                          <a:tailEnd type="none" w="med" len="med"/>
+                        </a:lnB>
+                        <a:noFill/>
+                      </a:tcPr>
+                    </a:tc>
+                    <a:extLst>
+                      <a:ext uri="{0D108BD9-81ED-4DB2-BD59-A6C34878D82A}">
+                        <a16:rowId xmlns:a16="http://schemas.microsoft.com/office/drawing/2014/main" val="2719720269"/>
+                      </a:ext>
+                    </a:extLst>
+                  </a:tr>
+                  <a:tr h="412575">
+                    <a:tc>
+                      <a:txBody>
+                        <a:bodyPr/>
+                        <a:lstStyle/>
+                        <a:p>
+                          <a:endParaRPr lang="en-US" sz="1000">
+                            <a:solidFill>
+                              <a:schemeClr val="tx1"/>
+                            </a:solidFill>
+                          </a:endParaRPr>
+                        </a:p>
+                      </a:txBody>
+                      <a:tcPr>
+                        <a:lnL w="12700" cap="flat" cmpd="sng" algn="ctr">
+                          <a:solidFill>
+                            <a:schemeClr val="tx1"/>
+                          </a:solidFill>
+                          <a:prstDash val="solid"/>
+                          <a:round/>
+                          <a:headEnd type="none" w="med" len="med"/>
+                          <a:tailEnd type="none" w="med" len="med"/>
+                        </a:lnL>
+                        <a:lnR w="12700" cap="flat" cmpd="sng" algn="ctr">
+                          <a:solidFill>
+                            <a:schemeClr val="tx1"/>
+                          </a:solidFill>
+                          <a:prstDash val="solid"/>
+                          <a:round/>
+                          <a:headEnd type="none" w="med" len="med"/>
+                          <a:tailEnd type="none" w="med" len="med"/>
+                        </a:lnR>
+                        <a:lnT w="12700" cap="flat" cmpd="sng" algn="ctr">
+                          <a:solidFill>
+                            <a:schemeClr val="tx1"/>
+                          </a:solidFill>
+                          <a:prstDash val="solid"/>
+                          <a:round/>
+                          <a:headEnd type="none" w="med" len="med"/>
+                          <a:tailEnd type="none" w="med" len="med"/>
+                        </a:lnT>
+                        <a:lnB w="12700" cap="flat" cmpd="sng" algn="ctr">
+                          <a:solidFill>
+                            <a:schemeClr val="tx1"/>
+                          </a:solidFill>
+                          <a:prstDash val="solid"/>
+                          <a:round/>
+                          <a:headEnd type="none" w="med" len="med"/>
+                          <a:tailEnd type="none" w="med" len="med"/>
+                        </a:lnB>
+                        <a:noFill/>
+                      </a:tcPr>
+                    </a:tc>
+                    <a:tc>
+                      <a:txBody>
+                        <a:bodyPr/>
+                        <a:lstStyle/>
+                        <a:p>
+                          <a:endParaRPr lang="en-US" sz="1000">
+                            <a:solidFill>
+                              <a:schemeClr val="tx1"/>
+                            </a:solidFill>
+                          </a:endParaRPr>
+                        </a:p>
+                      </a:txBody>
+                      <a:tcPr>
+                        <a:lnL w="12700" cap="flat" cmpd="sng" algn="ctr">
+                          <a:solidFill>
+                            <a:schemeClr val="tx1"/>
+                          </a:solidFill>
+                          <a:prstDash val="solid"/>
+                          <a:round/>
+                          <a:headEnd type="none" w="med" len="med"/>
+                          <a:tailEnd type="none" w="med" len="med"/>
+                        </a:lnL>
+                        <a:lnR w="12700" cap="flat" cmpd="sng" algn="ctr">
+                          <a:solidFill>
+                            <a:schemeClr val="tx1"/>
+                          </a:solidFill>
+                          <a:prstDash val="solid"/>
+                          <a:round/>
+                          <a:headEnd type="none" w="med" len="med"/>
+                          <a:tailEnd type="none" w="med" len="med"/>
+                        </a:lnR>
+                        <a:lnT w="12700" cap="flat" cmpd="sng" algn="ctr">
+                          <a:solidFill>
+                            <a:schemeClr val="tx1"/>
+                          </a:solidFill>
+                          <a:prstDash val="solid"/>
+                          <a:round/>
+                          <a:headEnd type="none" w="med" len="med"/>
+                          <a:tailEnd type="none" w="med" len="med"/>
+                        </a:lnT>
+                        <a:lnB w="12700" cap="flat" cmpd="sng" algn="ctr">
+                          <a:solidFill>
+                            <a:schemeClr val="tx1"/>
+                          </a:solidFill>
+                          <a:prstDash val="solid"/>
+                          <a:round/>
+                          <a:headEnd type="none" w="med" len="med"/>
+                          <a:tailEnd type="none" w="med" len="med"/>
+                        </a:lnB>
+                        <a:noFill/>
+                      </a:tcPr>
+                    </a:tc>
+                    <a:tc>
+                      <a:txBody>
+                        <a:bodyPr/>
+                        <a:lstStyle/>
+                        <a:p>
+                          <a:endParaRPr lang="en-US" sz="1000">
+                            <a:solidFill>
+                              <a:schemeClr val="tx1"/>
+                            </a:solidFill>
+                          </a:endParaRPr>
+                        </a:p>
+                      </a:txBody>
+                      <a:tcPr>
+                        <a:lnL w="12700" cap="flat" cmpd="sng" algn="ctr">
+                          <a:solidFill>
+                            <a:schemeClr val="tx1"/>
+                          </a:solidFill>
+                          <a:prstDash val="solid"/>
+                          <a:round/>
+                          <a:headEnd type="none" w="med" len="med"/>
+                          <a:tailEnd type="none" w="med" len="med"/>
+                        </a:lnL>
+                        <a:lnR w="12700" cap="flat" cmpd="sng" algn="ctr">
+                          <a:solidFill>
+                            <a:schemeClr val="tx1"/>
+                          </a:solidFill>
+                          <a:prstDash val="solid"/>
+                          <a:round/>
+                          <a:headEnd type="none" w="med" len="med"/>
+                          <a:tailEnd type="none" w="med" len="med"/>
+                        </a:lnR>
+                        <a:lnT w="12700" cap="flat" cmpd="sng" algn="ctr">
+                          <a:solidFill>
+                            <a:schemeClr val="tx1"/>
+                          </a:solidFill>
+                          <a:prstDash val="solid"/>
+                          <a:round/>
+                          <a:headEnd type="none" w="med" len="med"/>
+                          <a:tailEnd type="none" w="med" len="med"/>
+                        </a:lnT>
+                        <a:lnB w="12700" cap="flat" cmpd="sng" algn="ctr">
+                          <a:solidFill>
+                            <a:schemeClr val="tx1"/>
+                          </a:solidFill>
+                          <a:prstDash val="solid"/>
+                          <a:round/>
+                          <a:headEnd type="none" w="med" len="med"/>
+                          <a:tailEnd type="none" w="med" len="med"/>
+                        </a:lnB>
+                        <a:noFill/>
+                      </a:tcPr>
+                    </a:tc>
+                    <a:tc>
+                      <a:txBody>
+                        <a:bodyPr/>
+                        <a:lstStyle/>
+                        <a:p>
+                          <a:endParaRPr lang="en-US" sz="1000">
+                            <a:solidFill>
+                              <a:schemeClr val="tx1"/>
+                            </a:solidFill>
+                          </a:endParaRPr>
+                        </a:p>
+                      </a:txBody>
+                      <a:tcPr>
+                        <a:lnL w="12700" cap="flat" cmpd="sng" algn="ctr">
+                          <a:solidFill>
+                            <a:schemeClr val="tx1"/>
+                          </a:solidFill>
+                          <a:prstDash val="solid"/>
+                          <a:round/>
+                          <a:headEnd type="none" w="med" len="med"/>
+                          <a:tailEnd type="none" w="med" len="med"/>
+                        </a:lnL>
+                        <a:lnR w="12700" cap="flat" cmpd="sng" algn="ctr">
+                          <a:solidFill>
+                            <a:schemeClr val="tx1"/>
+                          </a:solidFill>
+                          <a:prstDash val="solid"/>
+                          <a:round/>
+                          <a:headEnd type="none" w="med" len="med"/>
+                          <a:tailEnd type="none" w="med" len="med"/>
+                        </a:lnR>
+                        <a:lnT w="12700" cap="flat" cmpd="sng" algn="ctr">
+                          <a:solidFill>
+                            <a:schemeClr val="tx1"/>
+                          </a:solidFill>
+                          <a:prstDash val="solid"/>
+                          <a:round/>
+                          <a:headEnd type="none" w="med" len="med"/>
+                          <a:tailEnd type="none" w="med" len="med"/>
+                        </a:lnT>
+                        <a:lnB w="12700" cap="flat" cmpd="sng" algn="ctr">
+                          <a:solidFill>
+                            <a:schemeClr val="tx1"/>
+                          </a:solidFill>
+                          <a:prstDash val="solid"/>
+                          <a:round/>
+                          <a:headEnd type="none" w="med" len="med"/>
+                          <a:tailEnd type="none" w="med" len="med"/>
+                        </a:lnB>
+                        <a:noFill/>
+                      </a:tcPr>
+                    </a:tc>
+                    <a:tc>
+                      <a:txBody>
+                        <a:bodyPr/>
+                        <a:lstStyle/>
+                        <a:p>
+                          <a:endParaRPr lang="en-US" sz="1000" dirty="0">
+                            <a:solidFill>
+                              <a:schemeClr val="tx1"/>
+                            </a:solidFill>
+                          </a:endParaRPr>
+                        </a:p>
+                      </a:txBody>
+                      <a:tcPr>
+                        <a:lnL w="12700" cap="flat" cmpd="sng" algn="ctr">
+                          <a:solidFill>
+                            <a:schemeClr val="tx1"/>
+                          </a:solidFill>
+                          <a:prstDash val="solid"/>
+                          <a:round/>
+                          <a:headEnd type="none" w="med" len="med"/>
+                          <a:tailEnd type="none" w="med" len="med"/>
+                        </a:lnL>
+                        <a:lnR w="12700" cap="flat" cmpd="sng" algn="ctr">
+                          <a:solidFill>
+                            <a:schemeClr val="tx1"/>
+                          </a:solidFill>
+                          <a:prstDash val="solid"/>
+                          <a:round/>
+                          <a:headEnd type="none" w="med" len="med"/>
+                          <a:tailEnd type="none" w="med" len="med"/>
+                        </a:lnR>
+                        <a:lnT w="12700" cap="flat" cmpd="sng" algn="ctr">
+                          <a:solidFill>
+                            <a:schemeClr val="tx1"/>
+                          </a:solidFill>
+                          <a:prstDash val="solid"/>
+                          <a:round/>
+                          <a:headEnd type="none" w="med" len="med"/>
+                          <a:tailEnd type="none" w="med" len="med"/>
+                        </a:lnT>
+                        <a:lnB w="12700" cap="flat" cmpd="sng" algn="ctr">
+                          <a:solidFill>
+                            <a:schemeClr val="tx1"/>
+                          </a:solidFill>
+                          <a:prstDash val="solid"/>
+                          <a:round/>
+                          <a:headEnd type="none" w="med" len="med"/>
+                          <a:tailEnd type="none" w="med" len="med"/>
+                        </a:lnB>
+                        <a:noFill/>
+                      </a:tcPr>
+                    </a:tc>
+                    <a:extLst>
+                      <a:ext uri="{0D108BD9-81ED-4DB2-BD59-A6C34878D82A}">
+                        <a16:rowId xmlns:a16="http://schemas.microsoft.com/office/drawing/2014/main" val="2212095834"/>
+                      </a:ext>
+                    </a:extLst>
+                  </a:tr>
+                  <a:tr h="412575">
+                    <a:tc>
+                      <a:txBody>
+                        <a:bodyPr/>
+                        <a:lstStyle/>
+                        <a:p>
+                          <a:endParaRPr lang="en-US" sz="1000">
+                            <a:solidFill>
+                              <a:schemeClr val="tx1"/>
+                            </a:solidFill>
+                          </a:endParaRPr>
+                        </a:p>
+                      </a:txBody>
+                      <a:tcPr>
+                        <a:lnL w="12700" cap="flat" cmpd="sng" algn="ctr">
+                          <a:solidFill>
+                            <a:schemeClr val="tx1"/>
+                          </a:solidFill>
+                          <a:prstDash val="solid"/>
+                          <a:round/>
+                          <a:headEnd type="none" w="med" len="med"/>
+                          <a:tailEnd type="none" w="med" len="med"/>
+                        </a:lnL>
+                        <a:lnR w="12700" cap="flat" cmpd="sng" algn="ctr">
+                          <a:solidFill>
+                            <a:schemeClr val="tx1"/>
+                          </a:solidFill>
+                          <a:prstDash val="solid"/>
+                          <a:round/>
+                          <a:headEnd type="none" w="med" len="med"/>
+                          <a:tailEnd type="none" w="med" len="med"/>
+                        </a:lnR>
+                        <a:lnT w="12700" cap="flat" cmpd="sng" algn="ctr">
+                          <a:solidFill>
+                            <a:schemeClr val="tx1"/>
+                          </a:solidFill>
+                          <a:prstDash val="solid"/>
+                          <a:round/>
+                          <a:headEnd type="none" w="med" len="med"/>
+                          <a:tailEnd type="none" w="med" len="med"/>
+                        </a:lnT>
+                        <a:lnB w="12700" cap="flat" cmpd="sng" algn="ctr">
+                          <a:solidFill>
+                            <a:schemeClr val="tx1"/>
+                          </a:solidFill>
+                          <a:prstDash val="solid"/>
+                          <a:round/>
+                          <a:headEnd type="none" w="med" len="med"/>
+                          <a:tailEnd type="none" w="med" len="med"/>
+                        </a:lnB>
+                        <a:noFill/>
+                      </a:tcPr>
+                    </a:tc>
+                    <a:tc>
+                      <a:txBody>
+                        <a:bodyPr/>
+                        <a:lstStyle/>
+                        <a:p>
+                          <a:endParaRPr lang="en-US" sz="1000">
+                            <a:solidFill>
+                              <a:schemeClr val="tx1"/>
+                            </a:solidFill>
+                          </a:endParaRPr>
+                        </a:p>
+                      </a:txBody>
+                      <a:tcPr>
+                        <a:lnL w="12700" cap="flat" cmpd="sng" algn="ctr">
+                          <a:solidFill>
+                            <a:schemeClr val="tx1"/>
+                          </a:solidFill>
+                          <a:prstDash val="solid"/>
+                          <a:round/>
+                          <a:headEnd type="none" w="med" len="med"/>
+                          <a:tailEnd type="none" w="med" len="med"/>
+                        </a:lnL>
+                        <a:lnR w="12700" cap="flat" cmpd="sng" algn="ctr">
+                          <a:solidFill>
+                            <a:schemeClr val="tx1"/>
+                          </a:solidFill>
+                          <a:prstDash val="solid"/>
+                          <a:round/>
+                          <a:headEnd type="none" w="med" len="med"/>
+                          <a:tailEnd type="none" w="med" len="med"/>
+                        </a:lnR>
+                        <a:lnT w="12700" cap="flat" cmpd="sng" algn="ctr">
+                          <a:solidFill>
+                            <a:schemeClr val="tx1"/>
+                          </a:solidFill>
+                          <a:prstDash val="solid"/>
+                          <a:round/>
+                          <a:headEnd type="none" w="med" len="med"/>
+                          <a:tailEnd type="none" w="med" len="med"/>
+                        </a:lnT>
+                        <a:lnB w="12700" cap="flat" cmpd="sng" algn="ctr">
+                          <a:solidFill>
+                            <a:schemeClr val="tx1"/>
+                          </a:solidFill>
+                          <a:prstDash val="solid"/>
+                          <a:round/>
+                          <a:headEnd type="none" w="med" len="med"/>
+                          <a:tailEnd type="none" w="med" len="med"/>
+                        </a:lnB>
+                        <a:noFill/>
+                      </a:tcPr>
+                    </a:tc>
+                    <a:tc>
+                      <a:txBody>
+                        <a:bodyPr/>
+                        <a:lstStyle/>
+                        <a:p>
+                          <a:endParaRPr lang="en-US" sz="1000">
+                            <a:solidFill>
+                              <a:schemeClr val="tx1"/>
+                            </a:solidFill>
+                          </a:endParaRPr>
+                        </a:p>
+                      </a:txBody>
+                      <a:tcPr>
+                        <a:lnL w="12700" cap="flat" cmpd="sng" algn="ctr">
+                          <a:solidFill>
+                            <a:schemeClr val="tx1"/>
+                          </a:solidFill>
+                          <a:prstDash val="solid"/>
+                          <a:round/>
+                          <a:headEnd type="none" w="med" len="med"/>
+                          <a:tailEnd type="none" w="med" len="med"/>
+                        </a:lnL>
+                        <a:lnR w="12700" cap="flat" cmpd="sng" algn="ctr">
+                          <a:solidFill>
+                            <a:schemeClr val="tx1"/>
+                          </a:solidFill>
+                          <a:prstDash val="solid"/>
+                          <a:round/>
+                          <a:headEnd type="none" w="med" len="med"/>
+                          <a:tailEnd type="none" w="med" len="med"/>
+                        </a:lnR>
+                        <a:lnT w="12700" cap="flat" cmpd="sng" algn="ctr">
+                          <a:solidFill>
+                            <a:schemeClr val="tx1"/>
+                          </a:solidFill>
+                          <a:prstDash val="solid"/>
+                          <a:round/>
+                          <a:headEnd type="none" w="med" len="med"/>
+                          <a:tailEnd type="none" w="med" len="med"/>
+                        </a:lnT>
+                        <a:lnB w="12700" cap="flat" cmpd="sng" algn="ctr">
+                          <a:solidFill>
+                            <a:schemeClr val="tx1"/>
+                          </a:solidFill>
+                          <a:prstDash val="solid"/>
+                          <a:round/>
+                          <a:headEnd type="none" w="med" len="med"/>
+                          <a:tailEnd type="none" w="med" len="med"/>
+                        </a:lnB>
+                        <a:noFill/>
+                      </a:tcPr>
+                    </a:tc>
+                    <a:tc>
+                      <a:txBody>
+                        <a:bodyPr/>
+                        <a:lstStyle/>
+                        <a:p>
+                          <a:endParaRPr lang="en-US" sz="1000">
+                            <a:solidFill>
+                              <a:schemeClr val="tx1"/>
+                            </a:solidFill>
+                          </a:endParaRPr>
+                        </a:p>
+                      </a:txBody>
+                      <a:tcPr>
+                        <a:lnL w="12700" cap="flat" cmpd="sng" algn="ctr">
+                          <a:solidFill>
+                            <a:schemeClr val="tx1"/>
+                          </a:solidFill>
+                          <a:prstDash val="solid"/>
+                          <a:round/>
+                          <a:headEnd type="none" w="med" len="med"/>
+                          <a:tailEnd type="none" w="med" len="med"/>
+                        </a:lnL>
+                        <a:lnR w="12700" cap="flat" cmpd="sng" algn="ctr">
+                          <a:solidFill>
+                            <a:schemeClr val="tx1"/>
+                          </a:solidFill>
+                          <a:prstDash val="solid"/>
+                          <a:round/>
+                          <a:headEnd type="none" w="med" len="med"/>
+                          <a:tailEnd type="none" w="med" len="med"/>
+                        </a:lnR>
+                        <a:lnT w="12700" cap="flat" cmpd="sng" algn="ctr">
+                          <a:solidFill>
+                            <a:schemeClr val="tx1"/>
+                          </a:solidFill>
+                          <a:prstDash val="solid"/>
+                          <a:round/>
+                          <a:headEnd type="none" w="med" len="med"/>
+                          <a:tailEnd type="none" w="med" len="med"/>
+                        </a:lnT>
+                        <a:lnB w="12700" cap="flat" cmpd="sng" algn="ctr">
+                          <a:solidFill>
+                            <a:schemeClr val="tx1"/>
+                          </a:solidFill>
+                          <a:prstDash val="solid"/>
+                          <a:round/>
+                          <a:headEnd type="none" w="med" len="med"/>
+                          <a:tailEnd type="none" w="med" len="med"/>
+                        </a:lnB>
+                        <a:noFill/>
+                      </a:tcPr>
+                    </a:tc>
+                    <a:tc>
+                      <a:txBody>
+                        <a:bodyPr/>
+                        <a:lstStyle/>
+                        <a:p>
+                          <a:endParaRPr lang="en-US" sz="1000" dirty="0">
+                            <a:solidFill>
+                              <a:schemeClr val="tx1"/>
+                            </a:solidFill>
+                          </a:endParaRPr>
+                        </a:p>
+                      </a:txBody>
+                      <a:tcPr>
+                        <a:lnL w="12700" cap="flat" cmpd="sng" algn="ctr">
+                          <a:solidFill>
+                            <a:schemeClr val="tx1"/>
+                          </a:solidFill>
+                          <a:prstDash val="solid"/>
+                          <a:round/>
+                          <a:headEnd type="none" w="med" len="med"/>
+                          <a:tailEnd type="none" w="med" len="med"/>
+                        </a:lnL>
+                        <a:lnR w="12700" cap="flat" cmpd="sng" algn="ctr">
+                          <a:solidFill>
+                            <a:schemeClr val="tx1"/>
+                          </a:solidFill>
+                          <a:prstDash val="solid"/>
+                          <a:round/>
+                          <a:headEnd type="none" w="med" len="med"/>
+                          <a:tailEnd type="none" w="med" len="med"/>
+                        </a:lnR>
+                        <a:lnT w="12700" cap="flat" cmpd="sng" algn="ctr">
+                          <a:solidFill>
+                            <a:schemeClr val="tx1"/>
+                          </a:solidFill>
+                          <a:prstDash val="solid"/>
+                          <a:round/>
+                          <a:headEnd type="none" w="med" len="med"/>
+                          <a:tailEnd type="none" w="med" len="med"/>
+                        </a:lnT>
+                        <a:lnB w="12700" cap="flat" cmpd="sng" algn="ctr">
+                          <a:solidFill>
+                            <a:schemeClr val="tx1"/>
+                          </a:solidFill>
+                          <a:prstDash val="solid"/>
+                          <a:round/>
+                          <a:headEnd type="none" w="med" len="med"/>
+                          <a:tailEnd type="none" w="med" len="med"/>
+                        </a:lnB>
+                        <a:noFill/>
+                      </a:tcPr>
+                    </a:tc>
+                    <a:extLst>
+                      <a:ext uri="{0D108BD9-81ED-4DB2-BD59-A6C34878D82A}">
+                        <a16:rowId xmlns:a16="http://schemas.microsoft.com/office/drawing/2014/main" val="1425652040"/>
+                      </a:ext>
+                    </a:extLst>
+                  </a:tr>
+                  <a:tr h="412575">
+                    <a:tc>
+                      <a:txBody>
+                        <a:bodyPr/>
+                        <a:lstStyle/>
+                        <a:p>
+                          <a:endParaRPr lang="en-US" sz="1000">
+                            <a:solidFill>
+                              <a:schemeClr val="tx1"/>
+                            </a:solidFill>
+                          </a:endParaRPr>
+                        </a:p>
+                      </a:txBody>
+                      <a:tcPr>
+                        <a:lnL w="12700" cap="flat" cmpd="sng" algn="ctr">
+                          <a:solidFill>
+                            <a:schemeClr val="tx1"/>
+                          </a:solidFill>
+                          <a:prstDash val="solid"/>
+                          <a:round/>
+                          <a:headEnd type="none" w="med" len="med"/>
+                          <a:tailEnd type="none" w="med" len="med"/>
+                        </a:lnL>
+                        <a:lnR w="12700" cap="flat" cmpd="sng" algn="ctr">
+                          <a:solidFill>
+                            <a:schemeClr val="tx1"/>
+                          </a:solidFill>
+                          <a:prstDash val="solid"/>
+                          <a:round/>
+                          <a:headEnd type="none" w="med" len="med"/>
+                          <a:tailEnd type="none" w="med" len="med"/>
+                        </a:lnR>
+                        <a:lnT w="12700" cap="flat" cmpd="sng" algn="ctr">
+                          <a:solidFill>
+                            <a:schemeClr val="tx1"/>
+                          </a:solidFill>
+                          <a:prstDash val="solid"/>
+                          <a:round/>
+                          <a:headEnd type="none" w="med" len="med"/>
+                          <a:tailEnd type="none" w="med" len="med"/>
+                        </a:lnT>
+                        <a:lnB w="12700" cap="flat" cmpd="sng" algn="ctr">
+                          <a:solidFill>
+                            <a:schemeClr val="tx1"/>
+                          </a:solidFill>
+                          <a:prstDash val="solid"/>
+                          <a:round/>
+                          <a:headEnd type="none" w="med" len="med"/>
+                          <a:tailEnd type="none" w="med" len="med"/>
+                        </a:lnB>
+                        <a:noFill/>
+                      </a:tcPr>
+                    </a:tc>
+                    <a:tc>
+                      <a:txBody>
+                        <a:bodyPr/>
+                        <a:lstStyle/>
+                        <a:p>
+                          <a:endParaRPr lang="en-US" sz="1000">
+                            <a:solidFill>
+                              <a:schemeClr val="tx1"/>
+                            </a:solidFill>
+                          </a:endParaRPr>
+                        </a:p>
+                      </a:txBody>
+                      <a:tcPr>
+                        <a:lnL w="12700" cap="flat" cmpd="sng" algn="ctr">
+                          <a:solidFill>
+                            <a:schemeClr val="tx1"/>
+                          </a:solidFill>
+                          <a:prstDash val="solid"/>
+                          <a:round/>
+                          <a:headEnd type="none" w="med" len="med"/>
+                          <a:tailEnd type="none" w="med" len="med"/>
+                        </a:lnL>
+                        <a:lnR w="12700" cap="flat" cmpd="sng" algn="ctr">
+                          <a:solidFill>
+                            <a:schemeClr val="tx1"/>
+                          </a:solidFill>
+                          <a:prstDash val="solid"/>
+                          <a:round/>
+                          <a:headEnd type="none" w="med" len="med"/>
+                          <a:tailEnd type="none" w="med" len="med"/>
+                        </a:lnR>
+                        <a:lnT w="12700" cap="flat" cmpd="sng" algn="ctr">
+                          <a:solidFill>
+                            <a:schemeClr val="tx1"/>
+                          </a:solidFill>
+                          <a:prstDash val="solid"/>
+                          <a:round/>
+                          <a:headEnd type="none" w="med" len="med"/>
+                          <a:tailEnd type="none" w="med" len="med"/>
+                        </a:lnT>
+                        <a:lnB w="12700" cap="flat" cmpd="sng" algn="ctr">
+                          <a:solidFill>
+                            <a:schemeClr val="tx1"/>
+                          </a:solidFill>
+                          <a:prstDash val="solid"/>
+                          <a:round/>
+                          <a:headEnd type="none" w="med" len="med"/>
+                          <a:tailEnd type="none" w="med" len="med"/>
+                        </a:lnB>
+                        <a:noFill/>
+                      </a:tcPr>
+                    </a:tc>
+                    <a:tc>
+                      <a:txBody>
+                        <a:bodyPr/>
+                        <a:lstStyle/>
+                        <a:p>
+                          <a:endParaRPr lang="en-US" sz="1000">
+                            <a:solidFill>
+                              <a:schemeClr val="tx1"/>
+                            </a:solidFill>
+                          </a:endParaRPr>
+                        </a:p>
+                      </a:txBody>
+                      <a:tcPr>
+                        <a:lnL w="12700" cap="flat" cmpd="sng" algn="ctr">
+                          <a:solidFill>
+                            <a:schemeClr val="tx1"/>
+                          </a:solidFill>
+                          <a:prstDash val="solid"/>
+                          <a:round/>
+                          <a:headEnd type="none" w="med" len="med"/>
+                          <a:tailEnd type="none" w="med" len="med"/>
+                        </a:lnL>
+                        <a:lnR w="12700" cap="flat" cmpd="sng" algn="ctr">
+                          <a:solidFill>
+                            <a:schemeClr val="tx1"/>
+                          </a:solidFill>
+                          <a:prstDash val="solid"/>
+                          <a:round/>
+                          <a:headEnd type="none" w="med" len="med"/>
+                          <a:tailEnd type="none" w="med" len="med"/>
+                        </a:lnR>
+                        <a:lnT w="12700" cap="flat" cmpd="sng" algn="ctr">
+                          <a:solidFill>
+                            <a:schemeClr val="tx1"/>
+                          </a:solidFill>
+                          <a:prstDash val="solid"/>
+                          <a:round/>
+                          <a:headEnd type="none" w="med" len="med"/>
+                          <a:tailEnd type="none" w="med" len="med"/>
+                        </a:lnT>
+                        <a:lnB w="12700" cap="flat" cmpd="sng" algn="ctr">
+                          <a:solidFill>
+                            <a:schemeClr val="tx1"/>
+                          </a:solidFill>
+                          <a:prstDash val="solid"/>
+                          <a:round/>
+                          <a:headEnd type="none" w="med" len="med"/>
+                          <a:tailEnd type="none" w="med" len="med"/>
+                        </a:lnB>
+                        <a:noFill/>
+                      </a:tcPr>
+                    </a:tc>
+                    <a:tc>
+                      <a:txBody>
+                        <a:bodyPr/>
+                        <a:lstStyle/>
+                        <a:p>
+                          <a:endParaRPr lang="en-US" sz="1000">
+                            <a:solidFill>
+                              <a:schemeClr val="tx1"/>
+                            </a:solidFill>
+                          </a:endParaRPr>
+                        </a:p>
+                      </a:txBody>
+                      <a:tcPr>
+                        <a:lnL w="12700" cap="flat" cmpd="sng" algn="ctr">
+                          <a:solidFill>
+                            <a:schemeClr val="tx1"/>
+                          </a:solidFill>
+                          <a:prstDash val="solid"/>
+                          <a:round/>
+                          <a:headEnd type="none" w="med" len="med"/>
+                          <a:tailEnd type="none" w="med" len="med"/>
+                        </a:lnL>
+                        <a:lnR w="12700" cap="flat" cmpd="sng" algn="ctr">
+                          <a:solidFill>
+                            <a:schemeClr val="tx1"/>
+                          </a:solidFill>
+                          <a:prstDash val="solid"/>
+                          <a:round/>
+                          <a:headEnd type="none" w="med" len="med"/>
+                          <a:tailEnd type="none" w="med" len="med"/>
+                        </a:lnR>
+                        <a:lnT w="12700" cap="flat" cmpd="sng" algn="ctr">
+                          <a:solidFill>
+                            <a:schemeClr val="tx1"/>
+                          </a:solidFill>
+                          <a:prstDash val="solid"/>
+                          <a:round/>
+                          <a:headEnd type="none" w="med" len="med"/>
+                          <a:tailEnd type="none" w="med" len="med"/>
+                        </a:lnT>
+                        <a:lnB w="12700" cap="flat" cmpd="sng" algn="ctr">
+                          <a:solidFill>
+                            <a:schemeClr val="tx1"/>
+                          </a:solidFill>
+                          <a:prstDash val="solid"/>
+                          <a:round/>
+                          <a:headEnd type="none" w="med" len="med"/>
+                          <a:tailEnd type="none" w="med" len="med"/>
+                        </a:lnB>
+                        <a:noFill/>
+                      </a:tcPr>
+                    </a:tc>
+                    <a:tc>
+                      <a:txBody>
+                        <a:bodyPr/>
+                        <a:lstStyle/>
+                        <a:p>
+                          <a:endParaRPr lang="en-US" sz="1000" dirty="0">
+                            <a:solidFill>
+                              <a:schemeClr val="tx1"/>
+                            </a:solidFill>
+                          </a:endParaRPr>
+                        </a:p>
+                      </a:txBody>
+                      <a:tcPr>
+                        <a:lnL w="12700" cap="flat" cmpd="sng" algn="ctr">
+                          <a:solidFill>
+                            <a:schemeClr val="tx1"/>
+                          </a:solidFill>
+                          <a:prstDash val="solid"/>
+                          <a:round/>
+                          <a:headEnd type="none" w="med" len="med"/>
+                          <a:tailEnd type="none" w="med" len="med"/>
+                        </a:lnL>
+                        <a:lnR w="12700" cap="flat" cmpd="sng" algn="ctr">
+                          <a:solidFill>
+                            <a:schemeClr val="tx1"/>
+                          </a:solidFill>
+                          <a:prstDash val="solid"/>
+                          <a:round/>
+                          <a:headEnd type="none" w="med" len="med"/>
+                          <a:tailEnd type="none" w="med" len="med"/>
+                        </a:lnR>
+                        <a:lnT w="12700" cap="flat" cmpd="sng" algn="ctr">
+                          <a:solidFill>
+                            <a:schemeClr val="tx1"/>
+                          </a:solidFill>
+                          <a:prstDash val="solid"/>
+                          <a:round/>
+                          <a:headEnd type="none" w="med" len="med"/>
+                          <a:tailEnd type="none" w="med" len="med"/>
+                        </a:lnT>
+                        <a:lnB w="12700" cap="flat" cmpd="sng" algn="ctr">
+                          <a:solidFill>
+                            <a:schemeClr val="tx1"/>
+                          </a:solidFill>
+                          <a:prstDash val="solid"/>
+                          <a:round/>
+                          <a:headEnd type="none" w="med" len="med"/>
+                          <a:tailEnd type="none" w="med" len="med"/>
+                        </a:lnB>
+                        <a:noFill/>
+                      </a:tcPr>
+                    </a:tc>
+                    <a:extLst>
+                      <a:ext uri="{0D108BD9-81ED-4DB2-BD59-A6C34878D82A}">
+                        <a16:rowId xmlns:a16="http://schemas.microsoft.com/office/drawing/2014/main" val="2208147504"/>
+                      </a:ext>
+                    </a:extLst>
+                  </a:tr>
+                  <a:tr h="412575">
+                    <a:tc>
+                      <a:txBody>
+                        <a:bodyPr/>
+                        <a:lstStyle/>
+                        <a:p>
+                          <a:endParaRPr lang="en-US" sz="1000">
+                            <a:solidFill>
+                              <a:schemeClr val="tx1"/>
+                            </a:solidFill>
+                          </a:endParaRPr>
+                        </a:p>
+                      </a:txBody>
+                      <a:tcPr>
+                        <a:lnL w="12700" cap="flat" cmpd="sng" algn="ctr">
+                          <a:solidFill>
+                            <a:schemeClr val="tx1"/>
+                          </a:solidFill>
+                          <a:prstDash val="solid"/>
+                          <a:round/>
+                          <a:headEnd type="none" w="med" len="med"/>
+                          <a:tailEnd type="none" w="med" len="med"/>
+                        </a:lnL>
+                        <a:lnR w="12700" cap="flat" cmpd="sng" algn="ctr">
+                          <a:solidFill>
+                            <a:schemeClr val="tx1"/>
+                          </a:solidFill>
+                          <a:prstDash val="solid"/>
+                          <a:round/>
+                          <a:headEnd type="none" w="med" len="med"/>
+                          <a:tailEnd type="none" w="med" len="med"/>
+                        </a:lnR>
+                        <a:lnT w="12700" cap="flat" cmpd="sng" algn="ctr">
+                          <a:solidFill>
+                            <a:schemeClr val="tx1"/>
+                          </a:solidFill>
+                          <a:prstDash val="solid"/>
+                          <a:round/>
+                          <a:headEnd type="none" w="med" len="med"/>
+                          <a:tailEnd type="none" w="med" len="med"/>
+                        </a:lnT>
+                        <a:lnB w="12700" cap="flat" cmpd="sng" algn="ctr">
+                          <a:solidFill>
+                            <a:schemeClr val="tx1"/>
+                          </a:solidFill>
+                          <a:prstDash val="solid"/>
+                          <a:round/>
+                          <a:headEnd type="none" w="med" len="med"/>
+                          <a:tailEnd type="none" w="med" len="med"/>
+                        </a:lnB>
+                        <a:noFill/>
+                      </a:tcPr>
+                    </a:tc>
+                    <a:tc>
+                      <a:txBody>
+                        <a:bodyPr/>
+                        <a:lstStyle/>
+                        <a:p>
+                          <a:endParaRPr lang="en-US" sz="1000">
+                            <a:solidFill>
+                              <a:schemeClr val="tx1"/>
+                            </a:solidFill>
+                          </a:endParaRPr>
+                        </a:p>
+                      </a:txBody>
+                      <a:tcPr>
+                        <a:lnL w="12700" cap="flat" cmpd="sng" algn="ctr">
+                          <a:solidFill>
+                            <a:schemeClr val="tx1"/>
+                          </a:solidFill>
+                          <a:prstDash val="solid"/>
+                          <a:round/>
+                          <a:headEnd type="none" w="med" len="med"/>
+                          <a:tailEnd type="none" w="med" len="med"/>
+                        </a:lnL>
+                        <a:lnR w="12700" cap="flat" cmpd="sng" algn="ctr">
+                          <a:solidFill>
+                            <a:schemeClr val="tx1"/>
+                          </a:solidFill>
+                          <a:prstDash val="solid"/>
+                          <a:round/>
+                          <a:headEnd type="none" w="med" len="med"/>
+                          <a:tailEnd type="none" w="med" len="med"/>
+                        </a:lnR>
+                        <a:lnT w="12700" cap="flat" cmpd="sng" algn="ctr">
+                          <a:solidFill>
+                            <a:schemeClr val="tx1"/>
+                          </a:solidFill>
+                          <a:prstDash val="solid"/>
+                          <a:round/>
+                          <a:headEnd type="none" w="med" len="med"/>
+                          <a:tailEnd type="none" w="med" len="med"/>
+                        </a:lnT>
+                        <a:lnB w="12700" cap="flat" cmpd="sng" algn="ctr">
+                          <a:solidFill>
+                            <a:schemeClr val="tx1"/>
+                          </a:solidFill>
+                          <a:prstDash val="solid"/>
+                          <a:round/>
+                          <a:headEnd type="none" w="med" len="med"/>
+                          <a:tailEnd type="none" w="med" len="med"/>
+                        </a:lnB>
+                        <a:noFill/>
+                      </a:tcPr>
+                    </a:tc>
+                    <a:tc>
+                      <a:txBody>
+                        <a:bodyPr/>
+                        <a:lstStyle/>
+                        <a:p>
+                          <a:endParaRPr lang="en-US" sz="1000">
+                            <a:solidFill>
+                              <a:schemeClr val="tx1"/>
+                            </a:solidFill>
+                          </a:endParaRPr>
+                        </a:p>
+                      </a:txBody>
+                      <a:tcPr>
+                        <a:lnL w="12700" cap="flat" cmpd="sng" algn="ctr">
+                          <a:solidFill>
+                            <a:schemeClr val="tx1"/>
+                          </a:solidFill>
+                          <a:prstDash val="solid"/>
+                          <a:round/>
+                          <a:headEnd type="none" w="med" len="med"/>
+                          <a:tailEnd type="none" w="med" len="med"/>
+                        </a:lnL>
+                        <a:lnR w="12700" cap="flat" cmpd="sng" algn="ctr">
+                          <a:solidFill>
+                            <a:schemeClr val="tx1"/>
+                          </a:solidFill>
+                          <a:prstDash val="solid"/>
+                          <a:round/>
+                          <a:headEnd type="none" w="med" len="med"/>
+                          <a:tailEnd type="none" w="med" len="med"/>
+                        </a:lnR>
+                        <a:lnT w="12700" cap="flat" cmpd="sng" algn="ctr">
+                          <a:solidFill>
+                            <a:schemeClr val="tx1"/>
+                          </a:solidFill>
+                          <a:prstDash val="solid"/>
+                          <a:round/>
+                          <a:headEnd type="none" w="med" len="med"/>
+                          <a:tailEnd type="none" w="med" len="med"/>
+                        </a:lnT>
+                        <a:lnB w="12700" cap="flat" cmpd="sng" algn="ctr">
+                          <a:solidFill>
+                            <a:schemeClr val="tx1"/>
+                          </a:solidFill>
+                          <a:prstDash val="solid"/>
+                          <a:round/>
+                          <a:headEnd type="none" w="med" len="med"/>
+                          <a:tailEnd type="none" w="med" len="med"/>
+                        </a:lnB>
+                        <a:noFill/>
+                      </a:tcPr>
+                    </a:tc>
+                    <a:tc>
+                      <a:txBody>
+                        <a:bodyPr/>
+                        <a:lstStyle/>
+                        <a:p>
+                          <a:endParaRPr lang="en-US" sz="1000" dirty="0">
+                            <a:solidFill>
+                              <a:schemeClr val="tx1"/>
+                            </a:solidFill>
+                          </a:endParaRPr>
+                        </a:p>
+                      </a:txBody>
+                      <a:tcPr>
+                        <a:lnL w="12700" cap="flat" cmpd="sng" algn="ctr">
+                          <a:solidFill>
+                            <a:schemeClr val="tx1"/>
+                          </a:solidFill>
+                          <a:prstDash val="solid"/>
+                          <a:round/>
+                          <a:headEnd type="none" w="med" len="med"/>
+                          <a:tailEnd type="none" w="med" len="med"/>
+                        </a:lnL>
+                        <a:lnR w="12700" cap="flat" cmpd="sng" algn="ctr">
+                          <a:solidFill>
+                            <a:schemeClr val="tx1"/>
+                          </a:solidFill>
+                          <a:prstDash val="solid"/>
+                          <a:round/>
+                          <a:headEnd type="none" w="med" len="med"/>
+                          <a:tailEnd type="none" w="med" len="med"/>
+                        </a:lnR>
+                        <a:lnT w="12700" cap="flat" cmpd="sng" algn="ctr">
+                          <a:solidFill>
+                            <a:schemeClr val="tx1"/>
+                          </a:solidFill>
+                          <a:prstDash val="solid"/>
+                          <a:round/>
+                          <a:headEnd type="none" w="med" len="med"/>
+                          <a:tailEnd type="none" w="med" len="med"/>
+                        </a:lnT>
+                        <a:lnB w="12700" cap="flat" cmpd="sng" algn="ctr">
+                          <a:solidFill>
+                            <a:schemeClr val="tx1"/>
+                          </a:solidFill>
+                          <a:prstDash val="solid"/>
+                          <a:round/>
+                          <a:headEnd type="none" w="med" len="med"/>
+                          <a:tailEnd type="none" w="med" len="med"/>
+                        </a:lnB>
+                        <a:noFill/>
+                      </a:tcPr>
+                    </a:tc>
+                    <a:tc>
+                      <a:txBody>
+                        <a:bodyPr/>
+                        <a:lstStyle/>
+                        <a:p>
+                          <a:endParaRPr lang="en-US" sz="1000" dirty="0">
+                            <a:solidFill>
+                              <a:schemeClr val="tx1"/>
+                            </a:solidFill>
+                          </a:endParaRPr>
+                        </a:p>
+                      </a:txBody>
+                      <a:tcPr>
+                        <a:lnL w="12700" cap="flat" cmpd="sng" algn="ctr">
+                          <a:solidFill>
+                            <a:schemeClr val="tx1"/>
+                          </a:solidFill>
+                          <a:prstDash val="solid"/>
+                          <a:round/>
+                          <a:headEnd type="none" w="med" len="med"/>
+                          <a:tailEnd type="none" w="med" len="med"/>
+                        </a:lnL>
+                        <a:lnR w="12700" cap="flat" cmpd="sng" algn="ctr">
+                          <a:solidFill>
+                            <a:schemeClr val="tx1"/>
+                          </a:solidFill>
+                          <a:prstDash val="solid"/>
+                          <a:round/>
+                          <a:headEnd type="none" w="med" len="med"/>
+                          <a:tailEnd type="none" w="med" len="med"/>
+                        </a:lnR>
+                        <a:lnT w="12700" cap="flat" cmpd="sng" algn="ctr">
+                          <a:solidFill>
+                            <a:schemeClr val="tx1"/>
+                          </a:solidFill>
+                          <a:prstDash val="solid"/>
+                          <a:round/>
+                          <a:headEnd type="none" w="med" len="med"/>
+                          <a:tailEnd type="none" w="med" len="med"/>
+                        </a:lnT>
+                        <a:lnB w="12700" cap="flat" cmpd="sng" algn="ctr">
+                          <a:solidFill>
+                            <a:schemeClr val="tx1"/>
+                          </a:solidFill>
+                          <a:prstDash val="solid"/>
+                          <a:round/>
+                          <a:headEnd type="none" w="med" len="med"/>
+                          <a:tailEnd type="none" w="med" len="med"/>
+                        </a:lnB>
+                        <a:noFill/>
+                      </a:tcPr>
+                    </a:tc>
+                    <a:extLst>
+                      <a:ext uri="{0D108BD9-81ED-4DB2-BD59-A6C34878D82A}">
+                        <a16:rowId xmlns:a16="http://schemas.microsoft.com/office/drawing/2014/main" val="2623426063"/>
+                      </a:ext>
+                    </a:extLst>
+                  </a:tr>
+                </a:tbl>
+              </a:graphicData>
+            </a:graphic>
+          </p:graphicFrame>
+        </mc:Choice>
+        <mc:Fallback>
+          <p:graphicFrame>
+            <p:nvGraphicFramePr>
+              <p:cNvPr id="12" name="Table 4">
                 <a:extLst>
-                  <a:ext uri="{0D108BD9-81ED-4DB2-BD59-A6C34878D82A}">
-                    <a16:rowId xmlns:a16="http://schemas.microsoft.com/office/drawing/2014/main" val="2212095834"/>
+                  <a:ext uri="{FF2B5EF4-FFF2-40B4-BE49-F238E27FC236}">
+                    <a16:creationId xmlns:a16="http://schemas.microsoft.com/office/drawing/2014/main" id="{79AE4819-01A5-665B-AAB7-C91D2F5B05FB}"/>
                   </a:ext>
                 </a:extLst>
-              </a:tr>
-              <a:tr h="412575">
-                <a:tc>
-                  <a:txBody>
-                    <a:bodyPr/>
-                    <a:lstStyle/>
-                    <a:p>
-                      <a:endParaRPr lang="en-US"/>
-                    </a:p>
-                  </a:txBody>
-                  <a:tcPr>
-                    <a:lnL w="12700" cap="flat" cmpd="sng" algn="ctr">
-                      <a:solidFill>
-                        <a:schemeClr val="tx1"/>
-                      </a:solidFill>
-                      <a:prstDash val="solid"/>
-                      <a:round/>
-                      <a:headEnd type="none" w="med" len="med"/>
-                      <a:tailEnd type="none" w="med" len="med"/>
-                    </a:lnL>
-                    <a:lnR w="12700" cap="flat" cmpd="sng" algn="ctr">
-                      <a:solidFill>
-                        <a:schemeClr val="tx1"/>
-                      </a:solidFill>
-                      <a:prstDash val="solid"/>
-                      <a:round/>
-                      <a:headEnd type="none" w="med" len="med"/>
-                      <a:tailEnd type="none" w="med" len="med"/>
-                    </a:lnR>
-                    <a:lnT w="12700" cap="flat" cmpd="sng" algn="ctr">
-                      <a:solidFill>
-                        <a:schemeClr val="tx1"/>
-                      </a:solidFill>
-                      <a:prstDash val="solid"/>
-                      <a:round/>
-                      <a:headEnd type="none" w="med" len="med"/>
-                      <a:tailEnd type="none" w="med" len="med"/>
-                    </a:lnT>
-                    <a:lnB w="12700" cap="flat" cmpd="sng" algn="ctr">
-                      <a:solidFill>
-                        <a:schemeClr val="tx1"/>
-                      </a:solidFill>
-                      <a:prstDash val="solid"/>
-                      <a:round/>
-                      <a:headEnd type="none" w="med" len="med"/>
-                      <a:tailEnd type="none" w="med" len="med"/>
-                    </a:lnB>
-                    <a:noFill/>
-                  </a:tcPr>
-                </a:tc>
-                <a:tc>
-                  <a:txBody>
-                    <a:bodyPr/>
-                    <a:lstStyle/>
-                    <a:p>
-                      <a:endParaRPr lang="en-US"/>
-                    </a:p>
-                  </a:txBody>
-                  <a:tcPr>
-                    <a:lnL w="12700" cap="flat" cmpd="sng" algn="ctr">
-                      <a:solidFill>
-                        <a:schemeClr val="tx1"/>
-                      </a:solidFill>
-                      <a:prstDash val="solid"/>
-                      <a:round/>
-                      <a:headEnd type="none" w="med" len="med"/>
-                      <a:tailEnd type="none" w="med" len="med"/>
-                    </a:lnL>
-                    <a:lnR w="12700" cap="flat" cmpd="sng" algn="ctr">
-                      <a:solidFill>
-                        <a:schemeClr val="tx1"/>
-                      </a:solidFill>
-                      <a:prstDash val="solid"/>
-                      <a:round/>
-                      <a:headEnd type="none" w="med" len="med"/>
-                      <a:tailEnd type="none" w="med" len="med"/>
-                    </a:lnR>
-                    <a:lnT w="12700" cap="flat" cmpd="sng" algn="ctr">
-                      <a:solidFill>
-                        <a:schemeClr val="tx1"/>
-                      </a:solidFill>
-                      <a:prstDash val="solid"/>
-                      <a:round/>
-                      <a:headEnd type="none" w="med" len="med"/>
-                      <a:tailEnd type="none" w="med" len="med"/>
-                    </a:lnT>
-                    <a:lnB w="12700" cap="flat" cmpd="sng" algn="ctr">
-                      <a:solidFill>
-                        <a:schemeClr val="tx1"/>
-                      </a:solidFill>
-                      <a:prstDash val="solid"/>
-                      <a:round/>
-                      <a:headEnd type="none" w="med" len="med"/>
-                      <a:tailEnd type="none" w="med" len="med"/>
-                    </a:lnB>
-                    <a:noFill/>
-                  </a:tcPr>
-                </a:tc>
-                <a:tc>
-                  <a:txBody>
-                    <a:bodyPr/>
-                    <a:lstStyle/>
-                    <a:p>
-                      <a:endParaRPr lang="en-US"/>
-                    </a:p>
-                  </a:txBody>
-                  <a:tcPr>
-                    <a:lnL w="12700" cap="flat" cmpd="sng" algn="ctr">
-                      <a:solidFill>
-                        <a:schemeClr val="tx1"/>
-                      </a:solidFill>
-                      <a:prstDash val="solid"/>
-                      <a:round/>
-                      <a:headEnd type="none" w="med" len="med"/>
-                      <a:tailEnd type="none" w="med" len="med"/>
-                    </a:lnL>
-                    <a:lnR w="12700" cap="flat" cmpd="sng" algn="ctr">
-                      <a:solidFill>
-                        <a:schemeClr val="tx1"/>
-                      </a:solidFill>
-                      <a:prstDash val="solid"/>
-                      <a:round/>
-                      <a:headEnd type="none" w="med" len="med"/>
-                      <a:tailEnd type="none" w="med" len="med"/>
-                    </a:lnR>
-                    <a:lnT w="12700" cap="flat" cmpd="sng" algn="ctr">
-                      <a:solidFill>
-                        <a:schemeClr val="tx1"/>
-                      </a:solidFill>
-                      <a:prstDash val="solid"/>
-                      <a:round/>
-                      <a:headEnd type="none" w="med" len="med"/>
-                      <a:tailEnd type="none" w="med" len="med"/>
-                    </a:lnT>
-                    <a:lnB w="12700" cap="flat" cmpd="sng" algn="ctr">
-                      <a:solidFill>
-                        <a:schemeClr val="tx1"/>
-                      </a:solidFill>
-                      <a:prstDash val="solid"/>
-                      <a:round/>
-                      <a:headEnd type="none" w="med" len="med"/>
-                      <a:tailEnd type="none" w="med" len="med"/>
-                    </a:lnB>
-                    <a:noFill/>
-                  </a:tcPr>
-                </a:tc>
-                <a:tc>
-                  <a:txBody>
-                    <a:bodyPr/>
-                    <a:lstStyle/>
-                    <a:p>
-                      <a:endParaRPr lang="en-US"/>
-                    </a:p>
-                  </a:txBody>
-                  <a:tcPr>
-                    <a:lnL w="12700" cap="flat" cmpd="sng" algn="ctr">
-                      <a:solidFill>
-                        <a:schemeClr val="tx1"/>
-                      </a:solidFill>
-                      <a:prstDash val="solid"/>
-                      <a:round/>
-                      <a:headEnd type="none" w="med" len="med"/>
-                      <a:tailEnd type="none" w="med" len="med"/>
-                    </a:lnL>
-                    <a:lnR w="12700" cap="flat" cmpd="sng" algn="ctr">
-                      <a:solidFill>
-                        <a:schemeClr val="tx1"/>
-                      </a:solidFill>
-                      <a:prstDash val="solid"/>
-                      <a:round/>
-                      <a:headEnd type="none" w="med" len="med"/>
-                      <a:tailEnd type="none" w="med" len="med"/>
-                    </a:lnR>
-                    <a:lnT w="12700" cap="flat" cmpd="sng" algn="ctr">
-                      <a:solidFill>
-                        <a:schemeClr val="tx1"/>
-                      </a:solidFill>
-                      <a:prstDash val="solid"/>
-                      <a:round/>
-                      <a:headEnd type="none" w="med" len="med"/>
-                      <a:tailEnd type="none" w="med" len="med"/>
-                    </a:lnT>
-                    <a:lnB w="12700" cap="flat" cmpd="sng" algn="ctr">
-                      <a:solidFill>
-                        <a:schemeClr val="tx1"/>
-                      </a:solidFill>
-                      <a:prstDash val="solid"/>
-                      <a:round/>
-                      <a:headEnd type="none" w="med" len="med"/>
-                      <a:tailEnd type="none" w="med" len="med"/>
-                    </a:lnB>
-                    <a:noFill/>
-                  </a:tcPr>
-                </a:tc>
-                <a:tc>
-                  <a:txBody>
-                    <a:bodyPr/>
-                    <a:lstStyle/>
-                    <a:p>
-                      <a:endParaRPr lang="en-US"/>
-                    </a:p>
-                  </a:txBody>
-                  <a:tcPr>
-                    <a:lnL w="12700" cap="flat" cmpd="sng" algn="ctr">
-                      <a:solidFill>
-                        <a:schemeClr val="tx1"/>
-                      </a:solidFill>
-                      <a:prstDash val="solid"/>
-                      <a:round/>
-                      <a:headEnd type="none" w="med" len="med"/>
-                      <a:tailEnd type="none" w="med" len="med"/>
-                    </a:lnL>
-                    <a:lnR w="12700" cap="flat" cmpd="sng" algn="ctr">
-                      <a:solidFill>
-                        <a:schemeClr val="tx1"/>
-                      </a:solidFill>
-                      <a:prstDash val="solid"/>
-                      <a:round/>
-                      <a:headEnd type="none" w="med" len="med"/>
-                      <a:tailEnd type="none" w="med" len="med"/>
-                    </a:lnR>
-                    <a:lnT w="12700" cap="flat" cmpd="sng" algn="ctr">
-                      <a:solidFill>
-                        <a:schemeClr val="tx1"/>
-                      </a:solidFill>
-                      <a:prstDash val="solid"/>
-                      <a:round/>
-                      <a:headEnd type="none" w="med" len="med"/>
-                      <a:tailEnd type="none" w="med" len="med"/>
-                    </a:lnT>
-                    <a:lnB w="12700" cap="flat" cmpd="sng" algn="ctr">
-                      <a:solidFill>
-                        <a:schemeClr val="tx1"/>
-                      </a:solidFill>
-                      <a:prstDash val="solid"/>
-                      <a:round/>
-                      <a:headEnd type="none" w="med" len="med"/>
-                      <a:tailEnd type="none" w="med" len="med"/>
-                    </a:lnB>
-                    <a:noFill/>
-                  </a:tcPr>
-                </a:tc>
-                <a:extLst>
-                  <a:ext uri="{0D108BD9-81ED-4DB2-BD59-A6C34878D82A}">
-                    <a16:rowId xmlns:a16="http://schemas.microsoft.com/office/drawing/2014/main" val="1425652040"/>
-                  </a:ext>
-                </a:extLst>
-              </a:tr>
-              <a:tr h="412575">
-                <a:tc>
-                  <a:txBody>
-                    <a:bodyPr/>
-                    <a:lstStyle/>
-                    <a:p>
-                      <a:endParaRPr lang="en-US"/>
-                    </a:p>
-                  </a:txBody>
-                  <a:tcPr>
-                    <a:lnL w="12700" cap="flat" cmpd="sng" algn="ctr">
-                      <a:solidFill>
-                        <a:schemeClr val="tx1"/>
-                      </a:solidFill>
-                      <a:prstDash val="solid"/>
-                      <a:round/>
-                      <a:headEnd type="none" w="med" len="med"/>
-                      <a:tailEnd type="none" w="med" len="med"/>
-                    </a:lnL>
-                    <a:lnR w="12700" cap="flat" cmpd="sng" algn="ctr">
-                      <a:solidFill>
-                        <a:schemeClr val="tx1"/>
-                      </a:solidFill>
-                      <a:prstDash val="solid"/>
-                      <a:round/>
-                      <a:headEnd type="none" w="med" len="med"/>
-                      <a:tailEnd type="none" w="med" len="med"/>
-                    </a:lnR>
-                    <a:lnT w="12700" cap="flat" cmpd="sng" algn="ctr">
-                      <a:solidFill>
-                        <a:schemeClr val="tx1"/>
-                      </a:solidFill>
-                      <a:prstDash val="solid"/>
-                      <a:round/>
-                      <a:headEnd type="none" w="med" len="med"/>
-                      <a:tailEnd type="none" w="med" len="med"/>
-                    </a:lnT>
-                    <a:lnB w="12700" cap="flat" cmpd="sng" algn="ctr">
-                      <a:solidFill>
-                        <a:schemeClr val="tx1"/>
-                      </a:solidFill>
-                      <a:prstDash val="solid"/>
-                      <a:round/>
-                      <a:headEnd type="none" w="med" len="med"/>
-                      <a:tailEnd type="none" w="med" len="med"/>
-                    </a:lnB>
-                    <a:noFill/>
-                  </a:tcPr>
-                </a:tc>
-                <a:tc>
-                  <a:txBody>
-                    <a:bodyPr/>
-                    <a:lstStyle/>
-                    <a:p>
-                      <a:endParaRPr lang="en-US"/>
-                    </a:p>
-                  </a:txBody>
-                  <a:tcPr>
-                    <a:lnL w="12700" cap="flat" cmpd="sng" algn="ctr">
-                      <a:solidFill>
-                        <a:schemeClr val="tx1"/>
-                      </a:solidFill>
-                      <a:prstDash val="solid"/>
-                      <a:round/>
-                      <a:headEnd type="none" w="med" len="med"/>
-                      <a:tailEnd type="none" w="med" len="med"/>
-                    </a:lnL>
-                    <a:lnR w="12700" cap="flat" cmpd="sng" algn="ctr">
-                      <a:solidFill>
-                        <a:schemeClr val="tx1"/>
-                      </a:solidFill>
-                      <a:prstDash val="solid"/>
-                      <a:round/>
-                      <a:headEnd type="none" w="med" len="med"/>
-                      <a:tailEnd type="none" w="med" len="med"/>
-                    </a:lnR>
-                    <a:lnT w="12700" cap="flat" cmpd="sng" algn="ctr">
-                      <a:solidFill>
-                        <a:schemeClr val="tx1"/>
-                      </a:solidFill>
-                      <a:prstDash val="solid"/>
-                      <a:round/>
-                      <a:headEnd type="none" w="med" len="med"/>
-                      <a:tailEnd type="none" w="med" len="med"/>
-                    </a:lnT>
-                    <a:lnB w="12700" cap="flat" cmpd="sng" algn="ctr">
-                      <a:solidFill>
-                        <a:schemeClr val="tx1"/>
-                      </a:solidFill>
-                      <a:prstDash val="solid"/>
-                      <a:round/>
-                      <a:headEnd type="none" w="med" len="med"/>
-                      <a:tailEnd type="none" w="med" len="med"/>
-                    </a:lnB>
-                    <a:noFill/>
-                  </a:tcPr>
-                </a:tc>
-                <a:tc>
-                  <a:txBody>
-                    <a:bodyPr/>
-                    <a:lstStyle/>
-                    <a:p>
-                      <a:endParaRPr lang="en-US"/>
-                    </a:p>
-                  </a:txBody>
-                  <a:tcPr>
-                    <a:lnL w="12700" cap="flat" cmpd="sng" algn="ctr">
-                      <a:solidFill>
-                        <a:schemeClr val="tx1"/>
-                      </a:solidFill>
-                      <a:prstDash val="solid"/>
-                      <a:round/>
-                      <a:headEnd type="none" w="med" len="med"/>
-                      <a:tailEnd type="none" w="med" len="med"/>
-                    </a:lnL>
-                    <a:lnR w="12700" cap="flat" cmpd="sng" algn="ctr">
-                      <a:solidFill>
-                        <a:schemeClr val="tx1"/>
-                      </a:solidFill>
-                      <a:prstDash val="solid"/>
-                      <a:round/>
-                      <a:headEnd type="none" w="med" len="med"/>
-                      <a:tailEnd type="none" w="med" len="med"/>
-                    </a:lnR>
-                    <a:lnT w="12700" cap="flat" cmpd="sng" algn="ctr">
-                      <a:solidFill>
-                        <a:schemeClr val="tx1"/>
-                      </a:solidFill>
-                      <a:prstDash val="solid"/>
-                      <a:round/>
-                      <a:headEnd type="none" w="med" len="med"/>
-                      <a:tailEnd type="none" w="med" len="med"/>
-                    </a:lnT>
-                    <a:lnB w="12700" cap="flat" cmpd="sng" algn="ctr">
-                      <a:solidFill>
-                        <a:schemeClr val="tx1"/>
-                      </a:solidFill>
-                      <a:prstDash val="solid"/>
-                      <a:round/>
-                      <a:headEnd type="none" w="med" len="med"/>
-                      <a:tailEnd type="none" w="med" len="med"/>
-                    </a:lnB>
-                    <a:noFill/>
-                  </a:tcPr>
-                </a:tc>
-                <a:tc>
-                  <a:txBody>
-                    <a:bodyPr/>
-                    <a:lstStyle/>
-                    <a:p>
-                      <a:endParaRPr lang="en-US"/>
-                    </a:p>
-                  </a:txBody>
-                  <a:tcPr>
-                    <a:lnL w="12700" cap="flat" cmpd="sng" algn="ctr">
-                      <a:solidFill>
-                        <a:schemeClr val="tx1"/>
-                      </a:solidFill>
-                      <a:prstDash val="solid"/>
-                      <a:round/>
-                      <a:headEnd type="none" w="med" len="med"/>
-                      <a:tailEnd type="none" w="med" len="med"/>
-                    </a:lnL>
-                    <a:lnR w="12700" cap="flat" cmpd="sng" algn="ctr">
-                      <a:solidFill>
-                        <a:schemeClr val="tx1"/>
-                      </a:solidFill>
-                      <a:prstDash val="solid"/>
-                      <a:round/>
-                      <a:headEnd type="none" w="med" len="med"/>
-                      <a:tailEnd type="none" w="med" len="med"/>
-                    </a:lnR>
-                    <a:lnT w="12700" cap="flat" cmpd="sng" algn="ctr">
-                      <a:solidFill>
-                        <a:schemeClr val="tx1"/>
-                      </a:solidFill>
-                      <a:prstDash val="solid"/>
-                      <a:round/>
-                      <a:headEnd type="none" w="med" len="med"/>
-                      <a:tailEnd type="none" w="med" len="med"/>
-                    </a:lnT>
-                    <a:lnB w="12700" cap="flat" cmpd="sng" algn="ctr">
-                      <a:solidFill>
-                        <a:schemeClr val="tx1"/>
-                      </a:solidFill>
-                      <a:prstDash val="solid"/>
-                      <a:round/>
-                      <a:headEnd type="none" w="med" len="med"/>
-                      <a:tailEnd type="none" w="med" len="med"/>
-                    </a:lnB>
-                    <a:noFill/>
-                  </a:tcPr>
-                </a:tc>
-                <a:tc>
-                  <a:txBody>
-                    <a:bodyPr/>
-                    <a:lstStyle/>
-                    <a:p>
-                      <a:endParaRPr lang="en-US"/>
-                    </a:p>
-                  </a:txBody>
-                  <a:tcPr>
-                    <a:lnL w="12700" cap="flat" cmpd="sng" algn="ctr">
-                      <a:solidFill>
-                        <a:schemeClr val="tx1"/>
-                      </a:solidFill>
-                      <a:prstDash val="solid"/>
-                      <a:round/>
-                      <a:headEnd type="none" w="med" len="med"/>
-                      <a:tailEnd type="none" w="med" len="med"/>
-                    </a:lnL>
-                    <a:lnR w="12700" cap="flat" cmpd="sng" algn="ctr">
-                      <a:solidFill>
-                        <a:schemeClr val="tx1"/>
-                      </a:solidFill>
-                      <a:prstDash val="solid"/>
-                      <a:round/>
-                      <a:headEnd type="none" w="med" len="med"/>
-                      <a:tailEnd type="none" w="med" len="med"/>
-                    </a:lnR>
-                    <a:lnT w="12700" cap="flat" cmpd="sng" algn="ctr">
-                      <a:solidFill>
-                        <a:schemeClr val="tx1"/>
-                      </a:solidFill>
-                      <a:prstDash val="solid"/>
-                      <a:round/>
-                      <a:headEnd type="none" w="med" len="med"/>
-                      <a:tailEnd type="none" w="med" len="med"/>
-                    </a:lnT>
-                    <a:lnB w="12700" cap="flat" cmpd="sng" algn="ctr">
-                      <a:solidFill>
-                        <a:schemeClr val="tx1"/>
-                      </a:solidFill>
-                      <a:prstDash val="solid"/>
-                      <a:round/>
-                      <a:headEnd type="none" w="med" len="med"/>
-                      <a:tailEnd type="none" w="med" len="med"/>
-                    </a:lnB>
-                    <a:noFill/>
-                  </a:tcPr>
-                </a:tc>
-                <a:extLst>
-                  <a:ext uri="{0D108BD9-81ED-4DB2-BD59-A6C34878D82A}">
-                    <a16:rowId xmlns:a16="http://schemas.microsoft.com/office/drawing/2014/main" val="2208147504"/>
-                  </a:ext>
-                </a:extLst>
-              </a:tr>
-              <a:tr h="412575">
-                <a:tc>
-                  <a:txBody>
-                    <a:bodyPr/>
-                    <a:lstStyle/>
-                    <a:p>
-                      <a:endParaRPr lang="en-US"/>
-                    </a:p>
-                  </a:txBody>
-                  <a:tcPr>
-                    <a:lnL w="12700" cap="flat" cmpd="sng" algn="ctr">
-                      <a:solidFill>
-                        <a:schemeClr val="tx1"/>
-                      </a:solidFill>
-                      <a:prstDash val="solid"/>
-                      <a:round/>
-                      <a:headEnd type="none" w="med" len="med"/>
-                      <a:tailEnd type="none" w="med" len="med"/>
-                    </a:lnL>
-                    <a:lnR w="12700" cap="flat" cmpd="sng" algn="ctr">
-                      <a:solidFill>
-                        <a:schemeClr val="tx1"/>
-                      </a:solidFill>
-                      <a:prstDash val="solid"/>
-                      <a:round/>
-                      <a:headEnd type="none" w="med" len="med"/>
-                      <a:tailEnd type="none" w="med" len="med"/>
-                    </a:lnR>
-                    <a:lnT w="12700" cap="flat" cmpd="sng" algn="ctr">
-                      <a:solidFill>
-                        <a:schemeClr val="tx1"/>
-                      </a:solidFill>
-                      <a:prstDash val="solid"/>
-                      <a:round/>
-                      <a:headEnd type="none" w="med" len="med"/>
-                      <a:tailEnd type="none" w="med" len="med"/>
-                    </a:lnT>
-                    <a:lnB w="12700" cap="flat" cmpd="sng" algn="ctr">
-                      <a:solidFill>
-                        <a:schemeClr val="tx1"/>
-                      </a:solidFill>
-                      <a:prstDash val="solid"/>
-                      <a:round/>
-                      <a:headEnd type="none" w="med" len="med"/>
-                      <a:tailEnd type="none" w="med" len="med"/>
-                    </a:lnB>
-                    <a:noFill/>
-                  </a:tcPr>
-                </a:tc>
-                <a:tc>
-                  <a:txBody>
-                    <a:bodyPr/>
-                    <a:lstStyle/>
-                    <a:p>
-                      <a:endParaRPr lang="en-US"/>
-                    </a:p>
-                  </a:txBody>
-                  <a:tcPr>
-                    <a:lnL w="12700" cap="flat" cmpd="sng" algn="ctr">
-                      <a:solidFill>
-                        <a:schemeClr val="tx1"/>
-                      </a:solidFill>
-                      <a:prstDash val="solid"/>
-                      <a:round/>
-                      <a:headEnd type="none" w="med" len="med"/>
-                      <a:tailEnd type="none" w="med" len="med"/>
-                    </a:lnL>
-                    <a:lnR w="12700" cap="flat" cmpd="sng" algn="ctr">
-                      <a:solidFill>
-                        <a:schemeClr val="tx1"/>
-                      </a:solidFill>
-                      <a:prstDash val="solid"/>
-                      <a:round/>
-                      <a:headEnd type="none" w="med" len="med"/>
-                      <a:tailEnd type="none" w="med" len="med"/>
-                    </a:lnR>
-                    <a:lnT w="12700" cap="flat" cmpd="sng" algn="ctr">
-                      <a:solidFill>
-                        <a:schemeClr val="tx1"/>
-                      </a:solidFill>
-                      <a:prstDash val="solid"/>
-                      <a:round/>
-                      <a:headEnd type="none" w="med" len="med"/>
-                      <a:tailEnd type="none" w="med" len="med"/>
-                    </a:lnT>
-                    <a:lnB w="12700" cap="flat" cmpd="sng" algn="ctr">
-                      <a:solidFill>
-                        <a:schemeClr val="tx1"/>
-                      </a:solidFill>
-                      <a:prstDash val="solid"/>
-                      <a:round/>
-                      <a:headEnd type="none" w="med" len="med"/>
-                      <a:tailEnd type="none" w="med" len="med"/>
-                    </a:lnB>
-                    <a:noFill/>
-                  </a:tcPr>
-                </a:tc>
-                <a:tc>
-                  <a:txBody>
-                    <a:bodyPr/>
-                    <a:lstStyle/>
-                    <a:p>
-                      <a:endParaRPr lang="en-US"/>
-                    </a:p>
-                  </a:txBody>
-                  <a:tcPr>
-                    <a:lnL w="12700" cap="flat" cmpd="sng" algn="ctr">
-                      <a:solidFill>
-                        <a:schemeClr val="tx1"/>
-                      </a:solidFill>
-                      <a:prstDash val="solid"/>
-                      <a:round/>
-                      <a:headEnd type="none" w="med" len="med"/>
-                      <a:tailEnd type="none" w="med" len="med"/>
-                    </a:lnL>
-                    <a:lnR w="12700" cap="flat" cmpd="sng" algn="ctr">
-                      <a:solidFill>
-                        <a:schemeClr val="tx1"/>
-                      </a:solidFill>
-                      <a:prstDash val="solid"/>
-                      <a:round/>
-                      <a:headEnd type="none" w="med" len="med"/>
-                      <a:tailEnd type="none" w="med" len="med"/>
-                    </a:lnR>
-                    <a:lnT w="12700" cap="flat" cmpd="sng" algn="ctr">
-                      <a:solidFill>
-                        <a:schemeClr val="tx1"/>
-                      </a:solidFill>
-                      <a:prstDash val="solid"/>
-                      <a:round/>
-                      <a:headEnd type="none" w="med" len="med"/>
-                      <a:tailEnd type="none" w="med" len="med"/>
-                    </a:lnT>
-                    <a:lnB w="12700" cap="flat" cmpd="sng" algn="ctr">
-                      <a:solidFill>
-                        <a:schemeClr val="tx1"/>
-                      </a:solidFill>
-                      <a:prstDash val="solid"/>
-                      <a:round/>
-                      <a:headEnd type="none" w="med" len="med"/>
-                      <a:tailEnd type="none" w="med" len="med"/>
-                    </a:lnB>
-                    <a:noFill/>
-                  </a:tcPr>
-                </a:tc>
-                <a:tc>
-                  <a:txBody>
-                    <a:bodyPr/>
-                    <a:lstStyle/>
-                    <a:p>
-                      <a:endParaRPr lang="en-US"/>
-                    </a:p>
-                  </a:txBody>
-                  <a:tcPr>
-                    <a:lnL w="12700" cap="flat" cmpd="sng" algn="ctr">
-                      <a:solidFill>
-                        <a:schemeClr val="tx1"/>
-                      </a:solidFill>
-                      <a:prstDash val="solid"/>
-                      <a:round/>
-                      <a:headEnd type="none" w="med" len="med"/>
-                      <a:tailEnd type="none" w="med" len="med"/>
-                    </a:lnL>
-                    <a:lnR w="12700" cap="flat" cmpd="sng" algn="ctr">
-                      <a:solidFill>
-                        <a:schemeClr val="tx1"/>
-                      </a:solidFill>
-                      <a:prstDash val="solid"/>
-                      <a:round/>
-                      <a:headEnd type="none" w="med" len="med"/>
-                      <a:tailEnd type="none" w="med" len="med"/>
-                    </a:lnR>
-                    <a:lnT w="12700" cap="flat" cmpd="sng" algn="ctr">
-                      <a:solidFill>
-                        <a:schemeClr val="tx1"/>
-                      </a:solidFill>
-                      <a:prstDash val="solid"/>
-                      <a:round/>
-                      <a:headEnd type="none" w="med" len="med"/>
-                      <a:tailEnd type="none" w="med" len="med"/>
-                    </a:lnT>
-                    <a:lnB w="12700" cap="flat" cmpd="sng" algn="ctr">
-                      <a:solidFill>
-                        <a:schemeClr val="tx1"/>
-                      </a:solidFill>
-                      <a:prstDash val="solid"/>
-                      <a:round/>
-                      <a:headEnd type="none" w="med" len="med"/>
-                      <a:tailEnd type="none" w="med" len="med"/>
-                    </a:lnB>
-                    <a:noFill/>
-                  </a:tcPr>
-                </a:tc>
-                <a:tc>
-                  <a:txBody>
-                    <a:bodyPr/>
-                    <a:lstStyle/>
-                    <a:p>
-                      <a:endParaRPr lang="en-US" dirty="0"/>
-                    </a:p>
-                  </a:txBody>
-                  <a:tcPr>
-                    <a:lnL w="12700" cap="flat" cmpd="sng" algn="ctr">
-                      <a:solidFill>
-                        <a:schemeClr val="tx1"/>
-                      </a:solidFill>
-                      <a:prstDash val="solid"/>
-                      <a:round/>
-                      <a:headEnd type="none" w="med" len="med"/>
-                      <a:tailEnd type="none" w="med" len="med"/>
-                    </a:lnL>
-                    <a:lnR w="12700" cap="flat" cmpd="sng" algn="ctr">
-                      <a:solidFill>
-                        <a:schemeClr val="tx1"/>
-                      </a:solidFill>
-                      <a:prstDash val="solid"/>
-                      <a:round/>
-                      <a:headEnd type="none" w="med" len="med"/>
-                      <a:tailEnd type="none" w="med" len="med"/>
-                    </a:lnR>
-                    <a:lnT w="12700" cap="flat" cmpd="sng" algn="ctr">
-                      <a:solidFill>
-                        <a:schemeClr val="tx1"/>
-                      </a:solidFill>
-                      <a:prstDash val="solid"/>
-                      <a:round/>
-                      <a:headEnd type="none" w="med" len="med"/>
-                      <a:tailEnd type="none" w="med" len="med"/>
-                    </a:lnT>
-                    <a:lnB w="12700" cap="flat" cmpd="sng" algn="ctr">
-                      <a:solidFill>
-                        <a:schemeClr val="tx1"/>
-                      </a:solidFill>
-                      <a:prstDash val="solid"/>
-                      <a:round/>
-                      <a:headEnd type="none" w="med" len="med"/>
-                      <a:tailEnd type="none" w="med" len="med"/>
-                    </a:lnB>
-                    <a:noFill/>
-                  </a:tcPr>
-                </a:tc>
-                <a:extLst>
-                  <a:ext uri="{0D108BD9-81ED-4DB2-BD59-A6C34878D82A}">
-                    <a16:rowId xmlns:a16="http://schemas.microsoft.com/office/drawing/2014/main" val="2623426063"/>
-                  </a:ext>
-                </a:extLst>
-              </a:tr>
-            </a:tbl>
-          </a:graphicData>
-        </a:graphic>
-      </p:graphicFrame>
+              </p:cNvPr>
+              <p:cNvGraphicFramePr>
+                <a:graphicFrameLocks noGrp="1"/>
+              </p:cNvGraphicFramePr>
+              <p:nvPr>
+                <p:extLst>
+                  <p:ext uri="{D42A27DB-BD31-4B8C-83A1-F6EECF244321}">
+                    <p14:modId xmlns:p14="http://schemas.microsoft.com/office/powerpoint/2010/main" val="1450657978"/>
+                  </p:ext>
+                </p:extLst>
+              </p:nvPr>
+            </p:nvGraphicFramePr>
+            <p:xfrm>
+              <a:off x="6893690" y="679448"/>
+              <a:ext cx="2150240" cy="2062875"/>
+            </p:xfrm>
+            <a:graphic>
+              <a:graphicData uri="http://schemas.openxmlformats.org/drawingml/2006/table">
+                <a:tbl>
+                  <a:tblPr firstRow="1" bandRow="1">
+                    <a:tableStyleId>{5C22544A-7EE6-4342-B048-85BDC9FD1C3A}</a:tableStyleId>
+                  </a:tblPr>
+                  <a:tblGrid>
+                    <a:gridCol w="430048">
+                      <a:extLst>
+                        <a:ext uri="{9D8B030D-6E8A-4147-A177-3AD203B41FA5}">
+                          <a16:colId xmlns:a16="http://schemas.microsoft.com/office/drawing/2014/main" val="3313694271"/>
+                        </a:ext>
+                      </a:extLst>
+                    </a:gridCol>
+                    <a:gridCol w="430048">
+                      <a:extLst>
+                        <a:ext uri="{9D8B030D-6E8A-4147-A177-3AD203B41FA5}">
+                          <a16:colId xmlns:a16="http://schemas.microsoft.com/office/drawing/2014/main" val="572745086"/>
+                        </a:ext>
+                      </a:extLst>
+                    </a:gridCol>
+                    <a:gridCol w="430048">
+                      <a:extLst>
+                        <a:ext uri="{9D8B030D-6E8A-4147-A177-3AD203B41FA5}">
+                          <a16:colId xmlns:a16="http://schemas.microsoft.com/office/drawing/2014/main" val="2723029343"/>
+                        </a:ext>
+                      </a:extLst>
+                    </a:gridCol>
+                    <a:gridCol w="430048">
+                      <a:extLst>
+                        <a:ext uri="{9D8B030D-6E8A-4147-A177-3AD203B41FA5}">
+                          <a16:colId xmlns:a16="http://schemas.microsoft.com/office/drawing/2014/main" val="1978458107"/>
+                        </a:ext>
+                      </a:extLst>
+                    </a:gridCol>
+                    <a:gridCol w="430048">
+                      <a:extLst>
+                        <a:ext uri="{9D8B030D-6E8A-4147-A177-3AD203B41FA5}">
+                          <a16:colId xmlns:a16="http://schemas.microsoft.com/office/drawing/2014/main" val="2319721335"/>
+                        </a:ext>
+                      </a:extLst>
+                    </a:gridCol>
+                  </a:tblGrid>
+                  <a:tr h="412575">
+                    <a:tc>
+                      <a:txBody>
+                        <a:bodyPr/>
+                        <a:lstStyle/>
+                        <a:p>
+                          <a:endParaRPr lang="en-US"/>
+                        </a:p>
+                      </a:txBody>
+                      <a:tcPr>
+                        <a:lnL w="12700" cap="flat" cmpd="sng" algn="ctr">
+                          <a:solidFill>
+                            <a:schemeClr val="tx1"/>
+                          </a:solidFill>
+                          <a:prstDash val="solid"/>
+                          <a:round/>
+                          <a:headEnd type="none" w="med" len="med"/>
+                          <a:tailEnd type="none" w="med" len="med"/>
+                        </a:lnL>
+                        <a:lnR w="12700" cap="flat" cmpd="sng" algn="ctr">
+                          <a:solidFill>
+                            <a:schemeClr val="tx1"/>
+                          </a:solidFill>
+                          <a:prstDash val="solid"/>
+                          <a:round/>
+                          <a:headEnd type="none" w="med" len="med"/>
+                          <a:tailEnd type="none" w="med" len="med"/>
+                        </a:lnR>
+                        <a:lnT w="12700" cap="flat" cmpd="sng" algn="ctr">
+                          <a:solidFill>
+                            <a:schemeClr val="tx1"/>
+                          </a:solidFill>
+                          <a:prstDash val="solid"/>
+                          <a:round/>
+                          <a:headEnd type="none" w="med" len="med"/>
+                          <a:tailEnd type="none" w="med" len="med"/>
+                        </a:lnT>
+                        <a:lnB w="12700" cap="flat" cmpd="sng" algn="ctr">
+                          <a:solidFill>
+                            <a:schemeClr val="tx1"/>
+                          </a:solidFill>
+                          <a:prstDash val="solid"/>
+                          <a:round/>
+                          <a:headEnd type="none" w="med" len="med"/>
+                          <a:tailEnd type="none" w="med" len="med"/>
+                        </a:lnB>
+                        <a:blipFill>
+                          <a:blip r:embed="rId2"/>
+                          <a:stretch>
+                            <a:fillRect l="-2941" t="-3030" r="-405882" b="-396970"/>
+                          </a:stretch>
+                        </a:blipFill>
+                      </a:tcPr>
+                    </a:tc>
+                    <a:tc>
+                      <a:txBody>
+                        <a:bodyPr/>
+                        <a:lstStyle/>
+                        <a:p>
+                          <a:endParaRPr lang="en-US"/>
+                        </a:p>
+                      </a:txBody>
+                      <a:tcPr>
+                        <a:lnL w="12700" cap="flat" cmpd="sng" algn="ctr">
+                          <a:solidFill>
+                            <a:schemeClr val="tx1"/>
+                          </a:solidFill>
+                          <a:prstDash val="solid"/>
+                          <a:round/>
+                          <a:headEnd type="none" w="med" len="med"/>
+                          <a:tailEnd type="none" w="med" len="med"/>
+                        </a:lnL>
+                        <a:lnR w="12700" cap="flat" cmpd="sng" algn="ctr">
+                          <a:solidFill>
+                            <a:schemeClr val="tx1"/>
+                          </a:solidFill>
+                          <a:prstDash val="solid"/>
+                          <a:round/>
+                          <a:headEnd type="none" w="med" len="med"/>
+                          <a:tailEnd type="none" w="med" len="med"/>
+                        </a:lnR>
+                        <a:lnT w="12700" cap="flat" cmpd="sng" algn="ctr">
+                          <a:solidFill>
+                            <a:schemeClr val="tx1"/>
+                          </a:solidFill>
+                          <a:prstDash val="solid"/>
+                          <a:round/>
+                          <a:headEnd type="none" w="med" len="med"/>
+                          <a:tailEnd type="none" w="med" len="med"/>
+                        </a:lnT>
+                        <a:lnB w="12700" cap="flat" cmpd="sng" algn="ctr">
+                          <a:solidFill>
+                            <a:schemeClr val="tx1"/>
+                          </a:solidFill>
+                          <a:prstDash val="solid"/>
+                          <a:round/>
+                          <a:headEnd type="none" w="med" len="med"/>
+                          <a:tailEnd type="none" w="med" len="med"/>
+                        </a:lnB>
+                        <a:blipFill>
+                          <a:blip r:embed="rId2"/>
+                          <a:stretch>
+                            <a:fillRect l="-102941" t="-3030" r="-305882" b="-396970"/>
+                          </a:stretch>
+                        </a:blipFill>
+                      </a:tcPr>
+                    </a:tc>
+                    <a:tc>
+                      <a:txBody>
+                        <a:bodyPr/>
+                        <a:lstStyle/>
+                        <a:p>
+                          <a:endParaRPr lang="en-US"/>
+                        </a:p>
+                      </a:txBody>
+                      <a:tcPr>
+                        <a:lnL w="12700" cap="flat" cmpd="sng" algn="ctr">
+                          <a:solidFill>
+                            <a:schemeClr val="tx1"/>
+                          </a:solidFill>
+                          <a:prstDash val="solid"/>
+                          <a:round/>
+                          <a:headEnd type="none" w="med" len="med"/>
+                          <a:tailEnd type="none" w="med" len="med"/>
+                        </a:lnL>
+                        <a:lnR w="12700" cap="flat" cmpd="sng" algn="ctr">
+                          <a:solidFill>
+                            <a:schemeClr val="tx1"/>
+                          </a:solidFill>
+                          <a:prstDash val="solid"/>
+                          <a:round/>
+                          <a:headEnd type="none" w="med" len="med"/>
+                          <a:tailEnd type="none" w="med" len="med"/>
+                        </a:lnR>
+                        <a:lnT w="12700" cap="flat" cmpd="sng" algn="ctr">
+                          <a:solidFill>
+                            <a:schemeClr val="tx1"/>
+                          </a:solidFill>
+                          <a:prstDash val="solid"/>
+                          <a:round/>
+                          <a:headEnd type="none" w="med" len="med"/>
+                          <a:tailEnd type="none" w="med" len="med"/>
+                        </a:lnT>
+                        <a:lnB w="12700" cap="flat" cmpd="sng" algn="ctr">
+                          <a:solidFill>
+                            <a:schemeClr val="tx1"/>
+                          </a:solidFill>
+                          <a:prstDash val="solid"/>
+                          <a:round/>
+                          <a:headEnd type="none" w="med" len="med"/>
+                          <a:tailEnd type="none" w="med" len="med"/>
+                        </a:lnB>
+                        <a:blipFill>
+                          <a:blip r:embed="rId2"/>
+                          <a:stretch>
+                            <a:fillRect l="-197143" t="-3030" r="-197143" b="-396970"/>
+                          </a:stretch>
+                        </a:blipFill>
+                      </a:tcPr>
+                    </a:tc>
+                    <a:tc>
+                      <a:txBody>
+                        <a:bodyPr/>
+                        <a:lstStyle/>
+                        <a:p>
+                          <a:endParaRPr lang="en-US"/>
+                        </a:p>
+                      </a:txBody>
+                      <a:tcPr>
+                        <a:lnL w="12700" cap="flat" cmpd="sng" algn="ctr">
+                          <a:solidFill>
+                            <a:schemeClr val="tx1"/>
+                          </a:solidFill>
+                          <a:prstDash val="solid"/>
+                          <a:round/>
+                          <a:headEnd type="none" w="med" len="med"/>
+                          <a:tailEnd type="none" w="med" len="med"/>
+                        </a:lnL>
+                        <a:lnR w="12700" cap="flat" cmpd="sng" algn="ctr">
+                          <a:solidFill>
+                            <a:schemeClr val="tx1"/>
+                          </a:solidFill>
+                          <a:prstDash val="solid"/>
+                          <a:round/>
+                          <a:headEnd type="none" w="med" len="med"/>
+                          <a:tailEnd type="none" w="med" len="med"/>
+                        </a:lnR>
+                        <a:lnT w="12700" cap="flat" cmpd="sng" algn="ctr">
+                          <a:solidFill>
+                            <a:schemeClr val="tx1"/>
+                          </a:solidFill>
+                          <a:prstDash val="solid"/>
+                          <a:round/>
+                          <a:headEnd type="none" w="med" len="med"/>
+                          <a:tailEnd type="none" w="med" len="med"/>
+                        </a:lnT>
+                        <a:lnB w="12700" cap="flat" cmpd="sng" algn="ctr">
+                          <a:solidFill>
+                            <a:schemeClr val="tx1"/>
+                          </a:solidFill>
+                          <a:prstDash val="solid"/>
+                          <a:round/>
+                          <a:headEnd type="none" w="med" len="med"/>
+                          <a:tailEnd type="none" w="med" len="med"/>
+                        </a:lnB>
+                        <a:blipFill>
+                          <a:blip r:embed="rId2"/>
+                          <a:stretch>
+                            <a:fillRect l="-305882" t="-3030" r="-102941" b="-396970"/>
+                          </a:stretch>
+                        </a:blipFill>
+                      </a:tcPr>
+                    </a:tc>
+                    <a:tc>
+                      <a:txBody>
+                        <a:bodyPr/>
+                        <a:lstStyle/>
+                        <a:p>
+                          <a:endParaRPr lang="en-US"/>
+                        </a:p>
+                      </a:txBody>
+                      <a:tcPr>
+                        <a:lnL w="12700" cap="flat" cmpd="sng" algn="ctr">
+                          <a:solidFill>
+                            <a:schemeClr val="tx1"/>
+                          </a:solidFill>
+                          <a:prstDash val="solid"/>
+                          <a:round/>
+                          <a:headEnd type="none" w="med" len="med"/>
+                          <a:tailEnd type="none" w="med" len="med"/>
+                        </a:lnL>
+                        <a:lnR w="12700" cap="flat" cmpd="sng" algn="ctr">
+                          <a:solidFill>
+                            <a:schemeClr val="tx1"/>
+                          </a:solidFill>
+                          <a:prstDash val="solid"/>
+                          <a:round/>
+                          <a:headEnd type="none" w="med" len="med"/>
+                          <a:tailEnd type="none" w="med" len="med"/>
+                        </a:lnR>
+                        <a:lnT w="12700" cap="flat" cmpd="sng" algn="ctr">
+                          <a:solidFill>
+                            <a:schemeClr val="tx1"/>
+                          </a:solidFill>
+                          <a:prstDash val="solid"/>
+                          <a:round/>
+                          <a:headEnd type="none" w="med" len="med"/>
+                          <a:tailEnd type="none" w="med" len="med"/>
+                        </a:lnT>
+                        <a:lnB w="12700" cap="flat" cmpd="sng" algn="ctr">
+                          <a:solidFill>
+                            <a:schemeClr val="tx1"/>
+                          </a:solidFill>
+                          <a:prstDash val="solid"/>
+                          <a:round/>
+                          <a:headEnd type="none" w="med" len="med"/>
+                          <a:tailEnd type="none" w="med" len="med"/>
+                        </a:lnB>
+                        <a:blipFill>
+                          <a:blip r:embed="rId2"/>
+                          <a:stretch>
+                            <a:fillRect l="-405882" t="-3030" r="-2941" b="-396970"/>
+                          </a:stretch>
+                        </a:blipFill>
+                      </a:tcPr>
+                    </a:tc>
+                    <a:extLst>
+                      <a:ext uri="{0D108BD9-81ED-4DB2-BD59-A6C34878D82A}">
+                        <a16:rowId xmlns:a16="http://schemas.microsoft.com/office/drawing/2014/main" val="2719720269"/>
+                      </a:ext>
+                    </a:extLst>
+                  </a:tr>
+                  <a:tr h="412575">
+                    <a:tc>
+                      <a:txBody>
+                        <a:bodyPr/>
+                        <a:lstStyle/>
+                        <a:p>
+                          <a:endParaRPr lang="en-US" sz="1000">
+                            <a:solidFill>
+                              <a:schemeClr val="tx1"/>
+                            </a:solidFill>
+                          </a:endParaRPr>
+                        </a:p>
+                      </a:txBody>
+                      <a:tcPr>
+                        <a:lnL w="12700" cap="flat" cmpd="sng" algn="ctr">
+                          <a:solidFill>
+                            <a:schemeClr val="tx1"/>
+                          </a:solidFill>
+                          <a:prstDash val="solid"/>
+                          <a:round/>
+                          <a:headEnd type="none" w="med" len="med"/>
+                          <a:tailEnd type="none" w="med" len="med"/>
+                        </a:lnL>
+                        <a:lnR w="12700" cap="flat" cmpd="sng" algn="ctr">
+                          <a:solidFill>
+                            <a:schemeClr val="tx1"/>
+                          </a:solidFill>
+                          <a:prstDash val="solid"/>
+                          <a:round/>
+                          <a:headEnd type="none" w="med" len="med"/>
+                          <a:tailEnd type="none" w="med" len="med"/>
+                        </a:lnR>
+                        <a:lnT w="12700" cap="flat" cmpd="sng" algn="ctr">
+                          <a:solidFill>
+                            <a:schemeClr val="tx1"/>
+                          </a:solidFill>
+                          <a:prstDash val="solid"/>
+                          <a:round/>
+                          <a:headEnd type="none" w="med" len="med"/>
+                          <a:tailEnd type="none" w="med" len="med"/>
+                        </a:lnT>
+                        <a:lnB w="12700" cap="flat" cmpd="sng" algn="ctr">
+                          <a:solidFill>
+                            <a:schemeClr val="tx1"/>
+                          </a:solidFill>
+                          <a:prstDash val="solid"/>
+                          <a:round/>
+                          <a:headEnd type="none" w="med" len="med"/>
+                          <a:tailEnd type="none" w="med" len="med"/>
+                        </a:lnB>
+                        <a:noFill/>
+                      </a:tcPr>
+                    </a:tc>
+                    <a:tc>
+                      <a:txBody>
+                        <a:bodyPr/>
+                        <a:lstStyle/>
+                        <a:p>
+                          <a:endParaRPr lang="en-US" sz="1000">
+                            <a:solidFill>
+                              <a:schemeClr val="tx1"/>
+                            </a:solidFill>
+                          </a:endParaRPr>
+                        </a:p>
+                      </a:txBody>
+                      <a:tcPr>
+                        <a:lnL w="12700" cap="flat" cmpd="sng" algn="ctr">
+                          <a:solidFill>
+                            <a:schemeClr val="tx1"/>
+                          </a:solidFill>
+                          <a:prstDash val="solid"/>
+                          <a:round/>
+                          <a:headEnd type="none" w="med" len="med"/>
+                          <a:tailEnd type="none" w="med" len="med"/>
+                        </a:lnL>
+                        <a:lnR w="12700" cap="flat" cmpd="sng" algn="ctr">
+                          <a:solidFill>
+                            <a:schemeClr val="tx1"/>
+                          </a:solidFill>
+                          <a:prstDash val="solid"/>
+                          <a:round/>
+                          <a:headEnd type="none" w="med" len="med"/>
+                          <a:tailEnd type="none" w="med" len="med"/>
+                        </a:lnR>
+                        <a:lnT w="12700" cap="flat" cmpd="sng" algn="ctr">
+                          <a:solidFill>
+                            <a:schemeClr val="tx1"/>
+                          </a:solidFill>
+                          <a:prstDash val="solid"/>
+                          <a:round/>
+                          <a:headEnd type="none" w="med" len="med"/>
+                          <a:tailEnd type="none" w="med" len="med"/>
+                        </a:lnT>
+                        <a:lnB w="12700" cap="flat" cmpd="sng" algn="ctr">
+                          <a:solidFill>
+                            <a:schemeClr val="tx1"/>
+                          </a:solidFill>
+                          <a:prstDash val="solid"/>
+                          <a:round/>
+                          <a:headEnd type="none" w="med" len="med"/>
+                          <a:tailEnd type="none" w="med" len="med"/>
+                        </a:lnB>
+                        <a:noFill/>
+                      </a:tcPr>
+                    </a:tc>
+                    <a:tc>
+                      <a:txBody>
+                        <a:bodyPr/>
+                        <a:lstStyle/>
+                        <a:p>
+                          <a:endParaRPr lang="en-US" sz="1000">
+                            <a:solidFill>
+                              <a:schemeClr val="tx1"/>
+                            </a:solidFill>
+                          </a:endParaRPr>
+                        </a:p>
+                      </a:txBody>
+                      <a:tcPr>
+                        <a:lnL w="12700" cap="flat" cmpd="sng" algn="ctr">
+                          <a:solidFill>
+                            <a:schemeClr val="tx1"/>
+                          </a:solidFill>
+                          <a:prstDash val="solid"/>
+                          <a:round/>
+                          <a:headEnd type="none" w="med" len="med"/>
+                          <a:tailEnd type="none" w="med" len="med"/>
+                        </a:lnL>
+                        <a:lnR w="12700" cap="flat" cmpd="sng" algn="ctr">
+                          <a:solidFill>
+                            <a:schemeClr val="tx1"/>
+                          </a:solidFill>
+                          <a:prstDash val="solid"/>
+                          <a:round/>
+                          <a:headEnd type="none" w="med" len="med"/>
+                          <a:tailEnd type="none" w="med" len="med"/>
+                        </a:lnR>
+                        <a:lnT w="12700" cap="flat" cmpd="sng" algn="ctr">
+                          <a:solidFill>
+                            <a:schemeClr val="tx1"/>
+                          </a:solidFill>
+                          <a:prstDash val="solid"/>
+                          <a:round/>
+                          <a:headEnd type="none" w="med" len="med"/>
+                          <a:tailEnd type="none" w="med" len="med"/>
+                        </a:lnT>
+                        <a:lnB w="12700" cap="flat" cmpd="sng" algn="ctr">
+                          <a:solidFill>
+                            <a:schemeClr val="tx1"/>
+                          </a:solidFill>
+                          <a:prstDash val="solid"/>
+                          <a:round/>
+                          <a:headEnd type="none" w="med" len="med"/>
+                          <a:tailEnd type="none" w="med" len="med"/>
+                        </a:lnB>
+                        <a:noFill/>
+                      </a:tcPr>
+                    </a:tc>
+                    <a:tc>
+                      <a:txBody>
+                        <a:bodyPr/>
+                        <a:lstStyle/>
+                        <a:p>
+                          <a:endParaRPr lang="en-US" sz="1000">
+                            <a:solidFill>
+                              <a:schemeClr val="tx1"/>
+                            </a:solidFill>
+                          </a:endParaRPr>
+                        </a:p>
+                      </a:txBody>
+                      <a:tcPr>
+                        <a:lnL w="12700" cap="flat" cmpd="sng" algn="ctr">
+                          <a:solidFill>
+                            <a:schemeClr val="tx1"/>
+                          </a:solidFill>
+                          <a:prstDash val="solid"/>
+                          <a:round/>
+                          <a:headEnd type="none" w="med" len="med"/>
+                          <a:tailEnd type="none" w="med" len="med"/>
+                        </a:lnL>
+                        <a:lnR w="12700" cap="flat" cmpd="sng" algn="ctr">
+                          <a:solidFill>
+                            <a:schemeClr val="tx1"/>
+                          </a:solidFill>
+                          <a:prstDash val="solid"/>
+                          <a:round/>
+                          <a:headEnd type="none" w="med" len="med"/>
+                          <a:tailEnd type="none" w="med" len="med"/>
+                        </a:lnR>
+                        <a:lnT w="12700" cap="flat" cmpd="sng" algn="ctr">
+                          <a:solidFill>
+                            <a:schemeClr val="tx1"/>
+                          </a:solidFill>
+                          <a:prstDash val="solid"/>
+                          <a:round/>
+                          <a:headEnd type="none" w="med" len="med"/>
+                          <a:tailEnd type="none" w="med" len="med"/>
+                        </a:lnT>
+                        <a:lnB w="12700" cap="flat" cmpd="sng" algn="ctr">
+                          <a:solidFill>
+                            <a:schemeClr val="tx1"/>
+                          </a:solidFill>
+                          <a:prstDash val="solid"/>
+                          <a:round/>
+                          <a:headEnd type="none" w="med" len="med"/>
+                          <a:tailEnd type="none" w="med" len="med"/>
+                        </a:lnB>
+                        <a:noFill/>
+                      </a:tcPr>
+                    </a:tc>
+                    <a:tc>
+                      <a:txBody>
+                        <a:bodyPr/>
+                        <a:lstStyle/>
+                        <a:p>
+                          <a:endParaRPr lang="en-US" sz="1000" dirty="0">
+                            <a:solidFill>
+                              <a:schemeClr val="tx1"/>
+                            </a:solidFill>
+                          </a:endParaRPr>
+                        </a:p>
+                      </a:txBody>
+                      <a:tcPr>
+                        <a:lnL w="12700" cap="flat" cmpd="sng" algn="ctr">
+                          <a:solidFill>
+                            <a:schemeClr val="tx1"/>
+                          </a:solidFill>
+                          <a:prstDash val="solid"/>
+                          <a:round/>
+                          <a:headEnd type="none" w="med" len="med"/>
+                          <a:tailEnd type="none" w="med" len="med"/>
+                        </a:lnL>
+                        <a:lnR w="12700" cap="flat" cmpd="sng" algn="ctr">
+                          <a:solidFill>
+                            <a:schemeClr val="tx1"/>
+                          </a:solidFill>
+                          <a:prstDash val="solid"/>
+                          <a:round/>
+                          <a:headEnd type="none" w="med" len="med"/>
+                          <a:tailEnd type="none" w="med" len="med"/>
+                        </a:lnR>
+                        <a:lnT w="12700" cap="flat" cmpd="sng" algn="ctr">
+                          <a:solidFill>
+                            <a:schemeClr val="tx1"/>
+                          </a:solidFill>
+                          <a:prstDash val="solid"/>
+                          <a:round/>
+                          <a:headEnd type="none" w="med" len="med"/>
+                          <a:tailEnd type="none" w="med" len="med"/>
+                        </a:lnT>
+                        <a:lnB w="12700" cap="flat" cmpd="sng" algn="ctr">
+                          <a:solidFill>
+                            <a:schemeClr val="tx1"/>
+                          </a:solidFill>
+                          <a:prstDash val="solid"/>
+                          <a:round/>
+                          <a:headEnd type="none" w="med" len="med"/>
+                          <a:tailEnd type="none" w="med" len="med"/>
+                        </a:lnB>
+                        <a:noFill/>
+                      </a:tcPr>
+                    </a:tc>
+                    <a:extLst>
+                      <a:ext uri="{0D108BD9-81ED-4DB2-BD59-A6C34878D82A}">
+                        <a16:rowId xmlns:a16="http://schemas.microsoft.com/office/drawing/2014/main" val="2212095834"/>
+                      </a:ext>
+                    </a:extLst>
+                  </a:tr>
+                  <a:tr h="412575">
+                    <a:tc>
+                      <a:txBody>
+                        <a:bodyPr/>
+                        <a:lstStyle/>
+                        <a:p>
+                          <a:endParaRPr lang="en-US" sz="1000">
+                            <a:solidFill>
+                              <a:schemeClr val="tx1"/>
+                            </a:solidFill>
+                          </a:endParaRPr>
+                        </a:p>
+                      </a:txBody>
+                      <a:tcPr>
+                        <a:lnL w="12700" cap="flat" cmpd="sng" algn="ctr">
+                          <a:solidFill>
+                            <a:schemeClr val="tx1"/>
+                          </a:solidFill>
+                          <a:prstDash val="solid"/>
+                          <a:round/>
+                          <a:headEnd type="none" w="med" len="med"/>
+                          <a:tailEnd type="none" w="med" len="med"/>
+                        </a:lnL>
+                        <a:lnR w="12700" cap="flat" cmpd="sng" algn="ctr">
+                          <a:solidFill>
+                            <a:schemeClr val="tx1"/>
+                          </a:solidFill>
+                          <a:prstDash val="solid"/>
+                          <a:round/>
+                          <a:headEnd type="none" w="med" len="med"/>
+                          <a:tailEnd type="none" w="med" len="med"/>
+                        </a:lnR>
+                        <a:lnT w="12700" cap="flat" cmpd="sng" algn="ctr">
+                          <a:solidFill>
+                            <a:schemeClr val="tx1"/>
+                          </a:solidFill>
+                          <a:prstDash val="solid"/>
+                          <a:round/>
+                          <a:headEnd type="none" w="med" len="med"/>
+                          <a:tailEnd type="none" w="med" len="med"/>
+                        </a:lnT>
+                        <a:lnB w="12700" cap="flat" cmpd="sng" algn="ctr">
+                          <a:solidFill>
+                            <a:schemeClr val="tx1"/>
+                          </a:solidFill>
+                          <a:prstDash val="solid"/>
+                          <a:round/>
+                          <a:headEnd type="none" w="med" len="med"/>
+                          <a:tailEnd type="none" w="med" len="med"/>
+                        </a:lnB>
+                        <a:noFill/>
+                      </a:tcPr>
+                    </a:tc>
+                    <a:tc>
+                      <a:txBody>
+                        <a:bodyPr/>
+                        <a:lstStyle/>
+                        <a:p>
+                          <a:endParaRPr lang="en-US" sz="1000">
+                            <a:solidFill>
+                              <a:schemeClr val="tx1"/>
+                            </a:solidFill>
+                          </a:endParaRPr>
+                        </a:p>
+                      </a:txBody>
+                      <a:tcPr>
+                        <a:lnL w="12700" cap="flat" cmpd="sng" algn="ctr">
+                          <a:solidFill>
+                            <a:schemeClr val="tx1"/>
+                          </a:solidFill>
+                          <a:prstDash val="solid"/>
+                          <a:round/>
+                          <a:headEnd type="none" w="med" len="med"/>
+                          <a:tailEnd type="none" w="med" len="med"/>
+                        </a:lnL>
+                        <a:lnR w="12700" cap="flat" cmpd="sng" algn="ctr">
+                          <a:solidFill>
+                            <a:schemeClr val="tx1"/>
+                          </a:solidFill>
+                          <a:prstDash val="solid"/>
+                          <a:round/>
+                          <a:headEnd type="none" w="med" len="med"/>
+                          <a:tailEnd type="none" w="med" len="med"/>
+                        </a:lnR>
+                        <a:lnT w="12700" cap="flat" cmpd="sng" algn="ctr">
+                          <a:solidFill>
+                            <a:schemeClr val="tx1"/>
+                          </a:solidFill>
+                          <a:prstDash val="solid"/>
+                          <a:round/>
+                          <a:headEnd type="none" w="med" len="med"/>
+                          <a:tailEnd type="none" w="med" len="med"/>
+                        </a:lnT>
+                        <a:lnB w="12700" cap="flat" cmpd="sng" algn="ctr">
+                          <a:solidFill>
+                            <a:schemeClr val="tx1"/>
+                          </a:solidFill>
+                          <a:prstDash val="solid"/>
+                          <a:round/>
+                          <a:headEnd type="none" w="med" len="med"/>
+                          <a:tailEnd type="none" w="med" len="med"/>
+                        </a:lnB>
+                        <a:noFill/>
+                      </a:tcPr>
+                    </a:tc>
+                    <a:tc>
+                      <a:txBody>
+                        <a:bodyPr/>
+                        <a:lstStyle/>
+                        <a:p>
+                          <a:endParaRPr lang="en-US" sz="1000">
+                            <a:solidFill>
+                              <a:schemeClr val="tx1"/>
+                            </a:solidFill>
+                          </a:endParaRPr>
+                        </a:p>
+                      </a:txBody>
+                      <a:tcPr>
+                        <a:lnL w="12700" cap="flat" cmpd="sng" algn="ctr">
+                          <a:solidFill>
+                            <a:schemeClr val="tx1"/>
+                          </a:solidFill>
+                          <a:prstDash val="solid"/>
+                          <a:round/>
+                          <a:headEnd type="none" w="med" len="med"/>
+                          <a:tailEnd type="none" w="med" len="med"/>
+                        </a:lnL>
+                        <a:lnR w="12700" cap="flat" cmpd="sng" algn="ctr">
+                          <a:solidFill>
+                            <a:schemeClr val="tx1"/>
+                          </a:solidFill>
+                          <a:prstDash val="solid"/>
+                          <a:round/>
+                          <a:headEnd type="none" w="med" len="med"/>
+                          <a:tailEnd type="none" w="med" len="med"/>
+                        </a:lnR>
+                        <a:lnT w="12700" cap="flat" cmpd="sng" algn="ctr">
+                          <a:solidFill>
+                            <a:schemeClr val="tx1"/>
+                          </a:solidFill>
+                          <a:prstDash val="solid"/>
+                          <a:round/>
+                          <a:headEnd type="none" w="med" len="med"/>
+                          <a:tailEnd type="none" w="med" len="med"/>
+                        </a:lnT>
+                        <a:lnB w="12700" cap="flat" cmpd="sng" algn="ctr">
+                          <a:solidFill>
+                            <a:schemeClr val="tx1"/>
+                          </a:solidFill>
+                          <a:prstDash val="solid"/>
+                          <a:round/>
+                          <a:headEnd type="none" w="med" len="med"/>
+                          <a:tailEnd type="none" w="med" len="med"/>
+                        </a:lnB>
+                        <a:noFill/>
+                      </a:tcPr>
+                    </a:tc>
+                    <a:tc>
+                      <a:txBody>
+                        <a:bodyPr/>
+                        <a:lstStyle/>
+                        <a:p>
+                          <a:endParaRPr lang="en-US" sz="1000">
+                            <a:solidFill>
+                              <a:schemeClr val="tx1"/>
+                            </a:solidFill>
+                          </a:endParaRPr>
+                        </a:p>
+                      </a:txBody>
+                      <a:tcPr>
+                        <a:lnL w="12700" cap="flat" cmpd="sng" algn="ctr">
+                          <a:solidFill>
+                            <a:schemeClr val="tx1"/>
+                          </a:solidFill>
+                          <a:prstDash val="solid"/>
+                          <a:round/>
+                          <a:headEnd type="none" w="med" len="med"/>
+                          <a:tailEnd type="none" w="med" len="med"/>
+                        </a:lnL>
+                        <a:lnR w="12700" cap="flat" cmpd="sng" algn="ctr">
+                          <a:solidFill>
+                            <a:schemeClr val="tx1"/>
+                          </a:solidFill>
+                          <a:prstDash val="solid"/>
+                          <a:round/>
+                          <a:headEnd type="none" w="med" len="med"/>
+                          <a:tailEnd type="none" w="med" len="med"/>
+                        </a:lnR>
+                        <a:lnT w="12700" cap="flat" cmpd="sng" algn="ctr">
+                          <a:solidFill>
+                            <a:schemeClr val="tx1"/>
+                          </a:solidFill>
+                          <a:prstDash val="solid"/>
+                          <a:round/>
+                          <a:headEnd type="none" w="med" len="med"/>
+                          <a:tailEnd type="none" w="med" len="med"/>
+                        </a:lnT>
+                        <a:lnB w="12700" cap="flat" cmpd="sng" algn="ctr">
+                          <a:solidFill>
+                            <a:schemeClr val="tx1"/>
+                          </a:solidFill>
+                          <a:prstDash val="solid"/>
+                          <a:round/>
+                          <a:headEnd type="none" w="med" len="med"/>
+                          <a:tailEnd type="none" w="med" len="med"/>
+                        </a:lnB>
+                        <a:noFill/>
+                      </a:tcPr>
+                    </a:tc>
+                    <a:tc>
+                      <a:txBody>
+                        <a:bodyPr/>
+                        <a:lstStyle/>
+                        <a:p>
+                          <a:endParaRPr lang="en-US" sz="1000" dirty="0">
+                            <a:solidFill>
+                              <a:schemeClr val="tx1"/>
+                            </a:solidFill>
+                          </a:endParaRPr>
+                        </a:p>
+                      </a:txBody>
+                      <a:tcPr>
+                        <a:lnL w="12700" cap="flat" cmpd="sng" algn="ctr">
+                          <a:solidFill>
+                            <a:schemeClr val="tx1"/>
+                          </a:solidFill>
+                          <a:prstDash val="solid"/>
+                          <a:round/>
+                          <a:headEnd type="none" w="med" len="med"/>
+                          <a:tailEnd type="none" w="med" len="med"/>
+                        </a:lnL>
+                        <a:lnR w="12700" cap="flat" cmpd="sng" algn="ctr">
+                          <a:solidFill>
+                            <a:schemeClr val="tx1"/>
+                          </a:solidFill>
+                          <a:prstDash val="solid"/>
+                          <a:round/>
+                          <a:headEnd type="none" w="med" len="med"/>
+                          <a:tailEnd type="none" w="med" len="med"/>
+                        </a:lnR>
+                        <a:lnT w="12700" cap="flat" cmpd="sng" algn="ctr">
+                          <a:solidFill>
+                            <a:schemeClr val="tx1"/>
+                          </a:solidFill>
+                          <a:prstDash val="solid"/>
+                          <a:round/>
+                          <a:headEnd type="none" w="med" len="med"/>
+                          <a:tailEnd type="none" w="med" len="med"/>
+                        </a:lnT>
+                        <a:lnB w="12700" cap="flat" cmpd="sng" algn="ctr">
+                          <a:solidFill>
+                            <a:schemeClr val="tx1"/>
+                          </a:solidFill>
+                          <a:prstDash val="solid"/>
+                          <a:round/>
+                          <a:headEnd type="none" w="med" len="med"/>
+                          <a:tailEnd type="none" w="med" len="med"/>
+                        </a:lnB>
+                        <a:noFill/>
+                      </a:tcPr>
+                    </a:tc>
+                    <a:extLst>
+                      <a:ext uri="{0D108BD9-81ED-4DB2-BD59-A6C34878D82A}">
+                        <a16:rowId xmlns:a16="http://schemas.microsoft.com/office/drawing/2014/main" val="1425652040"/>
+                      </a:ext>
+                    </a:extLst>
+                  </a:tr>
+                  <a:tr h="412575">
+                    <a:tc>
+                      <a:txBody>
+                        <a:bodyPr/>
+                        <a:lstStyle/>
+                        <a:p>
+                          <a:endParaRPr lang="en-US" sz="1000">
+                            <a:solidFill>
+                              <a:schemeClr val="tx1"/>
+                            </a:solidFill>
+                          </a:endParaRPr>
+                        </a:p>
+                      </a:txBody>
+                      <a:tcPr>
+                        <a:lnL w="12700" cap="flat" cmpd="sng" algn="ctr">
+                          <a:solidFill>
+                            <a:schemeClr val="tx1"/>
+                          </a:solidFill>
+                          <a:prstDash val="solid"/>
+                          <a:round/>
+                          <a:headEnd type="none" w="med" len="med"/>
+                          <a:tailEnd type="none" w="med" len="med"/>
+                        </a:lnL>
+                        <a:lnR w="12700" cap="flat" cmpd="sng" algn="ctr">
+                          <a:solidFill>
+                            <a:schemeClr val="tx1"/>
+                          </a:solidFill>
+                          <a:prstDash val="solid"/>
+                          <a:round/>
+                          <a:headEnd type="none" w="med" len="med"/>
+                          <a:tailEnd type="none" w="med" len="med"/>
+                        </a:lnR>
+                        <a:lnT w="12700" cap="flat" cmpd="sng" algn="ctr">
+                          <a:solidFill>
+                            <a:schemeClr val="tx1"/>
+                          </a:solidFill>
+                          <a:prstDash val="solid"/>
+                          <a:round/>
+                          <a:headEnd type="none" w="med" len="med"/>
+                          <a:tailEnd type="none" w="med" len="med"/>
+                        </a:lnT>
+                        <a:lnB w="12700" cap="flat" cmpd="sng" algn="ctr">
+                          <a:solidFill>
+                            <a:schemeClr val="tx1"/>
+                          </a:solidFill>
+                          <a:prstDash val="solid"/>
+                          <a:round/>
+                          <a:headEnd type="none" w="med" len="med"/>
+                          <a:tailEnd type="none" w="med" len="med"/>
+                        </a:lnB>
+                        <a:noFill/>
+                      </a:tcPr>
+                    </a:tc>
+                    <a:tc>
+                      <a:txBody>
+                        <a:bodyPr/>
+                        <a:lstStyle/>
+                        <a:p>
+                          <a:endParaRPr lang="en-US" sz="1000">
+                            <a:solidFill>
+                              <a:schemeClr val="tx1"/>
+                            </a:solidFill>
+                          </a:endParaRPr>
+                        </a:p>
+                      </a:txBody>
+                      <a:tcPr>
+                        <a:lnL w="12700" cap="flat" cmpd="sng" algn="ctr">
+                          <a:solidFill>
+                            <a:schemeClr val="tx1"/>
+                          </a:solidFill>
+                          <a:prstDash val="solid"/>
+                          <a:round/>
+                          <a:headEnd type="none" w="med" len="med"/>
+                          <a:tailEnd type="none" w="med" len="med"/>
+                        </a:lnL>
+                        <a:lnR w="12700" cap="flat" cmpd="sng" algn="ctr">
+                          <a:solidFill>
+                            <a:schemeClr val="tx1"/>
+                          </a:solidFill>
+                          <a:prstDash val="solid"/>
+                          <a:round/>
+                          <a:headEnd type="none" w="med" len="med"/>
+                          <a:tailEnd type="none" w="med" len="med"/>
+                        </a:lnR>
+                        <a:lnT w="12700" cap="flat" cmpd="sng" algn="ctr">
+                          <a:solidFill>
+                            <a:schemeClr val="tx1"/>
+                          </a:solidFill>
+                          <a:prstDash val="solid"/>
+                          <a:round/>
+                          <a:headEnd type="none" w="med" len="med"/>
+                          <a:tailEnd type="none" w="med" len="med"/>
+                        </a:lnT>
+                        <a:lnB w="12700" cap="flat" cmpd="sng" algn="ctr">
+                          <a:solidFill>
+                            <a:schemeClr val="tx1"/>
+                          </a:solidFill>
+                          <a:prstDash val="solid"/>
+                          <a:round/>
+                          <a:headEnd type="none" w="med" len="med"/>
+                          <a:tailEnd type="none" w="med" len="med"/>
+                        </a:lnB>
+                        <a:noFill/>
+                      </a:tcPr>
+                    </a:tc>
+                    <a:tc>
+                      <a:txBody>
+                        <a:bodyPr/>
+                        <a:lstStyle/>
+                        <a:p>
+                          <a:endParaRPr lang="en-US" sz="1000">
+                            <a:solidFill>
+                              <a:schemeClr val="tx1"/>
+                            </a:solidFill>
+                          </a:endParaRPr>
+                        </a:p>
+                      </a:txBody>
+                      <a:tcPr>
+                        <a:lnL w="12700" cap="flat" cmpd="sng" algn="ctr">
+                          <a:solidFill>
+                            <a:schemeClr val="tx1"/>
+                          </a:solidFill>
+                          <a:prstDash val="solid"/>
+                          <a:round/>
+                          <a:headEnd type="none" w="med" len="med"/>
+                          <a:tailEnd type="none" w="med" len="med"/>
+                        </a:lnL>
+                        <a:lnR w="12700" cap="flat" cmpd="sng" algn="ctr">
+                          <a:solidFill>
+                            <a:schemeClr val="tx1"/>
+                          </a:solidFill>
+                          <a:prstDash val="solid"/>
+                          <a:round/>
+                          <a:headEnd type="none" w="med" len="med"/>
+                          <a:tailEnd type="none" w="med" len="med"/>
+                        </a:lnR>
+                        <a:lnT w="12700" cap="flat" cmpd="sng" algn="ctr">
+                          <a:solidFill>
+                            <a:schemeClr val="tx1"/>
+                          </a:solidFill>
+                          <a:prstDash val="solid"/>
+                          <a:round/>
+                          <a:headEnd type="none" w="med" len="med"/>
+                          <a:tailEnd type="none" w="med" len="med"/>
+                        </a:lnT>
+                        <a:lnB w="12700" cap="flat" cmpd="sng" algn="ctr">
+                          <a:solidFill>
+                            <a:schemeClr val="tx1"/>
+                          </a:solidFill>
+                          <a:prstDash val="solid"/>
+                          <a:round/>
+                          <a:headEnd type="none" w="med" len="med"/>
+                          <a:tailEnd type="none" w="med" len="med"/>
+                        </a:lnB>
+                        <a:noFill/>
+                      </a:tcPr>
+                    </a:tc>
+                    <a:tc>
+                      <a:txBody>
+                        <a:bodyPr/>
+                        <a:lstStyle/>
+                        <a:p>
+                          <a:endParaRPr lang="en-US" sz="1000">
+                            <a:solidFill>
+                              <a:schemeClr val="tx1"/>
+                            </a:solidFill>
+                          </a:endParaRPr>
+                        </a:p>
+                      </a:txBody>
+                      <a:tcPr>
+                        <a:lnL w="12700" cap="flat" cmpd="sng" algn="ctr">
+                          <a:solidFill>
+                            <a:schemeClr val="tx1"/>
+                          </a:solidFill>
+                          <a:prstDash val="solid"/>
+                          <a:round/>
+                          <a:headEnd type="none" w="med" len="med"/>
+                          <a:tailEnd type="none" w="med" len="med"/>
+                        </a:lnL>
+                        <a:lnR w="12700" cap="flat" cmpd="sng" algn="ctr">
+                          <a:solidFill>
+                            <a:schemeClr val="tx1"/>
+                          </a:solidFill>
+                          <a:prstDash val="solid"/>
+                          <a:round/>
+                          <a:headEnd type="none" w="med" len="med"/>
+                          <a:tailEnd type="none" w="med" len="med"/>
+                        </a:lnR>
+                        <a:lnT w="12700" cap="flat" cmpd="sng" algn="ctr">
+                          <a:solidFill>
+                            <a:schemeClr val="tx1"/>
+                          </a:solidFill>
+                          <a:prstDash val="solid"/>
+                          <a:round/>
+                          <a:headEnd type="none" w="med" len="med"/>
+                          <a:tailEnd type="none" w="med" len="med"/>
+                        </a:lnT>
+                        <a:lnB w="12700" cap="flat" cmpd="sng" algn="ctr">
+                          <a:solidFill>
+                            <a:schemeClr val="tx1"/>
+                          </a:solidFill>
+                          <a:prstDash val="solid"/>
+                          <a:round/>
+                          <a:headEnd type="none" w="med" len="med"/>
+                          <a:tailEnd type="none" w="med" len="med"/>
+                        </a:lnB>
+                        <a:noFill/>
+                      </a:tcPr>
+                    </a:tc>
+                    <a:tc>
+                      <a:txBody>
+                        <a:bodyPr/>
+                        <a:lstStyle/>
+                        <a:p>
+                          <a:endParaRPr lang="en-US" sz="1000" dirty="0">
+                            <a:solidFill>
+                              <a:schemeClr val="tx1"/>
+                            </a:solidFill>
+                          </a:endParaRPr>
+                        </a:p>
+                      </a:txBody>
+                      <a:tcPr>
+                        <a:lnL w="12700" cap="flat" cmpd="sng" algn="ctr">
+                          <a:solidFill>
+                            <a:schemeClr val="tx1"/>
+                          </a:solidFill>
+                          <a:prstDash val="solid"/>
+                          <a:round/>
+                          <a:headEnd type="none" w="med" len="med"/>
+                          <a:tailEnd type="none" w="med" len="med"/>
+                        </a:lnL>
+                        <a:lnR w="12700" cap="flat" cmpd="sng" algn="ctr">
+                          <a:solidFill>
+                            <a:schemeClr val="tx1"/>
+                          </a:solidFill>
+                          <a:prstDash val="solid"/>
+                          <a:round/>
+                          <a:headEnd type="none" w="med" len="med"/>
+                          <a:tailEnd type="none" w="med" len="med"/>
+                        </a:lnR>
+                        <a:lnT w="12700" cap="flat" cmpd="sng" algn="ctr">
+                          <a:solidFill>
+                            <a:schemeClr val="tx1"/>
+                          </a:solidFill>
+                          <a:prstDash val="solid"/>
+                          <a:round/>
+                          <a:headEnd type="none" w="med" len="med"/>
+                          <a:tailEnd type="none" w="med" len="med"/>
+                        </a:lnT>
+                        <a:lnB w="12700" cap="flat" cmpd="sng" algn="ctr">
+                          <a:solidFill>
+                            <a:schemeClr val="tx1"/>
+                          </a:solidFill>
+                          <a:prstDash val="solid"/>
+                          <a:round/>
+                          <a:headEnd type="none" w="med" len="med"/>
+                          <a:tailEnd type="none" w="med" len="med"/>
+                        </a:lnB>
+                        <a:noFill/>
+                      </a:tcPr>
+                    </a:tc>
+                    <a:extLst>
+                      <a:ext uri="{0D108BD9-81ED-4DB2-BD59-A6C34878D82A}">
+                        <a16:rowId xmlns:a16="http://schemas.microsoft.com/office/drawing/2014/main" val="2208147504"/>
+                      </a:ext>
+                    </a:extLst>
+                  </a:tr>
+                  <a:tr h="412575">
+                    <a:tc>
+                      <a:txBody>
+                        <a:bodyPr/>
+                        <a:lstStyle/>
+                        <a:p>
+                          <a:endParaRPr lang="en-US" sz="1000">
+                            <a:solidFill>
+                              <a:schemeClr val="tx1"/>
+                            </a:solidFill>
+                          </a:endParaRPr>
+                        </a:p>
+                      </a:txBody>
+                      <a:tcPr>
+                        <a:lnL w="12700" cap="flat" cmpd="sng" algn="ctr">
+                          <a:solidFill>
+                            <a:schemeClr val="tx1"/>
+                          </a:solidFill>
+                          <a:prstDash val="solid"/>
+                          <a:round/>
+                          <a:headEnd type="none" w="med" len="med"/>
+                          <a:tailEnd type="none" w="med" len="med"/>
+                        </a:lnL>
+                        <a:lnR w="12700" cap="flat" cmpd="sng" algn="ctr">
+                          <a:solidFill>
+                            <a:schemeClr val="tx1"/>
+                          </a:solidFill>
+                          <a:prstDash val="solid"/>
+                          <a:round/>
+                          <a:headEnd type="none" w="med" len="med"/>
+                          <a:tailEnd type="none" w="med" len="med"/>
+                        </a:lnR>
+                        <a:lnT w="12700" cap="flat" cmpd="sng" algn="ctr">
+                          <a:solidFill>
+                            <a:schemeClr val="tx1"/>
+                          </a:solidFill>
+                          <a:prstDash val="solid"/>
+                          <a:round/>
+                          <a:headEnd type="none" w="med" len="med"/>
+                          <a:tailEnd type="none" w="med" len="med"/>
+                        </a:lnT>
+                        <a:lnB w="12700" cap="flat" cmpd="sng" algn="ctr">
+                          <a:solidFill>
+                            <a:schemeClr val="tx1"/>
+                          </a:solidFill>
+                          <a:prstDash val="solid"/>
+                          <a:round/>
+                          <a:headEnd type="none" w="med" len="med"/>
+                          <a:tailEnd type="none" w="med" len="med"/>
+                        </a:lnB>
+                        <a:noFill/>
+                      </a:tcPr>
+                    </a:tc>
+                    <a:tc>
+                      <a:txBody>
+                        <a:bodyPr/>
+                        <a:lstStyle/>
+                        <a:p>
+                          <a:endParaRPr lang="en-US" sz="1000">
+                            <a:solidFill>
+                              <a:schemeClr val="tx1"/>
+                            </a:solidFill>
+                          </a:endParaRPr>
+                        </a:p>
+                      </a:txBody>
+                      <a:tcPr>
+                        <a:lnL w="12700" cap="flat" cmpd="sng" algn="ctr">
+                          <a:solidFill>
+                            <a:schemeClr val="tx1"/>
+                          </a:solidFill>
+                          <a:prstDash val="solid"/>
+                          <a:round/>
+                          <a:headEnd type="none" w="med" len="med"/>
+                          <a:tailEnd type="none" w="med" len="med"/>
+                        </a:lnL>
+                        <a:lnR w="12700" cap="flat" cmpd="sng" algn="ctr">
+                          <a:solidFill>
+                            <a:schemeClr val="tx1"/>
+                          </a:solidFill>
+                          <a:prstDash val="solid"/>
+                          <a:round/>
+                          <a:headEnd type="none" w="med" len="med"/>
+                          <a:tailEnd type="none" w="med" len="med"/>
+                        </a:lnR>
+                        <a:lnT w="12700" cap="flat" cmpd="sng" algn="ctr">
+                          <a:solidFill>
+                            <a:schemeClr val="tx1"/>
+                          </a:solidFill>
+                          <a:prstDash val="solid"/>
+                          <a:round/>
+                          <a:headEnd type="none" w="med" len="med"/>
+                          <a:tailEnd type="none" w="med" len="med"/>
+                        </a:lnT>
+                        <a:lnB w="12700" cap="flat" cmpd="sng" algn="ctr">
+                          <a:solidFill>
+                            <a:schemeClr val="tx1"/>
+                          </a:solidFill>
+                          <a:prstDash val="solid"/>
+                          <a:round/>
+                          <a:headEnd type="none" w="med" len="med"/>
+                          <a:tailEnd type="none" w="med" len="med"/>
+                        </a:lnB>
+                        <a:noFill/>
+                      </a:tcPr>
+                    </a:tc>
+                    <a:tc>
+                      <a:txBody>
+                        <a:bodyPr/>
+                        <a:lstStyle/>
+                        <a:p>
+                          <a:endParaRPr lang="en-US" sz="1000">
+                            <a:solidFill>
+                              <a:schemeClr val="tx1"/>
+                            </a:solidFill>
+                          </a:endParaRPr>
+                        </a:p>
+                      </a:txBody>
+                      <a:tcPr>
+                        <a:lnL w="12700" cap="flat" cmpd="sng" algn="ctr">
+                          <a:solidFill>
+                            <a:schemeClr val="tx1"/>
+                          </a:solidFill>
+                          <a:prstDash val="solid"/>
+                          <a:round/>
+                          <a:headEnd type="none" w="med" len="med"/>
+                          <a:tailEnd type="none" w="med" len="med"/>
+                        </a:lnL>
+                        <a:lnR w="12700" cap="flat" cmpd="sng" algn="ctr">
+                          <a:solidFill>
+                            <a:schemeClr val="tx1"/>
+                          </a:solidFill>
+                          <a:prstDash val="solid"/>
+                          <a:round/>
+                          <a:headEnd type="none" w="med" len="med"/>
+                          <a:tailEnd type="none" w="med" len="med"/>
+                        </a:lnR>
+                        <a:lnT w="12700" cap="flat" cmpd="sng" algn="ctr">
+                          <a:solidFill>
+                            <a:schemeClr val="tx1"/>
+                          </a:solidFill>
+                          <a:prstDash val="solid"/>
+                          <a:round/>
+                          <a:headEnd type="none" w="med" len="med"/>
+                          <a:tailEnd type="none" w="med" len="med"/>
+                        </a:lnT>
+                        <a:lnB w="12700" cap="flat" cmpd="sng" algn="ctr">
+                          <a:solidFill>
+                            <a:schemeClr val="tx1"/>
+                          </a:solidFill>
+                          <a:prstDash val="solid"/>
+                          <a:round/>
+                          <a:headEnd type="none" w="med" len="med"/>
+                          <a:tailEnd type="none" w="med" len="med"/>
+                        </a:lnB>
+                        <a:noFill/>
+                      </a:tcPr>
+                    </a:tc>
+                    <a:tc>
+                      <a:txBody>
+                        <a:bodyPr/>
+                        <a:lstStyle/>
+                        <a:p>
+                          <a:endParaRPr lang="en-US" sz="1000" dirty="0">
+                            <a:solidFill>
+                              <a:schemeClr val="tx1"/>
+                            </a:solidFill>
+                          </a:endParaRPr>
+                        </a:p>
+                      </a:txBody>
+                      <a:tcPr>
+                        <a:lnL w="12700" cap="flat" cmpd="sng" algn="ctr">
+                          <a:solidFill>
+                            <a:schemeClr val="tx1"/>
+                          </a:solidFill>
+                          <a:prstDash val="solid"/>
+                          <a:round/>
+                          <a:headEnd type="none" w="med" len="med"/>
+                          <a:tailEnd type="none" w="med" len="med"/>
+                        </a:lnL>
+                        <a:lnR w="12700" cap="flat" cmpd="sng" algn="ctr">
+                          <a:solidFill>
+                            <a:schemeClr val="tx1"/>
+                          </a:solidFill>
+                          <a:prstDash val="solid"/>
+                          <a:round/>
+                          <a:headEnd type="none" w="med" len="med"/>
+                          <a:tailEnd type="none" w="med" len="med"/>
+                        </a:lnR>
+                        <a:lnT w="12700" cap="flat" cmpd="sng" algn="ctr">
+                          <a:solidFill>
+                            <a:schemeClr val="tx1"/>
+                          </a:solidFill>
+                          <a:prstDash val="solid"/>
+                          <a:round/>
+                          <a:headEnd type="none" w="med" len="med"/>
+                          <a:tailEnd type="none" w="med" len="med"/>
+                        </a:lnT>
+                        <a:lnB w="12700" cap="flat" cmpd="sng" algn="ctr">
+                          <a:solidFill>
+                            <a:schemeClr val="tx1"/>
+                          </a:solidFill>
+                          <a:prstDash val="solid"/>
+                          <a:round/>
+                          <a:headEnd type="none" w="med" len="med"/>
+                          <a:tailEnd type="none" w="med" len="med"/>
+                        </a:lnB>
+                        <a:noFill/>
+                      </a:tcPr>
+                    </a:tc>
+                    <a:tc>
+                      <a:txBody>
+                        <a:bodyPr/>
+                        <a:lstStyle/>
+                        <a:p>
+                          <a:endParaRPr lang="en-US" sz="1000" dirty="0">
+                            <a:solidFill>
+                              <a:schemeClr val="tx1"/>
+                            </a:solidFill>
+                          </a:endParaRPr>
+                        </a:p>
+                      </a:txBody>
+                      <a:tcPr>
+                        <a:lnL w="12700" cap="flat" cmpd="sng" algn="ctr">
+                          <a:solidFill>
+                            <a:schemeClr val="tx1"/>
+                          </a:solidFill>
+                          <a:prstDash val="solid"/>
+                          <a:round/>
+                          <a:headEnd type="none" w="med" len="med"/>
+                          <a:tailEnd type="none" w="med" len="med"/>
+                        </a:lnL>
+                        <a:lnR w="12700" cap="flat" cmpd="sng" algn="ctr">
+                          <a:solidFill>
+                            <a:schemeClr val="tx1"/>
+                          </a:solidFill>
+                          <a:prstDash val="solid"/>
+                          <a:round/>
+                          <a:headEnd type="none" w="med" len="med"/>
+                          <a:tailEnd type="none" w="med" len="med"/>
+                        </a:lnR>
+                        <a:lnT w="12700" cap="flat" cmpd="sng" algn="ctr">
+                          <a:solidFill>
+                            <a:schemeClr val="tx1"/>
+                          </a:solidFill>
+                          <a:prstDash val="solid"/>
+                          <a:round/>
+                          <a:headEnd type="none" w="med" len="med"/>
+                          <a:tailEnd type="none" w="med" len="med"/>
+                        </a:lnT>
+                        <a:lnB w="12700" cap="flat" cmpd="sng" algn="ctr">
+                          <a:solidFill>
+                            <a:schemeClr val="tx1"/>
+                          </a:solidFill>
+                          <a:prstDash val="solid"/>
+                          <a:round/>
+                          <a:headEnd type="none" w="med" len="med"/>
+                          <a:tailEnd type="none" w="med" len="med"/>
+                        </a:lnB>
+                        <a:noFill/>
+                      </a:tcPr>
+                    </a:tc>
+                    <a:extLst>
+                      <a:ext uri="{0D108BD9-81ED-4DB2-BD59-A6C34878D82A}">
+                        <a16:rowId xmlns:a16="http://schemas.microsoft.com/office/drawing/2014/main" val="2623426063"/>
+                      </a:ext>
+                    </a:extLst>
+                  </a:tr>
+                </a:tbl>
+              </a:graphicData>
+            </a:graphic>
+          </p:graphicFrame>
+        </mc:Fallback>
+      </mc:AlternateContent>
       <p:grpSp>
         <p:nvGrpSpPr>
           <p:cNvPr id="18" name="Group 17">
@@ -6029,7 +7637,7 @@
                   <a:avLst/>
                 </a:prstGeom>
                 <a:blipFill>
-                  <a:blip r:embed="rId2"/>
+                  <a:blip r:embed="rId3"/>
                   <a:stretch>
                     <a:fillRect/>
                   </a:stretch>
@@ -6143,7 +7751,7 @@
                   <a:avLst/>
                 </a:prstGeom>
                 <a:blipFill>
-                  <a:blip r:embed="rId3"/>
+                  <a:blip r:embed="rId4"/>
                   <a:stretch>
                     <a:fillRect/>
                   </a:stretch>
@@ -6334,7 +7942,7 @@
                   <a:avLst/>
                 </a:prstGeom>
                 <a:blipFill>
-                  <a:blip r:embed="rId4"/>
+                  <a:blip r:embed="rId5"/>
                   <a:stretch>
                     <a:fillRect/>
                   </a:stretch>
@@ -6448,7 +8056,7 @@
                   <a:avLst/>
                 </a:prstGeom>
                 <a:blipFill>
-                  <a:blip r:embed="rId5"/>
+                  <a:blip r:embed="rId6"/>
                   <a:stretch>
                     <a:fillRect/>
                   </a:stretch>
@@ -6631,7 +8239,7 @@
                   <a:avLst/>
                 </a:prstGeom>
                 <a:blipFill>
-                  <a:blip r:embed="rId6"/>
+                  <a:blip r:embed="rId7"/>
                   <a:stretch>
                     <a:fillRect/>
                   </a:stretch>
@@ -6727,7 +8335,7 @@
                 <a:avLst/>
               </a:prstGeom>
               <a:blipFill>
-                <a:blip r:embed="rId7"/>
+                <a:blip r:embed="rId8"/>
                 <a:stretch>
                   <a:fillRect/>
                 </a:stretch>

--- a/docs/RL_Sutton_and_Barto_Figures.pptx
+++ b/docs/RL_Sutton_and_Barto_Figures.pptx
@@ -5062,7 +5062,7 @@
                         <a:bodyPr/>
                         <a:lstStyle/>
                         <a:p>
-                          <a:endParaRPr lang="en-US" sz="1000">
+                          <a:endParaRPr lang="en-US" sz="1000" dirty="0">
                             <a:solidFill>
                               <a:schemeClr val="tx1"/>
                             </a:solidFill>
@@ -6475,7 +6475,7 @@
                         <a:bodyPr/>
                         <a:lstStyle/>
                         <a:p>
-                          <a:endParaRPr lang="en-US" sz="1000">
+                          <a:endParaRPr lang="en-US" sz="1000" dirty="0">
                             <a:solidFill>
                               <a:schemeClr val="tx1"/>
                             </a:solidFill>
@@ -8386,6 +8386,2870 @@
           <a:chExt cx="0" cy="0"/>
         </a:xfrm>
       </p:grpSpPr>
+      <p:sp>
+        <p:nvSpPr>
+          <p:cNvPr id="2" name="Oval 1">
+            <a:extLst>
+              <a:ext uri="{FF2B5EF4-FFF2-40B4-BE49-F238E27FC236}">
+                <a16:creationId xmlns:a16="http://schemas.microsoft.com/office/drawing/2014/main" id="{32539A83-49C6-208A-5332-D39D931B493C}"/>
+              </a:ext>
+            </a:extLst>
+          </p:cNvPr>
+          <p:cNvSpPr/>
+          <p:nvPr/>
+        </p:nvSpPr>
+        <p:spPr>
+          <a:xfrm>
+            <a:off x="4656779" y="1259571"/>
+            <a:ext cx="260392" cy="260392"/>
+          </a:xfrm>
+          <a:prstGeom prst="ellipse">
+            <a:avLst/>
+          </a:prstGeom>
+          <a:noFill/>
+          <a:ln>
+            <a:solidFill>
+              <a:schemeClr val="accent1">
+                <a:lumMod val="75000"/>
+              </a:schemeClr>
+            </a:solidFill>
+          </a:ln>
+        </p:spPr>
+        <p:style>
+          <a:lnRef idx="2">
+            <a:schemeClr val="accent1">
+              <a:shade val="15000"/>
+            </a:schemeClr>
+          </a:lnRef>
+          <a:fillRef idx="1">
+            <a:schemeClr val="accent1"/>
+          </a:fillRef>
+          <a:effectRef idx="0">
+            <a:schemeClr val="accent1"/>
+          </a:effectRef>
+          <a:fontRef idx="minor">
+            <a:schemeClr val="lt1"/>
+          </a:fontRef>
+        </p:style>
+        <p:txBody>
+          <a:bodyPr rtlCol="0" anchor="ctr"/>
+          <a:lstStyle/>
+          <a:p>
+            <a:pPr algn="ctr"/>
+            <a:endParaRPr lang="en-US"/>
+          </a:p>
+        </p:txBody>
+      </p:sp>
+      <p:sp>
+        <p:nvSpPr>
+          <p:cNvPr id="3" name="Oval 2">
+            <a:extLst>
+              <a:ext uri="{FF2B5EF4-FFF2-40B4-BE49-F238E27FC236}">
+                <a16:creationId xmlns:a16="http://schemas.microsoft.com/office/drawing/2014/main" id="{BB0E74CC-749A-F876-762A-C6571C4C59E6}"/>
+              </a:ext>
+            </a:extLst>
+          </p:cNvPr>
+          <p:cNvSpPr/>
+          <p:nvPr/>
+        </p:nvSpPr>
+        <p:spPr>
+          <a:xfrm>
+            <a:off x="3835232" y="1799532"/>
+            <a:ext cx="260392" cy="260392"/>
+          </a:xfrm>
+          <a:prstGeom prst="ellipse">
+            <a:avLst/>
+          </a:prstGeom>
+          <a:solidFill>
+            <a:schemeClr val="accent1">
+              <a:alpha val="70407"/>
+            </a:schemeClr>
+          </a:solidFill>
+        </p:spPr>
+        <p:style>
+          <a:lnRef idx="2">
+            <a:schemeClr val="accent1">
+              <a:shade val="15000"/>
+            </a:schemeClr>
+          </a:lnRef>
+          <a:fillRef idx="1">
+            <a:schemeClr val="accent1"/>
+          </a:fillRef>
+          <a:effectRef idx="0">
+            <a:schemeClr val="accent1"/>
+          </a:effectRef>
+          <a:fontRef idx="minor">
+            <a:schemeClr val="lt1"/>
+          </a:fontRef>
+        </p:style>
+        <p:txBody>
+          <a:bodyPr rtlCol="0" anchor="ctr"/>
+          <a:lstStyle/>
+          <a:p>
+            <a:pPr algn="ctr"/>
+            <a:endParaRPr lang="en-US"/>
+          </a:p>
+        </p:txBody>
+      </p:sp>
+      <p:sp>
+        <p:nvSpPr>
+          <p:cNvPr id="4" name="Oval 3">
+            <a:extLst>
+              <a:ext uri="{FF2B5EF4-FFF2-40B4-BE49-F238E27FC236}">
+                <a16:creationId xmlns:a16="http://schemas.microsoft.com/office/drawing/2014/main" id="{3429AE63-0713-8645-8812-51F91AD2A54E}"/>
+              </a:ext>
+            </a:extLst>
+          </p:cNvPr>
+          <p:cNvSpPr/>
+          <p:nvPr/>
+        </p:nvSpPr>
+        <p:spPr>
+          <a:xfrm>
+            <a:off x="4656779" y="1799532"/>
+            <a:ext cx="260392" cy="260392"/>
+          </a:xfrm>
+          <a:prstGeom prst="ellipse">
+            <a:avLst/>
+          </a:prstGeom>
+          <a:solidFill>
+            <a:schemeClr val="accent1">
+              <a:alpha val="69963"/>
+            </a:schemeClr>
+          </a:solidFill>
+        </p:spPr>
+        <p:style>
+          <a:lnRef idx="2">
+            <a:schemeClr val="accent1">
+              <a:shade val="15000"/>
+            </a:schemeClr>
+          </a:lnRef>
+          <a:fillRef idx="1">
+            <a:schemeClr val="accent1"/>
+          </a:fillRef>
+          <a:effectRef idx="0">
+            <a:schemeClr val="accent1"/>
+          </a:effectRef>
+          <a:fontRef idx="minor">
+            <a:schemeClr val="lt1"/>
+          </a:fontRef>
+        </p:style>
+        <p:txBody>
+          <a:bodyPr rtlCol="0" anchor="ctr"/>
+          <a:lstStyle/>
+          <a:p>
+            <a:pPr algn="ctr"/>
+            <a:endParaRPr lang="en-US"/>
+          </a:p>
+        </p:txBody>
+      </p:sp>
+      <p:sp>
+        <p:nvSpPr>
+          <p:cNvPr id="5" name="Oval 4">
+            <a:extLst>
+              <a:ext uri="{FF2B5EF4-FFF2-40B4-BE49-F238E27FC236}">
+                <a16:creationId xmlns:a16="http://schemas.microsoft.com/office/drawing/2014/main" id="{B0CEC79D-4E35-F80C-A151-19E803F560A6}"/>
+              </a:ext>
+            </a:extLst>
+          </p:cNvPr>
+          <p:cNvSpPr/>
+          <p:nvPr/>
+        </p:nvSpPr>
+        <p:spPr>
+          <a:xfrm>
+            <a:off x="5521724" y="1801130"/>
+            <a:ext cx="260392" cy="260392"/>
+          </a:xfrm>
+          <a:prstGeom prst="ellipse">
+            <a:avLst/>
+          </a:prstGeom>
+          <a:solidFill>
+            <a:schemeClr val="accent1">
+              <a:alpha val="69000"/>
+            </a:schemeClr>
+          </a:solidFill>
+        </p:spPr>
+        <p:style>
+          <a:lnRef idx="2">
+            <a:schemeClr val="accent1">
+              <a:shade val="15000"/>
+            </a:schemeClr>
+          </a:lnRef>
+          <a:fillRef idx="1">
+            <a:schemeClr val="accent1"/>
+          </a:fillRef>
+          <a:effectRef idx="0">
+            <a:schemeClr val="accent1"/>
+          </a:effectRef>
+          <a:fontRef idx="minor">
+            <a:schemeClr val="lt1"/>
+          </a:fontRef>
+        </p:style>
+        <p:txBody>
+          <a:bodyPr rtlCol="0" anchor="ctr"/>
+          <a:lstStyle/>
+          <a:p>
+            <a:pPr algn="ctr"/>
+            <a:endParaRPr lang="en-US"/>
+          </a:p>
+        </p:txBody>
+      </p:sp>
+      <p:sp>
+        <p:nvSpPr>
+          <p:cNvPr id="11" name="Oval 10">
+            <a:extLst>
+              <a:ext uri="{FF2B5EF4-FFF2-40B4-BE49-F238E27FC236}">
+                <a16:creationId xmlns:a16="http://schemas.microsoft.com/office/drawing/2014/main" id="{B8D8CE70-54FB-955F-BDD2-B30DDA9934A9}"/>
+              </a:ext>
+            </a:extLst>
+          </p:cNvPr>
+          <p:cNvSpPr/>
+          <p:nvPr/>
+        </p:nvSpPr>
+        <p:spPr>
+          <a:xfrm>
+            <a:off x="5782115" y="2459594"/>
+            <a:ext cx="287195" cy="287464"/>
+          </a:xfrm>
+          <a:prstGeom prst="ellipse">
+            <a:avLst/>
+          </a:prstGeom>
+          <a:noFill/>
+          <a:ln>
+            <a:solidFill>
+              <a:srgbClr val="C00000"/>
+            </a:solidFill>
+          </a:ln>
+        </p:spPr>
+        <p:style>
+          <a:lnRef idx="2">
+            <a:schemeClr val="accent1">
+              <a:shade val="15000"/>
+            </a:schemeClr>
+          </a:lnRef>
+          <a:fillRef idx="1">
+            <a:schemeClr val="accent1"/>
+          </a:fillRef>
+          <a:effectRef idx="0">
+            <a:schemeClr val="accent1"/>
+          </a:effectRef>
+          <a:fontRef idx="minor">
+            <a:schemeClr val="lt1"/>
+          </a:fontRef>
+        </p:style>
+        <p:txBody>
+          <a:bodyPr rtlCol="0" anchor="ctr"/>
+          <a:lstStyle/>
+          <a:p>
+            <a:pPr algn="ctr"/>
+            <a:endParaRPr lang="en-US"/>
+          </a:p>
+        </p:txBody>
+      </p:sp>
+      <p:cxnSp>
+        <p:nvCxnSpPr>
+          <p:cNvPr id="13" name="Straight Arrow Connector 12">
+            <a:extLst>
+              <a:ext uri="{FF2B5EF4-FFF2-40B4-BE49-F238E27FC236}">
+                <a16:creationId xmlns:a16="http://schemas.microsoft.com/office/drawing/2014/main" id="{05748DE3-E437-1246-1729-5501250E08E6}"/>
+              </a:ext>
+            </a:extLst>
+          </p:cNvPr>
+          <p:cNvCxnSpPr>
+            <a:stCxn id="2" idx="3"/>
+            <a:endCxn id="3" idx="7"/>
+          </p:cNvCxnSpPr>
+          <p:nvPr/>
+        </p:nvCxnSpPr>
+        <p:spPr>
+          <a:xfrm flipH="1">
+            <a:off x="4057490" y="1481829"/>
+            <a:ext cx="637423" cy="355837"/>
+          </a:xfrm>
+          <a:prstGeom prst="straightConnector1">
+            <a:avLst/>
+          </a:prstGeom>
+          <a:ln>
+            <a:tailEnd type="triangle"/>
+          </a:ln>
+        </p:spPr>
+        <p:style>
+          <a:lnRef idx="1">
+            <a:schemeClr val="accent1"/>
+          </a:lnRef>
+          <a:fillRef idx="0">
+            <a:schemeClr val="accent1"/>
+          </a:fillRef>
+          <a:effectRef idx="0">
+            <a:schemeClr val="accent1"/>
+          </a:effectRef>
+          <a:fontRef idx="minor">
+            <a:schemeClr val="tx1"/>
+          </a:fontRef>
+        </p:style>
+      </p:cxnSp>
+      <p:cxnSp>
+        <p:nvCxnSpPr>
+          <p:cNvPr id="15" name="Straight Arrow Connector 14">
+            <a:extLst>
+              <a:ext uri="{FF2B5EF4-FFF2-40B4-BE49-F238E27FC236}">
+                <a16:creationId xmlns:a16="http://schemas.microsoft.com/office/drawing/2014/main" id="{491D8A1C-DF95-B7E6-02D2-7CB231FB9660}"/>
+              </a:ext>
+            </a:extLst>
+          </p:cNvPr>
+          <p:cNvCxnSpPr>
+            <a:stCxn id="2" idx="4"/>
+            <a:endCxn id="4" idx="0"/>
+          </p:cNvCxnSpPr>
+          <p:nvPr/>
+        </p:nvCxnSpPr>
+        <p:spPr>
+          <a:xfrm>
+            <a:off x="4786975" y="1519963"/>
+            <a:ext cx="0" cy="279569"/>
+          </a:xfrm>
+          <a:prstGeom prst="straightConnector1">
+            <a:avLst/>
+          </a:prstGeom>
+          <a:ln>
+            <a:tailEnd type="triangle"/>
+          </a:ln>
+        </p:spPr>
+        <p:style>
+          <a:lnRef idx="1">
+            <a:schemeClr val="accent1"/>
+          </a:lnRef>
+          <a:fillRef idx="0">
+            <a:schemeClr val="accent1"/>
+          </a:fillRef>
+          <a:effectRef idx="0">
+            <a:schemeClr val="accent1"/>
+          </a:effectRef>
+          <a:fontRef idx="minor">
+            <a:schemeClr val="tx1"/>
+          </a:fontRef>
+        </p:style>
+      </p:cxnSp>
+      <p:cxnSp>
+        <p:nvCxnSpPr>
+          <p:cNvPr id="17" name="Straight Arrow Connector 16">
+            <a:extLst>
+              <a:ext uri="{FF2B5EF4-FFF2-40B4-BE49-F238E27FC236}">
+                <a16:creationId xmlns:a16="http://schemas.microsoft.com/office/drawing/2014/main" id="{FEDD4249-71A3-7034-24B8-A61AB7673563}"/>
+              </a:ext>
+            </a:extLst>
+          </p:cNvPr>
+          <p:cNvCxnSpPr>
+            <a:stCxn id="2" idx="5"/>
+            <a:endCxn id="5" idx="1"/>
+          </p:cNvCxnSpPr>
+          <p:nvPr/>
+        </p:nvCxnSpPr>
+        <p:spPr>
+          <a:xfrm>
+            <a:off x="4879037" y="1481829"/>
+            <a:ext cx="680821" cy="357435"/>
+          </a:xfrm>
+          <a:prstGeom prst="straightConnector1">
+            <a:avLst/>
+          </a:prstGeom>
+          <a:ln>
+            <a:tailEnd type="triangle"/>
+          </a:ln>
+        </p:spPr>
+        <p:style>
+          <a:lnRef idx="1">
+            <a:schemeClr val="accent1"/>
+          </a:lnRef>
+          <a:fillRef idx="0">
+            <a:schemeClr val="accent1"/>
+          </a:fillRef>
+          <a:effectRef idx="0">
+            <a:schemeClr val="accent1"/>
+          </a:effectRef>
+          <a:fontRef idx="minor">
+            <a:schemeClr val="tx1"/>
+          </a:fontRef>
+        </p:style>
+      </p:cxnSp>
+      <p:cxnSp>
+        <p:nvCxnSpPr>
+          <p:cNvPr id="21" name="Straight Arrow Connector 20">
+            <a:extLst>
+              <a:ext uri="{FF2B5EF4-FFF2-40B4-BE49-F238E27FC236}">
+                <a16:creationId xmlns:a16="http://schemas.microsoft.com/office/drawing/2014/main" id="{DB600E9D-9A0C-71C2-99ED-E71C9DE1E8EA}"/>
+              </a:ext>
+            </a:extLst>
+          </p:cNvPr>
+          <p:cNvCxnSpPr>
+            <a:cxnSpLocks/>
+            <a:stCxn id="3" idx="3"/>
+          </p:cNvCxnSpPr>
+          <p:nvPr/>
+        </p:nvCxnSpPr>
+        <p:spPr>
+          <a:xfrm flipH="1">
+            <a:off x="3685860" y="2021790"/>
+            <a:ext cx="187506" cy="437804"/>
+          </a:xfrm>
+          <a:prstGeom prst="straightConnector1">
+            <a:avLst/>
+          </a:prstGeom>
+          <a:ln>
+            <a:solidFill>
+              <a:srgbClr val="C00000"/>
+            </a:solidFill>
+            <a:tailEnd type="triangle"/>
+          </a:ln>
+        </p:spPr>
+        <p:style>
+          <a:lnRef idx="1">
+            <a:schemeClr val="accent1"/>
+          </a:lnRef>
+          <a:fillRef idx="0">
+            <a:schemeClr val="accent1"/>
+          </a:fillRef>
+          <a:effectRef idx="0">
+            <a:schemeClr val="accent1"/>
+          </a:effectRef>
+          <a:fontRef idx="minor">
+            <a:schemeClr val="tx1"/>
+          </a:fontRef>
+        </p:style>
+      </p:cxnSp>
+      <p:cxnSp>
+        <p:nvCxnSpPr>
+          <p:cNvPr id="23" name="Straight Arrow Connector 22">
+            <a:extLst>
+              <a:ext uri="{FF2B5EF4-FFF2-40B4-BE49-F238E27FC236}">
+                <a16:creationId xmlns:a16="http://schemas.microsoft.com/office/drawing/2014/main" id="{52714DC6-B4E5-107C-4C9D-CFB6C34F94FB}"/>
+              </a:ext>
+            </a:extLst>
+          </p:cNvPr>
+          <p:cNvCxnSpPr>
+            <a:cxnSpLocks/>
+            <a:stCxn id="3" idx="5"/>
+          </p:cNvCxnSpPr>
+          <p:nvPr/>
+        </p:nvCxnSpPr>
+        <p:spPr>
+          <a:xfrm>
+            <a:off x="4057490" y="2021790"/>
+            <a:ext cx="103232" cy="437804"/>
+          </a:xfrm>
+          <a:prstGeom prst="straightConnector1">
+            <a:avLst/>
+          </a:prstGeom>
+          <a:ln>
+            <a:solidFill>
+              <a:srgbClr val="C00000"/>
+            </a:solidFill>
+            <a:tailEnd type="triangle"/>
+          </a:ln>
+        </p:spPr>
+        <p:style>
+          <a:lnRef idx="1">
+            <a:schemeClr val="accent1"/>
+          </a:lnRef>
+          <a:fillRef idx="0">
+            <a:schemeClr val="accent1"/>
+          </a:fillRef>
+          <a:effectRef idx="0">
+            <a:schemeClr val="accent1"/>
+          </a:effectRef>
+          <a:fontRef idx="minor">
+            <a:schemeClr val="tx1"/>
+          </a:fontRef>
+        </p:style>
+      </p:cxnSp>
+      <p:cxnSp>
+        <p:nvCxnSpPr>
+          <p:cNvPr id="25" name="Straight Arrow Connector 24">
+            <a:extLst>
+              <a:ext uri="{FF2B5EF4-FFF2-40B4-BE49-F238E27FC236}">
+                <a16:creationId xmlns:a16="http://schemas.microsoft.com/office/drawing/2014/main" id="{A7A2C305-1576-1A61-B65F-6C0B569E3D02}"/>
+              </a:ext>
+            </a:extLst>
+          </p:cNvPr>
+          <p:cNvCxnSpPr>
+            <a:cxnSpLocks/>
+            <a:stCxn id="4" idx="3"/>
+          </p:cNvCxnSpPr>
+          <p:nvPr/>
+        </p:nvCxnSpPr>
+        <p:spPr>
+          <a:xfrm flipH="1">
+            <a:off x="4570486" y="2021790"/>
+            <a:ext cx="124427" cy="437804"/>
+          </a:xfrm>
+          <a:prstGeom prst="straightConnector1">
+            <a:avLst/>
+          </a:prstGeom>
+          <a:ln>
+            <a:solidFill>
+              <a:srgbClr val="C00000"/>
+            </a:solidFill>
+            <a:tailEnd type="triangle"/>
+          </a:ln>
+        </p:spPr>
+        <p:style>
+          <a:lnRef idx="1">
+            <a:schemeClr val="accent1"/>
+          </a:lnRef>
+          <a:fillRef idx="0">
+            <a:schemeClr val="accent1"/>
+          </a:fillRef>
+          <a:effectRef idx="0">
+            <a:schemeClr val="accent1"/>
+          </a:effectRef>
+          <a:fontRef idx="minor">
+            <a:schemeClr val="tx1"/>
+          </a:fontRef>
+        </p:style>
+      </p:cxnSp>
+      <p:cxnSp>
+        <p:nvCxnSpPr>
+          <p:cNvPr id="27" name="Straight Arrow Connector 26">
+            <a:extLst>
+              <a:ext uri="{FF2B5EF4-FFF2-40B4-BE49-F238E27FC236}">
+                <a16:creationId xmlns:a16="http://schemas.microsoft.com/office/drawing/2014/main" id="{8C6190A8-D875-2FBB-8DCD-9B26DBF2AC53}"/>
+              </a:ext>
+            </a:extLst>
+          </p:cNvPr>
+          <p:cNvCxnSpPr>
+            <a:cxnSpLocks/>
+            <a:stCxn id="4" idx="5"/>
+          </p:cNvCxnSpPr>
+          <p:nvPr/>
+        </p:nvCxnSpPr>
+        <p:spPr>
+          <a:xfrm>
+            <a:off x="4879037" y="2021790"/>
+            <a:ext cx="130483" cy="437804"/>
+          </a:xfrm>
+          <a:prstGeom prst="straightConnector1">
+            <a:avLst/>
+          </a:prstGeom>
+          <a:ln>
+            <a:solidFill>
+              <a:srgbClr val="C00000"/>
+            </a:solidFill>
+            <a:tailEnd type="triangle"/>
+          </a:ln>
+        </p:spPr>
+        <p:style>
+          <a:lnRef idx="1">
+            <a:schemeClr val="accent1"/>
+          </a:lnRef>
+          <a:fillRef idx="0">
+            <a:schemeClr val="accent1"/>
+          </a:fillRef>
+          <a:effectRef idx="0">
+            <a:schemeClr val="accent1"/>
+          </a:effectRef>
+          <a:fontRef idx="minor">
+            <a:schemeClr val="tx1"/>
+          </a:fontRef>
+        </p:style>
+      </p:cxnSp>
+      <p:cxnSp>
+        <p:nvCxnSpPr>
+          <p:cNvPr id="29" name="Straight Arrow Connector 28">
+            <a:extLst>
+              <a:ext uri="{FF2B5EF4-FFF2-40B4-BE49-F238E27FC236}">
+                <a16:creationId xmlns:a16="http://schemas.microsoft.com/office/drawing/2014/main" id="{45783A6F-75EA-50C3-2687-A3C5FDA37DA0}"/>
+              </a:ext>
+            </a:extLst>
+          </p:cNvPr>
+          <p:cNvCxnSpPr>
+            <a:cxnSpLocks/>
+            <a:stCxn id="5" idx="3"/>
+          </p:cNvCxnSpPr>
+          <p:nvPr/>
+        </p:nvCxnSpPr>
+        <p:spPr>
+          <a:xfrm flipH="1">
+            <a:off x="5448554" y="2023388"/>
+            <a:ext cx="111304" cy="436206"/>
+          </a:xfrm>
+          <a:prstGeom prst="straightConnector1">
+            <a:avLst/>
+          </a:prstGeom>
+          <a:ln>
+            <a:solidFill>
+              <a:srgbClr val="C00000"/>
+            </a:solidFill>
+            <a:tailEnd type="triangle"/>
+          </a:ln>
+        </p:spPr>
+        <p:style>
+          <a:lnRef idx="1">
+            <a:schemeClr val="accent1"/>
+          </a:lnRef>
+          <a:fillRef idx="0">
+            <a:schemeClr val="accent1"/>
+          </a:fillRef>
+          <a:effectRef idx="0">
+            <a:schemeClr val="accent1"/>
+          </a:effectRef>
+          <a:fontRef idx="minor">
+            <a:schemeClr val="tx1"/>
+          </a:fontRef>
+        </p:style>
+      </p:cxnSp>
+      <p:cxnSp>
+        <p:nvCxnSpPr>
+          <p:cNvPr id="31" name="Straight Arrow Connector 30">
+            <a:extLst>
+              <a:ext uri="{FF2B5EF4-FFF2-40B4-BE49-F238E27FC236}">
+                <a16:creationId xmlns:a16="http://schemas.microsoft.com/office/drawing/2014/main" id="{1958C15A-3BF5-5DCE-559E-C067070A8A5E}"/>
+              </a:ext>
+            </a:extLst>
+          </p:cNvPr>
+          <p:cNvCxnSpPr>
+            <a:cxnSpLocks/>
+            <a:stCxn id="5" idx="5"/>
+            <a:endCxn id="11" idx="0"/>
+          </p:cNvCxnSpPr>
+          <p:nvPr/>
+        </p:nvCxnSpPr>
+        <p:spPr>
+          <a:xfrm>
+            <a:off x="5743982" y="2023388"/>
+            <a:ext cx="181731" cy="436206"/>
+          </a:xfrm>
+          <a:prstGeom prst="straightConnector1">
+            <a:avLst/>
+          </a:prstGeom>
+          <a:ln>
+            <a:solidFill>
+              <a:srgbClr val="C00000"/>
+            </a:solidFill>
+            <a:tailEnd type="triangle"/>
+          </a:ln>
+        </p:spPr>
+        <p:style>
+          <a:lnRef idx="1">
+            <a:schemeClr val="accent1"/>
+          </a:lnRef>
+          <a:fillRef idx="0">
+            <a:schemeClr val="accent1"/>
+          </a:fillRef>
+          <a:effectRef idx="0">
+            <a:schemeClr val="accent1"/>
+          </a:effectRef>
+          <a:fontRef idx="minor">
+            <a:schemeClr val="tx1"/>
+          </a:fontRef>
+        </p:style>
+      </p:cxnSp>
+      <mc:AlternateContent xmlns:mc="http://schemas.openxmlformats.org/markup-compatibility/2006">
+        <mc:Choice xmlns:a14="http://schemas.microsoft.com/office/drawing/2010/main" Requires="a14">
+          <p:sp>
+            <p:nvSpPr>
+              <p:cNvPr id="32" name="TextBox 31">
+                <a:extLst>
+                  <a:ext uri="{FF2B5EF4-FFF2-40B4-BE49-F238E27FC236}">
+                    <a16:creationId xmlns:a16="http://schemas.microsoft.com/office/drawing/2014/main" id="{1F8625A0-9507-7918-7BCC-CC3F7886799D}"/>
+                  </a:ext>
+                </a:extLst>
+              </p:cNvPr>
+              <p:cNvSpPr txBox="1"/>
+              <p:nvPr/>
+            </p:nvSpPr>
+            <p:spPr>
+              <a:xfrm>
+                <a:off x="4642578" y="1247590"/>
+                <a:ext cx="275460" cy="246221"/>
+              </a:xfrm>
+              <a:prstGeom prst="rect">
+                <a:avLst/>
+              </a:prstGeom>
+              <a:noFill/>
+            </p:spPr>
+            <p:txBody>
+              <a:bodyPr wrap="none" rtlCol="0">
+                <a:spAutoFit/>
+              </a:bodyPr>
+              <a:lstStyle/>
+              <a:p>
+                <a14:m>
+                  <m:oMathPara xmlns:m="http://schemas.openxmlformats.org/officeDocument/2006/math">
+                    <m:oMathParaPr>
+                      <m:jc m:val="centerGroup"/>
+                    </m:oMathParaPr>
+                    <m:oMath xmlns:m="http://schemas.openxmlformats.org/officeDocument/2006/math">
+                      <m:r>
+                        <a:rPr lang="en-US" sz="1000" i="1" dirty="0" smtClean="0">
+                          <a:latin typeface="Cambria Math" panose="02040503050406030204" pitchFamily="18" charset="0"/>
+                        </a:rPr>
+                        <m:t>𝑠</m:t>
+                      </m:r>
+                    </m:oMath>
+                  </m:oMathPara>
+                </a14:m>
+                <a:endParaRPr lang="en-US" sz="1000" dirty="0"/>
+              </a:p>
+            </p:txBody>
+          </p:sp>
+        </mc:Choice>
+        <mc:Fallback>
+          <p:sp>
+            <p:nvSpPr>
+              <p:cNvPr id="32" name="TextBox 31">
+                <a:extLst>
+                  <a:ext uri="{FF2B5EF4-FFF2-40B4-BE49-F238E27FC236}">
+                    <a16:creationId xmlns:a16="http://schemas.microsoft.com/office/drawing/2014/main" id="{1F8625A0-9507-7918-7BCC-CC3F7886799D}"/>
+                  </a:ext>
+                </a:extLst>
+              </p:cNvPr>
+              <p:cNvSpPr txBox="1">
+                <a:spLocks noRot="1" noChangeAspect="1" noMove="1" noResize="1" noEditPoints="1" noAdjustHandles="1" noChangeArrowheads="1" noChangeShapeType="1" noTextEdit="1"/>
+              </p:cNvSpPr>
+              <p:nvPr/>
+            </p:nvSpPr>
+            <p:spPr>
+              <a:xfrm>
+                <a:off x="4642578" y="1247590"/>
+                <a:ext cx="275460" cy="246221"/>
+              </a:xfrm>
+              <a:prstGeom prst="rect">
+                <a:avLst/>
+              </a:prstGeom>
+              <a:blipFill>
+                <a:blip r:embed="rId2"/>
+                <a:stretch>
+                  <a:fillRect/>
+                </a:stretch>
+              </a:blipFill>
+            </p:spPr>
+            <p:txBody>
+              <a:bodyPr/>
+              <a:lstStyle/>
+              <a:p>
+                <a:r>
+                  <a:rPr lang="en-US">
+                    <a:noFill/>
+                  </a:rPr>
+                  <a:t> </a:t>
+                </a:r>
+              </a:p>
+            </p:txBody>
+          </p:sp>
+        </mc:Fallback>
+      </mc:AlternateContent>
+      <mc:AlternateContent xmlns:mc="http://schemas.openxmlformats.org/markup-compatibility/2006">
+        <mc:Choice xmlns:a14="http://schemas.microsoft.com/office/drawing/2010/main" Requires="a14">
+          <p:sp>
+            <p:nvSpPr>
+              <p:cNvPr id="33" name="TextBox 32">
+                <a:extLst>
+                  <a:ext uri="{FF2B5EF4-FFF2-40B4-BE49-F238E27FC236}">
+                    <a16:creationId xmlns:a16="http://schemas.microsoft.com/office/drawing/2014/main" id="{47BF9C83-D0ED-20F2-3B64-D8AC504DAA4A}"/>
+                  </a:ext>
+                </a:extLst>
+              </p:cNvPr>
+              <p:cNvSpPr txBox="1"/>
+              <p:nvPr/>
+            </p:nvSpPr>
+            <p:spPr>
+              <a:xfrm>
+                <a:off x="5077990" y="1413526"/>
+                <a:ext cx="291618" cy="246221"/>
+              </a:xfrm>
+              <a:prstGeom prst="rect">
+                <a:avLst/>
+              </a:prstGeom>
+              <a:noFill/>
+            </p:spPr>
+            <p:txBody>
+              <a:bodyPr wrap="none" rtlCol="0">
+                <a:spAutoFit/>
+              </a:bodyPr>
+              <a:lstStyle/>
+              <a:p>
+                <a14:m>
+                  <m:oMathPara xmlns:m="http://schemas.openxmlformats.org/officeDocument/2006/math">
+                    <m:oMathParaPr>
+                      <m:jc m:val="centerGroup"/>
+                    </m:oMathParaPr>
+                    <m:oMath xmlns:m="http://schemas.openxmlformats.org/officeDocument/2006/math">
+                      <m:r>
+                        <a:rPr lang="en-US" sz="1000" i="1" smtClean="0">
+                          <a:latin typeface="Cambria Math" panose="02040503050406030204" pitchFamily="18" charset="0"/>
+                          <a:ea typeface="Cambria Math" panose="02040503050406030204" pitchFamily="18" charset="0"/>
+                        </a:rPr>
+                        <m:t>𝜋</m:t>
+                      </m:r>
+                    </m:oMath>
+                  </m:oMathPara>
+                </a14:m>
+                <a:endParaRPr lang="en-US" sz="1000" dirty="0"/>
+              </a:p>
+            </p:txBody>
+          </p:sp>
+        </mc:Choice>
+        <mc:Fallback>
+          <p:sp>
+            <p:nvSpPr>
+              <p:cNvPr id="33" name="TextBox 32">
+                <a:extLst>
+                  <a:ext uri="{FF2B5EF4-FFF2-40B4-BE49-F238E27FC236}">
+                    <a16:creationId xmlns:a16="http://schemas.microsoft.com/office/drawing/2014/main" id="{47BF9C83-D0ED-20F2-3B64-D8AC504DAA4A}"/>
+                  </a:ext>
+                </a:extLst>
+              </p:cNvPr>
+              <p:cNvSpPr txBox="1">
+                <a:spLocks noRot="1" noChangeAspect="1" noMove="1" noResize="1" noEditPoints="1" noAdjustHandles="1" noChangeArrowheads="1" noChangeShapeType="1" noTextEdit="1"/>
+              </p:cNvSpPr>
+              <p:nvPr/>
+            </p:nvSpPr>
+            <p:spPr>
+              <a:xfrm>
+                <a:off x="5077990" y="1413526"/>
+                <a:ext cx="291618" cy="246221"/>
+              </a:xfrm>
+              <a:prstGeom prst="rect">
+                <a:avLst/>
+              </a:prstGeom>
+              <a:blipFill>
+                <a:blip r:embed="rId3"/>
+                <a:stretch>
+                  <a:fillRect/>
+                </a:stretch>
+              </a:blipFill>
+            </p:spPr>
+            <p:txBody>
+              <a:bodyPr/>
+              <a:lstStyle/>
+              <a:p>
+                <a:r>
+                  <a:rPr lang="en-US">
+                    <a:noFill/>
+                  </a:rPr>
+                  <a:t> </a:t>
+                </a:r>
+              </a:p>
+            </p:txBody>
+          </p:sp>
+        </mc:Fallback>
+      </mc:AlternateContent>
+      <mc:AlternateContent xmlns:mc="http://schemas.openxmlformats.org/markup-compatibility/2006">
+        <mc:Choice xmlns:a14="http://schemas.microsoft.com/office/drawing/2010/main" Requires="a14">
+          <p:sp>
+            <p:nvSpPr>
+              <p:cNvPr id="34" name="TextBox 33">
+                <a:extLst>
+                  <a:ext uri="{FF2B5EF4-FFF2-40B4-BE49-F238E27FC236}">
+                    <a16:creationId xmlns:a16="http://schemas.microsoft.com/office/drawing/2014/main" id="{72D0510E-38C3-A21B-2D3D-A31F0FC24AA6}"/>
+                  </a:ext>
+                </a:extLst>
+              </p:cNvPr>
+              <p:cNvSpPr txBox="1"/>
+              <p:nvPr/>
+            </p:nvSpPr>
+            <p:spPr>
+              <a:xfrm>
+                <a:off x="5504206" y="1789533"/>
+                <a:ext cx="288797" cy="246221"/>
+              </a:xfrm>
+              <a:prstGeom prst="rect">
+                <a:avLst/>
+              </a:prstGeom>
+              <a:noFill/>
+            </p:spPr>
+            <p:txBody>
+              <a:bodyPr wrap="none" rtlCol="0">
+                <a:spAutoFit/>
+              </a:bodyPr>
+              <a:lstStyle/>
+              <a:p>
+                <a14:m>
+                  <m:oMathPara xmlns:m="http://schemas.openxmlformats.org/officeDocument/2006/math">
+                    <m:oMathParaPr>
+                      <m:jc m:val="centerGroup"/>
+                    </m:oMathParaPr>
+                    <m:oMath xmlns:m="http://schemas.openxmlformats.org/officeDocument/2006/math">
+                      <m:r>
+                        <a:rPr lang="en-US" sz="1000" b="0" i="1" smtClean="0">
+                          <a:latin typeface="Cambria Math" panose="02040503050406030204" pitchFamily="18" charset="0"/>
+                        </a:rPr>
+                        <m:t>𝑎</m:t>
+                      </m:r>
+                    </m:oMath>
+                  </m:oMathPara>
+                </a14:m>
+                <a:endParaRPr lang="en-US" sz="1000" dirty="0"/>
+              </a:p>
+            </p:txBody>
+          </p:sp>
+        </mc:Choice>
+        <mc:Fallback>
+          <p:sp>
+            <p:nvSpPr>
+              <p:cNvPr id="34" name="TextBox 33">
+                <a:extLst>
+                  <a:ext uri="{FF2B5EF4-FFF2-40B4-BE49-F238E27FC236}">
+                    <a16:creationId xmlns:a16="http://schemas.microsoft.com/office/drawing/2014/main" id="{72D0510E-38C3-A21B-2D3D-A31F0FC24AA6}"/>
+                  </a:ext>
+                </a:extLst>
+              </p:cNvPr>
+              <p:cNvSpPr txBox="1">
+                <a:spLocks noRot="1" noChangeAspect="1" noMove="1" noResize="1" noEditPoints="1" noAdjustHandles="1" noChangeArrowheads="1" noChangeShapeType="1" noTextEdit="1"/>
+              </p:cNvSpPr>
+              <p:nvPr/>
+            </p:nvSpPr>
+            <p:spPr>
+              <a:xfrm>
+                <a:off x="5504206" y="1789533"/>
+                <a:ext cx="288797" cy="246221"/>
+              </a:xfrm>
+              <a:prstGeom prst="rect">
+                <a:avLst/>
+              </a:prstGeom>
+              <a:blipFill>
+                <a:blip r:embed="rId4"/>
+                <a:stretch>
+                  <a:fillRect/>
+                </a:stretch>
+              </a:blipFill>
+            </p:spPr>
+            <p:txBody>
+              <a:bodyPr/>
+              <a:lstStyle/>
+              <a:p>
+                <a:r>
+                  <a:rPr lang="en-US">
+                    <a:noFill/>
+                  </a:rPr>
+                  <a:t> </a:t>
+                </a:r>
+              </a:p>
+            </p:txBody>
+          </p:sp>
+        </mc:Fallback>
+      </mc:AlternateContent>
+      <mc:AlternateContent xmlns:mc="http://schemas.openxmlformats.org/markup-compatibility/2006">
+        <mc:Choice xmlns:a14="http://schemas.microsoft.com/office/drawing/2010/main" Requires="a14">
+          <p:sp>
+            <p:nvSpPr>
+              <p:cNvPr id="35" name="TextBox 34">
+                <a:extLst>
+                  <a:ext uri="{FF2B5EF4-FFF2-40B4-BE49-F238E27FC236}">
+                    <a16:creationId xmlns:a16="http://schemas.microsoft.com/office/drawing/2014/main" id="{9DFAEEA3-7496-5469-716B-D6F775FB3294}"/>
+                  </a:ext>
+                </a:extLst>
+              </p:cNvPr>
+              <p:cNvSpPr txBox="1"/>
+              <p:nvPr/>
+            </p:nvSpPr>
+            <p:spPr>
+              <a:xfrm>
+                <a:off x="5717483" y="2475731"/>
+                <a:ext cx="428643" cy="246221"/>
+              </a:xfrm>
+              <a:prstGeom prst="rect">
+                <a:avLst/>
+              </a:prstGeom>
+              <a:noFill/>
+            </p:spPr>
+            <p:txBody>
+              <a:bodyPr wrap="none" rtlCol="0">
+                <a:spAutoFit/>
+              </a:bodyPr>
+              <a:lstStyle/>
+              <a:p>
+                <a14:m>
+                  <m:oMathPara xmlns:m="http://schemas.openxmlformats.org/officeDocument/2006/math">
+                    <m:oMathParaPr>
+                      <m:jc m:val="centerGroup"/>
+                    </m:oMathParaPr>
+                    <m:oMath xmlns:m="http://schemas.openxmlformats.org/officeDocument/2006/math">
+                      <m:sSup>
+                        <m:sSupPr>
+                          <m:ctrlPr>
+                            <a:rPr lang="en-US" sz="1000" i="1" dirty="0" smtClean="0">
+                              <a:latin typeface="Cambria Math" panose="02040503050406030204" pitchFamily="18" charset="0"/>
+                            </a:rPr>
+                          </m:ctrlPr>
+                        </m:sSupPr>
+                        <m:e>
+                          <m:r>
+                            <a:rPr lang="en-US" sz="1000" b="0" i="1" dirty="0" smtClean="0">
+                              <a:latin typeface="Cambria Math" panose="02040503050406030204" pitchFamily="18" charset="0"/>
+                            </a:rPr>
+                            <m:t>𝑟</m:t>
+                          </m:r>
+                          <m:r>
+                            <a:rPr lang="en-US" sz="1000" b="0" i="1" dirty="0" smtClean="0">
+                              <a:latin typeface="Cambria Math" panose="02040503050406030204" pitchFamily="18" charset="0"/>
+                            </a:rPr>
+                            <m:t>, </m:t>
+                          </m:r>
+                          <m:r>
+                            <a:rPr lang="en-US" sz="1000" b="0" i="1" dirty="0" smtClean="0">
+                              <a:latin typeface="Cambria Math" panose="02040503050406030204" pitchFamily="18" charset="0"/>
+                            </a:rPr>
+                            <m:t>𝑠</m:t>
+                          </m:r>
+                        </m:e>
+                        <m:sup>
+                          <m:r>
+                            <a:rPr lang="en-US" sz="1000" b="0" i="1" dirty="0" smtClean="0">
+                              <a:latin typeface="Cambria Math" panose="02040503050406030204" pitchFamily="18" charset="0"/>
+                            </a:rPr>
+                            <m:t>′</m:t>
+                          </m:r>
+                        </m:sup>
+                      </m:sSup>
+                    </m:oMath>
+                  </m:oMathPara>
+                </a14:m>
+                <a:endParaRPr lang="en-US" sz="1000" dirty="0"/>
+              </a:p>
+            </p:txBody>
+          </p:sp>
+        </mc:Choice>
+        <mc:Fallback>
+          <p:sp>
+            <p:nvSpPr>
+              <p:cNvPr id="35" name="TextBox 34">
+                <a:extLst>
+                  <a:ext uri="{FF2B5EF4-FFF2-40B4-BE49-F238E27FC236}">
+                    <a16:creationId xmlns:a16="http://schemas.microsoft.com/office/drawing/2014/main" id="{9DFAEEA3-7496-5469-716B-D6F775FB3294}"/>
+                  </a:ext>
+                </a:extLst>
+              </p:cNvPr>
+              <p:cNvSpPr txBox="1">
+                <a:spLocks noRot="1" noChangeAspect="1" noMove="1" noResize="1" noEditPoints="1" noAdjustHandles="1" noChangeArrowheads="1" noChangeShapeType="1" noTextEdit="1"/>
+              </p:cNvSpPr>
+              <p:nvPr/>
+            </p:nvSpPr>
+            <p:spPr>
+              <a:xfrm>
+                <a:off x="5717483" y="2475731"/>
+                <a:ext cx="428643" cy="246221"/>
+              </a:xfrm>
+              <a:prstGeom prst="rect">
+                <a:avLst/>
+              </a:prstGeom>
+              <a:blipFill>
+                <a:blip r:embed="rId5"/>
+                <a:stretch>
+                  <a:fillRect/>
+                </a:stretch>
+              </a:blipFill>
+            </p:spPr>
+            <p:txBody>
+              <a:bodyPr/>
+              <a:lstStyle/>
+              <a:p>
+                <a:r>
+                  <a:rPr lang="en-US">
+                    <a:noFill/>
+                  </a:rPr>
+                  <a:t> </a:t>
+                </a:r>
+              </a:p>
+            </p:txBody>
+          </p:sp>
+        </mc:Fallback>
+      </mc:AlternateContent>
+      <mc:AlternateContent xmlns:mc="http://schemas.openxmlformats.org/markup-compatibility/2006">
+        <mc:Choice xmlns:a14="http://schemas.microsoft.com/office/drawing/2010/main" Requires="a14">
+          <p:sp>
+            <p:nvSpPr>
+              <p:cNvPr id="36" name="TextBox 35">
+                <a:extLst>
+                  <a:ext uri="{FF2B5EF4-FFF2-40B4-BE49-F238E27FC236}">
+                    <a16:creationId xmlns:a16="http://schemas.microsoft.com/office/drawing/2014/main" id="{1632526F-6658-B191-E821-40AF7EB473A8}"/>
+                  </a:ext>
+                </a:extLst>
+              </p:cNvPr>
+              <p:cNvSpPr txBox="1"/>
+              <p:nvPr/>
+            </p:nvSpPr>
+            <p:spPr>
+              <a:xfrm>
+                <a:off x="5753711" y="2059924"/>
+                <a:ext cx="287195" cy="246221"/>
+              </a:xfrm>
+              <a:prstGeom prst="rect">
+                <a:avLst/>
+              </a:prstGeom>
+              <a:noFill/>
+            </p:spPr>
+            <p:txBody>
+              <a:bodyPr wrap="none" rtlCol="0">
+                <a:spAutoFit/>
+              </a:bodyPr>
+              <a:lstStyle/>
+              <a:p>
+                <a14:m>
+                  <m:oMathPara xmlns:m="http://schemas.openxmlformats.org/officeDocument/2006/math">
+                    <m:oMathParaPr>
+                      <m:jc m:val="centerGroup"/>
+                    </m:oMathParaPr>
+                    <m:oMath xmlns:m="http://schemas.openxmlformats.org/officeDocument/2006/math">
+                      <m:r>
+                        <a:rPr lang="en-US" sz="1000" b="0" i="1" smtClean="0">
+                          <a:latin typeface="Cambria Math" panose="02040503050406030204" pitchFamily="18" charset="0"/>
+                        </a:rPr>
+                        <m:t>𝑝</m:t>
+                      </m:r>
+                    </m:oMath>
+                  </m:oMathPara>
+                </a14:m>
+                <a:endParaRPr lang="en-US" sz="1000" dirty="0"/>
+              </a:p>
+            </p:txBody>
+          </p:sp>
+        </mc:Choice>
+        <mc:Fallback>
+          <p:sp>
+            <p:nvSpPr>
+              <p:cNvPr id="36" name="TextBox 35">
+                <a:extLst>
+                  <a:ext uri="{FF2B5EF4-FFF2-40B4-BE49-F238E27FC236}">
+                    <a16:creationId xmlns:a16="http://schemas.microsoft.com/office/drawing/2014/main" id="{1632526F-6658-B191-E821-40AF7EB473A8}"/>
+                  </a:ext>
+                </a:extLst>
+              </p:cNvPr>
+              <p:cNvSpPr txBox="1">
+                <a:spLocks noRot="1" noChangeAspect="1" noMove="1" noResize="1" noEditPoints="1" noAdjustHandles="1" noChangeArrowheads="1" noChangeShapeType="1" noTextEdit="1"/>
+              </p:cNvSpPr>
+              <p:nvPr/>
+            </p:nvSpPr>
+            <p:spPr>
+              <a:xfrm>
+                <a:off x="5753711" y="2059924"/>
+                <a:ext cx="287195" cy="246221"/>
+              </a:xfrm>
+              <a:prstGeom prst="rect">
+                <a:avLst/>
+              </a:prstGeom>
+              <a:blipFill>
+                <a:blip r:embed="rId6"/>
+                <a:stretch>
+                  <a:fillRect/>
+                </a:stretch>
+              </a:blipFill>
+            </p:spPr>
+            <p:txBody>
+              <a:bodyPr/>
+              <a:lstStyle/>
+              <a:p>
+                <a:r>
+                  <a:rPr lang="en-US">
+                    <a:noFill/>
+                  </a:rPr>
+                  <a:t> </a:t>
+                </a:r>
+              </a:p>
+            </p:txBody>
+          </p:sp>
+        </mc:Fallback>
+      </mc:AlternateContent>
+      <p:sp>
+        <p:nvSpPr>
+          <p:cNvPr id="41" name="Oval 40">
+            <a:extLst>
+              <a:ext uri="{FF2B5EF4-FFF2-40B4-BE49-F238E27FC236}">
+                <a16:creationId xmlns:a16="http://schemas.microsoft.com/office/drawing/2014/main" id="{9036F23B-2499-DB4A-F4D5-9C6C2ED8598E}"/>
+              </a:ext>
+            </a:extLst>
+          </p:cNvPr>
+          <p:cNvSpPr/>
+          <p:nvPr/>
+        </p:nvSpPr>
+        <p:spPr>
+          <a:xfrm>
+            <a:off x="5304956" y="2459594"/>
+            <a:ext cx="287195" cy="287464"/>
+          </a:xfrm>
+          <a:prstGeom prst="ellipse">
+            <a:avLst/>
+          </a:prstGeom>
+          <a:noFill/>
+          <a:ln>
+            <a:solidFill>
+              <a:srgbClr val="C00000"/>
+            </a:solidFill>
+          </a:ln>
+        </p:spPr>
+        <p:style>
+          <a:lnRef idx="2">
+            <a:schemeClr val="accent1">
+              <a:shade val="15000"/>
+            </a:schemeClr>
+          </a:lnRef>
+          <a:fillRef idx="1">
+            <a:schemeClr val="accent1"/>
+          </a:fillRef>
+          <a:effectRef idx="0">
+            <a:schemeClr val="accent1"/>
+          </a:effectRef>
+          <a:fontRef idx="minor">
+            <a:schemeClr val="lt1"/>
+          </a:fontRef>
+        </p:style>
+        <p:txBody>
+          <a:bodyPr rtlCol="0" anchor="ctr"/>
+          <a:lstStyle/>
+          <a:p>
+            <a:pPr algn="ctr"/>
+            <a:endParaRPr lang="en-US"/>
+          </a:p>
+        </p:txBody>
+      </p:sp>
+      <p:sp>
+        <p:nvSpPr>
+          <p:cNvPr id="42" name="Oval 41">
+            <a:extLst>
+              <a:ext uri="{FF2B5EF4-FFF2-40B4-BE49-F238E27FC236}">
+                <a16:creationId xmlns:a16="http://schemas.microsoft.com/office/drawing/2014/main" id="{76B83D02-1070-3E09-F69F-B4DCD9B2138B}"/>
+              </a:ext>
+            </a:extLst>
+          </p:cNvPr>
+          <p:cNvSpPr/>
+          <p:nvPr/>
+        </p:nvSpPr>
+        <p:spPr>
+          <a:xfrm>
+            <a:off x="4866088" y="2468929"/>
+            <a:ext cx="287195" cy="287464"/>
+          </a:xfrm>
+          <a:prstGeom prst="ellipse">
+            <a:avLst/>
+          </a:prstGeom>
+          <a:noFill/>
+          <a:ln>
+            <a:solidFill>
+              <a:srgbClr val="C00000"/>
+            </a:solidFill>
+          </a:ln>
+        </p:spPr>
+        <p:style>
+          <a:lnRef idx="2">
+            <a:schemeClr val="accent1">
+              <a:shade val="15000"/>
+            </a:schemeClr>
+          </a:lnRef>
+          <a:fillRef idx="1">
+            <a:schemeClr val="accent1"/>
+          </a:fillRef>
+          <a:effectRef idx="0">
+            <a:schemeClr val="accent1"/>
+          </a:effectRef>
+          <a:fontRef idx="minor">
+            <a:schemeClr val="lt1"/>
+          </a:fontRef>
+        </p:style>
+        <p:txBody>
+          <a:bodyPr rtlCol="0" anchor="ctr"/>
+          <a:lstStyle/>
+          <a:p>
+            <a:pPr algn="ctr"/>
+            <a:endParaRPr lang="en-US"/>
+          </a:p>
+        </p:txBody>
+      </p:sp>
+      <p:sp>
+        <p:nvSpPr>
+          <p:cNvPr id="43" name="Oval 42">
+            <a:extLst>
+              <a:ext uri="{FF2B5EF4-FFF2-40B4-BE49-F238E27FC236}">
+                <a16:creationId xmlns:a16="http://schemas.microsoft.com/office/drawing/2014/main" id="{A98FA1A1-1DBA-5057-DF70-4DDBADA9C1D3}"/>
+              </a:ext>
+            </a:extLst>
+          </p:cNvPr>
+          <p:cNvSpPr/>
+          <p:nvPr/>
+        </p:nvSpPr>
+        <p:spPr>
+          <a:xfrm>
+            <a:off x="4410841" y="2459594"/>
+            <a:ext cx="287195" cy="287464"/>
+          </a:xfrm>
+          <a:prstGeom prst="ellipse">
+            <a:avLst/>
+          </a:prstGeom>
+          <a:noFill/>
+          <a:ln>
+            <a:solidFill>
+              <a:srgbClr val="C00000"/>
+            </a:solidFill>
+          </a:ln>
+        </p:spPr>
+        <p:style>
+          <a:lnRef idx="2">
+            <a:schemeClr val="accent1">
+              <a:shade val="15000"/>
+            </a:schemeClr>
+          </a:lnRef>
+          <a:fillRef idx="1">
+            <a:schemeClr val="accent1"/>
+          </a:fillRef>
+          <a:effectRef idx="0">
+            <a:schemeClr val="accent1"/>
+          </a:effectRef>
+          <a:fontRef idx="minor">
+            <a:schemeClr val="lt1"/>
+          </a:fontRef>
+        </p:style>
+        <p:txBody>
+          <a:bodyPr rtlCol="0" anchor="ctr"/>
+          <a:lstStyle/>
+          <a:p>
+            <a:pPr algn="ctr"/>
+            <a:endParaRPr lang="en-US"/>
+          </a:p>
+        </p:txBody>
+      </p:sp>
+      <p:sp>
+        <p:nvSpPr>
+          <p:cNvPr id="44" name="Oval 43">
+            <a:extLst>
+              <a:ext uri="{FF2B5EF4-FFF2-40B4-BE49-F238E27FC236}">
+                <a16:creationId xmlns:a16="http://schemas.microsoft.com/office/drawing/2014/main" id="{AF3423D5-3BCB-D3B3-0475-BE2B1B991384}"/>
+              </a:ext>
+            </a:extLst>
+          </p:cNvPr>
+          <p:cNvSpPr/>
+          <p:nvPr/>
+        </p:nvSpPr>
+        <p:spPr>
+          <a:xfrm>
+            <a:off x="4014693" y="2459594"/>
+            <a:ext cx="287195" cy="287464"/>
+          </a:xfrm>
+          <a:prstGeom prst="ellipse">
+            <a:avLst/>
+          </a:prstGeom>
+          <a:noFill/>
+          <a:ln>
+            <a:solidFill>
+              <a:srgbClr val="C00000"/>
+            </a:solidFill>
+          </a:ln>
+        </p:spPr>
+        <p:style>
+          <a:lnRef idx="2">
+            <a:schemeClr val="accent1">
+              <a:shade val="15000"/>
+            </a:schemeClr>
+          </a:lnRef>
+          <a:fillRef idx="1">
+            <a:schemeClr val="accent1"/>
+          </a:fillRef>
+          <a:effectRef idx="0">
+            <a:schemeClr val="accent1"/>
+          </a:effectRef>
+          <a:fontRef idx="minor">
+            <a:schemeClr val="lt1"/>
+          </a:fontRef>
+        </p:style>
+        <p:txBody>
+          <a:bodyPr rtlCol="0" anchor="ctr"/>
+          <a:lstStyle/>
+          <a:p>
+            <a:pPr algn="ctr"/>
+            <a:endParaRPr lang="en-US"/>
+          </a:p>
+        </p:txBody>
+      </p:sp>
+      <p:sp>
+        <p:nvSpPr>
+          <p:cNvPr id="45" name="Oval 44">
+            <a:extLst>
+              <a:ext uri="{FF2B5EF4-FFF2-40B4-BE49-F238E27FC236}">
+                <a16:creationId xmlns:a16="http://schemas.microsoft.com/office/drawing/2014/main" id="{B77D3F73-803A-D938-8565-226CA8C2E249}"/>
+              </a:ext>
+            </a:extLst>
+          </p:cNvPr>
+          <p:cNvSpPr/>
+          <p:nvPr/>
+        </p:nvSpPr>
+        <p:spPr>
+          <a:xfrm>
+            <a:off x="3513941" y="2461853"/>
+            <a:ext cx="287195" cy="287464"/>
+          </a:xfrm>
+          <a:prstGeom prst="ellipse">
+            <a:avLst/>
+          </a:prstGeom>
+          <a:noFill/>
+          <a:ln>
+            <a:solidFill>
+              <a:srgbClr val="C00000"/>
+            </a:solidFill>
+          </a:ln>
+        </p:spPr>
+        <p:style>
+          <a:lnRef idx="2">
+            <a:schemeClr val="accent1">
+              <a:shade val="15000"/>
+            </a:schemeClr>
+          </a:lnRef>
+          <a:fillRef idx="1">
+            <a:schemeClr val="accent1"/>
+          </a:fillRef>
+          <a:effectRef idx="0">
+            <a:schemeClr val="accent1"/>
+          </a:effectRef>
+          <a:fontRef idx="minor">
+            <a:schemeClr val="lt1"/>
+          </a:fontRef>
+        </p:style>
+        <p:txBody>
+          <a:bodyPr rtlCol="0" anchor="ctr"/>
+          <a:lstStyle/>
+          <a:p>
+            <a:pPr algn="ctr"/>
+            <a:endParaRPr lang="en-US"/>
+          </a:p>
+        </p:txBody>
+      </p:sp>
+      <p:cxnSp>
+        <p:nvCxnSpPr>
+          <p:cNvPr id="52" name="Straight Arrow Connector 51">
+            <a:extLst>
+              <a:ext uri="{FF2B5EF4-FFF2-40B4-BE49-F238E27FC236}">
+                <a16:creationId xmlns:a16="http://schemas.microsoft.com/office/drawing/2014/main" id="{6222277B-6045-D3E7-0A2E-6257FA22A9E3}"/>
+              </a:ext>
+            </a:extLst>
+          </p:cNvPr>
+          <p:cNvCxnSpPr>
+            <a:cxnSpLocks/>
+          </p:cNvCxnSpPr>
+          <p:nvPr/>
+        </p:nvCxnSpPr>
+        <p:spPr>
+          <a:xfrm flipH="1">
+            <a:off x="7396757" y="1467865"/>
+            <a:ext cx="637423" cy="355837"/>
+          </a:xfrm>
+          <a:prstGeom prst="straightConnector1">
+            <a:avLst/>
+          </a:prstGeom>
+          <a:ln>
+            <a:tailEnd type="triangle"/>
+          </a:ln>
+        </p:spPr>
+        <p:style>
+          <a:lnRef idx="1">
+            <a:schemeClr val="accent1"/>
+          </a:lnRef>
+          <a:fillRef idx="0">
+            <a:schemeClr val="accent1"/>
+          </a:fillRef>
+          <a:effectRef idx="0">
+            <a:schemeClr val="accent1"/>
+          </a:effectRef>
+          <a:fontRef idx="minor">
+            <a:schemeClr val="tx1"/>
+          </a:fontRef>
+        </p:style>
+      </p:cxnSp>
+      <p:cxnSp>
+        <p:nvCxnSpPr>
+          <p:cNvPr id="53" name="Straight Arrow Connector 52">
+            <a:extLst>
+              <a:ext uri="{FF2B5EF4-FFF2-40B4-BE49-F238E27FC236}">
+                <a16:creationId xmlns:a16="http://schemas.microsoft.com/office/drawing/2014/main" id="{07639913-E5E7-B365-D4A6-D6D377205B42}"/>
+              </a:ext>
+            </a:extLst>
+          </p:cNvPr>
+          <p:cNvCxnSpPr>
+            <a:cxnSpLocks/>
+          </p:cNvCxnSpPr>
+          <p:nvPr/>
+        </p:nvCxnSpPr>
+        <p:spPr>
+          <a:xfrm>
+            <a:off x="8126242" y="1505999"/>
+            <a:ext cx="0" cy="279569"/>
+          </a:xfrm>
+          <a:prstGeom prst="straightConnector1">
+            <a:avLst/>
+          </a:prstGeom>
+          <a:ln>
+            <a:tailEnd type="triangle"/>
+          </a:ln>
+        </p:spPr>
+        <p:style>
+          <a:lnRef idx="1">
+            <a:schemeClr val="accent1"/>
+          </a:lnRef>
+          <a:fillRef idx="0">
+            <a:schemeClr val="accent1"/>
+          </a:fillRef>
+          <a:effectRef idx="0">
+            <a:schemeClr val="accent1"/>
+          </a:effectRef>
+          <a:fontRef idx="minor">
+            <a:schemeClr val="tx1"/>
+          </a:fontRef>
+        </p:style>
+      </p:cxnSp>
+      <p:cxnSp>
+        <p:nvCxnSpPr>
+          <p:cNvPr id="54" name="Straight Arrow Connector 53">
+            <a:extLst>
+              <a:ext uri="{FF2B5EF4-FFF2-40B4-BE49-F238E27FC236}">
+                <a16:creationId xmlns:a16="http://schemas.microsoft.com/office/drawing/2014/main" id="{5E0651DD-431F-9F65-FD91-9DD0D3732587}"/>
+              </a:ext>
+            </a:extLst>
+          </p:cNvPr>
+          <p:cNvCxnSpPr>
+            <a:cxnSpLocks/>
+          </p:cNvCxnSpPr>
+          <p:nvPr/>
+        </p:nvCxnSpPr>
+        <p:spPr>
+          <a:xfrm>
+            <a:off x="8218304" y="1467865"/>
+            <a:ext cx="680821" cy="357435"/>
+          </a:xfrm>
+          <a:prstGeom prst="straightConnector1">
+            <a:avLst/>
+          </a:prstGeom>
+          <a:ln>
+            <a:tailEnd type="triangle"/>
+          </a:ln>
+        </p:spPr>
+        <p:style>
+          <a:lnRef idx="1">
+            <a:schemeClr val="accent1"/>
+          </a:lnRef>
+          <a:fillRef idx="0">
+            <a:schemeClr val="accent1"/>
+          </a:fillRef>
+          <a:effectRef idx="0">
+            <a:schemeClr val="accent1"/>
+          </a:effectRef>
+          <a:fontRef idx="minor">
+            <a:schemeClr val="tx1"/>
+          </a:fontRef>
+        </p:style>
+      </p:cxnSp>
+      <p:cxnSp>
+        <p:nvCxnSpPr>
+          <p:cNvPr id="55" name="Straight Arrow Connector 54">
+            <a:extLst>
+              <a:ext uri="{FF2B5EF4-FFF2-40B4-BE49-F238E27FC236}">
+                <a16:creationId xmlns:a16="http://schemas.microsoft.com/office/drawing/2014/main" id="{98273CFB-60FD-1514-68C0-1EAE3D197638}"/>
+              </a:ext>
+            </a:extLst>
+          </p:cNvPr>
+          <p:cNvCxnSpPr>
+            <a:cxnSpLocks/>
+          </p:cNvCxnSpPr>
+          <p:nvPr/>
+        </p:nvCxnSpPr>
+        <p:spPr>
+          <a:xfrm flipH="1">
+            <a:off x="7025127" y="2007826"/>
+            <a:ext cx="187506" cy="437804"/>
+          </a:xfrm>
+          <a:prstGeom prst="straightConnector1">
+            <a:avLst/>
+          </a:prstGeom>
+          <a:ln>
+            <a:solidFill>
+              <a:srgbClr val="C00000"/>
+            </a:solidFill>
+            <a:tailEnd type="triangle"/>
+          </a:ln>
+        </p:spPr>
+        <p:style>
+          <a:lnRef idx="1">
+            <a:schemeClr val="accent1"/>
+          </a:lnRef>
+          <a:fillRef idx="0">
+            <a:schemeClr val="accent1"/>
+          </a:fillRef>
+          <a:effectRef idx="0">
+            <a:schemeClr val="accent1"/>
+          </a:effectRef>
+          <a:fontRef idx="minor">
+            <a:schemeClr val="tx1"/>
+          </a:fontRef>
+        </p:style>
+      </p:cxnSp>
+      <p:cxnSp>
+        <p:nvCxnSpPr>
+          <p:cNvPr id="56" name="Straight Arrow Connector 55">
+            <a:extLst>
+              <a:ext uri="{FF2B5EF4-FFF2-40B4-BE49-F238E27FC236}">
+                <a16:creationId xmlns:a16="http://schemas.microsoft.com/office/drawing/2014/main" id="{746BE9DA-88F2-BC33-9FA1-AB0F116590F2}"/>
+              </a:ext>
+            </a:extLst>
+          </p:cNvPr>
+          <p:cNvCxnSpPr>
+            <a:cxnSpLocks/>
+          </p:cNvCxnSpPr>
+          <p:nvPr/>
+        </p:nvCxnSpPr>
+        <p:spPr>
+          <a:xfrm>
+            <a:off x="7396757" y="2007826"/>
+            <a:ext cx="103232" cy="437804"/>
+          </a:xfrm>
+          <a:prstGeom prst="straightConnector1">
+            <a:avLst/>
+          </a:prstGeom>
+          <a:ln>
+            <a:solidFill>
+              <a:srgbClr val="C00000"/>
+            </a:solidFill>
+            <a:tailEnd type="triangle"/>
+          </a:ln>
+        </p:spPr>
+        <p:style>
+          <a:lnRef idx="1">
+            <a:schemeClr val="accent1"/>
+          </a:lnRef>
+          <a:fillRef idx="0">
+            <a:schemeClr val="accent1"/>
+          </a:fillRef>
+          <a:effectRef idx="0">
+            <a:schemeClr val="accent1"/>
+          </a:effectRef>
+          <a:fontRef idx="minor">
+            <a:schemeClr val="tx1"/>
+          </a:fontRef>
+        </p:style>
+      </p:cxnSp>
+      <p:cxnSp>
+        <p:nvCxnSpPr>
+          <p:cNvPr id="57" name="Straight Arrow Connector 56">
+            <a:extLst>
+              <a:ext uri="{FF2B5EF4-FFF2-40B4-BE49-F238E27FC236}">
+                <a16:creationId xmlns:a16="http://schemas.microsoft.com/office/drawing/2014/main" id="{BD919824-102B-39D3-0534-AB191473AAA5}"/>
+              </a:ext>
+            </a:extLst>
+          </p:cNvPr>
+          <p:cNvCxnSpPr>
+            <a:cxnSpLocks/>
+          </p:cNvCxnSpPr>
+          <p:nvPr/>
+        </p:nvCxnSpPr>
+        <p:spPr>
+          <a:xfrm flipH="1">
+            <a:off x="7903499" y="2031125"/>
+            <a:ext cx="124427" cy="437804"/>
+          </a:xfrm>
+          <a:prstGeom prst="straightConnector1">
+            <a:avLst/>
+          </a:prstGeom>
+          <a:ln>
+            <a:solidFill>
+              <a:srgbClr val="C00000"/>
+            </a:solidFill>
+            <a:tailEnd type="triangle"/>
+          </a:ln>
+        </p:spPr>
+        <p:style>
+          <a:lnRef idx="1">
+            <a:schemeClr val="accent1"/>
+          </a:lnRef>
+          <a:fillRef idx="0">
+            <a:schemeClr val="accent1"/>
+          </a:fillRef>
+          <a:effectRef idx="0">
+            <a:schemeClr val="accent1"/>
+          </a:effectRef>
+          <a:fontRef idx="minor">
+            <a:schemeClr val="tx1"/>
+          </a:fontRef>
+        </p:style>
+      </p:cxnSp>
+      <p:cxnSp>
+        <p:nvCxnSpPr>
+          <p:cNvPr id="58" name="Straight Arrow Connector 57">
+            <a:extLst>
+              <a:ext uri="{FF2B5EF4-FFF2-40B4-BE49-F238E27FC236}">
+                <a16:creationId xmlns:a16="http://schemas.microsoft.com/office/drawing/2014/main" id="{2270AA6E-C6AA-AC00-67BF-F3A6E51DA3BC}"/>
+              </a:ext>
+            </a:extLst>
+          </p:cNvPr>
+          <p:cNvCxnSpPr>
+            <a:cxnSpLocks/>
+          </p:cNvCxnSpPr>
+          <p:nvPr/>
+        </p:nvCxnSpPr>
+        <p:spPr>
+          <a:xfrm>
+            <a:off x="8218304" y="2007826"/>
+            <a:ext cx="130483" cy="437804"/>
+          </a:xfrm>
+          <a:prstGeom prst="straightConnector1">
+            <a:avLst/>
+          </a:prstGeom>
+          <a:ln>
+            <a:solidFill>
+              <a:srgbClr val="C00000"/>
+            </a:solidFill>
+            <a:tailEnd type="triangle"/>
+          </a:ln>
+        </p:spPr>
+        <p:style>
+          <a:lnRef idx="1">
+            <a:schemeClr val="accent1"/>
+          </a:lnRef>
+          <a:fillRef idx="0">
+            <a:schemeClr val="accent1"/>
+          </a:fillRef>
+          <a:effectRef idx="0">
+            <a:schemeClr val="accent1"/>
+          </a:effectRef>
+          <a:fontRef idx="minor">
+            <a:schemeClr val="tx1"/>
+          </a:fontRef>
+        </p:style>
+      </p:cxnSp>
+      <p:cxnSp>
+        <p:nvCxnSpPr>
+          <p:cNvPr id="59" name="Straight Arrow Connector 58">
+            <a:extLst>
+              <a:ext uri="{FF2B5EF4-FFF2-40B4-BE49-F238E27FC236}">
+                <a16:creationId xmlns:a16="http://schemas.microsoft.com/office/drawing/2014/main" id="{068787C1-F68E-BFC7-945D-ED26F26F2C34}"/>
+              </a:ext>
+            </a:extLst>
+          </p:cNvPr>
+          <p:cNvCxnSpPr>
+            <a:cxnSpLocks/>
+          </p:cNvCxnSpPr>
+          <p:nvPr/>
+        </p:nvCxnSpPr>
+        <p:spPr>
+          <a:xfrm flipH="1">
+            <a:off x="8771765" y="2047669"/>
+            <a:ext cx="125815" cy="397961"/>
+          </a:xfrm>
+          <a:prstGeom prst="straightConnector1">
+            <a:avLst/>
+          </a:prstGeom>
+          <a:ln>
+            <a:solidFill>
+              <a:srgbClr val="C00000"/>
+            </a:solidFill>
+            <a:tailEnd type="triangle"/>
+          </a:ln>
+        </p:spPr>
+        <p:style>
+          <a:lnRef idx="1">
+            <a:schemeClr val="accent1"/>
+          </a:lnRef>
+          <a:fillRef idx="0">
+            <a:schemeClr val="accent1"/>
+          </a:fillRef>
+          <a:effectRef idx="0">
+            <a:schemeClr val="accent1"/>
+          </a:effectRef>
+          <a:fontRef idx="minor">
+            <a:schemeClr val="tx1"/>
+          </a:fontRef>
+        </p:style>
+      </p:cxnSp>
+      <p:cxnSp>
+        <p:nvCxnSpPr>
+          <p:cNvPr id="60" name="Straight Arrow Connector 59">
+            <a:extLst>
+              <a:ext uri="{FF2B5EF4-FFF2-40B4-BE49-F238E27FC236}">
+                <a16:creationId xmlns:a16="http://schemas.microsoft.com/office/drawing/2014/main" id="{119285B7-2393-5343-8318-2B7985FCC0B3}"/>
+              </a:ext>
+            </a:extLst>
+          </p:cNvPr>
+          <p:cNvCxnSpPr>
+            <a:cxnSpLocks/>
+            <a:stCxn id="73" idx="5"/>
+          </p:cNvCxnSpPr>
+          <p:nvPr/>
+        </p:nvCxnSpPr>
+        <p:spPr>
+          <a:xfrm>
+            <a:off x="9087272" y="2041697"/>
+            <a:ext cx="177708" cy="403933"/>
+          </a:xfrm>
+          <a:prstGeom prst="straightConnector1">
+            <a:avLst/>
+          </a:prstGeom>
+          <a:ln>
+            <a:solidFill>
+              <a:srgbClr val="C00000"/>
+            </a:solidFill>
+            <a:tailEnd type="triangle"/>
+          </a:ln>
+        </p:spPr>
+        <p:style>
+          <a:lnRef idx="1">
+            <a:schemeClr val="accent1"/>
+          </a:lnRef>
+          <a:fillRef idx="0">
+            <a:schemeClr val="accent1"/>
+          </a:fillRef>
+          <a:effectRef idx="0">
+            <a:schemeClr val="accent1"/>
+          </a:effectRef>
+          <a:fontRef idx="minor">
+            <a:schemeClr val="tx1"/>
+          </a:fontRef>
+        </p:style>
+      </p:cxnSp>
+      <mc:AlternateContent xmlns:mc="http://schemas.openxmlformats.org/markup-compatibility/2006">
+        <mc:Choice xmlns:a14="http://schemas.microsoft.com/office/drawing/2010/main" Requires="a14">
+          <p:sp>
+            <p:nvSpPr>
+              <p:cNvPr id="61" name="TextBox 60">
+                <a:extLst>
+                  <a:ext uri="{FF2B5EF4-FFF2-40B4-BE49-F238E27FC236}">
+                    <a16:creationId xmlns:a16="http://schemas.microsoft.com/office/drawing/2014/main" id="{4BC88269-563A-E966-64D7-D3567582D8D1}"/>
+                  </a:ext>
+                </a:extLst>
+              </p:cNvPr>
+              <p:cNvSpPr txBox="1"/>
+              <p:nvPr/>
+            </p:nvSpPr>
+            <p:spPr>
+              <a:xfrm>
+                <a:off x="7929859" y="1236019"/>
+                <a:ext cx="397738" cy="246221"/>
+              </a:xfrm>
+              <a:prstGeom prst="rect">
+                <a:avLst/>
+              </a:prstGeom>
+              <a:noFill/>
+            </p:spPr>
+            <p:txBody>
+              <a:bodyPr wrap="none" rtlCol="0">
+                <a:spAutoFit/>
+              </a:bodyPr>
+              <a:lstStyle/>
+              <a:p>
+                <a14:m>
+                  <m:oMathPara xmlns:m="http://schemas.openxmlformats.org/officeDocument/2006/math">
+                    <m:oMathParaPr>
+                      <m:jc m:val="centerGroup"/>
+                    </m:oMathParaPr>
+                    <m:oMath xmlns:m="http://schemas.openxmlformats.org/officeDocument/2006/math">
+                      <m:r>
+                        <a:rPr lang="en-US" sz="1000" i="1" dirty="0" smtClean="0">
+                          <a:latin typeface="Cambria Math" panose="02040503050406030204" pitchFamily="18" charset="0"/>
+                        </a:rPr>
+                        <m:t>𝑠</m:t>
+                      </m:r>
+                      <m:r>
+                        <a:rPr lang="en-US" sz="1000" b="0" i="1" dirty="0" smtClean="0">
+                          <a:latin typeface="Cambria Math" panose="02040503050406030204" pitchFamily="18" charset="0"/>
+                        </a:rPr>
+                        <m:t>,</m:t>
+                      </m:r>
+                      <m:r>
+                        <a:rPr lang="en-US" sz="1000" b="0" i="1" dirty="0" smtClean="0">
+                          <a:latin typeface="Cambria Math" panose="02040503050406030204" pitchFamily="18" charset="0"/>
+                        </a:rPr>
+                        <m:t>𝑎</m:t>
+                      </m:r>
+                    </m:oMath>
+                  </m:oMathPara>
+                </a14:m>
+                <a:endParaRPr lang="en-US" sz="1000" dirty="0"/>
+              </a:p>
+            </p:txBody>
+          </p:sp>
+        </mc:Choice>
+        <mc:Fallback>
+          <p:sp>
+            <p:nvSpPr>
+              <p:cNvPr id="61" name="TextBox 60">
+                <a:extLst>
+                  <a:ext uri="{FF2B5EF4-FFF2-40B4-BE49-F238E27FC236}">
+                    <a16:creationId xmlns:a16="http://schemas.microsoft.com/office/drawing/2014/main" id="{4BC88269-563A-E966-64D7-D3567582D8D1}"/>
+                  </a:ext>
+                </a:extLst>
+              </p:cNvPr>
+              <p:cNvSpPr txBox="1">
+                <a:spLocks noRot="1" noChangeAspect="1" noMove="1" noResize="1" noEditPoints="1" noAdjustHandles="1" noChangeArrowheads="1" noChangeShapeType="1" noTextEdit="1"/>
+              </p:cNvSpPr>
+              <p:nvPr/>
+            </p:nvSpPr>
+            <p:spPr>
+              <a:xfrm>
+                <a:off x="7929859" y="1236019"/>
+                <a:ext cx="397738" cy="246221"/>
+              </a:xfrm>
+              <a:prstGeom prst="rect">
+                <a:avLst/>
+              </a:prstGeom>
+              <a:blipFill>
+                <a:blip r:embed="rId7"/>
+                <a:stretch>
+                  <a:fillRect/>
+                </a:stretch>
+              </a:blipFill>
+            </p:spPr>
+            <p:txBody>
+              <a:bodyPr/>
+              <a:lstStyle/>
+              <a:p>
+                <a:r>
+                  <a:rPr lang="en-US">
+                    <a:noFill/>
+                  </a:rPr>
+                  <a:t> </a:t>
+                </a:r>
+              </a:p>
+            </p:txBody>
+          </p:sp>
+        </mc:Fallback>
+      </mc:AlternateContent>
+      <mc:AlternateContent xmlns:mc="http://schemas.openxmlformats.org/markup-compatibility/2006">
+        <mc:Choice xmlns:a14="http://schemas.microsoft.com/office/drawing/2010/main" Requires="a14">
+          <p:sp>
+            <p:nvSpPr>
+              <p:cNvPr id="62" name="TextBox 61">
+                <a:extLst>
+                  <a:ext uri="{FF2B5EF4-FFF2-40B4-BE49-F238E27FC236}">
+                    <a16:creationId xmlns:a16="http://schemas.microsoft.com/office/drawing/2014/main" id="{1AD34A3A-51AE-8FBC-2627-BD713B72FC84}"/>
+                  </a:ext>
+                </a:extLst>
+              </p:cNvPr>
+              <p:cNvSpPr txBox="1"/>
+              <p:nvPr/>
+            </p:nvSpPr>
+            <p:spPr>
+              <a:xfrm>
+                <a:off x="9102992" y="2059569"/>
+                <a:ext cx="291618" cy="246221"/>
+              </a:xfrm>
+              <a:prstGeom prst="rect">
+                <a:avLst/>
+              </a:prstGeom>
+              <a:noFill/>
+            </p:spPr>
+            <p:txBody>
+              <a:bodyPr wrap="none" rtlCol="0">
+                <a:spAutoFit/>
+              </a:bodyPr>
+              <a:lstStyle/>
+              <a:p>
+                <a14:m>
+                  <m:oMathPara xmlns:m="http://schemas.openxmlformats.org/officeDocument/2006/math">
+                    <m:oMathParaPr>
+                      <m:jc m:val="centerGroup"/>
+                    </m:oMathParaPr>
+                    <m:oMath xmlns:m="http://schemas.openxmlformats.org/officeDocument/2006/math">
+                      <m:r>
+                        <a:rPr lang="en-US" sz="1000" i="1" smtClean="0">
+                          <a:latin typeface="Cambria Math" panose="02040503050406030204" pitchFamily="18" charset="0"/>
+                          <a:ea typeface="Cambria Math" panose="02040503050406030204" pitchFamily="18" charset="0"/>
+                        </a:rPr>
+                        <m:t>𝜋</m:t>
+                      </m:r>
+                    </m:oMath>
+                  </m:oMathPara>
+                </a14:m>
+                <a:endParaRPr lang="en-US" sz="1000" dirty="0"/>
+              </a:p>
+            </p:txBody>
+          </p:sp>
+        </mc:Choice>
+        <mc:Fallback>
+          <p:sp>
+            <p:nvSpPr>
+              <p:cNvPr id="62" name="TextBox 61">
+                <a:extLst>
+                  <a:ext uri="{FF2B5EF4-FFF2-40B4-BE49-F238E27FC236}">
+                    <a16:creationId xmlns:a16="http://schemas.microsoft.com/office/drawing/2014/main" id="{1AD34A3A-51AE-8FBC-2627-BD713B72FC84}"/>
+                  </a:ext>
+                </a:extLst>
+              </p:cNvPr>
+              <p:cNvSpPr txBox="1">
+                <a:spLocks noRot="1" noChangeAspect="1" noMove="1" noResize="1" noEditPoints="1" noAdjustHandles="1" noChangeArrowheads="1" noChangeShapeType="1" noTextEdit="1"/>
+              </p:cNvSpPr>
+              <p:nvPr/>
+            </p:nvSpPr>
+            <p:spPr>
+              <a:xfrm>
+                <a:off x="9102992" y="2059569"/>
+                <a:ext cx="291618" cy="246221"/>
+              </a:xfrm>
+              <a:prstGeom prst="rect">
+                <a:avLst/>
+              </a:prstGeom>
+              <a:blipFill>
+                <a:blip r:embed="rId3"/>
+                <a:stretch>
+                  <a:fillRect/>
+                </a:stretch>
+              </a:blipFill>
+            </p:spPr>
+            <p:txBody>
+              <a:bodyPr/>
+              <a:lstStyle/>
+              <a:p>
+                <a:r>
+                  <a:rPr lang="en-US">
+                    <a:noFill/>
+                  </a:rPr>
+                  <a:t> </a:t>
+                </a:r>
+              </a:p>
+            </p:txBody>
+          </p:sp>
+        </mc:Fallback>
+      </mc:AlternateContent>
+      <mc:AlternateContent xmlns:mc="http://schemas.openxmlformats.org/markup-compatibility/2006">
+        <mc:Choice xmlns:a14="http://schemas.microsoft.com/office/drawing/2010/main" Requires="a14">
+          <p:sp>
+            <p:nvSpPr>
+              <p:cNvPr id="63" name="TextBox 62">
+                <a:extLst>
+                  <a:ext uri="{FF2B5EF4-FFF2-40B4-BE49-F238E27FC236}">
+                    <a16:creationId xmlns:a16="http://schemas.microsoft.com/office/drawing/2014/main" id="{25311E17-8FCC-7120-84E7-BBBB183C7D2F}"/>
+                  </a:ext>
+                </a:extLst>
+              </p:cNvPr>
+              <p:cNvSpPr txBox="1"/>
+              <p:nvPr/>
+            </p:nvSpPr>
+            <p:spPr>
+              <a:xfrm>
+                <a:off x="8798719" y="1799739"/>
+                <a:ext cx="417229" cy="246221"/>
+              </a:xfrm>
+              <a:prstGeom prst="rect">
+                <a:avLst/>
+              </a:prstGeom>
+              <a:noFill/>
+            </p:spPr>
+            <p:txBody>
+              <a:bodyPr wrap="none" rtlCol="0">
+                <a:spAutoFit/>
+              </a:bodyPr>
+              <a:lstStyle/>
+              <a:p>
+                <a14:m>
+                  <m:oMathPara xmlns:m="http://schemas.openxmlformats.org/officeDocument/2006/math">
+                    <m:oMathParaPr>
+                      <m:jc m:val="centerGroup"/>
+                    </m:oMathParaPr>
+                    <m:oMath xmlns:m="http://schemas.openxmlformats.org/officeDocument/2006/math">
+                      <m:r>
+                        <a:rPr lang="en-US" sz="1000" b="0" i="1" smtClean="0">
+                          <a:latin typeface="Cambria Math" panose="02040503050406030204" pitchFamily="18" charset="0"/>
+                        </a:rPr>
+                        <m:t>𝑟</m:t>
+                      </m:r>
+                      <m:r>
+                        <a:rPr lang="en-US" sz="1000" b="0" i="1" smtClean="0">
+                          <a:latin typeface="Cambria Math" panose="02040503050406030204" pitchFamily="18" charset="0"/>
+                        </a:rPr>
+                        <m:t>,</m:t>
+                      </m:r>
+                      <m:r>
+                        <a:rPr lang="en-US" sz="1000" b="0" i="1" smtClean="0">
+                          <a:latin typeface="Cambria Math" panose="02040503050406030204" pitchFamily="18" charset="0"/>
+                        </a:rPr>
+                        <m:t>𝑠</m:t>
+                      </m:r>
+                      <m:r>
+                        <a:rPr lang="en-US" sz="1000" b="0" i="1" smtClean="0">
+                          <a:latin typeface="Cambria Math" panose="02040503050406030204" pitchFamily="18" charset="0"/>
+                        </a:rPr>
+                        <m:t>′</m:t>
+                      </m:r>
+                    </m:oMath>
+                  </m:oMathPara>
+                </a14:m>
+                <a:endParaRPr lang="en-US" sz="1000" dirty="0"/>
+              </a:p>
+            </p:txBody>
+          </p:sp>
+        </mc:Choice>
+        <mc:Fallback>
+          <p:sp>
+            <p:nvSpPr>
+              <p:cNvPr id="63" name="TextBox 62">
+                <a:extLst>
+                  <a:ext uri="{FF2B5EF4-FFF2-40B4-BE49-F238E27FC236}">
+                    <a16:creationId xmlns:a16="http://schemas.microsoft.com/office/drawing/2014/main" id="{25311E17-8FCC-7120-84E7-BBBB183C7D2F}"/>
+                  </a:ext>
+                </a:extLst>
+              </p:cNvPr>
+              <p:cNvSpPr txBox="1">
+                <a:spLocks noRot="1" noChangeAspect="1" noMove="1" noResize="1" noEditPoints="1" noAdjustHandles="1" noChangeArrowheads="1" noChangeShapeType="1" noTextEdit="1"/>
+              </p:cNvSpPr>
+              <p:nvPr/>
+            </p:nvSpPr>
+            <p:spPr>
+              <a:xfrm>
+                <a:off x="8798719" y="1799739"/>
+                <a:ext cx="417229" cy="246221"/>
+              </a:xfrm>
+              <a:prstGeom prst="rect">
+                <a:avLst/>
+              </a:prstGeom>
+              <a:blipFill>
+                <a:blip r:embed="rId8"/>
+                <a:stretch>
+                  <a:fillRect/>
+                </a:stretch>
+              </a:blipFill>
+            </p:spPr>
+            <p:txBody>
+              <a:bodyPr/>
+              <a:lstStyle/>
+              <a:p>
+                <a:r>
+                  <a:rPr lang="en-US">
+                    <a:noFill/>
+                  </a:rPr>
+                  <a:t> </a:t>
+                </a:r>
+              </a:p>
+            </p:txBody>
+          </p:sp>
+        </mc:Fallback>
+      </mc:AlternateContent>
+      <mc:AlternateContent xmlns:mc="http://schemas.openxmlformats.org/markup-compatibility/2006">
+        <mc:Choice xmlns:a14="http://schemas.microsoft.com/office/drawing/2010/main" Requires="a14">
+          <p:sp>
+            <p:nvSpPr>
+              <p:cNvPr id="64" name="TextBox 63">
+                <a:extLst>
+                  <a:ext uri="{FF2B5EF4-FFF2-40B4-BE49-F238E27FC236}">
+                    <a16:creationId xmlns:a16="http://schemas.microsoft.com/office/drawing/2014/main" id="{6ADDE837-AF3D-3AE5-B1A9-8E21D894AD81}"/>
+                  </a:ext>
+                </a:extLst>
+              </p:cNvPr>
+              <p:cNvSpPr txBox="1"/>
+              <p:nvPr/>
+            </p:nvSpPr>
+            <p:spPr>
+              <a:xfrm>
+                <a:off x="9084054" y="2454628"/>
+                <a:ext cx="440185" cy="246221"/>
+              </a:xfrm>
+              <a:prstGeom prst="rect">
+                <a:avLst/>
+              </a:prstGeom>
+              <a:noFill/>
+            </p:spPr>
+            <p:txBody>
+              <a:bodyPr wrap="none" rtlCol="0">
+                <a:spAutoFit/>
+              </a:bodyPr>
+              <a:lstStyle/>
+              <a:p>
+                <a14:m>
+                  <m:oMathPara xmlns:m="http://schemas.openxmlformats.org/officeDocument/2006/math">
+                    <m:oMathParaPr>
+                      <m:jc m:val="centerGroup"/>
+                    </m:oMathParaPr>
+                    <m:oMath xmlns:m="http://schemas.openxmlformats.org/officeDocument/2006/math">
+                      <m:sSup>
+                        <m:sSupPr>
+                          <m:ctrlPr>
+                            <a:rPr lang="en-US" sz="1000" i="1" dirty="0" smtClean="0">
+                              <a:latin typeface="Cambria Math" panose="02040503050406030204" pitchFamily="18" charset="0"/>
+                            </a:rPr>
+                          </m:ctrlPr>
+                        </m:sSupPr>
+                        <m:e>
+                          <m:r>
+                            <a:rPr lang="en-US" sz="1000" b="0" i="1" dirty="0" smtClean="0">
+                              <a:latin typeface="Cambria Math" panose="02040503050406030204" pitchFamily="18" charset="0"/>
+                            </a:rPr>
+                            <m:t>𝑠</m:t>
+                          </m:r>
+                        </m:e>
+                        <m:sup>
+                          <m:r>
+                            <a:rPr lang="en-US" sz="1000" b="0" i="1" dirty="0" smtClean="0">
+                              <a:latin typeface="Cambria Math" panose="02040503050406030204" pitchFamily="18" charset="0"/>
+                            </a:rPr>
+                            <m:t>′</m:t>
+                          </m:r>
+                        </m:sup>
+                      </m:sSup>
+                      <m:r>
+                        <a:rPr lang="en-US" sz="1000" b="0" i="1" dirty="0" smtClean="0">
+                          <a:latin typeface="Cambria Math" panose="02040503050406030204" pitchFamily="18" charset="0"/>
+                        </a:rPr>
+                        <m:t>,</m:t>
+                      </m:r>
+                      <m:r>
+                        <a:rPr lang="en-US" sz="1000" b="0" i="1" dirty="0" smtClean="0">
+                          <a:latin typeface="Cambria Math" panose="02040503050406030204" pitchFamily="18" charset="0"/>
+                        </a:rPr>
+                        <m:t>𝑎</m:t>
+                      </m:r>
+                    </m:oMath>
+                  </m:oMathPara>
+                </a14:m>
+                <a:endParaRPr lang="en-US" sz="1000" dirty="0"/>
+              </a:p>
+            </p:txBody>
+          </p:sp>
+        </mc:Choice>
+        <mc:Fallback>
+          <p:sp>
+            <p:nvSpPr>
+              <p:cNvPr id="64" name="TextBox 63">
+                <a:extLst>
+                  <a:ext uri="{FF2B5EF4-FFF2-40B4-BE49-F238E27FC236}">
+                    <a16:creationId xmlns:a16="http://schemas.microsoft.com/office/drawing/2014/main" id="{6ADDE837-AF3D-3AE5-B1A9-8E21D894AD81}"/>
+                  </a:ext>
+                </a:extLst>
+              </p:cNvPr>
+              <p:cNvSpPr txBox="1">
+                <a:spLocks noRot="1" noChangeAspect="1" noMove="1" noResize="1" noEditPoints="1" noAdjustHandles="1" noChangeArrowheads="1" noChangeShapeType="1" noTextEdit="1"/>
+              </p:cNvSpPr>
+              <p:nvPr/>
+            </p:nvSpPr>
+            <p:spPr>
+              <a:xfrm>
+                <a:off x="9084054" y="2454628"/>
+                <a:ext cx="440185" cy="246221"/>
+              </a:xfrm>
+              <a:prstGeom prst="rect">
+                <a:avLst/>
+              </a:prstGeom>
+              <a:blipFill>
+                <a:blip r:embed="rId9"/>
+                <a:stretch>
+                  <a:fillRect/>
+                </a:stretch>
+              </a:blipFill>
+            </p:spPr>
+            <p:txBody>
+              <a:bodyPr/>
+              <a:lstStyle/>
+              <a:p>
+                <a:r>
+                  <a:rPr lang="en-US">
+                    <a:noFill/>
+                  </a:rPr>
+                  <a:t> </a:t>
+                </a:r>
+              </a:p>
+            </p:txBody>
+          </p:sp>
+        </mc:Fallback>
+      </mc:AlternateContent>
+      <mc:AlternateContent xmlns:mc="http://schemas.openxmlformats.org/markup-compatibility/2006">
+        <mc:Choice xmlns:a14="http://schemas.microsoft.com/office/drawing/2010/main" Requires="a14">
+          <p:sp>
+            <p:nvSpPr>
+              <p:cNvPr id="65" name="TextBox 64">
+                <a:extLst>
+                  <a:ext uri="{FF2B5EF4-FFF2-40B4-BE49-F238E27FC236}">
+                    <a16:creationId xmlns:a16="http://schemas.microsoft.com/office/drawing/2014/main" id="{910CD53A-5A7D-07D1-E870-DF73F9886066}"/>
+                  </a:ext>
+                </a:extLst>
+              </p:cNvPr>
+              <p:cNvSpPr txBox="1"/>
+              <p:nvPr/>
+            </p:nvSpPr>
+            <p:spPr>
+              <a:xfrm>
+                <a:off x="8440562" y="1410767"/>
+                <a:ext cx="287195" cy="246221"/>
+              </a:xfrm>
+              <a:prstGeom prst="rect">
+                <a:avLst/>
+              </a:prstGeom>
+              <a:noFill/>
+            </p:spPr>
+            <p:txBody>
+              <a:bodyPr wrap="none" rtlCol="0">
+                <a:spAutoFit/>
+              </a:bodyPr>
+              <a:lstStyle/>
+              <a:p>
+                <a14:m>
+                  <m:oMathPara xmlns:m="http://schemas.openxmlformats.org/officeDocument/2006/math">
+                    <m:oMathParaPr>
+                      <m:jc m:val="centerGroup"/>
+                    </m:oMathParaPr>
+                    <m:oMath xmlns:m="http://schemas.openxmlformats.org/officeDocument/2006/math">
+                      <m:r>
+                        <a:rPr lang="en-US" sz="1000" b="0" i="1" smtClean="0">
+                          <a:latin typeface="Cambria Math" panose="02040503050406030204" pitchFamily="18" charset="0"/>
+                        </a:rPr>
+                        <m:t>𝑝</m:t>
+                      </m:r>
+                    </m:oMath>
+                  </m:oMathPara>
+                </a14:m>
+                <a:endParaRPr lang="en-US" sz="1000" dirty="0"/>
+              </a:p>
+            </p:txBody>
+          </p:sp>
+        </mc:Choice>
+        <mc:Fallback>
+          <p:sp>
+            <p:nvSpPr>
+              <p:cNvPr id="65" name="TextBox 64">
+                <a:extLst>
+                  <a:ext uri="{FF2B5EF4-FFF2-40B4-BE49-F238E27FC236}">
+                    <a16:creationId xmlns:a16="http://schemas.microsoft.com/office/drawing/2014/main" id="{910CD53A-5A7D-07D1-E870-DF73F9886066}"/>
+                  </a:ext>
+                </a:extLst>
+              </p:cNvPr>
+              <p:cNvSpPr txBox="1">
+                <a:spLocks noRot="1" noChangeAspect="1" noMove="1" noResize="1" noEditPoints="1" noAdjustHandles="1" noChangeArrowheads="1" noChangeShapeType="1" noTextEdit="1"/>
+              </p:cNvSpPr>
+              <p:nvPr/>
+            </p:nvSpPr>
+            <p:spPr>
+              <a:xfrm>
+                <a:off x="8440562" y="1410767"/>
+                <a:ext cx="287195" cy="246221"/>
+              </a:xfrm>
+              <a:prstGeom prst="rect">
+                <a:avLst/>
+              </a:prstGeom>
+              <a:blipFill>
+                <a:blip r:embed="rId10"/>
+                <a:stretch>
+                  <a:fillRect/>
+                </a:stretch>
+              </a:blipFill>
+            </p:spPr>
+            <p:txBody>
+              <a:bodyPr/>
+              <a:lstStyle/>
+              <a:p>
+                <a:r>
+                  <a:rPr lang="en-US">
+                    <a:noFill/>
+                  </a:rPr>
+                  <a:t> </a:t>
+                </a:r>
+              </a:p>
+            </p:txBody>
+          </p:sp>
+        </mc:Fallback>
+      </mc:AlternateContent>
+      <p:sp>
+        <p:nvSpPr>
+          <p:cNvPr id="69" name="Oval 68">
+            <a:extLst>
+              <a:ext uri="{FF2B5EF4-FFF2-40B4-BE49-F238E27FC236}">
+                <a16:creationId xmlns:a16="http://schemas.microsoft.com/office/drawing/2014/main" id="{1D668176-771D-577C-D9D1-C49CB20A3698}"/>
+              </a:ext>
+            </a:extLst>
+          </p:cNvPr>
+          <p:cNvSpPr/>
+          <p:nvPr/>
+        </p:nvSpPr>
+        <p:spPr>
+          <a:xfrm>
+            <a:off x="7353960" y="2445630"/>
+            <a:ext cx="287195" cy="287464"/>
+          </a:xfrm>
+          <a:prstGeom prst="ellipse">
+            <a:avLst/>
+          </a:prstGeom>
+          <a:noFill/>
+          <a:ln>
+            <a:solidFill>
+              <a:srgbClr val="C00000"/>
+            </a:solidFill>
+          </a:ln>
+        </p:spPr>
+        <p:style>
+          <a:lnRef idx="2">
+            <a:schemeClr val="accent1">
+              <a:shade val="15000"/>
+            </a:schemeClr>
+          </a:lnRef>
+          <a:fillRef idx="1">
+            <a:schemeClr val="accent1"/>
+          </a:fillRef>
+          <a:effectRef idx="0">
+            <a:schemeClr val="accent1"/>
+          </a:effectRef>
+          <a:fontRef idx="minor">
+            <a:schemeClr val="lt1"/>
+          </a:fontRef>
+        </p:style>
+        <p:txBody>
+          <a:bodyPr rtlCol="0" anchor="ctr"/>
+          <a:lstStyle/>
+          <a:p>
+            <a:pPr algn="ctr"/>
+            <a:endParaRPr lang="en-US"/>
+          </a:p>
+        </p:txBody>
+      </p:sp>
+      <p:sp>
+        <p:nvSpPr>
+          <p:cNvPr id="70" name="Oval 69">
+            <a:extLst>
+              <a:ext uri="{FF2B5EF4-FFF2-40B4-BE49-F238E27FC236}">
+                <a16:creationId xmlns:a16="http://schemas.microsoft.com/office/drawing/2014/main" id="{3BF778AF-317B-EF2D-8D6C-FAD438C6F02D}"/>
+              </a:ext>
+            </a:extLst>
+          </p:cNvPr>
+          <p:cNvSpPr/>
+          <p:nvPr/>
+        </p:nvSpPr>
+        <p:spPr>
+          <a:xfrm>
+            <a:off x="6853208" y="2447889"/>
+            <a:ext cx="287195" cy="287464"/>
+          </a:xfrm>
+          <a:prstGeom prst="ellipse">
+            <a:avLst/>
+          </a:prstGeom>
+          <a:noFill/>
+          <a:ln>
+            <a:solidFill>
+              <a:srgbClr val="C00000"/>
+            </a:solidFill>
+          </a:ln>
+        </p:spPr>
+        <p:style>
+          <a:lnRef idx="2">
+            <a:schemeClr val="accent1">
+              <a:shade val="15000"/>
+            </a:schemeClr>
+          </a:lnRef>
+          <a:fillRef idx="1">
+            <a:schemeClr val="accent1"/>
+          </a:fillRef>
+          <a:effectRef idx="0">
+            <a:schemeClr val="accent1"/>
+          </a:effectRef>
+          <a:fontRef idx="minor">
+            <a:schemeClr val="lt1"/>
+          </a:fontRef>
+        </p:style>
+        <p:txBody>
+          <a:bodyPr rtlCol="0" anchor="ctr"/>
+          <a:lstStyle/>
+          <a:p>
+            <a:pPr algn="ctr"/>
+            <a:endParaRPr lang="en-US"/>
+          </a:p>
+        </p:txBody>
+      </p:sp>
+      <p:sp>
+        <p:nvSpPr>
+          <p:cNvPr id="72" name="Oval 71">
+            <a:extLst>
+              <a:ext uri="{FF2B5EF4-FFF2-40B4-BE49-F238E27FC236}">
+                <a16:creationId xmlns:a16="http://schemas.microsoft.com/office/drawing/2014/main" id="{7CAA5C97-6A81-6DD3-24E0-3CD73F3D0A5C}"/>
+              </a:ext>
+            </a:extLst>
+          </p:cNvPr>
+          <p:cNvSpPr/>
+          <p:nvPr/>
+        </p:nvSpPr>
+        <p:spPr>
+          <a:xfrm>
+            <a:off x="7985130" y="1226430"/>
+            <a:ext cx="287195" cy="279569"/>
+          </a:xfrm>
+          <a:prstGeom prst="ellipse">
+            <a:avLst/>
+          </a:prstGeom>
+          <a:solidFill>
+            <a:schemeClr val="accent1">
+              <a:alpha val="69963"/>
+            </a:schemeClr>
+          </a:solidFill>
+        </p:spPr>
+        <p:style>
+          <a:lnRef idx="2">
+            <a:schemeClr val="accent1">
+              <a:shade val="15000"/>
+            </a:schemeClr>
+          </a:lnRef>
+          <a:fillRef idx="1">
+            <a:schemeClr val="accent1"/>
+          </a:fillRef>
+          <a:effectRef idx="0">
+            <a:schemeClr val="accent1"/>
+          </a:effectRef>
+          <a:fontRef idx="minor">
+            <a:schemeClr val="lt1"/>
+          </a:fontRef>
+        </p:style>
+        <p:txBody>
+          <a:bodyPr rtlCol="0" anchor="ctr"/>
+          <a:lstStyle/>
+          <a:p>
+            <a:pPr algn="ctr"/>
+            <a:endParaRPr lang="en-US"/>
+          </a:p>
+        </p:txBody>
+      </p:sp>
+      <p:sp>
+        <p:nvSpPr>
+          <p:cNvPr id="73" name="Oval 72">
+            <a:extLst>
+              <a:ext uri="{FF2B5EF4-FFF2-40B4-BE49-F238E27FC236}">
+                <a16:creationId xmlns:a16="http://schemas.microsoft.com/office/drawing/2014/main" id="{321BDAD4-A7A7-F740-F043-B7C3677F514B}"/>
+              </a:ext>
+            </a:extLst>
+          </p:cNvPr>
+          <p:cNvSpPr/>
+          <p:nvPr/>
+        </p:nvSpPr>
+        <p:spPr>
+          <a:xfrm>
+            <a:off x="8842136" y="1796331"/>
+            <a:ext cx="287195" cy="287464"/>
+          </a:xfrm>
+          <a:prstGeom prst="ellipse">
+            <a:avLst/>
+          </a:prstGeom>
+          <a:noFill/>
+          <a:ln>
+            <a:solidFill>
+              <a:srgbClr val="C00000"/>
+            </a:solidFill>
+          </a:ln>
+        </p:spPr>
+        <p:style>
+          <a:lnRef idx="2">
+            <a:schemeClr val="accent1">
+              <a:shade val="15000"/>
+            </a:schemeClr>
+          </a:lnRef>
+          <a:fillRef idx="1">
+            <a:schemeClr val="accent1"/>
+          </a:fillRef>
+          <a:effectRef idx="0">
+            <a:schemeClr val="accent1"/>
+          </a:effectRef>
+          <a:fontRef idx="minor">
+            <a:schemeClr val="lt1"/>
+          </a:fontRef>
+        </p:style>
+        <p:txBody>
+          <a:bodyPr rtlCol="0" anchor="ctr"/>
+          <a:lstStyle/>
+          <a:p>
+            <a:pPr algn="ctr"/>
+            <a:endParaRPr lang="en-US"/>
+          </a:p>
+        </p:txBody>
+      </p:sp>
+      <p:sp>
+        <p:nvSpPr>
+          <p:cNvPr id="75" name="Oval 74">
+            <a:extLst>
+              <a:ext uri="{FF2B5EF4-FFF2-40B4-BE49-F238E27FC236}">
+                <a16:creationId xmlns:a16="http://schemas.microsoft.com/office/drawing/2014/main" id="{65DE8C26-B77A-B4B2-E92E-6C9612BE167C}"/>
+              </a:ext>
+            </a:extLst>
+          </p:cNvPr>
+          <p:cNvSpPr/>
+          <p:nvPr/>
+        </p:nvSpPr>
+        <p:spPr>
+          <a:xfrm>
+            <a:off x="8605116" y="2445630"/>
+            <a:ext cx="287195" cy="279569"/>
+          </a:xfrm>
+          <a:prstGeom prst="ellipse">
+            <a:avLst/>
+          </a:prstGeom>
+          <a:solidFill>
+            <a:schemeClr val="accent1">
+              <a:alpha val="69963"/>
+            </a:schemeClr>
+          </a:solidFill>
+        </p:spPr>
+        <p:style>
+          <a:lnRef idx="2">
+            <a:schemeClr val="accent1">
+              <a:shade val="15000"/>
+            </a:schemeClr>
+          </a:lnRef>
+          <a:fillRef idx="1">
+            <a:schemeClr val="accent1"/>
+          </a:fillRef>
+          <a:effectRef idx="0">
+            <a:schemeClr val="accent1"/>
+          </a:effectRef>
+          <a:fontRef idx="minor">
+            <a:schemeClr val="lt1"/>
+          </a:fontRef>
+        </p:style>
+        <p:txBody>
+          <a:bodyPr rtlCol="0" anchor="ctr"/>
+          <a:lstStyle/>
+          <a:p>
+            <a:pPr algn="ctr"/>
+            <a:endParaRPr lang="en-US"/>
+          </a:p>
+        </p:txBody>
+      </p:sp>
+      <p:sp>
+        <p:nvSpPr>
+          <p:cNvPr id="77" name="Oval 76">
+            <a:extLst>
+              <a:ext uri="{FF2B5EF4-FFF2-40B4-BE49-F238E27FC236}">
+                <a16:creationId xmlns:a16="http://schemas.microsoft.com/office/drawing/2014/main" id="{95247656-ACF8-19CC-BF48-76EA22FA3C04}"/>
+              </a:ext>
+            </a:extLst>
+          </p:cNvPr>
+          <p:cNvSpPr/>
+          <p:nvPr/>
+        </p:nvSpPr>
+        <p:spPr>
+          <a:xfrm>
+            <a:off x="9148639" y="2449577"/>
+            <a:ext cx="287195" cy="279569"/>
+          </a:xfrm>
+          <a:prstGeom prst="ellipse">
+            <a:avLst/>
+          </a:prstGeom>
+          <a:solidFill>
+            <a:schemeClr val="accent1">
+              <a:alpha val="69963"/>
+            </a:schemeClr>
+          </a:solidFill>
+        </p:spPr>
+        <p:style>
+          <a:lnRef idx="2">
+            <a:schemeClr val="accent1">
+              <a:shade val="15000"/>
+            </a:schemeClr>
+          </a:lnRef>
+          <a:fillRef idx="1">
+            <a:schemeClr val="accent1"/>
+          </a:fillRef>
+          <a:effectRef idx="0">
+            <a:schemeClr val="accent1"/>
+          </a:effectRef>
+          <a:fontRef idx="minor">
+            <a:schemeClr val="lt1"/>
+          </a:fontRef>
+        </p:style>
+        <p:txBody>
+          <a:bodyPr rtlCol="0" anchor="ctr"/>
+          <a:lstStyle/>
+          <a:p>
+            <a:pPr algn="ctr"/>
+            <a:endParaRPr lang="en-US"/>
+          </a:p>
+        </p:txBody>
+      </p:sp>
+      <p:sp>
+        <p:nvSpPr>
+          <p:cNvPr id="79" name="Oval 78">
+            <a:extLst>
+              <a:ext uri="{FF2B5EF4-FFF2-40B4-BE49-F238E27FC236}">
+                <a16:creationId xmlns:a16="http://schemas.microsoft.com/office/drawing/2014/main" id="{967EC0C5-957D-DA32-4182-844FBC3A1C53}"/>
+              </a:ext>
+            </a:extLst>
+          </p:cNvPr>
+          <p:cNvSpPr/>
+          <p:nvPr/>
+        </p:nvSpPr>
+        <p:spPr>
+          <a:xfrm>
+            <a:off x="9188532" y="1126824"/>
+            <a:ext cx="287195" cy="287464"/>
+          </a:xfrm>
+          <a:prstGeom prst="ellipse">
+            <a:avLst/>
+          </a:prstGeom>
+          <a:noFill/>
+          <a:ln>
+            <a:solidFill>
+              <a:srgbClr val="C00000"/>
+            </a:solidFill>
+          </a:ln>
+        </p:spPr>
+        <p:style>
+          <a:lnRef idx="2">
+            <a:schemeClr val="accent1">
+              <a:shade val="15000"/>
+            </a:schemeClr>
+          </a:lnRef>
+          <a:fillRef idx="1">
+            <a:schemeClr val="accent1"/>
+          </a:fillRef>
+          <a:effectRef idx="0">
+            <a:schemeClr val="accent1"/>
+          </a:effectRef>
+          <a:fontRef idx="minor">
+            <a:schemeClr val="lt1"/>
+          </a:fontRef>
+        </p:style>
+        <p:txBody>
+          <a:bodyPr rtlCol="0" anchor="ctr"/>
+          <a:lstStyle/>
+          <a:p>
+            <a:pPr algn="ctr"/>
+            <a:endParaRPr lang="en-US"/>
+          </a:p>
+        </p:txBody>
+      </p:sp>
+      <p:sp>
+        <p:nvSpPr>
+          <p:cNvPr id="80" name="Oval 79">
+            <a:extLst>
+              <a:ext uri="{FF2B5EF4-FFF2-40B4-BE49-F238E27FC236}">
+                <a16:creationId xmlns:a16="http://schemas.microsoft.com/office/drawing/2014/main" id="{AF7F3325-2FCA-DC07-F645-9566AC53616C}"/>
+              </a:ext>
+            </a:extLst>
+          </p:cNvPr>
+          <p:cNvSpPr/>
+          <p:nvPr/>
+        </p:nvSpPr>
+        <p:spPr>
+          <a:xfrm>
+            <a:off x="7973031" y="1782706"/>
+            <a:ext cx="287195" cy="287464"/>
+          </a:xfrm>
+          <a:prstGeom prst="ellipse">
+            <a:avLst/>
+          </a:prstGeom>
+          <a:noFill/>
+          <a:ln>
+            <a:solidFill>
+              <a:srgbClr val="C00000"/>
+            </a:solidFill>
+          </a:ln>
+        </p:spPr>
+        <p:style>
+          <a:lnRef idx="2">
+            <a:schemeClr val="accent1">
+              <a:shade val="15000"/>
+            </a:schemeClr>
+          </a:lnRef>
+          <a:fillRef idx="1">
+            <a:schemeClr val="accent1"/>
+          </a:fillRef>
+          <a:effectRef idx="0">
+            <a:schemeClr val="accent1"/>
+          </a:effectRef>
+          <a:fontRef idx="minor">
+            <a:schemeClr val="lt1"/>
+          </a:fontRef>
+        </p:style>
+        <p:txBody>
+          <a:bodyPr rtlCol="0" anchor="ctr"/>
+          <a:lstStyle/>
+          <a:p>
+            <a:pPr algn="ctr"/>
+            <a:endParaRPr lang="en-US"/>
+          </a:p>
+        </p:txBody>
+      </p:sp>
+      <p:sp>
+        <p:nvSpPr>
+          <p:cNvPr id="81" name="Oval 80">
+            <a:extLst>
+              <a:ext uri="{FF2B5EF4-FFF2-40B4-BE49-F238E27FC236}">
+                <a16:creationId xmlns:a16="http://schemas.microsoft.com/office/drawing/2014/main" id="{062B1CAB-1829-FCF3-9EEE-D084C1BDC5E6}"/>
+              </a:ext>
+            </a:extLst>
+          </p:cNvPr>
+          <p:cNvSpPr/>
+          <p:nvPr/>
+        </p:nvSpPr>
+        <p:spPr>
+          <a:xfrm>
+            <a:off x="8208968" y="2453023"/>
+            <a:ext cx="287195" cy="279569"/>
+          </a:xfrm>
+          <a:prstGeom prst="ellipse">
+            <a:avLst/>
+          </a:prstGeom>
+          <a:solidFill>
+            <a:schemeClr val="accent1">
+              <a:alpha val="69963"/>
+            </a:schemeClr>
+          </a:solidFill>
+        </p:spPr>
+        <p:style>
+          <a:lnRef idx="2">
+            <a:schemeClr val="accent1">
+              <a:shade val="15000"/>
+            </a:schemeClr>
+          </a:lnRef>
+          <a:fillRef idx="1">
+            <a:schemeClr val="accent1"/>
+          </a:fillRef>
+          <a:effectRef idx="0">
+            <a:schemeClr val="accent1"/>
+          </a:effectRef>
+          <a:fontRef idx="minor">
+            <a:schemeClr val="lt1"/>
+          </a:fontRef>
+        </p:style>
+        <p:txBody>
+          <a:bodyPr rtlCol="0" anchor="ctr"/>
+          <a:lstStyle/>
+          <a:p>
+            <a:pPr algn="ctr"/>
+            <a:endParaRPr lang="en-US"/>
+          </a:p>
+        </p:txBody>
+      </p:sp>
+      <p:sp>
+        <p:nvSpPr>
+          <p:cNvPr id="83" name="Oval 82">
+            <a:extLst>
+              <a:ext uri="{FF2B5EF4-FFF2-40B4-BE49-F238E27FC236}">
+                <a16:creationId xmlns:a16="http://schemas.microsoft.com/office/drawing/2014/main" id="{F038926A-A9E3-5A1D-4A88-1819CC1BD00C}"/>
+              </a:ext>
+            </a:extLst>
+          </p:cNvPr>
+          <p:cNvSpPr/>
+          <p:nvPr/>
+        </p:nvSpPr>
+        <p:spPr>
+          <a:xfrm>
+            <a:off x="7161096" y="1789533"/>
+            <a:ext cx="287195" cy="287464"/>
+          </a:xfrm>
+          <a:prstGeom prst="ellipse">
+            <a:avLst/>
+          </a:prstGeom>
+          <a:noFill/>
+          <a:ln>
+            <a:solidFill>
+              <a:srgbClr val="C00000"/>
+            </a:solidFill>
+          </a:ln>
+        </p:spPr>
+        <p:style>
+          <a:lnRef idx="2">
+            <a:schemeClr val="accent1">
+              <a:shade val="15000"/>
+            </a:schemeClr>
+          </a:lnRef>
+          <a:fillRef idx="1">
+            <a:schemeClr val="accent1"/>
+          </a:fillRef>
+          <a:effectRef idx="0">
+            <a:schemeClr val="accent1"/>
+          </a:effectRef>
+          <a:fontRef idx="minor">
+            <a:schemeClr val="lt1"/>
+          </a:fontRef>
+        </p:style>
+        <p:txBody>
+          <a:bodyPr rtlCol="0" anchor="ctr"/>
+          <a:lstStyle/>
+          <a:p>
+            <a:pPr algn="ctr"/>
+            <a:endParaRPr lang="en-US"/>
+          </a:p>
+        </p:txBody>
+      </p:sp>
     </p:spTree>
     <p:extLst>
       <p:ext uri="{BB962C8B-B14F-4D97-AF65-F5344CB8AC3E}">

--- a/docs/RL_Sutton_and_Barto_Figures.pptx
+++ b/docs/RL_Sutton_and_Barto_Figures.pptx
@@ -106,6 +106,11 @@
       </a:defRPr>
     </a:lvl9pPr>
   </p:defaultTextStyle>
+  <p:extLst>
+    <p:ext uri="{EFAFB233-063F-42B5-8137-9DF3F51BA10A}">
+      <p15:sldGuideLst xmlns:p15="http://schemas.microsoft.com/office/powerpoint/2012/main"/>
+    </p:ext>
+  </p:extLst>
 </p:presentation>
 </file>
 
@@ -256,7 +261,7 @@
           <a:p>
             <a:fld id="{00EB4FB6-004D-5A4A-BC52-C2F18F80D6B6}" type="datetimeFigureOut">
               <a:rPr lang="en-US" smtClean="0"/>
-              <a:t>11/24/23</a:t>
+              <a:t>12/12/23</a:t>
             </a:fld>
             <a:endParaRPr lang="en-US"/>
           </a:p>
@@ -454,7 +459,7 @@
           <a:p>
             <a:fld id="{00EB4FB6-004D-5A4A-BC52-C2F18F80D6B6}" type="datetimeFigureOut">
               <a:rPr lang="en-US" smtClean="0"/>
-              <a:t>11/24/23</a:t>
+              <a:t>12/12/23</a:t>
             </a:fld>
             <a:endParaRPr lang="en-US"/>
           </a:p>
@@ -662,7 +667,7 @@
           <a:p>
             <a:fld id="{00EB4FB6-004D-5A4A-BC52-C2F18F80D6B6}" type="datetimeFigureOut">
               <a:rPr lang="en-US" smtClean="0"/>
-              <a:t>11/24/23</a:t>
+              <a:t>12/12/23</a:t>
             </a:fld>
             <a:endParaRPr lang="en-US"/>
           </a:p>
@@ -860,7 +865,7 @@
           <a:p>
             <a:fld id="{00EB4FB6-004D-5A4A-BC52-C2F18F80D6B6}" type="datetimeFigureOut">
               <a:rPr lang="en-US" smtClean="0"/>
-              <a:t>11/24/23</a:t>
+              <a:t>12/12/23</a:t>
             </a:fld>
             <a:endParaRPr lang="en-US"/>
           </a:p>
@@ -1135,7 +1140,7 @@
           <a:p>
             <a:fld id="{00EB4FB6-004D-5A4A-BC52-C2F18F80D6B6}" type="datetimeFigureOut">
               <a:rPr lang="en-US" smtClean="0"/>
-              <a:t>11/24/23</a:t>
+              <a:t>12/12/23</a:t>
             </a:fld>
             <a:endParaRPr lang="en-US"/>
           </a:p>
@@ -1400,7 +1405,7 @@
           <a:p>
             <a:fld id="{00EB4FB6-004D-5A4A-BC52-C2F18F80D6B6}" type="datetimeFigureOut">
               <a:rPr lang="en-US" smtClean="0"/>
-              <a:t>11/24/23</a:t>
+              <a:t>12/12/23</a:t>
             </a:fld>
             <a:endParaRPr lang="en-US"/>
           </a:p>
@@ -1812,7 +1817,7 @@
           <a:p>
             <a:fld id="{00EB4FB6-004D-5A4A-BC52-C2F18F80D6B6}" type="datetimeFigureOut">
               <a:rPr lang="en-US" smtClean="0"/>
-              <a:t>11/24/23</a:t>
+              <a:t>12/12/23</a:t>
             </a:fld>
             <a:endParaRPr lang="en-US"/>
           </a:p>
@@ -1953,7 +1958,7 @@
           <a:p>
             <a:fld id="{00EB4FB6-004D-5A4A-BC52-C2F18F80D6B6}" type="datetimeFigureOut">
               <a:rPr lang="en-US" smtClean="0"/>
-              <a:t>11/24/23</a:t>
+              <a:t>12/12/23</a:t>
             </a:fld>
             <a:endParaRPr lang="en-US"/>
           </a:p>
@@ -2066,7 +2071,7 @@
           <a:p>
             <a:fld id="{00EB4FB6-004D-5A4A-BC52-C2F18F80D6B6}" type="datetimeFigureOut">
               <a:rPr lang="en-US" smtClean="0"/>
-              <a:t>11/24/23</a:t>
+              <a:t>12/12/23</a:t>
             </a:fld>
             <a:endParaRPr lang="en-US"/>
           </a:p>
@@ -2377,7 +2382,7 @@
           <a:p>
             <a:fld id="{00EB4FB6-004D-5A4A-BC52-C2F18F80D6B6}" type="datetimeFigureOut">
               <a:rPr lang="en-US" smtClean="0"/>
-              <a:t>11/24/23</a:t>
+              <a:t>12/12/23</a:t>
             </a:fld>
             <a:endParaRPr lang="en-US"/>
           </a:p>
@@ -2665,7 +2670,7 @@
           <a:p>
             <a:fld id="{00EB4FB6-004D-5A4A-BC52-C2F18F80D6B6}" type="datetimeFigureOut">
               <a:rPr lang="en-US" smtClean="0"/>
-              <a:t>11/24/23</a:t>
+              <a:t>12/12/23</a:t>
             </a:fld>
             <a:endParaRPr lang="en-US"/>
           </a:p>
@@ -2906,7 +2911,7 @@
           <a:p>
             <a:fld id="{00EB4FB6-004D-5A4A-BC52-C2F18F80D6B6}" type="datetimeFigureOut">
               <a:rPr lang="en-US" smtClean="0"/>
-              <a:t>11/24/23</a:t>
+              <a:t>12/12/23</a:t>
             </a:fld>
             <a:endParaRPr lang="en-US"/>
           </a:p>
@@ -4629,8 +4634,8 @@
           </a:graphicData>
         </a:graphic>
       </p:graphicFrame>
-      <mc:AlternateContent xmlns:mc="http://schemas.openxmlformats.org/markup-compatibility/2006">
-        <mc:Choice xmlns:a14="http://schemas.microsoft.com/office/drawing/2010/main" Requires="a14">
+      <mc:AlternateContent xmlns:mc="http://schemas.openxmlformats.org/markup-compatibility/2006" xmlns:a14="http://schemas.microsoft.com/office/drawing/2010/main">
+        <mc:Choice Requires="a14">
           <p:graphicFrame>
             <p:nvGraphicFramePr>
               <p:cNvPr id="12" name="Table 4">
@@ -4775,6 +4780,7 @@
                         <a:bodyPr/>
                         <a:lstStyle/>
                         <a:p>
+                          <a:pPr/>
                           <a14:m>
                             <m:oMathPara xmlns:m="http://schemas.openxmlformats.org/officeDocument/2006/math">
                               <m:oMathParaPr>
@@ -4845,6 +4851,7 @@
                         <a:bodyPr/>
                         <a:lstStyle/>
                         <a:p>
+                          <a:pPr/>
                           <a14:m>
                             <m:oMathPara xmlns:m="http://schemas.openxmlformats.org/officeDocument/2006/math">
                               <m:oMathParaPr>
@@ -4915,6 +4922,7 @@
                         <a:bodyPr/>
                         <a:lstStyle/>
                         <a:p>
+                          <a:pPr/>
                           <a14:m>
                             <m:oMathPara xmlns:m="http://schemas.openxmlformats.org/officeDocument/2006/math">
                               <m:oMathParaPr>
@@ -4985,6 +4993,7 @@
                         <a:bodyPr/>
                         <a:lstStyle/>
                         <a:p>
+                          <a:pPr/>
                           <a14:m>
                             <m:oMathPara xmlns:m="http://schemas.openxmlformats.org/officeDocument/2006/math">
                               <m:oMathParaPr>
@@ -6129,7 +6138,7 @@
             </a:graphic>
           </p:graphicFrame>
         </mc:Choice>
-        <mc:Fallback>
+        <mc:Fallback xmlns="">
           <p:graphicFrame>
             <p:nvGraphicFramePr>
               <p:cNvPr id="12" name="Table 4">
@@ -7563,8 +7572,8 @@
             <a:chExt cx="1327228" cy="1871821"/>
           </a:xfrm>
         </p:grpSpPr>
-        <mc:AlternateContent xmlns:mc="http://schemas.openxmlformats.org/markup-compatibility/2006">
-          <mc:Choice xmlns:a14="http://schemas.microsoft.com/office/drawing/2010/main" Requires="a14">
+        <mc:AlternateContent xmlns:mc="http://schemas.openxmlformats.org/markup-compatibility/2006" xmlns:a14="http://schemas.microsoft.com/office/drawing/2010/main">
+          <mc:Choice Requires="a14">
             <p:sp>
               <p:nvSpPr>
                 <p:cNvPr id="5" name="TextBox 4">
@@ -7593,6 +7602,7 @@
                 </a:bodyPr>
                 <a:lstStyle/>
                 <a:p>
+                  <a:pPr/>
                   <a14:m>
                     <m:oMathPara xmlns:m="http://schemas.openxmlformats.org/officeDocument/2006/math">
                       <m:oMathParaPr>
@@ -7613,7 +7623,7 @@
               </p:txBody>
             </p:sp>
           </mc:Choice>
-          <mc:Fallback>
+          <mc:Fallback xmlns="">
             <p:sp>
               <p:nvSpPr>
                 <p:cNvPr id="5" name="TextBox 4">
@@ -7658,8 +7668,8 @@
             </p:sp>
           </mc:Fallback>
         </mc:AlternateContent>
-        <mc:AlternateContent xmlns:mc="http://schemas.openxmlformats.org/markup-compatibility/2006">
-          <mc:Choice xmlns:a14="http://schemas.microsoft.com/office/drawing/2010/main" Requires="a14">
+        <mc:AlternateContent xmlns:mc="http://schemas.openxmlformats.org/markup-compatibility/2006" xmlns:a14="http://schemas.microsoft.com/office/drawing/2010/main">
+          <mc:Choice Requires="a14">
             <p:sp>
               <p:nvSpPr>
                 <p:cNvPr id="6" name="TextBox 5">
@@ -7688,6 +7698,7 @@
                 </a:bodyPr>
                 <a:lstStyle/>
                 <a:p>
+                  <a:pPr/>
                   <a14:m>
                     <m:oMathPara xmlns:m="http://schemas.openxmlformats.org/officeDocument/2006/math">
                       <m:oMathParaPr>
@@ -7727,7 +7738,7 @@
               </p:txBody>
             </p:sp>
           </mc:Choice>
-          <mc:Fallback>
+          <mc:Fallback xmlns="">
             <p:sp>
               <p:nvSpPr>
                 <p:cNvPr id="6" name="TextBox 5">
@@ -7868,8 +7879,8 @@
             </a:p>
           </p:txBody>
         </p:sp>
-        <mc:AlternateContent xmlns:mc="http://schemas.openxmlformats.org/markup-compatibility/2006">
-          <mc:Choice xmlns:a14="http://schemas.microsoft.com/office/drawing/2010/main" Requires="a14">
+        <mc:AlternateContent xmlns:mc="http://schemas.openxmlformats.org/markup-compatibility/2006" xmlns:a14="http://schemas.microsoft.com/office/drawing/2010/main">
+          <mc:Choice Requires="a14">
             <p:sp>
               <p:nvSpPr>
                 <p:cNvPr id="13" name="TextBox 12">
@@ -7898,6 +7909,7 @@
                 </a:bodyPr>
                 <a:lstStyle/>
                 <a:p>
+                  <a:pPr/>
                   <a14:m>
                     <m:oMathPara xmlns:m="http://schemas.openxmlformats.org/officeDocument/2006/math">
                       <m:oMathParaPr>
@@ -7918,7 +7930,7 @@
               </p:txBody>
             </p:sp>
           </mc:Choice>
-          <mc:Fallback>
+          <mc:Fallback xmlns="">
             <p:sp>
               <p:nvSpPr>
                 <p:cNvPr id="13" name="TextBox 12">
@@ -7963,8 +7975,8 @@
             </p:sp>
           </mc:Fallback>
         </mc:AlternateContent>
-        <mc:AlternateContent xmlns:mc="http://schemas.openxmlformats.org/markup-compatibility/2006">
-          <mc:Choice xmlns:a14="http://schemas.microsoft.com/office/drawing/2010/main" Requires="a14">
+        <mc:AlternateContent xmlns:mc="http://schemas.openxmlformats.org/markup-compatibility/2006" xmlns:a14="http://schemas.microsoft.com/office/drawing/2010/main">
+          <mc:Choice Requires="a14">
             <p:sp>
               <p:nvSpPr>
                 <p:cNvPr id="14" name="TextBox 13">
@@ -7993,6 +8005,7 @@
                 </a:bodyPr>
                 <a:lstStyle/>
                 <a:p>
+                  <a:pPr/>
                   <a14:m>
                     <m:oMathPara xmlns:m="http://schemas.openxmlformats.org/officeDocument/2006/math">
                       <m:oMathParaPr>
@@ -8032,7 +8045,7 @@
               </p:txBody>
             </p:sp>
           </mc:Choice>
-          <mc:Fallback>
+          <mc:Fallback xmlns="">
             <p:sp>
               <p:nvSpPr>
                 <p:cNvPr id="14" name="TextBox 13">
@@ -8165,8 +8178,8 @@
             </a:p>
           </p:txBody>
         </p:sp>
-        <mc:AlternateContent xmlns:mc="http://schemas.openxmlformats.org/markup-compatibility/2006">
-          <mc:Choice xmlns:a14="http://schemas.microsoft.com/office/drawing/2010/main" Requires="a14">
+        <mc:AlternateContent xmlns:mc="http://schemas.openxmlformats.org/markup-compatibility/2006" xmlns:a14="http://schemas.microsoft.com/office/drawing/2010/main">
+          <mc:Choice Requires="a14">
             <p:sp>
               <p:nvSpPr>
                 <p:cNvPr id="16" name="TextBox 15">
@@ -8195,6 +8208,7 @@
                 </a:bodyPr>
                 <a:lstStyle/>
                 <a:p>
+                  <a:pPr/>
                   <a14:m>
                     <m:oMathPara xmlns:m="http://schemas.openxmlformats.org/officeDocument/2006/math">
                       <m:oMathParaPr>
@@ -8215,7 +8229,7 @@
               </p:txBody>
             </p:sp>
           </mc:Choice>
-          <mc:Fallback>
+          <mc:Fallback xmlns="">
             <p:sp>
               <p:nvSpPr>
                 <p:cNvPr id="16" name="TextBox 15">
@@ -8261,8 +8275,8 @@
           </mc:Fallback>
         </mc:AlternateContent>
       </p:grpSp>
-      <mc:AlternateContent xmlns:mc="http://schemas.openxmlformats.org/markup-compatibility/2006">
-        <mc:Choice xmlns:a14="http://schemas.microsoft.com/office/drawing/2010/main" Requires="a14">
+      <mc:AlternateContent xmlns:mc="http://schemas.openxmlformats.org/markup-compatibility/2006" xmlns:a14="http://schemas.microsoft.com/office/drawing/2010/main">
+        <mc:Choice Requires="a14">
           <p:sp>
             <p:nvSpPr>
               <p:cNvPr id="17" name="TextBox 16">
@@ -8291,6 +8305,7 @@
               </a:bodyPr>
               <a:lstStyle/>
               <a:p>
+                <a:pPr/>
                 <a14:m>
                   <m:oMathPara xmlns:m="http://schemas.openxmlformats.org/officeDocument/2006/math">
                     <m:oMathParaPr>
@@ -8311,7 +8326,7 @@
             </p:txBody>
           </p:sp>
         </mc:Choice>
-        <mc:Fallback>
+        <mc:Fallback xmlns="">
           <p:sp>
             <p:nvSpPr>
               <p:cNvPr id="17" name="TextBox 16">
@@ -9042,8 +9057,8 @@
           </a:fontRef>
         </p:style>
       </p:cxnSp>
-      <mc:AlternateContent xmlns:mc="http://schemas.openxmlformats.org/markup-compatibility/2006">
-        <mc:Choice xmlns:a14="http://schemas.microsoft.com/office/drawing/2010/main" Requires="a14">
+      <mc:AlternateContent xmlns:mc="http://schemas.openxmlformats.org/markup-compatibility/2006" xmlns:a14="http://schemas.microsoft.com/office/drawing/2010/main">
+        <mc:Choice Requires="a14">
           <p:sp>
             <p:nvSpPr>
               <p:cNvPr id="32" name="TextBox 31">
@@ -9072,6 +9087,7 @@
               </a:bodyPr>
               <a:lstStyle/>
               <a:p>
+                <a:pPr/>
                 <a14:m>
                   <m:oMathPara xmlns:m="http://schemas.openxmlformats.org/officeDocument/2006/math">
                     <m:oMathParaPr>
@@ -9092,7 +9108,7 @@
             </p:txBody>
           </p:sp>
         </mc:Choice>
-        <mc:Fallback>
+        <mc:Fallback xmlns="">
           <p:sp>
             <p:nvSpPr>
               <p:cNvPr id="32" name="TextBox 31">
@@ -9137,8 +9153,8 @@
           </p:sp>
         </mc:Fallback>
       </mc:AlternateContent>
-      <mc:AlternateContent xmlns:mc="http://schemas.openxmlformats.org/markup-compatibility/2006">
-        <mc:Choice xmlns:a14="http://schemas.microsoft.com/office/drawing/2010/main" Requires="a14">
+      <mc:AlternateContent xmlns:mc="http://schemas.openxmlformats.org/markup-compatibility/2006" xmlns:a14="http://schemas.microsoft.com/office/drawing/2010/main">
+        <mc:Choice Requires="a14">
           <p:sp>
             <p:nvSpPr>
               <p:cNvPr id="33" name="TextBox 32">
@@ -9167,6 +9183,7 @@
               </a:bodyPr>
               <a:lstStyle/>
               <a:p>
+                <a:pPr/>
                 <a14:m>
                   <m:oMathPara xmlns:m="http://schemas.openxmlformats.org/officeDocument/2006/math">
                     <m:oMathParaPr>
@@ -9188,7 +9205,7 @@
             </p:txBody>
           </p:sp>
         </mc:Choice>
-        <mc:Fallback>
+        <mc:Fallback xmlns="">
           <p:sp>
             <p:nvSpPr>
               <p:cNvPr id="33" name="TextBox 32">
@@ -9233,8 +9250,8 @@
           </p:sp>
         </mc:Fallback>
       </mc:AlternateContent>
-      <mc:AlternateContent xmlns:mc="http://schemas.openxmlformats.org/markup-compatibility/2006">
-        <mc:Choice xmlns:a14="http://schemas.microsoft.com/office/drawing/2010/main" Requires="a14">
+      <mc:AlternateContent xmlns:mc="http://schemas.openxmlformats.org/markup-compatibility/2006" xmlns:a14="http://schemas.microsoft.com/office/drawing/2010/main">
+        <mc:Choice Requires="a14">
           <p:sp>
             <p:nvSpPr>
               <p:cNvPr id="34" name="TextBox 33">
@@ -9263,6 +9280,7 @@
               </a:bodyPr>
               <a:lstStyle/>
               <a:p>
+                <a:pPr/>
                 <a14:m>
                   <m:oMathPara xmlns:m="http://schemas.openxmlformats.org/officeDocument/2006/math">
                     <m:oMathParaPr>
@@ -9283,7 +9301,7 @@
             </p:txBody>
           </p:sp>
         </mc:Choice>
-        <mc:Fallback>
+        <mc:Fallback xmlns="">
           <p:sp>
             <p:nvSpPr>
               <p:cNvPr id="34" name="TextBox 33">
@@ -9328,8 +9346,8 @@
           </p:sp>
         </mc:Fallback>
       </mc:AlternateContent>
-      <mc:AlternateContent xmlns:mc="http://schemas.openxmlformats.org/markup-compatibility/2006">
-        <mc:Choice xmlns:a14="http://schemas.microsoft.com/office/drawing/2010/main" Requires="a14">
+      <mc:AlternateContent xmlns:mc="http://schemas.openxmlformats.org/markup-compatibility/2006" xmlns:a14="http://schemas.microsoft.com/office/drawing/2010/main">
+        <mc:Choice Requires="a14">
           <p:sp>
             <p:nvSpPr>
               <p:cNvPr id="35" name="TextBox 34">
@@ -9358,6 +9376,7 @@
               </a:bodyPr>
               <a:lstStyle/>
               <a:p>
+                <a:pPr/>
                 <a14:m>
                   <m:oMathPara xmlns:m="http://schemas.openxmlformats.org/officeDocument/2006/math">
                     <m:oMathParaPr>
@@ -9409,7 +9428,7 @@
             </p:txBody>
           </p:sp>
         </mc:Choice>
-        <mc:Fallback>
+        <mc:Fallback xmlns="">
           <p:sp>
             <p:nvSpPr>
               <p:cNvPr id="35" name="TextBox 34">
@@ -9454,8 +9473,8 @@
           </p:sp>
         </mc:Fallback>
       </mc:AlternateContent>
-      <mc:AlternateContent xmlns:mc="http://schemas.openxmlformats.org/markup-compatibility/2006">
-        <mc:Choice xmlns:a14="http://schemas.microsoft.com/office/drawing/2010/main" Requires="a14">
+      <mc:AlternateContent xmlns:mc="http://schemas.openxmlformats.org/markup-compatibility/2006" xmlns:a14="http://schemas.microsoft.com/office/drawing/2010/main">
+        <mc:Choice Requires="a14">
           <p:sp>
             <p:nvSpPr>
               <p:cNvPr id="36" name="TextBox 35">
@@ -9484,6 +9503,7 @@
               </a:bodyPr>
               <a:lstStyle/>
               <a:p>
+                <a:pPr/>
                 <a14:m>
                   <m:oMathPara xmlns:m="http://schemas.openxmlformats.org/officeDocument/2006/math">
                     <m:oMathParaPr>
@@ -9504,7 +9524,7 @@
             </p:txBody>
           </p:sp>
         </mc:Choice>
-        <mc:Fallback>
+        <mc:Fallback xmlns="">
           <p:sp>
             <p:nvSpPr>
               <p:cNvPr id="36" name="TextBox 35">
@@ -9809,1035 +9829,6 @@
           </a:p>
         </p:txBody>
       </p:sp>
-      <p:cxnSp>
-        <p:nvCxnSpPr>
-          <p:cNvPr id="52" name="Straight Arrow Connector 51">
-            <a:extLst>
-              <a:ext uri="{FF2B5EF4-FFF2-40B4-BE49-F238E27FC236}">
-                <a16:creationId xmlns:a16="http://schemas.microsoft.com/office/drawing/2014/main" id="{6222277B-6045-D3E7-0A2E-6257FA22A9E3}"/>
-              </a:ext>
-            </a:extLst>
-          </p:cNvPr>
-          <p:cNvCxnSpPr>
-            <a:cxnSpLocks/>
-          </p:cNvCxnSpPr>
-          <p:nvPr/>
-        </p:nvCxnSpPr>
-        <p:spPr>
-          <a:xfrm flipH="1">
-            <a:off x="7396757" y="1467865"/>
-            <a:ext cx="637423" cy="355837"/>
-          </a:xfrm>
-          <a:prstGeom prst="straightConnector1">
-            <a:avLst/>
-          </a:prstGeom>
-          <a:ln>
-            <a:tailEnd type="triangle"/>
-          </a:ln>
-        </p:spPr>
-        <p:style>
-          <a:lnRef idx="1">
-            <a:schemeClr val="accent1"/>
-          </a:lnRef>
-          <a:fillRef idx="0">
-            <a:schemeClr val="accent1"/>
-          </a:fillRef>
-          <a:effectRef idx="0">
-            <a:schemeClr val="accent1"/>
-          </a:effectRef>
-          <a:fontRef idx="minor">
-            <a:schemeClr val="tx1"/>
-          </a:fontRef>
-        </p:style>
-      </p:cxnSp>
-      <p:cxnSp>
-        <p:nvCxnSpPr>
-          <p:cNvPr id="53" name="Straight Arrow Connector 52">
-            <a:extLst>
-              <a:ext uri="{FF2B5EF4-FFF2-40B4-BE49-F238E27FC236}">
-                <a16:creationId xmlns:a16="http://schemas.microsoft.com/office/drawing/2014/main" id="{07639913-E5E7-B365-D4A6-D6D377205B42}"/>
-              </a:ext>
-            </a:extLst>
-          </p:cNvPr>
-          <p:cNvCxnSpPr>
-            <a:cxnSpLocks/>
-          </p:cNvCxnSpPr>
-          <p:nvPr/>
-        </p:nvCxnSpPr>
-        <p:spPr>
-          <a:xfrm>
-            <a:off x="8126242" y="1505999"/>
-            <a:ext cx="0" cy="279569"/>
-          </a:xfrm>
-          <a:prstGeom prst="straightConnector1">
-            <a:avLst/>
-          </a:prstGeom>
-          <a:ln>
-            <a:tailEnd type="triangle"/>
-          </a:ln>
-        </p:spPr>
-        <p:style>
-          <a:lnRef idx="1">
-            <a:schemeClr val="accent1"/>
-          </a:lnRef>
-          <a:fillRef idx="0">
-            <a:schemeClr val="accent1"/>
-          </a:fillRef>
-          <a:effectRef idx="0">
-            <a:schemeClr val="accent1"/>
-          </a:effectRef>
-          <a:fontRef idx="minor">
-            <a:schemeClr val="tx1"/>
-          </a:fontRef>
-        </p:style>
-      </p:cxnSp>
-      <p:cxnSp>
-        <p:nvCxnSpPr>
-          <p:cNvPr id="54" name="Straight Arrow Connector 53">
-            <a:extLst>
-              <a:ext uri="{FF2B5EF4-FFF2-40B4-BE49-F238E27FC236}">
-                <a16:creationId xmlns:a16="http://schemas.microsoft.com/office/drawing/2014/main" id="{5E0651DD-431F-9F65-FD91-9DD0D3732587}"/>
-              </a:ext>
-            </a:extLst>
-          </p:cNvPr>
-          <p:cNvCxnSpPr>
-            <a:cxnSpLocks/>
-          </p:cNvCxnSpPr>
-          <p:nvPr/>
-        </p:nvCxnSpPr>
-        <p:spPr>
-          <a:xfrm>
-            <a:off x="8218304" y="1467865"/>
-            <a:ext cx="680821" cy="357435"/>
-          </a:xfrm>
-          <a:prstGeom prst="straightConnector1">
-            <a:avLst/>
-          </a:prstGeom>
-          <a:ln>
-            <a:tailEnd type="triangle"/>
-          </a:ln>
-        </p:spPr>
-        <p:style>
-          <a:lnRef idx="1">
-            <a:schemeClr val="accent1"/>
-          </a:lnRef>
-          <a:fillRef idx="0">
-            <a:schemeClr val="accent1"/>
-          </a:fillRef>
-          <a:effectRef idx="0">
-            <a:schemeClr val="accent1"/>
-          </a:effectRef>
-          <a:fontRef idx="minor">
-            <a:schemeClr val="tx1"/>
-          </a:fontRef>
-        </p:style>
-      </p:cxnSp>
-      <p:cxnSp>
-        <p:nvCxnSpPr>
-          <p:cNvPr id="55" name="Straight Arrow Connector 54">
-            <a:extLst>
-              <a:ext uri="{FF2B5EF4-FFF2-40B4-BE49-F238E27FC236}">
-                <a16:creationId xmlns:a16="http://schemas.microsoft.com/office/drawing/2014/main" id="{98273CFB-60FD-1514-68C0-1EAE3D197638}"/>
-              </a:ext>
-            </a:extLst>
-          </p:cNvPr>
-          <p:cNvCxnSpPr>
-            <a:cxnSpLocks/>
-          </p:cNvCxnSpPr>
-          <p:nvPr/>
-        </p:nvCxnSpPr>
-        <p:spPr>
-          <a:xfrm flipH="1">
-            <a:off x="7025127" y="2007826"/>
-            <a:ext cx="187506" cy="437804"/>
-          </a:xfrm>
-          <a:prstGeom prst="straightConnector1">
-            <a:avLst/>
-          </a:prstGeom>
-          <a:ln>
-            <a:solidFill>
-              <a:srgbClr val="C00000"/>
-            </a:solidFill>
-            <a:tailEnd type="triangle"/>
-          </a:ln>
-        </p:spPr>
-        <p:style>
-          <a:lnRef idx="1">
-            <a:schemeClr val="accent1"/>
-          </a:lnRef>
-          <a:fillRef idx="0">
-            <a:schemeClr val="accent1"/>
-          </a:fillRef>
-          <a:effectRef idx="0">
-            <a:schemeClr val="accent1"/>
-          </a:effectRef>
-          <a:fontRef idx="minor">
-            <a:schemeClr val="tx1"/>
-          </a:fontRef>
-        </p:style>
-      </p:cxnSp>
-      <p:cxnSp>
-        <p:nvCxnSpPr>
-          <p:cNvPr id="56" name="Straight Arrow Connector 55">
-            <a:extLst>
-              <a:ext uri="{FF2B5EF4-FFF2-40B4-BE49-F238E27FC236}">
-                <a16:creationId xmlns:a16="http://schemas.microsoft.com/office/drawing/2014/main" id="{746BE9DA-88F2-BC33-9FA1-AB0F116590F2}"/>
-              </a:ext>
-            </a:extLst>
-          </p:cNvPr>
-          <p:cNvCxnSpPr>
-            <a:cxnSpLocks/>
-          </p:cNvCxnSpPr>
-          <p:nvPr/>
-        </p:nvCxnSpPr>
-        <p:spPr>
-          <a:xfrm>
-            <a:off x="7396757" y="2007826"/>
-            <a:ext cx="103232" cy="437804"/>
-          </a:xfrm>
-          <a:prstGeom prst="straightConnector1">
-            <a:avLst/>
-          </a:prstGeom>
-          <a:ln>
-            <a:solidFill>
-              <a:srgbClr val="C00000"/>
-            </a:solidFill>
-            <a:tailEnd type="triangle"/>
-          </a:ln>
-        </p:spPr>
-        <p:style>
-          <a:lnRef idx="1">
-            <a:schemeClr val="accent1"/>
-          </a:lnRef>
-          <a:fillRef idx="0">
-            <a:schemeClr val="accent1"/>
-          </a:fillRef>
-          <a:effectRef idx="0">
-            <a:schemeClr val="accent1"/>
-          </a:effectRef>
-          <a:fontRef idx="minor">
-            <a:schemeClr val="tx1"/>
-          </a:fontRef>
-        </p:style>
-      </p:cxnSp>
-      <p:cxnSp>
-        <p:nvCxnSpPr>
-          <p:cNvPr id="57" name="Straight Arrow Connector 56">
-            <a:extLst>
-              <a:ext uri="{FF2B5EF4-FFF2-40B4-BE49-F238E27FC236}">
-                <a16:creationId xmlns:a16="http://schemas.microsoft.com/office/drawing/2014/main" id="{BD919824-102B-39D3-0534-AB191473AAA5}"/>
-              </a:ext>
-            </a:extLst>
-          </p:cNvPr>
-          <p:cNvCxnSpPr>
-            <a:cxnSpLocks/>
-          </p:cNvCxnSpPr>
-          <p:nvPr/>
-        </p:nvCxnSpPr>
-        <p:spPr>
-          <a:xfrm flipH="1">
-            <a:off x="7903499" y="2031125"/>
-            <a:ext cx="124427" cy="437804"/>
-          </a:xfrm>
-          <a:prstGeom prst="straightConnector1">
-            <a:avLst/>
-          </a:prstGeom>
-          <a:ln>
-            <a:solidFill>
-              <a:srgbClr val="C00000"/>
-            </a:solidFill>
-            <a:tailEnd type="triangle"/>
-          </a:ln>
-        </p:spPr>
-        <p:style>
-          <a:lnRef idx="1">
-            <a:schemeClr val="accent1"/>
-          </a:lnRef>
-          <a:fillRef idx="0">
-            <a:schemeClr val="accent1"/>
-          </a:fillRef>
-          <a:effectRef idx="0">
-            <a:schemeClr val="accent1"/>
-          </a:effectRef>
-          <a:fontRef idx="minor">
-            <a:schemeClr val="tx1"/>
-          </a:fontRef>
-        </p:style>
-      </p:cxnSp>
-      <p:cxnSp>
-        <p:nvCxnSpPr>
-          <p:cNvPr id="58" name="Straight Arrow Connector 57">
-            <a:extLst>
-              <a:ext uri="{FF2B5EF4-FFF2-40B4-BE49-F238E27FC236}">
-                <a16:creationId xmlns:a16="http://schemas.microsoft.com/office/drawing/2014/main" id="{2270AA6E-C6AA-AC00-67BF-F3A6E51DA3BC}"/>
-              </a:ext>
-            </a:extLst>
-          </p:cNvPr>
-          <p:cNvCxnSpPr>
-            <a:cxnSpLocks/>
-          </p:cNvCxnSpPr>
-          <p:nvPr/>
-        </p:nvCxnSpPr>
-        <p:spPr>
-          <a:xfrm>
-            <a:off x="8218304" y="2007826"/>
-            <a:ext cx="130483" cy="437804"/>
-          </a:xfrm>
-          <a:prstGeom prst="straightConnector1">
-            <a:avLst/>
-          </a:prstGeom>
-          <a:ln>
-            <a:solidFill>
-              <a:srgbClr val="C00000"/>
-            </a:solidFill>
-            <a:tailEnd type="triangle"/>
-          </a:ln>
-        </p:spPr>
-        <p:style>
-          <a:lnRef idx="1">
-            <a:schemeClr val="accent1"/>
-          </a:lnRef>
-          <a:fillRef idx="0">
-            <a:schemeClr val="accent1"/>
-          </a:fillRef>
-          <a:effectRef idx="0">
-            <a:schemeClr val="accent1"/>
-          </a:effectRef>
-          <a:fontRef idx="minor">
-            <a:schemeClr val="tx1"/>
-          </a:fontRef>
-        </p:style>
-      </p:cxnSp>
-      <p:cxnSp>
-        <p:nvCxnSpPr>
-          <p:cNvPr id="59" name="Straight Arrow Connector 58">
-            <a:extLst>
-              <a:ext uri="{FF2B5EF4-FFF2-40B4-BE49-F238E27FC236}">
-                <a16:creationId xmlns:a16="http://schemas.microsoft.com/office/drawing/2014/main" id="{068787C1-F68E-BFC7-945D-ED26F26F2C34}"/>
-              </a:ext>
-            </a:extLst>
-          </p:cNvPr>
-          <p:cNvCxnSpPr>
-            <a:cxnSpLocks/>
-          </p:cNvCxnSpPr>
-          <p:nvPr/>
-        </p:nvCxnSpPr>
-        <p:spPr>
-          <a:xfrm flipH="1">
-            <a:off x="8771765" y="2047669"/>
-            <a:ext cx="125815" cy="397961"/>
-          </a:xfrm>
-          <a:prstGeom prst="straightConnector1">
-            <a:avLst/>
-          </a:prstGeom>
-          <a:ln>
-            <a:solidFill>
-              <a:srgbClr val="C00000"/>
-            </a:solidFill>
-            <a:tailEnd type="triangle"/>
-          </a:ln>
-        </p:spPr>
-        <p:style>
-          <a:lnRef idx="1">
-            <a:schemeClr val="accent1"/>
-          </a:lnRef>
-          <a:fillRef idx="0">
-            <a:schemeClr val="accent1"/>
-          </a:fillRef>
-          <a:effectRef idx="0">
-            <a:schemeClr val="accent1"/>
-          </a:effectRef>
-          <a:fontRef idx="minor">
-            <a:schemeClr val="tx1"/>
-          </a:fontRef>
-        </p:style>
-      </p:cxnSp>
-      <p:cxnSp>
-        <p:nvCxnSpPr>
-          <p:cNvPr id="60" name="Straight Arrow Connector 59">
-            <a:extLst>
-              <a:ext uri="{FF2B5EF4-FFF2-40B4-BE49-F238E27FC236}">
-                <a16:creationId xmlns:a16="http://schemas.microsoft.com/office/drawing/2014/main" id="{119285B7-2393-5343-8318-2B7985FCC0B3}"/>
-              </a:ext>
-            </a:extLst>
-          </p:cNvPr>
-          <p:cNvCxnSpPr>
-            <a:cxnSpLocks/>
-            <a:stCxn id="73" idx="5"/>
-          </p:cNvCxnSpPr>
-          <p:nvPr/>
-        </p:nvCxnSpPr>
-        <p:spPr>
-          <a:xfrm>
-            <a:off x="9087272" y="2041697"/>
-            <a:ext cx="177708" cy="403933"/>
-          </a:xfrm>
-          <a:prstGeom prst="straightConnector1">
-            <a:avLst/>
-          </a:prstGeom>
-          <a:ln>
-            <a:solidFill>
-              <a:srgbClr val="C00000"/>
-            </a:solidFill>
-            <a:tailEnd type="triangle"/>
-          </a:ln>
-        </p:spPr>
-        <p:style>
-          <a:lnRef idx="1">
-            <a:schemeClr val="accent1"/>
-          </a:lnRef>
-          <a:fillRef idx="0">
-            <a:schemeClr val="accent1"/>
-          </a:fillRef>
-          <a:effectRef idx="0">
-            <a:schemeClr val="accent1"/>
-          </a:effectRef>
-          <a:fontRef idx="minor">
-            <a:schemeClr val="tx1"/>
-          </a:fontRef>
-        </p:style>
-      </p:cxnSp>
-      <mc:AlternateContent xmlns:mc="http://schemas.openxmlformats.org/markup-compatibility/2006">
-        <mc:Choice xmlns:a14="http://schemas.microsoft.com/office/drawing/2010/main" Requires="a14">
-          <p:sp>
-            <p:nvSpPr>
-              <p:cNvPr id="61" name="TextBox 60">
-                <a:extLst>
-                  <a:ext uri="{FF2B5EF4-FFF2-40B4-BE49-F238E27FC236}">
-                    <a16:creationId xmlns:a16="http://schemas.microsoft.com/office/drawing/2014/main" id="{4BC88269-563A-E966-64D7-D3567582D8D1}"/>
-                  </a:ext>
-                </a:extLst>
-              </p:cNvPr>
-              <p:cNvSpPr txBox="1"/>
-              <p:nvPr/>
-            </p:nvSpPr>
-            <p:spPr>
-              <a:xfrm>
-                <a:off x="7929859" y="1236019"/>
-                <a:ext cx="397738" cy="246221"/>
-              </a:xfrm>
-              <a:prstGeom prst="rect">
-                <a:avLst/>
-              </a:prstGeom>
-              <a:noFill/>
-            </p:spPr>
-            <p:txBody>
-              <a:bodyPr wrap="none" rtlCol="0">
-                <a:spAutoFit/>
-              </a:bodyPr>
-              <a:lstStyle/>
-              <a:p>
-                <a14:m>
-                  <m:oMathPara xmlns:m="http://schemas.openxmlformats.org/officeDocument/2006/math">
-                    <m:oMathParaPr>
-                      <m:jc m:val="centerGroup"/>
-                    </m:oMathParaPr>
-                    <m:oMath xmlns:m="http://schemas.openxmlformats.org/officeDocument/2006/math">
-                      <m:r>
-                        <a:rPr lang="en-US" sz="1000" i="1" dirty="0" smtClean="0">
-                          <a:latin typeface="Cambria Math" panose="02040503050406030204" pitchFamily="18" charset="0"/>
-                        </a:rPr>
-                        <m:t>𝑠</m:t>
-                      </m:r>
-                      <m:r>
-                        <a:rPr lang="en-US" sz="1000" b="0" i="1" dirty="0" smtClean="0">
-                          <a:latin typeface="Cambria Math" panose="02040503050406030204" pitchFamily="18" charset="0"/>
-                        </a:rPr>
-                        <m:t>,</m:t>
-                      </m:r>
-                      <m:r>
-                        <a:rPr lang="en-US" sz="1000" b="0" i="1" dirty="0" smtClean="0">
-                          <a:latin typeface="Cambria Math" panose="02040503050406030204" pitchFamily="18" charset="0"/>
-                        </a:rPr>
-                        <m:t>𝑎</m:t>
-                      </m:r>
-                    </m:oMath>
-                  </m:oMathPara>
-                </a14:m>
-                <a:endParaRPr lang="en-US" sz="1000" dirty="0"/>
-              </a:p>
-            </p:txBody>
-          </p:sp>
-        </mc:Choice>
-        <mc:Fallback>
-          <p:sp>
-            <p:nvSpPr>
-              <p:cNvPr id="61" name="TextBox 60">
-                <a:extLst>
-                  <a:ext uri="{FF2B5EF4-FFF2-40B4-BE49-F238E27FC236}">
-                    <a16:creationId xmlns:a16="http://schemas.microsoft.com/office/drawing/2014/main" id="{4BC88269-563A-E966-64D7-D3567582D8D1}"/>
-                  </a:ext>
-                </a:extLst>
-              </p:cNvPr>
-              <p:cNvSpPr txBox="1">
-                <a:spLocks noRot="1" noChangeAspect="1" noMove="1" noResize="1" noEditPoints="1" noAdjustHandles="1" noChangeArrowheads="1" noChangeShapeType="1" noTextEdit="1"/>
-              </p:cNvSpPr>
-              <p:nvPr/>
-            </p:nvSpPr>
-            <p:spPr>
-              <a:xfrm>
-                <a:off x="7929859" y="1236019"/>
-                <a:ext cx="397738" cy="246221"/>
-              </a:xfrm>
-              <a:prstGeom prst="rect">
-                <a:avLst/>
-              </a:prstGeom>
-              <a:blipFill>
-                <a:blip r:embed="rId7"/>
-                <a:stretch>
-                  <a:fillRect/>
-                </a:stretch>
-              </a:blipFill>
-            </p:spPr>
-            <p:txBody>
-              <a:bodyPr/>
-              <a:lstStyle/>
-              <a:p>
-                <a:r>
-                  <a:rPr lang="en-US">
-                    <a:noFill/>
-                  </a:rPr>
-                  <a:t> </a:t>
-                </a:r>
-              </a:p>
-            </p:txBody>
-          </p:sp>
-        </mc:Fallback>
-      </mc:AlternateContent>
-      <mc:AlternateContent xmlns:mc="http://schemas.openxmlformats.org/markup-compatibility/2006">
-        <mc:Choice xmlns:a14="http://schemas.microsoft.com/office/drawing/2010/main" Requires="a14">
-          <p:sp>
-            <p:nvSpPr>
-              <p:cNvPr id="62" name="TextBox 61">
-                <a:extLst>
-                  <a:ext uri="{FF2B5EF4-FFF2-40B4-BE49-F238E27FC236}">
-                    <a16:creationId xmlns:a16="http://schemas.microsoft.com/office/drawing/2014/main" id="{1AD34A3A-51AE-8FBC-2627-BD713B72FC84}"/>
-                  </a:ext>
-                </a:extLst>
-              </p:cNvPr>
-              <p:cNvSpPr txBox="1"/>
-              <p:nvPr/>
-            </p:nvSpPr>
-            <p:spPr>
-              <a:xfrm>
-                <a:off x="9102992" y="2059569"/>
-                <a:ext cx="291618" cy="246221"/>
-              </a:xfrm>
-              <a:prstGeom prst="rect">
-                <a:avLst/>
-              </a:prstGeom>
-              <a:noFill/>
-            </p:spPr>
-            <p:txBody>
-              <a:bodyPr wrap="none" rtlCol="0">
-                <a:spAutoFit/>
-              </a:bodyPr>
-              <a:lstStyle/>
-              <a:p>
-                <a14:m>
-                  <m:oMathPara xmlns:m="http://schemas.openxmlformats.org/officeDocument/2006/math">
-                    <m:oMathParaPr>
-                      <m:jc m:val="centerGroup"/>
-                    </m:oMathParaPr>
-                    <m:oMath xmlns:m="http://schemas.openxmlformats.org/officeDocument/2006/math">
-                      <m:r>
-                        <a:rPr lang="en-US" sz="1000" i="1" smtClean="0">
-                          <a:latin typeface="Cambria Math" panose="02040503050406030204" pitchFamily="18" charset="0"/>
-                          <a:ea typeface="Cambria Math" panose="02040503050406030204" pitchFamily="18" charset="0"/>
-                        </a:rPr>
-                        <m:t>𝜋</m:t>
-                      </m:r>
-                    </m:oMath>
-                  </m:oMathPara>
-                </a14:m>
-                <a:endParaRPr lang="en-US" sz="1000" dirty="0"/>
-              </a:p>
-            </p:txBody>
-          </p:sp>
-        </mc:Choice>
-        <mc:Fallback>
-          <p:sp>
-            <p:nvSpPr>
-              <p:cNvPr id="62" name="TextBox 61">
-                <a:extLst>
-                  <a:ext uri="{FF2B5EF4-FFF2-40B4-BE49-F238E27FC236}">
-                    <a16:creationId xmlns:a16="http://schemas.microsoft.com/office/drawing/2014/main" id="{1AD34A3A-51AE-8FBC-2627-BD713B72FC84}"/>
-                  </a:ext>
-                </a:extLst>
-              </p:cNvPr>
-              <p:cNvSpPr txBox="1">
-                <a:spLocks noRot="1" noChangeAspect="1" noMove="1" noResize="1" noEditPoints="1" noAdjustHandles="1" noChangeArrowheads="1" noChangeShapeType="1" noTextEdit="1"/>
-              </p:cNvSpPr>
-              <p:nvPr/>
-            </p:nvSpPr>
-            <p:spPr>
-              <a:xfrm>
-                <a:off x="9102992" y="2059569"/>
-                <a:ext cx="291618" cy="246221"/>
-              </a:xfrm>
-              <a:prstGeom prst="rect">
-                <a:avLst/>
-              </a:prstGeom>
-              <a:blipFill>
-                <a:blip r:embed="rId3"/>
-                <a:stretch>
-                  <a:fillRect/>
-                </a:stretch>
-              </a:blipFill>
-            </p:spPr>
-            <p:txBody>
-              <a:bodyPr/>
-              <a:lstStyle/>
-              <a:p>
-                <a:r>
-                  <a:rPr lang="en-US">
-                    <a:noFill/>
-                  </a:rPr>
-                  <a:t> </a:t>
-                </a:r>
-              </a:p>
-            </p:txBody>
-          </p:sp>
-        </mc:Fallback>
-      </mc:AlternateContent>
-      <mc:AlternateContent xmlns:mc="http://schemas.openxmlformats.org/markup-compatibility/2006">
-        <mc:Choice xmlns:a14="http://schemas.microsoft.com/office/drawing/2010/main" Requires="a14">
-          <p:sp>
-            <p:nvSpPr>
-              <p:cNvPr id="63" name="TextBox 62">
-                <a:extLst>
-                  <a:ext uri="{FF2B5EF4-FFF2-40B4-BE49-F238E27FC236}">
-                    <a16:creationId xmlns:a16="http://schemas.microsoft.com/office/drawing/2014/main" id="{25311E17-8FCC-7120-84E7-BBBB183C7D2F}"/>
-                  </a:ext>
-                </a:extLst>
-              </p:cNvPr>
-              <p:cNvSpPr txBox="1"/>
-              <p:nvPr/>
-            </p:nvSpPr>
-            <p:spPr>
-              <a:xfrm>
-                <a:off x="8798719" y="1799739"/>
-                <a:ext cx="417229" cy="246221"/>
-              </a:xfrm>
-              <a:prstGeom prst="rect">
-                <a:avLst/>
-              </a:prstGeom>
-              <a:noFill/>
-            </p:spPr>
-            <p:txBody>
-              <a:bodyPr wrap="none" rtlCol="0">
-                <a:spAutoFit/>
-              </a:bodyPr>
-              <a:lstStyle/>
-              <a:p>
-                <a14:m>
-                  <m:oMathPara xmlns:m="http://schemas.openxmlformats.org/officeDocument/2006/math">
-                    <m:oMathParaPr>
-                      <m:jc m:val="centerGroup"/>
-                    </m:oMathParaPr>
-                    <m:oMath xmlns:m="http://schemas.openxmlformats.org/officeDocument/2006/math">
-                      <m:r>
-                        <a:rPr lang="en-US" sz="1000" b="0" i="1" smtClean="0">
-                          <a:latin typeface="Cambria Math" panose="02040503050406030204" pitchFamily="18" charset="0"/>
-                        </a:rPr>
-                        <m:t>𝑟</m:t>
-                      </m:r>
-                      <m:r>
-                        <a:rPr lang="en-US" sz="1000" b="0" i="1" smtClean="0">
-                          <a:latin typeface="Cambria Math" panose="02040503050406030204" pitchFamily="18" charset="0"/>
-                        </a:rPr>
-                        <m:t>,</m:t>
-                      </m:r>
-                      <m:r>
-                        <a:rPr lang="en-US" sz="1000" b="0" i="1" smtClean="0">
-                          <a:latin typeface="Cambria Math" panose="02040503050406030204" pitchFamily="18" charset="0"/>
-                        </a:rPr>
-                        <m:t>𝑠</m:t>
-                      </m:r>
-                      <m:r>
-                        <a:rPr lang="en-US" sz="1000" b="0" i="1" smtClean="0">
-                          <a:latin typeface="Cambria Math" panose="02040503050406030204" pitchFamily="18" charset="0"/>
-                        </a:rPr>
-                        <m:t>′</m:t>
-                      </m:r>
-                    </m:oMath>
-                  </m:oMathPara>
-                </a14:m>
-                <a:endParaRPr lang="en-US" sz="1000" dirty="0"/>
-              </a:p>
-            </p:txBody>
-          </p:sp>
-        </mc:Choice>
-        <mc:Fallback>
-          <p:sp>
-            <p:nvSpPr>
-              <p:cNvPr id="63" name="TextBox 62">
-                <a:extLst>
-                  <a:ext uri="{FF2B5EF4-FFF2-40B4-BE49-F238E27FC236}">
-                    <a16:creationId xmlns:a16="http://schemas.microsoft.com/office/drawing/2014/main" id="{25311E17-8FCC-7120-84E7-BBBB183C7D2F}"/>
-                  </a:ext>
-                </a:extLst>
-              </p:cNvPr>
-              <p:cNvSpPr txBox="1">
-                <a:spLocks noRot="1" noChangeAspect="1" noMove="1" noResize="1" noEditPoints="1" noAdjustHandles="1" noChangeArrowheads="1" noChangeShapeType="1" noTextEdit="1"/>
-              </p:cNvSpPr>
-              <p:nvPr/>
-            </p:nvSpPr>
-            <p:spPr>
-              <a:xfrm>
-                <a:off x="8798719" y="1799739"/>
-                <a:ext cx="417229" cy="246221"/>
-              </a:xfrm>
-              <a:prstGeom prst="rect">
-                <a:avLst/>
-              </a:prstGeom>
-              <a:blipFill>
-                <a:blip r:embed="rId8"/>
-                <a:stretch>
-                  <a:fillRect/>
-                </a:stretch>
-              </a:blipFill>
-            </p:spPr>
-            <p:txBody>
-              <a:bodyPr/>
-              <a:lstStyle/>
-              <a:p>
-                <a:r>
-                  <a:rPr lang="en-US">
-                    <a:noFill/>
-                  </a:rPr>
-                  <a:t> </a:t>
-                </a:r>
-              </a:p>
-            </p:txBody>
-          </p:sp>
-        </mc:Fallback>
-      </mc:AlternateContent>
-      <mc:AlternateContent xmlns:mc="http://schemas.openxmlformats.org/markup-compatibility/2006">
-        <mc:Choice xmlns:a14="http://schemas.microsoft.com/office/drawing/2010/main" Requires="a14">
-          <p:sp>
-            <p:nvSpPr>
-              <p:cNvPr id="64" name="TextBox 63">
-                <a:extLst>
-                  <a:ext uri="{FF2B5EF4-FFF2-40B4-BE49-F238E27FC236}">
-                    <a16:creationId xmlns:a16="http://schemas.microsoft.com/office/drawing/2014/main" id="{6ADDE837-AF3D-3AE5-B1A9-8E21D894AD81}"/>
-                  </a:ext>
-                </a:extLst>
-              </p:cNvPr>
-              <p:cNvSpPr txBox="1"/>
-              <p:nvPr/>
-            </p:nvSpPr>
-            <p:spPr>
-              <a:xfrm>
-                <a:off x="9084054" y="2454628"/>
-                <a:ext cx="440185" cy="246221"/>
-              </a:xfrm>
-              <a:prstGeom prst="rect">
-                <a:avLst/>
-              </a:prstGeom>
-              <a:noFill/>
-            </p:spPr>
-            <p:txBody>
-              <a:bodyPr wrap="none" rtlCol="0">
-                <a:spAutoFit/>
-              </a:bodyPr>
-              <a:lstStyle/>
-              <a:p>
-                <a14:m>
-                  <m:oMathPara xmlns:m="http://schemas.openxmlformats.org/officeDocument/2006/math">
-                    <m:oMathParaPr>
-                      <m:jc m:val="centerGroup"/>
-                    </m:oMathParaPr>
-                    <m:oMath xmlns:m="http://schemas.openxmlformats.org/officeDocument/2006/math">
-                      <m:sSup>
-                        <m:sSupPr>
-                          <m:ctrlPr>
-                            <a:rPr lang="en-US" sz="1000" i="1" dirty="0" smtClean="0">
-                              <a:latin typeface="Cambria Math" panose="02040503050406030204" pitchFamily="18" charset="0"/>
-                            </a:rPr>
-                          </m:ctrlPr>
-                        </m:sSupPr>
-                        <m:e>
-                          <m:r>
-                            <a:rPr lang="en-US" sz="1000" b="0" i="1" dirty="0" smtClean="0">
-                              <a:latin typeface="Cambria Math" panose="02040503050406030204" pitchFamily="18" charset="0"/>
-                            </a:rPr>
-                            <m:t>𝑠</m:t>
-                          </m:r>
-                        </m:e>
-                        <m:sup>
-                          <m:r>
-                            <a:rPr lang="en-US" sz="1000" b="0" i="1" dirty="0" smtClean="0">
-                              <a:latin typeface="Cambria Math" panose="02040503050406030204" pitchFamily="18" charset="0"/>
-                            </a:rPr>
-                            <m:t>′</m:t>
-                          </m:r>
-                        </m:sup>
-                      </m:sSup>
-                      <m:r>
-                        <a:rPr lang="en-US" sz="1000" b="0" i="1" dirty="0" smtClean="0">
-                          <a:latin typeface="Cambria Math" panose="02040503050406030204" pitchFamily="18" charset="0"/>
-                        </a:rPr>
-                        <m:t>,</m:t>
-                      </m:r>
-                      <m:r>
-                        <a:rPr lang="en-US" sz="1000" b="0" i="1" dirty="0" smtClean="0">
-                          <a:latin typeface="Cambria Math" panose="02040503050406030204" pitchFamily="18" charset="0"/>
-                        </a:rPr>
-                        <m:t>𝑎</m:t>
-                      </m:r>
-                    </m:oMath>
-                  </m:oMathPara>
-                </a14:m>
-                <a:endParaRPr lang="en-US" sz="1000" dirty="0"/>
-              </a:p>
-            </p:txBody>
-          </p:sp>
-        </mc:Choice>
-        <mc:Fallback>
-          <p:sp>
-            <p:nvSpPr>
-              <p:cNvPr id="64" name="TextBox 63">
-                <a:extLst>
-                  <a:ext uri="{FF2B5EF4-FFF2-40B4-BE49-F238E27FC236}">
-                    <a16:creationId xmlns:a16="http://schemas.microsoft.com/office/drawing/2014/main" id="{6ADDE837-AF3D-3AE5-B1A9-8E21D894AD81}"/>
-                  </a:ext>
-                </a:extLst>
-              </p:cNvPr>
-              <p:cNvSpPr txBox="1">
-                <a:spLocks noRot="1" noChangeAspect="1" noMove="1" noResize="1" noEditPoints="1" noAdjustHandles="1" noChangeArrowheads="1" noChangeShapeType="1" noTextEdit="1"/>
-              </p:cNvSpPr>
-              <p:nvPr/>
-            </p:nvSpPr>
-            <p:spPr>
-              <a:xfrm>
-                <a:off x="9084054" y="2454628"/>
-                <a:ext cx="440185" cy="246221"/>
-              </a:xfrm>
-              <a:prstGeom prst="rect">
-                <a:avLst/>
-              </a:prstGeom>
-              <a:blipFill>
-                <a:blip r:embed="rId9"/>
-                <a:stretch>
-                  <a:fillRect/>
-                </a:stretch>
-              </a:blipFill>
-            </p:spPr>
-            <p:txBody>
-              <a:bodyPr/>
-              <a:lstStyle/>
-              <a:p>
-                <a:r>
-                  <a:rPr lang="en-US">
-                    <a:noFill/>
-                  </a:rPr>
-                  <a:t> </a:t>
-                </a:r>
-              </a:p>
-            </p:txBody>
-          </p:sp>
-        </mc:Fallback>
-      </mc:AlternateContent>
-      <mc:AlternateContent xmlns:mc="http://schemas.openxmlformats.org/markup-compatibility/2006">
-        <mc:Choice xmlns:a14="http://schemas.microsoft.com/office/drawing/2010/main" Requires="a14">
-          <p:sp>
-            <p:nvSpPr>
-              <p:cNvPr id="65" name="TextBox 64">
-                <a:extLst>
-                  <a:ext uri="{FF2B5EF4-FFF2-40B4-BE49-F238E27FC236}">
-                    <a16:creationId xmlns:a16="http://schemas.microsoft.com/office/drawing/2014/main" id="{910CD53A-5A7D-07D1-E870-DF73F9886066}"/>
-                  </a:ext>
-                </a:extLst>
-              </p:cNvPr>
-              <p:cNvSpPr txBox="1"/>
-              <p:nvPr/>
-            </p:nvSpPr>
-            <p:spPr>
-              <a:xfrm>
-                <a:off x="8440562" y="1410767"/>
-                <a:ext cx="287195" cy="246221"/>
-              </a:xfrm>
-              <a:prstGeom prst="rect">
-                <a:avLst/>
-              </a:prstGeom>
-              <a:noFill/>
-            </p:spPr>
-            <p:txBody>
-              <a:bodyPr wrap="none" rtlCol="0">
-                <a:spAutoFit/>
-              </a:bodyPr>
-              <a:lstStyle/>
-              <a:p>
-                <a14:m>
-                  <m:oMathPara xmlns:m="http://schemas.openxmlformats.org/officeDocument/2006/math">
-                    <m:oMathParaPr>
-                      <m:jc m:val="centerGroup"/>
-                    </m:oMathParaPr>
-                    <m:oMath xmlns:m="http://schemas.openxmlformats.org/officeDocument/2006/math">
-                      <m:r>
-                        <a:rPr lang="en-US" sz="1000" b="0" i="1" smtClean="0">
-                          <a:latin typeface="Cambria Math" panose="02040503050406030204" pitchFamily="18" charset="0"/>
-                        </a:rPr>
-                        <m:t>𝑝</m:t>
-                      </m:r>
-                    </m:oMath>
-                  </m:oMathPara>
-                </a14:m>
-                <a:endParaRPr lang="en-US" sz="1000" dirty="0"/>
-              </a:p>
-            </p:txBody>
-          </p:sp>
-        </mc:Choice>
-        <mc:Fallback>
-          <p:sp>
-            <p:nvSpPr>
-              <p:cNvPr id="65" name="TextBox 64">
-                <a:extLst>
-                  <a:ext uri="{FF2B5EF4-FFF2-40B4-BE49-F238E27FC236}">
-                    <a16:creationId xmlns:a16="http://schemas.microsoft.com/office/drawing/2014/main" id="{910CD53A-5A7D-07D1-E870-DF73F9886066}"/>
-                  </a:ext>
-                </a:extLst>
-              </p:cNvPr>
-              <p:cNvSpPr txBox="1">
-                <a:spLocks noRot="1" noChangeAspect="1" noMove="1" noResize="1" noEditPoints="1" noAdjustHandles="1" noChangeArrowheads="1" noChangeShapeType="1" noTextEdit="1"/>
-              </p:cNvSpPr>
-              <p:nvPr/>
-            </p:nvSpPr>
-            <p:spPr>
-              <a:xfrm>
-                <a:off x="8440562" y="1410767"/>
-                <a:ext cx="287195" cy="246221"/>
-              </a:xfrm>
-              <a:prstGeom prst="rect">
-                <a:avLst/>
-              </a:prstGeom>
-              <a:blipFill>
-                <a:blip r:embed="rId10"/>
-                <a:stretch>
-                  <a:fillRect/>
-                </a:stretch>
-              </a:blipFill>
-            </p:spPr>
-            <p:txBody>
-              <a:bodyPr/>
-              <a:lstStyle/>
-              <a:p>
-                <a:r>
-                  <a:rPr lang="en-US">
-                    <a:noFill/>
-                  </a:rPr>
-                  <a:t> </a:t>
-                </a:r>
-              </a:p>
-            </p:txBody>
-          </p:sp>
-        </mc:Fallback>
-      </mc:AlternateContent>
-      <p:sp>
-        <p:nvSpPr>
-          <p:cNvPr id="69" name="Oval 68">
-            <a:extLst>
-              <a:ext uri="{FF2B5EF4-FFF2-40B4-BE49-F238E27FC236}">
-                <a16:creationId xmlns:a16="http://schemas.microsoft.com/office/drawing/2014/main" id="{1D668176-771D-577C-D9D1-C49CB20A3698}"/>
-              </a:ext>
-            </a:extLst>
-          </p:cNvPr>
-          <p:cNvSpPr/>
-          <p:nvPr/>
-        </p:nvSpPr>
-        <p:spPr>
-          <a:xfrm>
-            <a:off x="7353960" y="2445630"/>
-            <a:ext cx="287195" cy="287464"/>
-          </a:xfrm>
-          <a:prstGeom prst="ellipse">
-            <a:avLst/>
-          </a:prstGeom>
-          <a:noFill/>
-          <a:ln>
-            <a:solidFill>
-              <a:srgbClr val="C00000"/>
-            </a:solidFill>
-          </a:ln>
-        </p:spPr>
-        <p:style>
-          <a:lnRef idx="2">
-            <a:schemeClr val="accent1">
-              <a:shade val="15000"/>
-            </a:schemeClr>
-          </a:lnRef>
-          <a:fillRef idx="1">
-            <a:schemeClr val="accent1"/>
-          </a:fillRef>
-          <a:effectRef idx="0">
-            <a:schemeClr val="accent1"/>
-          </a:effectRef>
-          <a:fontRef idx="minor">
-            <a:schemeClr val="lt1"/>
-          </a:fontRef>
-        </p:style>
-        <p:txBody>
-          <a:bodyPr rtlCol="0" anchor="ctr"/>
-          <a:lstStyle/>
-          <a:p>
-            <a:pPr algn="ctr"/>
-            <a:endParaRPr lang="en-US"/>
-          </a:p>
-        </p:txBody>
-      </p:sp>
-      <p:sp>
-        <p:nvSpPr>
-          <p:cNvPr id="70" name="Oval 69">
-            <a:extLst>
-              <a:ext uri="{FF2B5EF4-FFF2-40B4-BE49-F238E27FC236}">
-                <a16:creationId xmlns:a16="http://schemas.microsoft.com/office/drawing/2014/main" id="{3BF778AF-317B-EF2D-8D6C-FAD438C6F02D}"/>
-              </a:ext>
-            </a:extLst>
-          </p:cNvPr>
-          <p:cNvSpPr/>
-          <p:nvPr/>
-        </p:nvSpPr>
-        <p:spPr>
-          <a:xfrm>
-            <a:off x="6853208" y="2447889"/>
-            <a:ext cx="287195" cy="287464"/>
-          </a:xfrm>
-          <a:prstGeom prst="ellipse">
-            <a:avLst/>
-          </a:prstGeom>
-          <a:noFill/>
-          <a:ln>
-            <a:solidFill>
-              <a:srgbClr val="C00000"/>
-            </a:solidFill>
-          </a:ln>
-        </p:spPr>
-        <p:style>
-          <a:lnRef idx="2">
-            <a:schemeClr val="accent1">
-              <a:shade val="15000"/>
-            </a:schemeClr>
-          </a:lnRef>
-          <a:fillRef idx="1">
-            <a:schemeClr val="accent1"/>
-          </a:fillRef>
-          <a:effectRef idx="0">
-            <a:schemeClr val="accent1"/>
-          </a:effectRef>
-          <a:fontRef idx="minor">
-            <a:schemeClr val="lt1"/>
-          </a:fontRef>
-        </p:style>
-        <p:txBody>
-          <a:bodyPr rtlCol="0" anchor="ctr"/>
-          <a:lstStyle/>
-          <a:p>
-            <a:pPr algn="ctr"/>
-            <a:endParaRPr lang="en-US"/>
-          </a:p>
-        </p:txBody>
-      </p:sp>
       <p:sp>
         <p:nvSpPr>
           <p:cNvPr id="72" name="Oval 71">
@@ -10943,10 +9934,10 @@
       </p:sp>
       <p:sp>
         <p:nvSpPr>
-          <p:cNvPr id="75" name="Oval 74">
+          <p:cNvPr id="77" name="Oval 76">
             <a:extLst>
               <a:ext uri="{FF2B5EF4-FFF2-40B4-BE49-F238E27FC236}">
-                <a16:creationId xmlns:a16="http://schemas.microsoft.com/office/drawing/2014/main" id="{65DE8C26-B77A-B4B2-E92E-6C9612BE167C}"/>
+                <a16:creationId xmlns:a16="http://schemas.microsoft.com/office/drawing/2014/main" id="{95247656-ACF8-19CC-BF48-76EA22FA3C04}"/>
               </a:ext>
             </a:extLst>
           </p:cNvPr>
@@ -10955,7 +9946,7 @@
         </p:nvSpPr>
         <p:spPr>
           <a:xfrm>
-            <a:off x="8605116" y="2445630"/>
+            <a:off x="9148640" y="2449803"/>
             <a:ext cx="287195" cy="279569"/>
           </a:xfrm>
           <a:prstGeom prst="ellipse">
@@ -10988,16 +9979,939 @@
           <a:lstStyle/>
           <a:p>
             <a:pPr algn="ctr"/>
-            <a:endParaRPr lang="en-US"/>
+            <a:endParaRPr lang="en-US" dirty="0"/>
           </a:p>
         </p:txBody>
       </p:sp>
+      <p:cxnSp>
+        <p:nvCxnSpPr>
+          <p:cNvPr id="52" name="Straight Arrow Connector 51">
+            <a:extLst>
+              <a:ext uri="{FF2B5EF4-FFF2-40B4-BE49-F238E27FC236}">
+                <a16:creationId xmlns:a16="http://schemas.microsoft.com/office/drawing/2014/main" id="{6222277B-6045-D3E7-0A2E-6257FA22A9E3}"/>
+              </a:ext>
+            </a:extLst>
+          </p:cNvPr>
+          <p:cNvCxnSpPr>
+            <a:cxnSpLocks/>
+          </p:cNvCxnSpPr>
+          <p:nvPr/>
+        </p:nvCxnSpPr>
+        <p:spPr>
+          <a:xfrm flipH="1">
+            <a:off x="7396757" y="1467865"/>
+            <a:ext cx="637423" cy="355837"/>
+          </a:xfrm>
+          <a:prstGeom prst="straightConnector1">
+            <a:avLst/>
+          </a:prstGeom>
+          <a:ln>
+            <a:solidFill>
+              <a:srgbClr val="C00000"/>
+            </a:solidFill>
+            <a:tailEnd type="triangle"/>
+          </a:ln>
+        </p:spPr>
+        <p:style>
+          <a:lnRef idx="1">
+            <a:schemeClr val="accent1"/>
+          </a:lnRef>
+          <a:fillRef idx="0">
+            <a:schemeClr val="accent1"/>
+          </a:fillRef>
+          <a:effectRef idx="0">
+            <a:schemeClr val="accent1"/>
+          </a:effectRef>
+          <a:fontRef idx="minor">
+            <a:schemeClr val="tx1"/>
+          </a:fontRef>
+        </p:style>
+      </p:cxnSp>
+      <p:cxnSp>
+        <p:nvCxnSpPr>
+          <p:cNvPr id="53" name="Straight Arrow Connector 52">
+            <a:extLst>
+              <a:ext uri="{FF2B5EF4-FFF2-40B4-BE49-F238E27FC236}">
+                <a16:creationId xmlns:a16="http://schemas.microsoft.com/office/drawing/2014/main" id="{07639913-E5E7-B365-D4A6-D6D377205B42}"/>
+              </a:ext>
+            </a:extLst>
+          </p:cNvPr>
+          <p:cNvCxnSpPr>
+            <a:cxnSpLocks/>
+          </p:cNvCxnSpPr>
+          <p:nvPr/>
+        </p:nvCxnSpPr>
+        <p:spPr>
+          <a:xfrm>
+            <a:off x="8126242" y="1505999"/>
+            <a:ext cx="0" cy="279569"/>
+          </a:xfrm>
+          <a:prstGeom prst="straightConnector1">
+            <a:avLst/>
+          </a:prstGeom>
+          <a:ln>
+            <a:solidFill>
+              <a:srgbClr val="C00000"/>
+            </a:solidFill>
+            <a:tailEnd type="triangle"/>
+          </a:ln>
+        </p:spPr>
+        <p:style>
+          <a:lnRef idx="1">
+            <a:schemeClr val="accent1"/>
+          </a:lnRef>
+          <a:fillRef idx="0">
+            <a:schemeClr val="accent1"/>
+          </a:fillRef>
+          <a:effectRef idx="0">
+            <a:schemeClr val="accent1"/>
+          </a:effectRef>
+          <a:fontRef idx="minor">
+            <a:schemeClr val="tx1"/>
+          </a:fontRef>
+        </p:style>
+      </p:cxnSp>
+      <p:cxnSp>
+        <p:nvCxnSpPr>
+          <p:cNvPr id="54" name="Straight Arrow Connector 53">
+            <a:extLst>
+              <a:ext uri="{FF2B5EF4-FFF2-40B4-BE49-F238E27FC236}">
+                <a16:creationId xmlns:a16="http://schemas.microsoft.com/office/drawing/2014/main" id="{5E0651DD-431F-9F65-FD91-9DD0D3732587}"/>
+              </a:ext>
+            </a:extLst>
+          </p:cNvPr>
+          <p:cNvCxnSpPr>
+            <a:cxnSpLocks/>
+          </p:cNvCxnSpPr>
+          <p:nvPr/>
+        </p:nvCxnSpPr>
+        <p:spPr>
+          <a:xfrm>
+            <a:off x="8218304" y="1467865"/>
+            <a:ext cx="680821" cy="357435"/>
+          </a:xfrm>
+          <a:prstGeom prst="straightConnector1">
+            <a:avLst/>
+          </a:prstGeom>
+          <a:ln>
+            <a:solidFill>
+              <a:srgbClr val="C00000"/>
+            </a:solidFill>
+            <a:tailEnd type="triangle"/>
+          </a:ln>
+        </p:spPr>
+        <p:style>
+          <a:lnRef idx="1">
+            <a:schemeClr val="accent1"/>
+          </a:lnRef>
+          <a:fillRef idx="0">
+            <a:schemeClr val="accent1"/>
+          </a:fillRef>
+          <a:effectRef idx="0">
+            <a:schemeClr val="accent1"/>
+          </a:effectRef>
+          <a:fontRef idx="minor">
+            <a:schemeClr val="tx1"/>
+          </a:fontRef>
+        </p:style>
+      </p:cxnSp>
+      <p:cxnSp>
+        <p:nvCxnSpPr>
+          <p:cNvPr id="55" name="Straight Arrow Connector 54">
+            <a:extLst>
+              <a:ext uri="{FF2B5EF4-FFF2-40B4-BE49-F238E27FC236}">
+                <a16:creationId xmlns:a16="http://schemas.microsoft.com/office/drawing/2014/main" id="{98273CFB-60FD-1514-68C0-1EAE3D197638}"/>
+              </a:ext>
+            </a:extLst>
+          </p:cNvPr>
+          <p:cNvCxnSpPr>
+            <a:cxnSpLocks/>
+            <a:stCxn id="83" idx="3"/>
+          </p:cNvCxnSpPr>
+          <p:nvPr/>
+        </p:nvCxnSpPr>
+        <p:spPr>
+          <a:xfrm flipH="1">
+            <a:off x="7025127" y="2034899"/>
+            <a:ext cx="178028" cy="410731"/>
+          </a:xfrm>
+          <a:prstGeom prst="straightConnector1">
+            <a:avLst/>
+          </a:prstGeom>
+          <a:ln>
+            <a:solidFill>
+              <a:schemeClr val="accent1"/>
+            </a:solidFill>
+            <a:tailEnd type="triangle"/>
+          </a:ln>
+        </p:spPr>
+        <p:style>
+          <a:lnRef idx="1">
+            <a:schemeClr val="accent1"/>
+          </a:lnRef>
+          <a:fillRef idx="0">
+            <a:schemeClr val="accent1"/>
+          </a:fillRef>
+          <a:effectRef idx="0">
+            <a:schemeClr val="accent1"/>
+          </a:effectRef>
+          <a:fontRef idx="minor">
+            <a:schemeClr val="tx1"/>
+          </a:fontRef>
+        </p:style>
+      </p:cxnSp>
+      <p:cxnSp>
+        <p:nvCxnSpPr>
+          <p:cNvPr id="56" name="Straight Arrow Connector 55">
+            <a:extLst>
+              <a:ext uri="{FF2B5EF4-FFF2-40B4-BE49-F238E27FC236}">
+                <a16:creationId xmlns:a16="http://schemas.microsoft.com/office/drawing/2014/main" id="{746BE9DA-88F2-BC33-9FA1-AB0F116590F2}"/>
+              </a:ext>
+            </a:extLst>
+          </p:cNvPr>
+          <p:cNvCxnSpPr>
+            <a:cxnSpLocks/>
+            <a:stCxn id="83" idx="5"/>
+          </p:cNvCxnSpPr>
+          <p:nvPr/>
+        </p:nvCxnSpPr>
+        <p:spPr>
+          <a:xfrm>
+            <a:off x="7406232" y="2034899"/>
+            <a:ext cx="93757" cy="410731"/>
+          </a:xfrm>
+          <a:prstGeom prst="straightConnector1">
+            <a:avLst/>
+          </a:prstGeom>
+          <a:ln>
+            <a:solidFill>
+              <a:schemeClr val="accent1"/>
+            </a:solidFill>
+            <a:tailEnd type="triangle"/>
+          </a:ln>
+        </p:spPr>
+        <p:style>
+          <a:lnRef idx="1">
+            <a:schemeClr val="accent1"/>
+          </a:lnRef>
+          <a:fillRef idx="0">
+            <a:schemeClr val="accent1"/>
+          </a:fillRef>
+          <a:effectRef idx="0">
+            <a:schemeClr val="accent1"/>
+          </a:effectRef>
+          <a:fontRef idx="minor">
+            <a:schemeClr val="tx1"/>
+          </a:fontRef>
+        </p:style>
+      </p:cxnSp>
+      <p:cxnSp>
+        <p:nvCxnSpPr>
+          <p:cNvPr id="57" name="Straight Arrow Connector 56">
+            <a:extLst>
+              <a:ext uri="{FF2B5EF4-FFF2-40B4-BE49-F238E27FC236}">
+                <a16:creationId xmlns:a16="http://schemas.microsoft.com/office/drawing/2014/main" id="{BD919824-102B-39D3-0534-AB191473AAA5}"/>
+              </a:ext>
+            </a:extLst>
+          </p:cNvPr>
+          <p:cNvCxnSpPr>
+            <a:cxnSpLocks/>
+          </p:cNvCxnSpPr>
+          <p:nvPr/>
+        </p:nvCxnSpPr>
+        <p:spPr>
+          <a:xfrm flipH="1">
+            <a:off x="7909416" y="2031125"/>
+            <a:ext cx="118510" cy="421898"/>
+          </a:xfrm>
+          <a:prstGeom prst="straightConnector1">
+            <a:avLst/>
+          </a:prstGeom>
+          <a:ln>
+            <a:solidFill>
+              <a:schemeClr val="accent1"/>
+            </a:solidFill>
+            <a:tailEnd type="triangle"/>
+          </a:ln>
+        </p:spPr>
+        <p:style>
+          <a:lnRef idx="1">
+            <a:schemeClr val="accent1"/>
+          </a:lnRef>
+          <a:fillRef idx="0">
+            <a:schemeClr val="accent1"/>
+          </a:fillRef>
+          <a:effectRef idx="0">
+            <a:schemeClr val="accent1"/>
+          </a:effectRef>
+          <a:fontRef idx="minor">
+            <a:schemeClr val="tx1"/>
+          </a:fontRef>
+        </p:style>
+      </p:cxnSp>
+      <p:cxnSp>
+        <p:nvCxnSpPr>
+          <p:cNvPr id="58" name="Straight Arrow Connector 57">
+            <a:extLst>
+              <a:ext uri="{FF2B5EF4-FFF2-40B4-BE49-F238E27FC236}">
+                <a16:creationId xmlns:a16="http://schemas.microsoft.com/office/drawing/2014/main" id="{2270AA6E-C6AA-AC00-67BF-F3A6E51DA3BC}"/>
+              </a:ext>
+            </a:extLst>
+          </p:cNvPr>
+          <p:cNvCxnSpPr>
+            <a:cxnSpLocks/>
+            <a:stCxn id="80" idx="5"/>
+          </p:cNvCxnSpPr>
+          <p:nvPr/>
+        </p:nvCxnSpPr>
+        <p:spPr>
+          <a:xfrm>
+            <a:off x="8218167" y="2028072"/>
+            <a:ext cx="130620" cy="417558"/>
+          </a:xfrm>
+          <a:prstGeom prst="straightConnector1">
+            <a:avLst/>
+          </a:prstGeom>
+          <a:ln>
+            <a:solidFill>
+              <a:schemeClr val="accent1"/>
+            </a:solidFill>
+            <a:tailEnd type="triangle"/>
+          </a:ln>
+        </p:spPr>
+        <p:style>
+          <a:lnRef idx="1">
+            <a:schemeClr val="accent1"/>
+          </a:lnRef>
+          <a:fillRef idx="0">
+            <a:schemeClr val="accent1"/>
+          </a:fillRef>
+          <a:effectRef idx="0">
+            <a:schemeClr val="accent1"/>
+          </a:effectRef>
+          <a:fontRef idx="minor">
+            <a:schemeClr val="tx1"/>
+          </a:fontRef>
+        </p:style>
+      </p:cxnSp>
+      <p:cxnSp>
+        <p:nvCxnSpPr>
+          <p:cNvPr id="59" name="Straight Arrow Connector 58">
+            <a:extLst>
+              <a:ext uri="{FF2B5EF4-FFF2-40B4-BE49-F238E27FC236}">
+                <a16:creationId xmlns:a16="http://schemas.microsoft.com/office/drawing/2014/main" id="{068787C1-F68E-BFC7-945D-ED26F26F2C34}"/>
+              </a:ext>
+            </a:extLst>
+          </p:cNvPr>
+          <p:cNvCxnSpPr>
+            <a:cxnSpLocks/>
+          </p:cNvCxnSpPr>
+          <p:nvPr/>
+        </p:nvCxnSpPr>
+        <p:spPr>
+          <a:xfrm flipH="1">
+            <a:off x="8771765" y="2047669"/>
+            <a:ext cx="125815" cy="397961"/>
+          </a:xfrm>
+          <a:prstGeom prst="straightConnector1">
+            <a:avLst/>
+          </a:prstGeom>
+          <a:ln>
+            <a:solidFill>
+              <a:schemeClr val="accent1"/>
+            </a:solidFill>
+            <a:tailEnd type="triangle"/>
+          </a:ln>
+        </p:spPr>
+        <p:style>
+          <a:lnRef idx="1">
+            <a:schemeClr val="accent1"/>
+          </a:lnRef>
+          <a:fillRef idx="0">
+            <a:schemeClr val="accent1"/>
+          </a:fillRef>
+          <a:effectRef idx="0">
+            <a:schemeClr val="accent1"/>
+          </a:effectRef>
+          <a:fontRef idx="minor">
+            <a:schemeClr val="tx1"/>
+          </a:fontRef>
+        </p:style>
+      </p:cxnSp>
+      <p:cxnSp>
+        <p:nvCxnSpPr>
+          <p:cNvPr id="60" name="Straight Arrow Connector 59">
+            <a:extLst>
+              <a:ext uri="{FF2B5EF4-FFF2-40B4-BE49-F238E27FC236}">
+                <a16:creationId xmlns:a16="http://schemas.microsoft.com/office/drawing/2014/main" id="{119285B7-2393-5343-8318-2B7985FCC0B3}"/>
+              </a:ext>
+            </a:extLst>
+          </p:cNvPr>
+          <p:cNvCxnSpPr>
+            <a:cxnSpLocks/>
+            <a:stCxn id="73" idx="5"/>
+          </p:cNvCxnSpPr>
+          <p:nvPr/>
+        </p:nvCxnSpPr>
+        <p:spPr>
+          <a:xfrm>
+            <a:off x="9087272" y="2041697"/>
+            <a:ext cx="177708" cy="403933"/>
+          </a:xfrm>
+          <a:prstGeom prst="straightConnector1">
+            <a:avLst/>
+          </a:prstGeom>
+          <a:ln>
+            <a:solidFill>
+              <a:schemeClr val="accent1"/>
+            </a:solidFill>
+            <a:tailEnd type="triangle"/>
+          </a:ln>
+        </p:spPr>
+        <p:style>
+          <a:lnRef idx="1">
+            <a:schemeClr val="accent1"/>
+          </a:lnRef>
+          <a:fillRef idx="0">
+            <a:schemeClr val="accent1"/>
+          </a:fillRef>
+          <a:effectRef idx="0">
+            <a:schemeClr val="accent1"/>
+          </a:effectRef>
+          <a:fontRef idx="minor">
+            <a:schemeClr val="tx1"/>
+          </a:fontRef>
+        </p:style>
+      </p:cxnSp>
+      <mc:AlternateContent xmlns:mc="http://schemas.openxmlformats.org/markup-compatibility/2006" xmlns:a14="http://schemas.microsoft.com/office/drawing/2010/main">
+        <mc:Choice Requires="a14">
+          <p:sp>
+            <p:nvSpPr>
+              <p:cNvPr id="61" name="TextBox 60">
+                <a:extLst>
+                  <a:ext uri="{FF2B5EF4-FFF2-40B4-BE49-F238E27FC236}">
+                    <a16:creationId xmlns:a16="http://schemas.microsoft.com/office/drawing/2014/main" id="{4BC88269-563A-E966-64D7-D3567582D8D1}"/>
+                  </a:ext>
+                </a:extLst>
+              </p:cNvPr>
+              <p:cNvSpPr txBox="1"/>
+              <p:nvPr/>
+            </p:nvSpPr>
+            <p:spPr>
+              <a:xfrm>
+                <a:off x="7929859" y="1236019"/>
+                <a:ext cx="397738" cy="246221"/>
+              </a:xfrm>
+              <a:prstGeom prst="rect">
+                <a:avLst/>
+              </a:prstGeom>
+              <a:noFill/>
+            </p:spPr>
+            <p:txBody>
+              <a:bodyPr wrap="none" rtlCol="0">
+                <a:spAutoFit/>
+              </a:bodyPr>
+              <a:lstStyle/>
+              <a:p>
+                <a:pPr/>
+                <a14:m>
+                  <m:oMathPara xmlns:m="http://schemas.openxmlformats.org/officeDocument/2006/math">
+                    <m:oMathParaPr>
+                      <m:jc m:val="centerGroup"/>
+                    </m:oMathParaPr>
+                    <m:oMath xmlns:m="http://schemas.openxmlformats.org/officeDocument/2006/math">
+                      <m:r>
+                        <a:rPr lang="en-US" sz="1000" i="1" dirty="0" smtClean="0">
+                          <a:latin typeface="Cambria Math" panose="02040503050406030204" pitchFamily="18" charset="0"/>
+                        </a:rPr>
+                        <m:t>𝑠</m:t>
+                      </m:r>
+                      <m:r>
+                        <a:rPr lang="en-US" sz="1000" b="0" i="1" dirty="0" smtClean="0">
+                          <a:latin typeface="Cambria Math" panose="02040503050406030204" pitchFamily="18" charset="0"/>
+                        </a:rPr>
+                        <m:t>,</m:t>
+                      </m:r>
+                      <m:r>
+                        <a:rPr lang="en-US" sz="1000" b="0" i="1" dirty="0" smtClean="0">
+                          <a:latin typeface="Cambria Math" panose="02040503050406030204" pitchFamily="18" charset="0"/>
+                        </a:rPr>
+                        <m:t>𝑎</m:t>
+                      </m:r>
+                    </m:oMath>
+                  </m:oMathPara>
+                </a14:m>
+                <a:endParaRPr lang="en-US" sz="1000" dirty="0"/>
+              </a:p>
+            </p:txBody>
+          </p:sp>
+        </mc:Choice>
+        <mc:Fallback xmlns="">
+          <p:sp>
+            <p:nvSpPr>
+              <p:cNvPr id="61" name="TextBox 60">
+                <a:extLst>
+                  <a:ext uri="{FF2B5EF4-FFF2-40B4-BE49-F238E27FC236}">
+                    <a16:creationId xmlns:a16="http://schemas.microsoft.com/office/drawing/2014/main" id="{4BC88269-563A-E966-64D7-D3567582D8D1}"/>
+                  </a:ext>
+                </a:extLst>
+              </p:cNvPr>
+              <p:cNvSpPr txBox="1">
+                <a:spLocks noRot="1" noChangeAspect="1" noMove="1" noResize="1" noEditPoints="1" noAdjustHandles="1" noChangeArrowheads="1" noChangeShapeType="1" noTextEdit="1"/>
+              </p:cNvSpPr>
+              <p:nvPr/>
+            </p:nvSpPr>
+            <p:spPr>
+              <a:xfrm>
+                <a:off x="7929859" y="1236019"/>
+                <a:ext cx="397738" cy="246221"/>
+              </a:xfrm>
+              <a:prstGeom prst="rect">
+                <a:avLst/>
+              </a:prstGeom>
+              <a:blipFill>
+                <a:blip r:embed="rId7"/>
+                <a:stretch>
+                  <a:fillRect/>
+                </a:stretch>
+              </a:blipFill>
+            </p:spPr>
+            <p:txBody>
+              <a:bodyPr/>
+              <a:lstStyle/>
+              <a:p>
+                <a:r>
+                  <a:rPr lang="en-US">
+                    <a:noFill/>
+                  </a:rPr>
+                  <a:t> </a:t>
+                </a:r>
+              </a:p>
+            </p:txBody>
+          </p:sp>
+        </mc:Fallback>
+      </mc:AlternateContent>
+      <mc:AlternateContent xmlns:mc="http://schemas.openxmlformats.org/markup-compatibility/2006" xmlns:a14="http://schemas.microsoft.com/office/drawing/2010/main">
+        <mc:Choice Requires="a14">
+          <p:sp>
+            <p:nvSpPr>
+              <p:cNvPr id="62" name="TextBox 61">
+                <a:extLst>
+                  <a:ext uri="{FF2B5EF4-FFF2-40B4-BE49-F238E27FC236}">
+                    <a16:creationId xmlns:a16="http://schemas.microsoft.com/office/drawing/2014/main" id="{1AD34A3A-51AE-8FBC-2627-BD713B72FC84}"/>
+                  </a:ext>
+                </a:extLst>
+              </p:cNvPr>
+              <p:cNvSpPr txBox="1"/>
+              <p:nvPr/>
+            </p:nvSpPr>
+            <p:spPr>
+              <a:xfrm>
+                <a:off x="9102992" y="2059569"/>
+                <a:ext cx="291618" cy="246221"/>
+              </a:xfrm>
+              <a:prstGeom prst="rect">
+                <a:avLst/>
+              </a:prstGeom>
+              <a:noFill/>
+            </p:spPr>
+            <p:txBody>
+              <a:bodyPr wrap="none" rtlCol="0">
+                <a:spAutoFit/>
+              </a:bodyPr>
+              <a:lstStyle/>
+              <a:p>
+                <a:pPr/>
+                <a14:m>
+                  <m:oMathPara xmlns:m="http://schemas.openxmlformats.org/officeDocument/2006/math">
+                    <m:oMathParaPr>
+                      <m:jc m:val="centerGroup"/>
+                    </m:oMathParaPr>
+                    <m:oMath xmlns:m="http://schemas.openxmlformats.org/officeDocument/2006/math">
+                      <m:r>
+                        <a:rPr lang="en-US" sz="1000" i="1" smtClean="0">
+                          <a:latin typeface="Cambria Math" panose="02040503050406030204" pitchFamily="18" charset="0"/>
+                          <a:ea typeface="Cambria Math" panose="02040503050406030204" pitchFamily="18" charset="0"/>
+                        </a:rPr>
+                        <m:t>𝜋</m:t>
+                      </m:r>
+                    </m:oMath>
+                  </m:oMathPara>
+                </a14:m>
+                <a:endParaRPr lang="en-US" sz="1000" dirty="0"/>
+              </a:p>
+            </p:txBody>
+          </p:sp>
+        </mc:Choice>
+        <mc:Fallback xmlns="">
+          <p:sp>
+            <p:nvSpPr>
+              <p:cNvPr id="62" name="TextBox 61">
+                <a:extLst>
+                  <a:ext uri="{FF2B5EF4-FFF2-40B4-BE49-F238E27FC236}">
+                    <a16:creationId xmlns:a16="http://schemas.microsoft.com/office/drawing/2014/main" id="{1AD34A3A-51AE-8FBC-2627-BD713B72FC84}"/>
+                  </a:ext>
+                </a:extLst>
+              </p:cNvPr>
+              <p:cNvSpPr txBox="1">
+                <a:spLocks noRot="1" noChangeAspect="1" noMove="1" noResize="1" noEditPoints="1" noAdjustHandles="1" noChangeArrowheads="1" noChangeShapeType="1" noTextEdit="1"/>
+              </p:cNvSpPr>
+              <p:nvPr/>
+            </p:nvSpPr>
+            <p:spPr>
+              <a:xfrm>
+                <a:off x="9102992" y="2059569"/>
+                <a:ext cx="291618" cy="246221"/>
+              </a:xfrm>
+              <a:prstGeom prst="rect">
+                <a:avLst/>
+              </a:prstGeom>
+              <a:blipFill>
+                <a:blip r:embed="rId3"/>
+                <a:stretch>
+                  <a:fillRect/>
+                </a:stretch>
+              </a:blipFill>
+            </p:spPr>
+            <p:txBody>
+              <a:bodyPr/>
+              <a:lstStyle/>
+              <a:p>
+                <a:r>
+                  <a:rPr lang="en-US">
+                    <a:noFill/>
+                  </a:rPr>
+                  <a:t> </a:t>
+                </a:r>
+              </a:p>
+            </p:txBody>
+          </p:sp>
+        </mc:Fallback>
+      </mc:AlternateContent>
+      <mc:AlternateContent xmlns:mc="http://schemas.openxmlformats.org/markup-compatibility/2006" xmlns:a14="http://schemas.microsoft.com/office/drawing/2010/main">
+        <mc:Choice Requires="a14">
+          <p:sp>
+            <p:nvSpPr>
+              <p:cNvPr id="63" name="TextBox 62">
+                <a:extLst>
+                  <a:ext uri="{FF2B5EF4-FFF2-40B4-BE49-F238E27FC236}">
+                    <a16:creationId xmlns:a16="http://schemas.microsoft.com/office/drawing/2014/main" id="{25311E17-8FCC-7120-84E7-BBBB183C7D2F}"/>
+                  </a:ext>
+                </a:extLst>
+              </p:cNvPr>
+              <p:cNvSpPr txBox="1"/>
+              <p:nvPr/>
+            </p:nvSpPr>
+            <p:spPr>
+              <a:xfrm>
+                <a:off x="8782571" y="1803576"/>
+                <a:ext cx="417229" cy="246221"/>
+              </a:xfrm>
+              <a:prstGeom prst="rect">
+                <a:avLst/>
+              </a:prstGeom>
+              <a:noFill/>
+            </p:spPr>
+            <p:txBody>
+              <a:bodyPr wrap="none" rtlCol="0">
+                <a:spAutoFit/>
+              </a:bodyPr>
+              <a:lstStyle/>
+              <a:p>
+                <a:pPr/>
+                <a14:m>
+                  <m:oMathPara xmlns:m="http://schemas.openxmlformats.org/officeDocument/2006/math">
+                    <m:oMathParaPr>
+                      <m:jc m:val="centerGroup"/>
+                    </m:oMathParaPr>
+                    <m:oMath xmlns:m="http://schemas.openxmlformats.org/officeDocument/2006/math">
+                      <m:r>
+                        <a:rPr lang="en-US" sz="1000" b="0" i="1" smtClean="0">
+                          <a:latin typeface="Cambria Math" panose="02040503050406030204" pitchFamily="18" charset="0"/>
+                        </a:rPr>
+                        <m:t>𝑟</m:t>
+                      </m:r>
+                      <m:r>
+                        <a:rPr lang="en-US" sz="1000" b="0" i="1" smtClean="0">
+                          <a:latin typeface="Cambria Math" panose="02040503050406030204" pitchFamily="18" charset="0"/>
+                        </a:rPr>
+                        <m:t>,</m:t>
+                      </m:r>
+                      <m:r>
+                        <a:rPr lang="en-US" sz="1000" b="0" i="1" smtClean="0">
+                          <a:latin typeface="Cambria Math" panose="02040503050406030204" pitchFamily="18" charset="0"/>
+                        </a:rPr>
+                        <m:t>𝑠</m:t>
+                      </m:r>
+                      <m:r>
+                        <a:rPr lang="en-US" sz="1000" b="0" i="1" smtClean="0">
+                          <a:latin typeface="Cambria Math" panose="02040503050406030204" pitchFamily="18" charset="0"/>
+                        </a:rPr>
+                        <m:t>′</m:t>
+                      </m:r>
+                    </m:oMath>
+                  </m:oMathPara>
+                </a14:m>
+                <a:endParaRPr lang="en-US" sz="1000" dirty="0"/>
+              </a:p>
+            </p:txBody>
+          </p:sp>
+        </mc:Choice>
+        <mc:Fallback xmlns="">
+          <p:sp>
+            <p:nvSpPr>
+              <p:cNvPr id="63" name="TextBox 62">
+                <a:extLst>
+                  <a:ext uri="{FF2B5EF4-FFF2-40B4-BE49-F238E27FC236}">
+                    <a16:creationId xmlns:a16="http://schemas.microsoft.com/office/drawing/2014/main" id="{25311E17-8FCC-7120-84E7-BBBB183C7D2F}"/>
+                  </a:ext>
+                </a:extLst>
+              </p:cNvPr>
+              <p:cNvSpPr txBox="1">
+                <a:spLocks noRot="1" noChangeAspect="1" noMove="1" noResize="1" noEditPoints="1" noAdjustHandles="1" noChangeArrowheads="1" noChangeShapeType="1" noTextEdit="1"/>
+              </p:cNvSpPr>
+              <p:nvPr/>
+            </p:nvSpPr>
+            <p:spPr>
+              <a:xfrm>
+                <a:off x="8782571" y="1803576"/>
+                <a:ext cx="417229" cy="246221"/>
+              </a:xfrm>
+              <a:prstGeom prst="rect">
+                <a:avLst/>
+              </a:prstGeom>
+              <a:blipFill>
+                <a:blip r:embed="rId8"/>
+                <a:stretch>
+                  <a:fillRect/>
+                </a:stretch>
+              </a:blipFill>
+            </p:spPr>
+            <p:txBody>
+              <a:bodyPr/>
+              <a:lstStyle/>
+              <a:p>
+                <a:r>
+                  <a:rPr lang="en-US">
+                    <a:noFill/>
+                  </a:rPr>
+                  <a:t> </a:t>
+                </a:r>
+              </a:p>
+            </p:txBody>
+          </p:sp>
+        </mc:Fallback>
+      </mc:AlternateContent>
+      <mc:AlternateContent xmlns:mc="http://schemas.openxmlformats.org/markup-compatibility/2006" xmlns:a14="http://schemas.microsoft.com/office/drawing/2010/main">
+        <mc:Choice Requires="a14">
+          <p:sp>
+            <p:nvSpPr>
+              <p:cNvPr id="64" name="TextBox 63">
+                <a:extLst>
+                  <a:ext uri="{FF2B5EF4-FFF2-40B4-BE49-F238E27FC236}">
+                    <a16:creationId xmlns:a16="http://schemas.microsoft.com/office/drawing/2014/main" id="{6ADDE837-AF3D-3AE5-B1A9-8E21D894AD81}"/>
+                  </a:ext>
+                </a:extLst>
+              </p:cNvPr>
+              <p:cNvSpPr txBox="1"/>
+              <p:nvPr/>
+            </p:nvSpPr>
+            <p:spPr>
+              <a:xfrm>
+                <a:off x="9084054" y="2454628"/>
+                <a:ext cx="428771" cy="246221"/>
+              </a:xfrm>
+              <a:prstGeom prst="rect">
+                <a:avLst/>
+              </a:prstGeom>
+              <a:noFill/>
+            </p:spPr>
+            <p:txBody>
+              <a:bodyPr wrap="none" rtlCol="0">
+                <a:spAutoFit/>
+              </a:bodyPr>
+              <a:lstStyle/>
+              <a:p>
+                <a:pPr/>
+                <a14:m>
+                  <m:oMathPara xmlns:m="http://schemas.openxmlformats.org/officeDocument/2006/math">
+                    <m:oMathParaPr>
+                      <m:jc m:val="centerGroup"/>
+                    </m:oMathParaPr>
+                    <m:oMath xmlns:m="http://schemas.openxmlformats.org/officeDocument/2006/math">
+                      <m:r>
+                        <a:rPr lang="en-US" sz="1000" i="1" dirty="0" smtClean="0">
+                          <a:latin typeface="Cambria Math" panose="02040503050406030204" pitchFamily="18" charset="0"/>
+                        </a:rPr>
+                        <m:t>𝑠</m:t>
+                      </m:r>
+                      <m:r>
+                        <a:rPr lang="en-US" sz="1000" b="0" i="1" dirty="0" smtClean="0">
+                          <a:latin typeface="Cambria Math" panose="02040503050406030204" pitchFamily="18" charset="0"/>
+                        </a:rPr>
+                        <m:t>′,</m:t>
+                      </m:r>
+                      <m:r>
+                        <a:rPr lang="en-US" sz="1000" b="0" i="1" dirty="0" smtClean="0">
+                          <a:latin typeface="Cambria Math" panose="02040503050406030204" pitchFamily="18" charset="0"/>
+                        </a:rPr>
+                        <m:t>𝑎</m:t>
+                      </m:r>
+                    </m:oMath>
+                  </m:oMathPara>
+                </a14:m>
+                <a:endParaRPr lang="en-US" sz="1000" dirty="0"/>
+              </a:p>
+            </p:txBody>
+          </p:sp>
+        </mc:Choice>
+        <mc:Fallback xmlns="">
+          <p:sp>
+            <p:nvSpPr>
+              <p:cNvPr id="64" name="TextBox 63">
+                <a:extLst>
+                  <a:ext uri="{FF2B5EF4-FFF2-40B4-BE49-F238E27FC236}">
+                    <a16:creationId xmlns:a16="http://schemas.microsoft.com/office/drawing/2014/main" id="{6ADDE837-AF3D-3AE5-B1A9-8E21D894AD81}"/>
+                  </a:ext>
+                </a:extLst>
+              </p:cNvPr>
+              <p:cNvSpPr txBox="1">
+                <a:spLocks noRot="1" noChangeAspect="1" noMove="1" noResize="1" noEditPoints="1" noAdjustHandles="1" noChangeArrowheads="1" noChangeShapeType="1" noTextEdit="1"/>
+              </p:cNvSpPr>
+              <p:nvPr/>
+            </p:nvSpPr>
+            <p:spPr>
+              <a:xfrm>
+                <a:off x="9084054" y="2454628"/>
+                <a:ext cx="428771" cy="246221"/>
+              </a:xfrm>
+              <a:prstGeom prst="rect">
+                <a:avLst/>
+              </a:prstGeom>
+              <a:blipFill>
+                <a:blip r:embed="rId9"/>
+                <a:stretch>
+                  <a:fillRect/>
+                </a:stretch>
+              </a:blipFill>
+            </p:spPr>
+            <p:txBody>
+              <a:bodyPr/>
+              <a:lstStyle/>
+              <a:p>
+                <a:r>
+                  <a:rPr lang="en-US">
+                    <a:noFill/>
+                  </a:rPr>
+                  <a:t> </a:t>
+                </a:r>
+              </a:p>
+            </p:txBody>
+          </p:sp>
+        </mc:Fallback>
+      </mc:AlternateContent>
+      <mc:AlternateContent xmlns:mc="http://schemas.openxmlformats.org/markup-compatibility/2006" xmlns:a14="http://schemas.microsoft.com/office/drawing/2010/main">
+        <mc:Choice Requires="a14">
+          <p:sp>
+            <p:nvSpPr>
+              <p:cNvPr id="65" name="TextBox 64">
+                <a:extLst>
+                  <a:ext uri="{FF2B5EF4-FFF2-40B4-BE49-F238E27FC236}">
+                    <a16:creationId xmlns:a16="http://schemas.microsoft.com/office/drawing/2014/main" id="{910CD53A-5A7D-07D1-E870-DF73F9886066}"/>
+                  </a:ext>
+                </a:extLst>
+              </p:cNvPr>
+              <p:cNvSpPr txBox="1"/>
+              <p:nvPr/>
+            </p:nvSpPr>
+            <p:spPr>
+              <a:xfrm>
+                <a:off x="8440562" y="1410767"/>
+                <a:ext cx="287195" cy="246221"/>
+              </a:xfrm>
+              <a:prstGeom prst="rect">
+                <a:avLst/>
+              </a:prstGeom>
+              <a:noFill/>
+            </p:spPr>
+            <p:txBody>
+              <a:bodyPr wrap="none" rtlCol="0">
+                <a:spAutoFit/>
+              </a:bodyPr>
+              <a:lstStyle/>
+              <a:p>
+                <a:pPr/>
+                <a14:m>
+                  <m:oMathPara xmlns:m="http://schemas.openxmlformats.org/officeDocument/2006/math">
+                    <m:oMathParaPr>
+                      <m:jc m:val="centerGroup"/>
+                    </m:oMathParaPr>
+                    <m:oMath xmlns:m="http://schemas.openxmlformats.org/officeDocument/2006/math">
+                      <m:r>
+                        <a:rPr lang="en-US" sz="1000" b="0" i="1" smtClean="0">
+                          <a:latin typeface="Cambria Math" panose="02040503050406030204" pitchFamily="18" charset="0"/>
+                        </a:rPr>
+                        <m:t>𝑝</m:t>
+                      </m:r>
+                    </m:oMath>
+                  </m:oMathPara>
+                </a14:m>
+                <a:endParaRPr lang="en-US" sz="1000" dirty="0"/>
+              </a:p>
+            </p:txBody>
+          </p:sp>
+        </mc:Choice>
+        <mc:Fallback xmlns="">
+          <p:sp>
+            <p:nvSpPr>
+              <p:cNvPr id="65" name="TextBox 64">
+                <a:extLst>
+                  <a:ext uri="{FF2B5EF4-FFF2-40B4-BE49-F238E27FC236}">
+                    <a16:creationId xmlns:a16="http://schemas.microsoft.com/office/drawing/2014/main" id="{910CD53A-5A7D-07D1-E870-DF73F9886066}"/>
+                  </a:ext>
+                </a:extLst>
+              </p:cNvPr>
+              <p:cNvSpPr txBox="1">
+                <a:spLocks noRot="1" noChangeAspect="1" noMove="1" noResize="1" noEditPoints="1" noAdjustHandles="1" noChangeArrowheads="1" noChangeShapeType="1" noTextEdit="1"/>
+              </p:cNvSpPr>
+              <p:nvPr/>
+            </p:nvSpPr>
+            <p:spPr>
+              <a:xfrm>
+                <a:off x="8440562" y="1410767"/>
+                <a:ext cx="287195" cy="246221"/>
+              </a:xfrm>
+              <a:prstGeom prst="rect">
+                <a:avLst/>
+              </a:prstGeom>
+              <a:blipFill>
+                <a:blip r:embed="rId10"/>
+                <a:stretch>
+                  <a:fillRect/>
+                </a:stretch>
+              </a:blipFill>
+            </p:spPr>
+            <p:txBody>
+              <a:bodyPr/>
+              <a:lstStyle/>
+              <a:p>
+                <a:r>
+                  <a:rPr lang="en-US">
+                    <a:noFill/>
+                  </a:rPr>
+                  <a:t> </a:t>
+                </a:r>
+              </a:p>
+            </p:txBody>
+          </p:sp>
+        </mc:Fallback>
+      </mc:AlternateContent>
       <p:sp>
         <p:nvSpPr>
-          <p:cNvPr id="77" name="Oval 76">
+          <p:cNvPr id="75" name="Oval 74">
             <a:extLst>
               <a:ext uri="{FF2B5EF4-FFF2-40B4-BE49-F238E27FC236}">
-                <a16:creationId xmlns:a16="http://schemas.microsoft.com/office/drawing/2014/main" id="{95247656-ACF8-19CC-BF48-76EA22FA3C04}"/>
+                <a16:creationId xmlns:a16="http://schemas.microsoft.com/office/drawing/2014/main" id="{65DE8C26-B77A-B4B2-E92E-6C9612BE167C}"/>
               </a:ext>
             </a:extLst>
           </p:cNvPr>
@@ -11006,7 +10920,7 @@
         </p:nvSpPr>
         <p:spPr>
           <a:xfrm>
-            <a:off x="9148639" y="2449577"/>
+            <a:off x="8605116" y="2445630"/>
             <a:ext cx="287195" cy="279569"/>
           </a:xfrm>
           <a:prstGeom prst="ellipse">
@@ -11017,58 +10931,6 @@
               <a:alpha val="69963"/>
             </a:schemeClr>
           </a:solidFill>
-        </p:spPr>
-        <p:style>
-          <a:lnRef idx="2">
-            <a:schemeClr val="accent1">
-              <a:shade val="15000"/>
-            </a:schemeClr>
-          </a:lnRef>
-          <a:fillRef idx="1">
-            <a:schemeClr val="accent1"/>
-          </a:fillRef>
-          <a:effectRef idx="0">
-            <a:schemeClr val="accent1"/>
-          </a:effectRef>
-          <a:fontRef idx="minor">
-            <a:schemeClr val="lt1"/>
-          </a:fontRef>
-        </p:style>
-        <p:txBody>
-          <a:bodyPr rtlCol="0" anchor="ctr"/>
-          <a:lstStyle/>
-          <a:p>
-            <a:pPr algn="ctr"/>
-            <a:endParaRPr lang="en-US"/>
-          </a:p>
-        </p:txBody>
-      </p:sp>
-      <p:sp>
-        <p:nvSpPr>
-          <p:cNvPr id="79" name="Oval 78">
-            <a:extLst>
-              <a:ext uri="{FF2B5EF4-FFF2-40B4-BE49-F238E27FC236}">
-                <a16:creationId xmlns:a16="http://schemas.microsoft.com/office/drawing/2014/main" id="{967EC0C5-957D-DA32-4182-844FBC3A1C53}"/>
-              </a:ext>
-            </a:extLst>
-          </p:cNvPr>
-          <p:cNvSpPr/>
-          <p:nvPr/>
-        </p:nvSpPr>
-        <p:spPr>
-          <a:xfrm>
-            <a:off x="9188532" y="1126824"/>
-            <a:ext cx="287195" cy="287464"/>
-          </a:xfrm>
-          <a:prstGeom prst="ellipse">
-            <a:avLst/>
-          </a:prstGeom>
-          <a:noFill/>
-          <a:ln>
-            <a:solidFill>
-              <a:srgbClr val="C00000"/>
-            </a:solidFill>
-          </a:ln>
         </p:spPr>
         <p:style>
           <a:lnRef idx="2">
@@ -11250,6 +11112,4220 @@
           </a:p>
         </p:txBody>
       </p:sp>
+      <p:sp>
+        <p:nvSpPr>
+          <p:cNvPr id="85" name="Oval 84">
+            <a:extLst>
+              <a:ext uri="{FF2B5EF4-FFF2-40B4-BE49-F238E27FC236}">
+                <a16:creationId xmlns:a16="http://schemas.microsoft.com/office/drawing/2014/main" id="{4DDC3A89-55EF-7809-2EED-97279A2A252A}"/>
+              </a:ext>
+            </a:extLst>
+          </p:cNvPr>
+          <p:cNvSpPr/>
+          <p:nvPr/>
+        </p:nvSpPr>
+        <p:spPr>
+          <a:xfrm>
+            <a:off x="7750108" y="2453023"/>
+            <a:ext cx="287195" cy="279569"/>
+          </a:xfrm>
+          <a:prstGeom prst="ellipse">
+            <a:avLst/>
+          </a:prstGeom>
+          <a:solidFill>
+            <a:schemeClr val="accent1">
+              <a:alpha val="69963"/>
+            </a:schemeClr>
+          </a:solidFill>
+        </p:spPr>
+        <p:style>
+          <a:lnRef idx="2">
+            <a:schemeClr val="accent1">
+              <a:shade val="15000"/>
+            </a:schemeClr>
+          </a:lnRef>
+          <a:fillRef idx="1">
+            <a:schemeClr val="accent1"/>
+          </a:fillRef>
+          <a:effectRef idx="0">
+            <a:schemeClr val="accent1"/>
+          </a:effectRef>
+          <a:fontRef idx="minor">
+            <a:schemeClr val="lt1"/>
+          </a:fontRef>
+        </p:style>
+        <p:txBody>
+          <a:bodyPr rtlCol="0" anchor="ctr"/>
+          <a:lstStyle/>
+          <a:p>
+            <a:pPr algn="ctr"/>
+            <a:endParaRPr lang="en-US"/>
+          </a:p>
+        </p:txBody>
+      </p:sp>
+      <p:sp>
+        <p:nvSpPr>
+          <p:cNvPr id="86" name="Oval 85">
+            <a:extLst>
+              <a:ext uri="{FF2B5EF4-FFF2-40B4-BE49-F238E27FC236}">
+                <a16:creationId xmlns:a16="http://schemas.microsoft.com/office/drawing/2014/main" id="{16D2C223-0261-E518-AD9C-8640582246B5}"/>
+              </a:ext>
+            </a:extLst>
+          </p:cNvPr>
+          <p:cNvSpPr/>
+          <p:nvPr/>
+        </p:nvSpPr>
+        <p:spPr>
+          <a:xfrm>
+            <a:off x="7355987" y="2448599"/>
+            <a:ext cx="287195" cy="279569"/>
+          </a:xfrm>
+          <a:prstGeom prst="ellipse">
+            <a:avLst/>
+          </a:prstGeom>
+          <a:solidFill>
+            <a:schemeClr val="accent1">
+              <a:alpha val="69963"/>
+            </a:schemeClr>
+          </a:solidFill>
+        </p:spPr>
+        <p:style>
+          <a:lnRef idx="2">
+            <a:schemeClr val="accent1">
+              <a:shade val="15000"/>
+            </a:schemeClr>
+          </a:lnRef>
+          <a:fillRef idx="1">
+            <a:schemeClr val="accent1"/>
+          </a:fillRef>
+          <a:effectRef idx="0">
+            <a:schemeClr val="accent1"/>
+          </a:effectRef>
+          <a:fontRef idx="minor">
+            <a:schemeClr val="lt1"/>
+          </a:fontRef>
+        </p:style>
+        <p:txBody>
+          <a:bodyPr rtlCol="0" anchor="ctr"/>
+          <a:lstStyle/>
+          <a:p>
+            <a:pPr algn="ctr"/>
+            <a:endParaRPr lang="en-US"/>
+          </a:p>
+        </p:txBody>
+      </p:sp>
+      <p:sp>
+        <p:nvSpPr>
+          <p:cNvPr id="87" name="Oval 86">
+            <a:extLst>
+              <a:ext uri="{FF2B5EF4-FFF2-40B4-BE49-F238E27FC236}">
+                <a16:creationId xmlns:a16="http://schemas.microsoft.com/office/drawing/2014/main" id="{209E8C9C-8C46-8781-FB7E-0E4D0E66241E}"/>
+              </a:ext>
+            </a:extLst>
+          </p:cNvPr>
+          <p:cNvSpPr/>
+          <p:nvPr/>
+        </p:nvSpPr>
+        <p:spPr>
+          <a:xfrm>
+            <a:off x="6851944" y="2459594"/>
+            <a:ext cx="287195" cy="279569"/>
+          </a:xfrm>
+          <a:prstGeom prst="ellipse">
+            <a:avLst/>
+          </a:prstGeom>
+          <a:solidFill>
+            <a:schemeClr val="accent1">
+              <a:alpha val="69963"/>
+            </a:schemeClr>
+          </a:solidFill>
+        </p:spPr>
+        <p:style>
+          <a:lnRef idx="2">
+            <a:schemeClr val="accent1">
+              <a:shade val="15000"/>
+            </a:schemeClr>
+          </a:lnRef>
+          <a:fillRef idx="1">
+            <a:schemeClr val="accent1"/>
+          </a:fillRef>
+          <a:effectRef idx="0">
+            <a:schemeClr val="accent1"/>
+          </a:effectRef>
+          <a:fontRef idx="minor">
+            <a:schemeClr val="lt1"/>
+          </a:fontRef>
+        </p:style>
+        <p:txBody>
+          <a:bodyPr rtlCol="0" anchor="ctr"/>
+          <a:lstStyle/>
+          <a:p>
+            <a:pPr algn="ctr"/>
+            <a:endParaRPr lang="en-US"/>
+          </a:p>
+        </p:txBody>
+      </p:sp>
+      <p:grpSp>
+        <p:nvGrpSpPr>
+          <p:cNvPr id="114" name="Group 113">
+            <a:extLst>
+              <a:ext uri="{FF2B5EF4-FFF2-40B4-BE49-F238E27FC236}">
+                <a16:creationId xmlns:a16="http://schemas.microsoft.com/office/drawing/2014/main" id="{405DC351-328B-8CF2-6D37-D841599CD5B3}"/>
+              </a:ext>
+            </a:extLst>
+          </p:cNvPr>
+          <p:cNvGrpSpPr/>
+          <p:nvPr/>
+        </p:nvGrpSpPr>
+        <p:grpSpPr>
+          <a:xfrm>
+            <a:off x="3883371" y="3573733"/>
+            <a:ext cx="2367731" cy="1028109"/>
+            <a:chOff x="3883371" y="3573733"/>
+            <a:chExt cx="2367731" cy="1028109"/>
+          </a:xfrm>
+        </p:grpSpPr>
+        <p:sp>
+          <p:nvSpPr>
+            <p:cNvPr id="93" name="Oval 92">
+              <a:extLst>
+                <a:ext uri="{FF2B5EF4-FFF2-40B4-BE49-F238E27FC236}">
+                  <a16:creationId xmlns:a16="http://schemas.microsoft.com/office/drawing/2014/main" id="{87B4C626-5967-2BE9-5C7C-BCBF46C8A0E5}"/>
+                </a:ext>
+              </a:extLst>
+            </p:cNvPr>
+            <p:cNvSpPr/>
+            <p:nvPr/>
+          </p:nvSpPr>
+          <p:spPr>
+            <a:xfrm>
+              <a:off x="4629976" y="3663691"/>
+              <a:ext cx="287195" cy="287464"/>
+            </a:xfrm>
+            <a:prstGeom prst="ellipse">
+              <a:avLst/>
+            </a:prstGeom>
+            <a:noFill/>
+            <a:ln>
+              <a:solidFill>
+                <a:srgbClr val="C00000"/>
+              </a:solidFill>
+            </a:ln>
+          </p:spPr>
+          <p:style>
+            <a:lnRef idx="2">
+              <a:schemeClr val="accent1">
+                <a:shade val="15000"/>
+              </a:schemeClr>
+            </a:lnRef>
+            <a:fillRef idx="1">
+              <a:schemeClr val="accent1"/>
+            </a:fillRef>
+            <a:effectRef idx="0">
+              <a:schemeClr val="accent1"/>
+            </a:effectRef>
+            <a:fontRef idx="minor">
+              <a:schemeClr val="lt1"/>
+            </a:fontRef>
+          </p:style>
+          <p:txBody>
+            <a:bodyPr rtlCol="0" anchor="ctr"/>
+            <a:lstStyle/>
+            <a:p>
+              <a:pPr algn="ctr"/>
+              <a:endParaRPr lang="en-US"/>
+            </a:p>
+          </p:txBody>
+        </p:sp>
+        <p:sp>
+          <p:nvSpPr>
+            <p:cNvPr id="94" name="Oval 93">
+              <a:extLst>
+                <a:ext uri="{FF2B5EF4-FFF2-40B4-BE49-F238E27FC236}">
+                  <a16:creationId xmlns:a16="http://schemas.microsoft.com/office/drawing/2014/main" id="{39EDD575-FBFD-22C3-AB9D-8421FD40BE11}"/>
+                </a:ext>
+              </a:extLst>
+            </p:cNvPr>
+            <p:cNvSpPr/>
+            <p:nvPr/>
+          </p:nvSpPr>
+          <p:spPr>
+            <a:xfrm>
+              <a:off x="5360227" y="4312684"/>
+              <a:ext cx="287195" cy="279569"/>
+            </a:xfrm>
+            <a:prstGeom prst="ellipse">
+              <a:avLst/>
+            </a:prstGeom>
+            <a:solidFill>
+              <a:schemeClr val="accent1">
+                <a:alpha val="69963"/>
+              </a:schemeClr>
+            </a:solidFill>
+          </p:spPr>
+          <p:style>
+            <a:lnRef idx="2">
+              <a:schemeClr val="accent1">
+                <a:shade val="15000"/>
+              </a:schemeClr>
+            </a:lnRef>
+            <a:fillRef idx="1">
+              <a:schemeClr val="accent1"/>
+            </a:fillRef>
+            <a:effectRef idx="0">
+              <a:schemeClr val="accent1"/>
+            </a:effectRef>
+            <a:fontRef idx="minor">
+              <a:schemeClr val="lt1"/>
+            </a:fontRef>
+          </p:style>
+          <p:txBody>
+            <a:bodyPr rtlCol="0" anchor="ctr"/>
+            <a:lstStyle/>
+            <a:p>
+              <a:pPr algn="ctr"/>
+              <a:endParaRPr lang="en-US"/>
+            </a:p>
+          </p:txBody>
+        </p:sp>
+        <p:sp>
+          <p:nvSpPr>
+            <p:cNvPr id="96" name="Oval 95">
+              <a:extLst>
+                <a:ext uri="{FF2B5EF4-FFF2-40B4-BE49-F238E27FC236}">
+                  <a16:creationId xmlns:a16="http://schemas.microsoft.com/office/drawing/2014/main" id="{0486E9B5-FF0F-954F-6430-89FD16ED949A}"/>
+                </a:ext>
+              </a:extLst>
+            </p:cNvPr>
+            <p:cNvSpPr/>
+            <p:nvPr/>
+          </p:nvSpPr>
+          <p:spPr>
+            <a:xfrm>
+              <a:off x="4625757" y="4322273"/>
+              <a:ext cx="287195" cy="279569"/>
+            </a:xfrm>
+            <a:prstGeom prst="ellipse">
+              <a:avLst/>
+            </a:prstGeom>
+            <a:solidFill>
+              <a:schemeClr val="accent1">
+                <a:alpha val="69963"/>
+              </a:schemeClr>
+            </a:solidFill>
+          </p:spPr>
+          <p:style>
+            <a:lnRef idx="2">
+              <a:schemeClr val="accent1">
+                <a:shade val="15000"/>
+              </a:schemeClr>
+            </a:lnRef>
+            <a:fillRef idx="1">
+              <a:schemeClr val="accent1"/>
+            </a:fillRef>
+            <a:effectRef idx="0">
+              <a:schemeClr val="accent1"/>
+            </a:effectRef>
+            <a:fontRef idx="minor">
+              <a:schemeClr val="lt1"/>
+            </a:fontRef>
+          </p:style>
+          <p:txBody>
+            <a:bodyPr rtlCol="0" anchor="ctr"/>
+            <a:lstStyle/>
+            <a:p>
+              <a:pPr algn="ctr"/>
+              <a:endParaRPr lang="en-US"/>
+            </a:p>
+          </p:txBody>
+        </p:sp>
+        <p:sp>
+          <p:nvSpPr>
+            <p:cNvPr id="98" name="Oval 97">
+              <a:extLst>
+                <a:ext uri="{FF2B5EF4-FFF2-40B4-BE49-F238E27FC236}">
+                  <a16:creationId xmlns:a16="http://schemas.microsoft.com/office/drawing/2014/main" id="{AACE1C21-9462-FF12-0FEE-EF39BC3502A2}"/>
+                </a:ext>
+              </a:extLst>
+            </p:cNvPr>
+            <p:cNvSpPr/>
+            <p:nvPr/>
+          </p:nvSpPr>
+          <p:spPr>
+            <a:xfrm>
+              <a:off x="3952150" y="4318680"/>
+              <a:ext cx="287195" cy="279569"/>
+            </a:xfrm>
+            <a:prstGeom prst="ellipse">
+              <a:avLst/>
+            </a:prstGeom>
+            <a:solidFill>
+              <a:schemeClr val="accent1">
+                <a:alpha val="69963"/>
+              </a:schemeClr>
+            </a:solidFill>
+          </p:spPr>
+          <p:style>
+            <a:lnRef idx="2">
+              <a:schemeClr val="accent1">
+                <a:shade val="15000"/>
+              </a:schemeClr>
+            </a:lnRef>
+            <a:fillRef idx="1">
+              <a:schemeClr val="accent1"/>
+            </a:fillRef>
+            <a:effectRef idx="0">
+              <a:schemeClr val="accent1"/>
+            </a:effectRef>
+            <a:fontRef idx="minor">
+              <a:schemeClr val="lt1"/>
+            </a:fontRef>
+          </p:style>
+          <p:txBody>
+            <a:bodyPr rtlCol="0" anchor="ctr"/>
+            <a:lstStyle/>
+            <a:p>
+              <a:pPr algn="ctr"/>
+              <a:endParaRPr lang="en-US"/>
+            </a:p>
+          </p:txBody>
+        </p:sp>
+        <mc:AlternateContent xmlns:mc="http://schemas.openxmlformats.org/markup-compatibility/2006" xmlns:a14="http://schemas.microsoft.com/office/drawing/2010/main">
+          <mc:Choice Requires="a14">
+            <p:sp>
+              <p:nvSpPr>
+                <p:cNvPr id="99" name="TextBox 98">
+                  <a:extLst>
+                    <a:ext uri="{FF2B5EF4-FFF2-40B4-BE49-F238E27FC236}">
+                      <a16:creationId xmlns:a16="http://schemas.microsoft.com/office/drawing/2014/main" id="{847D5537-66FC-313A-A109-8FEDD9FB11F1}"/>
+                    </a:ext>
+                  </a:extLst>
+                </p:cNvPr>
+                <p:cNvSpPr txBox="1"/>
+                <p:nvPr/>
+              </p:nvSpPr>
+              <p:spPr>
+                <a:xfrm>
+                  <a:off x="3883371" y="4322273"/>
+                  <a:ext cx="451470" cy="246221"/>
+                </a:xfrm>
+                <a:prstGeom prst="rect">
+                  <a:avLst/>
+                </a:prstGeom>
+                <a:noFill/>
+              </p:spPr>
+              <p:txBody>
+                <a:bodyPr wrap="none" rtlCol="0">
+                  <a:spAutoFit/>
+                </a:bodyPr>
+                <a:lstStyle/>
+                <a:p>
+                  <a:pPr/>
+                  <a14:m>
+                    <m:oMathPara xmlns:m="http://schemas.openxmlformats.org/officeDocument/2006/math">
+                      <m:oMathParaPr>
+                        <m:jc m:val="centerGroup"/>
+                      </m:oMathParaPr>
+                      <m:oMath xmlns:m="http://schemas.openxmlformats.org/officeDocument/2006/math">
+                        <m:r>
+                          <a:rPr lang="en-US" sz="1000" i="1" dirty="0" smtClean="0">
+                            <a:latin typeface="Cambria Math" panose="02040503050406030204" pitchFamily="18" charset="0"/>
+                          </a:rPr>
+                          <m:t>𝑠</m:t>
+                        </m:r>
+                        <m:r>
+                          <a:rPr lang="en-US" sz="1000" b="0" i="1" dirty="0" smtClean="0">
+                            <a:latin typeface="Cambria Math" panose="02040503050406030204" pitchFamily="18" charset="0"/>
+                          </a:rPr>
+                          <m:t>,</m:t>
+                        </m:r>
+                        <m:sSub>
+                          <m:sSubPr>
+                            <m:ctrlPr>
+                              <a:rPr lang="en-US" sz="1000" b="0" i="1" dirty="0" smtClean="0">
+                                <a:latin typeface="Cambria Math" panose="02040503050406030204" pitchFamily="18" charset="0"/>
+                              </a:rPr>
+                            </m:ctrlPr>
+                          </m:sSubPr>
+                          <m:e>
+                            <m:r>
+                              <a:rPr lang="en-US" sz="1000" b="0" i="1" dirty="0" smtClean="0">
+                                <a:latin typeface="Cambria Math" panose="02040503050406030204" pitchFamily="18" charset="0"/>
+                              </a:rPr>
+                              <m:t>𝑎</m:t>
+                            </m:r>
+                          </m:e>
+                          <m:sub>
+                            <m:r>
+                              <a:rPr lang="en-US" sz="1000" b="0" i="1" dirty="0" smtClean="0">
+                                <a:latin typeface="Cambria Math" panose="02040503050406030204" pitchFamily="18" charset="0"/>
+                              </a:rPr>
+                              <m:t>1</m:t>
+                            </m:r>
+                          </m:sub>
+                        </m:sSub>
+                      </m:oMath>
+                    </m:oMathPara>
+                  </a14:m>
+                  <a:endParaRPr lang="en-US" sz="1000" dirty="0"/>
+                </a:p>
+              </p:txBody>
+            </p:sp>
+          </mc:Choice>
+          <mc:Fallback xmlns="">
+            <p:sp>
+              <p:nvSpPr>
+                <p:cNvPr id="99" name="TextBox 98">
+                  <a:extLst>
+                    <a:ext uri="{FF2B5EF4-FFF2-40B4-BE49-F238E27FC236}">
+                      <a16:creationId xmlns:a16="http://schemas.microsoft.com/office/drawing/2014/main" id="{847D5537-66FC-313A-A109-8FEDD9FB11F1}"/>
+                    </a:ext>
+                  </a:extLst>
+                </p:cNvPr>
+                <p:cNvSpPr txBox="1">
+                  <a:spLocks noRot="1" noChangeAspect="1" noMove="1" noResize="1" noEditPoints="1" noAdjustHandles="1" noChangeArrowheads="1" noChangeShapeType="1" noTextEdit="1"/>
+                </p:cNvSpPr>
+                <p:nvPr/>
+              </p:nvSpPr>
+              <p:spPr>
+                <a:xfrm>
+                  <a:off x="3883371" y="4322273"/>
+                  <a:ext cx="451470" cy="246221"/>
+                </a:xfrm>
+                <a:prstGeom prst="rect">
+                  <a:avLst/>
+                </a:prstGeom>
+                <a:blipFill>
+                  <a:blip r:embed="rId11"/>
+                  <a:stretch>
+                    <a:fillRect/>
+                  </a:stretch>
+                </a:blipFill>
+              </p:spPr>
+              <p:txBody>
+                <a:bodyPr/>
+                <a:lstStyle/>
+                <a:p>
+                  <a:r>
+                    <a:rPr lang="en-US">
+                      <a:noFill/>
+                    </a:rPr>
+                    <a:t> </a:t>
+                  </a:r>
+                </a:p>
+              </p:txBody>
+            </p:sp>
+          </mc:Fallback>
+        </mc:AlternateContent>
+        <mc:AlternateContent xmlns:mc="http://schemas.openxmlformats.org/markup-compatibility/2006" xmlns:a14="http://schemas.microsoft.com/office/drawing/2010/main">
+          <mc:Choice Requires="a14">
+            <p:sp>
+              <p:nvSpPr>
+                <p:cNvPr id="101" name="TextBox 100">
+                  <a:extLst>
+                    <a:ext uri="{FF2B5EF4-FFF2-40B4-BE49-F238E27FC236}">
+                      <a16:creationId xmlns:a16="http://schemas.microsoft.com/office/drawing/2014/main" id="{5222CEE2-8619-89AD-4028-19FF593148D1}"/>
+                    </a:ext>
+                  </a:extLst>
+                </p:cNvPr>
+                <p:cNvSpPr txBox="1"/>
+                <p:nvPr/>
+              </p:nvSpPr>
+              <p:spPr>
+                <a:xfrm>
+                  <a:off x="4542144" y="4322272"/>
+                  <a:ext cx="454419" cy="246221"/>
+                </a:xfrm>
+                <a:prstGeom prst="rect">
+                  <a:avLst/>
+                </a:prstGeom>
+                <a:noFill/>
+              </p:spPr>
+              <p:txBody>
+                <a:bodyPr wrap="none" rtlCol="0">
+                  <a:spAutoFit/>
+                </a:bodyPr>
+                <a:lstStyle/>
+                <a:p>
+                  <a:pPr/>
+                  <a14:m>
+                    <m:oMathPara xmlns:m="http://schemas.openxmlformats.org/officeDocument/2006/math">
+                      <m:oMathParaPr>
+                        <m:jc m:val="centerGroup"/>
+                      </m:oMathParaPr>
+                      <m:oMath xmlns:m="http://schemas.openxmlformats.org/officeDocument/2006/math">
+                        <m:r>
+                          <a:rPr lang="en-US" sz="1000" i="1" dirty="0" smtClean="0">
+                            <a:latin typeface="Cambria Math" panose="02040503050406030204" pitchFamily="18" charset="0"/>
+                          </a:rPr>
+                          <m:t>𝑠</m:t>
+                        </m:r>
+                        <m:r>
+                          <a:rPr lang="en-US" sz="1000" b="0" i="1" dirty="0" smtClean="0">
+                            <a:latin typeface="Cambria Math" panose="02040503050406030204" pitchFamily="18" charset="0"/>
+                          </a:rPr>
+                          <m:t>,</m:t>
+                        </m:r>
+                        <m:sSub>
+                          <m:sSubPr>
+                            <m:ctrlPr>
+                              <a:rPr lang="en-US" sz="1000" b="0" i="1" dirty="0" smtClean="0">
+                                <a:latin typeface="Cambria Math" panose="02040503050406030204" pitchFamily="18" charset="0"/>
+                              </a:rPr>
+                            </m:ctrlPr>
+                          </m:sSubPr>
+                          <m:e>
+                            <m:r>
+                              <a:rPr lang="en-US" sz="1000" b="0" i="1" dirty="0" smtClean="0">
+                                <a:latin typeface="Cambria Math" panose="02040503050406030204" pitchFamily="18" charset="0"/>
+                              </a:rPr>
+                              <m:t>𝑎</m:t>
+                            </m:r>
+                          </m:e>
+                          <m:sub>
+                            <m:r>
+                              <a:rPr lang="en-US" sz="1000" b="0" i="1" dirty="0" smtClean="0">
+                                <a:latin typeface="Cambria Math" panose="02040503050406030204" pitchFamily="18" charset="0"/>
+                              </a:rPr>
+                              <m:t>2</m:t>
+                            </m:r>
+                          </m:sub>
+                        </m:sSub>
+                      </m:oMath>
+                    </m:oMathPara>
+                  </a14:m>
+                  <a:endParaRPr lang="en-US" sz="1000" dirty="0"/>
+                </a:p>
+              </p:txBody>
+            </p:sp>
+          </mc:Choice>
+          <mc:Fallback xmlns="">
+            <p:sp>
+              <p:nvSpPr>
+                <p:cNvPr id="101" name="TextBox 100">
+                  <a:extLst>
+                    <a:ext uri="{FF2B5EF4-FFF2-40B4-BE49-F238E27FC236}">
+                      <a16:creationId xmlns:a16="http://schemas.microsoft.com/office/drawing/2014/main" id="{5222CEE2-8619-89AD-4028-19FF593148D1}"/>
+                    </a:ext>
+                  </a:extLst>
+                </p:cNvPr>
+                <p:cNvSpPr txBox="1">
+                  <a:spLocks noRot="1" noChangeAspect="1" noMove="1" noResize="1" noEditPoints="1" noAdjustHandles="1" noChangeArrowheads="1" noChangeShapeType="1" noTextEdit="1"/>
+                </p:cNvSpPr>
+                <p:nvPr/>
+              </p:nvSpPr>
+              <p:spPr>
+                <a:xfrm>
+                  <a:off x="4542144" y="4322272"/>
+                  <a:ext cx="454419" cy="246221"/>
+                </a:xfrm>
+                <a:prstGeom prst="rect">
+                  <a:avLst/>
+                </a:prstGeom>
+                <a:blipFill>
+                  <a:blip r:embed="rId12"/>
+                  <a:stretch>
+                    <a:fillRect/>
+                  </a:stretch>
+                </a:blipFill>
+              </p:spPr>
+              <p:txBody>
+                <a:bodyPr/>
+                <a:lstStyle/>
+                <a:p>
+                  <a:r>
+                    <a:rPr lang="en-US">
+                      <a:noFill/>
+                    </a:rPr>
+                    <a:t> </a:t>
+                  </a:r>
+                </a:p>
+              </p:txBody>
+            </p:sp>
+          </mc:Fallback>
+        </mc:AlternateContent>
+        <mc:AlternateContent xmlns:mc="http://schemas.openxmlformats.org/markup-compatibility/2006" xmlns:a14="http://schemas.microsoft.com/office/drawing/2010/main">
+          <mc:Choice Requires="a14">
+            <p:sp>
+              <p:nvSpPr>
+                <p:cNvPr id="102" name="TextBox 101">
+                  <a:extLst>
+                    <a:ext uri="{FF2B5EF4-FFF2-40B4-BE49-F238E27FC236}">
+                      <a16:creationId xmlns:a16="http://schemas.microsoft.com/office/drawing/2014/main" id="{0FCE7E50-6E86-7106-58EA-6C9B9A9550FB}"/>
+                    </a:ext>
+                  </a:extLst>
+                </p:cNvPr>
+                <p:cNvSpPr txBox="1"/>
+                <p:nvPr/>
+              </p:nvSpPr>
+              <p:spPr>
+                <a:xfrm>
+                  <a:off x="5289540" y="4312684"/>
+                  <a:ext cx="454419" cy="246221"/>
+                </a:xfrm>
+                <a:prstGeom prst="rect">
+                  <a:avLst/>
+                </a:prstGeom>
+                <a:noFill/>
+              </p:spPr>
+              <p:txBody>
+                <a:bodyPr wrap="none" rtlCol="0">
+                  <a:spAutoFit/>
+                </a:bodyPr>
+                <a:lstStyle/>
+                <a:p>
+                  <a:pPr/>
+                  <a14:m>
+                    <m:oMathPara xmlns:m="http://schemas.openxmlformats.org/officeDocument/2006/math">
+                      <m:oMathParaPr>
+                        <m:jc m:val="centerGroup"/>
+                      </m:oMathParaPr>
+                      <m:oMath xmlns:m="http://schemas.openxmlformats.org/officeDocument/2006/math">
+                        <m:r>
+                          <a:rPr lang="en-US" sz="1000" i="1" dirty="0" smtClean="0">
+                            <a:latin typeface="Cambria Math" panose="02040503050406030204" pitchFamily="18" charset="0"/>
+                          </a:rPr>
+                          <m:t>𝑠</m:t>
+                        </m:r>
+                        <m:r>
+                          <a:rPr lang="en-US" sz="1000" b="0" i="1" dirty="0" smtClean="0">
+                            <a:latin typeface="Cambria Math" panose="02040503050406030204" pitchFamily="18" charset="0"/>
+                          </a:rPr>
+                          <m:t>,</m:t>
+                        </m:r>
+                        <m:sSub>
+                          <m:sSubPr>
+                            <m:ctrlPr>
+                              <a:rPr lang="en-US" sz="1000" b="0" i="1" dirty="0" smtClean="0">
+                                <a:latin typeface="Cambria Math" panose="02040503050406030204" pitchFamily="18" charset="0"/>
+                              </a:rPr>
+                            </m:ctrlPr>
+                          </m:sSubPr>
+                          <m:e>
+                            <m:r>
+                              <a:rPr lang="en-US" sz="1000" b="0" i="1" dirty="0" smtClean="0">
+                                <a:latin typeface="Cambria Math" panose="02040503050406030204" pitchFamily="18" charset="0"/>
+                              </a:rPr>
+                              <m:t>𝑎</m:t>
+                            </m:r>
+                          </m:e>
+                          <m:sub>
+                            <m:r>
+                              <a:rPr lang="en-US" sz="1000" b="0" i="1" dirty="0" smtClean="0">
+                                <a:latin typeface="Cambria Math" panose="02040503050406030204" pitchFamily="18" charset="0"/>
+                              </a:rPr>
+                              <m:t>3</m:t>
+                            </m:r>
+                          </m:sub>
+                        </m:sSub>
+                      </m:oMath>
+                    </m:oMathPara>
+                  </a14:m>
+                  <a:endParaRPr lang="en-US" sz="1000" dirty="0"/>
+                </a:p>
+              </p:txBody>
+            </p:sp>
+          </mc:Choice>
+          <mc:Fallback xmlns="">
+            <p:sp>
+              <p:nvSpPr>
+                <p:cNvPr id="102" name="TextBox 101">
+                  <a:extLst>
+                    <a:ext uri="{FF2B5EF4-FFF2-40B4-BE49-F238E27FC236}">
+                      <a16:creationId xmlns:a16="http://schemas.microsoft.com/office/drawing/2014/main" id="{0FCE7E50-6E86-7106-58EA-6C9B9A9550FB}"/>
+                    </a:ext>
+                  </a:extLst>
+                </p:cNvPr>
+                <p:cNvSpPr txBox="1">
+                  <a:spLocks noRot="1" noChangeAspect="1" noMove="1" noResize="1" noEditPoints="1" noAdjustHandles="1" noChangeArrowheads="1" noChangeShapeType="1" noTextEdit="1"/>
+                </p:cNvSpPr>
+                <p:nvPr/>
+              </p:nvSpPr>
+              <p:spPr>
+                <a:xfrm>
+                  <a:off x="5289540" y="4312684"/>
+                  <a:ext cx="454419" cy="246221"/>
+                </a:xfrm>
+                <a:prstGeom prst="rect">
+                  <a:avLst/>
+                </a:prstGeom>
+                <a:blipFill>
+                  <a:blip r:embed="rId13"/>
+                  <a:stretch>
+                    <a:fillRect/>
+                  </a:stretch>
+                </a:blipFill>
+              </p:spPr>
+              <p:txBody>
+                <a:bodyPr/>
+                <a:lstStyle/>
+                <a:p>
+                  <a:r>
+                    <a:rPr lang="en-US">
+                      <a:noFill/>
+                    </a:rPr>
+                    <a:t> </a:t>
+                  </a:r>
+                </a:p>
+              </p:txBody>
+            </p:sp>
+          </mc:Fallback>
+        </mc:AlternateContent>
+        <mc:AlternateContent xmlns:mc="http://schemas.openxmlformats.org/markup-compatibility/2006" xmlns:a14="http://schemas.microsoft.com/office/drawing/2010/main">
+          <mc:Choice Requires="a14">
+            <p:sp>
+              <p:nvSpPr>
+                <p:cNvPr id="103" name="TextBox 102">
+                  <a:extLst>
+                    <a:ext uri="{FF2B5EF4-FFF2-40B4-BE49-F238E27FC236}">
+                      <a16:creationId xmlns:a16="http://schemas.microsoft.com/office/drawing/2014/main" id="{44658C02-E253-4BFF-8818-00DD527B3D7C}"/>
+                    </a:ext>
+                  </a:extLst>
+                </p:cNvPr>
+                <p:cNvSpPr txBox="1"/>
+                <p:nvPr/>
+              </p:nvSpPr>
+              <p:spPr>
+                <a:xfrm>
+                  <a:off x="4587210" y="3673026"/>
+                  <a:ext cx="386196" cy="246221"/>
+                </a:xfrm>
+                <a:prstGeom prst="rect">
+                  <a:avLst/>
+                </a:prstGeom>
+                <a:noFill/>
+              </p:spPr>
+              <p:txBody>
+                <a:bodyPr wrap="none" rtlCol="0">
+                  <a:spAutoFit/>
+                </a:bodyPr>
+                <a:lstStyle/>
+                <a:p>
+                  <a:pPr/>
+                  <a14:m>
+                    <m:oMathPara xmlns:m="http://schemas.openxmlformats.org/officeDocument/2006/math">
+                      <m:oMathParaPr>
+                        <m:jc m:val="centerGroup"/>
+                      </m:oMathParaPr>
+                      <m:oMath xmlns:m="http://schemas.openxmlformats.org/officeDocument/2006/math">
+                        <m:r>
+                          <a:rPr lang="en-US" sz="1000" b="0" i="1" dirty="0" smtClean="0">
+                            <a:latin typeface="Cambria Math" panose="02040503050406030204" pitchFamily="18" charset="0"/>
+                          </a:rPr>
+                          <m:t>𝑟</m:t>
+                        </m:r>
+                        <m:r>
+                          <a:rPr lang="en-US" sz="1000" b="0" i="1" dirty="0" smtClean="0">
+                            <a:latin typeface="Cambria Math" panose="02040503050406030204" pitchFamily="18" charset="0"/>
+                          </a:rPr>
+                          <m:t>,</m:t>
+                        </m:r>
+                        <m:r>
+                          <a:rPr lang="en-US" sz="1000" i="1" dirty="0" smtClean="0">
+                            <a:latin typeface="Cambria Math" panose="02040503050406030204" pitchFamily="18" charset="0"/>
+                          </a:rPr>
+                          <m:t>𝑠</m:t>
+                        </m:r>
+                      </m:oMath>
+                    </m:oMathPara>
+                  </a14:m>
+                  <a:endParaRPr lang="en-US" sz="1000" dirty="0"/>
+                </a:p>
+              </p:txBody>
+            </p:sp>
+          </mc:Choice>
+          <mc:Fallback xmlns="">
+            <p:sp>
+              <p:nvSpPr>
+                <p:cNvPr id="103" name="TextBox 102">
+                  <a:extLst>
+                    <a:ext uri="{FF2B5EF4-FFF2-40B4-BE49-F238E27FC236}">
+                      <a16:creationId xmlns:a16="http://schemas.microsoft.com/office/drawing/2014/main" id="{44658C02-E253-4BFF-8818-00DD527B3D7C}"/>
+                    </a:ext>
+                  </a:extLst>
+                </p:cNvPr>
+                <p:cNvSpPr txBox="1">
+                  <a:spLocks noRot="1" noChangeAspect="1" noMove="1" noResize="1" noEditPoints="1" noAdjustHandles="1" noChangeArrowheads="1" noChangeShapeType="1" noTextEdit="1"/>
+                </p:cNvSpPr>
+                <p:nvPr/>
+              </p:nvSpPr>
+              <p:spPr>
+                <a:xfrm>
+                  <a:off x="4587210" y="3673026"/>
+                  <a:ext cx="386196" cy="246221"/>
+                </a:xfrm>
+                <a:prstGeom prst="rect">
+                  <a:avLst/>
+                </a:prstGeom>
+                <a:blipFill>
+                  <a:blip r:embed="rId14"/>
+                  <a:stretch>
+                    <a:fillRect/>
+                  </a:stretch>
+                </a:blipFill>
+              </p:spPr>
+              <p:txBody>
+                <a:bodyPr/>
+                <a:lstStyle/>
+                <a:p>
+                  <a:r>
+                    <a:rPr lang="en-US">
+                      <a:noFill/>
+                    </a:rPr>
+                    <a:t> </a:t>
+                  </a:r>
+                </a:p>
+              </p:txBody>
+            </p:sp>
+          </mc:Fallback>
+        </mc:AlternateContent>
+        <p:cxnSp>
+          <p:nvCxnSpPr>
+            <p:cNvPr id="105" name="Straight Arrow Connector 104">
+              <a:extLst>
+                <a:ext uri="{FF2B5EF4-FFF2-40B4-BE49-F238E27FC236}">
+                  <a16:creationId xmlns:a16="http://schemas.microsoft.com/office/drawing/2014/main" id="{86F4F7B7-D30E-26EC-6222-1CD34E33DD60}"/>
+                </a:ext>
+              </a:extLst>
+            </p:cNvPr>
+            <p:cNvCxnSpPr>
+              <a:cxnSpLocks/>
+              <a:stCxn id="93" idx="3"/>
+              <a:endCxn id="99" idx="0"/>
+            </p:cNvCxnSpPr>
+            <p:nvPr/>
+          </p:nvCxnSpPr>
+          <p:spPr>
+            <a:xfrm flipH="1">
+              <a:off x="4109106" y="3909057"/>
+              <a:ext cx="562929" cy="413216"/>
+            </a:xfrm>
+            <a:prstGeom prst="straightConnector1">
+              <a:avLst/>
+            </a:prstGeom>
+            <a:ln>
+              <a:tailEnd type="triangle"/>
+            </a:ln>
+          </p:spPr>
+          <p:style>
+            <a:lnRef idx="1">
+              <a:schemeClr val="accent1"/>
+            </a:lnRef>
+            <a:fillRef idx="0">
+              <a:schemeClr val="accent1"/>
+            </a:fillRef>
+            <a:effectRef idx="0">
+              <a:schemeClr val="accent1"/>
+            </a:effectRef>
+            <a:fontRef idx="minor">
+              <a:schemeClr val="tx1"/>
+            </a:fontRef>
+          </p:style>
+        </p:cxnSp>
+        <p:cxnSp>
+          <p:nvCxnSpPr>
+            <p:cNvPr id="108" name="Straight Arrow Connector 107">
+              <a:extLst>
+                <a:ext uri="{FF2B5EF4-FFF2-40B4-BE49-F238E27FC236}">
+                  <a16:creationId xmlns:a16="http://schemas.microsoft.com/office/drawing/2014/main" id="{840198F4-1970-6529-070B-1C2059241412}"/>
+                </a:ext>
+              </a:extLst>
+            </p:cNvPr>
+            <p:cNvCxnSpPr>
+              <a:stCxn id="93" idx="4"/>
+              <a:endCxn id="101" idx="0"/>
+            </p:cNvCxnSpPr>
+            <p:nvPr/>
+          </p:nvCxnSpPr>
+          <p:spPr>
+            <a:xfrm flipH="1">
+              <a:off x="4769354" y="3951155"/>
+              <a:ext cx="4220" cy="371117"/>
+            </a:xfrm>
+            <a:prstGeom prst="straightConnector1">
+              <a:avLst/>
+            </a:prstGeom>
+            <a:ln>
+              <a:tailEnd type="triangle"/>
+            </a:ln>
+          </p:spPr>
+          <p:style>
+            <a:lnRef idx="1">
+              <a:schemeClr val="accent1"/>
+            </a:lnRef>
+            <a:fillRef idx="0">
+              <a:schemeClr val="accent1"/>
+            </a:fillRef>
+            <a:effectRef idx="0">
+              <a:schemeClr val="accent1"/>
+            </a:effectRef>
+            <a:fontRef idx="minor">
+              <a:schemeClr val="tx1"/>
+            </a:fontRef>
+          </p:style>
+        </p:cxnSp>
+        <p:cxnSp>
+          <p:nvCxnSpPr>
+            <p:cNvPr id="110" name="Straight Arrow Connector 109">
+              <a:extLst>
+                <a:ext uri="{FF2B5EF4-FFF2-40B4-BE49-F238E27FC236}">
+                  <a16:creationId xmlns:a16="http://schemas.microsoft.com/office/drawing/2014/main" id="{3744FCF1-8B7F-3FC1-ACB4-53375F21936D}"/>
+                </a:ext>
+              </a:extLst>
+            </p:cNvPr>
+            <p:cNvCxnSpPr>
+              <a:endCxn id="102" idx="0"/>
+            </p:cNvCxnSpPr>
+            <p:nvPr/>
+          </p:nvCxnSpPr>
+          <p:spPr>
+            <a:xfrm>
+              <a:off x="4893562" y="3909057"/>
+              <a:ext cx="623188" cy="403627"/>
+            </a:xfrm>
+            <a:prstGeom prst="straightConnector1">
+              <a:avLst/>
+            </a:prstGeom>
+            <a:ln>
+              <a:tailEnd type="triangle"/>
+            </a:ln>
+          </p:spPr>
+          <p:style>
+            <a:lnRef idx="1">
+              <a:schemeClr val="accent1"/>
+            </a:lnRef>
+            <a:fillRef idx="0">
+              <a:schemeClr val="accent1"/>
+            </a:fillRef>
+            <a:effectRef idx="0">
+              <a:schemeClr val="accent1"/>
+            </a:effectRef>
+            <a:fontRef idx="minor">
+              <a:schemeClr val="tx1"/>
+            </a:fontRef>
+          </p:style>
+        </p:cxnSp>
+        <mc:AlternateContent xmlns:mc="http://schemas.openxmlformats.org/markup-compatibility/2006" xmlns:a14="http://schemas.microsoft.com/office/drawing/2010/main">
+          <mc:Choice Requires="a14">
+            <p:sp>
+              <p:nvSpPr>
+                <p:cNvPr id="111" name="TextBox 110">
+                  <a:extLst>
+                    <a:ext uri="{FF2B5EF4-FFF2-40B4-BE49-F238E27FC236}">
+                      <a16:creationId xmlns:a16="http://schemas.microsoft.com/office/drawing/2014/main" id="{2E94593A-0035-8D42-5EA5-3BF56C0D2122}"/>
+                    </a:ext>
+                  </a:extLst>
+                </p:cNvPr>
+                <p:cNvSpPr txBox="1"/>
+                <p:nvPr/>
+              </p:nvSpPr>
+              <p:spPr>
+                <a:xfrm>
+                  <a:off x="4854852" y="3573733"/>
+                  <a:ext cx="514756" cy="246221"/>
+                </a:xfrm>
+                <a:prstGeom prst="rect">
+                  <a:avLst/>
+                </a:prstGeom>
+                <a:noFill/>
+              </p:spPr>
+              <p:txBody>
+                <a:bodyPr wrap="none" rtlCol="0">
+                  <a:spAutoFit/>
+                </a:bodyPr>
+                <a:lstStyle/>
+                <a:p>
+                  <a:pPr/>
+                  <a14:m>
+                    <m:oMathPara xmlns:m="http://schemas.openxmlformats.org/officeDocument/2006/math">
+                      <m:oMathParaPr>
+                        <m:jc m:val="centerGroup"/>
+                      </m:oMathParaPr>
+                      <m:oMath xmlns:m="http://schemas.openxmlformats.org/officeDocument/2006/math">
+                        <m:sSub>
+                          <m:sSubPr>
+                            <m:ctrlPr>
+                              <a:rPr lang="en-US" sz="1000" i="1" dirty="0" smtClean="0">
+                                <a:latin typeface="Cambria Math" panose="02040503050406030204" pitchFamily="18" charset="0"/>
+                              </a:rPr>
+                            </m:ctrlPr>
+                          </m:sSubPr>
+                          <m:e>
+                            <m:r>
+                              <a:rPr lang="en-US" sz="1000" b="0" i="1" dirty="0" smtClean="0">
+                                <a:latin typeface="Cambria Math" panose="02040503050406030204" pitchFamily="18" charset="0"/>
+                              </a:rPr>
+                              <m:t>𝑣</m:t>
+                            </m:r>
+                          </m:e>
+                          <m:sub>
+                            <m:r>
+                              <a:rPr lang="en-US" sz="1000" i="1" dirty="0" smtClean="0">
+                                <a:latin typeface="Cambria Math" panose="02040503050406030204" pitchFamily="18" charset="0"/>
+                                <a:ea typeface="Cambria Math" panose="02040503050406030204" pitchFamily="18" charset="0"/>
+                              </a:rPr>
+                              <m:t>𝜋</m:t>
+                            </m:r>
+                          </m:sub>
+                        </m:sSub>
+                        <m:d>
+                          <m:dPr>
+                            <m:ctrlPr>
+                              <a:rPr lang="en-US" sz="1000" i="1" dirty="0" smtClean="0">
+                                <a:latin typeface="Cambria Math" panose="02040503050406030204" pitchFamily="18" charset="0"/>
+                              </a:rPr>
+                            </m:ctrlPr>
+                          </m:dPr>
+                          <m:e>
+                            <m:r>
+                              <a:rPr lang="en-US" sz="1000" b="0" i="1" dirty="0" smtClean="0">
+                                <a:latin typeface="Cambria Math" panose="02040503050406030204" pitchFamily="18" charset="0"/>
+                              </a:rPr>
+                              <m:t>𝑠</m:t>
+                            </m:r>
+                          </m:e>
+                        </m:d>
+                      </m:oMath>
+                    </m:oMathPara>
+                  </a14:m>
+                  <a:endParaRPr lang="en-US" sz="1000" dirty="0"/>
+                </a:p>
+              </p:txBody>
+            </p:sp>
+          </mc:Choice>
+          <mc:Fallback xmlns="">
+            <p:sp>
+              <p:nvSpPr>
+                <p:cNvPr id="111" name="TextBox 110">
+                  <a:extLst>
+                    <a:ext uri="{FF2B5EF4-FFF2-40B4-BE49-F238E27FC236}">
+                      <a16:creationId xmlns:a16="http://schemas.microsoft.com/office/drawing/2014/main" id="{2E94593A-0035-8D42-5EA5-3BF56C0D2122}"/>
+                    </a:ext>
+                  </a:extLst>
+                </p:cNvPr>
+                <p:cNvSpPr txBox="1">
+                  <a:spLocks noRot="1" noChangeAspect="1" noMove="1" noResize="1" noEditPoints="1" noAdjustHandles="1" noChangeArrowheads="1" noChangeShapeType="1" noTextEdit="1"/>
+                </p:cNvSpPr>
+                <p:nvPr/>
+              </p:nvSpPr>
+              <p:spPr>
+                <a:xfrm>
+                  <a:off x="4854852" y="3573733"/>
+                  <a:ext cx="514756" cy="246221"/>
+                </a:xfrm>
+                <a:prstGeom prst="rect">
+                  <a:avLst/>
+                </a:prstGeom>
+                <a:blipFill>
+                  <a:blip r:embed="rId15"/>
+                  <a:stretch>
+                    <a:fillRect/>
+                  </a:stretch>
+                </a:blipFill>
+              </p:spPr>
+              <p:txBody>
+                <a:bodyPr/>
+                <a:lstStyle/>
+                <a:p>
+                  <a:r>
+                    <a:rPr lang="en-US">
+                      <a:noFill/>
+                    </a:rPr>
+                    <a:t> </a:t>
+                  </a:r>
+                </a:p>
+              </p:txBody>
+            </p:sp>
+          </mc:Fallback>
+        </mc:AlternateContent>
+        <mc:AlternateContent xmlns:mc="http://schemas.openxmlformats.org/markup-compatibility/2006" xmlns:a14="http://schemas.microsoft.com/office/drawing/2010/main">
+          <mc:Choice Requires="a14">
+            <p:sp>
+              <p:nvSpPr>
+                <p:cNvPr id="112" name="TextBox 111">
+                  <a:extLst>
+                    <a:ext uri="{FF2B5EF4-FFF2-40B4-BE49-F238E27FC236}">
+                      <a16:creationId xmlns:a16="http://schemas.microsoft.com/office/drawing/2014/main" id="{5D176C83-E64D-6F8B-373F-D4BABE5269DF}"/>
+                    </a:ext>
+                  </a:extLst>
+                </p:cNvPr>
+                <p:cNvSpPr txBox="1"/>
+                <p:nvPr/>
+              </p:nvSpPr>
+              <p:spPr>
+                <a:xfrm>
+                  <a:off x="5614068" y="4346032"/>
+                  <a:ext cx="637034" cy="246221"/>
+                </a:xfrm>
+                <a:prstGeom prst="rect">
+                  <a:avLst/>
+                </a:prstGeom>
+                <a:noFill/>
+              </p:spPr>
+              <p:txBody>
+                <a:bodyPr wrap="none" rtlCol="0">
+                  <a:spAutoFit/>
+                </a:bodyPr>
+                <a:lstStyle/>
+                <a:p>
+                  <a:pPr/>
+                  <a14:m>
+                    <m:oMathPara xmlns:m="http://schemas.openxmlformats.org/officeDocument/2006/math">
+                      <m:oMathParaPr>
+                        <m:jc m:val="centerGroup"/>
+                      </m:oMathParaPr>
+                      <m:oMath xmlns:m="http://schemas.openxmlformats.org/officeDocument/2006/math">
+                        <m:sSub>
+                          <m:sSubPr>
+                            <m:ctrlPr>
+                              <a:rPr lang="en-US" sz="1000" i="1" dirty="0" smtClean="0">
+                                <a:latin typeface="Cambria Math" panose="02040503050406030204" pitchFamily="18" charset="0"/>
+                              </a:rPr>
+                            </m:ctrlPr>
+                          </m:sSubPr>
+                          <m:e>
+                            <m:r>
+                              <a:rPr lang="en-US" sz="1000" b="0" i="1" dirty="0" smtClean="0">
+                                <a:latin typeface="Cambria Math" panose="02040503050406030204" pitchFamily="18" charset="0"/>
+                              </a:rPr>
+                              <m:t>𝑞</m:t>
+                            </m:r>
+                          </m:e>
+                          <m:sub>
+                            <m:r>
+                              <a:rPr lang="en-US" sz="1000" i="1" dirty="0" smtClean="0">
+                                <a:latin typeface="Cambria Math" panose="02040503050406030204" pitchFamily="18" charset="0"/>
+                                <a:ea typeface="Cambria Math" panose="02040503050406030204" pitchFamily="18" charset="0"/>
+                              </a:rPr>
+                              <m:t>𝜋</m:t>
+                            </m:r>
+                          </m:sub>
+                        </m:sSub>
+                        <m:d>
+                          <m:dPr>
+                            <m:ctrlPr>
+                              <a:rPr lang="en-US" sz="1000" i="1" dirty="0" smtClean="0">
+                                <a:latin typeface="Cambria Math" panose="02040503050406030204" pitchFamily="18" charset="0"/>
+                              </a:rPr>
+                            </m:ctrlPr>
+                          </m:dPr>
+                          <m:e>
+                            <m:r>
+                              <a:rPr lang="en-US" sz="1000" b="0" i="1" dirty="0" smtClean="0">
+                                <a:latin typeface="Cambria Math" panose="02040503050406030204" pitchFamily="18" charset="0"/>
+                              </a:rPr>
+                              <m:t>𝑠</m:t>
+                            </m:r>
+                            <m:r>
+                              <a:rPr lang="en-US" sz="1000" b="0" i="1" dirty="0" smtClean="0">
+                                <a:latin typeface="Cambria Math" panose="02040503050406030204" pitchFamily="18" charset="0"/>
+                              </a:rPr>
+                              <m:t>,</m:t>
+                            </m:r>
+                            <m:r>
+                              <a:rPr lang="en-US" sz="1000" b="0" i="1" dirty="0" smtClean="0">
+                                <a:latin typeface="Cambria Math" panose="02040503050406030204" pitchFamily="18" charset="0"/>
+                              </a:rPr>
+                              <m:t>𝑎</m:t>
+                            </m:r>
+                          </m:e>
+                        </m:d>
+                      </m:oMath>
+                    </m:oMathPara>
+                  </a14:m>
+                  <a:endParaRPr lang="en-US" sz="1000" dirty="0"/>
+                </a:p>
+              </p:txBody>
+            </p:sp>
+          </mc:Choice>
+          <mc:Fallback xmlns="">
+            <p:sp>
+              <p:nvSpPr>
+                <p:cNvPr id="112" name="TextBox 111">
+                  <a:extLst>
+                    <a:ext uri="{FF2B5EF4-FFF2-40B4-BE49-F238E27FC236}">
+                      <a16:creationId xmlns:a16="http://schemas.microsoft.com/office/drawing/2014/main" id="{5D176C83-E64D-6F8B-373F-D4BABE5269DF}"/>
+                    </a:ext>
+                  </a:extLst>
+                </p:cNvPr>
+                <p:cNvSpPr txBox="1">
+                  <a:spLocks noRot="1" noChangeAspect="1" noMove="1" noResize="1" noEditPoints="1" noAdjustHandles="1" noChangeArrowheads="1" noChangeShapeType="1" noTextEdit="1"/>
+                </p:cNvSpPr>
+                <p:nvPr/>
+              </p:nvSpPr>
+              <p:spPr>
+                <a:xfrm>
+                  <a:off x="5614068" y="4346032"/>
+                  <a:ext cx="637034" cy="246221"/>
+                </a:xfrm>
+                <a:prstGeom prst="rect">
+                  <a:avLst/>
+                </a:prstGeom>
+                <a:blipFill>
+                  <a:blip r:embed="rId16"/>
+                  <a:stretch>
+                    <a:fillRect/>
+                  </a:stretch>
+                </a:blipFill>
+              </p:spPr>
+              <p:txBody>
+                <a:bodyPr/>
+                <a:lstStyle/>
+                <a:p>
+                  <a:r>
+                    <a:rPr lang="en-US">
+                      <a:noFill/>
+                    </a:rPr>
+                    <a:t> </a:t>
+                  </a:r>
+                </a:p>
+              </p:txBody>
+            </p:sp>
+          </mc:Fallback>
+        </mc:AlternateContent>
+        <mc:AlternateContent xmlns:mc="http://schemas.openxmlformats.org/markup-compatibility/2006" xmlns:a14="http://schemas.microsoft.com/office/drawing/2010/main">
+          <mc:Choice Requires="a14">
+            <p:sp>
+              <p:nvSpPr>
+                <p:cNvPr id="113" name="TextBox 112">
+                  <a:extLst>
+                    <a:ext uri="{FF2B5EF4-FFF2-40B4-BE49-F238E27FC236}">
+                      <a16:creationId xmlns:a16="http://schemas.microsoft.com/office/drawing/2014/main" id="{624D635C-38D9-8190-AF72-A32D0C6CE916}"/>
+                    </a:ext>
+                  </a:extLst>
+                </p:cNvPr>
+                <p:cNvSpPr txBox="1"/>
+                <p:nvPr/>
+              </p:nvSpPr>
+              <p:spPr>
+                <a:xfrm>
+                  <a:off x="3973631" y="3865851"/>
+                  <a:ext cx="575350" cy="246221"/>
+                </a:xfrm>
+                <a:prstGeom prst="rect">
+                  <a:avLst/>
+                </a:prstGeom>
+                <a:noFill/>
+              </p:spPr>
+              <p:txBody>
+                <a:bodyPr wrap="none" rtlCol="0">
+                  <a:spAutoFit/>
+                </a:bodyPr>
+                <a:lstStyle/>
+                <a:p>
+                  <a:pPr/>
+                  <a14:m>
+                    <m:oMathPara xmlns:m="http://schemas.openxmlformats.org/officeDocument/2006/math">
+                      <m:oMathParaPr>
+                        <m:jc m:val="centerGroup"/>
+                      </m:oMathParaPr>
+                      <m:oMath xmlns:m="http://schemas.openxmlformats.org/officeDocument/2006/math">
+                        <m:r>
+                          <a:rPr lang="en-US" sz="1000" i="1" dirty="0" smtClean="0">
+                            <a:latin typeface="Cambria Math" panose="02040503050406030204" pitchFamily="18" charset="0"/>
+                            <a:ea typeface="Cambria Math" panose="02040503050406030204" pitchFamily="18" charset="0"/>
+                          </a:rPr>
+                          <m:t>𝜋</m:t>
+                        </m:r>
+                        <m:d>
+                          <m:dPr>
+                            <m:ctrlPr>
+                              <a:rPr lang="en-US" sz="1000" i="1" dirty="0" smtClean="0">
+                                <a:latin typeface="Cambria Math" panose="02040503050406030204" pitchFamily="18" charset="0"/>
+                              </a:rPr>
+                            </m:ctrlPr>
+                          </m:dPr>
+                          <m:e>
+                            <m:r>
+                              <a:rPr lang="en-US" sz="1000" b="0" i="1" dirty="0" smtClean="0">
+                                <a:latin typeface="Cambria Math" panose="02040503050406030204" pitchFamily="18" charset="0"/>
+                              </a:rPr>
+                              <m:t>𝑎</m:t>
+                            </m:r>
+                            <m:r>
+                              <a:rPr lang="en-US" sz="1000" b="0" i="1" dirty="0" smtClean="0">
+                                <a:latin typeface="Cambria Math" panose="02040503050406030204" pitchFamily="18" charset="0"/>
+                              </a:rPr>
+                              <m:t>|</m:t>
+                            </m:r>
+                            <m:r>
+                              <a:rPr lang="en-US" sz="1000" b="0" i="1" dirty="0" smtClean="0">
+                                <a:latin typeface="Cambria Math" panose="02040503050406030204" pitchFamily="18" charset="0"/>
+                              </a:rPr>
+                              <m:t>𝑠</m:t>
+                            </m:r>
+                          </m:e>
+                        </m:d>
+                      </m:oMath>
+                    </m:oMathPara>
+                  </a14:m>
+                  <a:endParaRPr lang="en-US" sz="1000" dirty="0"/>
+                </a:p>
+              </p:txBody>
+            </p:sp>
+          </mc:Choice>
+          <mc:Fallback xmlns="">
+            <p:sp>
+              <p:nvSpPr>
+                <p:cNvPr id="113" name="TextBox 112">
+                  <a:extLst>
+                    <a:ext uri="{FF2B5EF4-FFF2-40B4-BE49-F238E27FC236}">
+                      <a16:creationId xmlns:a16="http://schemas.microsoft.com/office/drawing/2014/main" id="{624D635C-38D9-8190-AF72-A32D0C6CE916}"/>
+                    </a:ext>
+                  </a:extLst>
+                </p:cNvPr>
+                <p:cNvSpPr txBox="1">
+                  <a:spLocks noRot="1" noChangeAspect="1" noMove="1" noResize="1" noEditPoints="1" noAdjustHandles="1" noChangeArrowheads="1" noChangeShapeType="1" noTextEdit="1"/>
+                </p:cNvSpPr>
+                <p:nvPr/>
+              </p:nvSpPr>
+              <p:spPr>
+                <a:xfrm>
+                  <a:off x="3973631" y="3865851"/>
+                  <a:ext cx="575350" cy="246221"/>
+                </a:xfrm>
+                <a:prstGeom prst="rect">
+                  <a:avLst/>
+                </a:prstGeom>
+                <a:blipFill>
+                  <a:blip r:embed="rId17"/>
+                  <a:stretch>
+                    <a:fillRect/>
+                  </a:stretch>
+                </a:blipFill>
+              </p:spPr>
+              <p:txBody>
+                <a:bodyPr/>
+                <a:lstStyle/>
+                <a:p>
+                  <a:r>
+                    <a:rPr lang="en-US">
+                      <a:noFill/>
+                    </a:rPr>
+                    <a:t> </a:t>
+                  </a:r>
+                </a:p>
+              </p:txBody>
+            </p:sp>
+          </mc:Fallback>
+        </mc:AlternateContent>
+      </p:grpSp>
+      <p:grpSp>
+        <p:nvGrpSpPr>
+          <p:cNvPr id="141" name="Group 140">
+            <a:extLst>
+              <a:ext uri="{FF2B5EF4-FFF2-40B4-BE49-F238E27FC236}">
+                <a16:creationId xmlns:a16="http://schemas.microsoft.com/office/drawing/2014/main" id="{856A5324-64A2-9523-F8A3-0CAD590FCD76}"/>
+              </a:ext>
+            </a:extLst>
+          </p:cNvPr>
+          <p:cNvGrpSpPr/>
+          <p:nvPr/>
+        </p:nvGrpSpPr>
+        <p:grpSpPr>
+          <a:xfrm>
+            <a:off x="6809479" y="3796136"/>
+            <a:ext cx="2614297" cy="1527497"/>
+            <a:chOff x="6809479" y="3796136"/>
+            <a:chExt cx="2614297" cy="1527497"/>
+          </a:xfrm>
+        </p:grpSpPr>
+        <p:sp>
+          <p:nvSpPr>
+            <p:cNvPr id="117" name="Oval 116">
+              <a:extLst>
+                <a:ext uri="{FF2B5EF4-FFF2-40B4-BE49-F238E27FC236}">
+                  <a16:creationId xmlns:a16="http://schemas.microsoft.com/office/drawing/2014/main" id="{BB0E74CC-749A-F876-762A-C6571C4C59E6}"/>
+                </a:ext>
+              </a:extLst>
+            </p:cNvPr>
+            <p:cNvSpPr/>
+            <p:nvPr/>
+          </p:nvSpPr>
+          <p:spPr>
+            <a:xfrm>
+              <a:off x="7130702" y="4367180"/>
+              <a:ext cx="260337" cy="260281"/>
+            </a:xfrm>
+            <a:prstGeom prst="ellipse">
+              <a:avLst/>
+            </a:prstGeom>
+            <a:solidFill>
+              <a:schemeClr val="accent1">
+                <a:alpha val="70407"/>
+              </a:schemeClr>
+            </a:solidFill>
+          </p:spPr>
+          <p:style>
+            <a:lnRef idx="2">
+              <a:schemeClr val="accent1">
+                <a:shade val="15000"/>
+              </a:schemeClr>
+            </a:lnRef>
+            <a:fillRef idx="1">
+              <a:schemeClr val="accent1"/>
+            </a:fillRef>
+            <a:effectRef idx="0">
+              <a:schemeClr val="accent1"/>
+            </a:effectRef>
+            <a:fontRef idx="minor">
+              <a:schemeClr val="lt1"/>
+            </a:fontRef>
+          </p:style>
+          <p:txBody>
+            <a:bodyPr rtlCol="0" anchor="ctr"/>
+            <a:lstStyle/>
+            <a:p>
+              <a:endParaRPr lang="en-US"/>
+            </a:p>
+          </p:txBody>
+        </p:sp>
+        <p:sp>
+          <p:nvSpPr>
+            <p:cNvPr id="118" name="Oval 117">
+              <a:extLst>
+                <a:ext uri="{FF2B5EF4-FFF2-40B4-BE49-F238E27FC236}">
+                  <a16:creationId xmlns:a16="http://schemas.microsoft.com/office/drawing/2014/main" id="{3429AE63-0713-8645-8812-51F91AD2A54E}"/>
+                </a:ext>
+              </a:extLst>
+            </p:cNvPr>
+            <p:cNvSpPr/>
+            <p:nvPr/>
+          </p:nvSpPr>
+          <p:spPr>
+            <a:xfrm>
+              <a:off x="7952075" y="4367180"/>
+              <a:ext cx="260337" cy="260281"/>
+            </a:xfrm>
+            <a:prstGeom prst="ellipse">
+              <a:avLst/>
+            </a:prstGeom>
+            <a:solidFill>
+              <a:schemeClr val="accent1">
+                <a:alpha val="69963"/>
+              </a:schemeClr>
+            </a:solidFill>
+          </p:spPr>
+          <p:style>
+            <a:lnRef idx="2">
+              <a:schemeClr val="accent1">
+                <a:shade val="15000"/>
+              </a:schemeClr>
+            </a:lnRef>
+            <a:fillRef idx="1">
+              <a:schemeClr val="accent1"/>
+            </a:fillRef>
+            <a:effectRef idx="0">
+              <a:schemeClr val="accent1"/>
+            </a:effectRef>
+            <a:fontRef idx="minor">
+              <a:schemeClr val="lt1"/>
+            </a:fontRef>
+          </p:style>
+          <p:txBody>
+            <a:bodyPr rtlCol="0" anchor="ctr"/>
+            <a:lstStyle/>
+            <a:p>
+              <a:endParaRPr lang="en-US"/>
+            </a:p>
+          </p:txBody>
+        </p:sp>
+        <p:sp>
+          <p:nvSpPr>
+            <p:cNvPr id="119" name="Oval 118">
+              <a:extLst>
+                <a:ext uri="{FF2B5EF4-FFF2-40B4-BE49-F238E27FC236}">
+                  <a16:creationId xmlns:a16="http://schemas.microsoft.com/office/drawing/2014/main" id="{B0CEC79D-4E35-F80C-A151-19E803F560A6}"/>
+                </a:ext>
+              </a:extLst>
+            </p:cNvPr>
+            <p:cNvSpPr/>
+            <p:nvPr/>
+          </p:nvSpPr>
+          <p:spPr>
+            <a:xfrm>
+              <a:off x="8816837" y="4368777"/>
+              <a:ext cx="260337" cy="260281"/>
+            </a:xfrm>
+            <a:prstGeom prst="ellipse">
+              <a:avLst/>
+            </a:prstGeom>
+            <a:solidFill>
+              <a:schemeClr val="accent1">
+                <a:alpha val="69000"/>
+              </a:schemeClr>
+            </a:solidFill>
+          </p:spPr>
+          <p:style>
+            <a:lnRef idx="2">
+              <a:schemeClr val="accent1">
+                <a:shade val="15000"/>
+              </a:schemeClr>
+            </a:lnRef>
+            <a:fillRef idx="1">
+              <a:schemeClr val="accent1"/>
+            </a:fillRef>
+            <a:effectRef idx="0">
+              <a:schemeClr val="accent1"/>
+            </a:effectRef>
+            <a:fontRef idx="minor">
+              <a:schemeClr val="lt1"/>
+            </a:fontRef>
+          </p:style>
+          <p:txBody>
+            <a:bodyPr rtlCol="0" anchor="ctr"/>
+            <a:lstStyle/>
+            <a:p>
+              <a:endParaRPr lang="en-US"/>
+            </a:p>
+          </p:txBody>
+        </p:sp>
+        <p:sp>
+          <p:nvSpPr>
+            <p:cNvPr id="120" name="Oval 119">
+              <a:extLst>
+                <a:ext uri="{FF2B5EF4-FFF2-40B4-BE49-F238E27FC236}">
+                  <a16:creationId xmlns:a16="http://schemas.microsoft.com/office/drawing/2014/main" id="{B8D8CE70-54FB-955F-BDD2-B30DDA9934A9}"/>
+                </a:ext>
+              </a:extLst>
+            </p:cNvPr>
+            <p:cNvSpPr/>
+            <p:nvPr/>
+          </p:nvSpPr>
+          <p:spPr>
+            <a:xfrm>
+              <a:off x="9077172" y="5026960"/>
+              <a:ext cx="287134" cy="287342"/>
+            </a:xfrm>
+            <a:prstGeom prst="ellipse">
+              <a:avLst/>
+            </a:prstGeom>
+            <a:noFill/>
+            <a:ln>
+              <a:solidFill>
+                <a:srgbClr val="C00000"/>
+              </a:solidFill>
+            </a:ln>
+          </p:spPr>
+          <p:style>
+            <a:lnRef idx="2">
+              <a:schemeClr val="accent1">
+                <a:shade val="15000"/>
+              </a:schemeClr>
+            </a:lnRef>
+            <a:fillRef idx="1">
+              <a:schemeClr val="accent1"/>
+            </a:fillRef>
+            <a:effectRef idx="0">
+              <a:schemeClr val="accent1"/>
+            </a:effectRef>
+            <a:fontRef idx="minor">
+              <a:schemeClr val="lt1"/>
+            </a:fontRef>
+          </p:style>
+          <p:txBody>
+            <a:bodyPr rtlCol="0" anchor="ctr"/>
+            <a:lstStyle/>
+            <a:p>
+              <a:endParaRPr lang="en-US"/>
+            </a:p>
+          </p:txBody>
+        </p:sp>
+        <p:cxnSp>
+          <p:nvCxnSpPr>
+            <p:cNvPr id="121" name="Straight Arrow Connector 120">
+              <a:extLst>
+                <a:ext uri="{FF2B5EF4-FFF2-40B4-BE49-F238E27FC236}">
+                  <a16:creationId xmlns:a16="http://schemas.microsoft.com/office/drawing/2014/main" id="{05748DE3-E437-1246-1729-5501250E08E6}"/>
+                </a:ext>
+              </a:extLst>
+            </p:cNvPr>
+            <p:cNvCxnSpPr>
+              <a:cxnSpLocks/>
+              <a:endCxn id="117" idx="7"/>
+            </p:cNvCxnSpPr>
+            <p:nvPr/>
+          </p:nvCxnSpPr>
+          <p:spPr>
+            <a:xfrm flipH="1">
+              <a:off x="7352913" y="4049612"/>
+              <a:ext cx="637288" cy="355685"/>
+            </a:xfrm>
+            <a:prstGeom prst="straightConnector1">
+              <a:avLst/>
+            </a:prstGeom>
+            <a:ln>
+              <a:tailEnd type="triangle"/>
+            </a:ln>
+          </p:spPr>
+          <p:style>
+            <a:lnRef idx="1">
+              <a:schemeClr val="accent1"/>
+            </a:lnRef>
+            <a:fillRef idx="0">
+              <a:schemeClr val="accent1"/>
+            </a:fillRef>
+            <a:effectRef idx="0">
+              <a:schemeClr val="accent1"/>
+            </a:effectRef>
+            <a:fontRef idx="minor">
+              <a:schemeClr val="tx1"/>
+            </a:fontRef>
+          </p:style>
+        </p:cxnSp>
+        <p:cxnSp>
+          <p:nvCxnSpPr>
+            <p:cNvPr id="122" name="Straight Arrow Connector 121">
+              <a:extLst>
+                <a:ext uri="{FF2B5EF4-FFF2-40B4-BE49-F238E27FC236}">
+                  <a16:creationId xmlns:a16="http://schemas.microsoft.com/office/drawing/2014/main" id="{491D8A1C-DF95-B7E6-02D2-7CB231FB9660}"/>
+                </a:ext>
+              </a:extLst>
+            </p:cNvPr>
+            <p:cNvCxnSpPr>
+              <a:cxnSpLocks/>
+              <a:endCxn id="118" idx="0"/>
+            </p:cNvCxnSpPr>
+            <p:nvPr/>
+          </p:nvCxnSpPr>
+          <p:spPr>
+            <a:xfrm>
+              <a:off x="8082243" y="4087730"/>
+              <a:ext cx="0" cy="279450"/>
+            </a:xfrm>
+            <a:prstGeom prst="straightConnector1">
+              <a:avLst/>
+            </a:prstGeom>
+            <a:ln>
+              <a:tailEnd type="triangle"/>
+            </a:ln>
+          </p:spPr>
+          <p:style>
+            <a:lnRef idx="1">
+              <a:schemeClr val="accent1"/>
+            </a:lnRef>
+            <a:fillRef idx="0">
+              <a:schemeClr val="accent1"/>
+            </a:fillRef>
+            <a:effectRef idx="0">
+              <a:schemeClr val="accent1"/>
+            </a:effectRef>
+            <a:fontRef idx="minor">
+              <a:schemeClr val="tx1"/>
+            </a:fontRef>
+          </p:style>
+        </p:cxnSp>
+        <p:cxnSp>
+          <p:nvCxnSpPr>
+            <p:cNvPr id="123" name="Straight Arrow Connector 122">
+              <a:extLst>
+                <a:ext uri="{FF2B5EF4-FFF2-40B4-BE49-F238E27FC236}">
+                  <a16:creationId xmlns:a16="http://schemas.microsoft.com/office/drawing/2014/main" id="{FEDD4249-71A3-7034-24B8-A61AB7673563}"/>
+                </a:ext>
+              </a:extLst>
+            </p:cNvPr>
+            <p:cNvCxnSpPr>
+              <a:cxnSpLocks/>
+              <a:endCxn id="119" idx="1"/>
+            </p:cNvCxnSpPr>
+            <p:nvPr/>
+          </p:nvCxnSpPr>
+          <p:spPr>
+            <a:xfrm>
+              <a:off x="8174286" y="4049612"/>
+              <a:ext cx="680677" cy="357283"/>
+            </a:xfrm>
+            <a:prstGeom prst="straightConnector1">
+              <a:avLst/>
+            </a:prstGeom>
+            <a:ln>
+              <a:tailEnd type="triangle"/>
+            </a:ln>
+          </p:spPr>
+          <p:style>
+            <a:lnRef idx="1">
+              <a:schemeClr val="accent1"/>
+            </a:lnRef>
+            <a:fillRef idx="0">
+              <a:schemeClr val="accent1"/>
+            </a:fillRef>
+            <a:effectRef idx="0">
+              <a:schemeClr val="accent1"/>
+            </a:effectRef>
+            <a:fontRef idx="minor">
+              <a:schemeClr val="tx1"/>
+            </a:fontRef>
+          </p:style>
+        </p:cxnSp>
+        <p:cxnSp>
+          <p:nvCxnSpPr>
+            <p:cNvPr id="124" name="Straight Arrow Connector 123">
+              <a:extLst>
+                <a:ext uri="{FF2B5EF4-FFF2-40B4-BE49-F238E27FC236}">
+                  <a16:creationId xmlns:a16="http://schemas.microsoft.com/office/drawing/2014/main" id="{DB600E9D-9A0C-71C2-99ED-E71C9DE1E8EA}"/>
+                </a:ext>
+              </a:extLst>
+            </p:cNvPr>
+            <p:cNvCxnSpPr>
+              <a:cxnSpLocks/>
+              <a:stCxn id="117" idx="3"/>
+            </p:cNvCxnSpPr>
+            <p:nvPr/>
+          </p:nvCxnSpPr>
+          <p:spPr>
+            <a:xfrm flipH="1">
+              <a:off x="6981362" y="4589343"/>
+              <a:ext cx="187466" cy="437617"/>
+            </a:xfrm>
+            <a:prstGeom prst="straightConnector1">
+              <a:avLst/>
+            </a:prstGeom>
+            <a:ln>
+              <a:solidFill>
+                <a:srgbClr val="C00000"/>
+              </a:solidFill>
+              <a:tailEnd type="triangle"/>
+            </a:ln>
+          </p:spPr>
+          <p:style>
+            <a:lnRef idx="1">
+              <a:schemeClr val="accent1"/>
+            </a:lnRef>
+            <a:fillRef idx="0">
+              <a:schemeClr val="accent1"/>
+            </a:fillRef>
+            <a:effectRef idx="0">
+              <a:schemeClr val="accent1"/>
+            </a:effectRef>
+            <a:fontRef idx="minor">
+              <a:schemeClr val="tx1"/>
+            </a:fontRef>
+          </p:style>
+        </p:cxnSp>
+        <p:cxnSp>
+          <p:nvCxnSpPr>
+            <p:cNvPr id="125" name="Straight Arrow Connector 124">
+              <a:extLst>
+                <a:ext uri="{FF2B5EF4-FFF2-40B4-BE49-F238E27FC236}">
+                  <a16:creationId xmlns:a16="http://schemas.microsoft.com/office/drawing/2014/main" id="{52714DC6-B4E5-107C-4C9D-CFB6C34F94FB}"/>
+                </a:ext>
+              </a:extLst>
+            </p:cNvPr>
+            <p:cNvCxnSpPr>
+              <a:cxnSpLocks/>
+              <a:stCxn id="117" idx="5"/>
+            </p:cNvCxnSpPr>
+            <p:nvPr/>
+          </p:nvCxnSpPr>
+          <p:spPr>
+            <a:xfrm>
+              <a:off x="7352913" y="4589343"/>
+              <a:ext cx="103210" cy="437617"/>
+            </a:xfrm>
+            <a:prstGeom prst="straightConnector1">
+              <a:avLst/>
+            </a:prstGeom>
+            <a:ln>
+              <a:solidFill>
+                <a:srgbClr val="C00000"/>
+              </a:solidFill>
+              <a:tailEnd type="triangle"/>
+            </a:ln>
+          </p:spPr>
+          <p:style>
+            <a:lnRef idx="1">
+              <a:schemeClr val="accent1"/>
+            </a:lnRef>
+            <a:fillRef idx="0">
+              <a:schemeClr val="accent1"/>
+            </a:fillRef>
+            <a:effectRef idx="0">
+              <a:schemeClr val="accent1"/>
+            </a:effectRef>
+            <a:fontRef idx="minor">
+              <a:schemeClr val="tx1"/>
+            </a:fontRef>
+          </p:style>
+        </p:cxnSp>
+        <p:cxnSp>
+          <p:nvCxnSpPr>
+            <p:cNvPr id="126" name="Straight Arrow Connector 125">
+              <a:extLst>
+                <a:ext uri="{FF2B5EF4-FFF2-40B4-BE49-F238E27FC236}">
+                  <a16:creationId xmlns:a16="http://schemas.microsoft.com/office/drawing/2014/main" id="{A7A2C305-1576-1A61-B65F-6C0B569E3D02}"/>
+                </a:ext>
+              </a:extLst>
+            </p:cNvPr>
+            <p:cNvCxnSpPr>
+              <a:cxnSpLocks/>
+              <a:stCxn id="118" idx="3"/>
+            </p:cNvCxnSpPr>
+            <p:nvPr/>
+          </p:nvCxnSpPr>
+          <p:spPr>
+            <a:xfrm flipH="1">
+              <a:off x="7865800" y="4589343"/>
+              <a:ext cx="124401" cy="437617"/>
+            </a:xfrm>
+            <a:prstGeom prst="straightConnector1">
+              <a:avLst/>
+            </a:prstGeom>
+            <a:ln>
+              <a:solidFill>
+                <a:srgbClr val="C00000"/>
+              </a:solidFill>
+              <a:tailEnd type="triangle"/>
+            </a:ln>
+          </p:spPr>
+          <p:style>
+            <a:lnRef idx="1">
+              <a:schemeClr val="accent1"/>
+            </a:lnRef>
+            <a:fillRef idx="0">
+              <a:schemeClr val="accent1"/>
+            </a:fillRef>
+            <a:effectRef idx="0">
+              <a:schemeClr val="accent1"/>
+            </a:effectRef>
+            <a:fontRef idx="minor">
+              <a:schemeClr val="tx1"/>
+            </a:fontRef>
+          </p:style>
+        </p:cxnSp>
+        <p:cxnSp>
+          <p:nvCxnSpPr>
+            <p:cNvPr id="127" name="Straight Arrow Connector 126">
+              <a:extLst>
+                <a:ext uri="{FF2B5EF4-FFF2-40B4-BE49-F238E27FC236}">
+                  <a16:creationId xmlns:a16="http://schemas.microsoft.com/office/drawing/2014/main" id="{8C6190A8-D875-2FBB-8DCD-9B26DBF2AC53}"/>
+                </a:ext>
+              </a:extLst>
+            </p:cNvPr>
+            <p:cNvCxnSpPr>
+              <a:cxnSpLocks/>
+              <a:stCxn id="118" idx="5"/>
+            </p:cNvCxnSpPr>
+            <p:nvPr/>
+          </p:nvCxnSpPr>
+          <p:spPr>
+            <a:xfrm>
+              <a:off x="8174286" y="4589343"/>
+              <a:ext cx="130455" cy="437617"/>
+            </a:xfrm>
+            <a:prstGeom prst="straightConnector1">
+              <a:avLst/>
+            </a:prstGeom>
+            <a:ln>
+              <a:solidFill>
+                <a:srgbClr val="C00000"/>
+              </a:solidFill>
+              <a:tailEnd type="triangle"/>
+            </a:ln>
+          </p:spPr>
+          <p:style>
+            <a:lnRef idx="1">
+              <a:schemeClr val="accent1"/>
+            </a:lnRef>
+            <a:fillRef idx="0">
+              <a:schemeClr val="accent1"/>
+            </a:fillRef>
+            <a:effectRef idx="0">
+              <a:schemeClr val="accent1"/>
+            </a:effectRef>
+            <a:fontRef idx="minor">
+              <a:schemeClr val="tx1"/>
+            </a:fontRef>
+          </p:style>
+        </p:cxnSp>
+        <p:cxnSp>
+          <p:nvCxnSpPr>
+            <p:cNvPr id="128" name="Straight Arrow Connector 127">
+              <a:extLst>
+                <a:ext uri="{FF2B5EF4-FFF2-40B4-BE49-F238E27FC236}">
+                  <a16:creationId xmlns:a16="http://schemas.microsoft.com/office/drawing/2014/main" id="{45783A6F-75EA-50C3-2687-A3C5FDA37DA0}"/>
+                </a:ext>
+              </a:extLst>
+            </p:cNvPr>
+            <p:cNvCxnSpPr>
+              <a:cxnSpLocks/>
+              <a:stCxn id="119" idx="3"/>
+            </p:cNvCxnSpPr>
+            <p:nvPr/>
+          </p:nvCxnSpPr>
+          <p:spPr>
+            <a:xfrm flipH="1">
+              <a:off x="8743682" y="4590940"/>
+              <a:ext cx="111280" cy="436020"/>
+            </a:xfrm>
+            <a:prstGeom prst="straightConnector1">
+              <a:avLst/>
+            </a:prstGeom>
+            <a:ln>
+              <a:solidFill>
+                <a:srgbClr val="C00000"/>
+              </a:solidFill>
+              <a:tailEnd type="triangle"/>
+            </a:ln>
+          </p:spPr>
+          <p:style>
+            <a:lnRef idx="1">
+              <a:schemeClr val="accent1"/>
+            </a:lnRef>
+            <a:fillRef idx="0">
+              <a:schemeClr val="accent1"/>
+            </a:fillRef>
+            <a:effectRef idx="0">
+              <a:schemeClr val="accent1"/>
+            </a:effectRef>
+            <a:fontRef idx="minor">
+              <a:schemeClr val="tx1"/>
+            </a:fontRef>
+          </p:style>
+        </p:cxnSp>
+        <p:cxnSp>
+          <p:nvCxnSpPr>
+            <p:cNvPr id="129" name="Straight Arrow Connector 128">
+              <a:extLst>
+                <a:ext uri="{FF2B5EF4-FFF2-40B4-BE49-F238E27FC236}">
+                  <a16:creationId xmlns:a16="http://schemas.microsoft.com/office/drawing/2014/main" id="{1958C15A-3BF5-5DCE-559E-C067070A8A5E}"/>
+                </a:ext>
+              </a:extLst>
+            </p:cNvPr>
+            <p:cNvCxnSpPr>
+              <a:cxnSpLocks/>
+              <a:stCxn id="119" idx="5"/>
+              <a:endCxn id="120" idx="0"/>
+            </p:cNvCxnSpPr>
+            <p:nvPr/>
+          </p:nvCxnSpPr>
+          <p:spPr>
+            <a:xfrm>
+              <a:off x="9039048" y="4590940"/>
+              <a:ext cx="181692" cy="436020"/>
+            </a:xfrm>
+            <a:prstGeom prst="straightConnector1">
+              <a:avLst/>
+            </a:prstGeom>
+            <a:ln>
+              <a:solidFill>
+                <a:srgbClr val="C00000"/>
+              </a:solidFill>
+              <a:tailEnd type="triangle"/>
+            </a:ln>
+          </p:spPr>
+          <p:style>
+            <a:lnRef idx="1">
+              <a:schemeClr val="accent1"/>
+            </a:lnRef>
+            <a:fillRef idx="0">
+              <a:schemeClr val="accent1"/>
+            </a:fillRef>
+            <a:effectRef idx="0">
+              <a:schemeClr val="accent1"/>
+            </a:effectRef>
+            <a:fontRef idx="minor">
+              <a:schemeClr val="tx1"/>
+            </a:fontRef>
+          </p:style>
+        </p:cxnSp>
+        <mc:AlternateContent xmlns:mc="http://schemas.openxmlformats.org/markup-compatibility/2006" xmlns:a14="http://schemas.microsoft.com/office/drawing/2010/main">
+          <mc:Choice Requires="a14">
+            <p:sp>
+              <p:nvSpPr>
+                <p:cNvPr id="130" name="TextBox 31">
+                  <a:extLst>
+                    <a:ext uri="{FF2B5EF4-FFF2-40B4-BE49-F238E27FC236}">
+                      <a16:creationId xmlns:a16="http://schemas.microsoft.com/office/drawing/2014/main" id="{1F8625A0-9507-7918-7BCC-CC3F7886799D}"/>
+                    </a:ext>
+                  </a:extLst>
+                </p:cNvPr>
+                <p:cNvSpPr txBox="1"/>
+                <p:nvPr/>
+              </p:nvSpPr>
+              <p:spPr>
+                <a:xfrm>
+                  <a:off x="7849756" y="3805836"/>
+                  <a:ext cx="443006" cy="246221"/>
+                </a:xfrm>
+                <a:prstGeom prst="rect">
+                  <a:avLst/>
+                </a:prstGeom>
+                <a:noFill/>
+              </p:spPr>
+              <p:txBody>
+                <a:bodyPr wrap="none" rtlCol="0">
+                  <a:spAutoFit/>
+                </a:bodyPr>
+                <a:lstStyle/>
+                <a:p>
+                  <a:pPr marL="0" marR="0">
+                    <a:spcBef>
+                      <a:spcPts val="0"/>
+                    </a:spcBef>
+                    <a:spcAft>
+                      <a:spcPts val="0"/>
+                    </a:spcAft>
+                  </a:pPr>
+                  <a14:m>
+                    <m:oMathPara xmlns:m="http://schemas.openxmlformats.org/officeDocument/2006/math">
+                      <m:oMathParaPr>
+                        <m:jc m:val="centerGroup"/>
+                      </m:oMathParaPr>
+                      <m:oMath xmlns:m="http://schemas.openxmlformats.org/officeDocument/2006/math">
+                        <m:sSub>
+                          <m:sSubPr>
+                            <m:ctrlPr>
+                              <a:rPr lang="en-US" sz="1000" i="1" kern="1200" smtClean="0">
+                                <a:solidFill>
+                                  <a:srgbClr val="000000"/>
+                                </a:solidFill>
+                                <a:effectLst/>
+                                <a:latin typeface="Cambria Math" panose="02040503050406030204" pitchFamily="18" charset="0"/>
+                                <a:ea typeface="Yu Mincho" panose="02020400000000000000" pitchFamily="18" charset="-128"/>
+                                <a:cs typeface="Times New Roman" panose="02020603050405020304" pitchFamily="18" charset="0"/>
+                              </a:rPr>
+                            </m:ctrlPr>
+                          </m:sSubPr>
+                          <m:e>
+                            <m:r>
+                              <a:rPr lang="en-US" sz="1000" b="0" i="1" kern="1200" smtClean="0">
+                                <a:solidFill>
+                                  <a:srgbClr val="000000"/>
+                                </a:solidFill>
+                                <a:effectLst/>
+                                <a:latin typeface="Cambria Math" panose="02040503050406030204" pitchFamily="18" charset="0"/>
+                                <a:ea typeface="Yu Mincho" panose="02020400000000000000" pitchFamily="18" charset="-128"/>
+                                <a:cs typeface="Times New Roman" panose="02020603050405020304" pitchFamily="18" charset="0"/>
+                              </a:rPr>
+                              <m:t>𝑟</m:t>
+                            </m:r>
+                          </m:e>
+                          <m:sub>
+                            <m:r>
+                              <a:rPr lang="en-US" sz="1000" b="0" i="1" kern="1200" smtClean="0">
+                                <a:solidFill>
+                                  <a:srgbClr val="000000"/>
+                                </a:solidFill>
+                                <a:effectLst/>
+                                <a:latin typeface="Cambria Math" panose="02040503050406030204" pitchFamily="18" charset="0"/>
+                                <a:ea typeface="Yu Mincho" panose="02020400000000000000" pitchFamily="18" charset="-128"/>
+                                <a:cs typeface="Times New Roman" panose="02020603050405020304" pitchFamily="18" charset="0"/>
+                              </a:rPr>
+                              <m:t>0</m:t>
+                            </m:r>
+                          </m:sub>
+                        </m:sSub>
+                        <m:r>
+                          <a:rPr lang="en-US" sz="1000" b="0" i="1" kern="1200" smtClean="0">
+                            <a:solidFill>
+                              <a:srgbClr val="000000"/>
+                            </a:solidFill>
+                            <a:effectLst/>
+                            <a:latin typeface="Cambria Math" panose="02040503050406030204" pitchFamily="18" charset="0"/>
+                            <a:ea typeface="Yu Mincho" panose="02020400000000000000" pitchFamily="18" charset="-128"/>
+                            <a:cs typeface="Times New Roman" panose="02020603050405020304" pitchFamily="18" charset="0"/>
+                          </a:rPr>
+                          <m:t>,</m:t>
+                        </m:r>
+                        <m:r>
+                          <a:rPr lang="en-US" sz="1000" i="1" kern="1200">
+                            <a:solidFill>
+                              <a:srgbClr val="000000"/>
+                            </a:solidFill>
+                            <a:effectLst/>
+                            <a:latin typeface="Cambria Math" panose="02040503050406030204" pitchFamily="18" charset="0"/>
+                            <a:ea typeface="Yu Mincho" panose="02020400000000000000" pitchFamily="18" charset="-128"/>
+                            <a:cs typeface="Times New Roman" panose="02020603050405020304" pitchFamily="18" charset="0"/>
+                          </a:rPr>
+                          <m:t>𝑠</m:t>
+                        </m:r>
+                      </m:oMath>
+                    </m:oMathPara>
+                  </a14:m>
+                  <a:endParaRPr lang="en-US" sz="1200" dirty="0">
+                    <a:effectLst/>
+                    <a:latin typeface="Calibri" panose="020F0502020204030204" pitchFamily="34" charset="0"/>
+                    <a:ea typeface="Yu Mincho" panose="02020400000000000000" pitchFamily="18" charset="-128"/>
+                    <a:cs typeface="Times New Roman" panose="02020603050405020304" pitchFamily="18" charset="0"/>
+                  </a:endParaRPr>
+                </a:p>
+              </p:txBody>
+            </p:sp>
+          </mc:Choice>
+          <mc:Fallback xmlns="">
+            <p:sp>
+              <p:nvSpPr>
+                <p:cNvPr id="130" name="TextBox 31">
+                  <a:extLst>
+                    <a:ext uri="{FF2B5EF4-FFF2-40B4-BE49-F238E27FC236}">
+                      <a16:creationId xmlns:a16="http://schemas.microsoft.com/office/drawing/2014/main" id="{1F8625A0-9507-7918-7BCC-CC3F7886799D}"/>
+                    </a:ext>
+                  </a:extLst>
+                </p:cNvPr>
+                <p:cNvSpPr txBox="1">
+                  <a:spLocks noRot="1" noChangeAspect="1" noMove="1" noResize="1" noEditPoints="1" noAdjustHandles="1" noChangeArrowheads="1" noChangeShapeType="1" noTextEdit="1"/>
+                </p:cNvSpPr>
+                <p:nvPr/>
+              </p:nvSpPr>
+              <p:spPr>
+                <a:xfrm>
+                  <a:off x="7849756" y="3805836"/>
+                  <a:ext cx="443006" cy="246221"/>
+                </a:xfrm>
+                <a:prstGeom prst="rect">
+                  <a:avLst/>
+                </a:prstGeom>
+                <a:blipFill>
+                  <a:blip r:embed="rId18"/>
+                  <a:stretch>
+                    <a:fillRect/>
+                  </a:stretch>
+                </a:blipFill>
+              </p:spPr>
+              <p:txBody>
+                <a:bodyPr/>
+                <a:lstStyle/>
+                <a:p>
+                  <a:r>
+                    <a:rPr lang="en-US">
+                      <a:noFill/>
+                    </a:rPr>
+                    <a:t> </a:t>
+                  </a:r>
+                </a:p>
+              </p:txBody>
+            </p:sp>
+          </mc:Fallback>
+        </mc:AlternateContent>
+        <mc:AlternateContent xmlns:mc="http://schemas.openxmlformats.org/markup-compatibility/2006" xmlns:a14="http://schemas.microsoft.com/office/drawing/2010/main">
+          <mc:Choice Requires="a14">
+            <p:sp>
+              <p:nvSpPr>
+                <p:cNvPr id="131" name="TextBox 32">
+                  <a:extLst>
+                    <a:ext uri="{FF2B5EF4-FFF2-40B4-BE49-F238E27FC236}">
+                      <a16:creationId xmlns:a16="http://schemas.microsoft.com/office/drawing/2014/main" id="{47BF9C83-D0ED-20F2-3B64-D8AC504DAA4A}"/>
+                    </a:ext>
+                  </a:extLst>
+                </p:cNvPr>
+                <p:cNvSpPr txBox="1"/>
+                <p:nvPr/>
+              </p:nvSpPr>
+              <p:spPr>
+                <a:xfrm>
+                  <a:off x="8373132" y="3981333"/>
+                  <a:ext cx="260930" cy="239928"/>
+                </a:xfrm>
+                <a:prstGeom prst="rect">
+                  <a:avLst/>
+                </a:prstGeom>
+                <a:noFill/>
+              </p:spPr>
+              <p:txBody>
+                <a:bodyPr wrap="none" rtlCol="0">
+                  <a:spAutoFit/>
+                </a:bodyPr>
+                <a:lstStyle/>
+                <a:p>
+                  <a:pPr marL="0" marR="0">
+                    <a:spcBef>
+                      <a:spcPts val="0"/>
+                    </a:spcBef>
+                    <a:spcAft>
+                      <a:spcPts val="0"/>
+                    </a:spcAft>
+                  </a:pPr>
+                  <a14:m>
+                    <m:oMathPara xmlns:m="http://schemas.openxmlformats.org/officeDocument/2006/math">
+                      <m:oMathParaPr>
+                        <m:jc m:val="centerGroup"/>
+                      </m:oMathParaPr>
+                      <m:oMath xmlns:m="http://schemas.openxmlformats.org/officeDocument/2006/math">
+                        <m:r>
+                          <a:rPr lang="en-US" sz="1000" i="1" kern="1200">
+                            <a:solidFill>
+                              <a:srgbClr val="000000"/>
+                            </a:solidFill>
+                            <a:effectLst/>
+                            <a:latin typeface="Cambria Math" panose="02040503050406030204" pitchFamily="18" charset="0"/>
+                            <a:ea typeface="Cambria Math" panose="02040503050406030204" pitchFamily="18" charset="0"/>
+                            <a:cs typeface="Times New Roman" panose="02020603050405020304" pitchFamily="18" charset="0"/>
+                          </a:rPr>
+                          <m:t>𝜋</m:t>
+                        </m:r>
+                      </m:oMath>
+                    </m:oMathPara>
+                  </a14:m>
+                  <a:endParaRPr lang="en-US" sz="1200">
+                    <a:effectLst/>
+                    <a:latin typeface="Calibri" panose="020F0502020204030204" pitchFamily="34" charset="0"/>
+                    <a:ea typeface="Yu Mincho" panose="02020400000000000000" pitchFamily="18" charset="-128"/>
+                    <a:cs typeface="Times New Roman" panose="02020603050405020304" pitchFamily="18" charset="0"/>
+                  </a:endParaRPr>
+                </a:p>
+              </p:txBody>
+            </p:sp>
+          </mc:Choice>
+          <mc:Fallback xmlns="">
+            <p:sp>
+              <p:nvSpPr>
+                <p:cNvPr id="131" name="TextBox 32">
+                  <a:extLst>
+                    <a:ext uri="{FF2B5EF4-FFF2-40B4-BE49-F238E27FC236}">
+                      <a16:creationId xmlns:a16="http://schemas.microsoft.com/office/drawing/2014/main" id="{47BF9C83-D0ED-20F2-3B64-D8AC504DAA4A}"/>
+                    </a:ext>
+                  </a:extLst>
+                </p:cNvPr>
+                <p:cNvSpPr txBox="1">
+                  <a:spLocks noRot="1" noChangeAspect="1" noMove="1" noResize="1" noEditPoints="1" noAdjustHandles="1" noChangeArrowheads="1" noChangeShapeType="1" noTextEdit="1"/>
+                </p:cNvSpPr>
+                <p:nvPr/>
+              </p:nvSpPr>
+              <p:spPr>
+                <a:xfrm>
+                  <a:off x="8373132" y="3981333"/>
+                  <a:ext cx="260930" cy="239928"/>
+                </a:xfrm>
+                <a:prstGeom prst="rect">
+                  <a:avLst/>
+                </a:prstGeom>
+                <a:blipFill>
+                  <a:blip r:embed="rId19"/>
+                  <a:stretch>
+                    <a:fillRect/>
+                  </a:stretch>
+                </a:blipFill>
+              </p:spPr>
+              <p:txBody>
+                <a:bodyPr/>
+                <a:lstStyle/>
+                <a:p>
+                  <a:r>
+                    <a:rPr lang="en-US">
+                      <a:noFill/>
+                    </a:rPr>
+                    <a:t> </a:t>
+                  </a:r>
+                </a:p>
+              </p:txBody>
+            </p:sp>
+          </mc:Fallback>
+        </mc:AlternateContent>
+        <mc:AlternateContent xmlns:mc="http://schemas.openxmlformats.org/markup-compatibility/2006" xmlns:a14="http://schemas.microsoft.com/office/drawing/2010/main">
+          <mc:Choice Requires="a14">
+            <p:sp>
+              <p:nvSpPr>
+                <p:cNvPr id="132" name="TextBox 33">
+                  <a:extLst>
+                    <a:ext uri="{FF2B5EF4-FFF2-40B4-BE49-F238E27FC236}">
+                      <a16:creationId xmlns:a16="http://schemas.microsoft.com/office/drawing/2014/main" id="{72D0510E-38C3-A21B-2D3D-A31F0FC24AA6}"/>
+                    </a:ext>
+                  </a:extLst>
+                </p:cNvPr>
+                <p:cNvSpPr txBox="1"/>
+                <p:nvPr/>
+              </p:nvSpPr>
+              <p:spPr>
+                <a:xfrm>
+                  <a:off x="8769368" y="4367180"/>
+                  <a:ext cx="365760" cy="240030"/>
+                </a:xfrm>
+                <a:prstGeom prst="rect">
+                  <a:avLst/>
+                </a:prstGeom>
+                <a:noFill/>
+              </p:spPr>
+              <p:txBody>
+                <a:bodyPr wrap="none" rtlCol="0">
+                  <a:spAutoFit/>
+                </a:bodyPr>
+                <a:lstStyle/>
+                <a:p>
+                  <a:pPr marL="0" marR="0">
+                    <a:spcBef>
+                      <a:spcPts val="0"/>
+                    </a:spcBef>
+                    <a:spcAft>
+                      <a:spcPts val="0"/>
+                    </a:spcAft>
+                  </a:pPr>
+                  <a14:m>
+                    <m:oMathPara xmlns:m="http://schemas.openxmlformats.org/officeDocument/2006/math">
+                      <m:oMathParaPr>
+                        <m:jc m:val="centerGroup"/>
+                      </m:oMathParaPr>
+                      <m:oMath xmlns:m="http://schemas.openxmlformats.org/officeDocument/2006/math">
+                        <m:r>
+                          <a:rPr lang="en-US" sz="1000" i="1" kern="1200">
+                            <a:solidFill>
+                              <a:srgbClr val="000000"/>
+                            </a:solidFill>
+                            <a:effectLst/>
+                            <a:latin typeface="Cambria Math" panose="02040503050406030204" pitchFamily="18" charset="0"/>
+                            <a:ea typeface="Yu Mincho" panose="02020400000000000000" pitchFamily="18" charset="-128"/>
+                            <a:cs typeface="Times New Roman" panose="02020603050405020304" pitchFamily="18" charset="0"/>
+                          </a:rPr>
+                          <m:t>𝑠</m:t>
+                        </m:r>
+                        <m:r>
+                          <a:rPr lang="en-US" sz="1000" i="1" kern="1200">
+                            <a:solidFill>
+                              <a:srgbClr val="000000"/>
+                            </a:solidFill>
+                            <a:effectLst/>
+                            <a:latin typeface="Cambria Math" panose="02040503050406030204" pitchFamily="18" charset="0"/>
+                            <a:ea typeface="Yu Mincho" panose="02020400000000000000" pitchFamily="18" charset="-128"/>
+                            <a:cs typeface="Times New Roman" panose="02020603050405020304" pitchFamily="18" charset="0"/>
+                          </a:rPr>
+                          <m:t>,</m:t>
+                        </m:r>
+                        <m:r>
+                          <a:rPr lang="en-US" sz="1000" i="1" kern="1200">
+                            <a:solidFill>
+                              <a:srgbClr val="000000"/>
+                            </a:solidFill>
+                            <a:effectLst/>
+                            <a:latin typeface="Cambria Math" panose="02040503050406030204" pitchFamily="18" charset="0"/>
+                            <a:ea typeface="Yu Mincho" panose="02020400000000000000" pitchFamily="18" charset="-128"/>
+                            <a:cs typeface="Times New Roman" panose="02020603050405020304" pitchFamily="18" charset="0"/>
+                          </a:rPr>
+                          <m:t>𝑎</m:t>
+                        </m:r>
+                      </m:oMath>
+                    </m:oMathPara>
+                  </a14:m>
+                  <a:endParaRPr lang="en-US" sz="1200" dirty="0">
+                    <a:effectLst/>
+                    <a:latin typeface="Calibri" panose="020F0502020204030204" pitchFamily="34" charset="0"/>
+                    <a:ea typeface="Yu Mincho" panose="02020400000000000000" pitchFamily="18" charset="-128"/>
+                    <a:cs typeface="Times New Roman" panose="02020603050405020304" pitchFamily="18" charset="0"/>
+                  </a:endParaRPr>
+                </a:p>
+              </p:txBody>
+            </p:sp>
+          </mc:Choice>
+          <mc:Fallback xmlns="">
+            <p:sp>
+              <p:nvSpPr>
+                <p:cNvPr id="132" name="TextBox 33">
+                  <a:extLst>
+                    <a:ext uri="{FF2B5EF4-FFF2-40B4-BE49-F238E27FC236}">
+                      <a16:creationId xmlns:a16="http://schemas.microsoft.com/office/drawing/2014/main" id="{72D0510E-38C3-A21B-2D3D-A31F0FC24AA6}"/>
+                    </a:ext>
+                  </a:extLst>
+                </p:cNvPr>
+                <p:cNvSpPr txBox="1">
+                  <a:spLocks noRot="1" noChangeAspect="1" noMove="1" noResize="1" noEditPoints="1" noAdjustHandles="1" noChangeArrowheads="1" noChangeShapeType="1" noTextEdit="1"/>
+                </p:cNvSpPr>
+                <p:nvPr/>
+              </p:nvSpPr>
+              <p:spPr>
+                <a:xfrm>
+                  <a:off x="8769368" y="4367180"/>
+                  <a:ext cx="365760" cy="240030"/>
+                </a:xfrm>
+                <a:prstGeom prst="rect">
+                  <a:avLst/>
+                </a:prstGeom>
+                <a:blipFill>
+                  <a:blip r:embed="rId20"/>
+                  <a:stretch>
+                    <a:fillRect/>
+                  </a:stretch>
+                </a:blipFill>
+              </p:spPr>
+              <p:txBody>
+                <a:bodyPr/>
+                <a:lstStyle/>
+                <a:p>
+                  <a:r>
+                    <a:rPr lang="en-US">
+                      <a:noFill/>
+                    </a:rPr>
+                    <a:t> </a:t>
+                  </a:r>
+                </a:p>
+              </p:txBody>
+            </p:sp>
+          </mc:Fallback>
+        </mc:AlternateContent>
+        <mc:AlternateContent xmlns:mc="http://schemas.openxmlformats.org/markup-compatibility/2006" xmlns:a14="http://schemas.microsoft.com/office/drawing/2010/main">
+          <mc:Choice Requires="a14">
+            <p:sp>
+              <p:nvSpPr>
+                <p:cNvPr id="133" name="TextBox 34">
+                  <a:extLst>
+                    <a:ext uri="{FF2B5EF4-FFF2-40B4-BE49-F238E27FC236}">
+                      <a16:creationId xmlns:a16="http://schemas.microsoft.com/office/drawing/2014/main" id="{9DFAEEA3-7496-5469-716B-D6F775FB3294}"/>
+                    </a:ext>
+                  </a:extLst>
+                </p:cNvPr>
+                <p:cNvSpPr txBox="1"/>
+                <p:nvPr/>
+              </p:nvSpPr>
+              <p:spPr>
+                <a:xfrm>
+                  <a:off x="9039048" y="5036291"/>
+                  <a:ext cx="384728" cy="239935"/>
+                </a:xfrm>
+                <a:prstGeom prst="rect">
+                  <a:avLst/>
+                </a:prstGeom>
+                <a:noFill/>
+              </p:spPr>
+              <p:txBody>
+                <a:bodyPr wrap="none" rtlCol="0">
+                  <a:spAutoFit/>
+                </a:bodyPr>
+                <a:lstStyle/>
+                <a:p>
+                  <a:pPr marL="0" marR="0">
+                    <a:spcBef>
+                      <a:spcPts val="0"/>
+                    </a:spcBef>
+                    <a:spcAft>
+                      <a:spcPts val="0"/>
+                    </a:spcAft>
+                  </a:pPr>
+                  <a14:m>
+                    <m:oMathPara xmlns:m="http://schemas.openxmlformats.org/officeDocument/2006/math">
+                      <m:oMathParaPr>
+                        <m:jc m:val="centerGroup"/>
+                      </m:oMathParaPr>
+                      <m:oMath xmlns:m="http://schemas.openxmlformats.org/officeDocument/2006/math">
+                        <m:r>
+                          <a:rPr lang="en-US" sz="1000" i="1" kern="1200">
+                            <a:solidFill>
+                              <a:srgbClr val="000000"/>
+                            </a:solidFill>
+                            <a:effectLst/>
+                            <a:latin typeface="Cambria Math" panose="02040503050406030204" pitchFamily="18" charset="0"/>
+                            <a:ea typeface="Yu Mincho" panose="02020400000000000000" pitchFamily="18" charset="-128"/>
+                            <a:cs typeface="Times New Roman" panose="02020603050405020304" pitchFamily="18" charset="0"/>
+                          </a:rPr>
+                          <m:t>𝑟</m:t>
+                        </m:r>
+                        <m:r>
+                          <a:rPr lang="en-US" sz="1000" i="1" kern="1200">
+                            <a:solidFill>
+                              <a:srgbClr val="000000"/>
+                            </a:solidFill>
+                            <a:effectLst/>
+                            <a:latin typeface="Cambria Math" panose="02040503050406030204" pitchFamily="18" charset="0"/>
+                            <a:ea typeface="Yu Mincho" panose="02020400000000000000" pitchFamily="18" charset="-128"/>
+                            <a:cs typeface="Times New Roman" panose="02020603050405020304" pitchFamily="18" charset="0"/>
+                          </a:rPr>
+                          <m:t>,</m:t>
+                        </m:r>
+                        <m:r>
+                          <a:rPr lang="en-US" sz="1000" i="1" kern="1200">
+                            <a:solidFill>
+                              <a:srgbClr val="000000"/>
+                            </a:solidFill>
+                            <a:effectLst/>
+                            <a:latin typeface="Cambria Math" panose="02040503050406030204" pitchFamily="18" charset="0"/>
+                            <a:ea typeface="Yu Mincho" panose="02020400000000000000" pitchFamily="18" charset="-128"/>
+                            <a:cs typeface="Times New Roman" panose="02020603050405020304" pitchFamily="18" charset="0"/>
+                          </a:rPr>
+                          <m:t>𝑠</m:t>
+                        </m:r>
+                        <m:r>
+                          <a:rPr lang="en-US" sz="1000" i="1" kern="1200">
+                            <a:solidFill>
+                              <a:srgbClr val="000000"/>
+                            </a:solidFill>
+                            <a:effectLst/>
+                            <a:latin typeface="Cambria Math" panose="02040503050406030204" pitchFamily="18" charset="0"/>
+                            <a:ea typeface="Yu Mincho" panose="02020400000000000000" pitchFamily="18" charset="-128"/>
+                            <a:cs typeface="Times New Roman" panose="02020603050405020304" pitchFamily="18" charset="0"/>
+                          </a:rPr>
+                          <m:t>′</m:t>
+                        </m:r>
+                      </m:oMath>
+                    </m:oMathPara>
+                  </a14:m>
+                  <a:endParaRPr lang="en-US" sz="1200">
+                    <a:effectLst/>
+                    <a:latin typeface="Calibri" panose="020F0502020204030204" pitchFamily="34" charset="0"/>
+                    <a:ea typeface="Yu Mincho" panose="02020400000000000000" pitchFamily="18" charset="-128"/>
+                    <a:cs typeface="Times New Roman" panose="02020603050405020304" pitchFamily="18" charset="0"/>
+                  </a:endParaRPr>
+                </a:p>
+              </p:txBody>
+            </p:sp>
+          </mc:Choice>
+          <mc:Fallback xmlns="">
+            <p:sp>
+              <p:nvSpPr>
+                <p:cNvPr id="133" name="TextBox 34">
+                  <a:extLst>
+                    <a:ext uri="{FF2B5EF4-FFF2-40B4-BE49-F238E27FC236}">
+                      <a16:creationId xmlns:a16="http://schemas.microsoft.com/office/drawing/2014/main" id="{9DFAEEA3-7496-5469-716B-D6F775FB3294}"/>
+                    </a:ext>
+                  </a:extLst>
+                </p:cNvPr>
+                <p:cNvSpPr txBox="1">
+                  <a:spLocks noRot="1" noChangeAspect="1" noMove="1" noResize="1" noEditPoints="1" noAdjustHandles="1" noChangeArrowheads="1" noChangeShapeType="1" noTextEdit="1"/>
+                </p:cNvSpPr>
+                <p:nvPr/>
+              </p:nvSpPr>
+              <p:spPr>
+                <a:xfrm>
+                  <a:off x="9039048" y="5036291"/>
+                  <a:ext cx="384728" cy="239935"/>
+                </a:xfrm>
+                <a:prstGeom prst="rect">
+                  <a:avLst/>
+                </a:prstGeom>
+                <a:blipFill>
+                  <a:blip r:embed="rId21"/>
+                  <a:stretch>
+                    <a:fillRect/>
+                  </a:stretch>
+                </a:blipFill>
+              </p:spPr>
+              <p:txBody>
+                <a:bodyPr/>
+                <a:lstStyle/>
+                <a:p>
+                  <a:r>
+                    <a:rPr lang="en-US">
+                      <a:noFill/>
+                    </a:rPr>
+                    <a:t> </a:t>
+                  </a:r>
+                </a:p>
+              </p:txBody>
+            </p:sp>
+          </mc:Fallback>
+        </mc:AlternateContent>
+        <mc:AlternateContent xmlns:mc="http://schemas.openxmlformats.org/markup-compatibility/2006" xmlns:a14="http://schemas.microsoft.com/office/drawing/2010/main">
+          <mc:Choice Requires="a14">
+            <p:sp>
+              <p:nvSpPr>
+                <p:cNvPr id="134" name="TextBox 35">
+                  <a:extLst>
+                    <a:ext uri="{FF2B5EF4-FFF2-40B4-BE49-F238E27FC236}">
+                      <a16:creationId xmlns:a16="http://schemas.microsoft.com/office/drawing/2014/main" id="{1632526F-6658-B191-E821-40AF7EB473A8}"/>
+                    </a:ext>
+                  </a:extLst>
+                </p:cNvPr>
+                <p:cNvSpPr txBox="1"/>
+                <p:nvPr/>
+              </p:nvSpPr>
+              <p:spPr>
+                <a:xfrm>
+                  <a:off x="9077172" y="4598014"/>
+                  <a:ext cx="255216" cy="239928"/>
+                </a:xfrm>
+                <a:prstGeom prst="rect">
+                  <a:avLst/>
+                </a:prstGeom>
+                <a:noFill/>
+              </p:spPr>
+              <p:txBody>
+                <a:bodyPr wrap="none" rtlCol="0">
+                  <a:spAutoFit/>
+                </a:bodyPr>
+                <a:lstStyle/>
+                <a:p>
+                  <a:pPr marL="0" marR="0">
+                    <a:spcBef>
+                      <a:spcPts val="0"/>
+                    </a:spcBef>
+                    <a:spcAft>
+                      <a:spcPts val="0"/>
+                    </a:spcAft>
+                  </a:pPr>
+                  <a14:m>
+                    <m:oMathPara xmlns:m="http://schemas.openxmlformats.org/officeDocument/2006/math">
+                      <m:oMathParaPr>
+                        <m:jc m:val="centerGroup"/>
+                      </m:oMathParaPr>
+                      <m:oMath xmlns:m="http://schemas.openxmlformats.org/officeDocument/2006/math">
+                        <m:r>
+                          <a:rPr lang="en-US" sz="1000" i="1" kern="1200">
+                            <a:solidFill>
+                              <a:srgbClr val="000000"/>
+                            </a:solidFill>
+                            <a:effectLst/>
+                            <a:latin typeface="Cambria Math" panose="02040503050406030204" pitchFamily="18" charset="0"/>
+                            <a:ea typeface="Yu Mincho" panose="02020400000000000000" pitchFamily="18" charset="-128"/>
+                            <a:cs typeface="Times New Roman" panose="02020603050405020304" pitchFamily="18" charset="0"/>
+                          </a:rPr>
+                          <m:t>𝑝</m:t>
+                        </m:r>
+                      </m:oMath>
+                    </m:oMathPara>
+                  </a14:m>
+                  <a:endParaRPr lang="en-US" sz="1200">
+                    <a:effectLst/>
+                    <a:latin typeface="Calibri" panose="020F0502020204030204" pitchFamily="34" charset="0"/>
+                    <a:ea typeface="Yu Mincho" panose="02020400000000000000" pitchFamily="18" charset="-128"/>
+                    <a:cs typeface="Times New Roman" panose="02020603050405020304" pitchFamily="18" charset="0"/>
+                  </a:endParaRPr>
+                </a:p>
+              </p:txBody>
+            </p:sp>
+          </mc:Choice>
+          <mc:Fallback xmlns="">
+            <p:sp>
+              <p:nvSpPr>
+                <p:cNvPr id="134" name="TextBox 35">
+                  <a:extLst>
+                    <a:ext uri="{FF2B5EF4-FFF2-40B4-BE49-F238E27FC236}">
+                      <a16:creationId xmlns:a16="http://schemas.microsoft.com/office/drawing/2014/main" id="{1632526F-6658-B191-E821-40AF7EB473A8}"/>
+                    </a:ext>
+                  </a:extLst>
+                </p:cNvPr>
+                <p:cNvSpPr txBox="1">
+                  <a:spLocks noRot="1" noChangeAspect="1" noMove="1" noResize="1" noEditPoints="1" noAdjustHandles="1" noChangeArrowheads="1" noChangeShapeType="1" noTextEdit="1"/>
+                </p:cNvSpPr>
+                <p:nvPr/>
+              </p:nvSpPr>
+              <p:spPr>
+                <a:xfrm>
+                  <a:off x="9077172" y="4598014"/>
+                  <a:ext cx="255216" cy="239928"/>
+                </a:xfrm>
+                <a:prstGeom prst="rect">
+                  <a:avLst/>
+                </a:prstGeom>
+                <a:blipFill>
+                  <a:blip r:embed="rId22"/>
+                  <a:stretch>
+                    <a:fillRect/>
+                  </a:stretch>
+                </a:blipFill>
+              </p:spPr>
+              <p:txBody>
+                <a:bodyPr/>
+                <a:lstStyle/>
+                <a:p>
+                  <a:r>
+                    <a:rPr lang="en-US">
+                      <a:noFill/>
+                    </a:rPr>
+                    <a:t> </a:t>
+                  </a:r>
+                </a:p>
+              </p:txBody>
+            </p:sp>
+          </mc:Fallback>
+        </mc:AlternateContent>
+        <p:sp>
+          <p:nvSpPr>
+            <p:cNvPr id="135" name="Oval 134">
+              <a:extLst>
+                <a:ext uri="{FF2B5EF4-FFF2-40B4-BE49-F238E27FC236}">
+                  <a16:creationId xmlns:a16="http://schemas.microsoft.com/office/drawing/2014/main" id="{9036F23B-2499-DB4A-F4D5-9C6C2ED8598E}"/>
+                </a:ext>
+              </a:extLst>
+            </p:cNvPr>
+            <p:cNvSpPr/>
+            <p:nvPr/>
+          </p:nvSpPr>
+          <p:spPr>
+            <a:xfrm>
+              <a:off x="8600115" y="5026960"/>
+              <a:ext cx="287134" cy="287342"/>
+            </a:xfrm>
+            <a:prstGeom prst="ellipse">
+              <a:avLst/>
+            </a:prstGeom>
+            <a:noFill/>
+            <a:ln>
+              <a:solidFill>
+                <a:srgbClr val="C00000"/>
+              </a:solidFill>
+            </a:ln>
+          </p:spPr>
+          <p:style>
+            <a:lnRef idx="2">
+              <a:schemeClr val="accent1">
+                <a:shade val="15000"/>
+              </a:schemeClr>
+            </a:lnRef>
+            <a:fillRef idx="1">
+              <a:schemeClr val="accent1"/>
+            </a:fillRef>
+            <a:effectRef idx="0">
+              <a:schemeClr val="accent1"/>
+            </a:effectRef>
+            <a:fontRef idx="minor">
+              <a:schemeClr val="lt1"/>
+            </a:fontRef>
+          </p:style>
+          <p:txBody>
+            <a:bodyPr rtlCol="0" anchor="ctr"/>
+            <a:lstStyle/>
+            <a:p>
+              <a:endParaRPr lang="en-US"/>
+            </a:p>
+          </p:txBody>
+        </p:sp>
+        <p:sp>
+          <p:nvSpPr>
+            <p:cNvPr id="136" name="Oval 135">
+              <a:extLst>
+                <a:ext uri="{FF2B5EF4-FFF2-40B4-BE49-F238E27FC236}">
+                  <a16:creationId xmlns:a16="http://schemas.microsoft.com/office/drawing/2014/main" id="{76B83D02-1070-3E09-F69F-B4DCD9B2138B}"/>
+                </a:ext>
+              </a:extLst>
+            </p:cNvPr>
+            <p:cNvSpPr/>
+            <p:nvPr/>
+          </p:nvSpPr>
+          <p:spPr>
+            <a:xfrm>
+              <a:off x="8161340" y="5036291"/>
+              <a:ext cx="287134" cy="287342"/>
+            </a:xfrm>
+            <a:prstGeom prst="ellipse">
+              <a:avLst/>
+            </a:prstGeom>
+            <a:noFill/>
+            <a:ln>
+              <a:solidFill>
+                <a:srgbClr val="C00000"/>
+              </a:solidFill>
+            </a:ln>
+          </p:spPr>
+          <p:style>
+            <a:lnRef idx="2">
+              <a:schemeClr val="accent1">
+                <a:shade val="15000"/>
+              </a:schemeClr>
+            </a:lnRef>
+            <a:fillRef idx="1">
+              <a:schemeClr val="accent1"/>
+            </a:fillRef>
+            <a:effectRef idx="0">
+              <a:schemeClr val="accent1"/>
+            </a:effectRef>
+            <a:fontRef idx="minor">
+              <a:schemeClr val="lt1"/>
+            </a:fontRef>
+          </p:style>
+          <p:txBody>
+            <a:bodyPr rtlCol="0" anchor="ctr"/>
+            <a:lstStyle/>
+            <a:p>
+              <a:endParaRPr lang="en-US"/>
+            </a:p>
+          </p:txBody>
+        </p:sp>
+        <p:sp>
+          <p:nvSpPr>
+            <p:cNvPr id="137" name="Oval 136">
+              <a:extLst>
+                <a:ext uri="{FF2B5EF4-FFF2-40B4-BE49-F238E27FC236}">
+                  <a16:creationId xmlns:a16="http://schemas.microsoft.com/office/drawing/2014/main" id="{A98FA1A1-1DBA-5057-DF70-4DDBADA9C1D3}"/>
+                </a:ext>
+              </a:extLst>
+            </p:cNvPr>
+            <p:cNvSpPr/>
+            <p:nvPr/>
+          </p:nvSpPr>
+          <p:spPr>
+            <a:xfrm>
+              <a:off x="7706189" y="5026960"/>
+              <a:ext cx="287134" cy="287342"/>
+            </a:xfrm>
+            <a:prstGeom prst="ellipse">
+              <a:avLst/>
+            </a:prstGeom>
+            <a:noFill/>
+            <a:ln>
+              <a:solidFill>
+                <a:srgbClr val="C00000"/>
+              </a:solidFill>
+            </a:ln>
+          </p:spPr>
+          <p:style>
+            <a:lnRef idx="2">
+              <a:schemeClr val="accent1">
+                <a:shade val="15000"/>
+              </a:schemeClr>
+            </a:lnRef>
+            <a:fillRef idx="1">
+              <a:schemeClr val="accent1"/>
+            </a:fillRef>
+            <a:effectRef idx="0">
+              <a:schemeClr val="accent1"/>
+            </a:effectRef>
+            <a:fontRef idx="minor">
+              <a:schemeClr val="lt1"/>
+            </a:fontRef>
+          </p:style>
+          <p:txBody>
+            <a:bodyPr rtlCol="0" anchor="ctr"/>
+            <a:lstStyle/>
+            <a:p>
+              <a:endParaRPr lang="en-US"/>
+            </a:p>
+          </p:txBody>
+        </p:sp>
+        <p:sp>
+          <p:nvSpPr>
+            <p:cNvPr id="138" name="Oval 137">
+              <a:extLst>
+                <a:ext uri="{FF2B5EF4-FFF2-40B4-BE49-F238E27FC236}">
+                  <a16:creationId xmlns:a16="http://schemas.microsoft.com/office/drawing/2014/main" id="{AF3423D5-3BCB-D3B3-0475-BE2B1B991384}"/>
+                </a:ext>
+              </a:extLst>
+            </p:cNvPr>
+            <p:cNvSpPr/>
+            <p:nvPr/>
+          </p:nvSpPr>
+          <p:spPr>
+            <a:xfrm>
+              <a:off x="7310125" y="5026960"/>
+              <a:ext cx="287134" cy="287342"/>
+            </a:xfrm>
+            <a:prstGeom prst="ellipse">
+              <a:avLst/>
+            </a:prstGeom>
+            <a:noFill/>
+            <a:ln>
+              <a:solidFill>
+                <a:srgbClr val="C00000"/>
+              </a:solidFill>
+            </a:ln>
+          </p:spPr>
+          <p:style>
+            <a:lnRef idx="2">
+              <a:schemeClr val="accent1">
+                <a:shade val="15000"/>
+              </a:schemeClr>
+            </a:lnRef>
+            <a:fillRef idx="1">
+              <a:schemeClr val="accent1"/>
+            </a:fillRef>
+            <a:effectRef idx="0">
+              <a:schemeClr val="accent1"/>
+            </a:effectRef>
+            <a:fontRef idx="minor">
+              <a:schemeClr val="lt1"/>
+            </a:fontRef>
+          </p:style>
+          <p:txBody>
+            <a:bodyPr rtlCol="0" anchor="ctr"/>
+            <a:lstStyle/>
+            <a:p>
+              <a:endParaRPr lang="en-US"/>
+            </a:p>
+          </p:txBody>
+        </p:sp>
+        <p:sp>
+          <p:nvSpPr>
+            <p:cNvPr id="139" name="Oval 138">
+              <a:extLst>
+                <a:ext uri="{FF2B5EF4-FFF2-40B4-BE49-F238E27FC236}">
+                  <a16:creationId xmlns:a16="http://schemas.microsoft.com/office/drawing/2014/main" id="{B77D3F73-803A-D938-8565-226CA8C2E249}"/>
+                </a:ext>
+              </a:extLst>
+            </p:cNvPr>
+            <p:cNvSpPr/>
+            <p:nvPr/>
+          </p:nvSpPr>
+          <p:spPr>
+            <a:xfrm>
+              <a:off x="6809479" y="5029219"/>
+              <a:ext cx="287134" cy="287342"/>
+            </a:xfrm>
+            <a:prstGeom prst="ellipse">
+              <a:avLst/>
+            </a:prstGeom>
+            <a:noFill/>
+            <a:ln>
+              <a:solidFill>
+                <a:srgbClr val="C00000"/>
+              </a:solidFill>
+            </a:ln>
+          </p:spPr>
+          <p:style>
+            <a:lnRef idx="2">
+              <a:schemeClr val="accent1">
+                <a:shade val="15000"/>
+              </a:schemeClr>
+            </a:lnRef>
+            <a:fillRef idx="1">
+              <a:schemeClr val="accent1"/>
+            </a:fillRef>
+            <a:effectRef idx="0">
+              <a:schemeClr val="accent1"/>
+            </a:effectRef>
+            <a:fontRef idx="minor">
+              <a:schemeClr val="lt1"/>
+            </a:fontRef>
+          </p:style>
+          <p:txBody>
+            <a:bodyPr rtlCol="0" anchor="ctr"/>
+            <a:lstStyle/>
+            <a:p>
+              <a:endParaRPr lang="en-US"/>
+            </a:p>
+          </p:txBody>
+        </p:sp>
+        <p:sp>
+          <p:nvSpPr>
+            <p:cNvPr id="140" name="Oval 139">
+              <a:extLst>
+                <a:ext uri="{FF2B5EF4-FFF2-40B4-BE49-F238E27FC236}">
+                  <a16:creationId xmlns:a16="http://schemas.microsoft.com/office/drawing/2014/main" id="{AF88C635-99E8-3E18-B9D0-BFF631819684}"/>
+                </a:ext>
+              </a:extLst>
+            </p:cNvPr>
+            <p:cNvSpPr/>
+            <p:nvPr/>
+          </p:nvSpPr>
+          <p:spPr>
+            <a:xfrm>
+              <a:off x="7922448" y="3796136"/>
+              <a:ext cx="287134" cy="287342"/>
+            </a:xfrm>
+            <a:prstGeom prst="ellipse">
+              <a:avLst/>
+            </a:prstGeom>
+            <a:noFill/>
+            <a:ln>
+              <a:solidFill>
+                <a:srgbClr val="C00000"/>
+              </a:solidFill>
+            </a:ln>
+          </p:spPr>
+          <p:style>
+            <a:lnRef idx="2">
+              <a:schemeClr val="accent1">
+                <a:shade val="15000"/>
+              </a:schemeClr>
+            </a:lnRef>
+            <a:fillRef idx="1">
+              <a:schemeClr val="accent1"/>
+            </a:fillRef>
+            <a:effectRef idx="0">
+              <a:schemeClr val="accent1"/>
+            </a:effectRef>
+            <a:fontRef idx="minor">
+              <a:schemeClr val="lt1"/>
+            </a:fontRef>
+          </p:style>
+          <p:txBody>
+            <a:bodyPr rtlCol="0" anchor="ctr"/>
+            <a:lstStyle/>
+            <a:p>
+              <a:endParaRPr lang="en-US"/>
+            </a:p>
+          </p:txBody>
+        </p:sp>
+      </p:grpSp>
+      <p:grpSp>
+        <p:nvGrpSpPr>
+          <p:cNvPr id="166" name="Group 165">
+            <a:extLst>
+              <a:ext uri="{FF2B5EF4-FFF2-40B4-BE49-F238E27FC236}">
+                <a16:creationId xmlns:a16="http://schemas.microsoft.com/office/drawing/2014/main" id="{643A99BB-5370-733D-C3D9-BF8EEC16A171}"/>
+              </a:ext>
+            </a:extLst>
+          </p:cNvPr>
+          <p:cNvGrpSpPr/>
+          <p:nvPr/>
+        </p:nvGrpSpPr>
+        <p:grpSpPr>
+          <a:xfrm>
+            <a:off x="929137" y="3698005"/>
+            <a:ext cx="2341998" cy="1003275"/>
+            <a:chOff x="929137" y="3698005"/>
+            <a:chExt cx="2341998" cy="1003275"/>
+          </a:xfrm>
+        </p:grpSpPr>
+        <p:sp>
+          <p:nvSpPr>
+            <p:cNvPr id="143" name="Oval 142">
+              <a:extLst>
+                <a:ext uri="{FF2B5EF4-FFF2-40B4-BE49-F238E27FC236}">
+                  <a16:creationId xmlns:a16="http://schemas.microsoft.com/office/drawing/2014/main" id="{8BD6EF4F-6D34-722A-6CDB-BD11ED8EB628}"/>
+                </a:ext>
+              </a:extLst>
+            </p:cNvPr>
+            <p:cNvSpPr/>
+            <p:nvPr/>
+          </p:nvSpPr>
+          <p:spPr>
+            <a:xfrm>
+              <a:off x="1685535" y="3712616"/>
+              <a:ext cx="287195" cy="287464"/>
+            </a:xfrm>
+            <a:prstGeom prst="ellipse">
+              <a:avLst/>
+            </a:prstGeom>
+            <a:noFill/>
+            <a:ln>
+              <a:solidFill>
+                <a:srgbClr val="C00000"/>
+              </a:solidFill>
+            </a:ln>
+          </p:spPr>
+          <p:style>
+            <a:lnRef idx="2">
+              <a:schemeClr val="accent1">
+                <a:shade val="15000"/>
+              </a:schemeClr>
+            </a:lnRef>
+            <a:fillRef idx="1">
+              <a:schemeClr val="accent1"/>
+            </a:fillRef>
+            <a:effectRef idx="0">
+              <a:schemeClr val="accent1"/>
+            </a:effectRef>
+            <a:fontRef idx="minor">
+              <a:schemeClr val="lt1"/>
+            </a:fontRef>
+          </p:style>
+          <p:txBody>
+            <a:bodyPr rtlCol="0" anchor="ctr"/>
+            <a:lstStyle/>
+            <a:p>
+              <a:pPr algn="ctr"/>
+              <a:endParaRPr lang="en-US"/>
+            </a:p>
+          </p:txBody>
+        </p:sp>
+        <p:sp>
+          <p:nvSpPr>
+            <p:cNvPr id="146" name="Oval 145">
+              <a:extLst>
+                <a:ext uri="{FF2B5EF4-FFF2-40B4-BE49-F238E27FC236}">
+                  <a16:creationId xmlns:a16="http://schemas.microsoft.com/office/drawing/2014/main" id="{551E95CF-137D-415E-8C63-FC963EDABE60}"/>
+                </a:ext>
+              </a:extLst>
+            </p:cNvPr>
+            <p:cNvSpPr/>
+            <p:nvPr/>
+          </p:nvSpPr>
+          <p:spPr>
+            <a:xfrm>
+              <a:off x="1007709" y="4367605"/>
+              <a:ext cx="309829" cy="320142"/>
+            </a:xfrm>
+            <a:prstGeom prst="ellipse">
+              <a:avLst/>
+            </a:prstGeom>
+            <a:solidFill>
+              <a:schemeClr val="accent1">
+                <a:alpha val="69963"/>
+              </a:schemeClr>
+            </a:solidFill>
+          </p:spPr>
+          <p:style>
+            <a:lnRef idx="2">
+              <a:schemeClr val="accent1">
+                <a:shade val="15000"/>
+              </a:schemeClr>
+            </a:lnRef>
+            <a:fillRef idx="1">
+              <a:schemeClr val="accent1"/>
+            </a:fillRef>
+            <a:effectRef idx="0">
+              <a:schemeClr val="accent1"/>
+            </a:effectRef>
+            <a:fontRef idx="minor">
+              <a:schemeClr val="lt1"/>
+            </a:fontRef>
+          </p:style>
+          <p:txBody>
+            <a:bodyPr rtlCol="0" anchor="ctr"/>
+            <a:lstStyle/>
+            <a:p>
+              <a:pPr algn="ctr"/>
+              <a:endParaRPr lang="en-US"/>
+            </a:p>
+          </p:txBody>
+        </p:sp>
+        <mc:AlternateContent xmlns:mc="http://schemas.openxmlformats.org/markup-compatibility/2006" xmlns:a14="http://schemas.microsoft.com/office/drawing/2010/main">
+          <mc:Choice Requires="a14">
+            <p:sp>
+              <p:nvSpPr>
+                <p:cNvPr id="147" name="TextBox 146">
+                  <a:extLst>
+                    <a:ext uri="{FF2B5EF4-FFF2-40B4-BE49-F238E27FC236}">
+                      <a16:creationId xmlns:a16="http://schemas.microsoft.com/office/drawing/2014/main" id="{7F9736A4-5015-925C-AC5E-8996E7DA3FD7}"/>
+                    </a:ext>
+                  </a:extLst>
+                </p:cNvPr>
+                <p:cNvSpPr txBox="1"/>
+                <p:nvPr/>
+              </p:nvSpPr>
+              <p:spPr>
+                <a:xfrm>
+                  <a:off x="929137" y="4381240"/>
+                  <a:ext cx="477246" cy="246221"/>
+                </a:xfrm>
+                <a:prstGeom prst="rect">
+                  <a:avLst/>
+                </a:prstGeom>
+                <a:noFill/>
+              </p:spPr>
+              <p:txBody>
+                <a:bodyPr wrap="none" rtlCol="0">
+                  <a:spAutoFit/>
+                </a:bodyPr>
+                <a:lstStyle/>
+                <a:p>
+                  <a:pPr/>
+                  <a14:m>
+                    <m:oMathPara xmlns:m="http://schemas.openxmlformats.org/officeDocument/2006/math">
+                      <m:oMathParaPr>
+                        <m:jc m:val="centerGroup"/>
+                      </m:oMathParaPr>
+                      <m:oMath xmlns:m="http://schemas.openxmlformats.org/officeDocument/2006/math">
+                        <m:sSub>
+                          <m:sSubPr>
+                            <m:ctrlPr>
+                              <a:rPr lang="en-US" sz="1000" b="0" i="1" dirty="0" smtClean="0">
+                                <a:latin typeface="Cambria Math" panose="02040503050406030204" pitchFamily="18" charset="0"/>
+                              </a:rPr>
+                            </m:ctrlPr>
+                          </m:sSubPr>
+                          <m:e>
+                            <m:r>
+                              <a:rPr lang="en-US" sz="1000" b="0" i="1" dirty="0" smtClean="0">
+                                <a:latin typeface="Cambria Math" panose="02040503050406030204" pitchFamily="18" charset="0"/>
+                              </a:rPr>
+                              <m:t>𝑟</m:t>
+                            </m:r>
+                          </m:e>
+                          <m:sub>
+                            <m:r>
+                              <a:rPr lang="en-US" sz="1000" b="0" i="1" dirty="0" smtClean="0">
+                                <a:latin typeface="Cambria Math" panose="02040503050406030204" pitchFamily="18" charset="0"/>
+                              </a:rPr>
+                              <m:t>1</m:t>
+                            </m:r>
+                          </m:sub>
+                        </m:sSub>
+                        <m:r>
+                          <a:rPr lang="en-US" sz="1000" b="0" i="1" dirty="0" smtClean="0">
+                            <a:latin typeface="Cambria Math" panose="02040503050406030204" pitchFamily="18" charset="0"/>
+                          </a:rPr>
+                          <m:t>,</m:t>
+                        </m:r>
+                        <m:sSubSup>
+                          <m:sSubSupPr>
+                            <m:ctrlPr>
+                              <a:rPr lang="en-US" sz="1000" b="0" i="1" dirty="0" smtClean="0">
+                                <a:latin typeface="Cambria Math" panose="02040503050406030204" pitchFamily="18" charset="0"/>
+                              </a:rPr>
+                            </m:ctrlPr>
+                          </m:sSubSupPr>
+                          <m:e>
+                            <m:r>
+                              <a:rPr lang="en-US" sz="1000" b="0" i="1" dirty="0" smtClean="0">
+                                <a:latin typeface="Cambria Math" panose="02040503050406030204" pitchFamily="18" charset="0"/>
+                              </a:rPr>
+                              <m:t>𝑠</m:t>
+                            </m:r>
+                          </m:e>
+                          <m:sub>
+                            <m:r>
+                              <a:rPr lang="en-US" sz="1000" b="0" i="1" dirty="0" smtClean="0">
+                                <a:latin typeface="Cambria Math" panose="02040503050406030204" pitchFamily="18" charset="0"/>
+                              </a:rPr>
+                              <m:t>1</m:t>
+                            </m:r>
+                          </m:sub>
+                          <m:sup>
+                            <m:r>
+                              <a:rPr lang="en-US" sz="1000" b="0" i="1" dirty="0" smtClean="0">
+                                <a:latin typeface="Cambria Math" panose="02040503050406030204" pitchFamily="18" charset="0"/>
+                              </a:rPr>
+                              <m:t>′</m:t>
+                            </m:r>
+                          </m:sup>
+                        </m:sSubSup>
+                      </m:oMath>
+                    </m:oMathPara>
+                  </a14:m>
+                  <a:endParaRPr lang="en-US" sz="1000" dirty="0"/>
+                </a:p>
+              </p:txBody>
+            </p:sp>
+          </mc:Choice>
+          <mc:Fallback xmlns="">
+            <p:sp>
+              <p:nvSpPr>
+                <p:cNvPr id="147" name="TextBox 146">
+                  <a:extLst>
+                    <a:ext uri="{FF2B5EF4-FFF2-40B4-BE49-F238E27FC236}">
+                      <a16:creationId xmlns:a16="http://schemas.microsoft.com/office/drawing/2014/main" id="{7F9736A4-5015-925C-AC5E-8996E7DA3FD7}"/>
+                    </a:ext>
+                  </a:extLst>
+                </p:cNvPr>
+                <p:cNvSpPr txBox="1">
+                  <a:spLocks noRot="1" noChangeAspect="1" noMove="1" noResize="1" noEditPoints="1" noAdjustHandles="1" noChangeArrowheads="1" noChangeShapeType="1" noTextEdit="1"/>
+                </p:cNvSpPr>
+                <p:nvPr/>
+              </p:nvSpPr>
+              <p:spPr>
+                <a:xfrm>
+                  <a:off x="929137" y="4381240"/>
+                  <a:ext cx="477246" cy="246221"/>
+                </a:xfrm>
+                <a:prstGeom prst="rect">
+                  <a:avLst/>
+                </a:prstGeom>
+                <a:blipFill>
+                  <a:blip r:embed="rId23"/>
+                  <a:stretch>
+                    <a:fillRect/>
+                  </a:stretch>
+                </a:blipFill>
+              </p:spPr>
+              <p:txBody>
+                <a:bodyPr/>
+                <a:lstStyle/>
+                <a:p>
+                  <a:r>
+                    <a:rPr lang="en-US">
+                      <a:noFill/>
+                    </a:rPr>
+                    <a:t> </a:t>
+                  </a:r>
+                </a:p>
+              </p:txBody>
+            </p:sp>
+          </mc:Fallback>
+        </mc:AlternateContent>
+        <mc:AlternateContent xmlns:mc="http://schemas.openxmlformats.org/markup-compatibility/2006" xmlns:a14="http://schemas.microsoft.com/office/drawing/2010/main">
+          <mc:Choice Requires="a14">
+            <p:sp>
+              <p:nvSpPr>
+                <p:cNvPr id="150" name="TextBox 149">
+                  <a:extLst>
+                    <a:ext uri="{FF2B5EF4-FFF2-40B4-BE49-F238E27FC236}">
+                      <a16:creationId xmlns:a16="http://schemas.microsoft.com/office/drawing/2014/main" id="{615E508C-B334-4BC9-1147-D41C794CE412}"/>
+                    </a:ext>
+                  </a:extLst>
+                </p:cNvPr>
+                <p:cNvSpPr txBox="1"/>
+                <p:nvPr/>
+              </p:nvSpPr>
+              <p:spPr>
+                <a:xfrm>
+                  <a:off x="1642769" y="3721951"/>
+                  <a:ext cx="397738" cy="246221"/>
+                </a:xfrm>
+                <a:prstGeom prst="rect">
+                  <a:avLst/>
+                </a:prstGeom>
+                <a:noFill/>
+              </p:spPr>
+              <p:txBody>
+                <a:bodyPr wrap="none" rtlCol="0">
+                  <a:spAutoFit/>
+                </a:bodyPr>
+                <a:lstStyle/>
+                <a:p>
+                  <a:pPr/>
+                  <a14:m>
+                    <m:oMathPara xmlns:m="http://schemas.openxmlformats.org/officeDocument/2006/math">
+                      <m:oMathParaPr>
+                        <m:jc m:val="centerGroup"/>
+                      </m:oMathParaPr>
+                      <m:oMath xmlns:m="http://schemas.openxmlformats.org/officeDocument/2006/math">
+                        <m:r>
+                          <a:rPr lang="en-US" sz="1000" i="1" dirty="0" smtClean="0">
+                            <a:latin typeface="Cambria Math" panose="02040503050406030204" pitchFamily="18" charset="0"/>
+                          </a:rPr>
+                          <m:t>𝑠</m:t>
+                        </m:r>
+                        <m:r>
+                          <a:rPr lang="en-US" sz="1000" b="0" i="1" dirty="0" smtClean="0">
+                            <a:latin typeface="Cambria Math" panose="02040503050406030204" pitchFamily="18" charset="0"/>
+                          </a:rPr>
+                          <m:t>,</m:t>
+                        </m:r>
+                        <m:r>
+                          <a:rPr lang="en-US" sz="1000" b="0" i="1" dirty="0" smtClean="0">
+                            <a:latin typeface="Cambria Math" panose="02040503050406030204" pitchFamily="18" charset="0"/>
+                          </a:rPr>
+                          <m:t>𝑎</m:t>
+                        </m:r>
+                      </m:oMath>
+                    </m:oMathPara>
+                  </a14:m>
+                  <a:endParaRPr lang="en-US" sz="1000" dirty="0"/>
+                </a:p>
+              </p:txBody>
+            </p:sp>
+          </mc:Choice>
+          <mc:Fallback xmlns="">
+            <p:sp>
+              <p:nvSpPr>
+                <p:cNvPr id="150" name="TextBox 149">
+                  <a:extLst>
+                    <a:ext uri="{FF2B5EF4-FFF2-40B4-BE49-F238E27FC236}">
+                      <a16:creationId xmlns:a16="http://schemas.microsoft.com/office/drawing/2014/main" id="{615E508C-B334-4BC9-1147-D41C794CE412}"/>
+                    </a:ext>
+                  </a:extLst>
+                </p:cNvPr>
+                <p:cNvSpPr txBox="1">
+                  <a:spLocks noRot="1" noChangeAspect="1" noMove="1" noResize="1" noEditPoints="1" noAdjustHandles="1" noChangeArrowheads="1" noChangeShapeType="1" noTextEdit="1"/>
+                </p:cNvSpPr>
+                <p:nvPr/>
+              </p:nvSpPr>
+              <p:spPr>
+                <a:xfrm>
+                  <a:off x="1642769" y="3721951"/>
+                  <a:ext cx="397738" cy="246221"/>
+                </a:xfrm>
+                <a:prstGeom prst="rect">
+                  <a:avLst/>
+                </a:prstGeom>
+                <a:blipFill>
+                  <a:blip r:embed="rId24"/>
+                  <a:stretch>
+                    <a:fillRect/>
+                  </a:stretch>
+                </a:blipFill>
+              </p:spPr>
+              <p:txBody>
+                <a:bodyPr/>
+                <a:lstStyle/>
+                <a:p>
+                  <a:r>
+                    <a:rPr lang="en-US">
+                      <a:noFill/>
+                    </a:rPr>
+                    <a:t> </a:t>
+                  </a:r>
+                </a:p>
+              </p:txBody>
+            </p:sp>
+          </mc:Fallback>
+        </mc:AlternateContent>
+        <p:cxnSp>
+          <p:nvCxnSpPr>
+            <p:cNvPr id="151" name="Straight Arrow Connector 150">
+              <a:extLst>
+                <a:ext uri="{FF2B5EF4-FFF2-40B4-BE49-F238E27FC236}">
+                  <a16:creationId xmlns:a16="http://schemas.microsoft.com/office/drawing/2014/main" id="{54C94C1C-2513-1941-41C7-47EA8587D262}"/>
+                </a:ext>
+              </a:extLst>
+            </p:cNvPr>
+            <p:cNvCxnSpPr>
+              <a:cxnSpLocks/>
+              <a:stCxn id="143" idx="3"/>
+              <a:endCxn id="146" idx="0"/>
+            </p:cNvCxnSpPr>
+            <p:nvPr/>
+          </p:nvCxnSpPr>
+          <p:spPr>
+            <a:xfrm flipH="1">
+              <a:off x="1162624" y="3957982"/>
+              <a:ext cx="564970" cy="409623"/>
+            </a:xfrm>
+            <a:prstGeom prst="straightConnector1">
+              <a:avLst/>
+            </a:prstGeom>
+            <a:ln>
+              <a:tailEnd type="triangle"/>
+            </a:ln>
+          </p:spPr>
+          <p:style>
+            <a:lnRef idx="1">
+              <a:schemeClr val="accent1"/>
+            </a:lnRef>
+            <a:fillRef idx="0">
+              <a:schemeClr val="accent1"/>
+            </a:fillRef>
+            <a:effectRef idx="0">
+              <a:schemeClr val="accent1"/>
+            </a:effectRef>
+            <a:fontRef idx="minor">
+              <a:schemeClr val="tx1"/>
+            </a:fontRef>
+          </p:style>
+        </p:cxnSp>
+        <p:cxnSp>
+          <p:nvCxnSpPr>
+            <p:cNvPr id="152" name="Straight Arrow Connector 151">
+              <a:extLst>
+                <a:ext uri="{FF2B5EF4-FFF2-40B4-BE49-F238E27FC236}">
+                  <a16:creationId xmlns:a16="http://schemas.microsoft.com/office/drawing/2014/main" id="{DFBC77C0-5CBF-BA86-908E-0E5109E7D9A6}"/>
+                </a:ext>
+              </a:extLst>
+            </p:cNvPr>
+            <p:cNvCxnSpPr>
+              <a:cxnSpLocks/>
+              <a:stCxn id="143" idx="4"/>
+            </p:cNvCxnSpPr>
+            <p:nvPr/>
+          </p:nvCxnSpPr>
+          <p:spPr>
+            <a:xfrm flipH="1">
+              <a:off x="1824913" y="4000080"/>
+              <a:ext cx="4220" cy="371117"/>
+            </a:xfrm>
+            <a:prstGeom prst="straightConnector1">
+              <a:avLst/>
+            </a:prstGeom>
+            <a:ln>
+              <a:tailEnd type="triangle"/>
+            </a:ln>
+          </p:spPr>
+          <p:style>
+            <a:lnRef idx="1">
+              <a:schemeClr val="accent1"/>
+            </a:lnRef>
+            <a:fillRef idx="0">
+              <a:schemeClr val="accent1"/>
+            </a:fillRef>
+            <a:effectRef idx="0">
+              <a:schemeClr val="accent1"/>
+            </a:effectRef>
+            <a:fontRef idx="minor">
+              <a:schemeClr val="tx1"/>
+            </a:fontRef>
+          </p:style>
+        </p:cxnSp>
+        <p:cxnSp>
+          <p:nvCxnSpPr>
+            <p:cNvPr id="153" name="Straight Arrow Connector 152">
+              <a:extLst>
+                <a:ext uri="{FF2B5EF4-FFF2-40B4-BE49-F238E27FC236}">
+                  <a16:creationId xmlns:a16="http://schemas.microsoft.com/office/drawing/2014/main" id="{D69A2EC8-AFA0-ADA0-CA22-0A2E3F465A3E}"/>
+                </a:ext>
+              </a:extLst>
+            </p:cNvPr>
+            <p:cNvCxnSpPr>
+              <a:cxnSpLocks/>
+            </p:cNvCxnSpPr>
+            <p:nvPr/>
+          </p:nvCxnSpPr>
+          <p:spPr>
+            <a:xfrm>
+              <a:off x="1949121" y="3957982"/>
+              <a:ext cx="623188" cy="403627"/>
+            </a:xfrm>
+            <a:prstGeom prst="straightConnector1">
+              <a:avLst/>
+            </a:prstGeom>
+            <a:ln>
+              <a:tailEnd type="triangle"/>
+            </a:ln>
+          </p:spPr>
+          <p:style>
+            <a:lnRef idx="1">
+              <a:schemeClr val="accent1"/>
+            </a:lnRef>
+            <a:fillRef idx="0">
+              <a:schemeClr val="accent1"/>
+            </a:fillRef>
+            <a:effectRef idx="0">
+              <a:schemeClr val="accent1"/>
+            </a:effectRef>
+            <a:fontRef idx="minor">
+              <a:schemeClr val="tx1"/>
+            </a:fontRef>
+          </p:style>
+        </p:cxnSp>
+        <mc:AlternateContent xmlns:mc="http://schemas.openxmlformats.org/markup-compatibility/2006" xmlns:a14="http://schemas.microsoft.com/office/drawing/2010/main">
+          <mc:Choice Requires="a14">
+            <p:sp>
+              <p:nvSpPr>
+                <p:cNvPr id="154" name="TextBox 153">
+                  <a:extLst>
+                    <a:ext uri="{FF2B5EF4-FFF2-40B4-BE49-F238E27FC236}">
+                      <a16:creationId xmlns:a16="http://schemas.microsoft.com/office/drawing/2014/main" id="{F96C5E95-FA90-F21C-A6EA-2D62607E4291}"/>
+                    </a:ext>
+                  </a:extLst>
+                </p:cNvPr>
+                <p:cNvSpPr txBox="1"/>
+                <p:nvPr/>
+              </p:nvSpPr>
+              <p:spPr>
+                <a:xfrm>
+                  <a:off x="2725345" y="4393973"/>
+                  <a:ext cx="545790" cy="246221"/>
+                </a:xfrm>
+                <a:prstGeom prst="rect">
+                  <a:avLst/>
+                </a:prstGeom>
+                <a:noFill/>
+              </p:spPr>
+              <p:txBody>
+                <a:bodyPr wrap="none" rtlCol="0">
+                  <a:spAutoFit/>
+                </a:bodyPr>
+                <a:lstStyle/>
+                <a:p>
+                  <a:pPr/>
+                  <a14:m>
+                    <m:oMathPara xmlns:m="http://schemas.openxmlformats.org/officeDocument/2006/math">
+                      <m:oMathParaPr>
+                        <m:jc m:val="centerGroup"/>
+                      </m:oMathParaPr>
+                      <m:oMath xmlns:m="http://schemas.openxmlformats.org/officeDocument/2006/math">
+                        <m:sSub>
+                          <m:sSubPr>
+                            <m:ctrlPr>
+                              <a:rPr lang="en-US" sz="1000" i="1" dirty="0" smtClean="0">
+                                <a:latin typeface="Cambria Math" panose="02040503050406030204" pitchFamily="18" charset="0"/>
+                              </a:rPr>
+                            </m:ctrlPr>
+                          </m:sSubPr>
+                          <m:e>
+                            <m:r>
+                              <a:rPr lang="en-US" sz="1000" b="0" i="1" dirty="0" smtClean="0">
+                                <a:latin typeface="Cambria Math" panose="02040503050406030204" pitchFamily="18" charset="0"/>
+                              </a:rPr>
+                              <m:t>𝑣</m:t>
+                            </m:r>
+                          </m:e>
+                          <m:sub>
+                            <m:r>
+                              <a:rPr lang="en-US" sz="1000" i="1" dirty="0" smtClean="0">
+                                <a:latin typeface="Cambria Math" panose="02040503050406030204" pitchFamily="18" charset="0"/>
+                                <a:ea typeface="Cambria Math" panose="02040503050406030204" pitchFamily="18" charset="0"/>
+                              </a:rPr>
+                              <m:t>𝜋</m:t>
+                            </m:r>
+                          </m:sub>
+                        </m:sSub>
+                        <m:d>
+                          <m:dPr>
+                            <m:ctrlPr>
+                              <a:rPr lang="en-US" sz="1000" i="1" dirty="0" smtClean="0">
+                                <a:latin typeface="Cambria Math" panose="02040503050406030204" pitchFamily="18" charset="0"/>
+                              </a:rPr>
+                            </m:ctrlPr>
+                          </m:dPr>
+                          <m:e>
+                            <m:r>
+                              <a:rPr lang="en-US" sz="1000" b="0" i="1" dirty="0" smtClean="0">
+                                <a:latin typeface="Cambria Math" panose="02040503050406030204" pitchFamily="18" charset="0"/>
+                              </a:rPr>
+                              <m:t>𝑠</m:t>
+                            </m:r>
+                            <m:r>
+                              <a:rPr lang="en-US" sz="1000" b="0" i="1" dirty="0" smtClean="0">
+                                <a:latin typeface="Cambria Math" panose="02040503050406030204" pitchFamily="18" charset="0"/>
+                              </a:rPr>
+                              <m:t>′</m:t>
+                            </m:r>
+                          </m:e>
+                        </m:d>
+                      </m:oMath>
+                    </m:oMathPara>
+                  </a14:m>
+                  <a:endParaRPr lang="en-US" sz="1000" dirty="0"/>
+                </a:p>
+              </p:txBody>
+            </p:sp>
+          </mc:Choice>
+          <mc:Fallback xmlns="">
+            <p:sp>
+              <p:nvSpPr>
+                <p:cNvPr id="154" name="TextBox 153">
+                  <a:extLst>
+                    <a:ext uri="{FF2B5EF4-FFF2-40B4-BE49-F238E27FC236}">
+                      <a16:creationId xmlns:a16="http://schemas.microsoft.com/office/drawing/2014/main" id="{F96C5E95-FA90-F21C-A6EA-2D62607E4291}"/>
+                    </a:ext>
+                  </a:extLst>
+                </p:cNvPr>
+                <p:cNvSpPr txBox="1">
+                  <a:spLocks noRot="1" noChangeAspect="1" noMove="1" noResize="1" noEditPoints="1" noAdjustHandles="1" noChangeArrowheads="1" noChangeShapeType="1" noTextEdit="1"/>
+                </p:cNvSpPr>
+                <p:nvPr/>
+              </p:nvSpPr>
+              <p:spPr>
+                <a:xfrm>
+                  <a:off x="2725345" y="4393973"/>
+                  <a:ext cx="545790" cy="246221"/>
+                </a:xfrm>
+                <a:prstGeom prst="rect">
+                  <a:avLst/>
+                </a:prstGeom>
+                <a:blipFill>
+                  <a:blip r:embed="rId25"/>
+                  <a:stretch>
+                    <a:fillRect/>
+                  </a:stretch>
+                </a:blipFill>
+              </p:spPr>
+              <p:txBody>
+                <a:bodyPr/>
+                <a:lstStyle/>
+                <a:p>
+                  <a:r>
+                    <a:rPr lang="en-US">
+                      <a:noFill/>
+                    </a:rPr>
+                    <a:t> </a:t>
+                  </a:r>
+                </a:p>
+              </p:txBody>
+            </p:sp>
+          </mc:Fallback>
+        </mc:AlternateContent>
+        <mc:AlternateContent xmlns:mc="http://schemas.openxmlformats.org/markup-compatibility/2006" xmlns:a14="http://schemas.microsoft.com/office/drawing/2010/main">
+          <mc:Choice Requires="a14">
+            <p:sp>
+              <p:nvSpPr>
+                <p:cNvPr id="155" name="TextBox 154">
+                  <a:extLst>
+                    <a:ext uri="{FF2B5EF4-FFF2-40B4-BE49-F238E27FC236}">
+                      <a16:creationId xmlns:a16="http://schemas.microsoft.com/office/drawing/2014/main" id="{A11FD678-C86E-206B-EBE4-474EBB4285C6}"/>
+                    </a:ext>
+                  </a:extLst>
+                </p:cNvPr>
+                <p:cNvSpPr txBox="1"/>
+                <p:nvPr/>
+              </p:nvSpPr>
+              <p:spPr>
+                <a:xfrm>
+                  <a:off x="1948209" y="3698005"/>
+                  <a:ext cx="637034" cy="246221"/>
+                </a:xfrm>
+                <a:prstGeom prst="rect">
+                  <a:avLst/>
+                </a:prstGeom>
+                <a:noFill/>
+              </p:spPr>
+              <p:txBody>
+                <a:bodyPr wrap="none" rtlCol="0">
+                  <a:spAutoFit/>
+                </a:bodyPr>
+                <a:lstStyle/>
+                <a:p>
+                  <a:pPr/>
+                  <a14:m>
+                    <m:oMathPara xmlns:m="http://schemas.openxmlformats.org/officeDocument/2006/math">
+                      <m:oMathParaPr>
+                        <m:jc m:val="centerGroup"/>
+                      </m:oMathParaPr>
+                      <m:oMath xmlns:m="http://schemas.openxmlformats.org/officeDocument/2006/math">
+                        <m:sSub>
+                          <m:sSubPr>
+                            <m:ctrlPr>
+                              <a:rPr lang="en-US" sz="1000" i="1" dirty="0" smtClean="0">
+                                <a:latin typeface="Cambria Math" panose="02040503050406030204" pitchFamily="18" charset="0"/>
+                              </a:rPr>
+                            </m:ctrlPr>
+                          </m:sSubPr>
+                          <m:e>
+                            <m:r>
+                              <a:rPr lang="en-US" sz="1000" b="0" i="1" dirty="0" smtClean="0">
+                                <a:latin typeface="Cambria Math" panose="02040503050406030204" pitchFamily="18" charset="0"/>
+                              </a:rPr>
+                              <m:t>𝑞</m:t>
+                            </m:r>
+                          </m:e>
+                          <m:sub>
+                            <m:r>
+                              <a:rPr lang="en-US" sz="1000" i="1" dirty="0" smtClean="0">
+                                <a:latin typeface="Cambria Math" panose="02040503050406030204" pitchFamily="18" charset="0"/>
+                                <a:ea typeface="Cambria Math" panose="02040503050406030204" pitchFamily="18" charset="0"/>
+                              </a:rPr>
+                              <m:t>𝜋</m:t>
+                            </m:r>
+                          </m:sub>
+                        </m:sSub>
+                        <m:d>
+                          <m:dPr>
+                            <m:ctrlPr>
+                              <a:rPr lang="en-US" sz="1000" i="1" dirty="0" smtClean="0">
+                                <a:latin typeface="Cambria Math" panose="02040503050406030204" pitchFamily="18" charset="0"/>
+                              </a:rPr>
+                            </m:ctrlPr>
+                          </m:dPr>
+                          <m:e>
+                            <m:r>
+                              <a:rPr lang="en-US" sz="1000" b="0" i="1" dirty="0" smtClean="0">
+                                <a:latin typeface="Cambria Math" panose="02040503050406030204" pitchFamily="18" charset="0"/>
+                              </a:rPr>
+                              <m:t>𝑠</m:t>
+                            </m:r>
+                            <m:r>
+                              <a:rPr lang="en-US" sz="1000" b="0" i="1" dirty="0" smtClean="0">
+                                <a:latin typeface="Cambria Math" panose="02040503050406030204" pitchFamily="18" charset="0"/>
+                              </a:rPr>
+                              <m:t>,</m:t>
+                            </m:r>
+                            <m:r>
+                              <a:rPr lang="en-US" sz="1000" b="0" i="1" dirty="0" smtClean="0">
+                                <a:latin typeface="Cambria Math" panose="02040503050406030204" pitchFamily="18" charset="0"/>
+                              </a:rPr>
+                              <m:t>𝑎</m:t>
+                            </m:r>
+                          </m:e>
+                        </m:d>
+                      </m:oMath>
+                    </m:oMathPara>
+                  </a14:m>
+                  <a:endParaRPr lang="en-US" sz="1000" dirty="0"/>
+                </a:p>
+              </p:txBody>
+            </p:sp>
+          </mc:Choice>
+          <mc:Fallback xmlns="">
+            <p:sp>
+              <p:nvSpPr>
+                <p:cNvPr id="155" name="TextBox 154">
+                  <a:extLst>
+                    <a:ext uri="{FF2B5EF4-FFF2-40B4-BE49-F238E27FC236}">
+                      <a16:creationId xmlns:a16="http://schemas.microsoft.com/office/drawing/2014/main" id="{A11FD678-C86E-206B-EBE4-474EBB4285C6}"/>
+                    </a:ext>
+                  </a:extLst>
+                </p:cNvPr>
+                <p:cNvSpPr txBox="1">
+                  <a:spLocks noRot="1" noChangeAspect="1" noMove="1" noResize="1" noEditPoints="1" noAdjustHandles="1" noChangeArrowheads="1" noChangeShapeType="1" noTextEdit="1"/>
+                </p:cNvSpPr>
+                <p:nvPr/>
+              </p:nvSpPr>
+              <p:spPr>
+                <a:xfrm>
+                  <a:off x="1948209" y="3698005"/>
+                  <a:ext cx="637034" cy="246221"/>
+                </a:xfrm>
+                <a:prstGeom prst="rect">
+                  <a:avLst/>
+                </a:prstGeom>
+                <a:blipFill>
+                  <a:blip r:embed="rId26"/>
+                  <a:stretch>
+                    <a:fillRect/>
+                  </a:stretch>
+                </a:blipFill>
+              </p:spPr>
+              <p:txBody>
+                <a:bodyPr/>
+                <a:lstStyle/>
+                <a:p>
+                  <a:r>
+                    <a:rPr lang="en-US">
+                      <a:noFill/>
+                    </a:rPr>
+                    <a:t> </a:t>
+                  </a:r>
+                </a:p>
+              </p:txBody>
+            </p:sp>
+          </mc:Fallback>
+        </mc:AlternateContent>
+        <p:sp>
+          <p:nvSpPr>
+            <p:cNvPr id="160" name="Oval 159">
+              <a:extLst>
+                <a:ext uri="{FF2B5EF4-FFF2-40B4-BE49-F238E27FC236}">
+                  <a16:creationId xmlns:a16="http://schemas.microsoft.com/office/drawing/2014/main" id="{D069A374-FB13-A5FB-13AF-EC4A0781EBDB}"/>
+                </a:ext>
+              </a:extLst>
+            </p:cNvPr>
+            <p:cNvSpPr/>
+            <p:nvPr/>
+          </p:nvSpPr>
+          <p:spPr>
+            <a:xfrm>
+              <a:off x="1663992" y="4381138"/>
+              <a:ext cx="309829" cy="320142"/>
+            </a:xfrm>
+            <a:prstGeom prst="ellipse">
+              <a:avLst/>
+            </a:prstGeom>
+            <a:solidFill>
+              <a:schemeClr val="accent1">
+                <a:alpha val="69963"/>
+              </a:schemeClr>
+            </a:solidFill>
+          </p:spPr>
+          <p:style>
+            <a:lnRef idx="2">
+              <a:schemeClr val="accent1">
+                <a:shade val="15000"/>
+              </a:schemeClr>
+            </a:lnRef>
+            <a:fillRef idx="1">
+              <a:schemeClr val="accent1"/>
+            </a:fillRef>
+            <a:effectRef idx="0">
+              <a:schemeClr val="accent1"/>
+            </a:effectRef>
+            <a:fontRef idx="minor">
+              <a:schemeClr val="lt1"/>
+            </a:fontRef>
+          </p:style>
+          <p:txBody>
+            <a:bodyPr rtlCol="0" anchor="ctr"/>
+            <a:lstStyle/>
+            <a:p>
+              <a:pPr algn="ctr"/>
+              <a:endParaRPr lang="en-US"/>
+            </a:p>
+          </p:txBody>
+        </p:sp>
+        <p:sp>
+          <p:nvSpPr>
+            <p:cNvPr id="162" name="Oval 161">
+              <a:extLst>
+                <a:ext uri="{FF2B5EF4-FFF2-40B4-BE49-F238E27FC236}">
+                  <a16:creationId xmlns:a16="http://schemas.microsoft.com/office/drawing/2014/main" id="{A1AE05B7-9AA6-32FD-EBC0-99C4257107AE}"/>
+                </a:ext>
+              </a:extLst>
+            </p:cNvPr>
+            <p:cNvSpPr/>
+            <p:nvPr/>
+          </p:nvSpPr>
+          <p:spPr>
+            <a:xfrm>
+              <a:off x="2436817" y="4367503"/>
+              <a:ext cx="309829" cy="320142"/>
+            </a:xfrm>
+            <a:prstGeom prst="ellipse">
+              <a:avLst/>
+            </a:prstGeom>
+            <a:solidFill>
+              <a:schemeClr val="accent1">
+                <a:alpha val="69963"/>
+              </a:schemeClr>
+            </a:solidFill>
+          </p:spPr>
+          <p:style>
+            <a:lnRef idx="2">
+              <a:schemeClr val="accent1">
+                <a:shade val="15000"/>
+              </a:schemeClr>
+            </a:lnRef>
+            <a:fillRef idx="1">
+              <a:schemeClr val="accent1"/>
+            </a:fillRef>
+            <a:effectRef idx="0">
+              <a:schemeClr val="accent1"/>
+            </a:effectRef>
+            <a:fontRef idx="minor">
+              <a:schemeClr val="lt1"/>
+            </a:fontRef>
+          </p:style>
+          <p:txBody>
+            <a:bodyPr rtlCol="0" anchor="ctr"/>
+            <a:lstStyle/>
+            <a:p>
+              <a:pPr algn="ctr"/>
+              <a:endParaRPr lang="en-US"/>
+            </a:p>
+          </p:txBody>
+        </p:sp>
+        <mc:AlternateContent xmlns:mc="http://schemas.openxmlformats.org/markup-compatibility/2006" xmlns:a14="http://schemas.microsoft.com/office/drawing/2010/main">
+          <mc:Choice Requires="a14">
+            <p:sp>
+              <p:nvSpPr>
+                <p:cNvPr id="164" name="TextBox 163">
+                  <a:extLst>
+                    <a:ext uri="{FF2B5EF4-FFF2-40B4-BE49-F238E27FC236}">
+                      <a16:creationId xmlns:a16="http://schemas.microsoft.com/office/drawing/2014/main" id="{AA9C9A87-2410-88F1-F01A-7F4BFDBDC783}"/>
+                    </a:ext>
+                  </a:extLst>
+                </p:cNvPr>
+                <p:cNvSpPr txBox="1"/>
+                <p:nvPr/>
+              </p:nvSpPr>
+              <p:spPr>
+                <a:xfrm>
+                  <a:off x="1586850" y="4394773"/>
+                  <a:ext cx="483146" cy="246221"/>
+                </a:xfrm>
+                <a:prstGeom prst="rect">
+                  <a:avLst/>
+                </a:prstGeom>
+                <a:noFill/>
+              </p:spPr>
+              <p:txBody>
+                <a:bodyPr wrap="none" rtlCol="0">
+                  <a:spAutoFit/>
+                </a:bodyPr>
+                <a:lstStyle/>
+                <a:p>
+                  <a:pPr/>
+                  <a14:m>
+                    <m:oMathPara xmlns:m="http://schemas.openxmlformats.org/officeDocument/2006/math">
+                      <m:oMathParaPr>
+                        <m:jc m:val="centerGroup"/>
+                      </m:oMathParaPr>
+                      <m:oMath xmlns:m="http://schemas.openxmlformats.org/officeDocument/2006/math">
+                        <m:sSub>
+                          <m:sSubPr>
+                            <m:ctrlPr>
+                              <a:rPr lang="en-US" sz="1000" b="0" i="1" dirty="0" smtClean="0">
+                                <a:latin typeface="Cambria Math" panose="02040503050406030204" pitchFamily="18" charset="0"/>
+                              </a:rPr>
+                            </m:ctrlPr>
+                          </m:sSubPr>
+                          <m:e>
+                            <m:r>
+                              <a:rPr lang="en-US" sz="1000" b="0" i="1" dirty="0" smtClean="0">
+                                <a:latin typeface="Cambria Math" panose="02040503050406030204" pitchFamily="18" charset="0"/>
+                              </a:rPr>
+                              <m:t>𝑟</m:t>
+                            </m:r>
+                          </m:e>
+                          <m:sub>
+                            <m:r>
+                              <a:rPr lang="en-US" sz="1000" b="0" i="1" dirty="0" smtClean="0">
+                                <a:latin typeface="Cambria Math" panose="02040503050406030204" pitchFamily="18" charset="0"/>
+                              </a:rPr>
+                              <m:t>2</m:t>
+                            </m:r>
+                          </m:sub>
+                        </m:sSub>
+                        <m:r>
+                          <a:rPr lang="en-US" sz="1000" b="0" i="1" dirty="0" smtClean="0">
+                            <a:latin typeface="Cambria Math" panose="02040503050406030204" pitchFamily="18" charset="0"/>
+                          </a:rPr>
+                          <m:t>,</m:t>
+                        </m:r>
+                        <m:sSubSup>
+                          <m:sSubSupPr>
+                            <m:ctrlPr>
+                              <a:rPr lang="en-US" sz="1000" b="0" i="1" dirty="0" smtClean="0">
+                                <a:latin typeface="Cambria Math" panose="02040503050406030204" pitchFamily="18" charset="0"/>
+                              </a:rPr>
+                            </m:ctrlPr>
+                          </m:sSubSupPr>
+                          <m:e>
+                            <m:r>
+                              <a:rPr lang="en-US" sz="1000" b="0" i="1" dirty="0" smtClean="0">
+                                <a:latin typeface="Cambria Math" panose="02040503050406030204" pitchFamily="18" charset="0"/>
+                              </a:rPr>
+                              <m:t>𝑠</m:t>
+                            </m:r>
+                          </m:e>
+                          <m:sub>
+                            <m:r>
+                              <a:rPr lang="en-US" sz="1000" b="0" i="1" dirty="0" smtClean="0">
+                                <a:latin typeface="Cambria Math" panose="02040503050406030204" pitchFamily="18" charset="0"/>
+                              </a:rPr>
+                              <m:t>2</m:t>
+                            </m:r>
+                          </m:sub>
+                          <m:sup>
+                            <m:r>
+                              <a:rPr lang="en-US" sz="1000" b="0" i="1" dirty="0" smtClean="0">
+                                <a:latin typeface="Cambria Math" panose="02040503050406030204" pitchFamily="18" charset="0"/>
+                              </a:rPr>
+                              <m:t>′</m:t>
+                            </m:r>
+                          </m:sup>
+                        </m:sSubSup>
+                      </m:oMath>
+                    </m:oMathPara>
+                  </a14:m>
+                  <a:endParaRPr lang="en-US" sz="1000" dirty="0"/>
+                </a:p>
+              </p:txBody>
+            </p:sp>
+          </mc:Choice>
+          <mc:Fallback xmlns="">
+            <p:sp>
+              <p:nvSpPr>
+                <p:cNvPr id="164" name="TextBox 163">
+                  <a:extLst>
+                    <a:ext uri="{FF2B5EF4-FFF2-40B4-BE49-F238E27FC236}">
+                      <a16:creationId xmlns:a16="http://schemas.microsoft.com/office/drawing/2014/main" id="{AA9C9A87-2410-88F1-F01A-7F4BFDBDC783}"/>
+                    </a:ext>
+                  </a:extLst>
+                </p:cNvPr>
+                <p:cNvSpPr txBox="1">
+                  <a:spLocks noRot="1" noChangeAspect="1" noMove="1" noResize="1" noEditPoints="1" noAdjustHandles="1" noChangeArrowheads="1" noChangeShapeType="1" noTextEdit="1"/>
+                </p:cNvSpPr>
+                <p:nvPr/>
+              </p:nvSpPr>
+              <p:spPr>
+                <a:xfrm>
+                  <a:off x="1586850" y="4394773"/>
+                  <a:ext cx="483146" cy="246221"/>
+                </a:xfrm>
+                <a:prstGeom prst="rect">
+                  <a:avLst/>
+                </a:prstGeom>
+                <a:blipFill>
+                  <a:blip r:embed="rId27"/>
+                  <a:stretch>
+                    <a:fillRect/>
+                  </a:stretch>
+                </a:blipFill>
+              </p:spPr>
+              <p:txBody>
+                <a:bodyPr/>
+                <a:lstStyle/>
+                <a:p>
+                  <a:r>
+                    <a:rPr lang="en-US">
+                      <a:noFill/>
+                    </a:rPr>
+                    <a:t> </a:t>
+                  </a:r>
+                </a:p>
+              </p:txBody>
+            </p:sp>
+          </mc:Fallback>
+        </mc:AlternateContent>
+        <mc:AlternateContent xmlns:mc="http://schemas.openxmlformats.org/markup-compatibility/2006" xmlns:a14="http://schemas.microsoft.com/office/drawing/2010/main">
+          <mc:Choice Requires="a14">
+            <p:sp>
+              <p:nvSpPr>
+                <p:cNvPr id="165" name="TextBox 164">
+                  <a:extLst>
+                    <a:ext uri="{FF2B5EF4-FFF2-40B4-BE49-F238E27FC236}">
+                      <a16:creationId xmlns:a16="http://schemas.microsoft.com/office/drawing/2014/main" id="{8458C918-8DDB-C555-CDF9-BC509138A28D}"/>
+                    </a:ext>
+                  </a:extLst>
+                </p:cNvPr>
+                <p:cNvSpPr txBox="1"/>
+                <p:nvPr/>
+              </p:nvSpPr>
+              <p:spPr>
+                <a:xfrm>
+                  <a:off x="2363025" y="4394772"/>
+                  <a:ext cx="483146" cy="246221"/>
+                </a:xfrm>
+                <a:prstGeom prst="rect">
+                  <a:avLst/>
+                </a:prstGeom>
+                <a:noFill/>
+              </p:spPr>
+              <p:txBody>
+                <a:bodyPr wrap="none" rtlCol="0">
+                  <a:spAutoFit/>
+                </a:bodyPr>
+                <a:lstStyle/>
+                <a:p>
+                  <a:pPr/>
+                  <a14:m>
+                    <m:oMathPara xmlns:m="http://schemas.openxmlformats.org/officeDocument/2006/math">
+                      <m:oMathParaPr>
+                        <m:jc m:val="centerGroup"/>
+                      </m:oMathParaPr>
+                      <m:oMath xmlns:m="http://schemas.openxmlformats.org/officeDocument/2006/math">
+                        <m:sSub>
+                          <m:sSubPr>
+                            <m:ctrlPr>
+                              <a:rPr lang="en-US" sz="1000" b="0" i="1" dirty="0" smtClean="0">
+                                <a:latin typeface="Cambria Math" panose="02040503050406030204" pitchFamily="18" charset="0"/>
+                              </a:rPr>
+                            </m:ctrlPr>
+                          </m:sSubPr>
+                          <m:e>
+                            <m:r>
+                              <a:rPr lang="en-US" sz="1000" b="0" i="1" dirty="0" smtClean="0">
+                                <a:latin typeface="Cambria Math" panose="02040503050406030204" pitchFamily="18" charset="0"/>
+                              </a:rPr>
+                              <m:t>𝑟</m:t>
+                            </m:r>
+                          </m:e>
+                          <m:sub>
+                            <m:r>
+                              <a:rPr lang="en-US" sz="1000" b="0" i="1" dirty="0" smtClean="0">
+                                <a:latin typeface="Cambria Math" panose="02040503050406030204" pitchFamily="18" charset="0"/>
+                              </a:rPr>
+                              <m:t>3</m:t>
+                            </m:r>
+                          </m:sub>
+                        </m:sSub>
+                        <m:r>
+                          <a:rPr lang="en-US" sz="1000" b="0" i="1" dirty="0" smtClean="0">
+                            <a:latin typeface="Cambria Math" panose="02040503050406030204" pitchFamily="18" charset="0"/>
+                          </a:rPr>
+                          <m:t>,</m:t>
+                        </m:r>
+                        <m:sSubSup>
+                          <m:sSubSupPr>
+                            <m:ctrlPr>
+                              <a:rPr lang="en-US" sz="1000" b="0" i="1" dirty="0" smtClean="0">
+                                <a:latin typeface="Cambria Math" panose="02040503050406030204" pitchFamily="18" charset="0"/>
+                              </a:rPr>
+                            </m:ctrlPr>
+                          </m:sSubSupPr>
+                          <m:e>
+                            <m:r>
+                              <a:rPr lang="en-US" sz="1000" b="0" i="1" dirty="0" smtClean="0">
+                                <a:latin typeface="Cambria Math" panose="02040503050406030204" pitchFamily="18" charset="0"/>
+                              </a:rPr>
+                              <m:t>𝑠</m:t>
+                            </m:r>
+                          </m:e>
+                          <m:sub>
+                            <m:r>
+                              <a:rPr lang="en-US" sz="1000" b="0" i="1" dirty="0" smtClean="0">
+                                <a:latin typeface="Cambria Math" panose="02040503050406030204" pitchFamily="18" charset="0"/>
+                              </a:rPr>
+                              <m:t>3</m:t>
+                            </m:r>
+                          </m:sub>
+                          <m:sup>
+                            <m:r>
+                              <a:rPr lang="en-US" sz="1000" b="0" i="1" dirty="0" smtClean="0">
+                                <a:latin typeface="Cambria Math" panose="02040503050406030204" pitchFamily="18" charset="0"/>
+                              </a:rPr>
+                              <m:t>′</m:t>
+                            </m:r>
+                          </m:sup>
+                        </m:sSubSup>
+                      </m:oMath>
+                    </m:oMathPara>
+                  </a14:m>
+                  <a:endParaRPr lang="en-US" sz="1000" dirty="0"/>
+                </a:p>
+              </p:txBody>
+            </p:sp>
+          </mc:Choice>
+          <mc:Fallback xmlns="">
+            <p:sp>
+              <p:nvSpPr>
+                <p:cNvPr id="165" name="TextBox 164">
+                  <a:extLst>
+                    <a:ext uri="{FF2B5EF4-FFF2-40B4-BE49-F238E27FC236}">
+                      <a16:creationId xmlns:a16="http://schemas.microsoft.com/office/drawing/2014/main" id="{8458C918-8DDB-C555-CDF9-BC509138A28D}"/>
+                    </a:ext>
+                  </a:extLst>
+                </p:cNvPr>
+                <p:cNvSpPr txBox="1">
+                  <a:spLocks noRot="1" noChangeAspect="1" noMove="1" noResize="1" noEditPoints="1" noAdjustHandles="1" noChangeArrowheads="1" noChangeShapeType="1" noTextEdit="1"/>
+                </p:cNvSpPr>
+                <p:nvPr/>
+              </p:nvSpPr>
+              <p:spPr>
+                <a:xfrm>
+                  <a:off x="2363025" y="4394772"/>
+                  <a:ext cx="483146" cy="246221"/>
+                </a:xfrm>
+                <a:prstGeom prst="rect">
+                  <a:avLst/>
+                </a:prstGeom>
+                <a:blipFill>
+                  <a:blip r:embed="rId28"/>
+                  <a:stretch>
+                    <a:fillRect/>
+                  </a:stretch>
+                </a:blipFill>
+              </p:spPr>
+              <p:txBody>
+                <a:bodyPr/>
+                <a:lstStyle/>
+                <a:p>
+                  <a:r>
+                    <a:rPr lang="en-US">
+                      <a:noFill/>
+                    </a:rPr>
+                    <a:t> </a:t>
+                  </a:r>
+                </a:p>
+              </p:txBody>
+            </p:sp>
+          </mc:Fallback>
+        </mc:AlternateContent>
+      </p:grpSp>
     </p:spTree>
     <p:extLst>
       <p:ext uri="{BB962C8B-B14F-4D97-AF65-F5344CB8AC3E}">
@@ -11280,6 +15356,3141 @@
           <a:chExt cx="0" cy="0"/>
         </a:xfrm>
       </p:grpSpPr>
+      <p:grpSp>
+        <p:nvGrpSpPr>
+          <p:cNvPr id="29" name="Group 28">
+            <a:extLst>
+              <a:ext uri="{FF2B5EF4-FFF2-40B4-BE49-F238E27FC236}">
+                <a16:creationId xmlns:a16="http://schemas.microsoft.com/office/drawing/2014/main" id="{C62652B4-7ADD-8B65-CED0-30757AEF1A33}"/>
+              </a:ext>
+            </a:extLst>
+          </p:cNvPr>
+          <p:cNvGrpSpPr/>
+          <p:nvPr/>
+        </p:nvGrpSpPr>
+        <p:grpSpPr>
+          <a:xfrm>
+            <a:off x="6864211" y="1378830"/>
+            <a:ext cx="2867742" cy="1512733"/>
+            <a:chOff x="6864211" y="1378830"/>
+            <a:chExt cx="2867742" cy="1512733"/>
+          </a:xfrm>
+        </p:grpSpPr>
+        <p:sp>
+          <p:nvSpPr>
+            <p:cNvPr id="2" name="Oval 1">
+              <a:extLst>
+                <a:ext uri="{FF2B5EF4-FFF2-40B4-BE49-F238E27FC236}">
+                  <a16:creationId xmlns:a16="http://schemas.microsoft.com/office/drawing/2014/main" id="{155FBECB-859A-2E51-5C3B-3195865ABC50}"/>
+                </a:ext>
+              </a:extLst>
+            </p:cNvPr>
+            <p:cNvSpPr/>
+            <p:nvPr/>
+          </p:nvSpPr>
+          <p:spPr>
+            <a:xfrm>
+              <a:off x="8137530" y="1378830"/>
+              <a:ext cx="287195" cy="279569"/>
+            </a:xfrm>
+            <a:prstGeom prst="ellipse">
+              <a:avLst/>
+            </a:prstGeom>
+            <a:solidFill>
+              <a:schemeClr val="accent1">
+                <a:alpha val="69963"/>
+              </a:schemeClr>
+            </a:solidFill>
+          </p:spPr>
+          <p:style>
+            <a:lnRef idx="2">
+              <a:schemeClr val="accent1">
+                <a:shade val="15000"/>
+              </a:schemeClr>
+            </a:lnRef>
+            <a:fillRef idx="1">
+              <a:schemeClr val="accent1"/>
+            </a:fillRef>
+            <a:effectRef idx="0">
+              <a:schemeClr val="accent1"/>
+            </a:effectRef>
+            <a:fontRef idx="minor">
+              <a:schemeClr val="lt1"/>
+            </a:fontRef>
+          </p:style>
+          <p:txBody>
+            <a:bodyPr rtlCol="0" anchor="ctr"/>
+            <a:lstStyle/>
+            <a:p>
+              <a:pPr algn="ctr"/>
+              <a:endParaRPr lang="en-US"/>
+            </a:p>
+          </p:txBody>
+        </p:sp>
+        <p:sp>
+          <p:nvSpPr>
+            <p:cNvPr id="3" name="Oval 2">
+              <a:extLst>
+                <a:ext uri="{FF2B5EF4-FFF2-40B4-BE49-F238E27FC236}">
+                  <a16:creationId xmlns:a16="http://schemas.microsoft.com/office/drawing/2014/main" id="{A63DEB07-6126-A198-EC13-D9C763B83300}"/>
+                </a:ext>
+              </a:extLst>
+            </p:cNvPr>
+            <p:cNvSpPr/>
+            <p:nvPr/>
+          </p:nvSpPr>
+          <p:spPr>
+            <a:xfrm>
+              <a:off x="8994536" y="1948731"/>
+              <a:ext cx="287195" cy="287464"/>
+            </a:xfrm>
+            <a:prstGeom prst="ellipse">
+              <a:avLst/>
+            </a:prstGeom>
+            <a:noFill/>
+            <a:ln>
+              <a:solidFill>
+                <a:srgbClr val="C00000"/>
+              </a:solidFill>
+            </a:ln>
+          </p:spPr>
+          <p:style>
+            <a:lnRef idx="2">
+              <a:schemeClr val="accent1">
+                <a:shade val="15000"/>
+              </a:schemeClr>
+            </a:lnRef>
+            <a:fillRef idx="1">
+              <a:schemeClr val="accent1"/>
+            </a:fillRef>
+            <a:effectRef idx="0">
+              <a:schemeClr val="accent1"/>
+            </a:effectRef>
+            <a:fontRef idx="minor">
+              <a:schemeClr val="lt1"/>
+            </a:fontRef>
+          </p:style>
+          <p:txBody>
+            <a:bodyPr rtlCol="0" anchor="ctr"/>
+            <a:lstStyle/>
+            <a:p>
+              <a:pPr algn="ctr"/>
+              <a:endParaRPr lang="en-US"/>
+            </a:p>
+          </p:txBody>
+        </p:sp>
+        <p:sp>
+          <p:nvSpPr>
+            <p:cNvPr id="4" name="Oval 3">
+              <a:extLst>
+                <a:ext uri="{FF2B5EF4-FFF2-40B4-BE49-F238E27FC236}">
+                  <a16:creationId xmlns:a16="http://schemas.microsoft.com/office/drawing/2014/main" id="{2373B998-595E-A110-F2F3-AD47A771BFDA}"/>
+                </a:ext>
+              </a:extLst>
+            </p:cNvPr>
+            <p:cNvSpPr/>
+            <p:nvPr/>
+          </p:nvSpPr>
+          <p:spPr>
+            <a:xfrm>
+              <a:off x="9301040" y="2602203"/>
+              <a:ext cx="287195" cy="279569"/>
+            </a:xfrm>
+            <a:prstGeom prst="ellipse">
+              <a:avLst/>
+            </a:prstGeom>
+            <a:solidFill>
+              <a:schemeClr val="accent1">
+                <a:alpha val="69963"/>
+              </a:schemeClr>
+            </a:solidFill>
+          </p:spPr>
+          <p:style>
+            <a:lnRef idx="2">
+              <a:schemeClr val="accent1">
+                <a:shade val="15000"/>
+              </a:schemeClr>
+            </a:lnRef>
+            <a:fillRef idx="1">
+              <a:schemeClr val="accent1"/>
+            </a:fillRef>
+            <a:effectRef idx="0">
+              <a:schemeClr val="accent1"/>
+            </a:effectRef>
+            <a:fontRef idx="minor">
+              <a:schemeClr val="lt1"/>
+            </a:fontRef>
+          </p:style>
+          <p:txBody>
+            <a:bodyPr rtlCol="0" anchor="ctr"/>
+            <a:lstStyle/>
+            <a:p>
+              <a:pPr algn="ctr"/>
+              <a:endParaRPr lang="en-US" dirty="0"/>
+            </a:p>
+          </p:txBody>
+        </p:sp>
+        <p:cxnSp>
+          <p:nvCxnSpPr>
+            <p:cNvPr id="5" name="Straight Arrow Connector 4">
+              <a:extLst>
+                <a:ext uri="{FF2B5EF4-FFF2-40B4-BE49-F238E27FC236}">
+                  <a16:creationId xmlns:a16="http://schemas.microsoft.com/office/drawing/2014/main" id="{4C638A3B-79A0-02DE-6214-1F5DC9E25DF7}"/>
+                </a:ext>
+              </a:extLst>
+            </p:cNvPr>
+            <p:cNvCxnSpPr>
+              <a:cxnSpLocks/>
+            </p:cNvCxnSpPr>
+            <p:nvPr/>
+          </p:nvCxnSpPr>
+          <p:spPr>
+            <a:xfrm flipH="1">
+              <a:off x="7549157" y="1620265"/>
+              <a:ext cx="637423" cy="355837"/>
+            </a:xfrm>
+            <a:prstGeom prst="straightConnector1">
+              <a:avLst/>
+            </a:prstGeom>
+            <a:ln>
+              <a:solidFill>
+                <a:srgbClr val="C00000"/>
+              </a:solidFill>
+              <a:tailEnd type="triangle"/>
+            </a:ln>
+          </p:spPr>
+          <p:style>
+            <a:lnRef idx="1">
+              <a:schemeClr val="accent1"/>
+            </a:lnRef>
+            <a:fillRef idx="0">
+              <a:schemeClr val="accent1"/>
+            </a:fillRef>
+            <a:effectRef idx="0">
+              <a:schemeClr val="accent1"/>
+            </a:effectRef>
+            <a:fontRef idx="minor">
+              <a:schemeClr val="tx1"/>
+            </a:fontRef>
+          </p:style>
+        </p:cxnSp>
+        <p:cxnSp>
+          <p:nvCxnSpPr>
+            <p:cNvPr id="7" name="Straight Arrow Connector 6">
+              <a:extLst>
+                <a:ext uri="{FF2B5EF4-FFF2-40B4-BE49-F238E27FC236}">
+                  <a16:creationId xmlns:a16="http://schemas.microsoft.com/office/drawing/2014/main" id="{A04F4397-3B23-9CF8-9A58-06C89C105EC9}"/>
+                </a:ext>
+              </a:extLst>
+            </p:cNvPr>
+            <p:cNvCxnSpPr>
+              <a:cxnSpLocks/>
+            </p:cNvCxnSpPr>
+            <p:nvPr/>
+          </p:nvCxnSpPr>
+          <p:spPr>
+            <a:xfrm>
+              <a:off x="8370704" y="1620265"/>
+              <a:ext cx="680821" cy="357435"/>
+            </a:xfrm>
+            <a:prstGeom prst="straightConnector1">
+              <a:avLst/>
+            </a:prstGeom>
+            <a:ln>
+              <a:solidFill>
+                <a:srgbClr val="C00000"/>
+              </a:solidFill>
+              <a:tailEnd type="triangle"/>
+            </a:ln>
+          </p:spPr>
+          <p:style>
+            <a:lnRef idx="1">
+              <a:schemeClr val="accent1"/>
+            </a:lnRef>
+            <a:fillRef idx="0">
+              <a:schemeClr val="accent1"/>
+            </a:fillRef>
+            <a:effectRef idx="0">
+              <a:schemeClr val="accent1"/>
+            </a:effectRef>
+            <a:fontRef idx="minor">
+              <a:schemeClr val="tx1"/>
+            </a:fontRef>
+          </p:style>
+        </p:cxnSp>
+        <p:cxnSp>
+          <p:nvCxnSpPr>
+            <p:cNvPr id="8" name="Straight Arrow Connector 7">
+              <a:extLst>
+                <a:ext uri="{FF2B5EF4-FFF2-40B4-BE49-F238E27FC236}">
+                  <a16:creationId xmlns:a16="http://schemas.microsoft.com/office/drawing/2014/main" id="{58FAE734-A3E0-A11C-16A8-DA2A64329DED}"/>
+                </a:ext>
+              </a:extLst>
+            </p:cNvPr>
+            <p:cNvCxnSpPr>
+              <a:cxnSpLocks/>
+              <a:stCxn id="22" idx="3"/>
+            </p:cNvCxnSpPr>
+            <p:nvPr/>
+          </p:nvCxnSpPr>
+          <p:spPr>
+            <a:xfrm flipH="1">
+              <a:off x="7177527" y="2187299"/>
+              <a:ext cx="178028" cy="410731"/>
+            </a:xfrm>
+            <a:prstGeom prst="straightConnector1">
+              <a:avLst/>
+            </a:prstGeom>
+            <a:ln>
+              <a:solidFill>
+                <a:schemeClr val="accent1"/>
+              </a:solidFill>
+              <a:tailEnd type="triangle"/>
+            </a:ln>
+          </p:spPr>
+          <p:style>
+            <a:lnRef idx="1">
+              <a:schemeClr val="accent1"/>
+            </a:lnRef>
+            <a:fillRef idx="0">
+              <a:schemeClr val="accent1"/>
+            </a:fillRef>
+            <a:effectRef idx="0">
+              <a:schemeClr val="accent1"/>
+            </a:effectRef>
+            <a:fontRef idx="minor">
+              <a:schemeClr val="tx1"/>
+            </a:fontRef>
+          </p:style>
+        </p:cxnSp>
+        <p:cxnSp>
+          <p:nvCxnSpPr>
+            <p:cNvPr id="9" name="Straight Arrow Connector 8">
+              <a:extLst>
+                <a:ext uri="{FF2B5EF4-FFF2-40B4-BE49-F238E27FC236}">
+                  <a16:creationId xmlns:a16="http://schemas.microsoft.com/office/drawing/2014/main" id="{0B63A46E-AB94-81BB-C5DA-34973BD2B271}"/>
+                </a:ext>
+              </a:extLst>
+            </p:cNvPr>
+            <p:cNvCxnSpPr>
+              <a:cxnSpLocks/>
+              <a:stCxn id="22" idx="5"/>
+            </p:cNvCxnSpPr>
+            <p:nvPr/>
+          </p:nvCxnSpPr>
+          <p:spPr>
+            <a:xfrm>
+              <a:off x="7558632" y="2187299"/>
+              <a:ext cx="93757" cy="410731"/>
+            </a:xfrm>
+            <a:prstGeom prst="straightConnector1">
+              <a:avLst/>
+            </a:prstGeom>
+            <a:ln>
+              <a:solidFill>
+                <a:schemeClr val="accent1"/>
+              </a:solidFill>
+              <a:tailEnd type="triangle"/>
+            </a:ln>
+          </p:spPr>
+          <p:style>
+            <a:lnRef idx="1">
+              <a:schemeClr val="accent1"/>
+            </a:lnRef>
+            <a:fillRef idx="0">
+              <a:schemeClr val="accent1"/>
+            </a:fillRef>
+            <a:effectRef idx="0">
+              <a:schemeClr val="accent1"/>
+            </a:effectRef>
+            <a:fontRef idx="minor">
+              <a:schemeClr val="tx1"/>
+            </a:fontRef>
+          </p:style>
+        </p:cxnSp>
+        <p:cxnSp>
+          <p:nvCxnSpPr>
+            <p:cNvPr id="12" name="Straight Arrow Connector 11">
+              <a:extLst>
+                <a:ext uri="{FF2B5EF4-FFF2-40B4-BE49-F238E27FC236}">
+                  <a16:creationId xmlns:a16="http://schemas.microsoft.com/office/drawing/2014/main" id="{B23F85A9-A6BF-BAF1-CC34-10F1B1B4D24E}"/>
+                </a:ext>
+              </a:extLst>
+            </p:cNvPr>
+            <p:cNvCxnSpPr>
+              <a:cxnSpLocks/>
+            </p:cNvCxnSpPr>
+            <p:nvPr/>
+          </p:nvCxnSpPr>
+          <p:spPr>
+            <a:xfrm flipH="1">
+              <a:off x="8924165" y="2200069"/>
+              <a:ext cx="125815" cy="397961"/>
+            </a:xfrm>
+            <a:prstGeom prst="straightConnector1">
+              <a:avLst/>
+            </a:prstGeom>
+            <a:ln>
+              <a:solidFill>
+                <a:schemeClr val="accent1"/>
+              </a:solidFill>
+              <a:tailEnd type="triangle"/>
+            </a:ln>
+          </p:spPr>
+          <p:style>
+            <a:lnRef idx="1">
+              <a:schemeClr val="accent1"/>
+            </a:lnRef>
+            <a:fillRef idx="0">
+              <a:schemeClr val="accent1"/>
+            </a:fillRef>
+            <a:effectRef idx="0">
+              <a:schemeClr val="accent1"/>
+            </a:effectRef>
+            <a:fontRef idx="minor">
+              <a:schemeClr val="tx1"/>
+            </a:fontRef>
+          </p:style>
+        </p:cxnSp>
+        <p:cxnSp>
+          <p:nvCxnSpPr>
+            <p:cNvPr id="13" name="Straight Arrow Connector 12">
+              <a:extLst>
+                <a:ext uri="{FF2B5EF4-FFF2-40B4-BE49-F238E27FC236}">
+                  <a16:creationId xmlns:a16="http://schemas.microsoft.com/office/drawing/2014/main" id="{EE5B726C-85A9-2E70-F3BD-0273775C0E29}"/>
+                </a:ext>
+              </a:extLst>
+            </p:cNvPr>
+            <p:cNvCxnSpPr>
+              <a:cxnSpLocks/>
+              <a:stCxn id="3" idx="5"/>
+            </p:cNvCxnSpPr>
+            <p:nvPr/>
+          </p:nvCxnSpPr>
+          <p:spPr>
+            <a:xfrm>
+              <a:off x="9239672" y="2194097"/>
+              <a:ext cx="177708" cy="403933"/>
+            </a:xfrm>
+            <a:prstGeom prst="straightConnector1">
+              <a:avLst/>
+            </a:prstGeom>
+            <a:ln>
+              <a:solidFill>
+                <a:schemeClr val="accent1"/>
+              </a:solidFill>
+              <a:tailEnd type="triangle"/>
+            </a:ln>
+          </p:spPr>
+          <p:style>
+            <a:lnRef idx="1">
+              <a:schemeClr val="accent1"/>
+            </a:lnRef>
+            <a:fillRef idx="0">
+              <a:schemeClr val="accent1"/>
+            </a:fillRef>
+            <a:effectRef idx="0">
+              <a:schemeClr val="accent1"/>
+            </a:effectRef>
+            <a:fontRef idx="minor">
+              <a:schemeClr val="tx1"/>
+            </a:fontRef>
+          </p:style>
+        </p:cxnSp>
+        <mc:AlternateContent xmlns:mc="http://schemas.openxmlformats.org/markup-compatibility/2006" xmlns:a14="http://schemas.microsoft.com/office/drawing/2010/main">
+          <mc:Choice Requires="a14">
+            <p:sp>
+              <p:nvSpPr>
+                <p:cNvPr id="14" name="TextBox 13">
+                  <a:extLst>
+                    <a:ext uri="{FF2B5EF4-FFF2-40B4-BE49-F238E27FC236}">
+                      <a16:creationId xmlns:a16="http://schemas.microsoft.com/office/drawing/2014/main" id="{E90DB95F-D767-69F4-BEA1-DA383698C2FB}"/>
+                    </a:ext>
+                  </a:extLst>
+                </p:cNvPr>
+                <p:cNvSpPr txBox="1"/>
+                <p:nvPr/>
+              </p:nvSpPr>
+              <p:spPr>
+                <a:xfrm>
+                  <a:off x="8082259" y="1388419"/>
+                  <a:ext cx="397738" cy="246221"/>
+                </a:xfrm>
+                <a:prstGeom prst="rect">
+                  <a:avLst/>
+                </a:prstGeom>
+                <a:noFill/>
+              </p:spPr>
+              <p:txBody>
+                <a:bodyPr wrap="none" rtlCol="0">
+                  <a:spAutoFit/>
+                </a:bodyPr>
+                <a:lstStyle/>
+                <a:p>
+                  <a:pPr/>
+                  <a14:m>
+                    <m:oMathPara xmlns:m="http://schemas.openxmlformats.org/officeDocument/2006/math">
+                      <m:oMathParaPr>
+                        <m:jc m:val="centerGroup"/>
+                      </m:oMathParaPr>
+                      <m:oMath xmlns:m="http://schemas.openxmlformats.org/officeDocument/2006/math">
+                        <m:r>
+                          <a:rPr lang="en-US" sz="1000" i="1" dirty="0" smtClean="0">
+                            <a:latin typeface="Cambria Math" panose="02040503050406030204" pitchFamily="18" charset="0"/>
+                          </a:rPr>
+                          <m:t>𝑠</m:t>
+                        </m:r>
+                        <m:r>
+                          <a:rPr lang="en-US" sz="1000" b="0" i="1" dirty="0" smtClean="0">
+                            <a:latin typeface="Cambria Math" panose="02040503050406030204" pitchFamily="18" charset="0"/>
+                          </a:rPr>
+                          <m:t>,</m:t>
+                        </m:r>
+                        <m:r>
+                          <a:rPr lang="en-US" sz="1000" b="0" i="1" dirty="0" smtClean="0">
+                            <a:latin typeface="Cambria Math" panose="02040503050406030204" pitchFamily="18" charset="0"/>
+                          </a:rPr>
+                          <m:t>𝑎</m:t>
+                        </m:r>
+                      </m:oMath>
+                    </m:oMathPara>
+                  </a14:m>
+                  <a:endParaRPr lang="en-US" sz="1000" dirty="0"/>
+                </a:p>
+              </p:txBody>
+            </p:sp>
+          </mc:Choice>
+          <mc:Fallback xmlns="">
+            <p:sp>
+              <p:nvSpPr>
+                <p:cNvPr id="14" name="TextBox 13">
+                  <a:extLst>
+                    <a:ext uri="{FF2B5EF4-FFF2-40B4-BE49-F238E27FC236}">
+                      <a16:creationId xmlns:a16="http://schemas.microsoft.com/office/drawing/2014/main" id="{E90DB95F-D767-69F4-BEA1-DA383698C2FB}"/>
+                    </a:ext>
+                  </a:extLst>
+                </p:cNvPr>
+                <p:cNvSpPr txBox="1">
+                  <a:spLocks noRot="1" noChangeAspect="1" noMove="1" noResize="1" noEditPoints="1" noAdjustHandles="1" noChangeArrowheads="1" noChangeShapeType="1" noTextEdit="1"/>
+                </p:cNvSpPr>
+                <p:nvPr/>
+              </p:nvSpPr>
+              <p:spPr>
+                <a:xfrm>
+                  <a:off x="8082259" y="1388419"/>
+                  <a:ext cx="397738" cy="246221"/>
+                </a:xfrm>
+                <a:prstGeom prst="rect">
+                  <a:avLst/>
+                </a:prstGeom>
+                <a:blipFill>
+                  <a:blip r:embed="rId2"/>
+                  <a:stretch>
+                    <a:fillRect/>
+                  </a:stretch>
+                </a:blipFill>
+              </p:spPr>
+              <p:txBody>
+                <a:bodyPr/>
+                <a:lstStyle/>
+                <a:p>
+                  <a:r>
+                    <a:rPr lang="en-US">
+                      <a:noFill/>
+                    </a:rPr>
+                    <a:t> </a:t>
+                  </a:r>
+                </a:p>
+              </p:txBody>
+            </p:sp>
+          </mc:Fallback>
+        </mc:AlternateContent>
+        <mc:AlternateContent xmlns:mc="http://schemas.openxmlformats.org/markup-compatibility/2006" xmlns:a14="http://schemas.microsoft.com/office/drawing/2010/main">
+          <mc:Choice Requires="a14">
+            <p:sp>
+              <p:nvSpPr>
+                <p:cNvPr id="15" name="TextBox 14">
+                  <a:extLst>
+                    <a:ext uri="{FF2B5EF4-FFF2-40B4-BE49-F238E27FC236}">
+                      <a16:creationId xmlns:a16="http://schemas.microsoft.com/office/drawing/2014/main" id="{DD5793BC-78BD-8A1F-556B-C8342DA7F2FB}"/>
+                    </a:ext>
+                  </a:extLst>
+                </p:cNvPr>
+                <p:cNvSpPr txBox="1"/>
+                <p:nvPr/>
+              </p:nvSpPr>
+              <p:spPr>
+                <a:xfrm>
+                  <a:off x="9266056" y="2269553"/>
+                  <a:ext cx="465897" cy="246221"/>
+                </a:xfrm>
+                <a:prstGeom prst="rect">
+                  <a:avLst/>
+                </a:prstGeom>
+                <a:noFill/>
+              </p:spPr>
+              <p:txBody>
+                <a:bodyPr wrap="none" rtlCol="0">
+                  <a:spAutoFit/>
+                </a:bodyPr>
+                <a:lstStyle/>
+                <a:p>
+                  <a:pPr/>
+                  <a14:m>
+                    <m:oMathPara xmlns:m="http://schemas.openxmlformats.org/officeDocument/2006/math">
+                      <m:oMathParaPr>
+                        <m:jc m:val="centerGroup"/>
+                      </m:oMathParaPr>
+                      <m:oMath xmlns:m="http://schemas.openxmlformats.org/officeDocument/2006/math">
+                        <m:r>
+                          <a:rPr lang="en-US" sz="1000" b="0" i="1" smtClean="0">
+                            <a:latin typeface="Cambria Math" panose="02040503050406030204" pitchFamily="18" charset="0"/>
+                          </a:rPr>
+                          <m:t>𝑚𝑎𝑥</m:t>
+                        </m:r>
+                      </m:oMath>
+                    </m:oMathPara>
+                  </a14:m>
+                  <a:endParaRPr lang="en-US" sz="1000" dirty="0"/>
+                </a:p>
+              </p:txBody>
+            </p:sp>
+          </mc:Choice>
+          <mc:Fallback xmlns="">
+            <p:sp>
+              <p:nvSpPr>
+                <p:cNvPr id="15" name="TextBox 14">
+                  <a:extLst>
+                    <a:ext uri="{FF2B5EF4-FFF2-40B4-BE49-F238E27FC236}">
+                      <a16:creationId xmlns:a16="http://schemas.microsoft.com/office/drawing/2014/main" id="{DD5793BC-78BD-8A1F-556B-C8342DA7F2FB}"/>
+                    </a:ext>
+                  </a:extLst>
+                </p:cNvPr>
+                <p:cNvSpPr txBox="1">
+                  <a:spLocks noRot="1" noChangeAspect="1" noMove="1" noResize="1" noEditPoints="1" noAdjustHandles="1" noChangeArrowheads="1" noChangeShapeType="1" noTextEdit="1"/>
+                </p:cNvSpPr>
+                <p:nvPr/>
+              </p:nvSpPr>
+              <p:spPr>
+                <a:xfrm>
+                  <a:off x="9266056" y="2269553"/>
+                  <a:ext cx="465897" cy="246221"/>
+                </a:xfrm>
+                <a:prstGeom prst="rect">
+                  <a:avLst/>
+                </a:prstGeom>
+                <a:blipFill>
+                  <a:blip r:embed="rId3"/>
+                  <a:stretch>
+                    <a:fillRect/>
+                  </a:stretch>
+                </a:blipFill>
+              </p:spPr>
+              <p:txBody>
+                <a:bodyPr/>
+                <a:lstStyle/>
+                <a:p>
+                  <a:r>
+                    <a:rPr lang="en-US">
+                      <a:noFill/>
+                    </a:rPr>
+                    <a:t> </a:t>
+                  </a:r>
+                </a:p>
+              </p:txBody>
+            </p:sp>
+          </mc:Fallback>
+        </mc:AlternateContent>
+        <mc:AlternateContent xmlns:mc="http://schemas.openxmlformats.org/markup-compatibility/2006" xmlns:a14="http://schemas.microsoft.com/office/drawing/2010/main">
+          <mc:Choice Requires="a14">
+            <p:sp>
+              <p:nvSpPr>
+                <p:cNvPr id="16" name="TextBox 15">
+                  <a:extLst>
+                    <a:ext uri="{FF2B5EF4-FFF2-40B4-BE49-F238E27FC236}">
+                      <a16:creationId xmlns:a16="http://schemas.microsoft.com/office/drawing/2014/main" id="{82433DEE-0ECC-7471-33DA-E6A69058DED9}"/>
+                    </a:ext>
+                  </a:extLst>
+                </p:cNvPr>
+                <p:cNvSpPr txBox="1"/>
+                <p:nvPr/>
+              </p:nvSpPr>
+              <p:spPr>
+                <a:xfrm>
+                  <a:off x="8934971" y="1955976"/>
+                  <a:ext cx="417229" cy="246221"/>
+                </a:xfrm>
+                <a:prstGeom prst="rect">
+                  <a:avLst/>
+                </a:prstGeom>
+                <a:noFill/>
+              </p:spPr>
+              <p:txBody>
+                <a:bodyPr wrap="none" rtlCol="0">
+                  <a:spAutoFit/>
+                </a:bodyPr>
+                <a:lstStyle/>
+                <a:p>
+                  <a:pPr/>
+                  <a14:m>
+                    <m:oMathPara xmlns:m="http://schemas.openxmlformats.org/officeDocument/2006/math">
+                      <m:oMathParaPr>
+                        <m:jc m:val="centerGroup"/>
+                      </m:oMathParaPr>
+                      <m:oMath xmlns:m="http://schemas.openxmlformats.org/officeDocument/2006/math">
+                        <m:r>
+                          <a:rPr lang="en-US" sz="1000" b="0" i="1" smtClean="0">
+                            <a:latin typeface="Cambria Math" panose="02040503050406030204" pitchFamily="18" charset="0"/>
+                          </a:rPr>
+                          <m:t>𝑟</m:t>
+                        </m:r>
+                        <m:r>
+                          <a:rPr lang="en-US" sz="1000" b="0" i="1" smtClean="0">
+                            <a:latin typeface="Cambria Math" panose="02040503050406030204" pitchFamily="18" charset="0"/>
+                          </a:rPr>
+                          <m:t>,</m:t>
+                        </m:r>
+                        <m:r>
+                          <a:rPr lang="en-US" sz="1000" b="0" i="1" smtClean="0">
+                            <a:latin typeface="Cambria Math" panose="02040503050406030204" pitchFamily="18" charset="0"/>
+                          </a:rPr>
+                          <m:t>𝑠</m:t>
+                        </m:r>
+                        <m:r>
+                          <a:rPr lang="en-US" sz="1000" b="0" i="1" smtClean="0">
+                            <a:latin typeface="Cambria Math" panose="02040503050406030204" pitchFamily="18" charset="0"/>
+                          </a:rPr>
+                          <m:t>′</m:t>
+                        </m:r>
+                      </m:oMath>
+                    </m:oMathPara>
+                  </a14:m>
+                  <a:endParaRPr lang="en-US" sz="1000" dirty="0"/>
+                </a:p>
+              </p:txBody>
+            </p:sp>
+          </mc:Choice>
+          <mc:Fallback xmlns="">
+            <p:sp>
+              <p:nvSpPr>
+                <p:cNvPr id="16" name="TextBox 15">
+                  <a:extLst>
+                    <a:ext uri="{FF2B5EF4-FFF2-40B4-BE49-F238E27FC236}">
+                      <a16:creationId xmlns:a16="http://schemas.microsoft.com/office/drawing/2014/main" id="{82433DEE-0ECC-7471-33DA-E6A69058DED9}"/>
+                    </a:ext>
+                  </a:extLst>
+                </p:cNvPr>
+                <p:cNvSpPr txBox="1">
+                  <a:spLocks noRot="1" noChangeAspect="1" noMove="1" noResize="1" noEditPoints="1" noAdjustHandles="1" noChangeArrowheads="1" noChangeShapeType="1" noTextEdit="1"/>
+                </p:cNvSpPr>
+                <p:nvPr/>
+              </p:nvSpPr>
+              <p:spPr>
+                <a:xfrm>
+                  <a:off x="8934971" y="1955976"/>
+                  <a:ext cx="417229" cy="246221"/>
+                </a:xfrm>
+                <a:prstGeom prst="rect">
+                  <a:avLst/>
+                </a:prstGeom>
+                <a:blipFill>
+                  <a:blip r:embed="rId4"/>
+                  <a:stretch>
+                    <a:fillRect/>
+                  </a:stretch>
+                </a:blipFill>
+              </p:spPr>
+              <p:txBody>
+                <a:bodyPr/>
+                <a:lstStyle/>
+                <a:p>
+                  <a:r>
+                    <a:rPr lang="en-US">
+                      <a:noFill/>
+                    </a:rPr>
+                    <a:t> </a:t>
+                  </a:r>
+                </a:p>
+              </p:txBody>
+            </p:sp>
+          </mc:Fallback>
+        </mc:AlternateContent>
+        <mc:AlternateContent xmlns:mc="http://schemas.openxmlformats.org/markup-compatibility/2006" xmlns:a14="http://schemas.microsoft.com/office/drawing/2010/main">
+          <mc:Choice Requires="a14">
+            <p:sp>
+              <p:nvSpPr>
+                <p:cNvPr id="17" name="TextBox 16">
+                  <a:extLst>
+                    <a:ext uri="{FF2B5EF4-FFF2-40B4-BE49-F238E27FC236}">
+                      <a16:creationId xmlns:a16="http://schemas.microsoft.com/office/drawing/2014/main" id="{758F060F-4D11-B5F5-AB70-AABAECE69087}"/>
+                    </a:ext>
+                  </a:extLst>
+                </p:cNvPr>
+                <p:cNvSpPr txBox="1"/>
+                <p:nvPr/>
+              </p:nvSpPr>
+              <p:spPr>
+                <a:xfrm>
+                  <a:off x="9214990" y="2615902"/>
+                  <a:ext cx="459293" cy="246221"/>
+                </a:xfrm>
+                <a:prstGeom prst="rect">
+                  <a:avLst/>
+                </a:prstGeom>
+                <a:noFill/>
+              </p:spPr>
+              <p:txBody>
+                <a:bodyPr wrap="none" rtlCol="0">
+                  <a:spAutoFit/>
+                </a:bodyPr>
+                <a:lstStyle/>
+                <a:p>
+                  <a:pPr/>
+                  <a14:m>
+                    <m:oMathPara xmlns:m="http://schemas.openxmlformats.org/officeDocument/2006/math">
+                      <m:oMathParaPr>
+                        <m:jc m:val="centerGroup"/>
+                      </m:oMathParaPr>
+                      <m:oMath xmlns:m="http://schemas.openxmlformats.org/officeDocument/2006/math">
+                        <m:r>
+                          <a:rPr lang="en-US" sz="1000" i="1" dirty="0" smtClean="0">
+                            <a:latin typeface="Cambria Math" panose="02040503050406030204" pitchFamily="18" charset="0"/>
+                          </a:rPr>
+                          <m:t>𝑠</m:t>
+                        </m:r>
+                        <m:r>
+                          <a:rPr lang="en-US" sz="1000" b="0" i="1" dirty="0" smtClean="0">
+                            <a:latin typeface="Cambria Math" panose="02040503050406030204" pitchFamily="18" charset="0"/>
+                          </a:rPr>
+                          <m:t>′,</m:t>
+                        </m:r>
+                        <m:r>
+                          <a:rPr lang="en-US" sz="1000" b="0" i="1" dirty="0" smtClean="0">
+                            <a:latin typeface="Cambria Math" panose="02040503050406030204" pitchFamily="18" charset="0"/>
+                          </a:rPr>
+                          <m:t>𝑎</m:t>
+                        </m:r>
+                        <m:r>
+                          <a:rPr lang="en-US" sz="1000" b="0" i="1" dirty="0" smtClean="0">
+                            <a:latin typeface="Cambria Math" panose="02040503050406030204" pitchFamily="18" charset="0"/>
+                          </a:rPr>
+                          <m:t>′</m:t>
+                        </m:r>
+                      </m:oMath>
+                    </m:oMathPara>
+                  </a14:m>
+                  <a:endParaRPr lang="en-US" sz="1000" dirty="0"/>
+                </a:p>
+              </p:txBody>
+            </p:sp>
+          </mc:Choice>
+          <mc:Fallback xmlns="">
+            <p:sp>
+              <p:nvSpPr>
+                <p:cNvPr id="17" name="TextBox 16">
+                  <a:extLst>
+                    <a:ext uri="{FF2B5EF4-FFF2-40B4-BE49-F238E27FC236}">
+                      <a16:creationId xmlns:a16="http://schemas.microsoft.com/office/drawing/2014/main" id="{758F060F-4D11-B5F5-AB70-AABAECE69087}"/>
+                    </a:ext>
+                  </a:extLst>
+                </p:cNvPr>
+                <p:cNvSpPr txBox="1">
+                  <a:spLocks noRot="1" noChangeAspect="1" noMove="1" noResize="1" noEditPoints="1" noAdjustHandles="1" noChangeArrowheads="1" noChangeShapeType="1" noTextEdit="1"/>
+                </p:cNvSpPr>
+                <p:nvPr/>
+              </p:nvSpPr>
+              <p:spPr>
+                <a:xfrm>
+                  <a:off x="9214990" y="2615902"/>
+                  <a:ext cx="459293" cy="246221"/>
+                </a:xfrm>
+                <a:prstGeom prst="rect">
+                  <a:avLst/>
+                </a:prstGeom>
+                <a:blipFill>
+                  <a:blip r:embed="rId5"/>
+                  <a:stretch>
+                    <a:fillRect/>
+                  </a:stretch>
+                </a:blipFill>
+              </p:spPr>
+              <p:txBody>
+                <a:bodyPr/>
+                <a:lstStyle/>
+                <a:p>
+                  <a:r>
+                    <a:rPr lang="en-US">
+                      <a:noFill/>
+                    </a:rPr>
+                    <a:t> </a:t>
+                  </a:r>
+                </a:p>
+              </p:txBody>
+            </p:sp>
+          </mc:Fallback>
+        </mc:AlternateContent>
+        <mc:AlternateContent xmlns:mc="http://schemas.openxmlformats.org/markup-compatibility/2006" xmlns:a14="http://schemas.microsoft.com/office/drawing/2010/main">
+          <mc:Choice Requires="a14">
+            <p:sp>
+              <p:nvSpPr>
+                <p:cNvPr id="18" name="TextBox 17">
+                  <a:extLst>
+                    <a:ext uri="{FF2B5EF4-FFF2-40B4-BE49-F238E27FC236}">
+                      <a16:creationId xmlns:a16="http://schemas.microsoft.com/office/drawing/2014/main" id="{74258263-648F-D0BC-463B-20BBC689BE7E}"/>
+                    </a:ext>
+                  </a:extLst>
+                </p:cNvPr>
+                <p:cNvSpPr txBox="1"/>
+                <p:nvPr/>
+              </p:nvSpPr>
+              <p:spPr>
+                <a:xfrm>
+                  <a:off x="8592962" y="1563167"/>
+                  <a:ext cx="287195" cy="246221"/>
+                </a:xfrm>
+                <a:prstGeom prst="rect">
+                  <a:avLst/>
+                </a:prstGeom>
+                <a:noFill/>
+              </p:spPr>
+              <p:txBody>
+                <a:bodyPr wrap="none" rtlCol="0">
+                  <a:spAutoFit/>
+                </a:bodyPr>
+                <a:lstStyle/>
+                <a:p>
+                  <a:pPr/>
+                  <a14:m>
+                    <m:oMathPara xmlns:m="http://schemas.openxmlformats.org/officeDocument/2006/math">
+                      <m:oMathParaPr>
+                        <m:jc m:val="centerGroup"/>
+                      </m:oMathParaPr>
+                      <m:oMath xmlns:m="http://schemas.openxmlformats.org/officeDocument/2006/math">
+                        <m:r>
+                          <a:rPr lang="en-US" sz="1000" b="0" i="1" smtClean="0">
+                            <a:latin typeface="Cambria Math" panose="02040503050406030204" pitchFamily="18" charset="0"/>
+                          </a:rPr>
+                          <m:t>𝑝</m:t>
+                        </m:r>
+                      </m:oMath>
+                    </m:oMathPara>
+                  </a14:m>
+                  <a:endParaRPr lang="en-US" sz="1000" dirty="0"/>
+                </a:p>
+              </p:txBody>
+            </p:sp>
+          </mc:Choice>
+          <mc:Fallback xmlns="">
+            <p:sp>
+              <p:nvSpPr>
+                <p:cNvPr id="18" name="TextBox 17">
+                  <a:extLst>
+                    <a:ext uri="{FF2B5EF4-FFF2-40B4-BE49-F238E27FC236}">
+                      <a16:creationId xmlns:a16="http://schemas.microsoft.com/office/drawing/2014/main" id="{74258263-648F-D0BC-463B-20BBC689BE7E}"/>
+                    </a:ext>
+                  </a:extLst>
+                </p:cNvPr>
+                <p:cNvSpPr txBox="1">
+                  <a:spLocks noRot="1" noChangeAspect="1" noMove="1" noResize="1" noEditPoints="1" noAdjustHandles="1" noChangeArrowheads="1" noChangeShapeType="1" noTextEdit="1"/>
+                </p:cNvSpPr>
+                <p:nvPr/>
+              </p:nvSpPr>
+              <p:spPr>
+                <a:xfrm>
+                  <a:off x="8592962" y="1563167"/>
+                  <a:ext cx="287195" cy="246221"/>
+                </a:xfrm>
+                <a:prstGeom prst="rect">
+                  <a:avLst/>
+                </a:prstGeom>
+                <a:blipFill>
+                  <a:blip r:embed="rId6"/>
+                  <a:stretch>
+                    <a:fillRect/>
+                  </a:stretch>
+                </a:blipFill>
+              </p:spPr>
+              <p:txBody>
+                <a:bodyPr/>
+                <a:lstStyle/>
+                <a:p>
+                  <a:r>
+                    <a:rPr lang="en-US">
+                      <a:noFill/>
+                    </a:rPr>
+                    <a:t> </a:t>
+                  </a:r>
+                </a:p>
+              </p:txBody>
+            </p:sp>
+          </mc:Fallback>
+        </mc:AlternateContent>
+        <p:sp>
+          <p:nvSpPr>
+            <p:cNvPr id="19" name="Oval 18">
+              <a:extLst>
+                <a:ext uri="{FF2B5EF4-FFF2-40B4-BE49-F238E27FC236}">
+                  <a16:creationId xmlns:a16="http://schemas.microsoft.com/office/drawing/2014/main" id="{8E736DAA-16DC-3FC3-7FDC-FDBE811EE46D}"/>
+                </a:ext>
+              </a:extLst>
+            </p:cNvPr>
+            <p:cNvSpPr/>
+            <p:nvPr/>
+          </p:nvSpPr>
+          <p:spPr>
+            <a:xfrm>
+              <a:off x="8757516" y="2598030"/>
+              <a:ext cx="287195" cy="279569"/>
+            </a:xfrm>
+            <a:prstGeom prst="ellipse">
+              <a:avLst/>
+            </a:prstGeom>
+            <a:solidFill>
+              <a:schemeClr val="accent1">
+                <a:alpha val="69963"/>
+              </a:schemeClr>
+            </a:solidFill>
+          </p:spPr>
+          <p:style>
+            <a:lnRef idx="2">
+              <a:schemeClr val="accent1">
+                <a:shade val="15000"/>
+              </a:schemeClr>
+            </a:lnRef>
+            <a:fillRef idx="1">
+              <a:schemeClr val="accent1"/>
+            </a:fillRef>
+            <a:effectRef idx="0">
+              <a:schemeClr val="accent1"/>
+            </a:effectRef>
+            <a:fontRef idx="minor">
+              <a:schemeClr val="lt1"/>
+            </a:fontRef>
+          </p:style>
+          <p:txBody>
+            <a:bodyPr rtlCol="0" anchor="ctr"/>
+            <a:lstStyle/>
+            <a:p>
+              <a:pPr algn="ctr"/>
+              <a:endParaRPr lang="en-US"/>
+            </a:p>
+          </p:txBody>
+        </p:sp>
+        <p:sp>
+          <p:nvSpPr>
+            <p:cNvPr id="22" name="Oval 21">
+              <a:extLst>
+                <a:ext uri="{FF2B5EF4-FFF2-40B4-BE49-F238E27FC236}">
+                  <a16:creationId xmlns:a16="http://schemas.microsoft.com/office/drawing/2014/main" id="{085BE2B7-5B1A-BADF-1A95-4DF4A1500BAA}"/>
+                </a:ext>
+              </a:extLst>
+            </p:cNvPr>
+            <p:cNvSpPr/>
+            <p:nvPr/>
+          </p:nvSpPr>
+          <p:spPr>
+            <a:xfrm>
+              <a:off x="7313496" y="1941933"/>
+              <a:ext cx="287195" cy="287464"/>
+            </a:xfrm>
+            <a:prstGeom prst="ellipse">
+              <a:avLst/>
+            </a:prstGeom>
+            <a:noFill/>
+            <a:ln>
+              <a:solidFill>
+                <a:srgbClr val="C00000"/>
+              </a:solidFill>
+            </a:ln>
+          </p:spPr>
+          <p:style>
+            <a:lnRef idx="2">
+              <a:schemeClr val="accent1">
+                <a:shade val="15000"/>
+              </a:schemeClr>
+            </a:lnRef>
+            <a:fillRef idx="1">
+              <a:schemeClr val="accent1"/>
+            </a:fillRef>
+            <a:effectRef idx="0">
+              <a:schemeClr val="accent1"/>
+            </a:effectRef>
+            <a:fontRef idx="minor">
+              <a:schemeClr val="lt1"/>
+            </a:fontRef>
+          </p:style>
+          <p:txBody>
+            <a:bodyPr rtlCol="0" anchor="ctr"/>
+            <a:lstStyle/>
+            <a:p>
+              <a:pPr algn="ctr"/>
+              <a:endParaRPr lang="en-US"/>
+            </a:p>
+          </p:txBody>
+        </p:sp>
+        <p:sp>
+          <p:nvSpPr>
+            <p:cNvPr id="24" name="Oval 23">
+              <a:extLst>
+                <a:ext uri="{FF2B5EF4-FFF2-40B4-BE49-F238E27FC236}">
+                  <a16:creationId xmlns:a16="http://schemas.microsoft.com/office/drawing/2014/main" id="{288A548C-61B9-0AA2-77FD-153B7158FA6B}"/>
+                </a:ext>
+              </a:extLst>
+            </p:cNvPr>
+            <p:cNvSpPr/>
+            <p:nvPr/>
+          </p:nvSpPr>
+          <p:spPr>
+            <a:xfrm>
+              <a:off x="7508387" y="2600999"/>
+              <a:ext cx="287195" cy="279569"/>
+            </a:xfrm>
+            <a:prstGeom prst="ellipse">
+              <a:avLst/>
+            </a:prstGeom>
+            <a:solidFill>
+              <a:schemeClr val="accent1">
+                <a:alpha val="69963"/>
+              </a:schemeClr>
+            </a:solidFill>
+          </p:spPr>
+          <p:style>
+            <a:lnRef idx="2">
+              <a:schemeClr val="accent1">
+                <a:shade val="15000"/>
+              </a:schemeClr>
+            </a:lnRef>
+            <a:fillRef idx="1">
+              <a:schemeClr val="accent1"/>
+            </a:fillRef>
+            <a:effectRef idx="0">
+              <a:schemeClr val="accent1"/>
+            </a:effectRef>
+            <a:fontRef idx="minor">
+              <a:schemeClr val="lt1"/>
+            </a:fontRef>
+          </p:style>
+          <p:txBody>
+            <a:bodyPr rtlCol="0" anchor="ctr"/>
+            <a:lstStyle/>
+            <a:p>
+              <a:pPr algn="ctr"/>
+              <a:endParaRPr lang="en-US"/>
+            </a:p>
+          </p:txBody>
+        </p:sp>
+        <p:sp>
+          <p:nvSpPr>
+            <p:cNvPr id="25" name="Oval 24">
+              <a:extLst>
+                <a:ext uri="{FF2B5EF4-FFF2-40B4-BE49-F238E27FC236}">
+                  <a16:creationId xmlns:a16="http://schemas.microsoft.com/office/drawing/2014/main" id="{14D84DF3-62E3-714C-5880-442B4C5D54A1}"/>
+                </a:ext>
+              </a:extLst>
+            </p:cNvPr>
+            <p:cNvSpPr/>
+            <p:nvPr/>
+          </p:nvSpPr>
+          <p:spPr>
+            <a:xfrm>
+              <a:off x="7004344" y="2611994"/>
+              <a:ext cx="287195" cy="279569"/>
+            </a:xfrm>
+            <a:prstGeom prst="ellipse">
+              <a:avLst/>
+            </a:prstGeom>
+            <a:solidFill>
+              <a:schemeClr val="accent1">
+                <a:alpha val="69963"/>
+              </a:schemeClr>
+            </a:solidFill>
+          </p:spPr>
+          <p:style>
+            <a:lnRef idx="2">
+              <a:schemeClr val="accent1">
+                <a:shade val="15000"/>
+              </a:schemeClr>
+            </a:lnRef>
+            <a:fillRef idx="1">
+              <a:schemeClr val="accent1"/>
+            </a:fillRef>
+            <a:effectRef idx="0">
+              <a:schemeClr val="accent1"/>
+            </a:effectRef>
+            <a:fontRef idx="minor">
+              <a:schemeClr val="lt1"/>
+            </a:fontRef>
+          </p:style>
+          <p:txBody>
+            <a:bodyPr rtlCol="0" anchor="ctr"/>
+            <a:lstStyle/>
+            <a:p>
+              <a:pPr algn="ctr"/>
+              <a:endParaRPr lang="en-US"/>
+            </a:p>
+          </p:txBody>
+        </p:sp>
+        <mc:AlternateContent xmlns:mc="http://schemas.openxmlformats.org/markup-compatibility/2006" xmlns:a14="http://schemas.microsoft.com/office/drawing/2010/main">
+          <mc:Choice Requires="a14">
+            <p:sp>
+              <p:nvSpPr>
+                <p:cNvPr id="26" name="TextBox 25">
+                  <a:extLst>
+                    <a:ext uri="{FF2B5EF4-FFF2-40B4-BE49-F238E27FC236}">
+                      <a16:creationId xmlns:a16="http://schemas.microsoft.com/office/drawing/2014/main" id="{AE065A50-3BD7-98F9-505C-06D4B41920E2}"/>
+                    </a:ext>
+                  </a:extLst>
+                </p:cNvPr>
+                <p:cNvSpPr txBox="1"/>
+                <p:nvPr/>
+              </p:nvSpPr>
+              <p:spPr>
+                <a:xfrm>
+                  <a:off x="7519800" y="2219864"/>
+                  <a:ext cx="465897" cy="246221"/>
+                </a:xfrm>
+                <a:prstGeom prst="rect">
+                  <a:avLst/>
+                </a:prstGeom>
+                <a:noFill/>
+              </p:spPr>
+              <p:txBody>
+                <a:bodyPr wrap="none" rtlCol="0">
+                  <a:spAutoFit/>
+                </a:bodyPr>
+                <a:lstStyle/>
+                <a:p>
+                  <a:pPr/>
+                  <a14:m>
+                    <m:oMathPara xmlns:m="http://schemas.openxmlformats.org/officeDocument/2006/math">
+                      <m:oMathParaPr>
+                        <m:jc m:val="centerGroup"/>
+                      </m:oMathParaPr>
+                      <m:oMath xmlns:m="http://schemas.openxmlformats.org/officeDocument/2006/math">
+                        <m:r>
+                          <a:rPr lang="en-US" sz="1000" b="0" i="1" smtClean="0">
+                            <a:latin typeface="Cambria Math" panose="02040503050406030204" pitchFamily="18" charset="0"/>
+                          </a:rPr>
+                          <m:t>𝑚𝑎𝑥</m:t>
+                        </m:r>
+                      </m:oMath>
+                    </m:oMathPara>
+                  </a14:m>
+                  <a:endParaRPr lang="en-US" sz="1000" dirty="0"/>
+                </a:p>
+              </p:txBody>
+            </p:sp>
+          </mc:Choice>
+          <mc:Fallback xmlns="">
+            <p:sp>
+              <p:nvSpPr>
+                <p:cNvPr id="26" name="TextBox 25">
+                  <a:extLst>
+                    <a:ext uri="{FF2B5EF4-FFF2-40B4-BE49-F238E27FC236}">
+                      <a16:creationId xmlns:a16="http://schemas.microsoft.com/office/drawing/2014/main" id="{AE065A50-3BD7-98F9-505C-06D4B41920E2}"/>
+                    </a:ext>
+                  </a:extLst>
+                </p:cNvPr>
+                <p:cNvSpPr txBox="1">
+                  <a:spLocks noRot="1" noChangeAspect="1" noMove="1" noResize="1" noEditPoints="1" noAdjustHandles="1" noChangeArrowheads="1" noChangeShapeType="1" noTextEdit="1"/>
+                </p:cNvSpPr>
+                <p:nvPr/>
+              </p:nvSpPr>
+              <p:spPr>
+                <a:xfrm>
+                  <a:off x="7519800" y="2219864"/>
+                  <a:ext cx="465897" cy="246221"/>
+                </a:xfrm>
+                <a:prstGeom prst="rect">
+                  <a:avLst/>
+                </a:prstGeom>
+                <a:blipFill>
+                  <a:blip r:embed="rId7"/>
+                  <a:stretch>
+                    <a:fillRect/>
+                  </a:stretch>
+                </a:blipFill>
+              </p:spPr>
+              <p:txBody>
+                <a:bodyPr/>
+                <a:lstStyle/>
+                <a:p>
+                  <a:r>
+                    <a:rPr lang="en-US">
+                      <a:noFill/>
+                    </a:rPr>
+                    <a:t> </a:t>
+                  </a:r>
+                </a:p>
+              </p:txBody>
+            </p:sp>
+          </mc:Fallback>
+        </mc:AlternateContent>
+        <mc:AlternateContent xmlns:mc="http://schemas.openxmlformats.org/markup-compatibility/2006" xmlns:a14="http://schemas.microsoft.com/office/drawing/2010/main">
+          <mc:Choice Requires="a14">
+            <p:sp>
+              <p:nvSpPr>
+                <p:cNvPr id="27" name="TextBox 26">
+                  <a:extLst>
+                    <a:ext uri="{FF2B5EF4-FFF2-40B4-BE49-F238E27FC236}">
+                      <a16:creationId xmlns:a16="http://schemas.microsoft.com/office/drawing/2014/main" id="{8E8CE5AF-828C-BA87-438B-882F9072BB97}"/>
+                    </a:ext>
+                  </a:extLst>
+                </p:cNvPr>
+                <p:cNvSpPr txBox="1"/>
+                <p:nvPr/>
+              </p:nvSpPr>
+              <p:spPr>
+                <a:xfrm>
+                  <a:off x="8581362" y="2252869"/>
+                  <a:ext cx="465897" cy="246221"/>
+                </a:xfrm>
+                <a:prstGeom prst="rect">
+                  <a:avLst/>
+                </a:prstGeom>
+                <a:noFill/>
+              </p:spPr>
+              <p:txBody>
+                <a:bodyPr wrap="none" rtlCol="0">
+                  <a:spAutoFit/>
+                </a:bodyPr>
+                <a:lstStyle/>
+                <a:p>
+                  <a:pPr/>
+                  <a14:m>
+                    <m:oMathPara xmlns:m="http://schemas.openxmlformats.org/officeDocument/2006/math">
+                      <m:oMathParaPr>
+                        <m:jc m:val="centerGroup"/>
+                      </m:oMathParaPr>
+                      <m:oMath xmlns:m="http://schemas.openxmlformats.org/officeDocument/2006/math">
+                        <m:r>
+                          <a:rPr lang="en-US" sz="1000" b="0" i="1" smtClean="0">
+                            <a:latin typeface="Cambria Math" panose="02040503050406030204" pitchFamily="18" charset="0"/>
+                          </a:rPr>
+                          <m:t>𝑚𝑎𝑥</m:t>
+                        </m:r>
+                      </m:oMath>
+                    </m:oMathPara>
+                  </a14:m>
+                  <a:endParaRPr lang="en-US" sz="1000" dirty="0"/>
+                </a:p>
+              </p:txBody>
+            </p:sp>
+          </mc:Choice>
+          <mc:Fallback xmlns="">
+            <p:sp>
+              <p:nvSpPr>
+                <p:cNvPr id="27" name="TextBox 26">
+                  <a:extLst>
+                    <a:ext uri="{FF2B5EF4-FFF2-40B4-BE49-F238E27FC236}">
+                      <a16:creationId xmlns:a16="http://schemas.microsoft.com/office/drawing/2014/main" id="{8E8CE5AF-828C-BA87-438B-882F9072BB97}"/>
+                    </a:ext>
+                  </a:extLst>
+                </p:cNvPr>
+                <p:cNvSpPr txBox="1">
+                  <a:spLocks noRot="1" noChangeAspect="1" noMove="1" noResize="1" noEditPoints="1" noAdjustHandles="1" noChangeArrowheads="1" noChangeShapeType="1" noTextEdit="1"/>
+                </p:cNvSpPr>
+                <p:nvPr/>
+              </p:nvSpPr>
+              <p:spPr>
+                <a:xfrm>
+                  <a:off x="8581362" y="2252869"/>
+                  <a:ext cx="465897" cy="246221"/>
+                </a:xfrm>
+                <a:prstGeom prst="rect">
+                  <a:avLst/>
+                </a:prstGeom>
+                <a:blipFill>
+                  <a:blip r:embed="rId8"/>
+                  <a:stretch>
+                    <a:fillRect/>
+                  </a:stretch>
+                </a:blipFill>
+              </p:spPr>
+              <p:txBody>
+                <a:bodyPr/>
+                <a:lstStyle/>
+                <a:p>
+                  <a:r>
+                    <a:rPr lang="en-US">
+                      <a:noFill/>
+                    </a:rPr>
+                    <a:t> </a:t>
+                  </a:r>
+                </a:p>
+              </p:txBody>
+            </p:sp>
+          </mc:Fallback>
+        </mc:AlternateContent>
+        <mc:AlternateContent xmlns:mc="http://schemas.openxmlformats.org/markup-compatibility/2006" xmlns:a14="http://schemas.microsoft.com/office/drawing/2010/main">
+          <mc:Choice Requires="a14">
+            <p:sp>
+              <p:nvSpPr>
+                <p:cNvPr id="28" name="TextBox 27">
+                  <a:extLst>
+                    <a:ext uri="{FF2B5EF4-FFF2-40B4-BE49-F238E27FC236}">
+                      <a16:creationId xmlns:a16="http://schemas.microsoft.com/office/drawing/2014/main" id="{50B79F02-28BE-D0CB-6F98-547F01CF9F43}"/>
+                    </a:ext>
+                  </a:extLst>
+                </p:cNvPr>
+                <p:cNvSpPr txBox="1"/>
+                <p:nvPr/>
+              </p:nvSpPr>
+              <p:spPr>
+                <a:xfrm>
+                  <a:off x="6864211" y="2219863"/>
+                  <a:ext cx="465897" cy="246221"/>
+                </a:xfrm>
+                <a:prstGeom prst="rect">
+                  <a:avLst/>
+                </a:prstGeom>
+                <a:noFill/>
+              </p:spPr>
+              <p:txBody>
+                <a:bodyPr wrap="none" rtlCol="0">
+                  <a:spAutoFit/>
+                </a:bodyPr>
+                <a:lstStyle/>
+                <a:p>
+                  <a:pPr/>
+                  <a14:m>
+                    <m:oMathPara xmlns:m="http://schemas.openxmlformats.org/officeDocument/2006/math">
+                      <m:oMathParaPr>
+                        <m:jc m:val="centerGroup"/>
+                      </m:oMathParaPr>
+                      <m:oMath xmlns:m="http://schemas.openxmlformats.org/officeDocument/2006/math">
+                        <m:r>
+                          <a:rPr lang="en-US" sz="1000" b="0" i="1" smtClean="0">
+                            <a:latin typeface="Cambria Math" panose="02040503050406030204" pitchFamily="18" charset="0"/>
+                          </a:rPr>
+                          <m:t>𝑚𝑎𝑥</m:t>
+                        </m:r>
+                      </m:oMath>
+                    </m:oMathPara>
+                  </a14:m>
+                  <a:endParaRPr lang="en-US" sz="1000" dirty="0"/>
+                </a:p>
+              </p:txBody>
+            </p:sp>
+          </mc:Choice>
+          <mc:Fallback xmlns="">
+            <p:sp>
+              <p:nvSpPr>
+                <p:cNvPr id="28" name="TextBox 27">
+                  <a:extLst>
+                    <a:ext uri="{FF2B5EF4-FFF2-40B4-BE49-F238E27FC236}">
+                      <a16:creationId xmlns:a16="http://schemas.microsoft.com/office/drawing/2014/main" id="{50B79F02-28BE-D0CB-6F98-547F01CF9F43}"/>
+                    </a:ext>
+                  </a:extLst>
+                </p:cNvPr>
+                <p:cNvSpPr txBox="1">
+                  <a:spLocks noRot="1" noChangeAspect="1" noMove="1" noResize="1" noEditPoints="1" noAdjustHandles="1" noChangeArrowheads="1" noChangeShapeType="1" noTextEdit="1"/>
+                </p:cNvSpPr>
+                <p:nvPr/>
+              </p:nvSpPr>
+              <p:spPr>
+                <a:xfrm>
+                  <a:off x="6864211" y="2219863"/>
+                  <a:ext cx="465897" cy="246221"/>
+                </a:xfrm>
+                <a:prstGeom prst="rect">
+                  <a:avLst/>
+                </a:prstGeom>
+                <a:blipFill>
+                  <a:blip r:embed="rId9"/>
+                  <a:stretch>
+                    <a:fillRect/>
+                  </a:stretch>
+                </a:blipFill>
+              </p:spPr>
+              <p:txBody>
+                <a:bodyPr/>
+                <a:lstStyle/>
+                <a:p>
+                  <a:r>
+                    <a:rPr lang="en-US">
+                      <a:noFill/>
+                    </a:rPr>
+                    <a:t> </a:t>
+                  </a:r>
+                </a:p>
+              </p:txBody>
+            </p:sp>
+          </mc:Fallback>
+        </mc:AlternateContent>
+      </p:grpSp>
+      <p:grpSp>
+        <p:nvGrpSpPr>
+          <p:cNvPr id="57" name="Group 56">
+            <a:extLst>
+              <a:ext uri="{FF2B5EF4-FFF2-40B4-BE49-F238E27FC236}">
+                <a16:creationId xmlns:a16="http://schemas.microsoft.com/office/drawing/2014/main" id="{AE636D04-449B-F3D9-50CC-310FB41F18AB}"/>
+              </a:ext>
+            </a:extLst>
+          </p:cNvPr>
+          <p:cNvGrpSpPr/>
+          <p:nvPr/>
+        </p:nvGrpSpPr>
+        <p:grpSpPr>
+          <a:xfrm>
+            <a:off x="3513941" y="1224604"/>
+            <a:ext cx="2632185" cy="1531789"/>
+            <a:chOff x="3513941" y="1224604"/>
+            <a:chExt cx="2632185" cy="1531789"/>
+          </a:xfrm>
+        </p:grpSpPr>
+        <p:sp>
+          <p:nvSpPr>
+            <p:cNvPr id="31" name="Oval 30">
+              <a:extLst>
+                <a:ext uri="{FF2B5EF4-FFF2-40B4-BE49-F238E27FC236}">
+                  <a16:creationId xmlns:a16="http://schemas.microsoft.com/office/drawing/2014/main" id="{F4AF289D-FD61-7787-0E28-CB4A1D536BBD}"/>
+                </a:ext>
+              </a:extLst>
+            </p:cNvPr>
+            <p:cNvSpPr/>
+            <p:nvPr/>
+          </p:nvSpPr>
+          <p:spPr>
+            <a:xfrm>
+              <a:off x="3835232" y="1799532"/>
+              <a:ext cx="260392" cy="260392"/>
+            </a:xfrm>
+            <a:prstGeom prst="ellipse">
+              <a:avLst/>
+            </a:prstGeom>
+            <a:solidFill>
+              <a:schemeClr val="accent1">
+                <a:alpha val="70407"/>
+              </a:schemeClr>
+            </a:solidFill>
+          </p:spPr>
+          <p:style>
+            <a:lnRef idx="2">
+              <a:schemeClr val="accent1">
+                <a:shade val="15000"/>
+              </a:schemeClr>
+            </a:lnRef>
+            <a:fillRef idx="1">
+              <a:schemeClr val="accent1"/>
+            </a:fillRef>
+            <a:effectRef idx="0">
+              <a:schemeClr val="accent1"/>
+            </a:effectRef>
+            <a:fontRef idx="minor">
+              <a:schemeClr val="lt1"/>
+            </a:fontRef>
+          </p:style>
+          <p:txBody>
+            <a:bodyPr rtlCol="0" anchor="ctr"/>
+            <a:lstStyle/>
+            <a:p>
+              <a:pPr algn="ctr"/>
+              <a:endParaRPr lang="en-US"/>
+            </a:p>
+          </p:txBody>
+        </p:sp>
+        <p:sp>
+          <p:nvSpPr>
+            <p:cNvPr id="32" name="Oval 31">
+              <a:extLst>
+                <a:ext uri="{FF2B5EF4-FFF2-40B4-BE49-F238E27FC236}">
+                  <a16:creationId xmlns:a16="http://schemas.microsoft.com/office/drawing/2014/main" id="{4CAB69B6-D23D-63A4-4A86-E76B8149A8FA}"/>
+                </a:ext>
+              </a:extLst>
+            </p:cNvPr>
+            <p:cNvSpPr/>
+            <p:nvPr/>
+          </p:nvSpPr>
+          <p:spPr>
+            <a:xfrm>
+              <a:off x="4656779" y="1799532"/>
+              <a:ext cx="260392" cy="260392"/>
+            </a:xfrm>
+            <a:prstGeom prst="ellipse">
+              <a:avLst/>
+            </a:prstGeom>
+            <a:solidFill>
+              <a:schemeClr val="accent1">
+                <a:alpha val="69963"/>
+              </a:schemeClr>
+            </a:solidFill>
+          </p:spPr>
+          <p:style>
+            <a:lnRef idx="2">
+              <a:schemeClr val="accent1">
+                <a:shade val="15000"/>
+              </a:schemeClr>
+            </a:lnRef>
+            <a:fillRef idx="1">
+              <a:schemeClr val="accent1"/>
+            </a:fillRef>
+            <a:effectRef idx="0">
+              <a:schemeClr val="accent1"/>
+            </a:effectRef>
+            <a:fontRef idx="minor">
+              <a:schemeClr val="lt1"/>
+            </a:fontRef>
+          </p:style>
+          <p:txBody>
+            <a:bodyPr rtlCol="0" anchor="ctr"/>
+            <a:lstStyle/>
+            <a:p>
+              <a:pPr algn="ctr"/>
+              <a:endParaRPr lang="en-US"/>
+            </a:p>
+          </p:txBody>
+        </p:sp>
+        <p:sp>
+          <p:nvSpPr>
+            <p:cNvPr id="33" name="Oval 32">
+              <a:extLst>
+                <a:ext uri="{FF2B5EF4-FFF2-40B4-BE49-F238E27FC236}">
+                  <a16:creationId xmlns:a16="http://schemas.microsoft.com/office/drawing/2014/main" id="{4C87CA32-255F-845C-F60A-DA6B6CB27809}"/>
+                </a:ext>
+              </a:extLst>
+            </p:cNvPr>
+            <p:cNvSpPr/>
+            <p:nvPr/>
+          </p:nvSpPr>
+          <p:spPr>
+            <a:xfrm>
+              <a:off x="5521724" y="1801130"/>
+              <a:ext cx="260392" cy="260392"/>
+            </a:xfrm>
+            <a:prstGeom prst="ellipse">
+              <a:avLst/>
+            </a:prstGeom>
+            <a:solidFill>
+              <a:schemeClr val="accent1">
+                <a:alpha val="69000"/>
+              </a:schemeClr>
+            </a:solidFill>
+          </p:spPr>
+          <p:style>
+            <a:lnRef idx="2">
+              <a:schemeClr val="accent1">
+                <a:shade val="15000"/>
+              </a:schemeClr>
+            </a:lnRef>
+            <a:fillRef idx="1">
+              <a:schemeClr val="accent1"/>
+            </a:fillRef>
+            <a:effectRef idx="0">
+              <a:schemeClr val="accent1"/>
+            </a:effectRef>
+            <a:fontRef idx="minor">
+              <a:schemeClr val="lt1"/>
+            </a:fontRef>
+          </p:style>
+          <p:txBody>
+            <a:bodyPr rtlCol="0" anchor="ctr"/>
+            <a:lstStyle/>
+            <a:p>
+              <a:pPr algn="ctr"/>
+              <a:endParaRPr lang="en-US"/>
+            </a:p>
+          </p:txBody>
+        </p:sp>
+        <p:sp>
+          <p:nvSpPr>
+            <p:cNvPr id="34" name="Oval 33">
+              <a:extLst>
+                <a:ext uri="{FF2B5EF4-FFF2-40B4-BE49-F238E27FC236}">
+                  <a16:creationId xmlns:a16="http://schemas.microsoft.com/office/drawing/2014/main" id="{474C11E5-57AF-C2D8-B424-08405ADF185B}"/>
+                </a:ext>
+              </a:extLst>
+            </p:cNvPr>
+            <p:cNvSpPr/>
+            <p:nvPr/>
+          </p:nvSpPr>
+          <p:spPr>
+            <a:xfrm>
+              <a:off x="5782115" y="2459594"/>
+              <a:ext cx="287195" cy="287464"/>
+            </a:xfrm>
+            <a:prstGeom prst="ellipse">
+              <a:avLst/>
+            </a:prstGeom>
+            <a:noFill/>
+            <a:ln>
+              <a:solidFill>
+                <a:srgbClr val="C00000"/>
+              </a:solidFill>
+            </a:ln>
+          </p:spPr>
+          <p:style>
+            <a:lnRef idx="2">
+              <a:schemeClr val="accent1">
+                <a:shade val="15000"/>
+              </a:schemeClr>
+            </a:lnRef>
+            <a:fillRef idx="1">
+              <a:schemeClr val="accent1"/>
+            </a:fillRef>
+            <a:effectRef idx="0">
+              <a:schemeClr val="accent1"/>
+            </a:effectRef>
+            <a:fontRef idx="minor">
+              <a:schemeClr val="lt1"/>
+            </a:fontRef>
+          </p:style>
+          <p:txBody>
+            <a:bodyPr rtlCol="0" anchor="ctr"/>
+            <a:lstStyle/>
+            <a:p>
+              <a:pPr algn="ctr"/>
+              <a:endParaRPr lang="en-US"/>
+            </a:p>
+          </p:txBody>
+        </p:sp>
+        <p:cxnSp>
+          <p:nvCxnSpPr>
+            <p:cNvPr id="35" name="Straight Arrow Connector 34">
+              <a:extLst>
+                <a:ext uri="{FF2B5EF4-FFF2-40B4-BE49-F238E27FC236}">
+                  <a16:creationId xmlns:a16="http://schemas.microsoft.com/office/drawing/2014/main" id="{62FBC2C4-9047-9631-1DAC-49097EA31422}"/>
+                </a:ext>
+              </a:extLst>
+            </p:cNvPr>
+            <p:cNvCxnSpPr>
+              <a:cxnSpLocks/>
+              <a:endCxn id="31" idx="7"/>
+            </p:cNvCxnSpPr>
+            <p:nvPr/>
+          </p:nvCxnSpPr>
+          <p:spPr>
+            <a:xfrm flipH="1">
+              <a:off x="4057490" y="1481829"/>
+              <a:ext cx="637423" cy="355837"/>
+            </a:xfrm>
+            <a:prstGeom prst="straightConnector1">
+              <a:avLst/>
+            </a:prstGeom>
+            <a:ln>
+              <a:tailEnd type="triangle"/>
+            </a:ln>
+          </p:spPr>
+          <p:style>
+            <a:lnRef idx="1">
+              <a:schemeClr val="accent1"/>
+            </a:lnRef>
+            <a:fillRef idx="0">
+              <a:schemeClr val="accent1"/>
+            </a:fillRef>
+            <a:effectRef idx="0">
+              <a:schemeClr val="accent1"/>
+            </a:effectRef>
+            <a:fontRef idx="minor">
+              <a:schemeClr val="tx1"/>
+            </a:fontRef>
+          </p:style>
+        </p:cxnSp>
+        <p:cxnSp>
+          <p:nvCxnSpPr>
+            <p:cNvPr id="36" name="Straight Arrow Connector 35">
+              <a:extLst>
+                <a:ext uri="{FF2B5EF4-FFF2-40B4-BE49-F238E27FC236}">
+                  <a16:creationId xmlns:a16="http://schemas.microsoft.com/office/drawing/2014/main" id="{E2D13F1A-1D7A-4EA0-114B-B50DA1590CE3}"/>
+                </a:ext>
+              </a:extLst>
+            </p:cNvPr>
+            <p:cNvCxnSpPr>
+              <a:cxnSpLocks/>
+              <a:endCxn id="32" idx="0"/>
+            </p:cNvCxnSpPr>
+            <p:nvPr/>
+          </p:nvCxnSpPr>
+          <p:spPr>
+            <a:xfrm>
+              <a:off x="4786975" y="1519963"/>
+              <a:ext cx="0" cy="279569"/>
+            </a:xfrm>
+            <a:prstGeom prst="straightConnector1">
+              <a:avLst/>
+            </a:prstGeom>
+            <a:ln>
+              <a:tailEnd type="triangle"/>
+            </a:ln>
+          </p:spPr>
+          <p:style>
+            <a:lnRef idx="1">
+              <a:schemeClr val="accent1"/>
+            </a:lnRef>
+            <a:fillRef idx="0">
+              <a:schemeClr val="accent1"/>
+            </a:fillRef>
+            <a:effectRef idx="0">
+              <a:schemeClr val="accent1"/>
+            </a:effectRef>
+            <a:fontRef idx="minor">
+              <a:schemeClr val="tx1"/>
+            </a:fontRef>
+          </p:style>
+        </p:cxnSp>
+        <p:cxnSp>
+          <p:nvCxnSpPr>
+            <p:cNvPr id="37" name="Straight Arrow Connector 36">
+              <a:extLst>
+                <a:ext uri="{FF2B5EF4-FFF2-40B4-BE49-F238E27FC236}">
+                  <a16:creationId xmlns:a16="http://schemas.microsoft.com/office/drawing/2014/main" id="{92D8DD5C-9EF9-85DF-CD73-8FF5196DBAA9}"/>
+                </a:ext>
+              </a:extLst>
+            </p:cNvPr>
+            <p:cNvCxnSpPr>
+              <a:cxnSpLocks/>
+              <a:endCxn id="33" idx="1"/>
+            </p:cNvCxnSpPr>
+            <p:nvPr/>
+          </p:nvCxnSpPr>
+          <p:spPr>
+            <a:xfrm>
+              <a:off x="4879037" y="1481829"/>
+              <a:ext cx="680821" cy="357435"/>
+            </a:xfrm>
+            <a:prstGeom prst="straightConnector1">
+              <a:avLst/>
+            </a:prstGeom>
+            <a:ln>
+              <a:tailEnd type="triangle"/>
+            </a:ln>
+          </p:spPr>
+          <p:style>
+            <a:lnRef idx="1">
+              <a:schemeClr val="accent1"/>
+            </a:lnRef>
+            <a:fillRef idx="0">
+              <a:schemeClr val="accent1"/>
+            </a:fillRef>
+            <a:effectRef idx="0">
+              <a:schemeClr val="accent1"/>
+            </a:effectRef>
+            <a:fontRef idx="minor">
+              <a:schemeClr val="tx1"/>
+            </a:fontRef>
+          </p:style>
+        </p:cxnSp>
+        <p:cxnSp>
+          <p:nvCxnSpPr>
+            <p:cNvPr id="38" name="Straight Arrow Connector 37">
+              <a:extLst>
+                <a:ext uri="{FF2B5EF4-FFF2-40B4-BE49-F238E27FC236}">
+                  <a16:creationId xmlns:a16="http://schemas.microsoft.com/office/drawing/2014/main" id="{7AB304C2-E090-50CF-1552-9D344A7F1D8D}"/>
+                </a:ext>
+              </a:extLst>
+            </p:cNvPr>
+            <p:cNvCxnSpPr>
+              <a:cxnSpLocks/>
+              <a:stCxn id="31" idx="3"/>
+            </p:cNvCxnSpPr>
+            <p:nvPr/>
+          </p:nvCxnSpPr>
+          <p:spPr>
+            <a:xfrm flipH="1">
+              <a:off x="3685860" y="2021790"/>
+              <a:ext cx="187506" cy="437804"/>
+            </a:xfrm>
+            <a:prstGeom prst="straightConnector1">
+              <a:avLst/>
+            </a:prstGeom>
+            <a:ln>
+              <a:solidFill>
+                <a:srgbClr val="C00000"/>
+              </a:solidFill>
+              <a:tailEnd type="triangle"/>
+            </a:ln>
+          </p:spPr>
+          <p:style>
+            <a:lnRef idx="1">
+              <a:schemeClr val="accent1"/>
+            </a:lnRef>
+            <a:fillRef idx="0">
+              <a:schemeClr val="accent1"/>
+            </a:fillRef>
+            <a:effectRef idx="0">
+              <a:schemeClr val="accent1"/>
+            </a:effectRef>
+            <a:fontRef idx="minor">
+              <a:schemeClr val="tx1"/>
+            </a:fontRef>
+          </p:style>
+        </p:cxnSp>
+        <p:cxnSp>
+          <p:nvCxnSpPr>
+            <p:cNvPr id="39" name="Straight Arrow Connector 38">
+              <a:extLst>
+                <a:ext uri="{FF2B5EF4-FFF2-40B4-BE49-F238E27FC236}">
+                  <a16:creationId xmlns:a16="http://schemas.microsoft.com/office/drawing/2014/main" id="{92DAB4BE-4BC3-9DF1-1967-05EB26A57984}"/>
+                </a:ext>
+              </a:extLst>
+            </p:cNvPr>
+            <p:cNvCxnSpPr>
+              <a:cxnSpLocks/>
+              <a:stCxn id="31" idx="5"/>
+            </p:cNvCxnSpPr>
+            <p:nvPr/>
+          </p:nvCxnSpPr>
+          <p:spPr>
+            <a:xfrm>
+              <a:off x="4057490" y="2021790"/>
+              <a:ext cx="103232" cy="437804"/>
+            </a:xfrm>
+            <a:prstGeom prst="straightConnector1">
+              <a:avLst/>
+            </a:prstGeom>
+            <a:ln>
+              <a:solidFill>
+                <a:srgbClr val="C00000"/>
+              </a:solidFill>
+              <a:tailEnd type="triangle"/>
+            </a:ln>
+          </p:spPr>
+          <p:style>
+            <a:lnRef idx="1">
+              <a:schemeClr val="accent1"/>
+            </a:lnRef>
+            <a:fillRef idx="0">
+              <a:schemeClr val="accent1"/>
+            </a:fillRef>
+            <a:effectRef idx="0">
+              <a:schemeClr val="accent1"/>
+            </a:effectRef>
+            <a:fontRef idx="minor">
+              <a:schemeClr val="tx1"/>
+            </a:fontRef>
+          </p:style>
+        </p:cxnSp>
+        <p:cxnSp>
+          <p:nvCxnSpPr>
+            <p:cNvPr id="40" name="Straight Arrow Connector 39">
+              <a:extLst>
+                <a:ext uri="{FF2B5EF4-FFF2-40B4-BE49-F238E27FC236}">
+                  <a16:creationId xmlns:a16="http://schemas.microsoft.com/office/drawing/2014/main" id="{0B0235DA-2461-3531-D91E-6DBE6D7DB55E}"/>
+                </a:ext>
+              </a:extLst>
+            </p:cNvPr>
+            <p:cNvCxnSpPr>
+              <a:cxnSpLocks/>
+              <a:stCxn id="32" idx="3"/>
+            </p:cNvCxnSpPr>
+            <p:nvPr/>
+          </p:nvCxnSpPr>
+          <p:spPr>
+            <a:xfrm flipH="1">
+              <a:off x="4570486" y="2021790"/>
+              <a:ext cx="124427" cy="437804"/>
+            </a:xfrm>
+            <a:prstGeom prst="straightConnector1">
+              <a:avLst/>
+            </a:prstGeom>
+            <a:ln>
+              <a:solidFill>
+                <a:srgbClr val="C00000"/>
+              </a:solidFill>
+              <a:tailEnd type="triangle"/>
+            </a:ln>
+          </p:spPr>
+          <p:style>
+            <a:lnRef idx="1">
+              <a:schemeClr val="accent1"/>
+            </a:lnRef>
+            <a:fillRef idx="0">
+              <a:schemeClr val="accent1"/>
+            </a:fillRef>
+            <a:effectRef idx="0">
+              <a:schemeClr val="accent1"/>
+            </a:effectRef>
+            <a:fontRef idx="minor">
+              <a:schemeClr val="tx1"/>
+            </a:fontRef>
+          </p:style>
+        </p:cxnSp>
+        <p:cxnSp>
+          <p:nvCxnSpPr>
+            <p:cNvPr id="41" name="Straight Arrow Connector 40">
+              <a:extLst>
+                <a:ext uri="{FF2B5EF4-FFF2-40B4-BE49-F238E27FC236}">
+                  <a16:creationId xmlns:a16="http://schemas.microsoft.com/office/drawing/2014/main" id="{78F14E2F-5A42-F647-D348-1B77C1F03086}"/>
+                </a:ext>
+              </a:extLst>
+            </p:cNvPr>
+            <p:cNvCxnSpPr>
+              <a:cxnSpLocks/>
+              <a:stCxn id="32" idx="5"/>
+            </p:cNvCxnSpPr>
+            <p:nvPr/>
+          </p:nvCxnSpPr>
+          <p:spPr>
+            <a:xfrm>
+              <a:off x="4879037" y="2021790"/>
+              <a:ext cx="130483" cy="437804"/>
+            </a:xfrm>
+            <a:prstGeom prst="straightConnector1">
+              <a:avLst/>
+            </a:prstGeom>
+            <a:ln>
+              <a:solidFill>
+                <a:srgbClr val="C00000"/>
+              </a:solidFill>
+              <a:tailEnd type="triangle"/>
+            </a:ln>
+          </p:spPr>
+          <p:style>
+            <a:lnRef idx="1">
+              <a:schemeClr val="accent1"/>
+            </a:lnRef>
+            <a:fillRef idx="0">
+              <a:schemeClr val="accent1"/>
+            </a:fillRef>
+            <a:effectRef idx="0">
+              <a:schemeClr val="accent1"/>
+            </a:effectRef>
+            <a:fontRef idx="minor">
+              <a:schemeClr val="tx1"/>
+            </a:fontRef>
+          </p:style>
+        </p:cxnSp>
+        <p:cxnSp>
+          <p:nvCxnSpPr>
+            <p:cNvPr id="42" name="Straight Arrow Connector 41">
+              <a:extLst>
+                <a:ext uri="{FF2B5EF4-FFF2-40B4-BE49-F238E27FC236}">
+                  <a16:creationId xmlns:a16="http://schemas.microsoft.com/office/drawing/2014/main" id="{C75A395A-9544-E255-1433-FE8BE5B22E37}"/>
+                </a:ext>
+              </a:extLst>
+            </p:cNvPr>
+            <p:cNvCxnSpPr>
+              <a:cxnSpLocks/>
+              <a:stCxn id="33" idx="3"/>
+            </p:cNvCxnSpPr>
+            <p:nvPr/>
+          </p:nvCxnSpPr>
+          <p:spPr>
+            <a:xfrm flipH="1">
+              <a:off x="5448554" y="2023388"/>
+              <a:ext cx="111304" cy="436206"/>
+            </a:xfrm>
+            <a:prstGeom prst="straightConnector1">
+              <a:avLst/>
+            </a:prstGeom>
+            <a:ln>
+              <a:solidFill>
+                <a:srgbClr val="C00000"/>
+              </a:solidFill>
+              <a:tailEnd type="triangle"/>
+            </a:ln>
+          </p:spPr>
+          <p:style>
+            <a:lnRef idx="1">
+              <a:schemeClr val="accent1"/>
+            </a:lnRef>
+            <a:fillRef idx="0">
+              <a:schemeClr val="accent1"/>
+            </a:fillRef>
+            <a:effectRef idx="0">
+              <a:schemeClr val="accent1"/>
+            </a:effectRef>
+            <a:fontRef idx="minor">
+              <a:schemeClr val="tx1"/>
+            </a:fontRef>
+          </p:style>
+        </p:cxnSp>
+        <p:cxnSp>
+          <p:nvCxnSpPr>
+            <p:cNvPr id="43" name="Straight Arrow Connector 42">
+              <a:extLst>
+                <a:ext uri="{FF2B5EF4-FFF2-40B4-BE49-F238E27FC236}">
+                  <a16:creationId xmlns:a16="http://schemas.microsoft.com/office/drawing/2014/main" id="{3366CCBC-6A33-3D16-1742-3083DB4C0B2E}"/>
+                </a:ext>
+              </a:extLst>
+            </p:cNvPr>
+            <p:cNvCxnSpPr>
+              <a:cxnSpLocks/>
+              <a:stCxn id="33" idx="5"/>
+              <a:endCxn id="34" idx="0"/>
+            </p:cNvCxnSpPr>
+            <p:nvPr/>
+          </p:nvCxnSpPr>
+          <p:spPr>
+            <a:xfrm>
+              <a:off x="5743982" y="2023388"/>
+              <a:ext cx="181731" cy="436206"/>
+            </a:xfrm>
+            <a:prstGeom prst="straightConnector1">
+              <a:avLst/>
+            </a:prstGeom>
+            <a:ln>
+              <a:solidFill>
+                <a:srgbClr val="C00000"/>
+              </a:solidFill>
+              <a:tailEnd type="triangle"/>
+            </a:ln>
+          </p:spPr>
+          <p:style>
+            <a:lnRef idx="1">
+              <a:schemeClr val="accent1"/>
+            </a:lnRef>
+            <a:fillRef idx="0">
+              <a:schemeClr val="accent1"/>
+            </a:fillRef>
+            <a:effectRef idx="0">
+              <a:schemeClr val="accent1"/>
+            </a:effectRef>
+            <a:fontRef idx="minor">
+              <a:schemeClr val="tx1"/>
+            </a:fontRef>
+          </p:style>
+        </p:cxnSp>
+        <mc:AlternateContent xmlns:mc="http://schemas.openxmlformats.org/markup-compatibility/2006" xmlns:a14="http://schemas.microsoft.com/office/drawing/2010/main">
+          <mc:Choice Requires="a14">
+            <p:sp>
+              <p:nvSpPr>
+                <p:cNvPr id="44" name="TextBox 43">
+                  <a:extLst>
+                    <a:ext uri="{FF2B5EF4-FFF2-40B4-BE49-F238E27FC236}">
+                      <a16:creationId xmlns:a16="http://schemas.microsoft.com/office/drawing/2014/main" id="{78F8EAC7-0EB6-3865-379F-CB15AEA163E0}"/>
+                    </a:ext>
+                  </a:extLst>
+                </p:cNvPr>
+                <p:cNvSpPr txBox="1"/>
+                <p:nvPr/>
+              </p:nvSpPr>
+              <p:spPr>
+                <a:xfrm>
+                  <a:off x="4566825" y="1238478"/>
+                  <a:ext cx="429092" cy="246221"/>
+                </a:xfrm>
+                <a:prstGeom prst="rect">
+                  <a:avLst/>
+                </a:prstGeom>
+                <a:noFill/>
+              </p:spPr>
+              <p:txBody>
+                <a:bodyPr wrap="none" rtlCol="0">
+                  <a:spAutoFit/>
+                </a:bodyPr>
+                <a:lstStyle/>
+                <a:p>
+                  <a:pPr/>
+                  <a14:m>
+                    <m:oMathPara xmlns:m="http://schemas.openxmlformats.org/officeDocument/2006/math">
+                      <m:oMathParaPr>
+                        <m:jc m:val="centerGroup"/>
+                      </m:oMathParaPr>
+                      <m:oMath xmlns:m="http://schemas.openxmlformats.org/officeDocument/2006/math">
+                        <m:sSub>
+                          <m:sSubPr>
+                            <m:ctrlPr>
+                              <a:rPr lang="en-US" sz="1000" b="0" i="1" dirty="0" smtClean="0">
+                                <a:latin typeface="Cambria Math" panose="02040503050406030204" pitchFamily="18" charset="0"/>
+                              </a:rPr>
+                            </m:ctrlPr>
+                          </m:sSubPr>
+                          <m:e>
+                            <m:r>
+                              <a:rPr lang="en-US" sz="1000" b="0" i="1" dirty="0" smtClean="0">
+                                <a:latin typeface="Cambria Math" panose="02040503050406030204" pitchFamily="18" charset="0"/>
+                              </a:rPr>
+                              <m:t>𝑟</m:t>
+                            </m:r>
+                          </m:e>
+                          <m:sub>
+                            <m:r>
+                              <a:rPr lang="en-US" sz="1000" b="0" i="1" dirty="0" smtClean="0">
+                                <a:latin typeface="Cambria Math" panose="02040503050406030204" pitchFamily="18" charset="0"/>
+                              </a:rPr>
+                              <m:t>0</m:t>
+                            </m:r>
+                          </m:sub>
+                        </m:sSub>
+                        <m:r>
+                          <a:rPr lang="en-US" sz="1000" b="0" i="1" dirty="0" smtClean="0">
+                            <a:latin typeface="Cambria Math" panose="02040503050406030204" pitchFamily="18" charset="0"/>
+                          </a:rPr>
+                          <m:t>,</m:t>
+                        </m:r>
+                        <m:r>
+                          <a:rPr lang="en-US" sz="1000" i="1" dirty="0" smtClean="0">
+                            <a:latin typeface="Cambria Math" panose="02040503050406030204" pitchFamily="18" charset="0"/>
+                          </a:rPr>
+                          <m:t>𝑠</m:t>
+                        </m:r>
+                      </m:oMath>
+                    </m:oMathPara>
+                  </a14:m>
+                  <a:endParaRPr lang="en-US" sz="1000" dirty="0"/>
+                </a:p>
+              </p:txBody>
+            </p:sp>
+          </mc:Choice>
+          <mc:Fallback xmlns="">
+            <p:sp>
+              <p:nvSpPr>
+                <p:cNvPr id="44" name="TextBox 43">
+                  <a:extLst>
+                    <a:ext uri="{FF2B5EF4-FFF2-40B4-BE49-F238E27FC236}">
+                      <a16:creationId xmlns:a16="http://schemas.microsoft.com/office/drawing/2014/main" id="{78F8EAC7-0EB6-3865-379F-CB15AEA163E0}"/>
+                    </a:ext>
+                  </a:extLst>
+                </p:cNvPr>
+                <p:cNvSpPr txBox="1">
+                  <a:spLocks noRot="1" noChangeAspect="1" noMove="1" noResize="1" noEditPoints="1" noAdjustHandles="1" noChangeArrowheads="1" noChangeShapeType="1" noTextEdit="1"/>
+                </p:cNvSpPr>
+                <p:nvPr/>
+              </p:nvSpPr>
+              <p:spPr>
+                <a:xfrm>
+                  <a:off x="4566825" y="1238478"/>
+                  <a:ext cx="429092" cy="246221"/>
+                </a:xfrm>
+                <a:prstGeom prst="rect">
+                  <a:avLst/>
+                </a:prstGeom>
+                <a:blipFill>
+                  <a:blip r:embed="rId10"/>
+                  <a:stretch>
+                    <a:fillRect/>
+                  </a:stretch>
+                </a:blipFill>
+              </p:spPr>
+              <p:txBody>
+                <a:bodyPr/>
+                <a:lstStyle/>
+                <a:p>
+                  <a:r>
+                    <a:rPr lang="en-US">
+                      <a:noFill/>
+                    </a:rPr>
+                    <a:t> </a:t>
+                  </a:r>
+                </a:p>
+              </p:txBody>
+            </p:sp>
+          </mc:Fallback>
+        </mc:AlternateContent>
+        <mc:AlternateContent xmlns:mc="http://schemas.openxmlformats.org/markup-compatibility/2006" xmlns:a14="http://schemas.microsoft.com/office/drawing/2010/main">
+          <mc:Choice Requires="a14">
+            <p:sp>
+              <p:nvSpPr>
+                <p:cNvPr id="45" name="TextBox 44">
+                  <a:extLst>
+                    <a:ext uri="{FF2B5EF4-FFF2-40B4-BE49-F238E27FC236}">
+                      <a16:creationId xmlns:a16="http://schemas.microsoft.com/office/drawing/2014/main" id="{01DA546E-6818-5D9D-D8CC-5FF977DF50A8}"/>
+                    </a:ext>
+                  </a:extLst>
+                </p:cNvPr>
+                <p:cNvSpPr txBox="1"/>
+                <p:nvPr/>
+              </p:nvSpPr>
+              <p:spPr>
+                <a:xfrm>
+                  <a:off x="5077990" y="1413526"/>
+                  <a:ext cx="465897" cy="246221"/>
+                </a:xfrm>
+                <a:prstGeom prst="rect">
+                  <a:avLst/>
+                </a:prstGeom>
+                <a:noFill/>
+              </p:spPr>
+              <p:txBody>
+                <a:bodyPr wrap="none" rtlCol="0">
+                  <a:spAutoFit/>
+                </a:bodyPr>
+                <a:lstStyle/>
+                <a:p>
+                  <a:pPr/>
+                  <a14:m>
+                    <m:oMathPara xmlns:m="http://schemas.openxmlformats.org/officeDocument/2006/math">
+                      <m:oMathParaPr>
+                        <m:jc m:val="centerGroup"/>
+                      </m:oMathParaPr>
+                      <m:oMath xmlns:m="http://schemas.openxmlformats.org/officeDocument/2006/math">
+                        <m:r>
+                          <a:rPr lang="en-US" sz="1000" b="0" i="1" smtClean="0">
+                            <a:latin typeface="Cambria Math" panose="02040503050406030204" pitchFamily="18" charset="0"/>
+                            <a:ea typeface="Cambria Math" panose="02040503050406030204" pitchFamily="18" charset="0"/>
+                          </a:rPr>
+                          <m:t>𝑚𝑎𝑥</m:t>
+                        </m:r>
+                      </m:oMath>
+                    </m:oMathPara>
+                  </a14:m>
+                  <a:endParaRPr lang="en-US" sz="1000" dirty="0"/>
+                </a:p>
+              </p:txBody>
+            </p:sp>
+          </mc:Choice>
+          <mc:Fallback xmlns="">
+            <p:sp>
+              <p:nvSpPr>
+                <p:cNvPr id="45" name="TextBox 44">
+                  <a:extLst>
+                    <a:ext uri="{FF2B5EF4-FFF2-40B4-BE49-F238E27FC236}">
+                      <a16:creationId xmlns:a16="http://schemas.microsoft.com/office/drawing/2014/main" id="{01DA546E-6818-5D9D-D8CC-5FF977DF50A8}"/>
+                    </a:ext>
+                  </a:extLst>
+                </p:cNvPr>
+                <p:cNvSpPr txBox="1">
+                  <a:spLocks noRot="1" noChangeAspect="1" noMove="1" noResize="1" noEditPoints="1" noAdjustHandles="1" noChangeArrowheads="1" noChangeShapeType="1" noTextEdit="1"/>
+                </p:cNvSpPr>
+                <p:nvPr/>
+              </p:nvSpPr>
+              <p:spPr>
+                <a:xfrm>
+                  <a:off x="5077990" y="1413526"/>
+                  <a:ext cx="465897" cy="246221"/>
+                </a:xfrm>
+                <a:prstGeom prst="rect">
+                  <a:avLst/>
+                </a:prstGeom>
+                <a:blipFill>
+                  <a:blip r:embed="rId11"/>
+                  <a:stretch>
+                    <a:fillRect/>
+                  </a:stretch>
+                </a:blipFill>
+              </p:spPr>
+              <p:txBody>
+                <a:bodyPr/>
+                <a:lstStyle/>
+                <a:p>
+                  <a:r>
+                    <a:rPr lang="en-US">
+                      <a:noFill/>
+                    </a:rPr>
+                    <a:t> </a:t>
+                  </a:r>
+                </a:p>
+              </p:txBody>
+            </p:sp>
+          </mc:Fallback>
+        </mc:AlternateContent>
+        <mc:AlternateContent xmlns:mc="http://schemas.openxmlformats.org/markup-compatibility/2006" xmlns:a14="http://schemas.microsoft.com/office/drawing/2010/main">
+          <mc:Choice Requires="a14">
+            <p:sp>
+              <p:nvSpPr>
+                <p:cNvPr id="46" name="TextBox 45">
+                  <a:extLst>
+                    <a:ext uri="{FF2B5EF4-FFF2-40B4-BE49-F238E27FC236}">
+                      <a16:creationId xmlns:a16="http://schemas.microsoft.com/office/drawing/2014/main" id="{397BCD42-0614-82BB-ADD2-BAC5EDB6EDCF}"/>
+                    </a:ext>
+                  </a:extLst>
+                </p:cNvPr>
+                <p:cNvSpPr txBox="1"/>
+                <p:nvPr/>
+              </p:nvSpPr>
+              <p:spPr>
+                <a:xfrm>
+                  <a:off x="5504206" y="1789533"/>
+                  <a:ext cx="288797" cy="246221"/>
+                </a:xfrm>
+                <a:prstGeom prst="rect">
+                  <a:avLst/>
+                </a:prstGeom>
+                <a:noFill/>
+              </p:spPr>
+              <p:txBody>
+                <a:bodyPr wrap="none" rtlCol="0">
+                  <a:spAutoFit/>
+                </a:bodyPr>
+                <a:lstStyle/>
+                <a:p>
+                  <a:pPr/>
+                  <a14:m>
+                    <m:oMathPara xmlns:m="http://schemas.openxmlformats.org/officeDocument/2006/math">
+                      <m:oMathParaPr>
+                        <m:jc m:val="centerGroup"/>
+                      </m:oMathParaPr>
+                      <m:oMath xmlns:m="http://schemas.openxmlformats.org/officeDocument/2006/math">
+                        <m:r>
+                          <a:rPr lang="en-US" sz="1000" b="0" i="1" smtClean="0">
+                            <a:latin typeface="Cambria Math" panose="02040503050406030204" pitchFamily="18" charset="0"/>
+                          </a:rPr>
+                          <m:t>𝑎</m:t>
+                        </m:r>
+                      </m:oMath>
+                    </m:oMathPara>
+                  </a14:m>
+                  <a:endParaRPr lang="en-US" sz="1000" dirty="0"/>
+                </a:p>
+              </p:txBody>
+            </p:sp>
+          </mc:Choice>
+          <mc:Fallback xmlns="">
+            <p:sp>
+              <p:nvSpPr>
+                <p:cNvPr id="46" name="TextBox 45">
+                  <a:extLst>
+                    <a:ext uri="{FF2B5EF4-FFF2-40B4-BE49-F238E27FC236}">
+                      <a16:creationId xmlns:a16="http://schemas.microsoft.com/office/drawing/2014/main" id="{397BCD42-0614-82BB-ADD2-BAC5EDB6EDCF}"/>
+                    </a:ext>
+                  </a:extLst>
+                </p:cNvPr>
+                <p:cNvSpPr txBox="1">
+                  <a:spLocks noRot="1" noChangeAspect="1" noMove="1" noResize="1" noEditPoints="1" noAdjustHandles="1" noChangeArrowheads="1" noChangeShapeType="1" noTextEdit="1"/>
+                </p:cNvSpPr>
+                <p:nvPr/>
+              </p:nvSpPr>
+              <p:spPr>
+                <a:xfrm>
+                  <a:off x="5504206" y="1789533"/>
+                  <a:ext cx="288797" cy="246221"/>
+                </a:xfrm>
+                <a:prstGeom prst="rect">
+                  <a:avLst/>
+                </a:prstGeom>
+                <a:blipFill>
+                  <a:blip r:embed="rId12"/>
+                  <a:stretch>
+                    <a:fillRect/>
+                  </a:stretch>
+                </a:blipFill>
+              </p:spPr>
+              <p:txBody>
+                <a:bodyPr/>
+                <a:lstStyle/>
+                <a:p>
+                  <a:r>
+                    <a:rPr lang="en-US">
+                      <a:noFill/>
+                    </a:rPr>
+                    <a:t> </a:t>
+                  </a:r>
+                </a:p>
+              </p:txBody>
+            </p:sp>
+          </mc:Fallback>
+        </mc:AlternateContent>
+        <mc:AlternateContent xmlns:mc="http://schemas.openxmlformats.org/markup-compatibility/2006" xmlns:a14="http://schemas.microsoft.com/office/drawing/2010/main">
+          <mc:Choice Requires="a14">
+            <p:sp>
+              <p:nvSpPr>
+                <p:cNvPr id="47" name="TextBox 46">
+                  <a:extLst>
+                    <a:ext uri="{FF2B5EF4-FFF2-40B4-BE49-F238E27FC236}">
+                      <a16:creationId xmlns:a16="http://schemas.microsoft.com/office/drawing/2014/main" id="{D4F26437-B76C-073F-B154-6B503AC1C6EF}"/>
+                    </a:ext>
+                  </a:extLst>
+                </p:cNvPr>
+                <p:cNvSpPr txBox="1"/>
+                <p:nvPr/>
+              </p:nvSpPr>
+              <p:spPr>
+                <a:xfrm>
+                  <a:off x="5717483" y="2475731"/>
+                  <a:ext cx="428643" cy="246221"/>
+                </a:xfrm>
+                <a:prstGeom prst="rect">
+                  <a:avLst/>
+                </a:prstGeom>
+                <a:noFill/>
+              </p:spPr>
+              <p:txBody>
+                <a:bodyPr wrap="none" rtlCol="0">
+                  <a:spAutoFit/>
+                </a:bodyPr>
+                <a:lstStyle/>
+                <a:p>
+                  <a:pPr/>
+                  <a14:m>
+                    <m:oMathPara xmlns:m="http://schemas.openxmlformats.org/officeDocument/2006/math">
+                      <m:oMathParaPr>
+                        <m:jc m:val="centerGroup"/>
+                      </m:oMathParaPr>
+                      <m:oMath xmlns:m="http://schemas.openxmlformats.org/officeDocument/2006/math">
+                        <m:sSup>
+                          <m:sSupPr>
+                            <m:ctrlPr>
+                              <a:rPr lang="en-US" sz="1000" i="1" dirty="0" smtClean="0">
+                                <a:latin typeface="Cambria Math" panose="02040503050406030204" pitchFamily="18" charset="0"/>
+                              </a:rPr>
+                            </m:ctrlPr>
+                          </m:sSupPr>
+                          <m:e>
+                            <m:r>
+                              <a:rPr lang="en-US" sz="1000" b="0" i="1" dirty="0" smtClean="0">
+                                <a:latin typeface="Cambria Math" panose="02040503050406030204" pitchFamily="18" charset="0"/>
+                              </a:rPr>
+                              <m:t>𝑟</m:t>
+                            </m:r>
+                            <m:r>
+                              <a:rPr lang="en-US" sz="1000" b="0" i="1" dirty="0" smtClean="0">
+                                <a:latin typeface="Cambria Math" panose="02040503050406030204" pitchFamily="18" charset="0"/>
+                              </a:rPr>
+                              <m:t>, </m:t>
+                            </m:r>
+                            <m:r>
+                              <a:rPr lang="en-US" sz="1000" b="0" i="1" dirty="0" smtClean="0">
+                                <a:latin typeface="Cambria Math" panose="02040503050406030204" pitchFamily="18" charset="0"/>
+                              </a:rPr>
+                              <m:t>𝑠</m:t>
+                            </m:r>
+                          </m:e>
+                          <m:sup>
+                            <m:r>
+                              <a:rPr lang="en-US" sz="1000" b="0" i="1" dirty="0" smtClean="0">
+                                <a:latin typeface="Cambria Math" panose="02040503050406030204" pitchFamily="18" charset="0"/>
+                              </a:rPr>
+                              <m:t>′</m:t>
+                            </m:r>
+                          </m:sup>
+                        </m:sSup>
+                      </m:oMath>
+                    </m:oMathPara>
+                  </a14:m>
+                  <a:endParaRPr lang="en-US" sz="1000" dirty="0"/>
+                </a:p>
+              </p:txBody>
+            </p:sp>
+          </mc:Choice>
+          <mc:Fallback xmlns="">
+            <p:sp>
+              <p:nvSpPr>
+                <p:cNvPr id="47" name="TextBox 46">
+                  <a:extLst>
+                    <a:ext uri="{FF2B5EF4-FFF2-40B4-BE49-F238E27FC236}">
+                      <a16:creationId xmlns:a16="http://schemas.microsoft.com/office/drawing/2014/main" id="{D4F26437-B76C-073F-B154-6B503AC1C6EF}"/>
+                    </a:ext>
+                  </a:extLst>
+                </p:cNvPr>
+                <p:cNvSpPr txBox="1">
+                  <a:spLocks noRot="1" noChangeAspect="1" noMove="1" noResize="1" noEditPoints="1" noAdjustHandles="1" noChangeArrowheads="1" noChangeShapeType="1" noTextEdit="1"/>
+                </p:cNvSpPr>
+                <p:nvPr/>
+              </p:nvSpPr>
+              <p:spPr>
+                <a:xfrm>
+                  <a:off x="5717483" y="2475731"/>
+                  <a:ext cx="428643" cy="246221"/>
+                </a:xfrm>
+                <a:prstGeom prst="rect">
+                  <a:avLst/>
+                </a:prstGeom>
+                <a:blipFill>
+                  <a:blip r:embed="rId13"/>
+                  <a:stretch>
+                    <a:fillRect/>
+                  </a:stretch>
+                </a:blipFill>
+              </p:spPr>
+              <p:txBody>
+                <a:bodyPr/>
+                <a:lstStyle/>
+                <a:p>
+                  <a:r>
+                    <a:rPr lang="en-US">
+                      <a:noFill/>
+                    </a:rPr>
+                    <a:t> </a:t>
+                  </a:r>
+                </a:p>
+              </p:txBody>
+            </p:sp>
+          </mc:Fallback>
+        </mc:AlternateContent>
+        <mc:AlternateContent xmlns:mc="http://schemas.openxmlformats.org/markup-compatibility/2006" xmlns:a14="http://schemas.microsoft.com/office/drawing/2010/main">
+          <mc:Choice Requires="a14">
+            <p:sp>
+              <p:nvSpPr>
+                <p:cNvPr id="48" name="TextBox 47">
+                  <a:extLst>
+                    <a:ext uri="{FF2B5EF4-FFF2-40B4-BE49-F238E27FC236}">
+                      <a16:creationId xmlns:a16="http://schemas.microsoft.com/office/drawing/2014/main" id="{19370FA2-2D4E-5070-E93C-D76CB923DAA3}"/>
+                    </a:ext>
+                  </a:extLst>
+                </p:cNvPr>
+                <p:cNvSpPr txBox="1"/>
+                <p:nvPr/>
+              </p:nvSpPr>
+              <p:spPr>
+                <a:xfrm>
+                  <a:off x="5753711" y="2059924"/>
+                  <a:ext cx="287195" cy="246221"/>
+                </a:xfrm>
+                <a:prstGeom prst="rect">
+                  <a:avLst/>
+                </a:prstGeom>
+                <a:noFill/>
+              </p:spPr>
+              <p:txBody>
+                <a:bodyPr wrap="none" rtlCol="0">
+                  <a:spAutoFit/>
+                </a:bodyPr>
+                <a:lstStyle/>
+                <a:p>
+                  <a:pPr/>
+                  <a14:m>
+                    <m:oMathPara xmlns:m="http://schemas.openxmlformats.org/officeDocument/2006/math">
+                      <m:oMathParaPr>
+                        <m:jc m:val="centerGroup"/>
+                      </m:oMathParaPr>
+                      <m:oMath xmlns:m="http://schemas.openxmlformats.org/officeDocument/2006/math">
+                        <m:r>
+                          <a:rPr lang="en-US" sz="1000" b="0" i="1" smtClean="0">
+                            <a:latin typeface="Cambria Math" panose="02040503050406030204" pitchFamily="18" charset="0"/>
+                          </a:rPr>
+                          <m:t>𝑝</m:t>
+                        </m:r>
+                      </m:oMath>
+                    </m:oMathPara>
+                  </a14:m>
+                  <a:endParaRPr lang="en-US" sz="1000" dirty="0"/>
+                </a:p>
+              </p:txBody>
+            </p:sp>
+          </mc:Choice>
+          <mc:Fallback xmlns="">
+            <p:sp>
+              <p:nvSpPr>
+                <p:cNvPr id="48" name="TextBox 47">
+                  <a:extLst>
+                    <a:ext uri="{FF2B5EF4-FFF2-40B4-BE49-F238E27FC236}">
+                      <a16:creationId xmlns:a16="http://schemas.microsoft.com/office/drawing/2014/main" id="{19370FA2-2D4E-5070-E93C-D76CB923DAA3}"/>
+                    </a:ext>
+                  </a:extLst>
+                </p:cNvPr>
+                <p:cNvSpPr txBox="1">
+                  <a:spLocks noRot="1" noChangeAspect="1" noMove="1" noResize="1" noEditPoints="1" noAdjustHandles="1" noChangeArrowheads="1" noChangeShapeType="1" noTextEdit="1"/>
+                </p:cNvSpPr>
+                <p:nvPr/>
+              </p:nvSpPr>
+              <p:spPr>
+                <a:xfrm>
+                  <a:off x="5753711" y="2059924"/>
+                  <a:ext cx="287195" cy="246221"/>
+                </a:xfrm>
+                <a:prstGeom prst="rect">
+                  <a:avLst/>
+                </a:prstGeom>
+                <a:blipFill>
+                  <a:blip r:embed="rId14"/>
+                  <a:stretch>
+                    <a:fillRect/>
+                  </a:stretch>
+                </a:blipFill>
+              </p:spPr>
+              <p:txBody>
+                <a:bodyPr/>
+                <a:lstStyle/>
+                <a:p>
+                  <a:r>
+                    <a:rPr lang="en-US">
+                      <a:noFill/>
+                    </a:rPr>
+                    <a:t> </a:t>
+                  </a:r>
+                </a:p>
+              </p:txBody>
+            </p:sp>
+          </mc:Fallback>
+        </mc:AlternateContent>
+        <p:sp>
+          <p:nvSpPr>
+            <p:cNvPr id="49" name="Oval 48">
+              <a:extLst>
+                <a:ext uri="{FF2B5EF4-FFF2-40B4-BE49-F238E27FC236}">
+                  <a16:creationId xmlns:a16="http://schemas.microsoft.com/office/drawing/2014/main" id="{D91F63CA-351C-525B-CAF3-AC0B12BB8E93}"/>
+                </a:ext>
+              </a:extLst>
+            </p:cNvPr>
+            <p:cNvSpPr/>
+            <p:nvPr/>
+          </p:nvSpPr>
+          <p:spPr>
+            <a:xfrm>
+              <a:off x="5304956" y="2459594"/>
+              <a:ext cx="287195" cy="287464"/>
+            </a:xfrm>
+            <a:prstGeom prst="ellipse">
+              <a:avLst/>
+            </a:prstGeom>
+            <a:noFill/>
+            <a:ln>
+              <a:solidFill>
+                <a:srgbClr val="C00000"/>
+              </a:solidFill>
+            </a:ln>
+          </p:spPr>
+          <p:style>
+            <a:lnRef idx="2">
+              <a:schemeClr val="accent1">
+                <a:shade val="15000"/>
+              </a:schemeClr>
+            </a:lnRef>
+            <a:fillRef idx="1">
+              <a:schemeClr val="accent1"/>
+            </a:fillRef>
+            <a:effectRef idx="0">
+              <a:schemeClr val="accent1"/>
+            </a:effectRef>
+            <a:fontRef idx="minor">
+              <a:schemeClr val="lt1"/>
+            </a:fontRef>
+          </p:style>
+          <p:txBody>
+            <a:bodyPr rtlCol="0" anchor="ctr"/>
+            <a:lstStyle/>
+            <a:p>
+              <a:pPr algn="ctr"/>
+              <a:endParaRPr lang="en-US"/>
+            </a:p>
+          </p:txBody>
+        </p:sp>
+        <p:sp>
+          <p:nvSpPr>
+            <p:cNvPr id="50" name="Oval 49">
+              <a:extLst>
+                <a:ext uri="{FF2B5EF4-FFF2-40B4-BE49-F238E27FC236}">
+                  <a16:creationId xmlns:a16="http://schemas.microsoft.com/office/drawing/2014/main" id="{2888578D-7DCD-2943-C6DD-210FE9CE9D1A}"/>
+                </a:ext>
+              </a:extLst>
+            </p:cNvPr>
+            <p:cNvSpPr/>
+            <p:nvPr/>
+          </p:nvSpPr>
+          <p:spPr>
+            <a:xfrm>
+              <a:off x="4866088" y="2468929"/>
+              <a:ext cx="287195" cy="287464"/>
+            </a:xfrm>
+            <a:prstGeom prst="ellipse">
+              <a:avLst/>
+            </a:prstGeom>
+            <a:noFill/>
+            <a:ln>
+              <a:solidFill>
+                <a:srgbClr val="C00000"/>
+              </a:solidFill>
+            </a:ln>
+          </p:spPr>
+          <p:style>
+            <a:lnRef idx="2">
+              <a:schemeClr val="accent1">
+                <a:shade val="15000"/>
+              </a:schemeClr>
+            </a:lnRef>
+            <a:fillRef idx="1">
+              <a:schemeClr val="accent1"/>
+            </a:fillRef>
+            <a:effectRef idx="0">
+              <a:schemeClr val="accent1"/>
+            </a:effectRef>
+            <a:fontRef idx="minor">
+              <a:schemeClr val="lt1"/>
+            </a:fontRef>
+          </p:style>
+          <p:txBody>
+            <a:bodyPr rtlCol="0" anchor="ctr"/>
+            <a:lstStyle/>
+            <a:p>
+              <a:pPr algn="ctr"/>
+              <a:endParaRPr lang="en-US"/>
+            </a:p>
+          </p:txBody>
+        </p:sp>
+        <p:sp>
+          <p:nvSpPr>
+            <p:cNvPr id="51" name="Oval 50">
+              <a:extLst>
+                <a:ext uri="{FF2B5EF4-FFF2-40B4-BE49-F238E27FC236}">
+                  <a16:creationId xmlns:a16="http://schemas.microsoft.com/office/drawing/2014/main" id="{E669EC14-25D7-A443-E067-CEF9D7D02AD4}"/>
+                </a:ext>
+              </a:extLst>
+            </p:cNvPr>
+            <p:cNvSpPr/>
+            <p:nvPr/>
+          </p:nvSpPr>
+          <p:spPr>
+            <a:xfrm>
+              <a:off x="4410841" y="2459594"/>
+              <a:ext cx="287195" cy="287464"/>
+            </a:xfrm>
+            <a:prstGeom prst="ellipse">
+              <a:avLst/>
+            </a:prstGeom>
+            <a:noFill/>
+            <a:ln>
+              <a:solidFill>
+                <a:srgbClr val="C00000"/>
+              </a:solidFill>
+            </a:ln>
+          </p:spPr>
+          <p:style>
+            <a:lnRef idx="2">
+              <a:schemeClr val="accent1">
+                <a:shade val="15000"/>
+              </a:schemeClr>
+            </a:lnRef>
+            <a:fillRef idx="1">
+              <a:schemeClr val="accent1"/>
+            </a:fillRef>
+            <a:effectRef idx="0">
+              <a:schemeClr val="accent1"/>
+            </a:effectRef>
+            <a:fontRef idx="minor">
+              <a:schemeClr val="lt1"/>
+            </a:fontRef>
+          </p:style>
+          <p:txBody>
+            <a:bodyPr rtlCol="0" anchor="ctr"/>
+            <a:lstStyle/>
+            <a:p>
+              <a:pPr algn="ctr"/>
+              <a:endParaRPr lang="en-US"/>
+            </a:p>
+          </p:txBody>
+        </p:sp>
+        <p:sp>
+          <p:nvSpPr>
+            <p:cNvPr id="52" name="Oval 51">
+              <a:extLst>
+                <a:ext uri="{FF2B5EF4-FFF2-40B4-BE49-F238E27FC236}">
+                  <a16:creationId xmlns:a16="http://schemas.microsoft.com/office/drawing/2014/main" id="{FBD1AACA-D4AE-18D8-8A03-DB595EC6E03D}"/>
+                </a:ext>
+              </a:extLst>
+            </p:cNvPr>
+            <p:cNvSpPr/>
+            <p:nvPr/>
+          </p:nvSpPr>
+          <p:spPr>
+            <a:xfrm>
+              <a:off x="4014693" y="2459594"/>
+              <a:ext cx="287195" cy="287464"/>
+            </a:xfrm>
+            <a:prstGeom prst="ellipse">
+              <a:avLst/>
+            </a:prstGeom>
+            <a:noFill/>
+            <a:ln>
+              <a:solidFill>
+                <a:srgbClr val="C00000"/>
+              </a:solidFill>
+            </a:ln>
+          </p:spPr>
+          <p:style>
+            <a:lnRef idx="2">
+              <a:schemeClr val="accent1">
+                <a:shade val="15000"/>
+              </a:schemeClr>
+            </a:lnRef>
+            <a:fillRef idx="1">
+              <a:schemeClr val="accent1"/>
+            </a:fillRef>
+            <a:effectRef idx="0">
+              <a:schemeClr val="accent1"/>
+            </a:effectRef>
+            <a:fontRef idx="minor">
+              <a:schemeClr val="lt1"/>
+            </a:fontRef>
+          </p:style>
+          <p:txBody>
+            <a:bodyPr rtlCol="0" anchor="ctr"/>
+            <a:lstStyle/>
+            <a:p>
+              <a:pPr algn="ctr"/>
+              <a:endParaRPr lang="en-US"/>
+            </a:p>
+          </p:txBody>
+        </p:sp>
+        <p:sp>
+          <p:nvSpPr>
+            <p:cNvPr id="53" name="Oval 52">
+              <a:extLst>
+                <a:ext uri="{FF2B5EF4-FFF2-40B4-BE49-F238E27FC236}">
+                  <a16:creationId xmlns:a16="http://schemas.microsoft.com/office/drawing/2014/main" id="{F8DD5D55-C7A3-DF30-B80E-18AE55A80E8E}"/>
+                </a:ext>
+              </a:extLst>
+            </p:cNvPr>
+            <p:cNvSpPr/>
+            <p:nvPr/>
+          </p:nvSpPr>
+          <p:spPr>
+            <a:xfrm>
+              <a:off x="3513941" y="2461853"/>
+              <a:ext cx="287195" cy="287464"/>
+            </a:xfrm>
+            <a:prstGeom prst="ellipse">
+              <a:avLst/>
+            </a:prstGeom>
+            <a:noFill/>
+            <a:ln>
+              <a:solidFill>
+                <a:srgbClr val="C00000"/>
+              </a:solidFill>
+            </a:ln>
+          </p:spPr>
+          <p:style>
+            <a:lnRef idx="2">
+              <a:schemeClr val="accent1">
+                <a:shade val="15000"/>
+              </a:schemeClr>
+            </a:lnRef>
+            <a:fillRef idx="1">
+              <a:schemeClr val="accent1"/>
+            </a:fillRef>
+            <a:effectRef idx="0">
+              <a:schemeClr val="accent1"/>
+            </a:effectRef>
+            <a:fontRef idx="minor">
+              <a:schemeClr val="lt1"/>
+            </a:fontRef>
+          </p:style>
+          <p:txBody>
+            <a:bodyPr rtlCol="0" anchor="ctr"/>
+            <a:lstStyle/>
+            <a:p>
+              <a:pPr algn="ctr"/>
+              <a:endParaRPr lang="en-US"/>
+            </a:p>
+          </p:txBody>
+        </p:sp>
+        <mc:AlternateContent xmlns:mc="http://schemas.openxmlformats.org/markup-compatibility/2006" xmlns:a14="http://schemas.microsoft.com/office/drawing/2010/main">
+          <mc:Choice Requires="a14">
+            <p:sp>
+              <p:nvSpPr>
+                <p:cNvPr id="54" name="TextBox 53">
+                  <a:extLst>
+                    <a:ext uri="{FF2B5EF4-FFF2-40B4-BE49-F238E27FC236}">
+                      <a16:creationId xmlns:a16="http://schemas.microsoft.com/office/drawing/2014/main" id="{0F23E57A-D31E-AF5B-1F36-27F6176F56EE}"/>
+                    </a:ext>
+                  </a:extLst>
+                </p:cNvPr>
+                <p:cNvSpPr txBox="1"/>
+                <p:nvPr/>
+              </p:nvSpPr>
+              <p:spPr>
+                <a:xfrm>
+                  <a:off x="4413140" y="1529397"/>
+                  <a:ext cx="465897" cy="246221"/>
+                </a:xfrm>
+                <a:prstGeom prst="rect">
+                  <a:avLst/>
+                </a:prstGeom>
+                <a:noFill/>
+              </p:spPr>
+              <p:txBody>
+                <a:bodyPr wrap="none" rtlCol="0">
+                  <a:spAutoFit/>
+                </a:bodyPr>
+                <a:lstStyle/>
+                <a:p>
+                  <a:pPr/>
+                  <a14:m>
+                    <m:oMathPara xmlns:m="http://schemas.openxmlformats.org/officeDocument/2006/math">
+                      <m:oMathParaPr>
+                        <m:jc m:val="centerGroup"/>
+                      </m:oMathParaPr>
+                      <m:oMath xmlns:m="http://schemas.openxmlformats.org/officeDocument/2006/math">
+                        <m:r>
+                          <a:rPr lang="en-US" sz="1000" b="0" i="1" smtClean="0">
+                            <a:latin typeface="Cambria Math" panose="02040503050406030204" pitchFamily="18" charset="0"/>
+                            <a:ea typeface="Cambria Math" panose="02040503050406030204" pitchFamily="18" charset="0"/>
+                          </a:rPr>
+                          <m:t>𝑚𝑎𝑥</m:t>
+                        </m:r>
+                      </m:oMath>
+                    </m:oMathPara>
+                  </a14:m>
+                  <a:endParaRPr lang="en-US" sz="1000" dirty="0"/>
+                </a:p>
+              </p:txBody>
+            </p:sp>
+          </mc:Choice>
+          <mc:Fallback xmlns="">
+            <p:sp>
+              <p:nvSpPr>
+                <p:cNvPr id="54" name="TextBox 53">
+                  <a:extLst>
+                    <a:ext uri="{FF2B5EF4-FFF2-40B4-BE49-F238E27FC236}">
+                      <a16:creationId xmlns:a16="http://schemas.microsoft.com/office/drawing/2014/main" id="{0F23E57A-D31E-AF5B-1F36-27F6176F56EE}"/>
+                    </a:ext>
+                  </a:extLst>
+                </p:cNvPr>
+                <p:cNvSpPr txBox="1">
+                  <a:spLocks noRot="1" noChangeAspect="1" noMove="1" noResize="1" noEditPoints="1" noAdjustHandles="1" noChangeArrowheads="1" noChangeShapeType="1" noTextEdit="1"/>
+                </p:cNvSpPr>
+                <p:nvPr/>
+              </p:nvSpPr>
+              <p:spPr>
+                <a:xfrm>
+                  <a:off x="4413140" y="1529397"/>
+                  <a:ext cx="465897" cy="246221"/>
+                </a:xfrm>
+                <a:prstGeom prst="rect">
+                  <a:avLst/>
+                </a:prstGeom>
+                <a:blipFill>
+                  <a:blip r:embed="rId15"/>
+                  <a:stretch>
+                    <a:fillRect/>
+                  </a:stretch>
+                </a:blipFill>
+              </p:spPr>
+              <p:txBody>
+                <a:bodyPr/>
+                <a:lstStyle/>
+                <a:p>
+                  <a:r>
+                    <a:rPr lang="en-US">
+                      <a:noFill/>
+                    </a:rPr>
+                    <a:t> </a:t>
+                  </a:r>
+                </a:p>
+              </p:txBody>
+            </p:sp>
+          </mc:Fallback>
+        </mc:AlternateContent>
+        <mc:AlternateContent xmlns:mc="http://schemas.openxmlformats.org/markup-compatibility/2006" xmlns:a14="http://schemas.microsoft.com/office/drawing/2010/main">
+          <mc:Choice Requires="a14">
+            <p:sp>
+              <p:nvSpPr>
+                <p:cNvPr id="55" name="TextBox 54">
+                  <a:extLst>
+                    <a:ext uri="{FF2B5EF4-FFF2-40B4-BE49-F238E27FC236}">
+                      <a16:creationId xmlns:a16="http://schemas.microsoft.com/office/drawing/2014/main" id="{72C8ABC8-842D-3FDF-D385-29AA61FDEDA4}"/>
+                    </a:ext>
+                  </a:extLst>
+                </p:cNvPr>
+                <p:cNvSpPr txBox="1"/>
+                <p:nvPr/>
+              </p:nvSpPr>
+              <p:spPr>
+                <a:xfrm>
+                  <a:off x="4077204" y="1353476"/>
+                  <a:ext cx="465897" cy="246221"/>
+                </a:xfrm>
+                <a:prstGeom prst="rect">
+                  <a:avLst/>
+                </a:prstGeom>
+                <a:noFill/>
+              </p:spPr>
+              <p:txBody>
+                <a:bodyPr wrap="none" rtlCol="0">
+                  <a:spAutoFit/>
+                </a:bodyPr>
+                <a:lstStyle/>
+                <a:p>
+                  <a:pPr/>
+                  <a14:m>
+                    <m:oMathPara xmlns:m="http://schemas.openxmlformats.org/officeDocument/2006/math">
+                      <m:oMathParaPr>
+                        <m:jc m:val="centerGroup"/>
+                      </m:oMathParaPr>
+                      <m:oMath xmlns:m="http://schemas.openxmlformats.org/officeDocument/2006/math">
+                        <m:r>
+                          <a:rPr lang="en-US" sz="1000" b="0" i="1" smtClean="0">
+                            <a:latin typeface="Cambria Math" panose="02040503050406030204" pitchFamily="18" charset="0"/>
+                            <a:ea typeface="Cambria Math" panose="02040503050406030204" pitchFamily="18" charset="0"/>
+                          </a:rPr>
+                          <m:t>𝑚𝑎𝑥</m:t>
+                        </m:r>
+                      </m:oMath>
+                    </m:oMathPara>
+                  </a14:m>
+                  <a:endParaRPr lang="en-US" sz="1000" dirty="0"/>
+                </a:p>
+              </p:txBody>
+            </p:sp>
+          </mc:Choice>
+          <mc:Fallback xmlns="">
+            <p:sp>
+              <p:nvSpPr>
+                <p:cNvPr id="55" name="TextBox 54">
+                  <a:extLst>
+                    <a:ext uri="{FF2B5EF4-FFF2-40B4-BE49-F238E27FC236}">
+                      <a16:creationId xmlns:a16="http://schemas.microsoft.com/office/drawing/2014/main" id="{72C8ABC8-842D-3FDF-D385-29AA61FDEDA4}"/>
+                    </a:ext>
+                  </a:extLst>
+                </p:cNvPr>
+                <p:cNvSpPr txBox="1">
+                  <a:spLocks noRot="1" noChangeAspect="1" noMove="1" noResize="1" noEditPoints="1" noAdjustHandles="1" noChangeArrowheads="1" noChangeShapeType="1" noTextEdit="1"/>
+                </p:cNvSpPr>
+                <p:nvPr/>
+              </p:nvSpPr>
+              <p:spPr>
+                <a:xfrm>
+                  <a:off x="4077204" y="1353476"/>
+                  <a:ext cx="465897" cy="246221"/>
+                </a:xfrm>
+                <a:prstGeom prst="rect">
+                  <a:avLst/>
+                </a:prstGeom>
+                <a:blipFill>
+                  <a:blip r:embed="rId16"/>
+                  <a:stretch>
+                    <a:fillRect/>
+                  </a:stretch>
+                </a:blipFill>
+              </p:spPr>
+              <p:txBody>
+                <a:bodyPr/>
+                <a:lstStyle/>
+                <a:p>
+                  <a:r>
+                    <a:rPr lang="en-US">
+                      <a:noFill/>
+                    </a:rPr>
+                    <a:t> </a:t>
+                  </a:r>
+                </a:p>
+              </p:txBody>
+            </p:sp>
+          </mc:Fallback>
+        </mc:AlternateContent>
+        <p:sp>
+          <p:nvSpPr>
+            <p:cNvPr id="56" name="Oval 55">
+              <a:extLst>
+                <a:ext uri="{FF2B5EF4-FFF2-40B4-BE49-F238E27FC236}">
+                  <a16:creationId xmlns:a16="http://schemas.microsoft.com/office/drawing/2014/main" id="{B8075EDD-4178-FB1B-39F6-03FAA5521FF6}"/>
+                </a:ext>
+              </a:extLst>
+            </p:cNvPr>
+            <p:cNvSpPr/>
+            <p:nvPr/>
+          </p:nvSpPr>
+          <p:spPr>
+            <a:xfrm>
+              <a:off x="4640206" y="1224604"/>
+              <a:ext cx="287195" cy="287464"/>
+            </a:xfrm>
+            <a:prstGeom prst="ellipse">
+              <a:avLst/>
+            </a:prstGeom>
+            <a:noFill/>
+            <a:ln>
+              <a:solidFill>
+                <a:srgbClr val="C00000"/>
+              </a:solidFill>
+            </a:ln>
+          </p:spPr>
+          <p:style>
+            <a:lnRef idx="2">
+              <a:schemeClr val="accent1">
+                <a:shade val="15000"/>
+              </a:schemeClr>
+            </a:lnRef>
+            <a:fillRef idx="1">
+              <a:schemeClr val="accent1"/>
+            </a:fillRef>
+            <a:effectRef idx="0">
+              <a:schemeClr val="accent1"/>
+            </a:effectRef>
+            <a:fontRef idx="minor">
+              <a:schemeClr val="lt1"/>
+            </a:fontRef>
+          </p:style>
+          <p:txBody>
+            <a:bodyPr rtlCol="0" anchor="ctr"/>
+            <a:lstStyle/>
+            <a:p>
+              <a:pPr algn="ctr"/>
+              <a:endParaRPr lang="en-US"/>
+            </a:p>
+          </p:txBody>
+        </p:sp>
+      </p:grpSp>
     </p:spTree>
     <p:extLst>
       <p:ext uri="{BB962C8B-B14F-4D97-AF65-F5344CB8AC3E}">

--- a/docs/RL_Sutton_and_Barto_Figures.pptx
+++ b/docs/RL_Sutton_and_Barto_Figures.pptx
@@ -261,7 +261,7 @@
           <a:p>
             <a:fld id="{00EB4FB6-004D-5A4A-BC52-C2F18F80D6B6}" type="datetimeFigureOut">
               <a:rPr lang="en-US" smtClean="0"/>
-              <a:t>12/12/23</a:t>
+              <a:t>1/21/24</a:t>
             </a:fld>
             <a:endParaRPr lang="en-US"/>
           </a:p>
@@ -459,7 +459,7 @@
           <a:p>
             <a:fld id="{00EB4FB6-004D-5A4A-BC52-C2F18F80D6B6}" type="datetimeFigureOut">
               <a:rPr lang="en-US" smtClean="0"/>
-              <a:t>12/12/23</a:t>
+              <a:t>1/21/24</a:t>
             </a:fld>
             <a:endParaRPr lang="en-US"/>
           </a:p>
@@ -667,7 +667,7 @@
           <a:p>
             <a:fld id="{00EB4FB6-004D-5A4A-BC52-C2F18F80D6B6}" type="datetimeFigureOut">
               <a:rPr lang="en-US" smtClean="0"/>
-              <a:t>12/12/23</a:t>
+              <a:t>1/21/24</a:t>
             </a:fld>
             <a:endParaRPr lang="en-US"/>
           </a:p>
@@ -865,7 +865,7 @@
           <a:p>
             <a:fld id="{00EB4FB6-004D-5A4A-BC52-C2F18F80D6B6}" type="datetimeFigureOut">
               <a:rPr lang="en-US" smtClean="0"/>
-              <a:t>12/12/23</a:t>
+              <a:t>1/21/24</a:t>
             </a:fld>
             <a:endParaRPr lang="en-US"/>
           </a:p>
@@ -1140,7 +1140,7 @@
           <a:p>
             <a:fld id="{00EB4FB6-004D-5A4A-BC52-C2F18F80D6B6}" type="datetimeFigureOut">
               <a:rPr lang="en-US" smtClean="0"/>
-              <a:t>12/12/23</a:t>
+              <a:t>1/21/24</a:t>
             </a:fld>
             <a:endParaRPr lang="en-US"/>
           </a:p>
@@ -1405,7 +1405,7 @@
           <a:p>
             <a:fld id="{00EB4FB6-004D-5A4A-BC52-C2F18F80D6B6}" type="datetimeFigureOut">
               <a:rPr lang="en-US" smtClean="0"/>
-              <a:t>12/12/23</a:t>
+              <a:t>1/21/24</a:t>
             </a:fld>
             <a:endParaRPr lang="en-US"/>
           </a:p>
@@ -1817,7 +1817,7 @@
           <a:p>
             <a:fld id="{00EB4FB6-004D-5A4A-BC52-C2F18F80D6B6}" type="datetimeFigureOut">
               <a:rPr lang="en-US" smtClean="0"/>
-              <a:t>12/12/23</a:t>
+              <a:t>1/21/24</a:t>
             </a:fld>
             <a:endParaRPr lang="en-US"/>
           </a:p>
@@ -1958,7 +1958,7 @@
           <a:p>
             <a:fld id="{00EB4FB6-004D-5A4A-BC52-C2F18F80D6B6}" type="datetimeFigureOut">
               <a:rPr lang="en-US" smtClean="0"/>
-              <a:t>12/12/23</a:t>
+              <a:t>1/21/24</a:t>
             </a:fld>
             <a:endParaRPr lang="en-US"/>
           </a:p>
@@ -2071,7 +2071,7 @@
           <a:p>
             <a:fld id="{00EB4FB6-004D-5A4A-BC52-C2F18F80D6B6}" type="datetimeFigureOut">
               <a:rPr lang="en-US" smtClean="0"/>
-              <a:t>12/12/23</a:t>
+              <a:t>1/21/24</a:t>
             </a:fld>
             <a:endParaRPr lang="en-US"/>
           </a:p>
@@ -2382,7 +2382,7 @@
           <a:p>
             <a:fld id="{00EB4FB6-004D-5A4A-BC52-C2F18F80D6B6}" type="datetimeFigureOut">
               <a:rPr lang="en-US" smtClean="0"/>
-              <a:t>12/12/23</a:t>
+              <a:t>1/21/24</a:t>
             </a:fld>
             <a:endParaRPr lang="en-US"/>
           </a:p>
@@ -2670,7 +2670,7 @@
           <a:p>
             <a:fld id="{00EB4FB6-004D-5A4A-BC52-C2F18F80D6B6}" type="datetimeFigureOut">
               <a:rPr lang="en-US" smtClean="0"/>
-              <a:t>12/12/23</a:t>
+              <a:t>1/21/24</a:t>
             </a:fld>
             <a:endParaRPr lang="en-US"/>
           </a:p>
@@ -2911,7 +2911,7 @@
           <a:p>
             <a:fld id="{00EB4FB6-004D-5A4A-BC52-C2F18F80D6B6}" type="datetimeFigureOut">
               <a:rPr lang="en-US" smtClean="0"/>
-              <a:t>12/12/23</a:t>
+              <a:t>1/21/24</a:t>
             </a:fld>
             <a:endParaRPr lang="en-US"/>
           </a:p>
@@ -3343,7 +3343,7 @@
           <p:nvPr>
             <p:extLst>
               <p:ext uri="{D42A27DB-BD31-4B8C-83A1-F6EECF244321}">
-                <p14:modId xmlns:p14="http://schemas.microsoft.com/office/powerpoint/2010/main" val="4088137096"/>
+                <p14:modId xmlns:p14="http://schemas.microsoft.com/office/powerpoint/2010/main" val="1661437596"/>
               </p:ext>
             </p:extLst>
           </p:nvPr>
@@ -4634,8 +4634,8 @@
           </a:graphicData>
         </a:graphic>
       </p:graphicFrame>
-      <mc:AlternateContent xmlns:mc="http://schemas.openxmlformats.org/markup-compatibility/2006" xmlns:a14="http://schemas.microsoft.com/office/drawing/2010/main">
-        <mc:Choice Requires="a14">
+      <mc:AlternateContent xmlns:mc="http://schemas.openxmlformats.org/markup-compatibility/2006">
+        <mc:Choice xmlns:a14="http://schemas.microsoft.com/office/drawing/2010/main" Requires="a14">
           <p:graphicFrame>
             <p:nvGraphicFramePr>
               <p:cNvPr id="12" name="Table 4">
@@ -4651,7 +4651,7 @@
               <p:nvPr>
                 <p:extLst>
                   <p:ext uri="{D42A27DB-BD31-4B8C-83A1-F6EECF244321}">
-                    <p14:modId xmlns:p14="http://schemas.microsoft.com/office/powerpoint/2010/main" val="1450657978"/>
+                    <p14:modId xmlns:p14="http://schemas.microsoft.com/office/powerpoint/2010/main" val="1792254886"/>
                   </p:ext>
                 </p:extLst>
               </p:nvPr>
@@ -5071,11 +5071,14 @@
                         <a:bodyPr/>
                         <a:lstStyle/>
                         <a:p>
-                          <a:endParaRPr lang="en-US" sz="1000" dirty="0">
-                            <a:solidFill>
-                              <a:schemeClr val="tx1"/>
-                            </a:solidFill>
-                          </a:endParaRPr>
+                          <a:r>
+                            <a:rPr lang="en-US" sz="1000" dirty="0">
+                              <a:solidFill>
+                                <a:schemeClr val="tx1"/>
+                              </a:solidFill>
+                            </a:rPr>
+                            <a:t>1.5</a:t>
+                          </a:r>
                         </a:p>
                       </a:txBody>
                       <a:tcPr>
@@ -5123,11 +5126,14 @@
                         <a:bodyPr/>
                         <a:lstStyle/>
                         <a:p>
-                          <a:endParaRPr lang="en-US" sz="1000">
-                            <a:solidFill>
-                              <a:schemeClr val="tx1"/>
-                            </a:solidFill>
-                          </a:endParaRPr>
+                          <a:r>
+                            <a:rPr lang="en-US" sz="1000" dirty="0">
+                              <a:solidFill>
+                                <a:schemeClr val="tx1"/>
+                              </a:solidFill>
+                            </a:rPr>
+                            <a:t>3.0</a:t>
+                          </a:r>
                         </a:p>
                       </a:txBody>
                       <a:tcPr>
@@ -5175,11 +5181,14 @@
                         <a:bodyPr/>
                         <a:lstStyle/>
                         <a:p>
-                          <a:endParaRPr lang="en-US" sz="1000">
-                            <a:solidFill>
-                              <a:schemeClr val="tx1"/>
-                            </a:solidFill>
-                          </a:endParaRPr>
+                          <a:r>
+                            <a:rPr lang="en-US" sz="1000" dirty="0">
+                              <a:solidFill>
+                                <a:schemeClr val="tx1"/>
+                              </a:solidFill>
+                            </a:rPr>
+                            <a:t>2.3</a:t>
+                          </a:r>
                         </a:p>
                       </a:txBody>
                       <a:tcPr>
@@ -5227,11 +5236,14 @@
                         <a:bodyPr/>
                         <a:lstStyle/>
                         <a:p>
-                          <a:endParaRPr lang="en-US" sz="1000">
-                            <a:solidFill>
-                              <a:schemeClr val="tx1"/>
-                            </a:solidFill>
-                          </a:endParaRPr>
+                          <a:r>
+                            <a:rPr lang="en-US" sz="1000" dirty="0">
+                              <a:solidFill>
+                                <a:schemeClr val="tx1"/>
+                              </a:solidFill>
+                            </a:rPr>
+                            <a:t>1.9</a:t>
+                          </a:r>
                         </a:p>
                       </a:txBody>
                       <a:tcPr>
@@ -5279,6 +5291,14 @@
                         <a:bodyPr/>
                         <a:lstStyle/>
                         <a:p>
+                          <a:r>
+                            <a:rPr lang="en-US" sz="1000">
+                              <a:solidFill>
+                                <a:schemeClr val="tx1"/>
+                              </a:solidFill>
+                            </a:rPr>
+                            <a:t>0.5</a:t>
+                          </a:r>
                           <a:endParaRPr lang="en-US" sz="1000" dirty="0">
                             <a:solidFill>
                               <a:schemeClr val="tx1"/>
@@ -6138,7 +6158,7 @@
             </a:graphic>
           </p:graphicFrame>
         </mc:Choice>
-        <mc:Fallback xmlns="">
+        <mc:Fallback>
           <p:graphicFrame>
             <p:nvGraphicFramePr>
               <p:cNvPr id="12" name="Table 4">
@@ -6154,7 +6174,7 @@
               <p:nvPr>
                 <p:extLst>
                   <p:ext uri="{D42A27DB-BD31-4B8C-83A1-F6EECF244321}">
-                    <p14:modId xmlns:p14="http://schemas.microsoft.com/office/powerpoint/2010/main" val="1450657978"/>
+                    <p14:modId xmlns:p14="http://schemas.microsoft.com/office/powerpoint/2010/main" val="1792254886"/>
                   </p:ext>
                 </p:extLst>
               </p:nvPr>
@@ -6484,11 +6504,14 @@
                         <a:bodyPr/>
                         <a:lstStyle/>
                         <a:p>
-                          <a:endParaRPr lang="en-US" sz="1000" dirty="0">
-                            <a:solidFill>
-                              <a:schemeClr val="tx1"/>
-                            </a:solidFill>
-                          </a:endParaRPr>
+                          <a:r>
+                            <a:rPr lang="en-US" sz="1000" dirty="0">
+                              <a:solidFill>
+                                <a:schemeClr val="tx1"/>
+                              </a:solidFill>
+                            </a:rPr>
+                            <a:t>1.5</a:t>
+                          </a:r>
                         </a:p>
                       </a:txBody>
                       <a:tcPr>
@@ -6536,11 +6559,14 @@
                         <a:bodyPr/>
                         <a:lstStyle/>
                         <a:p>
-                          <a:endParaRPr lang="en-US" sz="1000">
-                            <a:solidFill>
-                              <a:schemeClr val="tx1"/>
-                            </a:solidFill>
-                          </a:endParaRPr>
+                          <a:r>
+                            <a:rPr lang="en-US" sz="1000" dirty="0">
+                              <a:solidFill>
+                                <a:schemeClr val="tx1"/>
+                              </a:solidFill>
+                            </a:rPr>
+                            <a:t>3.0</a:t>
+                          </a:r>
                         </a:p>
                       </a:txBody>
                       <a:tcPr>
@@ -6588,11 +6614,14 @@
                         <a:bodyPr/>
                         <a:lstStyle/>
                         <a:p>
-                          <a:endParaRPr lang="en-US" sz="1000">
-                            <a:solidFill>
-                              <a:schemeClr val="tx1"/>
-                            </a:solidFill>
-                          </a:endParaRPr>
+                          <a:r>
+                            <a:rPr lang="en-US" sz="1000" dirty="0">
+                              <a:solidFill>
+                                <a:schemeClr val="tx1"/>
+                              </a:solidFill>
+                            </a:rPr>
+                            <a:t>2.3</a:t>
+                          </a:r>
                         </a:p>
                       </a:txBody>
                       <a:tcPr>
@@ -6640,11 +6669,14 @@
                         <a:bodyPr/>
                         <a:lstStyle/>
                         <a:p>
-                          <a:endParaRPr lang="en-US" sz="1000">
-                            <a:solidFill>
-                              <a:schemeClr val="tx1"/>
-                            </a:solidFill>
-                          </a:endParaRPr>
+                          <a:r>
+                            <a:rPr lang="en-US" sz="1000" dirty="0">
+                              <a:solidFill>
+                                <a:schemeClr val="tx1"/>
+                              </a:solidFill>
+                            </a:rPr>
+                            <a:t>1.9</a:t>
+                          </a:r>
                         </a:p>
                       </a:txBody>
                       <a:tcPr>
@@ -6692,6 +6724,14 @@
                         <a:bodyPr/>
                         <a:lstStyle/>
                         <a:p>
+                          <a:r>
+                            <a:rPr lang="en-US" sz="1000">
+                              <a:solidFill>
+                                <a:schemeClr val="tx1"/>
+                              </a:solidFill>
+                            </a:rPr>
+                            <a:t>0.5</a:t>
+                          </a:r>
                           <a:endParaRPr lang="en-US" sz="1000" dirty="0">
                             <a:solidFill>
                               <a:schemeClr val="tx1"/>
@@ -8275,8 +8315,8 @@
           </mc:Fallback>
         </mc:AlternateContent>
       </p:grpSp>
-      <mc:AlternateContent xmlns:mc="http://schemas.openxmlformats.org/markup-compatibility/2006" xmlns:a14="http://schemas.microsoft.com/office/drawing/2010/main">
-        <mc:Choice Requires="a14">
+      <mc:AlternateContent xmlns:mc="http://schemas.openxmlformats.org/markup-compatibility/2006">
+        <mc:Choice xmlns:a14="http://schemas.microsoft.com/office/drawing/2010/main" Requires="a14">
           <p:sp>
             <p:nvSpPr>
               <p:cNvPr id="17" name="TextBox 16">
@@ -8300,7 +8340,7 @@
               <a:noFill/>
             </p:spPr>
             <p:txBody>
-              <a:bodyPr wrap="none" rtlCol="0">
+              <a:bodyPr wrap="square" rtlCol="0">
                 <a:spAutoFit/>
               </a:bodyPr>
               <a:lstStyle/>
@@ -8326,7 +8366,7 @@
             </p:txBody>
           </p:sp>
         </mc:Choice>
-        <mc:Fallback xmlns="">
+        <mc:Fallback>
           <p:sp>
             <p:nvSpPr>
               <p:cNvPr id="17" name="TextBox 16">

--- a/docs/RL_Sutton_and_Barto_Figures.pptx
+++ b/docs/RL_Sutton_and_Barto_Figures.pptx
@@ -261,7 +261,7 @@
           <a:p>
             <a:fld id="{00EB4FB6-004D-5A4A-BC52-C2F18F80D6B6}" type="datetimeFigureOut">
               <a:rPr lang="en-US" smtClean="0"/>
-              <a:t>1/21/24</a:t>
+              <a:t>1/26/24</a:t>
             </a:fld>
             <a:endParaRPr lang="en-US"/>
           </a:p>
@@ -459,7 +459,7 @@
           <a:p>
             <a:fld id="{00EB4FB6-004D-5A4A-BC52-C2F18F80D6B6}" type="datetimeFigureOut">
               <a:rPr lang="en-US" smtClean="0"/>
-              <a:t>1/21/24</a:t>
+              <a:t>1/26/24</a:t>
             </a:fld>
             <a:endParaRPr lang="en-US"/>
           </a:p>
@@ -667,7 +667,7 @@
           <a:p>
             <a:fld id="{00EB4FB6-004D-5A4A-BC52-C2F18F80D6B6}" type="datetimeFigureOut">
               <a:rPr lang="en-US" smtClean="0"/>
-              <a:t>1/21/24</a:t>
+              <a:t>1/26/24</a:t>
             </a:fld>
             <a:endParaRPr lang="en-US"/>
           </a:p>
@@ -865,7 +865,7 @@
           <a:p>
             <a:fld id="{00EB4FB6-004D-5A4A-BC52-C2F18F80D6B6}" type="datetimeFigureOut">
               <a:rPr lang="en-US" smtClean="0"/>
-              <a:t>1/21/24</a:t>
+              <a:t>1/26/24</a:t>
             </a:fld>
             <a:endParaRPr lang="en-US"/>
           </a:p>
@@ -1140,7 +1140,7 @@
           <a:p>
             <a:fld id="{00EB4FB6-004D-5A4A-BC52-C2F18F80D6B6}" type="datetimeFigureOut">
               <a:rPr lang="en-US" smtClean="0"/>
-              <a:t>1/21/24</a:t>
+              <a:t>1/26/24</a:t>
             </a:fld>
             <a:endParaRPr lang="en-US"/>
           </a:p>
@@ -1405,7 +1405,7 @@
           <a:p>
             <a:fld id="{00EB4FB6-004D-5A4A-BC52-C2F18F80D6B6}" type="datetimeFigureOut">
               <a:rPr lang="en-US" smtClean="0"/>
-              <a:t>1/21/24</a:t>
+              <a:t>1/26/24</a:t>
             </a:fld>
             <a:endParaRPr lang="en-US"/>
           </a:p>
@@ -1817,7 +1817,7 @@
           <a:p>
             <a:fld id="{00EB4FB6-004D-5A4A-BC52-C2F18F80D6B6}" type="datetimeFigureOut">
               <a:rPr lang="en-US" smtClean="0"/>
-              <a:t>1/21/24</a:t>
+              <a:t>1/26/24</a:t>
             </a:fld>
             <a:endParaRPr lang="en-US"/>
           </a:p>
@@ -1958,7 +1958,7 @@
           <a:p>
             <a:fld id="{00EB4FB6-004D-5A4A-BC52-C2F18F80D6B6}" type="datetimeFigureOut">
               <a:rPr lang="en-US" smtClean="0"/>
-              <a:t>1/21/24</a:t>
+              <a:t>1/26/24</a:t>
             </a:fld>
             <a:endParaRPr lang="en-US"/>
           </a:p>
@@ -2071,7 +2071,7 @@
           <a:p>
             <a:fld id="{00EB4FB6-004D-5A4A-BC52-C2F18F80D6B6}" type="datetimeFigureOut">
               <a:rPr lang="en-US" smtClean="0"/>
-              <a:t>1/21/24</a:t>
+              <a:t>1/26/24</a:t>
             </a:fld>
             <a:endParaRPr lang="en-US"/>
           </a:p>
@@ -2382,7 +2382,7 @@
           <a:p>
             <a:fld id="{00EB4FB6-004D-5A4A-BC52-C2F18F80D6B6}" type="datetimeFigureOut">
               <a:rPr lang="en-US" smtClean="0"/>
-              <a:t>1/21/24</a:t>
+              <a:t>1/26/24</a:t>
             </a:fld>
             <a:endParaRPr lang="en-US"/>
           </a:p>
@@ -2670,7 +2670,7 @@
           <a:p>
             <a:fld id="{00EB4FB6-004D-5A4A-BC52-C2F18F80D6B6}" type="datetimeFigureOut">
               <a:rPr lang="en-US" smtClean="0"/>
-              <a:t>1/21/24</a:t>
+              <a:t>1/26/24</a:t>
             </a:fld>
             <a:endParaRPr lang="en-US"/>
           </a:p>
@@ -2911,7 +2911,7 @@
           <a:p>
             <a:fld id="{00EB4FB6-004D-5A4A-BC52-C2F18F80D6B6}" type="datetimeFigureOut">
               <a:rPr lang="en-US" smtClean="0"/>
-              <a:t>1/21/24</a:t>
+              <a:t>1/26/24</a:t>
             </a:fld>
             <a:endParaRPr lang="en-US"/>
           </a:p>
@@ -4634,8 +4634,8 @@
           </a:graphicData>
         </a:graphic>
       </p:graphicFrame>
-      <mc:AlternateContent xmlns:mc="http://schemas.openxmlformats.org/markup-compatibility/2006">
-        <mc:Choice xmlns:a14="http://schemas.microsoft.com/office/drawing/2010/main" Requires="a14">
+      <mc:AlternateContent xmlns:mc="http://schemas.openxmlformats.org/markup-compatibility/2006" xmlns:a14="http://schemas.microsoft.com/office/drawing/2010/main">
+        <mc:Choice Requires="a14">
           <p:graphicFrame>
             <p:nvGraphicFramePr>
               <p:cNvPr id="12" name="Table 4">
@@ -4651,7 +4651,7 @@
               <p:nvPr>
                 <p:extLst>
                   <p:ext uri="{D42A27DB-BD31-4B8C-83A1-F6EECF244321}">
-                    <p14:modId xmlns:p14="http://schemas.microsoft.com/office/powerpoint/2010/main" val="1792254886"/>
+                    <p14:modId xmlns:p14="http://schemas.microsoft.com/office/powerpoint/2010/main" val="3722000620"/>
                   </p:ext>
                 </p:extLst>
               </p:nvPr>
@@ -5292,18 +5292,13 @@
                         <a:lstStyle/>
                         <a:p>
                           <a:r>
-                            <a:rPr lang="en-US" sz="1000">
+                            <a:rPr lang="en-US" sz="1000" dirty="0">
                               <a:solidFill>
                                 <a:schemeClr val="tx1"/>
                               </a:solidFill>
                             </a:rPr>
                             <a:t>0.5</a:t>
                           </a:r>
-                          <a:endParaRPr lang="en-US" sz="1000" dirty="0">
-                            <a:solidFill>
-                              <a:schemeClr val="tx1"/>
-                            </a:solidFill>
-                          </a:endParaRPr>
                         </a:p>
                       </a:txBody>
                       <a:tcPr>
@@ -5358,11 +5353,14 @@
                         <a:bodyPr/>
                         <a:lstStyle/>
                         <a:p>
-                          <a:endParaRPr lang="en-US" sz="1000">
-                            <a:solidFill>
-                              <a:schemeClr val="tx1"/>
-                            </a:solidFill>
-                          </a:endParaRPr>
+                          <a:r>
+                            <a:rPr lang="en-US" sz="1000" dirty="0">
+                              <a:solidFill>
+                                <a:schemeClr val="tx1"/>
+                              </a:solidFill>
+                            </a:rPr>
+                            <a:t>0.1</a:t>
+                          </a:r>
                         </a:p>
                       </a:txBody>
                       <a:tcPr>
@@ -5410,11 +5408,14 @@
                         <a:bodyPr/>
                         <a:lstStyle/>
                         <a:p>
-                          <a:endParaRPr lang="en-US" sz="1000">
-                            <a:solidFill>
-                              <a:schemeClr val="tx1"/>
-                            </a:solidFill>
-                          </a:endParaRPr>
+                          <a:r>
+                            <a:rPr lang="en-US" sz="1000" dirty="0">
+                              <a:solidFill>
+                                <a:schemeClr val="tx1"/>
+                              </a:solidFill>
+                            </a:rPr>
+                            <a:t>0.7</a:t>
+                          </a:r>
                         </a:p>
                       </a:txBody>
                       <a:tcPr>
@@ -5462,11 +5463,14 @@
                         <a:bodyPr/>
                         <a:lstStyle/>
                         <a:p>
-                          <a:endParaRPr lang="en-US" sz="1000">
-                            <a:solidFill>
-                              <a:schemeClr val="tx1"/>
-                            </a:solidFill>
-                          </a:endParaRPr>
+                          <a:r>
+                            <a:rPr lang="en-US" sz="1000" dirty="0">
+                              <a:solidFill>
+                                <a:schemeClr val="tx1"/>
+                              </a:solidFill>
+                            </a:rPr>
+                            <a:t>0.7</a:t>
+                          </a:r>
                         </a:p>
                       </a:txBody>
                       <a:tcPr>
@@ -5514,11 +5518,14 @@
                         <a:bodyPr/>
                         <a:lstStyle/>
                         <a:p>
-                          <a:endParaRPr lang="en-US" sz="1000">
-                            <a:solidFill>
-                              <a:schemeClr val="tx1"/>
-                            </a:solidFill>
-                          </a:endParaRPr>
+                          <a:r>
+                            <a:rPr lang="en-US" sz="1000" dirty="0">
+                              <a:solidFill>
+                                <a:schemeClr val="tx1"/>
+                              </a:solidFill>
+                            </a:rPr>
+                            <a:t>0.4</a:t>
+                          </a:r>
                         </a:p>
                       </a:txBody>
                       <a:tcPr>
@@ -5566,11 +5573,14 @@
                         <a:bodyPr/>
                         <a:lstStyle/>
                         <a:p>
-                          <a:endParaRPr lang="en-US" sz="1000" dirty="0">
-                            <a:solidFill>
-                              <a:schemeClr val="tx1"/>
-                            </a:solidFill>
-                          </a:endParaRPr>
+                          <a:r>
+                            <a:rPr lang="en-US" sz="1000" dirty="0">
+                              <a:solidFill>
+                                <a:schemeClr val="tx1"/>
+                              </a:solidFill>
+                            </a:rPr>
+                            <a:t>-0.4</a:t>
+                          </a:r>
                         </a:p>
                       </a:txBody>
                       <a:tcPr>
@@ -5625,11 +5635,14 @@
                         <a:bodyPr/>
                         <a:lstStyle/>
                         <a:p>
-                          <a:endParaRPr lang="en-US" sz="1000">
-                            <a:solidFill>
-                              <a:schemeClr val="tx1"/>
-                            </a:solidFill>
-                          </a:endParaRPr>
+                          <a:r>
+                            <a:rPr lang="en-US" sz="1000" dirty="0">
+                              <a:solidFill>
+                                <a:schemeClr val="tx1"/>
+                              </a:solidFill>
+                            </a:rPr>
+                            <a:t>-1.0</a:t>
+                          </a:r>
                         </a:p>
                       </a:txBody>
                       <a:tcPr>
@@ -5677,11 +5690,14 @@
                         <a:bodyPr/>
                         <a:lstStyle/>
                         <a:p>
-                          <a:endParaRPr lang="en-US" sz="1000">
-                            <a:solidFill>
-                              <a:schemeClr val="tx1"/>
-                            </a:solidFill>
-                          </a:endParaRPr>
+                          <a:r>
+                            <a:rPr lang="en-US" sz="1000" dirty="0">
+                              <a:solidFill>
+                                <a:schemeClr val="tx1"/>
+                              </a:solidFill>
+                            </a:rPr>
+                            <a:t>-0.4</a:t>
+                          </a:r>
                         </a:p>
                       </a:txBody>
                       <a:tcPr>
@@ -5729,11 +5745,14 @@
                         <a:bodyPr/>
                         <a:lstStyle/>
                         <a:p>
-                          <a:endParaRPr lang="en-US" sz="1000">
-                            <a:solidFill>
-                              <a:schemeClr val="tx1"/>
-                            </a:solidFill>
-                          </a:endParaRPr>
+                          <a:r>
+                            <a:rPr lang="en-US" sz="1000" dirty="0">
+                              <a:solidFill>
+                                <a:schemeClr val="tx1"/>
+                              </a:solidFill>
+                            </a:rPr>
+                            <a:t>-0.4</a:t>
+                          </a:r>
                         </a:p>
                       </a:txBody>
                       <a:tcPr>
@@ -5781,11 +5800,14 @@
                         <a:bodyPr/>
                         <a:lstStyle/>
                         <a:p>
-                          <a:endParaRPr lang="en-US" sz="1000">
-                            <a:solidFill>
-                              <a:schemeClr val="tx1"/>
-                            </a:solidFill>
-                          </a:endParaRPr>
+                          <a:r>
+                            <a:rPr lang="en-US" sz="1000" dirty="0">
+                              <a:solidFill>
+                                <a:schemeClr val="tx1"/>
+                              </a:solidFill>
+                            </a:rPr>
+                            <a:t>-0.6</a:t>
+                          </a:r>
                         </a:p>
                       </a:txBody>
                       <a:tcPr>
@@ -5833,11 +5855,14 @@
                         <a:bodyPr/>
                         <a:lstStyle/>
                         <a:p>
-                          <a:endParaRPr lang="en-US" sz="1000" dirty="0">
-                            <a:solidFill>
-                              <a:schemeClr val="tx1"/>
-                            </a:solidFill>
-                          </a:endParaRPr>
+                          <a:r>
+                            <a:rPr lang="en-US" sz="1000" dirty="0">
+                              <a:solidFill>
+                                <a:schemeClr val="tx1"/>
+                              </a:solidFill>
+                            </a:rPr>
+                            <a:t>-1.2</a:t>
+                          </a:r>
                         </a:p>
                       </a:txBody>
                       <a:tcPr>
@@ -5892,11 +5917,14 @@
                         <a:bodyPr/>
                         <a:lstStyle/>
                         <a:p>
-                          <a:endParaRPr lang="en-US" sz="1000">
-                            <a:solidFill>
-                              <a:schemeClr val="tx1"/>
-                            </a:solidFill>
-                          </a:endParaRPr>
+                          <a:r>
+                            <a:rPr lang="en-US" sz="1000" dirty="0">
+                              <a:solidFill>
+                                <a:schemeClr val="tx1"/>
+                              </a:solidFill>
+                            </a:rPr>
+                            <a:t>-1.9</a:t>
+                          </a:r>
                         </a:p>
                       </a:txBody>
                       <a:tcPr>
@@ -5944,11 +5972,14 @@
                         <a:bodyPr/>
                         <a:lstStyle/>
                         <a:p>
-                          <a:endParaRPr lang="en-US" sz="1000">
-                            <a:solidFill>
-                              <a:schemeClr val="tx1"/>
-                            </a:solidFill>
-                          </a:endParaRPr>
+                          <a:r>
+                            <a:rPr lang="en-US" sz="1000" dirty="0">
+                              <a:solidFill>
+                                <a:schemeClr val="tx1"/>
+                              </a:solidFill>
+                            </a:rPr>
+                            <a:t>-1.3</a:t>
+                          </a:r>
                         </a:p>
                       </a:txBody>
                       <a:tcPr>
@@ -5996,11 +6027,14 @@
                         <a:bodyPr/>
                         <a:lstStyle/>
                         <a:p>
-                          <a:endParaRPr lang="en-US" sz="1000">
-                            <a:solidFill>
-                              <a:schemeClr val="tx1"/>
-                            </a:solidFill>
-                          </a:endParaRPr>
+                          <a:r>
+                            <a:rPr lang="en-US" sz="1000" dirty="0">
+                              <a:solidFill>
+                                <a:schemeClr val="tx1"/>
+                              </a:solidFill>
+                            </a:rPr>
+                            <a:t>-1.2</a:t>
+                          </a:r>
                         </a:p>
                       </a:txBody>
                       <a:tcPr>
@@ -6048,11 +6082,14 @@
                         <a:bodyPr/>
                         <a:lstStyle/>
                         <a:p>
-                          <a:endParaRPr lang="en-US" sz="1000" dirty="0">
-                            <a:solidFill>
-                              <a:schemeClr val="tx1"/>
-                            </a:solidFill>
-                          </a:endParaRPr>
+                          <a:r>
+                            <a:rPr lang="en-US" sz="1000" dirty="0">
+                              <a:solidFill>
+                                <a:schemeClr val="tx1"/>
+                              </a:solidFill>
+                            </a:rPr>
+                            <a:t>-1.4</a:t>
+                          </a:r>
                         </a:p>
                       </a:txBody>
                       <a:tcPr>
@@ -6100,11 +6137,14 @@
                         <a:bodyPr/>
                         <a:lstStyle/>
                         <a:p>
-                          <a:endParaRPr lang="en-US" sz="1000" dirty="0">
-                            <a:solidFill>
-                              <a:schemeClr val="tx1"/>
-                            </a:solidFill>
-                          </a:endParaRPr>
+                          <a:r>
+                            <a:rPr lang="en-US" sz="1000" dirty="0">
+                              <a:solidFill>
+                                <a:schemeClr val="tx1"/>
+                              </a:solidFill>
+                            </a:rPr>
+                            <a:t>-2.0</a:t>
+                          </a:r>
                         </a:p>
                       </a:txBody>
                       <a:tcPr>
@@ -6158,7 +6198,7 @@
             </a:graphic>
           </p:graphicFrame>
         </mc:Choice>
-        <mc:Fallback>
+        <mc:Fallback xmlns="">
           <p:graphicFrame>
             <p:nvGraphicFramePr>
               <p:cNvPr id="12" name="Table 4">
@@ -6174,7 +6214,7 @@
               <p:nvPr>
                 <p:extLst>
                   <p:ext uri="{D42A27DB-BD31-4B8C-83A1-F6EECF244321}">
-                    <p14:modId xmlns:p14="http://schemas.microsoft.com/office/powerpoint/2010/main" val="1792254886"/>
+                    <p14:modId xmlns:p14="http://schemas.microsoft.com/office/powerpoint/2010/main" val="3722000620"/>
                   </p:ext>
                 </p:extLst>
               </p:nvPr>
@@ -6725,18 +6765,13 @@
                         <a:lstStyle/>
                         <a:p>
                           <a:r>
-                            <a:rPr lang="en-US" sz="1000">
+                            <a:rPr lang="en-US" sz="1000" dirty="0">
                               <a:solidFill>
                                 <a:schemeClr val="tx1"/>
                               </a:solidFill>
                             </a:rPr>
                             <a:t>0.5</a:t>
                           </a:r>
-                          <a:endParaRPr lang="en-US" sz="1000" dirty="0">
-                            <a:solidFill>
-                              <a:schemeClr val="tx1"/>
-                            </a:solidFill>
-                          </a:endParaRPr>
                         </a:p>
                       </a:txBody>
                       <a:tcPr>
@@ -6791,11 +6826,14 @@
                         <a:bodyPr/>
                         <a:lstStyle/>
                         <a:p>
-                          <a:endParaRPr lang="en-US" sz="1000">
-                            <a:solidFill>
-                              <a:schemeClr val="tx1"/>
-                            </a:solidFill>
-                          </a:endParaRPr>
+                          <a:r>
+                            <a:rPr lang="en-US" sz="1000" dirty="0">
+                              <a:solidFill>
+                                <a:schemeClr val="tx1"/>
+                              </a:solidFill>
+                            </a:rPr>
+                            <a:t>0.1</a:t>
+                          </a:r>
                         </a:p>
                       </a:txBody>
                       <a:tcPr>
@@ -6843,11 +6881,14 @@
                         <a:bodyPr/>
                         <a:lstStyle/>
                         <a:p>
-                          <a:endParaRPr lang="en-US" sz="1000">
-                            <a:solidFill>
-                              <a:schemeClr val="tx1"/>
-                            </a:solidFill>
-                          </a:endParaRPr>
+                          <a:r>
+                            <a:rPr lang="en-US" sz="1000" dirty="0">
+                              <a:solidFill>
+                                <a:schemeClr val="tx1"/>
+                              </a:solidFill>
+                            </a:rPr>
+                            <a:t>0.7</a:t>
+                          </a:r>
                         </a:p>
                       </a:txBody>
                       <a:tcPr>
@@ -6895,11 +6936,14 @@
                         <a:bodyPr/>
                         <a:lstStyle/>
                         <a:p>
-                          <a:endParaRPr lang="en-US" sz="1000">
-                            <a:solidFill>
-                              <a:schemeClr val="tx1"/>
-                            </a:solidFill>
-                          </a:endParaRPr>
+                          <a:r>
+                            <a:rPr lang="en-US" sz="1000" dirty="0">
+                              <a:solidFill>
+                                <a:schemeClr val="tx1"/>
+                              </a:solidFill>
+                            </a:rPr>
+                            <a:t>0.7</a:t>
+                          </a:r>
                         </a:p>
                       </a:txBody>
                       <a:tcPr>
@@ -6947,11 +6991,14 @@
                         <a:bodyPr/>
                         <a:lstStyle/>
                         <a:p>
-                          <a:endParaRPr lang="en-US" sz="1000">
-                            <a:solidFill>
-                              <a:schemeClr val="tx1"/>
-                            </a:solidFill>
-                          </a:endParaRPr>
+                          <a:r>
+                            <a:rPr lang="en-US" sz="1000" dirty="0">
+                              <a:solidFill>
+                                <a:schemeClr val="tx1"/>
+                              </a:solidFill>
+                            </a:rPr>
+                            <a:t>0.4</a:t>
+                          </a:r>
                         </a:p>
                       </a:txBody>
                       <a:tcPr>
@@ -6999,11 +7046,14 @@
                         <a:bodyPr/>
                         <a:lstStyle/>
                         <a:p>
-                          <a:endParaRPr lang="en-US" sz="1000" dirty="0">
-                            <a:solidFill>
-                              <a:schemeClr val="tx1"/>
-                            </a:solidFill>
-                          </a:endParaRPr>
+                          <a:r>
+                            <a:rPr lang="en-US" sz="1000" dirty="0">
+                              <a:solidFill>
+                                <a:schemeClr val="tx1"/>
+                              </a:solidFill>
+                            </a:rPr>
+                            <a:t>-0.4</a:t>
+                          </a:r>
                         </a:p>
                       </a:txBody>
                       <a:tcPr>
@@ -7058,11 +7108,14 @@
                         <a:bodyPr/>
                         <a:lstStyle/>
                         <a:p>
-                          <a:endParaRPr lang="en-US" sz="1000">
-                            <a:solidFill>
-                              <a:schemeClr val="tx1"/>
-                            </a:solidFill>
-                          </a:endParaRPr>
+                          <a:r>
+                            <a:rPr lang="en-US" sz="1000" dirty="0">
+                              <a:solidFill>
+                                <a:schemeClr val="tx1"/>
+                              </a:solidFill>
+                            </a:rPr>
+                            <a:t>-1.0</a:t>
+                          </a:r>
                         </a:p>
                       </a:txBody>
                       <a:tcPr>
@@ -7110,11 +7163,14 @@
                         <a:bodyPr/>
                         <a:lstStyle/>
                         <a:p>
-                          <a:endParaRPr lang="en-US" sz="1000">
-                            <a:solidFill>
-                              <a:schemeClr val="tx1"/>
-                            </a:solidFill>
-                          </a:endParaRPr>
+                          <a:r>
+                            <a:rPr lang="en-US" sz="1000" dirty="0">
+                              <a:solidFill>
+                                <a:schemeClr val="tx1"/>
+                              </a:solidFill>
+                            </a:rPr>
+                            <a:t>-0.4</a:t>
+                          </a:r>
                         </a:p>
                       </a:txBody>
                       <a:tcPr>
@@ -7162,11 +7218,14 @@
                         <a:bodyPr/>
                         <a:lstStyle/>
                         <a:p>
-                          <a:endParaRPr lang="en-US" sz="1000">
-                            <a:solidFill>
-                              <a:schemeClr val="tx1"/>
-                            </a:solidFill>
-                          </a:endParaRPr>
+                          <a:r>
+                            <a:rPr lang="en-US" sz="1000" dirty="0">
+                              <a:solidFill>
+                                <a:schemeClr val="tx1"/>
+                              </a:solidFill>
+                            </a:rPr>
+                            <a:t>-0.4</a:t>
+                          </a:r>
                         </a:p>
                       </a:txBody>
                       <a:tcPr>
@@ -7214,11 +7273,14 @@
                         <a:bodyPr/>
                         <a:lstStyle/>
                         <a:p>
-                          <a:endParaRPr lang="en-US" sz="1000">
-                            <a:solidFill>
-                              <a:schemeClr val="tx1"/>
-                            </a:solidFill>
-                          </a:endParaRPr>
+                          <a:r>
+                            <a:rPr lang="en-US" sz="1000" dirty="0">
+                              <a:solidFill>
+                                <a:schemeClr val="tx1"/>
+                              </a:solidFill>
+                            </a:rPr>
+                            <a:t>-0.6</a:t>
+                          </a:r>
                         </a:p>
                       </a:txBody>
                       <a:tcPr>
@@ -7266,11 +7328,14 @@
                         <a:bodyPr/>
                         <a:lstStyle/>
                         <a:p>
-                          <a:endParaRPr lang="en-US" sz="1000" dirty="0">
-                            <a:solidFill>
-                              <a:schemeClr val="tx1"/>
-                            </a:solidFill>
-                          </a:endParaRPr>
+                          <a:r>
+                            <a:rPr lang="en-US" sz="1000" dirty="0">
+                              <a:solidFill>
+                                <a:schemeClr val="tx1"/>
+                              </a:solidFill>
+                            </a:rPr>
+                            <a:t>-1.2</a:t>
+                          </a:r>
                         </a:p>
                       </a:txBody>
                       <a:tcPr>
@@ -7325,11 +7390,14 @@
                         <a:bodyPr/>
                         <a:lstStyle/>
                         <a:p>
-                          <a:endParaRPr lang="en-US" sz="1000">
-                            <a:solidFill>
-                              <a:schemeClr val="tx1"/>
-                            </a:solidFill>
-                          </a:endParaRPr>
+                          <a:r>
+                            <a:rPr lang="en-US" sz="1000" dirty="0">
+                              <a:solidFill>
+                                <a:schemeClr val="tx1"/>
+                              </a:solidFill>
+                            </a:rPr>
+                            <a:t>-1.9</a:t>
+                          </a:r>
                         </a:p>
                       </a:txBody>
                       <a:tcPr>
@@ -7377,11 +7445,14 @@
                         <a:bodyPr/>
                         <a:lstStyle/>
                         <a:p>
-                          <a:endParaRPr lang="en-US" sz="1000">
-                            <a:solidFill>
-                              <a:schemeClr val="tx1"/>
-                            </a:solidFill>
-                          </a:endParaRPr>
+                          <a:r>
+                            <a:rPr lang="en-US" sz="1000" dirty="0">
+                              <a:solidFill>
+                                <a:schemeClr val="tx1"/>
+                              </a:solidFill>
+                            </a:rPr>
+                            <a:t>-1.3</a:t>
+                          </a:r>
                         </a:p>
                       </a:txBody>
                       <a:tcPr>
@@ -7429,11 +7500,14 @@
                         <a:bodyPr/>
                         <a:lstStyle/>
                         <a:p>
-                          <a:endParaRPr lang="en-US" sz="1000">
-                            <a:solidFill>
-                              <a:schemeClr val="tx1"/>
-                            </a:solidFill>
-                          </a:endParaRPr>
+                          <a:r>
+                            <a:rPr lang="en-US" sz="1000" dirty="0">
+                              <a:solidFill>
+                                <a:schemeClr val="tx1"/>
+                              </a:solidFill>
+                            </a:rPr>
+                            <a:t>-1.2</a:t>
+                          </a:r>
                         </a:p>
                       </a:txBody>
                       <a:tcPr>
@@ -7481,11 +7555,14 @@
                         <a:bodyPr/>
                         <a:lstStyle/>
                         <a:p>
-                          <a:endParaRPr lang="en-US" sz="1000" dirty="0">
-                            <a:solidFill>
-                              <a:schemeClr val="tx1"/>
-                            </a:solidFill>
-                          </a:endParaRPr>
+                          <a:r>
+                            <a:rPr lang="en-US" sz="1000" dirty="0">
+                              <a:solidFill>
+                                <a:schemeClr val="tx1"/>
+                              </a:solidFill>
+                            </a:rPr>
+                            <a:t>-1.4</a:t>
+                          </a:r>
                         </a:p>
                       </a:txBody>
                       <a:tcPr>
@@ -7533,11 +7610,14 @@
                         <a:bodyPr/>
                         <a:lstStyle/>
                         <a:p>
-                          <a:endParaRPr lang="en-US" sz="1000" dirty="0">
-                            <a:solidFill>
-                              <a:schemeClr val="tx1"/>
-                            </a:solidFill>
-                          </a:endParaRPr>
+                          <a:r>
+                            <a:rPr lang="en-US" sz="1000" dirty="0">
+                              <a:solidFill>
+                                <a:schemeClr val="tx1"/>
+                              </a:solidFill>
+                            </a:rPr>
+                            <a:t>-2.0</a:t>
+                          </a:r>
                         </a:p>
                       </a:txBody>
                       <a:tcPr>
@@ -8315,8 +8395,8 @@
           </mc:Fallback>
         </mc:AlternateContent>
       </p:grpSp>
-      <mc:AlternateContent xmlns:mc="http://schemas.openxmlformats.org/markup-compatibility/2006">
-        <mc:Choice xmlns:a14="http://schemas.microsoft.com/office/drawing/2010/main" Requires="a14">
+      <mc:AlternateContent xmlns:mc="http://schemas.openxmlformats.org/markup-compatibility/2006" xmlns:a14="http://schemas.microsoft.com/office/drawing/2010/main">
+        <mc:Choice Requires="a14">
           <p:sp>
             <p:nvSpPr>
               <p:cNvPr id="17" name="TextBox 16">
@@ -8366,7 +8446,7 @@
             </p:txBody>
           </p:sp>
         </mc:Choice>
-        <mc:Fallback>
+        <mc:Fallback xmlns="">
           <p:sp>
             <p:nvSpPr>
               <p:cNvPr id="17" name="TextBox 16">

--- a/docs/RL_Sutton_and_Barto_Figures.pptx
+++ b/docs/RL_Sutton_and_Barto_Figures.pptx
@@ -261,7 +261,7 @@
           <a:p>
             <a:fld id="{00EB4FB6-004D-5A4A-BC52-C2F18F80D6B6}" type="datetimeFigureOut">
               <a:rPr lang="en-US" smtClean="0"/>
-              <a:t>1/26/24</a:t>
+              <a:t>3/4/24</a:t>
             </a:fld>
             <a:endParaRPr lang="en-US"/>
           </a:p>
@@ -459,7 +459,7 @@
           <a:p>
             <a:fld id="{00EB4FB6-004D-5A4A-BC52-C2F18F80D6B6}" type="datetimeFigureOut">
               <a:rPr lang="en-US" smtClean="0"/>
-              <a:t>1/26/24</a:t>
+              <a:t>3/4/24</a:t>
             </a:fld>
             <a:endParaRPr lang="en-US"/>
           </a:p>
@@ -667,7 +667,7 @@
           <a:p>
             <a:fld id="{00EB4FB6-004D-5A4A-BC52-C2F18F80D6B6}" type="datetimeFigureOut">
               <a:rPr lang="en-US" smtClean="0"/>
-              <a:t>1/26/24</a:t>
+              <a:t>3/4/24</a:t>
             </a:fld>
             <a:endParaRPr lang="en-US"/>
           </a:p>
@@ -865,7 +865,7 @@
           <a:p>
             <a:fld id="{00EB4FB6-004D-5A4A-BC52-C2F18F80D6B6}" type="datetimeFigureOut">
               <a:rPr lang="en-US" smtClean="0"/>
-              <a:t>1/26/24</a:t>
+              <a:t>3/4/24</a:t>
             </a:fld>
             <a:endParaRPr lang="en-US"/>
           </a:p>
@@ -1140,7 +1140,7 @@
           <a:p>
             <a:fld id="{00EB4FB6-004D-5A4A-BC52-C2F18F80D6B6}" type="datetimeFigureOut">
               <a:rPr lang="en-US" smtClean="0"/>
-              <a:t>1/26/24</a:t>
+              <a:t>3/4/24</a:t>
             </a:fld>
             <a:endParaRPr lang="en-US"/>
           </a:p>
@@ -1405,7 +1405,7 @@
           <a:p>
             <a:fld id="{00EB4FB6-004D-5A4A-BC52-C2F18F80D6B6}" type="datetimeFigureOut">
               <a:rPr lang="en-US" smtClean="0"/>
-              <a:t>1/26/24</a:t>
+              <a:t>3/4/24</a:t>
             </a:fld>
             <a:endParaRPr lang="en-US"/>
           </a:p>
@@ -1817,7 +1817,7 @@
           <a:p>
             <a:fld id="{00EB4FB6-004D-5A4A-BC52-C2F18F80D6B6}" type="datetimeFigureOut">
               <a:rPr lang="en-US" smtClean="0"/>
-              <a:t>1/26/24</a:t>
+              <a:t>3/4/24</a:t>
             </a:fld>
             <a:endParaRPr lang="en-US"/>
           </a:p>
@@ -1958,7 +1958,7 @@
           <a:p>
             <a:fld id="{00EB4FB6-004D-5A4A-BC52-C2F18F80D6B6}" type="datetimeFigureOut">
               <a:rPr lang="en-US" smtClean="0"/>
-              <a:t>1/26/24</a:t>
+              <a:t>3/4/24</a:t>
             </a:fld>
             <a:endParaRPr lang="en-US"/>
           </a:p>
@@ -2071,7 +2071,7 @@
           <a:p>
             <a:fld id="{00EB4FB6-004D-5A4A-BC52-C2F18F80D6B6}" type="datetimeFigureOut">
               <a:rPr lang="en-US" smtClean="0"/>
-              <a:t>1/26/24</a:t>
+              <a:t>3/4/24</a:t>
             </a:fld>
             <a:endParaRPr lang="en-US"/>
           </a:p>
@@ -2382,7 +2382,7 @@
           <a:p>
             <a:fld id="{00EB4FB6-004D-5A4A-BC52-C2F18F80D6B6}" type="datetimeFigureOut">
               <a:rPr lang="en-US" smtClean="0"/>
-              <a:t>1/26/24</a:t>
+              <a:t>3/4/24</a:t>
             </a:fld>
             <a:endParaRPr lang="en-US"/>
           </a:p>
@@ -2670,7 +2670,7 @@
           <a:p>
             <a:fld id="{00EB4FB6-004D-5A4A-BC52-C2F18F80D6B6}" type="datetimeFigureOut">
               <a:rPr lang="en-US" smtClean="0"/>
-              <a:t>1/26/24</a:t>
+              <a:t>3/4/24</a:t>
             </a:fld>
             <a:endParaRPr lang="en-US"/>
           </a:p>
@@ -2911,7 +2911,7 @@
           <a:p>
             <a:fld id="{00EB4FB6-004D-5A4A-BC52-C2F18F80D6B6}" type="datetimeFigureOut">
               <a:rPr lang="en-US" smtClean="0"/>
-              <a:t>1/26/24</a:t>
+              <a:t>3/4/24</a:t>
             </a:fld>
             <a:endParaRPr lang="en-US"/>
           </a:p>
@@ -8491,6 +8491,928 @@
           </p:sp>
         </mc:Fallback>
       </mc:AlternateContent>
+      <p:graphicFrame>
+        <p:nvGraphicFramePr>
+          <p:cNvPr id="33" name="Table 33">
+            <a:extLst>
+              <a:ext uri="{FF2B5EF4-FFF2-40B4-BE49-F238E27FC236}">
+                <a16:creationId xmlns:a16="http://schemas.microsoft.com/office/drawing/2014/main" id="{33104051-67DF-05B6-7ABC-96F84AF40451}"/>
+              </a:ext>
+            </a:extLst>
+          </p:cNvPr>
+          <p:cNvGraphicFramePr>
+            <a:graphicFrameLocks noGrp="1"/>
+          </p:cNvGraphicFramePr>
+          <p:nvPr>
+            <p:extLst>
+              <p:ext uri="{D42A27DB-BD31-4B8C-83A1-F6EECF244321}">
+                <p14:modId xmlns:p14="http://schemas.microsoft.com/office/powerpoint/2010/main" val="2611462321"/>
+              </p:ext>
+            </p:extLst>
+          </p:nvPr>
+        </p:nvGraphicFramePr>
+        <p:xfrm>
+          <a:off x="2727896" y="3574450"/>
+          <a:ext cx="1876988" cy="1772348"/>
+        </p:xfrm>
+        <a:graphic>
+          <a:graphicData uri="http://schemas.openxmlformats.org/drawingml/2006/table">
+            <a:tbl>
+              <a:tblPr firstRow="1" bandRow="1">
+                <a:tableStyleId>{5C22544A-7EE6-4342-B048-85BDC9FD1C3A}</a:tableStyleId>
+              </a:tblPr>
+              <a:tblGrid>
+                <a:gridCol w="469247">
+                  <a:extLst>
+                    <a:ext uri="{9D8B030D-6E8A-4147-A177-3AD203B41FA5}">
+                      <a16:colId xmlns:a16="http://schemas.microsoft.com/office/drawing/2014/main" val="4073655064"/>
+                    </a:ext>
+                  </a:extLst>
+                </a:gridCol>
+                <a:gridCol w="469247">
+                  <a:extLst>
+                    <a:ext uri="{9D8B030D-6E8A-4147-A177-3AD203B41FA5}">
+                      <a16:colId xmlns:a16="http://schemas.microsoft.com/office/drawing/2014/main" val="1116368224"/>
+                    </a:ext>
+                  </a:extLst>
+                </a:gridCol>
+                <a:gridCol w="469247">
+                  <a:extLst>
+                    <a:ext uri="{9D8B030D-6E8A-4147-A177-3AD203B41FA5}">
+                      <a16:colId xmlns:a16="http://schemas.microsoft.com/office/drawing/2014/main" val="711063651"/>
+                    </a:ext>
+                  </a:extLst>
+                </a:gridCol>
+                <a:gridCol w="469247">
+                  <a:extLst>
+                    <a:ext uri="{9D8B030D-6E8A-4147-A177-3AD203B41FA5}">
+                      <a16:colId xmlns:a16="http://schemas.microsoft.com/office/drawing/2014/main" val="2554178642"/>
+                    </a:ext>
+                  </a:extLst>
+                </a:gridCol>
+              </a:tblGrid>
+              <a:tr h="443087">
+                <a:tc>
+                  <a:txBody>
+                    <a:bodyPr/>
+                    <a:lstStyle/>
+                    <a:p>
+                      <a:endParaRPr lang="en-US" dirty="0"/>
+                    </a:p>
+                  </a:txBody>
+                  <a:tcPr>
+                    <a:lnL w="12700" cap="flat" cmpd="sng" algn="ctr">
+                      <a:solidFill>
+                        <a:schemeClr val="tx1"/>
+                      </a:solidFill>
+                      <a:prstDash val="solid"/>
+                      <a:round/>
+                      <a:headEnd type="none" w="med" len="med"/>
+                      <a:tailEnd type="none" w="med" len="med"/>
+                    </a:lnL>
+                    <a:lnR w="12700" cap="flat" cmpd="sng" algn="ctr">
+                      <a:solidFill>
+                        <a:schemeClr val="tx1"/>
+                      </a:solidFill>
+                      <a:prstDash val="solid"/>
+                      <a:round/>
+                      <a:headEnd type="none" w="med" len="med"/>
+                      <a:tailEnd type="none" w="med" len="med"/>
+                    </a:lnR>
+                    <a:lnT w="12700" cap="flat" cmpd="sng" algn="ctr">
+                      <a:solidFill>
+                        <a:schemeClr val="tx1"/>
+                      </a:solidFill>
+                      <a:prstDash val="solid"/>
+                      <a:round/>
+                      <a:headEnd type="none" w="med" len="med"/>
+                      <a:tailEnd type="none" w="med" len="med"/>
+                    </a:lnT>
+                    <a:lnB w="12700" cap="flat" cmpd="sng" algn="ctr">
+                      <a:solidFill>
+                        <a:schemeClr val="tx1"/>
+                      </a:solidFill>
+                      <a:prstDash val="solid"/>
+                      <a:round/>
+                      <a:headEnd type="none" w="med" len="med"/>
+                      <a:tailEnd type="none" w="med" len="med"/>
+                    </a:lnB>
+                    <a:solidFill>
+                      <a:schemeClr val="tx1">
+                        <a:alpha val="41647"/>
+                      </a:schemeClr>
+                    </a:solidFill>
+                  </a:tcPr>
+                </a:tc>
+                <a:tc>
+                  <a:txBody>
+                    <a:bodyPr/>
+                    <a:lstStyle/>
+                    <a:p>
+                      <a:r>
+                        <a:rPr lang="en-US" sz="1000" dirty="0">
+                          <a:solidFill>
+                            <a:schemeClr val="tx1"/>
+                          </a:solidFill>
+                        </a:rPr>
+                        <a:t>1</a:t>
+                      </a:r>
+                    </a:p>
+                  </a:txBody>
+                  <a:tcPr>
+                    <a:lnL w="12700" cap="flat" cmpd="sng" algn="ctr">
+                      <a:solidFill>
+                        <a:schemeClr val="tx1"/>
+                      </a:solidFill>
+                      <a:prstDash val="solid"/>
+                      <a:round/>
+                      <a:headEnd type="none" w="med" len="med"/>
+                      <a:tailEnd type="none" w="med" len="med"/>
+                    </a:lnL>
+                    <a:lnR w="12700" cap="flat" cmpd="sng" algn="ctr">
+                      <a:solidFill>
+                        <a:schemeClr val="tx1"/>
+                      </a:solidFill>
+                      <a:prstDash val="solid"/>
+                      <a:round/>
+                      <a:headEnd type="none" w="med" len="med"/>
+                      <a:tailEnd type="none" w="med" len="med"/>
+                    </a:lnR>
+                    <a:lnT w="12700" cap="flat" cmpd="sng" algn="ctr">
+                      <a:solidFill>
+                        <a:schemeClr val="tx1"/>
+                      </a:solidFill>
+                      <a:prstDash val="solid"/>
+                      <a:round/>
+                      <a:headEnd type="none" w="med" len="med"/>
+                      <a:tailEnd type="none" w="med" len="med"/>
+                    </a:lnT>
+                    <a:lnB w="12700" cap="flat" cmpd="sng" algn="ctr">
+                      <a:solidFill>
+                        <a:schemeClr val="tx1"/>
+                      </a:solidFill>
+                      <a:prstDash val="solid"/>
+                      <a:round/>
+                      <a:headEnd type="none" w="med" len="med"/>
+                      <a:tailEnd type="none" w="med" len="med"/>
+                    </a:lnB>
+                    <a:noFill/>
+                  </a:tcPr>
+                </a:tc>
+                <a:tc>
+                  <a:txBody>
+                    <a:bodyPr/>
+                    <a:lstStyle/>
+                    <a:p>
+                      <a:r>
+                        <a:rPr lang="en-US" sz="1000" dirty="0">
+                          <a:solidFill>
+                            <a:schemeClr val="tx1"/>
+                          </a:solidFill>
+                        </a:rPr>
+                        <a:t>2</a:t>
+                      </a:r>
+                    </a:p>
+                  </a:txBody>
+                  <a:tcPr>
+                    <a:lnL w="12700" cap="flat" cmpd="sng" algn="ctr">
+                      <a:solidFill>
+                        <a:schemeClr val="tx1"/>
+                      </a:solidFill>
+                      <a:prstDash val="solid"/>
+                      <a:round/>
+                      <a:headEnd type="none" w="med" len="med"/>
+                      <a:tailEnd type="none" w="med" len="med"/>
+                    </a:lnL>
+                    <a:lnR w="12700" cap="flat" cmpd="sng" algn="ctr">
+                      <a:solidFill>
+                        <a:schemeClr val="tx1"/>
+                      </a:solidFill>
+                      <a:prstDash val="solid"/>
+                      <a:round/>
+                      <a:headEnd type="none" w="med" len="med"/>
+                      <a:tailEnd type="none" w="med" len="med"/>
+                    </a:lnR>
+                    <a:lnT w="12700" cap="flat" cmpd="sng" algn="ctr">
+                      <a:solidFill>
+                        <a:schemeClr val="tx1"/>
+                      </a:solidFill>
+                      <a:prstDash val="solid"/>
+                      <a:round/>
+                      <a:headEnd type="none" w="med" len="med"/>
+                      <a:tailEnd type="none" w="med" len="med"/>
+                    </a:lnT>
+                    <a:lnB w="12700" cap="flat" cmpd="sng" algn="ctr">
+                      <a:solidFill>
+                        <a:schemeClr val="tx1"/>
+                      </a:solidFill>
+                      <a:prstDash val="solid"/>
+                      <a:round/>
+                      <a:headEnd type="none" w="med" len="med"/>
+                      <a:tailEnd type="none" w="med" len="med"/>
+                    </a:lnB>
+                    <a:noFill/>
+                  </a:tcPr>
+                </a:tc>
+                <a:tc>
+                  <a:txBody>
+                    <a:bodyPr/>
+                    <a:lstStyle/>
+                    <a:p>
+                      <a:r>
+                        <a:rPr lang="en-US" sz="1000" dirty="0">
+                          <a:solidFill>
+                            <a:schemeClr val="tx1"/>
+                          </a:solidFill>
+                        </a:rPr>
+                        <a:t>3</a:t>
+                      </a:r>
+                    </a:p>
+                  </a:txBody>
+                  <a:tcPr>
+                    <a:lnL w="12700" cap="flat" cmpd="sng" algn="ctr">
+                      <a:solidFill>
+                        <a:schemeClr val="tx1"/>
+                      </a:solidFill>
+                      <a:prstDash val="solid"/>
+                      <a:round/>
+                      <a:headEnd type="none" w="med" len="med"/>
+                      <a:tailEnd type="none" w="med" len="med"/>
+                    </a:lnL>
+                    <a:lnR w="12700" cap="flat" cmpd="sng" algn="ctr">
+                      <a:solidFill>
+                        <a:schemeClr val="tx1"/>
+                      </a:solidFill>
+                      <a:prstDash val="solid"/>
+                      <a:round/>
+                      <a:headEnd type="none" w="med" len="med"/>
+                      <a:tailEnd type="none" w="med" len="med"/>
+                    </a:lnR>
+                    <a:lnT w="12700" cap="flat" cmpd="sng" algn="ctr">
+                      <a:solidFill>
+                        <a:schemeClr val="tx1"/>
+                      </a:solidFill>
+                      <a:prstDash val="solid"/>
+                      <a:round/>
+                      <a:headEnd type="none" w="med" len="med"/>
+                      <a:tailEnd type="none" w="med" len="med"/>
+                    </a:lnT>
+                    <a:lnB w="12700" cap="flat" cmpd="sng" algn="ctr">
+                      <a:solidFill>
+                        <a:schemeClr val="tx1"/>
+                      </a:solidFill>
+                      <a:prstDash val="solid"/>
+                      <a:round/>
+                      <a:headEnd type="none" w="med" len="med"/>
+                      <a:tailEnd type="none" w="med" len="med"/>
+                    </a:lnB>
+                    <a:noFill/>
+                  </a:tcPr>
+                </a:tc>
+                <a:extLst>
+                  <a:ext uri="{0D108BD9-81ED-4DB2-BD59-A6C34878D82A}">
+                    <a16:rowId xmlns:a16="http://schemas.microsoft.com/office/drawing/2014/main" val="2166536160"/>
+                  </a:ext>
+                </a:extLst>
+              </a:tr>
+              <a:tr h="443087">
+                <a:tc>
+                  <a:txBody>
+                    <a:bodyPr/>
+                    <a:lstStyle/>
+                    <a:p>
+                      <a:r>
+                        <a:rPr lang="en-US" sz="1000" dirty="0"/>
+                        <a:t>4</a:t>
+                      </a:r>
+                    </a:p>
+                  </a:txBody>
+                  <a:tcPr>
+                    <a:lnL w="12700" cap="flat" cmpd="sng" algn="ctr">
+                      <a:solidFill>
+                        <a:schemeClr val="tx1"/>
+                      </a:solidFill>
+                      <a:prstDash val="solid"/>
+                      <a:round/>
+                      <a:headEnd type="none" w="med" len="med"/>
+                      <a:tailEnd type="none" w="med" len="med"/>
+                    </a:lnL>
+                    <a:lnR w="12700" cap="flat" cmpd="sng" algn="ctr">
+                      <a:solidFill>
+                        <a:schemeClr val="tx1"/>
+                      </a:solidFill>
+                      <a:prstDash val="solid"/>
+                      <a:round/>
+                      <a:headEnd type="none" w="med" len="med"/>
+                      <a:tailEnd type="none" w="med" len="med"/>
+                    </a:lnR>
+                    <a:lnT w="12700" cap="flat" cmpd="sng" algn="ctr">
+                      <a:solidFill>
+                        <a:schemeClr val="tx1"/>
+                      </a:solidFill>
+                      <a:prstDash val="solid"/>
+                      <a:round/>
+                      <a:headEnd type="none" w="med" len="med"/>
+                      <a:tailEnd type="none" w="med" len="med"/>
+                    </a:lnT>
+                    <a:lnB w="12700" cap="flat" cmpd="sng" algn="ctr">
+                      <a:solidFill>
+                        <a:schemeClr val="tx1"/>
+                      </a:solidFill>
+                      <a:prstDash val="solid"/>
+                      <a:round/>
+                      <a:headEnd type="none" w="med" len="med"/>
+                      <a:tailEnd type="none" w="med" len="med"/>
+                    </a:lnB>
+                    <a:noFill/>
+                  </a:tcPr>
+                </a:tc>
+                <a:tc>
+                  <a:txBody>
+                    <a:bodyPr/>
+                    <a:lstStyle/>
+                    <a:p>
+                      <a:r>
+                        <a:rPr lang="en-US" sz="1000" dirty="0"/>
+                        <a:t>5</a:t>
+                      </a:r>
+                    </a:p>
+                  </a:txBody>
+                  <a:tcPr>
+                    <a:lnL w="12700" cap="flat" cmpd="sng" algn="ctr">
+                      <a:solidFill>
+                        <a:schemeClr val="tx1"/>
+                      </a:solidFill>
+                      <a:prstDash val="solid"/>
+                      <a:round/>
+                      <a:headEnd type="none" w="med" len="med"/>
+                      <a:tailEnd type="none" w="med" len="med"/>
+                    </a:lnL>
+                    <a:lnR w="12700" cap="flat" cmpd="sng" algn="ctr">
+                      <a:solidFill>
+                        <a:schemeClr val="tx1"/>
+                      </a:solidFill>
+                      <a:prstDash val="solid"/>
+                      <a:round/>
+                      <a:headEnd type="none" w="med" len="med"/>
+                      <a:tailEnd type="none" w="med" len="med"/>
+                    </a:lnR>
+                    <a:lnT w="12700" cap="flat" cmpd="sng" algn="ctr">
+                      <a:solidFill>
+                        <a:schemeClr val="tx1"/>
+                      </a:solidFill>
+                      <a:prstDash val="solid"/>
+                      <a:round/>
+                      <a:headEnd type="none" w="med" len="med"/>
+                      <a:tailEnd type="none" w="med" len="med"/>
+                    </a:lnT>
+                    <a:lnB w="12700" cap="flat" cmpd="sng" algn="ctr">
+                      <a:solidFill>
+                        <a:schemeClr val="tx1"/>
+                      </a:solidFill>
+                      <a:prstDash val="solid"/>
+                      <a:round/>
+                      <a:headEnd type="none" w="med" len="med"/>
+                      <a:tailEnd type="none" w="med" len="med"/>
+                    </a:lnB>
+                    <a:noFill/>
+                  </a:tcPr>
+                </a:tc>
+                <a:tc>
+                  <a:txBody>
+                    <a:bodyPr/>
+                    <a:lstStyle/>
+                    <a:p>
+                      <a:r>
+                        <a:rPr lang="en-US" sz="1000" dirty="0"/>
+                        <a:t>6</a:t>
+                      </a:r>
+                    </a:p>
+                  </a:txBody>
+                  <a:tcPr>
+                    <a:lnL w="12700" cap="flat" cmpd="sng" algn="ctr">
+                      <a:solidFill>
+                        <a:schemeClr val="tx1"/>
+                      </a:solidFill>
+                      <a:prstDash val="solid"/>
+                      <a:round/>
+                      <a:headEnd type="none" w="med" len="med"/>
+                      <a:tailEnd type="none" w="med" len="med"/>
+                    </a:lnL>
+                    <a:lnR w="12700" cap="flat" cmpd="sng" algn="ctr">
+                      <a:solidFill>
+                        <a:schemeClr val="tx1"/>
+                      </a:solidFill>
+                      <a:prstDash val="solid"/>
+                      <a:round/>
+                      <a:headEnd type="none" w="med" len="med"/>
+                      <a:tailEnd type="none" w="med" len="med"/>
+                    </a:lnR>
+                    <a:lnT w="12700" cap="flat" cmpd="sng" algn="ctr">
+                      <a:solidFill>
+                        <a:schemeClr val="tx1"/>
+                      </a:solidFill>
+                      <a:prstDash val="solid"/>
+                      <a:round/>
+                      <a:headEnd type="none" w="med" len="med"/>
+                      <a:tailEnd type="none" w="med" len="med"/>
+                    </a:lnT>
+                    <a:lnB w="12700" cap="flat" cmpd="sng" algn="ctr">
+                      <a:solidFill>
+                        <a:schemeClr val="tx1"/>
+                      </a:solidFill>
+                      <a:prstDash val="solid"/>
+                      <a:round/>
+                      <a:headEnd type="none" w="med" len="med"/>
+                      <a:tailEnd type="none" w="med" len="med"/>
+                    </a:lnB>
+                    <a:noFill/>
+                  </a:tcPr>
+                </a:tc>
+                <a:tc>
+                  <a:txBody>
+                    <a:bodyPr/>
+                    <a:lstStyle/>
+                    <a:p>
+                      <a:r>
+                        <a:rPr lang="en-US" sz="1000" dirty="0"/>
+                        <a:t>7</a:t>
+                      </a:r>
+                    </a:p>
+                  </a:txBody>
+                  <a:tcPr>
+                    <a:lnL w="12700" cap="flat" cmpd="sng" algn="ctr">
+                      <a:solidFill>
+                        <a:schemeClr val="tx1"/>
+                      </a:solidFill>
+                      <a:prstDash val="solid"/>
+                      <a:round/>
+                      <a:headEnd type="none" w="med" len="med"/>
+                      <a:tailEnd type="none" w="med" len="med"/>
+                    </a:lnL>
+                    <a:lnR w="12700" cap="flat" cmpd="sng" algn="ctr">
+                      <a:solidFill>
+                        <a:schemeClr val="tx1"/>
+                      </a:solidFill>
+                      <a:prstDash val="solid"/>
+                      <a:round/>
+                      <a:headEnd type="none" w="med" len="med"/>
+                      <a:tailEnd type="none" w="med" len="med"/>
+                    </a:lnR>
+                    <a:lnT w="12700" cap="flat" cmpd="sng" algn="ctr">
+                      <a:solidFill>
+                        <a:schemeClr val="tx1"/>
+                      </a:solidFill>
+                      <a:prstDash val="solid"/>
+                      <a:round/>
+                      <a:headEnd type="none" w="med" len="med"/>
+                      <a:tailEnd type="none" w="med" len="med"/>
+                    </a:lnT>
+                    <a:lnB w="12700" cap="flat" cmpd="sng" algn="ctr">
+                      <a:solidFill>
+                        <a:schemeClr val="tx1"/>
+                      </a:solidFill>
+                      <a:prstDash val="solid"/>
+                      <a:round/>
+                      <a:headEnd type="none" w="med" len="med"/>
+                      <a:tailEnd type="none" w="med" len="med"/>
+                    </a:lnB>
+                    <a:noFill/>
+                  </a:tcPr>
+                </a:tc>
+                <a:extLst>
+                  <a:ext uri="{0D108BD9-81ED-4DB2-BD59-A6C34878D82A}">
+                    <a16:rowId xmlns:a16="http://schemas.microsoft.com/office/drawing/2014/main" val="4151281094"/>
+                  </a:ext>
+                </a:extLst>
+              </a:tr>
+              <a:tr h="443087">
+                <a:tc>
+                  <a:txBody>
+                    <a:bodyPr/>
+                    <a:lstStyle/>
+                    <a:p>
+                      <a:r>
+                        <a:rPr lang="en-US" sz="1000" dirty="0"/>
+                        <a:t>8</a:t>
+                      </a:r>
+                    </a:p>
+                  </a:txBody>
+                  <a:tcPr>
+                    <a:lnL w="12700" cap="flat" cmpd="sng" algn="ctr">
+                      <a:solidFill>
+                        <a:schemeClr val="tx1"/>
+                      </a:solidFill>
+                      <a:prstDash val="solid"/>
+                      <a:round/>
+                      <a:headEnd type="none" w="med" len="med"/>
+                      <a:tailEnd type="none" w="med" len="med"/>
+                    </a:lnL>
+                    <a:lnR w="12700" cap="flat" cmpd="sng" algn="ctr">
+                      <a:solidFill>
+                        <a:schemeClr val="tx1"/>
+                      </a:solidFill>
+                      <a:prstDash val="solid"/>
+                      <a:round/>
+                      <a:headEnd type="none" w="med" len="med"/>
+                      <a:tailEnd type="none" w="med" len="med"/>
+                    </a:lnR>
+                    <a:lnT w="12700" cap="flat" cmpd="sng" algn="ctr">
+                      <a:solidFill>
+                        <a:schemeClr val="tx1"/>
+                      </a:solidFill>
+                      <a:prstDash val="solid"/>
+                      <a:round/>
+                      <a:headEnd type="none" w="med" len="med"/>
+                      <a:tailEnd type="none" w="med" len="med"/>
+                    </a:lnT>
+                    <a:lnB w="12700" cap="flat" cmpd="sng" algn="ctr">
+                      <a:solidFill>
+                        <a:schemeClr val="tx1"/>
+                      </a:solidFill>
+                      <a:prstDash val="solid"/>
+                      <a:round/>
+                      <a:headEnd type="none" w="med" len="med"/>
+                      <a:tailEnd type="none" w="med" len="med"/>
+                    </a:lnB>
+                    <a:noFill/>
+                  </a:tcPr>
+                </a:tc>
+                <a:tc>
+                  <a:txBody>
+                    <a:bodyPr/>
+                    <a:lstStyle/>
+                    <a:p>
+                      <a:r>
+                        <a:rPr lang="en-US" sz="1000" dirty="0"/>
+                        <a:t>9</a:t>
+                      </a:r>
+                    </a:p>
+                  </a:txBody>
+                  <a:tcPr>
+                    <a:lnL w="12700" cap="flat" cmpd="sng" algn="ctr">
+                      <a:solidFill>
+                        <a:schemeClr val="tx1"/>
+                      </a:solidFill>
+                      <a:prstDash val="solid"/>
+                      <a:round/>
+                      <a:headEnd type="none" w="med" len="med"/>
+                      <a:tailEnd type="none" w="med" len="med"/>
+                    </a:lnL>
+                    <a:lnR w="12700" cap="flat" cmpd="sng" algn="ctr">
+                      <a:solidFill>
+                        <a:schemeClr val="tx1"/>
+                      </a:solidFill>
+                      <a:prstDash val="solid"/>
+                      <a:round/>
+                      <a:headEnd type="none" w="med" len="med"/>
+                      <a:tailEnd type="none" w="med" len="med"/>
+                    </a:lnR>
+                    <a:lnT w="12700" cap="flat" cmpd="sng" algn="ctr">
+                      <a:solidFill>
+                        <a:schemeClr val="tx1"/>
+                      </a:solidFill>
+                      <a:prstDash val="solid"/>
+                      <a:round/>
+                      <a:headEnd type="none" w="med" len="med"/>
+                      <a:tailEnd type="none" w="med" len="med"/>
+                    </a:lnT>
+                    <a:lnB w="12700" cap="flat" cmpd="sng" algn="ctr">
+                      <a:solidFill>
+                        <a:schemeClr val="tx1"/>
+                      </a:solidFill>
+                      <a:prstDash val="solid"/>
+                      <a:round/>
+                      <a:headEnd type="none" w="med" len="med"/>
+                      <a:tailEnd type="none" w="med" len="med"/>
+                    </a:lnB>
+                    <a:noFill/>
+                  </a:tcPr>
+                </a:tc>
+                <a:tc>
+                  <a:txBody>
+                    <a:bodyPr/>
+                    <a:lstStyle/>
+                    <a:p>
+                      <a:r>
+                        <a:rPr lang="en-US" sz="1000" dirty="0"/>
+                        <a:t>10</a:t>
+                      </a:r>
+                    </a:p>
+                  </a:txBody>
+                  <a:tcPr>
+                    <a:lnL w="12700" cap="flat" cmpd="sng" algn="ctr">
+                      <a:solidFill>
+                        <a:schemeClr val="tx1"/>
+                      </a:solidFill>
+                      <a:prstDash val="solid"/>
+                      <a:round/>
+                      <a:headEnd type="none" w="med" len="med"/>
+                      <a:tailEnd type="none" w="med" len="med"/>
+                    </a:lnL>
+                    <a:lnR w="12700" cap="flat" cmpd="sng" algn="ctr">
+                      <a:solidFill>
+                        <a:schemeClr val="tx1"/>
+                      </a:solidFill>
+                      <a:prstDash val="solid"/>
+                      <a:round/>
+                      <a:headEnd type="none" w="med" len="med"/>
+                      <a:tailEnd type="none" w="med" len="med"/>
+                    </a:lnR>
+                    <a:lnT w="12700" cap="flat" cmpd="sng" algn="ctr">
+                      <a:solidFill>
+                        <a:schemeClr val="tx1"/>
+                      </a:solidFill>
+                      <a:prstDash val="solid"/>
+                      <a:round/>
+                      <a:headEnd type="none" w="med" len="med"/>
+                      <a:tailEnd type="none" w="med" len="med"/>
+                    </a:lnT>
+                    <a:lnB w="12700" cap="flat" cmpd="sng" algn="ctr">
+                      <a:solidFill>
+                        <a:schemeClr val="tx1"/>
+                      </a:solidFill>
+                      <a:prstDash val="solid"/>
+                      <a:round/>
+                      <a:headEnd type="none" w="med" len="med"/>
+                      <a:tailEnd type="none" w="med" len="med"/>
+                    </a:lnB>
+                    <a:noFill/>
+                  </a:tcPr>
+                </a:tc>
+                <a:tc>
+                  <a:txBody>
+                    <a:bodyPr/>
+                    <a:lstStyle/>
+                    <a:p>
+                      <a:r>
+                        <a:rPr lang="en-US" sz="1000" dirty="0"/>
+                        <a:t>11</a:t>
+                      </a:r>
+                    </a:p>
+                  </a:txBody>
+                  <a:tcPr>
+                    <a:lnL w="12700" cap="flat" cmpd="sng" algn="ctr">
+                      <a:solidFill>
+                        <a:schemeClr val="tx1"/>
+                      </a:solidFill>
+                      <a:prstDash val="solid"/>
+                      <a:round/>
+                      <a:headEnd type="none" w="med" len="med"/>
+                      <a:tailEnd type="none" w="med" len="med"/>
+                    </a:lnL>
+                    <a:lnR w="12700" cap="flat" cmpd="sng" algn="ctr">
+                      <a:solidFill>
+                        <a:schemeClr val="tx1"/>
+                      </a:solidFill>
+                      <a:prstDash val="solid"/>
+                      <a:round/>
+                      <a:headEnd type="none" w="med" len="med"/>
+                      <a:tailEnd type="none" w="med" len="med"/>
+                    </a:lnR>
+                    <a:lnT w="12700" cap="flat" cmpd="sng" algn="ctr">
+                      <a:solidFill>
+                        <a:schemeClr val="tx1"/>
+                      </a:solidFill>
+                      <a:prstDash val="solid"/>
+                      <a:round/>
+                      <a:headEnd type="none" w="med" len="med"/>
+                      <a:tailEnd type="none" w="med" len="med"/>
+                    </a:lnT>
+                    <a:lnB w="12700" cap="flat" cmpd="sng" algn="ctr">
+                      <a:solidFill>
+                        <a:schemeClr val="tx1"/>
+                      </a:solidFill>
+                      <a:prstDash val="solid"/>
+                      <a:round/>
+                      <a:headEnd type="none" w="med" len="med"/>
+                      <a:tailEnd type="none" w="med" len="med"/>
+                    </a:lnB>
+                    <a:noFill/>
+                  </a:tcPr>
+                </a:tc>
+                <a:extLst>
+                  <a:ext uri="{0D108BD9-81ED-4DB2-BD59-A6C34878D82A}">
+                    <a16:rowId xmlns:a16="http://schemas.microsoft.com/office/drawing/2014/main" val="2548800074"/>
+                  </a:ext>
+                </a:extLst>
+              </a:tr>
+              <a:tr h="443087">
+                <a:tc>
+                  <a:txBody>
+                    <a:bodyPr/>
+                    <a:lstStyle/>
+                    <a:p>
+                      <a:r>
+                        <a:rPr lang="en-US" sz="1000" dirty="0"/>
+                        <a:t>12</a:t>
+                      </a:r>
+                    </a:p>
+                  </a:txBody>
+                  <a:tcPr>
+                    <a:lnL w="12700" cap="flat" cmpd="sng" algn="ctr">
+                      <a:solidFill>
+                        <a:schemeClr val="tx1"/>
+                      </a:solidFill>
+                      <a:prstDash val="solid"/>
+                      <a:round/>
+                      <a:headEnd type="none" w="med" len="med"/>
+                      <a:tailEnd type="none" w="med" len="med"/>
+                    </a:lnL>
+                    <a:lnR w="12700" cap="flat" cmpd="sng" algn="ctr">
+                      <a:solidFill>
+                        <a:schemeClr val="tx1"/>
+                      </a:solidFill>
+                      <a:prstDash val="solid"/>
+                      <a:round/>
+                      <a:headEnd type="none" w="med" len="med"/>
+                      <a:tailEnd type="none" w="med" len="med"/>
+                    </a:lnR>
+                    <a:lnT w="12700" cap="flat" cmpd="sng" algn="ctr">
+                      <a:solidFill>
+                        <a:schemeClr val="tx1"/>
+                      </a:solidFill>
+                      <a:prstDash val="solid"/>
+                      <a:round/>
+                      <a:headEnd type="none" w="med" len="med"/>
+                      <a:tailEnd type="none" w="med" len="med"/>
+                    </a:lnT>
+                    <a:lnB w="12700" cap="flat" cmpd="sng" algn="ctr">
+                      <a:solidFill>
+                        <a:schemeClr val="tx1"/>
+                      </a:solidFill>
+                      <a:prstDash val="solid"/>
+                      <a:round/>
+                      <a:headEnd type="none" w="med" len="med"/>
+                      <a:tailEnd type="none" w="med" len="med"/>
+                    </a:lnB>
+                    <a:noFill/>
+                  </a:tcPr>
+                </a:tc>
+                <a:tc>
+                  <a:txBody>
+                    <a:bodyPr/>
+                    <a:lstStyle/>
+                    <a:p>
+                      <a:r>
+                        <a:rPr lang="en-US" sz="1000" dirty="0"/>
+                        <a:t>13</a:t>
+                      </a:r>
+                    </a:p>
+                  </a:txBody>
+                  <a:tcPr>
+                    <a:lnL w="12700" cap="flat" cmpd="sng" algn="ctr">
+                      <a:solidFill>
+                        <a:schemeClr val="tx1"/>
+                      </a:solidFill>
+                      <a:prstDash val="solid"/>
+                      <a:round/>
+                      <a:headEnd type="none" w="med" len="med"/>
+                      <a:tailEnd type="none" w="med" len="med"/>
+                    </a:lnL>
+                    <a:lnR w="12700" cap="flat" cmpd="sng" algn="ctr">
+                      <a:solidFill>
+                        <a:schemeClr val="tx1"/>
+                      </a:solidFill>
+                      <a:prstDash val="solid"/>
+                      <a:round/>
+                      <a:headEnd type="none" w="med" len="med"/>
+                      <a:tailEnd type="none" w="med" len="med"/>
+                    </a:lnR>
+                    <a:lnT w="12700" cap="flat" cmpd="sng" algn="ctr">
+                      <a:solidFill>
+                        <a:schemeClr val="tx1"/>
+                      </a:solidFill>
+                      <a:prstDash val="solid"/>
+                      <a:round/>
+                      <a:headEnd type="none" w="med" len="med"/>
+                      <a:tailEnd type="none" w="med" len="med"/>
+                    </a:lnT>
+                    <a:lnB w="12700" cap="flat" cmpd="sng" algn="ctr">
+                      <a:solidFill>
+                        <a:schemeClr val="tx1"/>
+                      </a:solidFill>
+                      <a:prstDash val="solid"/>
+                      <a:round/>
+                      <a:headEnd type="none" w="med" len="med"/>
+                      <a:tailEnd type="none" w="med" len="med"/>
+                    </a:lnB>
+                    <a:noFill/>
+                  </a:tcPr>
+                </a:tc>
+                <a:tc>
+                  <a:txBody>
+                    <a:bodyPr/>
+                    <a:lstStyle/>
+                    <a:p>
+                      <a:r>
+                        <a:rPr lang="en-US" sz="1000" dirty="0"/>
+                        <a:t>14</a:t>
+                      </a:r>
+                    </a:p>
+                  </a:txBody>
+                  <a:tcPr>
+                    <a:lnL w="12700" cap="flat" cmpd="sng" algn="ctr">
+                      <a:solidFill>
+                        <a:schemeClr val="tx1"/>
+                      </a:solidFill>
+                      <a:prstDash val="solid"/>
+                      <a:round/>
+                      <a:headEnd type="none" w="med" len="med"/>
+                      <a:tailEnd type="none" w="med" len="med"/>
+                    </a:lnL>
+                    <a:lnR w="12700" cap="flat" cmpd="sng" algn="ctr">
+                      <a:solidFill>
+                        <a:schemeClr val="tx1"/>
+                      </a:solidFill>
+                      <a:prstDash val="solid"/>
+                      <a:round/>
+                      <a:headEnd type="none" w="med" len="med"/>
+                      <a:tailEnd type="none" w="med" len="med"/>
+                    </a:lnR>
+                    <a:lnT w="12700" cap="flat" cmpd="sng" algn="ctr">
+                      <a:solidFill>
+                        <a:schemeClr val="tx1"/>
+                      </a:solidFill>
+                      <a:prstDash val="solid"/>
+                      <a:round/>
+                      <a:headEnd type="none" w="med" len="med"/>
+                      <a:tailEnd type="none" w="med" len="med"/>
+                    </a:lnT>
+                    <a:lnB w="12700" cap="flat" cmpd="sng" algn="ctr">
+                      <a:solidFill>
+                        <a:schemeClr val="tx1"/>
+                      </a:solidFill>
+                      <a:prstDash val="solid"/>
+                      <a:round/>
+                      <a:headEnd type="none" w="med" len="med"/>
+                      <a:tailEnd type="none" w="med" len="med"/>
+                    </a:lnB>
+                    <a:noFill/>
+                  </a:tcPr>
+                </a:tc>
+                <a:tc>
+                  <a:txBody>
+                    <a:bodyPr/>
+                    <a:lstStyle/>
+                    <a:p>
+                      <a:endParaRPr lang="en-US" dirty="0"/>
+                    </a:p>
+                  </a:txBody>
+                  <a:tcPr>
+                    <a:lnL w="12700" cap="flat" cmpd="sng" algn="ctr">
+                      <a:solidFill>
+                        <a:schemeClr val="tx1"/>
+                      </a:solidFill>
+                      <a:prstDash val="solid"/>
+                      <a:round/>
+                      <a:headEnd type="none" w="med" len="med"/>
+                      <a:tailEnd type="none" w="med" len="med"/>
+                    </a:lnL>
+                    <a:lnR w="12700" cap="flat" cmpd="sng" algn="ctr">
+                      <a:solidFill>
+                        <a:schemeClr val="tx1"/>
+                      </a:solidFill>
+                      <a:prstDash val="solid"/>
+                      <a:round/>
+                      <a:headEnd type="none" w="med" len="med"/>
+                      <a:tailEnd type="none" w="med" len="med"/>
+                    </a:lnR>
+                    <a:lnT w="12700" cap="flat" cmpd="sng" algn="ctr">
+                      <a:solidFill>
+                        <a:schemeClr val="tx1"/>
+                      </a:solidFill>
+                      <a:prstDash val="solid"/>
+                      <a:round/>
+                      <a:headEnd type="none" w="med" len="med"/>
+                      <a:tailEnd type="none" w="med" len="med"/>
+                    </a:lnT>
+                    <a:lnB w="12700" cap="flat" cmpd="sng" algn="ctr">
+                      <a:solidFill>
+                        <a:schemeClr val="tx1"/>
+                      </a:solidFill>
+                      <a:prstDash val="solid"/>
+                      <a:round/>
+                      <a:headEnd type="none" w="med" len="med"/>
+                      <a:tailEnd type="none" w="med" len="med"/>
+                    </a:lnB>
+                    <a:solidFill>
+                      <a:schemeClr val="tx1">
+                        <a:alpha val="39306"/>
+                      </a:schemeClr>
+                    </a:solidFill>
+                  </a:tcPr>
+                </a:tc>
+                <a:extLst>
+                  <a:ext uri="{0D108BD9-81ED-4DB2-BD59-A6C34878D82A}">
+                    <a16:rowId xmlns:a16="http://schemas.microsoft.com/office/drawing/2014/main" val="3162299255"/>
+                  </a:ext>
+                </a:extLst>
+              </a:tr>
+            </a:tbl>
+          </a:graphicData>
+        </a:graphic>
+      </p:graphicFrame>
     </p:spTree>
     <p:extLst>
       <p:ext uri="{BB962C8B-B14F-4D97-AF65-F5344CB8AC3E}">

--- a/docs/RL_Sutton_and_Barto_Figures.pptx
+++ b/docs/RL_Sutton_and_Barto_Figures.pptx
@@ -261,7 +261,7 @@
           <a:p>
             <a:fld id="{00EB4FB6-004D-5A4A-BC52-C2F18F80D6B6}" type="datetimeFigureOut">
               <a:rPr lang="en-US" smtClean="0"/>
-              <a:t>3/4/24</a:t>
+              <a:t>5/6/25</a:t>
             </a:fld>
             <a:endParaRPr lang="en-US"/>
           </a:p>
@@ -459,7 +459,7 @@
           <a:p>
             <a:fld id="{00EB4FB6-004D-5A4A-BC52-C2F18F80D6B6}" type="datetimeFigureOut">
               <a:rPr lang="en-US" smtClean="0"/>
-              <a:t>3/4/24</a:t>
+              <a:t>5/6/25</a:t>
             </a:fld>
             <a:endParaRPr lang="en-US"/>
           </a:p>
@@ -667,7 +667,7 @@
           <a:p>
             <a:fld id="{00EB4FB6-004D-5A4A-BC52-C2F18F80D6B6}" type="datetimeFigureOut">
               <a:rPr lang="en-US" smtClean="0"/>
-              <a:t>3/4/24</a:t>
+              <a:t>5/6/25</a:t>
             </a:fld>
             <a:endParaRPr lang="en-US"/>
           </a:p>
@@ -865,7 +865,7 @@
           <a:p>
             <a:fld id="{00EB4FB6-004D-5A4A-BC52-C2F18F80D6B6}" type="datetimeFigureOut">
               <a:rPr lang="en-US" smtClean="0"/>
-              <a:t>3/4/24</a:t>
+              <a:t>5/6/25</a:t>
             </a:fld>
             <a:endParaRPr lang="en-US"/>
           </a:p>
@@ -1140,7 +1140,7 @@
           <a:p>
             <a:fld id="{00EB4FB6-004D-5A4A-BC52-C2F18F80D6B6}" type="datetimeFigureOut">
               <a:rPr lang="en-US" smtClean="0"/>
-              <a:t>3/4/24</a:t>
+              <a:t>5/6/25</a:t>
             </a:fld>
             <a:endParaRPr lang="en-US"/>
           </a:p>
@@ -1405,7 +1405,7 @@
           <a:p>
             <a:fld id="{00EB4FB6-004D-5A4A-BC52-C2F18F80D6B6}" type="datetimeFigureOut">
               <a:rPr lang="en-US" smtClean="0"/>
-              <a:t>3/4/24</a:t>
+              <a:t>5/6/25</a:t>
             </a:fld>
             <a:endParaRPr lang="en-US"/>
           </a:p>
@@ -1817,7 +1817,7 @@
           <a:p>
             <a:fld id="{00EB4FB6-004D-5A4A-BC52-C2F18F80D6B6}" type="datetimeFigureOut">
               <a:rPr lang="en-US" smtClean="0"/>
-              <a:t>3/4/24</a:t>
+              <a:t>5/6/25</a:t>
             </a:fld>
             <a:endParaRPr lang="en-US"/>
           </a:p>
@@ -1958,7 +1958,7 @@
           <a:p>
             <a:fld id="{00EB4FB6-004D-5A4A-BC52-C2F18F80D6B6}" type="datetimeFigureOut">
               <a:rPr lang="en-US" smtClean="0"/>
-              <a:t>3/4/24</a:t>
+              <a:t>5/6/25</a:t>
             </a:fld>
             <a:endParaRPr lang="en-US"/>
           </a:p>
@@ -2071,7 +2071,7 @@
           <a:p>
             <a:fld id="{00EB4FB6-004D-5A4A-BC52-C2F18F80D6B6}" type="datetimeFigureOut">
               <a:rPr lang="en-US" smtClean="0"/>
-              <a:t>3/4/24</a:t>
+              <a:t>5/6/25</a:t>
             </a:fld>
             <a:endParaRPr lang="en-US"/>
           </a:p>
@@ -2382,7 +2382,7 @@
           <a:p>
             <a:fld id="{00EB4FB6-004D-5A4A-BC52-C2F18F80D6B6}" type="datetimeFigureOut">
               <a:rPr lang="en-US" smtClean="0"/>
-              <a:t>3/4/24</a:t>
+              <a:t>5/6/25</a:t>
             </a:fld>
             <a:endParaRPr lang="en-US"/>
           </a:p>
@@ -2670,7 +2670,7 @@
           <a:p>
             <a:fld id="{00EB4FB6-004D-5A4A-BC52-C2F18F80D6B6}" type="datetimeFigureOut">
               <a:rPr lang="en-US" smtClean="0"/>
-              <a:t>3/4/24</a:t>
+              <a:t>5/6/25</a:t>
             </a:fld>
             <a:endParaRPr lang="en-US"/>
           </a:p>
@@ -2911,7 +2911,7 @@
           <a:p>
             <a:fld id="{00EB4FB6-004D-5A4A-BC52-C2F18F80D6B6}" type="datetimeFigureOut">
               <a:rPr lang="en-US" smtClean="0"/>
-              <a:t>3/4/24</a:t>
+              <a:t>5/6/25</a:t>
             </a:fld>
             <a:endParaRPr lang="en-US"/>
           </a:p>
@@ -9413,6 +9413,272 @@
           </a:graphicData>
         </a:graphic>
       </p:graphicFrame>
+      <p:grpSp>
+        <p:nvGrpSpPr>
+          <p:cNvPr id="19" name="Group 18">
+            <a:extLst>
+              <a:ext uri="{FF2B5EF4-FFF2-40B4-BE49-F238E27FC236}">
+                <a16:creationId xmlns:a16="http://schemas.microsoft.com/office/drawing/2014/main" id="{68DFCEF2-4138-03B3-F5AB-615015E63510}"/>
+              </a:ext>
+            </a:extLst>
+          </p:cNvPr>
+          <p:cNvGrpSpPr/>
+          <p:nvPr/>
+        </p:nvGrpSpPr>
+        <p:grpSpPr>
+          <a:xfrm>
+            <a:off x="1305428" y="3880604"/>
+            <a:ext cx="1014248" cy="1384945"/>
+            <a:chOff x="743607" y="4004441"/>
+            <a:chExt cx="1014248" cy="1384945"/>
+          </a:xfrm>
+        </p:grpSpPr>
+        <p:cxnSp>
+          <p:nvCxnSpPr>
+            <p:cNvPr id="3" name="Straight Arrow Connector 2">
+              <a:extLst>
+                <a:ext uri="{FF2B5EF4-FFF2-40B4-BE49-F238E27FC236}">
+                  <a16:creationId xmlns:a16="http://schemas.microsoft.com/office/drawing/2014/main" id="{6513D34F-37C3-2EB7-DE97-1F7FF59A9CA0}"/>
+                </a:ext>
+              </a:extLst>
+            </p:cNvPr>
+            <p:cNvCxnSpPr>
+              <a:cxnSpLocks/>
+            </p:cNvCxnSpPr>
+            <p:nvPr/>
+          </p:nvCxnSpPr>
+          <p:spPr>
+            <a:xfrm>
+              <a:off x="1250731" y="4004441"/>
+              <a:ext cx="0" cy="966952"/>
+            </a:xfrm>
+            <a:prstGeom prst="straightConnector1">
+              <a:avLst/>
+            </a:prstGeom>
+            <a:ln w="12700">
+              <a:headEnd type="triangle"/>
+              <a:tailEnd type="triangle"/>
+            </a:ln>
+          </p:spPr>
+          <p:style>
+            <a:lnRef idx="1">
+              <a:schemeClr val="accent1"/>
+            </a:lnRef>
+            <a:fillRef idx="0">
+              <a:schemeClr val="accent1"/>
+            </a:fillRef>
+            <a:effectRef idx="0">
+              <a:schemeClr val="accent1"/>
+            </a:effectRef>
+            <a:fontRef idx="minor">
+              <a:schemeClr val="tx1"/>
+            </a:fontRef>
+          </p:style>
+        </p:cxnSp>
+        <p:cxnSp>
+          <p:nvCxnSpPr>
+            <p:cNvPr id="7" name="Straight Arrow Connector 6">
+              <a:extLst>
+                <a:ext uri="{FF2B5EF4-FFF2-40B4-BE49-F238E27FC236}">
+                  <a16:creationId xmlns:a16="http://schemas.microsoft.com/office/drawing/2014/main" id="{1D07A5C8-721B-38DE-0A61-81DD44B0481D}"/>
+                </a:ext>
+              </a:extLst>
+            </p:cNvPr>
+            <p:cNvCxnSpPr>
+              <a:cxnSpLocks/>
+            </p:cNvCxnSpPr>
+            <p:nvPr/>
+          </p:nvCxnSpPr>
+          <p:spPr>
+            <a:xfrm>
+              <a:off x="743607" y="4503683"/>
+              <a:ext cx="1014248" cy="0"/>
+            </a:xfrm>
+            <a:prstGeom prst="straightConnector1">
+              <a:avLst/>
+            </a:prstGeom>
+            <a:ln w="12700">
+              <a:headEnd type="triangle"/>
+              <a:tailEnd type="triangle"/>
+            </a:ln>
+          </p:spPr>
+          <p:style>
+            <a:lnRef idx="1">
+              <a:schemeClr val="accent1"/>
+            </a:lnRef>
+            <a:fillRef idx="0">
+              <a:schemeClr val="accent1"/>
+            </a:fillRef>
+            <a:effectRef idx="0">
+              <a:schemeClr val="accent1"/>
+            </a:effectRef>
+            <a:fontRef idx="minor">
+              <a:schemeClr val="tx1"/>
+            </a:fontRef>
+          </p:style>
+        </p:cxnSp>
+        <p:sp>
+          <p:nvSpPr>
+            <p:cNvPr id="10" name="TextBox 9">
+              <a:extLst>
+                <a:ext uri="{FF2B5EF4-FFF2-40B4-BE49-F238E27FC236}">
+                  <a16:creationId xmlns:a16="http://schemas.microsoft.com/office/drawing/2014/main" id="{CDCE8F62-D79F-41C5-50BA-17EDEF6868A0}"/>
+                </a:ext>
+              </a:extLst>
+            </p:cNvPr>
+            <p:cNvSpPr txBox="1"/>
+            <p:nvPr/>
+          </p:nvSpPr>
+          <p:spPr>
+            <a:xfrm>
+              <a:off x="933977" y="5112387"/>
+              <a:ext cx="633507" cy="276999"/>
+            </a:xfrm>
+            <a:prstGeom prst="rect">
+              <a:avLst/>
+            </a:prstGeom>
+            <a:noFill/>
+          </p:spPr>
+          <p:txBody>
+            <a:bodyPr wrap="none" rtlCol="0">
+              <a:spAutoFit/>
+            </a:bodyPr>
+            <a:lstStyle/>
+            <a:p>
+              <a:r>
+                <a:rPr lang="en-US" sz="1200" dirty="0"/>
+                <a:t>actions</a:t>
+              </a:r>
+            </a:p>
+          </p:txBody>
+        </p:sp>
+      </p:grpSp>
+      <mc:AlternateContent xmlns:mc="http://schemas.openxmlformats.org/markup-compatibility/2006">
+        <mc:Choice xmlns:a14="http://schemas.microsoft.com/office/drawing/2010/main" Requires="a14">
+          <p:sp>
+            <p:nvSpPr>
+              <p:cNvPr id="20" name="TextBox 19">
+                <a:extLst>
+                  <a:ext uri="{FF2B5EF4-FFF2-40B4-BE49-F238E27FC236}">
+                    <a16:creationId xmlns:a16="http://schemas.microsoft.com/office/drawing/2014/main" id="{FBC2264D-482E-58AB-B0AA-7E99812CB9A8}"/>
+                  </a:ext>
+                </a:extLst>
+              </p:cNvPr>
+              <p:cNvSpPr txBox="1"/>
+              <p:nvPr/>
+            </p:nvSpPr>
+            <p:spPr>
+              <a:xfrm>
+                <a:off x="5126579" y="4322124"/>
+                <a:ext cx="1221873" cy="461665"/>
+              </a:xfrm>
+              <a:prstGeom prst="rect">
+                <a:avLst/>
+              </a:prstGeom>
+              <a:noFill/>
+            </p:spPr>
+            <p:txBody>
+              <a:bodyPr wrap="none" rtlCol="0">
+                <a:spAutoFit/>
+              </a:bodyPr>
+              <a:lstStyle/>
+              <a:p>
+                <a14:m>
+                  <m:oMathPara xmlns:m="http://schemas.openxmlformats.org/officeDocument/2006/math">
+                    <m:oMathParaPr>
+                      <m:jc m:val="centerGroup"/>
+                    </m:oMathParaPr>
+                    <m:oMath xmlns:m="http://schemas.openxmlformats.org/officeDocument/2006/math">
+                      <m:sSub>
+                        <m:sSubPr>
+                          <m:ctrlPr>
+                            <a:rPr lang="en-US" sz="1200" i="1" smtClean="0">
+                              <a:latin typeface="Cambria Math" panose="02040503050406030204" pitchFamily="18" charset="0"/>
+                            </a:rPr>
+                          </m:ctrlPr>
+                        </m:sSubPr>
+                        <m:e>
+                          <m:r>
+                            <a:rPr lang="en-US" sz="1200" b="0" i="1" smtClean="0">
+                              <a:latin typeface="Cambria Math" panose="02040503050406030204" pitchFamily="18" charset="0"/>
+                            </a:rPr>
+                            <m:t>𝑅</m:t>
+                          </m:r>
+                        </m:e>
+                        <m:sub>
+                          <m:r>
+                            <a:rPr lang="en-US" sz="1200" b="0" i="1" smtClean="0">
+                              <a:latin typeface="Cambria Math" panose="02040503050406030204" pitchFamily="18" charset="0"/>
+                            </a:rPr>
+                            <m:t>𝑡</m:t>
+                          </m:r>
+                        </m:sub>
+                      </m:sSub>
+                      <m:r>
+                        <a:rPr lang="en-US" sz="1200" b="0" i="1" smtClean="0">
+                          <a:latin typeface="Cambria Math" panose="02040503050406030204" pitchFamily="18" charset="0"/>
+                        </a:rPr>
+                        <m:t>=−1</m:t>
+                      </m:r>
+                    </m:oMath>
+                  </m:oMathPara>
+                </a14:m>
+                <a:endParaRPr lang="en-US" sz="1200" dirty="0"/>
+              </a:p>
+              <a:p>
+                <a:r>
+                  <a:rPr lang="en-US" sz="1200" dirty="0"/>
+                  <a:t>on all transitions</a:t>
+                </a:r>
+              </a:p>
+            </p:txBody>
+          </p:sp>
+        </mc:Choice>
+        <mc:Fallback>
+          <p:sp>
+            <p:nvSpPr>
+              <p:cNvPr id="20" name="TextBox 19">
+                <a:extLst>
+                  <a:ext uri="{FF2B5EF4-FFF2-40B4-BE49-F238E27FC236}">
+                    <a16:creationId xmlns:a16="http://schemas.microsoft.com/office/drawing/2014/main" id="{FBC2264D-482E-58AB-B0AA-7E99812CB9A8}"/>
+                  </a:ext>
+                </a:extLst>
+              </p:cNvPr>
+              <p:cNvSpPr txBox="1">
+                <a:spLocks noRot="1" noChangeAspect="1" noMove="1" noResize="1" noEditPoints="1" noAdjustHandles="1" noChangeArrowheads="1" noChangeShapeType="1" noTextEdit="1"/>
+              </p:cNvSpPr>
+              <p:nvPr/>
+            </p:nvSpPr>
+            <p:spPr>
+              <a:xfrm>
+                <a:off x="5126579" y="4322124"/>
+                <a:ext cx="1221873" cy="461665"/>
+              </a:xfrm>
+              <a:prstGeom prst="rect">
+                <a:avLst/>
+              </a:prstGeom>
+              <a:blipFill>
+                <a:blip r:embed="rId9"/>
+                <a:stretch>
+                  <a:fillRect b="-10811"/>
+                </a:stretch>
+              </a:blipFill>
+            </p:spPr>
+            <p:txBody>
+              <a:bodyPr/>
+              <a:lstStyle/>
+              <a:p>
+                <a:r>
+                  <a:rPr lang="en-US">
+                    <a:noFill/>
+                  </a:rPr>
+                  <a:t> </a:t>
+                </a:r>
+              </a:p>
+            </p:txBody>
+          </p:sp>
+        </mc:Fallback>
+      </mc:AlternateContent>
     </p:spTree>
     <p:extLst>
       <p:ext uri="{BB962C8B-B14F-4D97-AF65-F5344CB8AC3E}">
